--- a/orga/milestone_presentations/MP2.pptx
+++ b/orga/milestone_presentations/MP2.pptx
@@ -136,6 +136,813 @@
 </file>
 
 <file path=ppt/diagrams/colors1.xml><?xml version="1.0" encoding="utf-8"?>
+<dgm:colorsDef xmlns:dgm="http://schemas.openxmlformats.org/drawingml/2006/diagram" xmlns:a="http://schemas.openxmlformats.org/drawingml/2006/main" uniqueId="urn:microsoft.com/office/officeart/2005/8/colors/accent3_1">
+  <dgm:title val=""/>
+  <dgm:desc val=""/>
+  <dgm:catLst>
+    <dgm:cat type="accent3" pri="11100"/>
+  </dgm:catLst>
+  <dgm:styleLbl name="node0">
+    <dgm:fillClrLst meth="repeat">
+      <a:schemeClr val="lt1"/>
+    </dgm:fillClrLst>
+    <dgm:linClrLst meth="repeat">
+      <a:schemeClr val="accent3">
+        <a:shade val="80000"/>
+      </a:schemeClr>
+    </dgm:linClrLst>
+    <dgm:effectClrLst/>
+    <dgm:txLinClrLst/>
+    <dgm:txFillClrLst meth="repeat">
+      <a:schemeClr val="dk1"/>
+    </dgm:txFillClrLst>
+    <dgm:txEffectClrLst/>
+  </dgm:styleLbl>
+  <dgm:styleLbl name="node1">
+    <dgm:fillClrLst meth="repeat">
+      <a:schemeClr val="lt1"/>
+    </dgm:fillClrLst>
+    <dgm:linClrLst meth="repeat">
+      <a:schemeClr val="accent3">
+        <a:shade val="80000"/>
+      </a:schemeClr>
+    </dgm:linClrLst>
+    <dgm:effectClrLst/>
+    <dgm:txLinClrLst/>
+    <dgm:txFillClrLst meth="repeat">
+      <a:schemeClr val="dk1"/>
+    </dgm:txFillClrLst>
+    <dgm:txEffectClrLst/>
+  </dgm:styleLbl>
+  <dgm:styleLbl name="alignNode1">
+    <dgm:fillClrLst meth="repeat">
+      <a:schemeClr val="lt1"/>
+    </dgm:fillClrLst>
+    <dgm:linClrLst meth="repeat">
+      <a:schemeClr val="accent3">
+        <a:shade val="80000"/>
+      </a:schemeClr>
+    </dgm:linClrLst>
+    <dgm:effectClrLst/>
+    <dgm:txLinClrLst/>
+    <dgm:txFillClrLst meth="repeat">
+      <a:schemeClr val="dk1"/>
+    </dgm:txFillClrLst>
+    <dgm:txEffectClrLst/>
+  </dgm:styleLbl>
+  <dgm:styleLbl name="lnNode1">
+    <dgm:fillClrLst meth="repeat">
+      <a:schemeClr val="lt1"/>
+    </dgm:fillClrLst>
+    <dgm:linClrLst meth="repeat">
+      <a:schemeClr val="accent3">
+        <a:shade val="80000"/>
+      </a:schemeClr>
+    </dgm:linClrLst>
+    <dgm:effectClrLst/>
+    <dgm:txLinClrLst/>
+    <dgm:txFillClrLst meth="repeat">
+      <a:schemeClr val="dk1"/>
+    </dgm:txFillClrLst>
+    <dgm:txEffectClrLst/>
+  </dgm:styleLbl>
+  <dgm:styleLbl name="vennNode1">
+    <dgm:fillClrLst meth="repeat">
+      <a:schemeClr val="lt1">
+        <a:alpha val="50000"/>
+      </a:schemeClr>
+    </dgm:fillClrLst>
+    <dgm:linClrLst meth="repeat">
+      <a:schemeClr val="accent3">
+        <a:shade val="80000"/>
+      </a:schemeClr>
+    </dgm:linClrLst>
+    <dgm:effectClrLst/>
+    <dgm:txLinClrLst/>
+    <dgm:txFillClrLst/>
+    <dgm:txEffectClrLst/>
+  </dgm:styleLbl>
+  <dgm:styleLbl name="node2">
+    <dgm:fillClrLst meth="repeat">
+      <a:schemeClr val="lt1"/>
+    </dgm:fillClrLst>
+    <dgm:linClrLst meth="repeat">
+      <a:schemeClr val="accent3">
+        <a:shade val="80000"/>
+      </a:schemeClr>
+    </dgm:linClrLst>
+    <dgm:effectClrLst/>
+    <dgm:txLinClrLst/>
+    <dgm:txFillClrLst meth="repeat">
+      <a:schemeClr val="dk1"/>
+    </dgm:txFillClrLst>
+    <dgm:txEffectClrLst/>
+  </dgm:styleLbl>
+  <dgm:styleLbl name="node3">
+    <dgm:fillClrLst meth="repeat">
+      <a:schemeClr val="lt1"/>
+    </dgm:fillClrLst>
+    <dgm:linClrLst meth="repeat">
+      <a:schemeClr val="accent3">
+        <a:shade val="80000"/>
+      </a:schemeClr>
+    </dgm:linClrLst>
+    <dgm:effectClrLst/>
+    <dgm:txLinClrLst/>
+    <dgm:txFillClrLst meth="repeat">
+      <a:schemeClr val="dk1"/>
+    </dgm:txFillClrLst>
+    <dgm:txEffectClrLst/>
+  </dgm:styleLbl>
+  <dgm:styleLbl name="node4">
+    <dgm:fillClrLst meth="repeat">
+      <a:schemeClr val="lt1"/>
+    </dgm:fillClrLst>
+    <dgm:linClrLst meth="repeat">
+      <a:schemeClr val="accent3">
+        <a:shade val="80000"/>
+      </a:schemeClr>
+    </dgm:linClrLst>
+    <dgm:effectClrLst/>
+    <dgm:txLinClrLst/>
+    <dgm:txFillClrLst meth="repeat">
+      <a:schemeClr val="dk1"/>
+    </dgm:txFillClrLst>
+    <dgm:txEffectClrLst/>
+  </dgm:styleLbl>
+  <dgm:styleLbl name="fgImgPlace1">
+    <dgm:fillClrLst meth="repeat">
+      <a:schemeClr val="accent3">
+        <a:tint val="40000"/>
+      </a:schemeClr>
+    </dgm:fillClrLst>
+    <dgm:linClrLst meth="repeat">
+      <a:schemeClr val="accent3">
+        <a:shade val="80000"/>
+      </a:schemeClr>
+    </dgm:linClrLst>
+    <dgm:effectClrLst/>
+    <dgm:txLinClrLst/>
+    <dgm:txFillClrLst meth="repeat">
+      <a:schemeClr val="lt1"/>
+    </dgm:txFillClrLst>
+    <dgm:txEffectClrLst/>
+  </dgm:styleLbl>
+  <dgm:styleLbl name="alignImgPlace1">
+    <dgm:fillClrLst meth="repeat">
+      <a:schemeClr val="accent3">
+        <a:tint val="40000"/>
+      </a:schemeClr>
+    </dgm:fillClrLst>
+    <dgm:linClrLst meth="repeat">
+      <a:schemeClr val="accent3">
+        <a:shade val="80000"/>
+      </a:schemeClr>
+    </dgm:linClrLst>
+    <dgm:effectClrLst/>
+    <dgm:txLinClrLst/>
+    <dgm:txFillClrLst meth="repeat">
+      <a:schemeClr val="lt1"/>
+    </dgm:txFillClrLst>
+    <dgm:txEffectClrLst/>
+  </dgm:styleLbl>
+  <dgm:styleLbl name="bgImgPlace1">
+    <dgm:fillClrLst meth="repeat">
+      <a:schemeClr val="accent3">
+        <a:tint val="40000"/>
+      </a:schemeClr>
+    </dgm:fillClrLst>
+    <dgm:linClrLst meth="repeat">
+      <a:schemeClr val="accent3">
+        <a:shade val="80000"/>
+      </a:schemeClr>
+    </dgm:linClrLst>
+    <dgm:effectClrLst/>
+    <dgm:txLinClrLst/>
+    <dgm:txFillClrLst meth="repeat">
+      <a:schemeClr val="lt1"/>
+    </dgm:txFillClrLst>
+    <dgm:txEffectClrLst/>
+  </dgm:styleLbl>
+  <dgm:styleLbl name="sibTrans2D1">
+    <dgm:fillClrLst meth="repeat">
+      <a:schemeClr val="accent3">
+        <a:tint val="60000"/>
+      </a:schemeClr>
+    </dgm:fillClrLst>
+    <dgm:linClrLst meth="repeat">
+      <a:schemeClr val="accent3">
+        <a:tint val="60000"/>
+      </a:schemeClr>
+    </dgm:linClrLst>
+    <dgm:effectClrLst/>
+    <dgm:txLinClrLst/>
+    <dgm:txFillClrLst meth="repeat">
+      <a:schemeClr val="dk1"/>
+    </dgm:txFillClrLst>
+    <dgm:txEffectClrLst/>
+  </dgm:styleLbl>
+  <dgm:styleLbl name="fgSibTrans2D1">
+    <dgm:fillClrLst meth="repeat">
+      <a:schemeClr val="accent3">
+        <a:tint val="60000"/>
+      </a:schemeClr>
+    </dgm:fillClrLst>
+    <dgm:linClrLst meth="repeat">
+      <a:schemeClr val="accent3">
+        <a:tint val="60000"/>
+      </a:schemeClr>
+    </dgm:linClrLst>
+    <dgm:effectClrLst/>
+    <dgm:txLinClrLst/>
+    <dgm:txFillClrLst meth="repeat">
+      <a:schemeClr val="dk1"/>
+    </dgm:txFillClrLst>
+    <dgm:txEffectClrLst/>
+  </dgm:styleLbl>
+  <dgm:styleLbl name="bgSibTrans2D1">
+    <dgm:fillClrLst meth="repeat">
+      <a:schemeClr val="accent3">
+        <a:tint val="60000"/>
+      </a:schemeClr>
+    </dgm:fillClrLst>
+    <dgm:linClrLst meth="repeat">
+      <a:schemeClr val="accent3">
+        <a:tint val="60000"/>
+      </a:schemeClr>
+    </dgm:linClrLst>
+    <dgm:effectClrLst/>
+    <dgm:txLinClrLst/>
+    <dgm:txFillClrLst meth="repeat">
+      <a:schemeClr val="dk1"/>
+    </dgm:txFillClrLst>
+    <dgm:txEffectClrLst/>
+  </dgm:styleLbl>
+  <dgm:styleLbl name="sibTrans1D1">
+    <dgm:fillClrLst meth="repeat">
+      <a:schemeClr val="accent3"/>
+    </dgm:fillClrLst>
+    <dgm:linClrLst meth="repeat">
+      <a:schemeClr val="accent3"/>
+    </dgm:linClrLst>
+    <dgm:effectClrLst/>
+    <dgm:txLinClrLst/>
+    <dgm:txFillClrLst meth="repeat">
+      <a:schemeClr val="tx1"/>
+    </dgm:txFillClrLst>
+    <dgm:txEffectClrLst/>
+  </dgm:styleLbl>
+  <dgm:styleLbl name="callout">
+    <dgm:fillClrLst meth="repeat">
+      <a:schemeClr val="accent3"/>
+    </dgm:fillClrLst>
+    <dgm:linClrLst meth="repeat">
+      <a:schemeClr val="accent3"/>
+    </dgm:linClrLst>
+    <dgm:effectClrLst/>
+    <dgm:txLinClrLst/>
+    <dgm:txFillClrLst meth="repeat">
+      <a:schemeClr val="tx1"/>
+    </dgm:txFillClrLst>
+    <dgm:txEffectClrLst/>
+  </dgm:styleLbl>
+  <dgm:styleLbl name="asst0">
+    <dgm:fillClrLst meth="repeat">
+      <a:schemeClr val="lt1"/>
+    </dgm:fillClrLst>
+    <dgm:linClrLst meth="repeat">
+      <a:schemeClr val="accent3">
+        <a:shade val="80000"/>
+      </a:schemeClr>
+    </dgm:linClrLst>
+    <dgm:effectClrLst/>
+    <dgm:txLinClrLst/>
+    <dgm:txFillClrLst meth="repeat">
+      <a:schemeClr val="dk1"/>
+    </dgm:txFillClrLst>
+    <dgm:txEffectClrLst/>
+  </dgm:styleLbl>
+  <dgm:styleLbl name="asst1">
+    <dgm:fillClrLst meth="repeat">
+      <a:schemeClr val="lt1"/>
+    </dgm:fillClrLst>
+    <dgm:linClrLst meth="repeat">
+      <a:schemeClr val="accent3">
+        <a:shade val="80000"/>
+      </a:schemeClr>
+    </dgm:linClrLst>
+    <dgm:effectClrLst/>
+    <dgm:txLinClrLst/>
+    <dgm:txFillClrLst meth="repeat">
+      <a:schemeClr val="dk1"/>
+    </dgm:txFillClrLst>
+    <dgm:txEffectClrLst/>
+  </dgm:styleLbl>
+  <dgm:styleLbl name="asst2">
+    <dgm:fillClrLst meth="repeat">
+      <a:schemeClr val="lt1"/>
+    </dgm:fillClrLst>
+    <dgm:linClrLst meth="repeat">
+      <a:schemeClr val="accent3">
+        <a:shade val="80000"/>
+      </a:schemeClr>
+    </dgm:linClrLst>
+    <dgm:effectClrLst/>
+    <dgm:txLinClrLst/>
+    <dgm:txFillClrLst meth="repeat">
+      <a:schemeClr val="dk1"/>
+    </dgm:txFillClrLst>
+    <dgm:txEffectClrLst/>
+  </dgm:styleLbl>
+  <dgm:styleLbl name="asst3">
+    <dgm:fillClrLst meth="repeat">
+      <a:schemeClr val="lt1"/>
+    </dgm:fillClrLst>
+    <dgm:linClrLst meth="repeat">
+      <a:schemeClr val="accent3">
+        <a:shade val="80000"/>
+      </a:schemeClr>
+    </dgm:linClrLst>
+    <dgm:effectClrLst/>
+    <dgm:txLinClrLst/>
+    <dgm:txFillClrLst meth="repeat">
+      <a:schemeClr val="dk1"/>
+    </dgm:txFillClrLst>
+    <dgm:txEffectClrLst/>
+  </dgm:styleLbl>
+  <dgm:styleLbl name="asst4">
+    <dgm:fillClrLst meth="repeat">
+      <a:schemeClr val="lt1"/>
+    </dgm:fillClrLst>
+    <dgm:linClrLst meth="repeat">
+      <a:schemeClr val="accent3">
+        <a:shade val="80000"/>
+      </a:schemeClr>
+    </dgm:linClrLst>
+    <dgm:effectClrLst/>
+    <dgm:txLinClrLst/>
+    <dgm:txFillClrLst meth="repeat">
+      <a:schemeClr val="dk1"/>
+    </dgm:txFillClrLst>
+    <dgm:txEffectClrLst/>
+  </dgm:styleLbl>
+  <dgm:styleLbl name="parChTrans2D1">
+    <dgm:fillClrLst meth="repeat">
+      <a:schemeClr val="accent3">
+        <a:tint val="60000"/>
+      </a:schemeClr>
+    </dgm:fillClrLst>
+    <dgm:linClrLst meth="repeat">
+      <a:schemeClr val="accent3">
+        <a:tint val="60000"/>
+      </a:schemeClr>
+    </dgm:linClrLst>
+    <dgm:effectClrLst/>
+    <dgm:txLinClrLst/>
+    <dgm:txFillClrLst/>
+    <dgm:txEffectClrLst/>
+  </dgm:styleLbl>
+  <dgm:styleLbl name="parChTrans2D2">
+    <dgm:fillClrLst meth="repeat">
+      <a:schemeClr val="accent3"/>
+    </dgm:fillClrLst>
+    <dgm:linClrLst meth="repeat">
+      <a:schemeClr val="accent3"/>
+    </dgm:linClrLst>
+    <dgm:effectClrLst/>
+    <dgm:txLinClrLst/>
+    <dgm:txFillClrLst/>
+    <dgm:txEffectClrLst/>
+  </dgm:styleLbl>
+  <dgm:styleLbl name="parChTrans2D3">
+    <dgm:fillClrLst meth="repeat">
+      <a:schemeClr val="accent3"/>
+    </dgm:fillClrLst>
+    <dgm:linClrLst meth="repeat">
+      <a:schemeClr val="accent3"/>
+    </dgm:linClrLst>
+    <dgm:effectClrLst/>
+    <dgm:txLinClrLst/>
+    <dgm:txFillClrLst/>
+    <dgm:txEffectClrLst/>
+  </dgm:styleLbl>
+  <dgm:styleLbl name="parChTrans2D4">
+    <dgm:fillClrLst meth="repeat">
+      <a:schemeClr val="accent3"/>
+    </dgm:fillClrLst>
+    <dgm:linClrLst meth="repeat">
+      <a:schemeClr val="accent3"/>
+    </dgm:linClrLst>
+    <dgm:effectClrLst/>
+    <dgm:txLinClrLst/>
+    <dgm:txFillClrLst meth="repeat">
+      <a:schemeClr val="lt1"/>
+    </dgm:txFillClrLst>
+    <dgm:txEffectClrLst/>
+  </dgm:styleLbl>
+  <dgm:styleLbl name="parChTrans1D1">
+    <dgm:fillClrLst meth="repeat">
+      <a:schemeClr val="accent3"/>
+    </dgm:fillClrLst>
+    <dgm:linClrLst meth="repeat">
+      <a:schemeClr val="accent3">
+        <a:shade val="60000"/>
+      </a:schemeClr>
+    </dgm:linClrLst>
+    <dgm:effectClrLst/>
+    <dgm:txLinClrLst/>
+    <dgm:txFillClrLst meth="repeat">
+      <a:schemeClr val="tx1"/>
+    </dgm:txFillClrLst>
+    <dgm:txEffectClrLst/>
+  </dgm:styleLbl>
+  <dgm:styleLbl name="parChTrans1D2">
+    <dgm:fillClrLst meth="repeat">
+      <a:schemeClr val="accent3"/>
+    </dgm:fillClrLst>
+    <dgm:linClrLst meth="repeat">
+      <a:schemeClr val="accent3">
+        <a:shade val="60000"/>
+      </a:schemeClr>
+    </dgm:linClrLst>
+    <dgm:effectClrLst/>
+    <dgm:txLinClrLst/>
+    <dgm:txFillClrLst meth="repeat">
+      <a:schemeClr val="tx1"/>
+    </dgm:txFillClrLst>
+    <dgm:txEffectClrLst/>
+  </dgm:styleLbl>
+  <dgm:styleLbl name="parChTrans1D3">
+    <dgm:fillClrLst meth="repeat">
+      <a:schemeClr val="accent3"/>
+    </dgm:fillClrLst>
+    <dgm:linClrLst meth="repeat">
+      <a:schemeClr val="accent3">
+        <a:shade val="80000"/>
+      </a:schemeClr>
+    </dgm:linClrLst>
+    <dgm:effectClrLst/>
+    <dgm:txLinClrLst/>
+    <dgm:txFillClrLst meth="repeat">
+      <a:schemeClr val="tx1"/>
+    </dgm:txFillClrLst>
+    <dgm:txEffectClrLst/>
+  </dgm:styleLbl>
+  <dgm:styleLbl name="parChTrans1D4">
+    <dgm:fillClrLst meth="repeat">
+      <a:schemeClr val="accent3"/>
+    </dgm:fillClrLst>
+    <dgm:linClrLst meth="repeat">
+      <a:schemeClr val="accent3">
+        <a:shade val="80000"/>
+      </a:schemeClr>
+    </dgm:linClrLst>
+    <dgm:effectClrLst/>
+    <dgm:txLinClrLst/>
+    <dgm:txFillClrLst meth="repeat">
+      <a:schemeClr val="tx1"/>
+    </dgm:txFillClrLst>
+    <dgm:txEffectClrLst/>
+  </dgm:styleLbl>
+  <dgm:styleLbl name="fgAcc1">
+    <dgm:fillClrLst meth="repeat">
+      <a:schemeClr val="accent3">
+        <a:alpha val="90000"/>
+        <a:tint val="40000"/>
+      </a:schemeClr>
+    </dgm:fillClrLst>
+    <dgm:linClrLst meth="repeat">
+      <a:schemeClr val="accent3"/>
+    </dgm:linClrLst>
+    <dgm:effectClrLst/>
+    <dgm:txLinClrLst/>
+    <dgm:txFillClrLst meth="repeat">
+      <a:schemeClr val="dk1"/>
+    </dgm:txFillClrLst>
+    <dgm:txEffectClrLst/>
+  </dgm:styleLbl>
+  <dgm:styleLbl name="conFgAcc1">
+    <dgm:fillClrLst meth="repeat">
+      <a:schemeClr val="accent3">
+        <a:alpha val="90000"/>
+        <a:tint val="40000"/>
+      </a:schemeClr>
+    </dgm:fillClrLst>
+    <dgm:linClrLst meth="repeat">
+      <a:schemeClr val="accent3"/>
+    </dgm:linClrLst>
+    <dgm:effectClrLst/>
+    <dgm:txLinClrLst/>
+    <dgm:txFillClrLst meth="repeat">
+      <a:schemeClr val="dk1"/>
+    </dgm:txFillClrLst>
+    <dgm:txEffectClrLst/>
+  </dgm:styleLbl>
+  <dgm:styleLbl name="alignAcc1">
+    <dgm:fillClrLst meth="repeat">
+      <a:schemeClr val="accent3">
+        <a:alpha val="90000"/>
+        <a:tint val="40000"/>
+      </a:schemeClr>
+    </dgm:fillClrLst>
+    <dgm:linClrLst meth="repeat">
+      <a:schemeClr val="accent3"/>
+    </dgm:linClrLst>
+    <dgm:effectClrLst/>
+    <dgm:txLinClrLst/>
+    <dgm:txFillClrLst meth="repeat">
+      <a:schemeClr val="dk1"/>
+    </dgm:txFillClrLst>
+    <dgm:txEffectClrLst/>
+  </dgm:styleLbl>
+  <dgm:styleLbl name="trAlignAcc1">
+    <dgm:fillClrLst meth="repeat">
+      <a:schemeClr val="accent3">
+        <a:alpha val="40000"/>
+        <a:tint val="40000"/>
+      </a:schemeClr>
+    </dgm:fillClrLst>
+    <dgm:linClrLst meth="repeat">
+      <a:schemeClr val="accent3"/>
+    </dgm:linClrLst>
+    <dgm:effectClrLst/>
+    <dgm:txLinClrLst/>
+    <dgm:txFillClrLst meth="repeat">
+      <a:schemeClr val="dk1"/>
+    </dgm:txFillClrLst>
+    <dgm:txEffectClrLst/>
+  </dgm:styleLbl>
+  <dgm:styleLbl name="bgAcc1">
+    <dgm:fillClrLst meth="repeat">
+      <a:schemeClr val="accent3">
+        <a:alpha val="90000"/>
+        <a:tint val="40000"/>
+      </a:schemeClr>
+    </dgm:fillClrLst>
+    <dgm:linClrLst meth="repeat">
+      <a:schemeClr val="accent3"/>
+    </dgm:linClrLst>
+    <dgm:effectClrLst/>
+    <dgm:txLinClrLst/>
+    <dgm:txFillClrLst meth="repeat">
+      <a:schemeClr val="dk1"/>
+    </dgm:txFillClrLst>
+    <dgm:txEffectClrLst/>
+  </dgm:styleLbl>
+  <dgm:styleLbl name="solidFgAcc1">
+    <dgm:fillClrLst meth="repeat">
+      <a:schemeClr val="lt1"/>
+    </dgm:fillClrLst>
+    <dgm:linClrLst meth="repeat">
+      <a:schemeClr val="accent3"/>
+    </dgm:linClrLst>
+    <dgm:effectClrLst/>
+    <dgm:txLinClrLst/>
+    <dgm:txFillClrLst meth="repeat">
+      <a:schemeClr val="dk1"/>
+    </dgm:txFillClrLst>
+    <dgm:txEffectClrLst/>
+  </dgm:styleLbl>
+  <dgm:styleLbl name="solidAlignAcc1">
+    <dgm:fillClrLst meth="repeat">
+      <a:schemeClr val="lt1"/>
+    </dgm:fillClrLst>
+    <dgm:linClrLst meth="repeat">
+      <a:schemeClr val="accent3"/>
+    </dgm:linClrLst>
+    <dgm:effectClrLst/>
+    <dgm:txLinClrLst/>
+    <dgm:txFillClrLst meth="repeat">
+      <a:schemeClr val="dk1"/>
+    </dgm:txFillClrLst>
+    <dgm:txEffectClrLst/>
+  </dgm:styleLbl>
+  <dgm:styleLbl name="solidBgAcc1">
+    <dgm:fillClrLst meth="repeat">
+      <a:schemeClr val="lt1"/>
+    </dgm:fillClrLst>
+    <dgm:linClrLst meth="repeat">
+      <a:schemeClr val="accent3"/>
+    </dgm:linClrLst>
+    <dgm:effectClrLst/>
+    <dgm:txLinClrLst/>
+    <dgm:txFillClrLst meth="repeat">
+      <a:schemeClr val="dk1"/>
+    </dgm:txFillClrLst>
+    <dgm:txEffectClrLst/>
+  </dgm:styleLbl>
+  <dgm:styleLbl name="fgAccFollowNode1">
+    <dgm:fillClrLst meth="repeat">
+      <a:schemeClr val="lt1">
+        <a:alpha val="90000"/>
+        <a:tint val="40000"/>
+      </a:schemeClr>
+    </dgm:fillClrLst>
+    <dgm:linClrLst meth="repeat">
+      <a:schemeClr val="accent3">
+        <a:alpha val="90000"/>
+      </a:schemeClr>
+    </dgm:linClrLst>
+    <dgm:effectClrLst/>
+    <dgm:txLinClrLst/>
+    <dgm:txFillClrLst meth="repeat">
+      <a:schemeClr val="dk1"/>
+    </dgm:txFillClrLst>
+    <dgm:txEffectClrLst/>
+  </dgm:styleLbl>
+  <dgm:styleLbl name="alignAccFollowNode1">
+    <dgm:fillClrLst meth="repeat">
+      <a:schemeClr val="lt1">
+        <a:alpha val="90000"/>
+        <a:tint val="40000"/>
+      </a:schemeClr>
+    </dgm:fillClrLst>
+    <dgm:linClrLst meth="repeat">
+      <a:schemeClr val="accent3">
+        <a:alpha val="90000"/>
+      </a:schemeClr>
+    </dgm:linClrLst>
+    <dgm:effectClrLst/>
+    <dgm:txLinClrLst/>
+    <dgm:txFillClrLst meth="repeat">
+      <a:schemeClr val="dk1"/>
+    </dgm:txFillClrLst>
+    <dgm:txEffectClrLst/>
+  </dgm:styleLbl>
+  <dgm:styleLbl name="bgAccFollowNode1">
+    <dgm:fillClrLst meth="repeat">
+      <a:schemeClr val="lt1">
+        <a:alpha val="90000"/>
+        <a:tint val="40000"/>
+      </a:schemeClr>
+    </dgm:fillClrLst>
+    <dgm:linClrLst meth="repeat">
+      <a:schemeClr val="accent3">
+        <a:alpha val="90000"/>
+      </a:schemeClr>
+    </dgm:linClrLst>
+    <dgm:effectClrLst/>
+    <dgm:txLinClrLst/>
+    <dgm:txFillClrLst meth="repeat">
+      <a:schemeClr val="dk1"/>
+    </dgm:txFillClrLst>
+    <dgm:txEffectClrLst/>
+  </dgm:styleLbl>
+  <dgm:styleLbl name="fgAcc0">
+    <dgm:fillClrLst meth="repeat">
+      <a:schemeClr val="accent3">
+        <a:alpha val="90000"/>
+        <a:tint val="40000"/>
+      </a:schemeClr>
+    </dgm:fillClrLst>
+    <dgm:linClrLst meth="repeat">
+      <a:schemeClr val="accent3"/>
+    </dgm:linClrLst>
+    <dgm:effectClrLst/>
+    <dgm:txLinClrLst/>
+    <dgm:txFillClrLst meth="repeat">
+      <a:schemeClr val="dk1"/>
+    </dgm:txFillClrLst>
+    <dgm:txEffectClrLst/>
+  </dgm:styleLbl>
+  <dgm:styleLbl name="fgAcc2">
+    <dgm:fillClrLst meth="repeat">
+      <a:schemeClr val="accent3">
+        <a:alpha val="90000"/>
+        <a:tint val="40000"/>
+      </a:schemeClr>
+    </dgm:fillClrLst>
+    <dgm:linClrLst meth="repeat">
+      <a:schemeClr val="accent3"/>
+    </dgm:linClrLst>
+    <dgm:effectClrLst/>
+    <dgm:txLinClrLst/>
+    <dgm:txFillClrLst meth="repeat">
+      <a:schemeClr val="dk1"/>
+    </dgm:txFillClrLst>
+    <dgm:txEffectClrLst/>
+  </dgm:styleLbl>
+  <dgm:styleLbl name="fgAcc3">
+    <dgm:fillClrLst meth="repeat">
+      <a:schemeClr val="accent3">
+        <a:alpha val="90000"/>
+        <a:tint val="40000"/>
+      </a:schemeClr>
+    </dgm:fillClrLst>
+    <dgm:linClrLst meth="repeat">
+      <a:schemeClr val="accent3"/>
+    </dgm:linClrLst>
+    <dgm:effectClrLst/>
+    <dgm:txLinClrLst/>
+    <dgm:txFillClrLst meth="repeat">
+      <a:schemeClr val="dk1"/>
+    </dgm:txFillClrLst>
+    <dgm:txEffectClrLst/>
+  </dgm:styleLbl>
+  <dgm:styleLbl name="fgAcc4">
+    <dgm:fillClrLst meth="repeat">
+      <a:schemeClr val="accent3">
+        <a:alpha val="90000"/>
+        <a:tint val="40000"/>
+      </a:schemeClr>
+    </dgm:fillClrLst>
+    <dgm:linClrLst meth="repeat">
+      <a:schemeClr val="accent3"/>
+    </dgm:linClrLst>
+    <dgm:effectClrLst/>
+    <dgm:txLinClrLst/>
+    <dgm:txFillClrLst meth="repeat">
+      <a:schemeClr val="dk1"/>
+    </dgm:txFillClrLst>
+    <dgm:txEffectClrLst/>
+  </dgm:styleLbl>
+  <dgm:styleLbl name="bgShp">
+    <dgm:fillClrLst meth="repeat">
+      <a:schemeClr val="accent3">
+        <a:tint val="40000"/>
+      </a:schemeClr>
+    </dgm:fillClrLst>
+    <dgm:linClrLst meth="repeat">
+      <a:schemeClr val="accent3"/>
+    </dgm:linClrLst>
+    <dgm:effectClrLst/>
+    <dgm:txLinClrLst/>
+    <dgm:txFillClrLst meth="repeat">
+      <a:schemeClr val="dk1"/>
+    </dgm:txFillClrLst>
+    <dgm:txEffectClrLst/>
+  </dgm:styleLbl>
+  <dgm:styleLbl name="dkBgShp">
+    <dgm:fillClrLst meth="repeat">
+      <a:schemeClr val="accent3">
+        <a:shade val="80000"/>
+      </a:schemeClr>
+    </dgm:fillClrLst>
+    <dgm:linClrLst meth="repeat">
+      <a:schemeClr val="accent3"/>
+    </dgm:linClrLst>
+    <dgm:effectClrLst/>
+    <dgm:txLinClrLst/>
+    <dgm:txFillClrLst meth="repeat">
+      <a:schemeClr val="lt1"/>
+    </dgm:txFillClrLst>
+    <dgm:txEffectClrLst/>
+  </dgm:styleLbl>
+  <dgm:styleLbl name="trBgShp">
+    <dgm:fillClrLst meth="repeat">
+      <a:schemeClr val="accent3">
+        <a:tint val="50000"/>
+        <a:alpha val="40000"/>
+      </a:schemeClr>
+    </dgm:fillClrLst>
+    <dgm:linClrLst meth="repeat">
+      <a:schemeClr val="accent3"/>
+    </dgm:linClrLst>
+    <dgm:effectClrLst/>
+    <dgm:txLinClrLst/>
+    <dgm:txFillClrLst meth="repeat">
+      <a:schemeClr val="lt1"/>
+    </dgm:txFillClrLst>
+    <dgm:txEffectClrLst/>
+  </dgm:styleLbl>
+  <dgm:styleLbl name="fgShp">
+    <dgm:fillClrLst meth="repeat">
+      <a:schemeClr val="accent3">
+        <a:tint val="60000"/>
+      </a:schemeClr>
+    </dgm:fillClrLst>
+    <dgm:linClrLst meth="repeat">
+      <a:schemeClr val="lt1"/>
+    </dgm:linClrLst>
+    <dgm:effectClrLst/>
+    <dgm:txLinClrLst/>
+    <dgm:txFillClrLst meth="repeat">
+      <a:schemeClr val="dk1"/>
+    </dgm:txFillClrLst>
+    <dgm:txEffectClrLst/>
+  </dgm:styleLbl>
+  <dgm:styleLbl name="revTx">
+    <dgm:fillClrLst meth="repeat">
+      <a:schemeClr val="lt1">
+        <a:alpha val="0"/>
+      </a:schemeClr>
+    </dgm:fillClrLst>
+    <dgm:linClrLst meth="repeat">
+      <a:schemeClr val="dk1">
+        <a:alpha val="0"/>
+      </a:schemeClr>
+    </dgm:linClrLst>
+    <dgm:effectClrLst/>
+    <dgm:txLinClrLst/>
+    <dgm:txFillClrLst meth="repeat">
+      <a:schemeClr val="tx1"/>
+    </dgm:txFillClrLst>
+    <dgm:txEffectClrLst/>
+  </dgm:styleLbl>
+</dgm:colorsDef>
+</file>
+
+<file path=ppt/diagrams/colors2.xml><?xml version="1.0" encoding="utf-8"?>
 <dgm:colorsDef xmlns:dgm="http://schemas.openxmlformats.org/drawingml/2006/diagram" xmlns:a="http://schemas.openxmlformats.org/drawingml/2006/main" uniqueId="urn:microsoft.com/office/officeart/2005/8/colors/colorful5">
   <dgm:title val=""/>
   <dgm:desc val=""/>
@@ -917,7 +1724,7 @@
 </dgm:colorsDef>
 </file>
 
-<file path=ppt/diagrams/colors2.xml><?xml version="1.0" encoding="utf-8"?>
+<file path=ppt/diagrams/colors3.xml><?xml version="1.0" encoding="utf-8"?>
 <dgm:colorsDef xmlns:dgm="http://schemas.openxmlformats.org/drawingml/2006/diagram" xmlns:a="http://schemas.openxmlformats.org/drawingml/2006/main" uniqueId="urn:microsoft.com/office/officeart/2005/8/colors/colorful1">
   <dgm:title val=""/>
   <dgm:desc val=""/>
@@ -1837,6 +2644,245 @@
 </file>
 
 <file path=ppt/diagrams/data1.xml><?xml version="1.0" encoding="utf-8"?>
+<dgm:dataModel xmlns:dgm="http://schemas.openxmlformats.org/drawingml/2006/diagram" xmlns:a="http://schemas.openxmlformats.org/drawingml/2006/main">
+  <dgm:ptLst>
+    <dgm:pt modelId="{8D423885-9D0D-4462-B377-7D54C980F294}" type="doc">
+      <dgm:prSet loTypeId="urn:microsoft.com/office/officeart/2005/8/layout/vProcess5" loCatId="process" qsTypeId="urn:microsoft.com/office/officeart/2005/8/quickstyle/simple2" qsCatId="simple" csTypeId="urn:microsoft.com/office/officeart/2005/8/colors/accent3_1" csCatId="accent3" phldr="1"/>
+      <dgm:spPr/>
+      <dgm:t>
+        <a:bodyPr/>
+        <a:lstStyle/>
+        <a:p>
+          <a:endParaRPr lang="zh-CN" altLang="en-US"/>
+        </a:p>
+      </dgm:t>
+    </dgm:pt>
+    <dgm:pt modelId="{43603EDF-4C98-4EB5-88B0-A77BAE8708DA}">
+      <dgm:prSet phldrT="[文本]"/>
+      <dgm:spPr/>
+      <dgm:t>
+        <a:bodyPr/>
+        <a:lstStyle/>
+        <a:p>
+          <a:r>
+            <a:rPr lang="en-US" altLang="zh-CN" dirty="0"/>
+            <a:t>Parameters setup</a:t>
+          </a:r>
+          <a:endParaRPr lang="zh-CN" altLang="en-US" dirty="0"/>
+        </a:p>
+      </dgm:t>
+    </dgm:pt>
+    <dgm:pt modelId="{B4461896-1E3E-4DA7-A6AF-3FF7563EEDAA}" type="parTrans" cxnId="{7566C1F4-34D0-497C-92E4-BF5FA34B0AB6}">
+      <dgm:prSet/>
+      <dgm:spPr/>
+      <dgm:t>
+        <a:bodyPr/>
+        <a:lstStyle/>
+        <a:p>
+          <a:endParaRPr lang="zh-CN" altLang="en-US"/>
+        </a:p>
+      </dgm:t>
+    </dgm:pt>
+    <dgm:pt modelId="{495FD4E3-3EAA-4D73-BEF8-40519DECDF7E}" type="sibTrans" cxnId="{7566C1F4-34D0-497C-92E4-BF5FA34B0AB6}">
+      <dgm:prSet/>
+      <dgm:spPr/>
+      <dgm:t>
+        <a:bodyPr/>
+        <a:lstStyle/>
+        <a:p>
+          <a:endParaRPr lang="zh-CN" altLang="en-US"/>
+        </a:p>
+      </dgm:t>
+    </dgm:pt>
+    <dgm:pt modelId="{75B4E405-BBA2-4A16-83C5-63771AE31CFC}">
+      <dgm:prSet phldrT="[文本]"/>
+      <dgm:spPr/>
+      <dgm:t>
+        <a:bodyPr/>
+        <a:lstStyle/>
+        <a:p>
+          <a:r>
+            <a:rPr lang="en-US" altLang="zh-CN" dirty="0"/>
+            <a:t>Model training</a:t>
+          </a:r>
+          <a:endParaRPr lang="zh-CN" altLang="en-US" dirty="0"/>
+        </a:p>
+      </dgm:t>
+    </dgm:pt>
+    <dgm:pt modelId="{AEBCBE7E-1F18-4242-B99A-386D5096587A}" type="parTrans" cxnId="{B36FF876-362B-4CA2-9437-5745DFDBE0EA}">
+      <dgm:prSet/>
+      <dgm:spPr/>
+      <dgm:t>
+        <a:bodyPr/>
+        <a:lstStyle/>
+        <a:p>
+          <a:endParaRPr lang="zh-CN" altLang="en-US"/>
+        </a:p>
+      </dgm:t>
+    </dgm:pt>
+    <dgm:pt modelId="{79245935-F22E-4DFA-ADD1-69BB05890246}" type="sibTrans" cxnId="{B36FF876-362B-4CA2-9437-5745DFDBE0EA}">
+      <dgm:prSet/>
+      <dgm:spPr/>
+      <dgm:t>
+        <a:bodyPr/>
+        <a:lstStyle/>
+        <a:p>
+          <a:endParaRPr lang="zh-CN" altLang="en-US"/>
+        </a:p>
+      </dgm:t>
+    </dgm:pt>
+    <dgm:pt modelId="{01F7C3EA-9855-4112-982F-F504C424CCD9}">
+      <dgm:prSet phldrT="[文本]"/>
+      <dgm:spPr/>
+      <dgm:t>
+        <a:bodyPr/>
+        <a:lstStyle/>
+        <a:p>
+          <a:r>
+            <a:rPr lang="en-US" altLang="zh-CN" dirty="0"/>
+            <a:t>Model testing</a:t>
+          </a:r>
+          <a:endParaRPr lang="zh-CN" altLang="en-US" dirty="0"/>
+        </a:p>
+      </dgm:t>
+    </dgm:pt>
+    <dgm:pt modelId="{572D390F-3C3E-4FE5-81BB-ACD48C90695F}" type="parTrans" cxnId="{B7D0F284-B086-43E1-A4FE-F9E00A61F269}">
+      <dgm:prSet/>
+      <dgm:spPr/>
+      <dgm:t>
+        <a:bodyPr/>
+        <a:lstStyle/>
+        <a:p>
+          <a:endParaRPr lang="zh-CN" altLang="en-US"/>
+        </a:p>
+      </dgm:t>
+    </dgm:pt>
+    <dgm:pt modelId="{A3528F75-ADD0-4651-850A-300463BC7984}" type="sibTrans" cxnId="{B7D0F284-B086-43E1-A4FE-F9E00A61F269}">
+      <dgm:prSet/>
+      <dgm:spPr/>
+      <dgm:t>
+        <a:bodyPr/>
+        <a:lstStyle/>
+        <a:p>
+          <a:endParaRPr lang="zh-CN" altLang="en-US"/>
+        </a:p>
+      </dgm:t>
+    </dgm:pt>
+    <dgm:pt modelId="{F25F100C-1964-4261-AD62-9C1134114809}" type="pres">
+      <dgm:prSet presAssocID="{8D423885-9D0D-4462-B377-7D54C980F294}" presName="outerComposite" presStyleCnt="0">
+        <dgm:presLayoutVars>
+          <dgm:chMax val="5"/>
+          <dgm:dir/>
+          <dgm:resizeHandles val="exact"/>
+        </dgm:presLayoutVars>
+      </dgm:prSet>
+      <dgm:spPr/>
+    </dgm:pt>
+    <dgm:pt modelId="{50AA28F1-55C0-4B17-893B-A8819B24D8D0}" type="pres">
+      <dgm:prSet presAssocID="{8D423885-9D0D-4462-B377-7D54C980F294}" presName="dummyMaxCanvas" presStyleCnt="0">
+        <dgm:presLayoutVars/>
+      </dgm:prSet>
+      <dgm:spPr/>
+    </dgm:pt>
+    <dgm:pt modelId="{C2E677E1-B274-47A6-A210-42637D6CAE91}" type="pres">
+      <dgm:prSet presAssocID="{8D423885-9D0D-4462-B377-7D54C980F294}" presName="ThreeNodes_1" presStyleLbl="node1" presStyleIdx="0" presStyleCnt="3">
+        <dgm:presLayoutVars>
+          <dgm:bulletEnabled val="1"/>
+        </dgm:presLayoutVars>
+      </dgm:prSet>
+      <dgm:spPr/>
+    </dgm:pt>
+    <dgm:pt modelId="{B0C479A0-67C6-47A3-9283-4CF1749FBAD5}" type="pres">
+      <dgm:prSet presAssocID="{8D423885-9D0D-4462-B377-7D54C980F294}" presName="ThreeNodes_2" presStyleLbl="node1" presStyleIdx="1" presStyleCnt="3">
+        <dgm:presLayoutVars>
+          <dgm:bulletEnabled val="1"/>
+        </dgm:presLayoutVars>
+      </dgm:prSet>
+      <dgm:spPr/>
+    </dgm:pt>
+    <dgm:pt modelId="{CBCCD8E2-51BF-4EF4-9EE2-5A9E3D9DB090}" type="pres">
+      <dgm:prSet presAssocID="{8D423885-9D0D-4462-B377-7D54C980F294}" presName="ThreeNodes_3" presStyleLbl="node1" presStyleIdx="2" presStyleCnt="3">
+        <dgm:presLayoutVars>
+          <dgm:bulletEnabled val="1"/>
+        </dgm:presLayoutVars>
+      </dgm:prSet>
+      <dgm:spPr/>
+    </dgm:pt>
+    <dgm:pt modelId="{64BB9ACA-DE26-48D9-9654-D21CCF78206D}" type="pres">
+      <dgm:prSet presAssocID="{8D423885-9D0D-4462-B377-7D54C980F294}" presName="ThreeConn_1-2" presStyleLbl="fgAccFollowNode1" presStyleIdx="0" presStyleCnt="2">
+        <dgm:presLayoutVars>
+          <dgm:bulletEnabled val="1"/>
+        </dgm:presLayoutVars>
+      </dgm:prSet>
+      <dgm:spPr/>
+    </dgm:pt>
+    <dgm:pt modelId="{F340624E-1C9E-4DF1-B2B4-BD695BF3628F}" type="pres">
+      <dgm:prSet presAssocID="{8D423885-9D0D-4462-B377-7D54C980F294}" presName="ThreeConn_2-3" presStyleLbl="fgAccFollowNode1" presStyleIdx="1" presStyleCnt="2">
+        <dgm:presLayoutVars>
+          <dgm:bulletEnabled val="1"/>
+        </dgm:presLayoutVars>
+      </dgm:prSet>
+      <dgm:spPr/>
+    </dgm:pt>
+    <dgm:pt modelId="{543C7883-63FD-4BA6-9473-EC207DFFCAD6}" type="pres">
+      <dgm:prSet presAssocID="{8D423885-9D0D-4462-B377-7D54C980F294}" presName="ThreeNodes_1_text" presStyleLbl="node1" presStyleIdx="2" presStyleCnt="3">
+        <dgm:presLayoutVars>
+          <dgm:bulletEnabled val="1"/>
+        </dgm:presLayoutVars>
+      </dgm:prSet>
+      <dgm:spPr/>
+    </dgm:pt>
+    <dgm:pt modelId="{B07BCC2C-F152-43C1-B9F2-62B134FF3EE3}" type="pres">
+      <dgm:prSet presAssocID="{8D423885-9D0D-4462-B377-7D54C980F294}" presName="ThreeNodes_2_text" presStyleLbl="node1" presStyleIdx="2" presStyleCnt="3">
+        <dgm:presLayoutVars>
+          <dgm:bulletEnabled val="1"/>
+        </dgm:presLayoutVars>
+      </dgm:prSet>
+      <dgm:spPr/>
+    </dgm:pt>
+    <dgm:pt modelId="{C9BA57C0-F3E7-47E5-BE7C-AB3C26B1D9B3}" type="pres">
+      <dgm:prSet presAssocID="{8D423885-9D0D-4462-B377-7D54C980F294}" presName="ThreeNodes_3_text" presStyleLbl="node1" presStyleIdx="2" presStyleCnt="3">
+        <dgm:presLayoutVars>
+          <dgm:bulletEnabled val="1"/>
+        </dgm:presLayoutVars>
+      </dgm:prSet>
+      <dgm:spPr/>
+    </dgm:pt>
+  </dgm:ptLst>
+  <dgm:cxnLst>
+    <dgm:cxn modelId="{7E8CB411-060C-438C-A0B1-2DFFA559F5DE}" type="presOf" srcId="{79245935-F22E-4DFA-ADD1-69BB05890246}" destId="{F340624E-1C9E-4DF1-B2B4-BD695BF3628F}" srcOrd="0" destOrd="0" presId="urn:microsoft.com/office/officeart/2005/8/layout/vProcess5"/>
+    <dgm:cxn modelId="{E771D625-4FBF-4289-BC94-ACE3B1FE0948}" type="presOf" srcId="{01F7C3EA-9855-4112-982F-F504C424CCD9}" destId="{C9BA57C0-F3E7-47E5-BE7C-AB3C26B1D9B3}" srcOrd="1" destOrd="0" presId="urn:microsoft.com/office/officeart/2005/8/layout/vProcess5"/>
+    <dgm:cxn modelId="{98083745-2AB6-413D-8A02-803109A0A725}" type="presOf" srcId="{43603EDF-4C98-4EB5-88B0-A77BAE8708DA}" destId="{543C7883-63FD-4BA6-9473-EC207DFFCAD6}" srcOrd="1" destOrd="0" presId="urn:microsoft.com/office/officeart/2005/8/layout/vProcess5"/>
+    <dgm:cxn modelId="{99A92168-E4C7-458D-A828-4D0837E86979}" type="presOf" srcId="{495FD4E3-3EAA-4D73-BEF8-40519DECDF7E}" destId="{64BB9ACA-DE26-48D9-9654-D21CCF78206D}" srcOrd="0" destOrd="0" presId="urn:microsoft.com/office/officeart/2005/8/layout/vProcess5"/>
+    <dgm:cxn modelId="{B36FF876-362B-4CA2-9437-5745DFDBE0EA}" srcId="{8D423885-9D0D-4462-B377-7D54C980F294}" destId="{75B4E405-BBA2-4A16-83C5-63771AE31CFC}" srcOrd="1" destOrd="0" parTransId="{AEBCBE7E-1F18-4242-B99A-386D5096587A}" sibTransId="{79245935-F22E-4DFA-ADD1-69BB05890246}"/>
+    <dgm:cxn modelId="{B7D0F284-B086-43E1-A4FE-F9E00A61F269}" srcId="{8D423885-9D0D-4462-B377-7D54C980F294}" destId="{01F7C3EA-9855-4112-982F-F504C424CCD9}" srcOrd="2" destOrd="0" parTransId="{572D390F-3C3E-4FE5-81BB-ACD48C90695F}" sibTransId="{A3528F75-ADD0-4651-850A-300463BC7984}"/>
+    <dgm:cxn modelId="{F72E83A7-39B0-403F-A068-C3C756A685DB}" type="presOf" srcId="{75B4E405-BBA2-4A16-83C5-63771AE31CFC}" destId="{B0C479A0-67C6-47A3-9283-4CF1749FBAD5}" srcOrd="0" destOrd="0" presId="urn:microsoft.com/office/officeart/2005/8/layout/vProcess5"/>
+    <dgm:cxn modelId="{F96328C2-04DA-4DF5-A76A-E59BE6B161B4}" type="presOf" srcId="{43603EDF-4C98-4EB5-88B0-A77BAE8708DA}" destId="{C2E677E1-B274-47A6-A210-42637D6CAE91}" srcOrd="0" destOrd="0" presId="urn:microsoft.com/office/officeart/2005/8/layout/vProcess5"/>
+    <dgm:cxn modelId="{66DA26C3-696A-4F9E-BD9A-F4F9309EF20B}" type="presOf" srcId="{01F7C3EA-9855-4112-982F-F504C424CCD9}" destId="{CBCCD8E2-51BF-4EF4-9EE2-5A9E3D9DB090}" srcOrd="0" destOrd="0" presId="urn:microsoft.com/office/officeart/2005/8/layout/vProcess5"/>
+    <dgm:cxn modelId="{B3B7A9DC-B707-4374-9C6C-88749730860E}" type="presOf" srcId="{8D423885-9D0D-4462-B377-7D54C980F294}" destId="{F25F100C-1964-4261-AD62-9C1134114809}" srcOrd="0" destOrd="0" presId="urn:microsoft.com/office/officeart/2005/8/layout/vProcess5"/>
+    <dgm:cxn modelId="{7566C1F4-34D0-497C-92E4-BF5FA34B0AB6}" srcId="{8D423885-9D0D-4462-B377-7D54C980F294}" destId="{43603EDF-4C98-4EB5-88B0-A77BAE8708DA}" srcOrd="0" destOrd="0" parTransId="{B4461896-1E3E-4DA7-A6AF-3FF7563EEDAA}" sibTransId="{495FD4E3-3EAA-4D73-BEF8-40519DECDF7E}"/>
+    <dgm:cxn modelId="{CC8187F8-7890-4044-A28F-DB7F869DD081}" type="presOf" srcId="{75B4E405-BBA2-4A16-83C5-63771AE31CFC}" destId="{B07BCC2C-F152-43C1-B9F2-62B134FF3EE3}" srcOrd="1" destOrd="0" presId="urn:microsoft.com/office/officeart/2005/8/layout/vProcess5"/>
+    <dgm:cxn modelId="{2E1B00DA-A4EC-4AFA-A18E-A8677D70A924}" type="presParOf" srcId="{F25F100C-1964-4261-AD62-9C1134114809}" destId="{50AA28F1-55C0-4B17-893B-A8819B24D8D0}" srcOrd="0" destOrd="0" presId="urn:microsoft.com/office/officeart/2005/8/layout/vProcess5"/>
+    <dgm:cxn modelId="{606F18A1-2645-4AD1-86B8-8407254D3781}" type="presParOf" srcId="{F25F100C-1964-4261-AD62-9C1134114809}" destId="{C2E677E1-B274-47A6-A210-42637D6CAE91}" srcOrd="1" destOrd="0" presId="urn:microsoft.com/office/officeart/2005/8/layout/vProcess5"/>
+    <dgm:cxn modelId="{D877133B-57AB-422C-8057-0CBA96E257CE}" type="presParOf" srcId="{F25F100C-1964-4261-AD62-9C1134114809}" destId="{B0C479A0-67C6-47A3-9283-4CF1749FBAD5}" srcOrd="2" destOrd="0" presId="urn:microsoft.com/office/officeart/2005/8/layout/vProcess5"/>
+    <dgm:cxn modelId="{F82A8C87-CF46-40EF-8C0A-3139C1D7DE58}" type="presParOf" srcId="{F25F100C-1964-4261-AD62-9C1134114809}" destId="{CBCCD8E2-51BF-4EF4-9EE2-5A9E3D9DB090}" srcOrd="3" destOrd="0" presId="urn:microsoft.com/office/officeart/2005/8/layout/vProcess5"/>
+    <dgm:cxn modelId="{BCDC660E-62CD-4F19-A4FD-9C6E45B3AA48}" type="presParOf" srcId="{F25F100C-1964-4261-AD62-9C1134114809}" destId="{64BB9ACA-DE26-48D9-9654-D21CCF78206D}" srcOrd="4" destOrd="0" presId="urn:microsoft.com/office/officeart/2005/8/layout/vProcess5"/>
+    <dgm:cxn modelId="{1B8371F1-F01C-42B0-A35C-AFFA10991E73}" type="presParOf" srcId="{F25F100C-1964-4261-AD62-9C1134114809}" destId="{F340624E-1C9E-4DF1-B2B4-BD695BF3628F}" srcOrd="5" destOrd="0" presId="urn:microsoft.com/office/officeart/2005/8/layout/vProcess5"/>
+    <dgm:cxn modelId="{2F86A1ED-EB52-41FD-BCF8-D0F058DC48CC}" type="presParOf" srcId="{F25F100C-1964-4261-AD62-9C1134114809}" destId="{543C7883-63FD-4BA6-9473-EC207DFFCAD6}" srcOrd="6" destOrd="0" presId="urn:microsoft.com/office/officeart/2005/8/layout/vProcess5"/>
+    <dgm:cxn modelId="{7FC36A1B-0517-44F6-A713-A495A0668A73}" type="presParOf" srcId="{F25F100C-1964-4261-AD62-9C1134114809}" destId="{B07BCC2C-F152-43C1-B9F2-62B134FF3EE3}" srcOrd="7" destOrd="0" presId="urn:microsoft.com/office/officeart/2005/8/layout/vProcess5"/>
+    <dgm:cxn modelId="{02389728-A06E-48CC-A0EF-1FEC4172455A}" type="presParOf" srcId="{F25F100C-1964-4261-AD62-9C1134114809}" destId="{C9BA57C0-F3E7-47E5-BE7C-AB3C26B1D9B3}" srcOrd="8" destOrd="0" presId="urn:microsoft.com/office/officeart/2005/8/layout/vProcess5"/>
+  </dgm:cxnLst>
+  <dgm:bg/>
+  <dgm:whole/>
+  <dgm:extLst>
+    <a:ext uri="http://schemas.microsoft.com/office/drawing/2008/diagram">
+      <dsp:dataModelExt xmlns:dsp="http://schemas.microsoft.com/office/drawing/2008/diagram" relId="rId17" minVer="http://schemas.openxmlformats.org/drawingml/2006/diagram"/>
+    </a:ext>
+  </dgm:extLst>
+</dgm:dataModel>
+</file>
+
+<file path=ppt/diagrams/data2.xml><?xml version="1.0" encoding="utf-8"?>
 <dgm:dataModel xmlns:dgm="http://schemas.openxmlformats.org/drawingml/2006/diagram" xmlns:a="http://schemas.openxmlformats.org/drawingml/2006/main">
   <dgm:ptLst>
     <dgm:pt modelId="{78140FE2-BED3-4E4A-AB36-A82376D75156}" type="doc">
@@ -2053,7 +3099,7 @@
 </dgm:dataModel>
 </file>
 
-<file path=ppt/diagrams/data2.xml><?xml version="1.0" encoding="utf-8"?>
+<file path=ppt/diagrams/data3.xml><?xml version="1.0" encoding="utf-8"?>
 <dgm:dataModel xmlns:dgm="http://schemas.openxmlformats.org/drawingml/2006/diagram" xmlns:a="http://schemas.openxmlformats.org/drawingml/2006/main">
   <dgm:ptLst>
     <dgm:pt modelId="{B57EBA85-876B-4625-A222-3AF89C0C86EF}" type="doc">
@@ -2331,6 +3377,422 @@
 </file>
 
 <file path=ppt/diagrams/drawing1.xml><?xml version="1.0" encoding="utf-8"?>
+<dsp:drawing xmlns:dgm="http://schemas.openxmlformats.org/drawingml/2006/diagram" xmlns:dsp="http://schemas.microsoft.com/office/drawing/2008/diagram" xmlns:a="http://schemas.openxmlformats.org/drawingml/2006/main">
+  <dsp:spTree>
+    <dsp:nvGrpSpPr>
+      <dsp:cNvPr id="0" name=""/>
+      <dsp:cNvGrpSpPr/>
+    </dsp:nvGrpSpPr>
+    <dsp:grpSpPr/>
+    <dsp:sp modelId="{C2E677E1-B274-47A6-A210-42637D6CAE91}">
+      <dsp:nvSpPr>
+        <dsp:cNvPr id="0" name=""/>
+        <dsp:cNvSpPr/>
+      </dsp:nvSpPr>
+      <dsp:spPr>
+        <a:xfrm>
+          <a:off x="0" y="0"/>
+          <a:ext cx="2564336" cy="407054"/>
+        </a:xfrm>
+        <a:prstGeom prst="roundRect">
+          <a:avLst>
+            <a:gd name="adj" fmla="val 10000"/>
+          </a:avLst>
+        </a:prstGeom>
+        <a:solidFill>
+          <a:schemeClr val="lt1">
+            <a:hueOff val="0"/>
+            <a:satOff val="0"/>
+            <a:lumOff val="0"/>
+            <a:alphaOff val="0"/>
+          </a:schemeClr>
+        </a:solidFill>
+        <a:ln w="19050" cap="flat" cmpd="sng" algn="ctr">
+          <a:solidFill>
+            <a:schemeClr val="accent3">
+              <a:shade val="80000"/>
+              <a:hueOff val="0"/>
+              <a:satOff val="0"/>
+              <a:lumOff val="0"/>
+              <a:alphaOff val="0"/>
+            </a:schemeClr>
+          </a:solidFill>
+          <a:prstDash val="solid"/>
+          <a:miter lim="800000"/>
+        </a:ln>
+        <a:effectLst/>
+      </dsp:spPr>
+      <dsp:style>
+        <a:lnRef idx="3">
+          <a:scrgbClr r="0" g="0" b="0"/>
+        </a:lnRef>
+        <a:fillRef idx="1">
+          <a:scrgbClr r="0" g="0" b="0"/>
+        </a:fillRef>
+        <a:effectRef idx="1">
+          <a:scrgbClr r="0" g="0" b="0"/>
+        </a:effectRef>
+        <a:fontRef idx="minor">
+          <a:schemeClr val="lt1"/>
+        </a:fontRef>
+      </dsp:style>
+      <dsp:txBody>
+        <a:bodyPr spcFirstLastPara="0" vert="horz" wrap="square" lIns="64770" tIns="64770" rIns="64770" bIns="64770" numCol="1" spcCol="1270" anchor="ctr" anchorCtr="0">
+          <a:noAutofit/>
+        </a:bodyPr>
+        <a:lstStyle/>
+        <a:p>
+          <a:pPr marL="0" lvl="0" indent="0" algn="l" defTabSz="755650">
+            <a:lnSpc>
+              <a:spcPct val="90000"/>
+            </a:lnSpc>
+            <a:spcBef>
+              <a:spcPct val="0"/>
+            </a:spcBef>
+            <a:spcAft>
+              <a:spcPct val="35000"/>
+            </a:spcAft>
+            <a:buNone/>
+          </a:pPr>
+          <a:r>
+            <a:rPr lang="en-US" altLang="zh-CN" sz="1700" kern="1200" dirty="0"/>
+            <a:t>Parameters setup</a:t>
+          </a:r>
+          <a:endParaRPr lang="zh-CN" altLang="en-US" sz="1700" kern="1200" dirty="0"/>
+        </a:p>
+      </dsp:txBody>
+      <dsp:txXfrm>
+        <a:off x="11922" y="11922"/>
+        <a:ext cx="2125093" cy="383210"/>
+      </dsp:txXfrm>
+    </dsp:sp>
+    <dsp:sp modelId="{B0C479A0-67C6-47A3-9283-4CF1749FBAD5}">
+      <dsp:nvSpPr>
+        <dsp:cNvPr id="0" name=""/>
+        <dsp:cNvSpPr/>
+      </dsp:nvSpPr>
+      <dsp:spPr>
+        <a:xfrm>
+          <a:off x="226264" y="474896"/>
+          <a:ext cx="2564336" cy="407054"/>
+        </a:xfrm>
+        <a:prstGeom prst="roundRect">
+          <a:avLst>
+            <a:gd name="adj" fmla="val 10000"/>
+          </a:avLst>
+        </a:prstGeom>
+        <a:solidFill>
+          <a:schemeClr val="lt1">
+            <a:hueOff val="0"/>
+            <a:satOff val="0"/>
+            <a:lumOff val="0"/>
+            <a:alphaOff val="0"/>
+          </a:schemeClr>
+        </a:solidFill>
+        <a:ln w="19050" cap="flat" cmpd="sng" algn="ctr">
+          <a:solidFill>
+            <a:schemeClr val="accent3">
+              <a:shade val="80000"/>
+              <a:hueOff val="0"/>
+              <a:satOff val="0"/>
+              <a:lumOff val="0"/>
+              <a:alphaOff val="0"/>
+            </a:schemeClr>
+          </a:solidFill>
+          <a:prstDash val="solid"/>
+          <a:miter lim="800000"/>
+        </a:ln>
+        <a:effectLst/>
+      </dsp:spPr>
+      <dsp:style>
+        <a:lnRef idx="3">
+          <a:scrgbClr r="0" g="0" b="0"/>
+        </a:lnRef>
+        <a:fillRef idx="1">
+          <a:scrgbClr r="0" g="0" b="0"/>
+        </a:fillRef>
+        <a:effectRef idx="1">
+          <a:scrgbClr r="0" g="0" b="0"/>
+        </a:effectRef>
+        <a:fontRef idx="minor">
+          <a:schemeClr val="lt1"/>
+        </a:fontRef>
+      </dsp:style>
+      <dsp:txBody>
+        <a:bodyPr spcFirstLastPara="0" vert="horz" wrap="square" lIns="64770" tIns="64770" rIns="64770" bIns="64770" numCol="1" spcCol="1270" anchor="ctr" anchorCtr="0">
+          <a:noAutofit/>
+        </a:bodyPr>
+        <a:lstStyle/>
+        <a:p>
+          <a:pPr marL="0" lvl="0" indent="0" algn="l" defTabSz="755650">
+            <a:lnSpc>
+              <a:spcPct val="90000"/>
+            </a:lnSpc>
+            <a:spcBef>
+              <a:spcPct val="0"/>
+            </a:spcBef>
+            <a:spcAft>
+              <a:spcPct val="35000"/>
+            </a:spcAft>
+            <a:buNone/>
+          </a:pPr>
+          <a:r>
+            <a:rPr lang="en-US" altLang="zh-CN" sz="1700" kern="1200" dirty="0"/>
+            <a:t>Model training</a:t>
+          </a:r>
+          <a:endParaRPr lang="zh-CN" altLang="en-US" sz="1700" kern="1200" dirty="0"/>
+        </a:p>
+      </dsp:txBody>
+      <dsp:txXfrm>
+        <a:off x="238186" y="486818"/>
+        <a:ext cx="2049641" cy="383210"/>
+      </dsp:txXfrm>
+    </dsp:sp>
+    <dsp:sp modelId="{CBCCD8E2-51BF-4EF4-9EE2-5A9E3D9DB090}">
+      <dsp:nvSpPr>
+        <dsp:cNvPr id="0" name=""/>
+        <dsp:cNvSpPr/>
+      </dsp:nvSpPr>
+      <dsp:spPr>
+        <a:xfrm>
+          <a:off x="452529" y="949792"/>
+          <a:ext cx="2564336" cy="407054"/>
+        </a:xfrm>
+        <a:prstGeom prst="roundRect">
+          <a:avLst>
+            <a:gd name="adj" fmla="val 10000"/>
+          </a:avLst>
+        </a:prstGeom>
+        <a:solidFill>
+          <a:schemeClr val="lt1">
+            <a:hueOff val="0"/>
+            <a:satOff val="0"/>
+            <a:lumOff val="0"/>
+            <a:alphaOff val="0"/>
+          </a:schemeClr>
+        </a:solidFill>
+        <a:ln w="19050" cap="flat" cmpd="sng" algn="ctr">
+          <a:solidFill>
+            <a:schemeClr val="accent3">
+              <a:shade val="80000"/>
+              <a:hueOff val="0"/>
+              <a:satOff val="0"/>
+              <a:lumOff val="0"/>
+              <a:alphaOff val="0"/>
+            </a:schemeClr>
+          </a:solidFill>
+          <a:prstDash val="solid"/>
+          <a:miter lim="800000"/>
+        </a:ln>
+        <a:effectLst/>
+      </dsp:spPr>
+      <dsp:style>
+        <a:lnRef idx="3">
+          <a:scrgbClr r="0" g="0" b="0"/>
+        </a:lnRef>
+        <a:fillRef idx="1">
+          <a:scrgbClr r="0" g="0" b="0"/>
+        </a:fillRef>
+        <a:effectRef idx="1">
+          <a:scrgbClr r="0" g="0" b="0"/>
+        </a:effectRef>
+        <a:fontRef idx="minor">
+          <a:schemeClr val="lt1"/>
+        </a:fontRef>
+      </dsp:style>
+      <dsp:txBody>
+        <a:bodyPr spcFirstLastPara="0" vert="horz" wrap="square" lIns="64770" tIns="64770" rIns="64770" bIns="64770" numCol="1" spcCol="1270" anchor="ctr" anchorCtr="0">
+          <a:noAutofit/>
+        </a:bodyPr>
+        <a:lstStyle/>
+        <a:p>
+          <a:pPr marL="0" lvl="0" indent="0" algn="l" defTabSz="755650">
+            <a:lnSpc>
+              <a:spcPct val="90000"/>
+            </a:lnSpc>
+            <a:spcBef>
+              <a:spcPct val="0"/>
+            </a:spcBef>
+            <a:spcAft>
+              <a:spcPct val="35000"/>
+            </a:spcAft>
+            <a:buNone/>
+          </a:pPr>
+          <a:r>
+            <a:rPr lang="en-US" altLang="zh-CN" sz="1700" kern="1200" dirty="0"/>
+            <a:t>Model testing</a:t>
+          </a:r>
+          <a:endParaRPr lang="zh-CN" altLang="en-US" sz="1700" kern="1200" dirty="0"/>
+        </a:p>
+      </dsp:txBody>
+      <dsp:txXfrm>
+        <a:off x="464451" y="961714"/>
+        <a:ext cx="2049641" cy="383210"/>
+      </dsp:txXfrm>
+    </dsp:sp>
+    <dsp:sp modelId="{64BB9ACA-DE26-48D9-9654-D21CCF78206D}">
+      <dsp:nvSpPr>
+        <dsp:cNvPr id="0" name=""/>
+        <dsp:cNvSpPr/>
+      </dsp:nvSpPr>
+      <dsp:spPr>
+        <a:xfrm>
+          <a:off x="2299750" y="308682"/>
+          <a:ext cx="264585" cy="264585"/>
+        </a:xfrm>
+        <a:prstGeom prst="downArrow">
+          <a:avLst>
+            <a:gd name="adj1" fmla="val 55000"/>
+            <a:gd name="adj2" fmla="val 45000"/>
+          </a:avLst>
+        </a:prstGeom>
+        <a:solidFill>
+          <a:schemeClr val="lt1">
+            <a:alpha val="90000"/>
+            <a:tint val="40000"/>
+            <a:hueOff val="0"/>
+            <a:satOff val="0"/>
+            <a:lumOff val="0"/>
+            <a:alphaOff val="0"/>
+          </a:schemeClr>
+        </a:solidFill>
+        <a:ln w="12700" cap="flat" cmpd="sng" algn="ctr">
+          <a:solidFill>
+            <a:schemeClr val="accent3">
+              <a:alpha val="90000"/>
+              <a:hueOff val="0"/>
+              <a:satOff val="0"/>
+              <a:lumOff val="0"/>
+              <a:alphaOff val="0"/>
+            </a:schemeClr>
+          </a:solidFill>
+          <a:prstDash val="solid"/>
+          <a:miter lim="800000"/>
+        </a:ln>
+        <a:effectLst/>
+      </dsp:spPr>
+      <dsp:style>
+        <a:lnRef idx="2">
+          <a:scrgbClr r="0" g="0" b="0"/>
+        </a:lnRef>
+        <a:fillRef idx="1">
+          <a:scrgbClr r="0" g="0" b="0"/>
+        </a:fillRef>
+        <a:effectRef idx="0">
+          <a:scrgbClr r="0" g="0" b="0"/>
+        </a:effectRef>
+        <a:fontRef idx="minor"/>
+      </dsp:style>
+      <dsp:txBody>
+        <a:bodyPr spcFirstLastPara="0" vert="horz" wrap="square" lIns="15240" tIns="15240" rIns="15240" bIns="15240" numCol="1" spcCol="1270" anchor="ctr" anchorCtr="0">
+          <a:noAutofit/>
+        </a:bodyPr>
+        <a:lstStyle/>
+        <a:p>
+          <a:pPr marL="0" lvl="0" indent="0" algn="ctr" defTabSz="533400">
+            <a:lnSpc>
+              <a:spcPct val="90000"/>
+            </a:lnSpc>
+            <a:spcBef>
+              <a:spcPct val="0"/>
+            </a:spcBef>
+            <a:spcAft>
+              <a:spcPct val="35000"/>
+            </a:spcAft>
+            <a:buNone/>
+          </a:pPr>
+          <a:endParaRPr lang="zh-CN" altLang="en-US" sz="1200" kern="1200"/>
+        </a:p>
+      </dsp:txBody>
+      <dsp:txXfrm>
+        <a:off x="2359282" y="308682"/>
+        <a:ext cx="145521" cy="199100"/>
+      </dsp:txXfrm>
+    </dsp:sp>
+    <dsp:sp modelId="{F340624E-1C9E-4DF1-B2B4-BD695BF3628F}">
+      <dsp:nvSpPr>
+        <dsp:cNvPr id="0" name=""/>
+        <dsp:cNvSpPr/>
+      </dsp:nvSpPr>
+      <dsp:spPr>
+        <a:xfrm>
+          <a:off x="2526015" y="780865"/>
+          <a:ext cx="264585" cy="264585"/>
+        </a:xfrm>
+        <a:prstGeom prst="downArrow">
+          <a:avLst>
+            <a:gd name="adj1" fmla="val 55000"/>
+            <a:gd name="adj2" fmla="val 45000"/>
+          </a:avLst>
+        </a:prstGeom>
+        <a:solidFill>
+          <a:schemeClr val="lt1">
+            <a:alpha val="90000"/>
+            <a:tint val="40000"/>
+            <a:hueOff val="0"/>
+            <a:satOff val="0"/>
+            <a:lumOff val="0"/>
+            <a:alphaOff val="0"/>
+          </a:schemeClr>
+        </a:solidFill>
+        <a:ln w="12700" cap="flat" cmpd="sng" algn="ctr">
+          <a:solidFill>
+            <a:schemeClr val="accent3">
+              <a:alpha val="90000"/>
+              <a:hueOff val="0"/>
+              <a:satOff val="0"/>
+              <a:lumOff val="0"/>
+              <a:alphaOff val="0"/>
+            </a:schemeClr>
+          </a:solidFill>
+          <a:prstDash val="solid"/>
+          <a:miter lim="800000"/>
+        </a:ln>
+        <a:effectLst/>
+      </dsp:spPr>
+      <dsp:style>
+        <a:lnRef idx="2">
+          <a:scrgbClr r="0" g="0" b="0"/>
+        </a:lnRef>
+        <a:fillRef idx="1">
+          <a:scrgbClr r="0" g="0" b="0"/>
+        </a:fillRef>
+        <a:effectRef idx="0">
+          <a:scrgbClr r="0" g="0" b="0"/>
+        </a:effectRef>
+        <a:fontRef idx="minor"/>
+      </dsp:style>
+      <dsp:txBody>
+        <a:bodyPr spcFirstLastPara="0" vert="horz" wrap="square" lIns="15240" tIns="15240" rIns="15240" bIns="15240" numCol="1" spcCol="1270" anchor="ctr" anchorCtr="0">
+          <a:noAutofit/>
+        </a:bodyPr>
+        <a:lstStyle/>
+        <a:p>
+          <a:pPr marL="0" lvl="0" indent="0" algn="ctr" defTabSz="533400">
+            <a:lnSpc>
+              <a:spcPct val="90000"/>
+            </a:lnSpc>
+            <a:spcBef>
+              <a:spcPct val="0"/>
+            </a:spcBef>
+            <a:spcAft>
+              <a:spcPct val="35000"/>
+            </a:spcAft>
+            <a:buNone/>
+          </a:pPr>
+          <a:endParaRPr lang="zh-CN" altLang="en-US" sz="1200" kern="1200"/>
+        </a:p>
+      </dsp:txBody>
+      <dsp:txXfrm>
+        <a:off x="2585547" y="780865"/>
+        <a:ext cx="145521" cy="199100"/>
+      </dsp:txXfrm>
+    </dsp:sp>
+  </dsp:spTree>
+</dsp:drawing>
+</file>
+
+<file path=ppt/diagrams/drawing2.xml><?xml version="1.0" encoding="utf-8"?>
 <dsp:drawing xmlns:dgm="http://schemas.openxmlformats.org/drawingml/2006/diagram" xmlns:dsp="http://schemas.microsoft.com/office/drawing/2008/diagram" xmlns:a="http://schemas.openxmlformats.org/drawingml/2006/main">
   <dsp:spTree>
     <dsp:nvGrpSpPr>
@@ -2786,7 +4248,7 @@
 </dsp:drawing>
 </file>
 
-<file path=ppt/diagrams/drawing2.xml><?xml version="1.0" encoding="utf-8"?>
+<file path=ppt/diagrams/drawing3.xml><?xml version="1.0" encoding="utf-8"?>
 <dsp:drawing xmlns:dgm="http://schemas.openxmlformats.org/drawingml/2006/diagram" xmlns:dsp="http://schemas.microsoft.com/office/drawing/2008/diagram" xmlns:a="http://schemas.openxmlformats.org/drawingml/2006/main">
   <dsp:spTree>
     <dsp:nvGrpSpPr>
@@ -3391,12 +4853,11 @@
 </file>
 
 <file path=ppt/diagrams/layout1.xml><?xml version="1.0" encoding="utf-8"?>
-<dgm:layoutDef xmlns:dgm="http://schemas.openxmlformats.org/drawingml/2006/diagram" xmlns:a="http://schemas.openxmlformats.org/drawingml/2006/main" uniqueId="urn:microsoft.com/office/officeart/2005/8/layout/cycle2">
+<dgm:layoutDef xmlns:dgm="http://schemas.openxmlformats.org/drawingml/2006/diagram" xmlns:a="http://schemas.openxmlformats.org/drawingml/2006/main" uniqueId="urn:microsoft.com/office/officeart/2005/8/layout/vProcess5">
   <dgm:title val=""/>
   <dgm:desc val=""/>
   <dgm:catLst>
-    <dgm:cat type="cycle" pri="1000"/>
-    <dgm:cat type="convert" pri="10000"/>
+    <dgm:cat type="process" pri="14000"/>
   </dgm:catLst>
   <dgm:sampData>
     <dgm:dataModel>
@@ -3411,19 +4872,11 @@
         <dgm:pt modelId="3">
           <dgm:prSet phldr="1"/>
         </dgm:pt>
-        <dgm:pt modelId="4">
-          <dgm:prSet phldr="1"/>
-        </dgm:pt>
-        <dgm:pt modelId="5">
-          <dgm:prSet phldr="1"/>
-        </dgm:pt>
       </dgm:ptLst>
       <dgm:cxnLst>
-        <dgm:cxn modelId="6" srcId="0" destId="1" srcOrd="0" destOrd="0"/>
-        <dgm:cxn modelId="7" srcId="0" destId="2" srcOrd="1" destOrd="0"/>
-        <dgm:cxn modelId="8" srcId="0" destId="3" srcOrd="2" destOrd="0"/>
-        <dgm:cxn modelId="9" srcId="0" destId="4" srcOrd="3" destOrd="0"/>
-        <dgm:cxn modelId="10" srcId="0" destId="5" srcOrd="4" destOrd="0"/>
+        <dgm:cxn modelId="5" srcId="0" destId="1" srcOrd="0" destOrd="0"/>
+        <dgm:cxn modelId="6" srcId="0" destId="2" srcOrd="1" destOrd="0"/>
+        <dgm:cxn modelId="7" srcId="0" destId="3" srcOrd="2" destOrd="0"/>
       </dgm:cxnLst>
       <dgm:bg/>
       <dgm:whole/>
@@ -3435,12 +4888,10 @@
         <dgm:pt modelId="0" type="doc"/>
         <dgm:pt modelId="1"/>
         <dgm:pt modelId="2"/>
-        <dgm:pt modelId="3"/>
       </dgm:ptLst>
       <dgm:cxnLst>
-        <dgm:cxn modelId="4" srcId="0" destId="1" srcOrd="0" destOrd="0"/>
-        <dgm:cxn modelId="5" srcId="0" destId="2" srcOrd="1" destOrd="0"/>
-        <dgm:cxn modelId="6" srcId="0" destId="3" srcOrd="2" destOrd="0"/>
+        <dgm:cxn modelId="3" srcId="0" destId="1" srcOrd="0" destOrd="0"/>
+        <dgm:cxn modelId="4" srcId="0" destId="2" srcOrd="1" destOrd="0"/>
       </dgm:cxnLst>
       <dgm:bg/>
       <dgm:whole/>
@@ -3454,149 +4905,1175 @@
         <dgm:pt modelId="2"/>
         <dgm:pt modelId="3"/>
         <dgm:pt modelId="4"/>
-        <dgm:pt modelId="5"/>
-        <dgm:pt modelId="6"/>
       </dgm:ptLst>
       <dgm:cxnLst>
-        <dgm:cxn modelId="7" srcId="0" destId="1" srcOrd="0" destOrd="0"/>
-        <dgm:cxn modelId="8" srcId="0" destId="2" srcOrd="1" destOrd="0"/>
-        <dgm:cxn modelId="9" srcId="0" destId="3" srcOrd="2" destOrd="0"/>
-        <dgm:cxn modelId="10" srcId="0" destId="4" srcOrd="3" destOrd="0"/>
-        <dgm:cxn modelId="11" srcId="0" destId="5" srcOrd="4" destOrd="0"/>
-        <dgm:cxn modelId="12" srcId="0" destId="6" srcOrd="5" destOrd="0"/>
+        <dgm:cxn modelId="6" srcId="0" destId="1" srcOrd="0" destOrd="0"/>
+        <dgm:cxn modelId="7" srcId="0" destId="2" srcOrd="1" destOrd="0"/>
+        <dgm:cxn modelId="8" srcId="0" destId="3" srcOrd="2" destOrd="0"/>
+        <dgm:cxn modelId="9" srcId="0" destId="4" srcOrd="3" destOrd="0"/>
       </dgm:cxnLst>
       <dgm:bg/>
       <dgm:whole/>
     </dgm:dataModel>
   </dgm:clrData>
-  <dgm:layoutNode name="cycle">
+  <dgm:layoutNode name="outerComposite">
     <dgm:varLst>
+      <dgm:chMax val="5"/>
       <dgm:dir/>
       <dgm:resizeHandles val="exact"/>
     </dgm:varLst>
+    <dgm:alg type="composite"/>
+    <dgm:shape xmlns:r="http://schemas.openxmlformats.org/officeDocument/2006/relationships" r:blip="">
+      <dgm:adjLst/>
+    </dgm:shape>
+    <dgm:presOf/>
     <dgm:choose name="Name0">
       <dgm:if name="Name1" func="var" arg="dir" op="equ" val="norm">
-        <dgm:choose name="Name2">
-          <dgm:if name="Name3" axis="ch" ptType="node" func="cnt" op="gt" val="2">
-            <dgm:alg type="cycle">
-              <dgm:param type="stAng" val="0"/>
-              <dgm:param type="spanAng" val="360"/>
-            </dgm:alg>
-          </dgm:if>
-          <dgm:else name="Name4">
-            <dgm:alg type="cycle">
-              <dgm:param type="stAng" val="-90"/>
-              <dgm:param type="spanAng" val="360"/>
-            </dgm:alg>
-          </dgm:else>
-        </dgm:choose>
+        <dgm:constrLst>
+          <dgm:constr type="primFontSz" for="ch" ptType="node" op="equ" val="65"/>
+          <dgm:constr type="w" for="ch" forName="dummyMaxCanvas" refType="w"/>
+          <dgm:constr type="h" for="ch" forName="dummyMaxCanvas" refType="h"/>
+          <dgm:constr type="w" for="ch" forName="OneNode_1" refType="w"/>
+          <dgm:constr type="h" for="ch" forName="OneNode_1" refType="h" fact="0.5"/>
+          <dgm:constr type="ctrY" for="ch" forName="OneNode_1" refType="h" fact="0.5"/>
+          <dgm:constr type="w" for="ch" forName="TwoNodes_1" refType="w" fact="0.85"/>
+          <dgm:constr type="h" for="ch" forName="TwoNodes_1" refType="h" fact="0.45"/>
+          <dgm:constr type="t" for="ch" forName="TwoNodes_1"/>
+          <dgm:constr type="l" for="ch" forName="TwoNodes_1"/>
+          <dgm:constr type="w" for="ch" forName="TwoNodes_2" refType="w" fact="0.85"/>
+          <dgm:constr type="h" for="ch" forName="TwoNodes_2" refType="h" fact="0.45"/>
+          <dgm:constr type="b" for="ch" forName="TwoNodes_2" refType="h"/>
+          <dgm:constr type="r" for="ch" forName="TwoNodes_2" refType="w"/>
+          <dgm:constr type="w" for="ch" forName="TwoConn_1-2" refType="h" refFor="ch" refForName="TwoNodes_1" fact="0.65"/>
+          <dgm:constr type="h" for="ch" forName="TwoConn_1-2" refType="h" refFor="ch" refForName="TwoNodes_1" fact="0.65"/>
+          <dgm:constr type="ctrY" for="ch" forName="TwoConn_1-2" refType="h" fact="0.5"/>
+          <dgm:constr type="r" for="ch" forName="TwoConn_1-2" refType="r" refFor="ch" refForName="TwoNodes_1"/>
+          <dgm:constr type="r" for="ch" forName="TwoNodes_1_text" refType="l" refFor="ch" refForName="TwoConn_1-2"/>
+          <dgm:constr type="rOff" for="ch" forName="TwoNodes_1_text" refType="w" refFor="ch" refForName="TwoConn_1-2" fact="-0.5"/>
+          <dgm:constr type="t" for="ch" forName="TwoNodes_1_text" refType="t" refFor="ch" refForName="TwoNodes_1"/>
+          <dgm:constr type="b" for="ch" forName="TwoNodes_1_text" refType="b" refFor="ch" refForName="TwoNodes_1"/>
+          <dgm:constr type="l" for="ch" forName="TwoNodes_1_text" refType="l" refFor="ch" refForName="TwoNodes_1"/>
+          <dgm:constr type="r" for="ch" forName="TwoNodes_2_text" refType="l" refFor="ch" refForName="TwoConn_1-2"/>
+          <dgm:constr type="t" for="ch" forName="TwoNodes_2_text" refType="t" refFor="ch" refForName="TwoNodes_2"/>
+          <dgm:constr type="b" for="ch" forName="TwoNodes_2_text" refType="b" refFor="ch" refForName="TwoNodes_2"/>
+          <dgm:constr type="l" for="ch" forName="TwoNodes_2_text" refType="l" refFor="ch" refForName="TwoNodes_2"/>
+          <dgm:constr type="w" for="ch" forName="ThreeNodes_1" refType="w" fact="0.85"/>
+          <dgm:constr type="h" for="ch" forName="ThreeNodes_1" refType="h" fact="0.3"/>
+          <dgm:constr type="t" for="ch" forName="ThreeNodes_1"/>
+          <dgm:constr type="l" for="ch" forName="ThreeNodes_1"/>
+          <dgm:constr type="w" for="ch" forName="ThreeNodes_2" refType="w" fact="0.85"/>
+          <dgm:constr type="h" for="ch" forName="ThreeNodes_2" refType="h" fact="0.3"/>
+          <dgm:constr type="ctrY" for="ch" forName="ThreeNodes_2" refType="h" fact="0.5"/>
+          <dgm:constr type="ctrX" for="ch" forName="ThreeNodes_2" refType="w" fact="0.5"/>
+          <dgm:constr type="w" for="ch" forName="ThreeNodes_3" refType="w" fact="0.85"/>
+          <dgm:constr type="h" for="ch" forName="ThreeNodes_3" refType="h" fact="0.3"/>
+          <dgm:constr type="b" for="ch" forName="ThreeNodes_3" refType="h"/>
+          <dgm:constr type="r" for="ch" forName="ThreeNodes_3" refType="w"/>
+          <dgm:constr type="w" for="ch" forName="ThreeConn_1-2" refType="h" refFor="ch" refForName="ThreeNodes_1" fact="0.65"/>
+          <dgm:constr type="h" for="ch" forName="ThreeConn_1-2" refType="h" refFor="ch" refForName="ThreeNodes_1" fact="0.65"/>
+          <dgm:constr type="ctrY" for="ch" forName="ThreeConn_1-2" refType="h" fact="0.325"/>
+          <dgm:constr type="r" for="ch" forName="ThreeConn_1-2" refType="r" refFor="ch" refForName="ThreeNodes_1"/>
+          <dgm:constr type="w" for="ch" forName="ThreeConn_2-3" refType="h" refFor="ch" refForName="ThreeNodes_2" fact="0.65"/>
+          <dgm:constr type="h" for="ch" forName="ThreeConn_2-3" refType="h" refFor="ch" refForName="ThreeNodes_2" fact="0.65"/>
+          <dgm:constr type="ctrY" for="ch" forName="ThreeConn_2-3" refType="h" fact="0.673"/>
+          <dgm:constr type="r" for="ch" forName="ThreeConn_2-3" refType="r" refFor="ch" refForName="ThreeNodes_2"/>
+          <dgm:constr type="r" for="ch" forName="ThreeNodes_1_text" refType="l" refFor="ch" refForName="ThreeConn_1-2"/>
+          <dgm:constr type="rOff" for="ch" forName="ThreeNodes_1_text" refType="w" refFor="ch" refForName="ThreeConn_1-2" fact="-0.57"/>
+          <dgm:constr type="t" for="ch" forName="ThreeNodes_1_text" refType="t" refFor="ch" refForName="ThreeNodes_1"/>
+          <dgm:constr type="b" for="ch" forName="ThreeNodes_1_text" refType="b" refFor="ch" refForName="ThreeNodes_1"/>
+          <dgm:constr type="l" for="ch" forName="ThreeNodes_1_text" refType="l" refFor="ch" refForName="ThreeNodes_1"/>
+          <dgm:constr type="r" for="ch" forName="ThreeNodes_2_text" refType="l" refFor="ch" refForName="ThreeConn_1-2"/>
+          <dgm:constr type="t" for="ch" forName="ThreeNodes_2_text" refType="t" refFor="ch" refForName="ThreeNodes_2"/>
+          <dgm:constr type="b" for="ch" forName="ThreeNodes_2_text" refType="b" refFor="ch" refForName="ThreeNodes_2"/>
+          <dgm:constr type="l" for="ch" forName="ThreeNodes_2_text" refType="l" refFor="ch" refForName="ThreeNodes_2"/>
+          <dgm:constr type="r" for="ch" forName="ThreeNodes_3_text" refType="l" refFor="ch" refForName="ThreeConn_2-3"/>
+          <dgm:constr type="t" for="ch" forName="ThreeNodes_3_text" refType="t" refFor="ch" refForName="ThreeNodes_3"/>
+          <dgm:constr type="b" for="ch" forName="ThreeNodes_3_text" refType="b" refFor="ch" refForName="ThreeNodes_3"/>
+          <dgm:constr type="l" for="ch" forName="ThreeNodes_3_text" refType="l" refFor="ch" refForName="ThreeNodes_3"/>
+          <dgm:constr type="w" for="ch" forName="FourNodes_1" refType="w" fact="0.8"/>
+          <dgm:constr type="h" for="ch" forName="FourNodes_1" refType="h" fact="0.22"/>
+          <dgm:constr type="t" for="ch" forName="FourNodes_1"/>
+          <dgm:constr type="l" for="ch" forName="FourNodes_1"/>
+          <dgm:constr type="w" for="ch" forName="FourNodes_2" refType="w" fact="0.8"/>
+          <dgm:constr type="h" for="ch" forName="FourNodes_2" refType="h" fact="0.22"/>
+          <dgm:constr type="ctrY" for="ch" forName="FourNodes_2" refType="h" fact="0.37"/>
+          <dgm:constr type="ctrX" for="ch" forName="FourNodes_2" refType="w" fact="0.467"/>
+          <dgm:constr type="w" for="ch" forName="FourNodes_3" refType="w" fact="0.8"/>
+          <dgm:constr type="h" for="ch" forName="FourNodes_3" refType="h" fact="0.22"/>
+          <dgm:constr type="ctrY" for="ch" forName="FourNodes_3" refType="h" fact="0.63"/>
+          <dgm:constr type="ctrX" for="ch" forName="FourNodes_3" refType="w" fact="0.533"/>
+          <dgm:constr type="w" for="ch" forName="FourNodes_4" refType="w" fact="0.8"/>
+          <dgm:constr type="h" for="ch" forName="FourNodes_4" refType="h" fact="0.22"/>
+          <dgm:constr type="b" for="ch" forName="FourNodes_4" refType="h"/>
+          <dgm:constr type="r" for="ch" forName="FourNodes_4" refType="w"/>
+          <dgm:constr type="w" for="ch" forName="FourConn_1-2" refType="h" refFor="ch" refForName="FourNodes_1" fact="0.65"/>
+          <dgm:constr type="h" for="ch" forName="FourConn_1-2" refType="h" refFor="ch" refForName="FourNodes_1" fact="0.65"/>
+          <dgm:constr type="ctrY" for="ch" forName="FourConn_1-2" refType="h" fact="0.24"/>
+          <dgm:constr type="r" for="ch" forName="FourConn_1-2" refType="r" refFor="ch" refForName="FourNodes_1"/>
+          <dgm:constr type="w" for="ch" forName="FourConn_2-3" refType="h" refFor="ch" refForName="FourNodes_2" fact="0.65"/>
+          <dgm:constr type="h" for="ch" forName="FourConn_2-3" refType="h" refFor="ch" refForName="FourNodes_2" fact="0.65"/>
+          <dgm:constr type="ctrY" for="ch" forName="FourConn_2-3" refType="h" fact="0.5"/>
+          <dgm:constr type="r" for="ch" forName="FourConn_2-3" refType="r" refFor="ch" refForName="FourNodes_2"/>
+          <dgm:constr type="w" for="ch" forName="FourConn_3-4" refType="h" refFor="ch" refForName="FourNodes_3" fact="0.65"/>
+          <dgm:constr type="h" for="ch" forName="FourConn_3-4" refType="h" refFor="ch" refForName="FourNodes_3" fact="0.65"/>
+          <dgm:constr type="ctrY" for="ch" forName="FourConn_3-4" refType="h" fact="0.76"/>
+          <dgm:constr type="r" for="ch" forName="FourConn_3-4" refType="r" refFor="ch" refForName="FourNodes_3"/>
+          <dgm:constr type="r" for="ch" forName="FourNodes_1_text" refType="l" refFor="ch" refForName="FourConn_1-2"/>
+          <dgm:constr type="rOff" for="ch" forName="FourNodes_1_text" refType="w" refFor="ch" refForName="FourConn_1-2" fact="-0.7"/>
+          <dgm:constr type="t" for="ch" forName="FourNodes_1_text" refType="t" refFor="ch" refForName="FourNodes_1"/>
+          <dgm:constr type="b" for="ch" forName="FourNodes_1_text" refType="b" refFor="ch" refForName="FourNodes_1"/>
+          <dgm:constr type="l" for="ch" forName="FourNodes_1_text" refType="l" refFor="ch" refForName="FourNodes_1"/>
+          <dgm:constr type="r" for="ch" forName="FourNodes_2_text" refType="l" refFor="ch" refForName="FourConn_1-2"/>
+          <dgm:constr type="t" for="ch" forName="FourNodes_2_text" refType="t" refFor="ch" refForName="FourNodes_2"/>
+          <dgm:constr type="b" for="ch" forName="FourNodes_2_text" refType="b" refFor="ch" refForName="FourNodes_2"/>
+          <dgm:constr type="l" for="ch" forName="FourNodes_2_text" refType="l" refFor="ch" refForName="FourNodes_2"/>
+          <dgm:constr type="r" for="ch" forName="FourNodes_3_text" refType="l" refFor="ch" refForName="FourConn_2-3"/>
+          <dgm:constr type="t" for="ch" forName="FourNodes_3_text" refType="t" refFor="ch" refForName="FourNodes_3"/>
+          <dgm:constr type="b" for="ch" forName="FourNodes_3_text" refType="b" refFor="ch" refForName="FourNodes_3"/>
+          <dgm:constr type="l" for="ch" forName="FourNodes_3_text" refType="l" refFor="ch" refForName="FourNodes_3"/>
+          <dgm:constr type="r" for="ch" forName="FourNodes_4_text" refType="l" refFor="ch" refForName="FourConn_3-4"/>
+          <dgm:constr type="t" for="ch" forName="FourNodes_4_text" refType="t" refFor="ch" refForName="FourNodes_4"/>
+          <dgm:constr type="b" for="ch" forName="FourNodes_4_text" refType="b" refFor="ch" refForName="FourNodes_4"/>
+          <dgm:constr type="l" for="ch" forName="FourNodes_4_text" refType="l" refFor="ch" refForName="FourNodes_4"/>
+          <dgm:constr type="w" for="ch" forName="FiveNodes_1" refType="w" fact="0.77"/>
+          <dgm:constr type="h" for="ch" forName="FiveNodes_1" refType="h" fact="0.18"/>
+          <dgm:constr type="t" for="ch" forName="FiveNodes_1"/>
+          <dgm:constr type="l" for="ch" forName="FiveNodes_1"/>
+          <dgm:constr type="w" for="ch" forName="FiveNodes_2" refType="w" fact="0.77"/>
+          <dgm:constr type="h" for="ch" forName="FiveNodes_2" refType="h" fact="0.18"/>
+          <dgm:constr type="ctrY" for="ch" forName="FiveNodes_2" refType="h" fact="0.295"/>
+          <dgm:constr type="ctrX" for="ch" forName="FiveNodes_2" refType="w" fact="0.4425"/>
+          <dgm:constr type="w" for="ch" forName="FiveNodes_3" refType="w" fact="0.77"/>
+          <dgm:constr type="h" for="ch" forName="FiveNodes_3" refType="h" fact="0.18"/>
+          <dgm:constr type="ctrY" for="ch" forName="FiveNodes_3" refType="h" fact="0.5"/>
+          <dgm:constr type="ctrX" for="ch" forName="FiveNodes_3" refType="w" fact="0.5"/>
+          <dgm:constr type="w" for="ch" forName="FiveNodes_4" refType="w" fact="0.77"/>
+          <dgm:constr type="h" for="ch" forName="FiveNodes_4" refType="h" fact="0.18"/>
+          <dgm:constr type="ctrY" for="ch" forName="FiveNodes_4" refType="h" fact="0.705"/>
+          <dgm:constr type="ctrX" for="ch" forName="FiveNodes_4" refType="w" fact="0.5575"/>
+          <dgm:constr type="w" for="ch" forName="FiveNodes_5" refType="w" fact="0.77"/>
+          <dgm:constr type="h" for="ch" forName="FiveNodes_5" refType="h" fact="0.18"/>
+          <dgm:constr type="b" for="ch" forName="FiveNodes_5" refType="h"/>
+          <dgm:constr type="r" for="ch" forName="FiveNodes_5" refType="w"/>
+          <dgm:constr type="w" for="ch" forName="FiveConn_1-2" refType="h" refFor="ch" refForName="FiveNodes_1" fact="0.65"/>
+          <dgm:constr type="h" for="ch" forName="FiveConn_1-2" refType="h" refFor="ch" refForName="FiveNodes_1" fact="0.65"/>
+          <dgm:constr type="ctrY" for="ch" forName="FiveConn_1-2" refType="h" fact="0.19"/>
+          <dgm:constr type="r" for="ch" forName="FiveConn_1-2" refType="r" refFor="ch" refForName="FiveNodes_1"/>
+          <dgm:constr type="w" for="ch" forName="FiveConn_2-3" refType="h" refFor="ch" refForName="FiveNodes_2" fact="0.65"/>
+          <dgm:constr type="h" for="ch" forName="FiveConn_2-3" refType="h" refFor="ch" refForName="FiveNodes_2" fact="0.65"/>
+          <dgm:constr type="ctrY" for="ch" forName="FiveConn_2-3" refType="h" fact="0.395"/>
+          <dgm:constr type="r" for="ch" forName="FiveConn_2-3" refType="r" refFor="ch" refForName="FiveNodes_2"/>
+          <dgm:constr type="w" for="ch" forName="FiveConn_3-4" refType="h" refFor="ch" refForName="FiveNodes_3" fact="0.65"/>
+          <dgm:constr type="h" for="ch" forName="FiveConn_3-4" refType="h" refFor="ch" refForName="FiveNodes_3" fact="0.65"/>
+          <dgm:constr type="ctrY" for="ch" forName="FiveConn_3-4" refType="h" fact="0.597"/>
+          <dgm:constr type="r" for="ch" forName="FiveConn_3-4" refType="r" refFor="ch" refForName="FiveNodes_3"/>
+          <dgm:constr type="w" for="ch" forName="FiveConn_4-5" refType="h" refFor="ch" refForName="FiveNodes_4" fact="0.65"/>
+          <dgm:constr type="h" for="ch" forName="FiveConn_4-5" refType="h" refFor="ch" refForName="FiveNodes_4" fact="0.65"/>
+          <dgm:constr type="ctrY" for="ch" forName="FiveConn_4-5" refType="h" fact="0.804"/>
+          <dgm:constr type="r" for="ch" forName="FiveConn_4-5" refType="r" refFor="ch" refForName="FiveNodes_4"/>
+          <dgm:constr type="r" for="ch" forName="FiveNodes_1_text" refType="l" refFor="ch" refForName="FiveConn_1-2"/>
+          <dgm:constr type="rOff" for="ch" forName="FiveNodes_1_text" refType="w" refFor="ch" refForName="FiveConn_1-2" fact="-0.75"/>
+          <dgm:constr type="t" for="ch" forName="FiveNodes_1_text" refType="t" refFor="ch" refForName="FiveNodes_1"/>
+          <dgm:constr type="b" for="ch" forName="FiveNodes_1_text" refType="b" refFor="ch" refForName="FiveNodes_1"/>
+          <dgm:constr type="l" for="ch" forName="FiveNodes_1_text" refType="l" refFor="ch" refForName="FiveNodes_1"/>
+          <dgm:constr type="r" for="ch" forName="FiveNodes_2_text" refType="l" refFor="ch" refForName="FiveConn_1-2"/>
+          <dgm:constr type="t" for="ch" forName="FiveNodes_2_text" refType="t" refFor="ch" refForName="FiveNodes_2"/>
+          <dgm:constr type="b" for="ch" forName="FiveNodes_2_text" refType="b" refFor="ch" refForName="FiveNodes_2"/>
+          <dgm:constr type="l" for="ch" forName="FiveNodes_2_text" refType="l" refFor="ch" refForName="FiveNodes_2"/>
+          <dgm:constr type="r" for="ch" forName="FiveNodes_3_text" refType="l" refFor="ch" refForName="FiveConn_2-3"/>
+          <dgm:constr type="t" for="ch" forName="FiveNodes_3_text" refType="t" refFor="ch" refForName="FiveNodes_3"/>
+          <dgm:constr type="b" for="ch" forName="FiveNodes_3_text" refType="b" refFor="ch" refForName="FiveNodes_3"/>
+          <dgm:constr type="l" for="ch" forName="FiveNodes_3_text" refType="l" refFor="ch" refForName="FiveNodes_3"/>
+          <dgm:constr type="r" for="ch" forName="FiveNodes_4_text" refType="l" refFor="ch" refForName="FiveConn_3-4"/>
+          <dgm:constr type="t" for="ch" forName="FiveNodes_4_text" refType="t" refFor="ch" refForName="FiveNodes_4"/>
+          <dgm:constr type="b" for="ch" forName="FiveNodes_4_text" refType="b" refFor="ch" refForName="FiveNodes_4"/>
+          <dgm:constr type="l" for="ch" forName="FiveNodes_4_text" refType="l" refFor="ch" refForName="FiveNodes_4"/>
+          <dgm:constr type="r" for="ch" forName="FiveNodes_5_text" refType="l" refFor="ch" refForName="FiveConn_4-5"/>
+          <dgm:constr type="t" for="ch" forName="FiveNodes_5_text" refType="t" refFor="ch" refForName="FiveNodes_5"/>
+          <dgm:constr type="b" for="ch" forName="FiveNodes_5_text" refType="b" refFor="ch" refForName="FiveNodes_5"/>
+          <dgm:constr type="l" for="ch" forName="FiveNodes_5_text" refType="l" refFor="ch" refForName="FiveNodes_5"/>
+        </dgm:constrLst>
+      </dgm:if>
+      <dgm:else name="Name2">
+        <dgm:constrLst>
+          <dgm:constr type="primFontSz" for="ch" ptType="node" op="equ" val="65"/>
+          <dgm:constr type="w" for="ch" forName="dummyMaxCanvas" refType="w"/>
+          <dgm:constr type="h" for="ch" forName="dummyMaxCanvas" refType="h"/>
+          <dgm:constr type="w" for="ch" forName="OneNode_1" refType="w"/>
+          <dgm:constr type="h" for="ch" forName="OneNode_1" refType="h" fact="0.5"/>
+          <dgm:constr type="ctrY" for="ch" forName="OneNode_1" refType="h" fact="0.5"/>
+          <dgm:constr type="w" for="ch" forName="TwoNodes_1" refType="w" fact="0.85"/>
+          <dgm:constr type="h" for="ch" forName="TwoNodes_1" refType="h" fact="0.45"/>
+          <dgm:constr type="t" for="ch" forName="TwoNodes_1"/>
+          <dgm:constr type="r" for="ch" forName="TwoNodes_1" refType="w"/>
+          <dgm:constr type="w" for="ch" forName="TwoNodes_2" refType="w" fact="0.85"/>
+          <dgm:constr type="h" for="ch" forName="TwoNodes_2" refType="h" fact="0.45"/>
+          <dgm:constr type="b" for="ch" forName="TwoNodes_2" refType="h"/>
+          <dgm:constr type="l" for="ch" forName="TwoNodes_2"/>
+          <dgm:constr type="w" for="ch" forName="TwoConn_1-2" refType="h" refFor="ch" refForName="TwoNodes_1" fact="0.65"/>
+          <dgm:constr type="h" for="ch" forName="TwoConn_1-2" refType="h" refFor="ch" refForName="TwoNodes_1" fact="0.65"/>
+          <dgm:constr type="ctrY" for="ch" forName="TwoConn_1-2" refType="h" fact="0.5"/>
+          <dgm:constr type="l" for="ch" forName="TwoConn_1-2" refType="l" refFor="ch" refForName="TwoNodes_1"/>
+          <dgm:constr type="l" for="ch" forName="TwoNodes_1_text" refType="r" refFor="ch" refForName="TwoConn_1-2"/>
+          <dgm:constr type="lOff" for="ch" forName="TwoNodes_1_text" refType="w" refFor="ch" refForName="TwoConn_1-2" fact="0.5"/>
+          <dgm:constr type="t" for="ch" forName="TwoNodes_1_text" refType="t" refFor="ch" refForName="TwoNodes_1"/>
+          <dgm:constr type="b" for="ch" forName="TwoNodes_1_text" refType="b" refFor="ch" refForName="TwoNodes_1"/>
+          <dgm:constr type="r" for="ch" forName="TwoNodes_1_text" refType="r" refFor="ch" refForName="TwoNodes_1"/>
+          <dgm:constr type="l" for="ch" forName="TwoNodes_2_text" refType="r" refFor="ch" refForName="TwoConn_1-2"/>
+          <dgm:constr type="t" for="ch" forName="TwoNodes_2_text" refType="t" refFor="ch" refForName="TwoNodes_2"/>
+          <dgm:constr type="b" for="ch" forName="TwoNodes_2_text" refType="b" refFor="ch" refForName="TwoNodes_2"/>
+          <dgm:constr type="r" for="ch" forName="TwoNodes_2_text" refType="r" refFor="ch" refForName="TwoNodes_2"/>
+          <dgm:constr type="w" for="ch" forName="ThreeNodes_1" refType="w" fact="0.85"/>
+          <dgm:constr type="h" for="ch" forName="ThreeNodes_1" refType="h" fact="0.3"/>
+          <dgm:constr type="t" for="ch" forName="ThreeNodes_1"/>
+          <dgm:constr type="r" for="ch" forName="ThreeNodes_1" refType="w"/>
+          <dgm:constr type="w" for="ch" forName="ThreeNodes_2" refType="w" fact="0.85"/>
+          <dgm:constr type="h" for="ch" forName="ThreeNodes_2" refType="h" fact="0.3"/>
+          <dgm:constr type="ctrY" for="ch" forName="ThreeNodes_2" refType="h" fact="0.5"/>
+          <dgm:constr type="ctrX" for="ch" forName="ThreeNodes_2" refType="w" fact="0.5"/>
+          <dgm:constr type="w" for="ch" forName="ThreeNodes_3" refType="w" fact="0.85"/>
+          <dgm:constr type="h" for="ch" forName="ThreeNodes_3" refType="h" fact="0.3"/>
+          <dgm:constr type="b" for="ch" forName="ThreeNodes_3" refType="h"/>
+          <dgm:constr type="l" for="ch" forName="ThreeNodes_3"/>
+          <dgm:constr type="w" for="ch" forName="ThreeConn_1-2" refType="h" refFor="ch" refForName="ThreeNodes_1" fact="0.65"/>
+          <dgm:constr type="h" for="ch" forName="ThreeConn_1-2" refType="h" refFor="ch" refForName="ThreeNodes_1" fact="0.65"/>
+          <dgm:constr type="ctrY" for="ch" forName="ThreeConn_1-2" refType="h" fact="0.325"/>
+          <dgm:constr type="l" for="ch" forName="ThreeConn_1-2" refType="l" refFor="ch" refForName="ThreeNodes_1"/>
+          <dgm:constr type="w" for="ch" forName="ThreeConn_2-3" refType="h" refFor="ch" refForName="ThreeNodes_2" fact="0.65"/>
+          <dgm:constr type="h" for="ch" forName="ThreeConn_2-3" refType="h" refFor="ch" refForName="ThreeNodes_2" fact="0.65"/>
+          <dgm:constr type="ctrY" for="ch" forName="ThreeConn_2-3" refType="h" fact="0.673"/>
+          <dgm:constr type="l" for="ch" forName="ThreeConn_2-3" refType="l" refFor="ch" refForName="ThreeNodes_2"/>
+          <dgm:constr type="l" for="ch" forName="ThreeNodes_1_text" refType="r" refFor="ch" refForName="ThreeConn_1-2"/>
+          <dgm:constr type="lOff" for="ch" forName="ThreeNodes_1_text" refType="w" refFor="ch" refForName="ThreeConn_1-2" fact="0.55"/>
+          <dgm:constr type="t" for="ch" forName="ThreeNodes_1_text" refType="t" refFor="ch" refForName="ThreeNodes_1"/>
+          <dgm:constr type="b" for="ch" forName="ThreeNodes_1_text" refType="b" refFor="ch" refForName="ThreeNodes_1"/>
+          <dgm:constr type="r" for="ch" forName="ThreeNodes_1_text" refType="r" refFor="ch" refForName="ThreeNodes_1"/>
+          <dgm:constr type="l" for="ch" forName="ThreeNodes_2_text" refType="r" refFor="ch" refForName="ThreeConn_1-2"/>
+          <dgm:constr type="t" for="ch" forName="ThreeNodes_2_text" refType="t" refFor="ch" refForName="ThreeNodes_2"/>
+          <dgm:constr type="b" for="ch" forName="ThreeNodes_2_text" refType="b" refFor="ch" refForName="ThreeNodes_2"/>
+          <dgm:constr type="r" for="ch" forName="ThreeNodes_2_text" refType="r" refFor="ch" refForName="ThreeNodes_2"/>
+          <dgm:constr type="l" for="ch" forName="ThreeNodes_3_text" refType="r" refFor="ch" refForName="ThreeConn_2-3"/>
+          <dgm:constr type="t" for="ch" forName="ThreeNodes_3_text" refType="t" refFor="ch" refForName="ThreeNodes_3"/>
+          <dgm:constr type="b" for="ch" forName="ThreeNodes_3_text" refType="b" refFor="ch" refForName="ThreeNodes_3"/>
+          <dgm:constr type="r" for="ch" forName="ThreeNodes_3_text" refType="r" refFor="ch" refForName="ThreeNodes_3"/>
+          <dgm:constr type="w" for="ch" forName="FourNodes_1" refType="w" fact="0.8"/>
+          <dgm:constr type="h" for="ch" forName="FourNodes_1" refType="h" fact="0.22"/>
+          <dgm:constr type="t" for="ch" forName="FourNodes_1"/>
+          <dgm:constr type="r" for="ch" forName="FourNodes_1" refType="w"/>
+          <dgm:constr type="w" for="ch" forName="FourNodes_2" refType="w" fact="0.8"/>
+          <dgm:constr type="h" for="ch" forName="FourNodes_2" refType="h" fact="0.22"/>
+          <dgm:constr type="ctrY" for="ch" forName="FourNodes_2" refType="h" fact="0.37"/>
+          <dgm:constr type="ctrX" for="ch" forName="FourNodes_2" refType="w" fact="0.533"/>
+          <dgm:constr type="w" for="ch" forName="FourNodes_3" refType="w" fact="0.8"/>
+          <dgm:constr type="h" for="ch" forName="FourNodes_3" refType="h" fact="0.22"/>
+          <dgm:constr type="ctrY" for="ch" forName="FourNodes_3" refType="h" fact="0.63"/>
+          <dgm:constr type="ctrX" for="ch" forName="FourNodes_3" refType="w" fact="0.467"/>
+          <dgm:constr type="w" for="ch" forName="FourNodes_4" refType="w" fact="0.8"/>
+          <dgm:constr type="h" for="ch" forName="FourNodes_4" refType="h" fact="0.22"/>
+          <dgm:constr type="b" for="ch" forName="FourNodes_4" refType="h"/>
+          <dgm:constr type="l" for="ch" forName="FourNodes_4"/>
+          <dgm:constr type="w" for="ch" forName="FourConn_1-2" refType="h" refFor="ch" refForName="FourNodes_1" fact="0.65"/>
+          <dgm:constr type="h" for="ch" forName="FourConn_1-2" refType="h" refFor="ch" refForName="FourNodes_1" fact="0.65"/>
+          <dgm:constr type="ctrY" for="ch" forName="FourConn_1-2" refType="h" fact="0.24"/>
+          <dgm:constr type="l" for="ch" forName="FourConn_1-2" refType="l" refFor="ch" refForName="FourNodes_1"/>
+          <dgm:constr type="w" for="ch" forName="FourConn_2-3" refType="h" refFor="ch" refForName="FourNodes_2" fact="0.65"/>
+          <dgm:constr type="h" for="ch" forName="FourConn_2-3" refType="h" refFor="ch" refForName="FourNodes_2" fact="0.65"/>
+          <dgm:constr type="ctrY" for="ch" forName="FourConn_2-3" refType="h" fact="0.5"/>
+          <dgm:constr type="l" for="ch" forName="FourConn_2-3" refType="l" refFor="ch" refForName="FourNodes_2"/>
+          <dgm:constr type="w" for="ch" forName="FourConn_3-4" refType="h" refFor="ch" refForName="FourNodes_3" fact="0.65"/>
+          <dgm:constr type="h" for="ch" forName="FourConn_3-4" refType="h" refFor="ch" refForName="FourNodes_3" fact="0.65"/>
+          <dgm:constr type="ctrY" for="ch" forName="FourConn_3-4" refType="h" fact="0.76"/>
+          <dgm:constr type="l" for="ch" forName="FourConn_3-4" refType="l" refFor="ch" refForName="FourNodes_3"/>
+          <dgm:constr type="l" for="ch" forName="FourNodes_1_text" refType="r" refFor="ch" refForName="FourConn_1-2"/>
+          <dgm:constr type="lOff" for="ch" forName="FourNodes_1_text" refType="w" refFor="ch" refForName="FourConn_1-2" fact="0.69"/>
+          <dgm:constr type="t" for="ch" forName="FourNodes_1_text" refType="t" refFor="ch" refForName="FourNodes_1"/>
+          <dgm:constr type="b" for="ch" forName="FourNodes_1_text" refType="b" refFor="ch" refForName="FourNodes_1"/>
+          <dgm:constr type="r" for="ch" forName="FourNodes_1_text" refType="r" refFor="ch" refForName="FourNodes_1"/>
+          <dgm:constr type="l" for="ch" forName="FourNodes_2_text" refType="r" refFor="ch" refForName="FourConn_1-2"/>
+          <dgm:constr type="t" for="ch" forName="FourNodes_2_text" refType="t" refFor="ch" refForName="FourNodes_2"/>
+          <dgm:constr type="b" for="ch" forName="FourNodes_2_text" refType="b" refFor="ch" refForName="FourNodes_2"/>
+          <dgm:constr type="r" for="ch" forName="FourNodes_2_text" refType="r" refFor="ch" refForName="FourNodes_2"/>
+          <dgm:constr type="l" for="ch" forName="FourNodes_3_text" refType="r" refFor="ch" refForName="FourConn_2-3"/>
+          <dgm:constr type="t" for="ch" forName="FourNodes_3_text" refType="t" refFor="ch" refForName="FourNodes_3"/>
+          <dgm:constr type="b" for="ch" forName="FourNodes_3_text" refType="b" refFor="ch" refForName="FourNodes_3"/>
+          <dgm:constr type="r" for="ch" forName="FourNodes_3_text" refType="r" refFor="ch" refForName="FourNodes_3"/>
+          <dgm:constr type="l" for="ch" forName="FourNodes_4_text" refType="r" refFor="ch" refForName="FourConn_3-4"/>
+          <dgm:constr type="t" for="ch" forName="FourNodes_4_text" refType="t" refFor="ch" refForName="FourNodes_4"/>
+          <dgm:constr type="b" for="ch" forName="FourNodes_4_text" refType="b" refFor="ch" refForName="FourNodes_4"/>
+          <dgm:constr type="r" for="ch" forName="FourNodes_4_text" refType="r" refFor="ch" refForName="FourNodes_4"/>
+          <dgm:constr type="w" for="ch" forName="FiveNodes_1" refType="w" fact="0.77"/>
+          <dgm:constr type="h" for="ch" forName="FiveNodes_1" refType="h" fact="0.18"/>
+          <dgm:constr type="t" for="ch" forName="FiveNodes_1"/>
+          <dgm:constr type="r" for="ch" forName="FiveNodes_1" refType="w"/>
+          <dgm:constr type="w" for="ch" forName="FiveNodes_2" refType="w" fact="0.77"/>
+          <dgm:constr type="h" for="ch" forName="FiveNodes_2" refType="h" fact="0.18"/>
+          <dgm:constr type="ctrY" for="ch" forName="FiveNodes_2" refType="h" fact="0.295"/>
+          <dgm:constr type="ctrX" for="ch" forName="FiveNodes_2" refType="w" fact="0.5575"/>
+          <dgm:constr type="w" for="ch" forName="FiveNodes_3" refType="w" fact="0.77"/>
+          <dgm:constr type="h" for="ch" forName="FiveNodes_3" refType="h" fact="0.18"/>
+          <dgm:constr type="ctrY" for="ch" forName="FiveNodes_3" refType="h" fact="0.5"/>
+          <dgm:constr type="ctrX" for="ch" forName="FiveNodes_3" refType="w" fact="0.5"/>
+          <dgm:constr type="w" for="ch" forName="FiveNodes_4" refType="w" fact="0.77"/>
+          <dgm:constr type="h" for="ch" forName="FiveNodes_4" refType="h" fact="0.18"/>
+          <dgm:constr type="ctrY" for="ch" forName="FiveNodes_4" refType="h" fact="0.705"/>
+          <dgm:constr type="ctrX" for="ch" forName="FiveNodes_4" refType="w" fact="0.4425"/>
+          <dgm:constr type="w" for="ch" forName="FiveNodes_5" refType="w" fact="0.77"/>
+          <dgm:constr type="h" for="ch" forName="FiveNodes_5" refType="h" fact="0.18"/>
+          <dgm:constr type="b" for="ch" forName="FiveNodes_5" refType="h"/>
+          <dgm:constr type="l" for="ch" forName="FiveNodes_5"/>
+          <dgm:constr type="w" for="ch" forName="FiveConn_1-2" refType="h" refFor="ch" refForName="FiveNodes_1" fact="0.65"/>
+          <dgm:constr type="h" for="ch" forName="FiveConn_1-2" refType="h" refFor="ch" refForName="FiveNodes_1" fact="0.65"/>
+          <dgm:constr type="ctrY" for="ch" forName="FiveConn_1-2" refType="h" fact="0.19"/>
+          <dgm:constr type="l" for="ch" forName="FiveConn_1-2" refType="l" refFor="ch" refForName="FiveNodes_1"/>
+          <dgm:constr type="w" for="ch" forName="FiveConn_2-3" refType="h" refFor="ch" refForName="FiveNodes_2" fact="0.65"/>
+          <dgm:constr type="h" for="ch" forName="FiveConn_2-3" refType="h" refFor="ch" refForName="FiveNodes_2" fact="0.65"/>
+          <dgm:constr type="ctrY" for="ch" forName="FiveConn_2-3" refType="h" fact="0.395"/>
+          <dgm:constr type="l" for="ch" forName="FiveConn_2-3" refType="l" refFor="ch" refForName="FiveNodes_2"/>
+          <dgm:constr type="w" for="ch" forName="FiveConn_3-4" refType="h" refFor="ch" refForName="FiveNodes_3" fact="0.65"/>
+          <dgm:constr type="h" for="ch" forName="FiveConn_3-4" refType="h" refFor="ch" refForName="FiveNodes_3" fact="0.65"/>
+          <dgm:constr type="ctrY" for="ch" forName="FiveConn_3-4" refType="h" fact="0.597"/>
+          <dgm:constr type="l" for="ch" forName="FiveConn_3-4" refType="l" refFor="ch" refForName="FiveNodes_3"/>
+          <dgm:constr type="w" for="ch" forName="FiveConn_4-5" refType="h" refFor="ch" refForName="FiveNodes_4" fact="0.65"/>
+          <dgm:constr type="h" for="ch" forName="FiveConn_4-5" refType="h" refFor="ch" refForName="FiveNodes_4" fact="0.65"/>
+          <dgm:constr type="ctrY" for="ch" forName="FiveConn_4-5" refType="h" fact="0.804"/>
+          <dgm:constr type="l" for="ch" forName="FiveConn_4-5" refType="l" refFor="ch" refForName="FiveNodes_4"/>
+          <dgm:constr type="l" for="ch" forName="FiveNodes_1_text" refType="r" refFor="ch" refForName="FiveConn_1-2"/>
+          <dgm:constr type="lOff" for="ch" forName="FiveNodes_1_text" refType="w" refFor="ch" refForName="FiveConn_1-2" fact="0.73"/>
+          <dgm:constr type="t" for="ch" forName="FiveNodes_1_text" refType="t" refFor="ch" refForName="FiveNodes_1"/>
+          <dgm:constr type="b" for="ch" forName="FiveNodes_1_text" refType="b" refFor="ch" refForName="FiveNodes_1"/>
+          <dgm:constr type="r" for="ch" forName="FiveNodes_1_text" refType="r" refFor="ch" refForName="FiveNodes_1"/>
+          <dgm:constr type="l" for="ch" forName="FiveNodes_2_text" refType="r" refFor="ch" refForName="FiveConn_1-2"/>
+          <dgm:constr type="t" for="ch" forName="FiveNodes_2_text" refType="t" refFor="ch" refForName="FiveNodes_2"/>
+          <dgm:constr type="b" for="ch" forName="FiveNodes_2_text" refType="b" refFor="ch" refForName="FiveNodes_2"/>
+          <dgm:constr type="r" for="ch" forName="FiveNodes_2_text" refType="r" refFor="ch" refForName="FiveNodes_2"/>
+          <dgm:constr type="l" for="ch" forName="FiveNodes_3_text" refType="r" refFor="ch" refForName="FiveConn_2-3"/>
+          <dgm:constr type="t" for="ch" forName="FiveNodes_3_text" refType="t" refFor="ch" refForName="FiveNodes_3"/>
+          <dgm:constr type="b" for="ch" forName="FiveNodes_3_text" refType="b" refFor="ch" refForName="FiveNodes_3"/>
+          <dgm:constr type="r" for="ch" forName="FiveNodes_3_text" refType="r" refFor="ch" refForName="FiveNodes_3"/>
+          <dgm:constr type="l" for="ch" forName="FiveNodes_4_text" refType="r" refFor="ch" refForName="FiveConn_3-4"/>
+          <dgm:constr type="t" for="ch" forName="FiveNodes_4_text" refType="t" refFor="ch" refForName="FiveNodes_4"/>
+          <dgm:constr type="b" for="ch" forName="FiveNodes_4_text" refType="b" refFor="ch" refForName="FiveNodes_4"/>
+          <dgm:constr type="r" for="ch" forName="FiveNodes_4_text" refType="r" refFor="ch" refForName="FiveNodes_4"/>
+          <dgm:constr type="l" for="ch" forName="FiveNodes_5_text" refType="r" refFor="ch" refForName="FiveConn_4-5"/>
+          <dgm:constr type="t" for="ch" forName="FiveNodes_5_text" refType="t" refFor="ch" refForName="FiveNodes_5"/>
+          <dgm:constr type="b" for="ch" forName="FiveNodes_5_text" refType="b" refFor="ch" refForName="FiveNodes_5"/>
+          <dgm:constr type="r" for="ch" forName="FiveNodes_5_text" refType="r" refFor="ch" refForName="FiveNodes_5"/>
+        </dgm:constrLst>
+      </dgm:else>
+    </dgm:choose>
+    <dgm:ruleLst/>
+    <dgm:layoutNode name="dummyMaxCanvas">
+      <dgm:varLst/>
+      <dgm:alg type="sp"/>
+      <dgm:shape xmlns:r="http://schemas.openxmlformats.org/officeDocument/2006/relationships" r:blip="">
+        <dgm:adjLst/>
+      </dgm:shape>
+      <dgm:presOf/>
+      <dgm:constrLst/>
+      <dgm:ruleLst/>
+    </dgm:layoutNode>
+    <dgm:choose name="Name3">
+      <dgm:if name="Name4" axis="ch" ptType="node" func="cnt" op="equ" val="1">
+        <dgm:layoutNode name="OneNode_1">
+          <dgm:varLst>
+            <dgm:bulletEnabled val="1"/>
+          </dgm:varLst>
+          <dgm:alg type="tx"/>
+          <dgm:shape xmlns:r="http://schemas.openxmlformats.org/officeDocument/2006/relationships" type="roundRect" r:blip="">
+            <dgm:adjLst>
+              <dgm:adj idx="1" val="0.1"/>
+            </dgm:adjLst>
+          </dgm:shape>
+          <dgm:presOf axis="ch desOrSelf" ptType="node node" st="1 1" cnt="1 0"/>
+          <dgm:constrLst>
+            <dgm:constr type="lMarg" refType="primFontSz" fact="0.3"/>
+            <dgm:constr type="rMarg" refType="primFontSz" fact="0.3"/>
+            <dgm:constr type="tMarg" refType="primFontSz" fact="0.3"/>
+            <dgm:constr type="bMarg" refType="primFontSz" fact="0.3"/>
+          </dgm:constrLst>
+          <dgm:ruleLst>
+            <dgm:rule type="primFontSz" val="5" fact="NaN" max="NaN"/>
+          </dgm:ruleLst>
+        </dgm:layoutNode>
       </dgm:if>
       <dgm:else name="Name5">
         <dgm:choose name="Name6">
-          <dgm:if name="Name7" axis="ch" ptType="node" func="cnt" op="gt" val="2">
-            <dgm:alg type="cycle">
-              <dgm:param type="stAng" val="0"/>
-              <dgm:param type="spanAng" val="-360"/>
-            </dgm:alg>
+          <dgm:if name="Name7" axis="ch" ptType="node" func="cnt" op="equ" val="2">
+            <dgm:layoutNode name="TwoNodes_1">
+              <dgm:varLst>
+                <dgm:bulletEnabled val="1"/>
+              </dgm:varLst>
+              <dgm:alg type="sp"/>
+              <dgm:shape xmlns:r="http://schemas.openxmlformats.org/officeDocument/2006/relationships" type="roundRect" r:blip="">
+                <dgm:adjLst>
+                  <dgm:adj idx="1" val="0.1"/>
+                </dgm:adjLst>
+              </dgm:shape>
+              <dgm:presOf axis="ch desOrSelf" ptType="node node" st="1 1" cnt="1 0"/>
+              <dgm:constrLst/>
+              <dgm:ruleLst/>
+            </dgm:layoutNode>
+            <dgm:layoutNode name="TwoNodes_2">
+              <dgm:varLst>
+                <dgm:bulletEnabled val="1"/>
+              </dgm:varLst>
+              <dgm:alg type="sp"/>
+              <dgm:shape xmlns:r="http://schemas.openxmlformats.org/officeDocument/2006/relationships" type="roundRect" r:blip="">
+                <dgm:adjLst>
+                  <dgm:adj idx="1" val="0.1"/>
+                </dgm:adjLst>
+              </dgm:shape>
+              <dgm:presOf axis="ch desOrSelf" ptType="node node" st="2 1" cnt="1 0"/>
+              <dgm:constrLst/>
+              <dgm:ruleLst/>
+            </dgm:layoutNode>
+            <dgm:layoutNode name="TwoConn_1-2" styleLbl="fgAccFollowNode1">
+              <dgm:varLst>
+                <dgm:bulletEnabled val="1"/>
+              </dgm:varLst>
+              <dgm:alg type="tx"/>
+              <dgm:shape xmlns:r="http://schemas.openxmlformats.org/officeDocument/2006/relationships" type="downArrow" r:blip="">
+                <dgm:adjLst>
+                  <dgm:adj idx="1" val="0.55"/>
+                  <dgm:adj idx="2" val="0.45"/>
+                </dgm:adjLst>
+              </dgm:shape>
+              <dgm:presOf axis="ch" ptType="sibTrans" cnt="1"/>
+              <dgm:constrLst>
+                <dgm:constr type="lMarg" refType="primFontSz" fact="0.1"/>
+                <dgm:constr type="rMarg" refType="primFontSz" fact="0.1"/>
+                <dgm:constr type="tMarg" refType="primFontSz" fact="0.1"/>
+                <dgm:constr type="bMarg" refType="primFontSz" fact="0.1"/>
+              </dgm:constrLst>
+              <dgm:ruleLst>
+                <dgm:rule type="primFontSz" val="5" fact="NaN" max="NaN"/>
+              </dgm:ruleLst>
+            </dgm:layoutNode>
+            <dgm:layoutNode name="TwoNodes_1_text">
+              <dgm:varLst>
+                <dgm:bulletEnabled val="1"/>
+              </dgm:varLst>
+              <dgm:alg type="tx">
+                <dgm:param type="parTxLTRAlign" val="l"/>
+                <dgm:param type="txAnchorVertCh" val="mid"/>
+              </dgm:alg>
+              <dgm:shape xmlns:r="http://schemas.openxmlformats.org/officeDocument/2006/relationships" type="roundRect" r:blip="" hideGeom="1">
+                <dgm:adjLst>
+                  <dgm:adj idx="1" val="0.1"/>
+                </dgm:adjLst>
+              </dgm:shape>
+              <dgm:presOf axis="ch desOrSelf" ptType="node node" st="1 1" cnt="1 0"/>
+              <dgm:constrLst>
+                <dgm:constr type="lMarg" refType="primFontSz" fact="0.3"/>
+                <dgm:constr type="rMarg" refType="primFontSz" fact="0.3"/>
+                <dgm:constr type="tMarg" refType="primFontSz" fact="0.3"/>
+                <dgm:constr type="bMarg" refType="primFontSz" fact="0.3"/>
+              </dgm:constrLst>
+              <dgm:ruleLst>
+                <dgm:rule type="primFontSz" val="5" fact="NaN" max="NaN"/>
+              </dgm:ruleLst>
+            </dgm:layoutNode>
+            <dgm:layoutNode name="TwoNodes_2_text">
+              <dgm:varLst>
+                <dgm:bulletEnabled val="1"/>
+              </dgm:varLst>
+              <dgm:alg type="tx">
+                <dgm:param type="parTxLTRAlign" val="l"/>
+                <dgm:param type="txAnchorVertCh" val="mid"/>
+              </dgm:alg>
+              <dgm:shape xmlns:r="http://schemas.openxmlformats.org/officeDocument/2006/relationships" type="roundRect" r:blip="" hideGeom="1">
+                <dgm:adjLst>
+                  <dgm:adj idx="1" val="0.1"/>
+                </dgm:adjLst>
+              </dgm:shape>
+              <dgm:presOf axis="ch desOrSelf" ptType="node node" st="2 1" cnt="1 0"/>
+              <dgm:constrLst>
+                <dgm:constr type="lMarg" refType="primFontSz" fact="0.3"/>
+                <dgm:constr type="rMarg" refType="primFontSz" fact="0.3"/>
+                <dgm:constr type="tMarg" refType="primFontSz" fact="0.3"/>
+                <dgm:constr type="bMarg" refType="primFontSz" fact="0.3"/>
+              </dgm:constrLst>
+              <dgm:ruleLst>
+                <dgm:rule type="primFontSz" val="5" fact="NaN" max="NaN"/>
+              </dgm:ruleLst>
+            </dgm:layoutNode>
           </dgm:if>
           <dgm:else name="Name8">
-            <dgm:alg type="cycle">
-              <dgm:param type="stAng" val="90"/>
-              <dgm:param type="spanAng" val="-360"/>
-            </dgm:alg>
+            <dgm:choose name="Name9">
+              <dgm:if name="Name10" axis="ch" ptType="node" func="cnt" op="equ" val="3">
+                <dgm:layoutNode name="ThreeNodes_1">
+                  <dgm:varLst>
+                    <dgm:bulletEnabled val="1"/>
+                  </dgm:varLst>
+                  <dgm:alg type="sp"/>
+                  <dgm:shape xmlns:r="http://schemas.openxmlformats.org/officeDocument/2006/relationships" type="roundRect" r:blip="">
+                    <dgm:adjLst>
+                      <dgm:adj idx="1" val="0.1"/>
+                    </dgm:adjLst>
+                  </dgm:shape>
+                  <dgm:presOf axis="ch desOrSelf" ptType="node node" st="1 1" cnt="1 0"/>
+                  <dgm:constrLst/>
+                  <dgm:ruleLst/>
+                </dgm:layoutNode>
+                <dgm:layoutNode name="ThreeNodes_2">
+                  <dgm:varLst>
+                    <dgm:bulletEnabled val="1"/>
+                  </dgm:varLst>
+                  <dgm:alg type="sp"/>
+                  <dgm:shape xmlns:r="http://schemas.openxmlformats.org/officeDocument/2006/relationships" type="roundRect" r:blip="">
+                    <dgm:adjLst>
+                      <dgm:adj idx="1" val="0.1"/>
+                    </dgm:adjLst>
+                  </dgm:shape>
+                  <dgm:presOf axis="ch desOrSelf" ptType="node node" st="2 1" cnt="1 0"/>
+                  <dgm:constrLst/>
+                  <dgm:ruleLst/>
+                </dgm:layoutNode>
+                <dgm:layoutNode name="ThreeNodes_3">
+                  <dgm:varLst>
+                    <dgm:bulletEnabled val="1"/>
+                  </dgm:varLst>
+                  <dgm:alg type="sp"/>
+                  <dgm:shape xmlns:r="http://schemas.openxmlformats.org/officeDocument/2006/relationships" type="roundRect" r:blip="">
+                    <dgm:adjLst>
+                      <dgm:adj idx="1" val="0.1"/>
+                    </dgm:adjLst>
+                  </dgm:shape>
+                  <dgm:presOf axis="ch desOrSelf" ptType="node node" st="3 1" cnt="1 0"/>
+                  <dgm:constrLst/>
+                  <dgm:ruleLst/>
+                </dgm:layoutNode>
+                <dgm:layoutNode name="ThreeConn_1-2" styleLbl="fgAccFollowNode1">
+                  <dgm:varLst>
+                    <dgm:bulletEnabled val="1"/>
+                  </dgm:varLst>
+                  <dgm:alg type="tx"/>
+                  <dgm:shape xmlns:r="http://schemas.openxmlformats.org/officeDocument/2006/relationships" type="downArrow" r:blip="">
+                    <dgm:adjLst>
+                      <dgm:adj idx="1" val="0.55"/>
+                      <dgm:adj idx="2" val="0.45"/>
+                    </dgm:adjLst>
+                  </dgm:shape>
+                  <dgm:presOf axis="ch" ptType="sibTrans" cnt="1"/>
+                  <dgm:constrLst>
+                    <dgm:constr type="lMarg" refType="primFontSz" fact="0.1"/>
+                    <dgm:constr type="rMarg" refType="primFontSz" fact="0.1"/>
+                    <dgm:constr type="tMarg" refType="primFontSz" fact="0.1"/>
+                    <dgm:constr type="bMarg" refType="primFontSz" fact="0.1"/>
+                  </dgm:constrLst>
+                  <dgm:ruleLst>
+                    <dgm:rule type="primFontSz" val="5" fact="NaN" max="NaN"/>
+                  </dgm:ruleLst>
+                </dgm:layoutNode>
+                <dgm:layoutNode name="ThreeConn_2-3" styleLbl="fgAccFollowNode1">
+                  <dgm:varLst>
+                    <dgm:bulletEnabled val="1"/>
+                  </dgm:varLst>
+                  <dgm:alg type="tx"/>
+                  <dgm:shape xmlns:r="http://schemas.openxmlformats.org/officeDocument/2006/relationships" type="downArrow" r:blip="">
+                    <dgm:adjLst>
+                      <dgm:adj idx="1" val="0.55"/>
+                      <dgm:adj idx="2" val="0.45"/>
+                    </dgm:adjLst>
+                  </dgm:shape>
+                  <dgm:presOf axis="ch" ptType="sibTrans" st="2" cnt="1"/>
+                  <dgm:constrLst>
+                    <dgm:constr type="lMarg" refType="primFontSz" fact="0.1"/>
+                    <dgm:constr type="rMarg" refType="primFontSz" fact="0.1"/>
+                    <dgm:constr type="tMarg" refType="primFontSz" fact="0.1"/>
+                    <dgm:constr type="bMarg" refType="primFontSz" fact="0.1"/>
+                  </dgm:constrLst>
+                  <dgm:ruleLst>
+                    <dgm:rule type="primFontSz" val="5" fact="NaN" max="NaN"/>
+                  </dgm:ruleLst>
+                </dgm:layoutNode>
+                <dgm:layoutNode name="ThreeNodes_1_text">
+                  <dgm:varLst>
+                    <dgm:bulletEnabled val="1"/>
+                  </dgm:varLst>
+                  <dgm:alg type="tx">
+                    <dgm:param type="parTxLTRAlign" val="l"/>
+                    <dgm:param type="txAnchorVertCh" val="mid"/>
+                  </dgm:alg>
+                  <dgm:shape xmlns:r="http://schemas.openxmlformats.org/officeDocument/2006/relationships" type="roundRect" r:blip="" hideGeom="1">
+                    <dgm:adjLst>
+                      <dgm:adj idx="1" val="0.1"/>
+                    </dgm:adjLst>
+                  </dgm:shape>
+                  <dgm:presOf axis="ch desOrSelf" ptType="node node" st="1 1" cnt="1 0"/>
+                  <dgm:constrLst>
+                    <dgm:constr type="lMarg" refType="primFontSz" fact="0.3"/>
+                    <dgm:constr type="rMarg" refType="primFontSz" fact="0.3"/>
+                    <dgm:constr type="tMarg" refType="primFontSz" fact="0.3"/>
+                    <dgm:constr type="bMarg" refType="primFontSz" fact="0.3"/>
+                  </dgm:constrLst>
+                  <dgm:ruleLst>
+                    <dgm:rule type="primFontSz" val="5" fact="NaN" max="NaN"/>
+                  </dgm:ruleLst>
+                </dgm:layoutNode>
+                <dgm:layoutNode name="ThreeNodes_2_text">
+                  <dgm:varLst>
+                    <dgm:bulletEnabled val="1"/>
+                  </dgm:varLst>
+                  <dgm:alg type="tx">
+                    <dgm:param type="parTxLTRAlign" val="l"/>
+                    <dgm:param type="txAnchorVertCh" val="mid"/>
+                  </dgm:alg>
+                  <dgm:shape xmlns:r="http://schemas.openxmlformats.org/officeDocument/2006/relationships" type="roundRect" r:blip="" hideGeom="1">
+                    <dgm:adjLst>
+                      <dgm:adj idx="1" val="0.1"/>
+                    </dgm:adjLst>
+                  </dgm:shape>
+                  <dgm:presOf axis="ch desOrSelf" ptType="node node" st="2 1" cnt="1 0"/>
+                  <dgm:constrLst>
+                    <dgm:constr type="lMarg" refType="primFontSz" fact="0.3"/>
+                    <dgm:constr type="rMarg" refType="primFontSz" fact="0.3"/>
+                    <dgm:constr type="tMarg" refType="primFontSz" fact="0.3"/>
+                    <dgm:constr type="bMarg" refType="primFontSz" fact="0.3"/>
+                  </dgm:constrLst>
+                  <dgm:ruleLst>
+                    <dgm:rule type="primFontSz" val="5" fact="NaN" max="NaN"/>
+                  </dgm:ruleLst>
+                </dgm:layoutNode>
+                <dgm:layoutNode name="ThreeNodes_3_text">
+                  <dgm:varLst>
+                    <dgm:bulletEnabled val="1"/>
+                  </dgm:varLst>
+                  <dgm:alg type="tx">
+                    <dgm:param type="parTxLTRAlign" val="l"/>
+                    <dgm:param type="txAnchorVertCh" val="mid"/>
+                  </dgm:alg>
+                  <dgm:shape xmlns:r="http://schemas.openxmlformats.org/officeDocument/2006/relationships" type="roundRect" r:blip="" hideGeom="1">
+                    <dgm:adjLst>
+                      <dgm:adj idx="1" val="0.1"/>
+                    </dgm:adjLst>
+                  </dgm:shape>
+                  <dgm:presOf axis="ch desOrSelf" ptType="node node" st="3 1" cnt="1 0"/>
+                  <dgm:constrLst>
+                    <dgm:constr type="lMarg" refType="primFontSz" fact="0.3"/>
+                    <dgm:constr type="rMarg" refType="primFontSz" fact="0.3"/>
+                    <dgm:constr type="tMarg" refType="primFontSz" fact="0.3"/>
+                    <dgm:constr type="bMarg" refType="primFontSz" fact="0.3"/>
+                  </dgm:constrLst>
+                  <dgm:ruleLst>
+                    <dgm:rule type="primFontSz" val="5" fact="NaN" max="NaN"/>
+                  </dgm:ruleLst>
+                </dgm:layoutNode>
+              </dgm:if>
+              <dgm:else name="Name11">
+                <dgm:choose name="Name12">
+                  <dgm:if name="Name13" axis="ch" ptType="node" func="cnt" op="equ" val="4">
+                    <dgm:layoutNode name="FourNodes_1">
+                      <dgm:varLst>
+                        <dgm:bulletEnabled val="1"/>
+                      </dgm:varLst>
+                      <dgm:alg type="sp"/>
+                      <dgm:shape xmlns:r="http://schemas.openxmlformats.org/officeDocument/2006/relationships" type="roundRect" r:blip="">
+                        <dgm:adjLst>
+                          <dgm:adj idx="1" val="0.1"/>
+                        </dgm:adjLst>
+                      </dgm:shape>
+                      <dgm:presOf axis="ch desOrSelf" ptType="node node" st="1 1" cnt="1 0"/>
+                      <dgm:constrLst/>
+                      <dgm:ruleLst/>
+                    </dgm:layoutNode>
+                    <dgm:layoutNode name="FourNodes_2">
+                      <dgm:varLst>
+                        <dgm:bulletEnabled val="1"/>
+                      </dgm:varLst>
+                      <dgm:alg type="sp"/>
+                      <dgm:shape xmlns:r="http://schemas.openxmlformats.org/officeDocument/2006/relationships" type="roundRect" r:blip="">
+                        <dgm:adjLst>
+                          <dgm:adj idx="1" val="0.1"/>
+                        </dgm:adjLst>
+                      </dgm:shape>
+                      <dgm:presOf axis="ch desOrSelf" ptType="node node" st="2 1" cnt="1 0"/>
+                      <dgm:constrLst/>
+                      <dgm:ruleLst/>
+                    </dgm:layoutNode>
+                    <dgm:layoutNode name="FourNodes_3">
+                      <dgm:varLst>
+                        <dgm:bulletEnabled val="1"/>
+                      </dgm:varLst>
+                      <dgm:alg type="sp"/>
+                      <dgm:shape xmlns:r="http://schemas.openxmlformats.org/officeDocument/2006/relationships" type="roundRect" r:blip="">
+                        <dgm:adjLst>
+                          <dgm:adj idx="1" val="0.1"/>
+                        </dgm:adjLst>
+                      </dgm:shape>
+                      <dgm:presOf axis="ch desOrSelf" ptType="node node" st="3 1" cnt="1 0"/>
+                      <dgm:constrLst/>
+                      <dgm:ruleLst/>
+                    </dgm:layoutNode>
+                    <dgm:layoutNode name="FourNodes_4">
+                      <dgm:varLst>
+                        <dgm:bulletEnabled val="1"/>
+                      </dgm:varLst>
+                      <dgm:alg type="sp"/>
+                      <dgm:shape xmlns:r="http://schemas.openxmlformats.org/officeDocument/2006/relationships" type="roundRect" r:blip="">
+                        <dgm:adjLst>
+                          <dgm:adj idx="1" val="0.1"/>
+                        </dgm:adjLst>
+                      </dgm:shape>
+                      <dgm:presOf axis="ch desOrSelf" ptType="node node" st="4 1" cnt="1 0"/>
+                      <dgm:constrLst/>
+                      <dgm:ruleLst/>
+                    </dgm:layoutNode>
+                    <dgm:layoutNode name="FourConn_1-2" styleLbl="fgAccFollowNode1">
+                      <dgm:varLst>
+                        <dgm:bulletEnabled val="1"/>
+                      </dgm:varLst>
+                      <dgm:alg type="tx"/>
+                      <dgm:shape xmlns:r="http://schemas.openxmlformats.org/officeDocument/2006/relationships" type="downArrow" r:blip="">
+                        <dgm:adjLst>
+                          <dgm:adj idx="1" val="0.55"/>
+                          <dgm:adj idx="2" val="0.45"/>
+                        </dgm:adjLst>
+                      </dgm:shape>
+                      <dgm:presOf axis="ch" ptType="sibTrans" cnt="1"/>
+                      <dgm:constrLst>
+                        <dgm:constr type="lMarg" refType="primFontSz" fact="0.1"/>
+                        <dgm:constr type="rMarg" refType="primFontSz" fact="0.1"/>
+                        <dgm:constr type="tMarg" refType="primFontSz" fact="0.1"/>
+                        <dgm:constr type="bMarg" refType="primFontSz" fact="0.1"/>
+                      </dgm:constrLst>
+                      <dgm:ruleLst>
+                        <dgm:rule type="primFontSz" val="5" fact="NaN" max="NaN"/>
+                      </dgm:ruleLst>
+                    </dgm:layoutNode>
+                    <dgm:layoutNode name="FourConn_2-3" styleLbl="fgAccFollowNode1">
+                      <dgm:varLst>
+                        <dgm:bulletEnabled val="1"/>
+                      </dgm:varLst>
+                      <dgm:alg type="tx"/>
+                      <dgm:shape xmlns:r="http://schemas.openxmlformats.org/officeDocument/2006/relationships" type="downArrow" r:blip="">
+                        <dgm:adjLst>
+                          <dgm:adj idx="1" val="0.55"/>
+                          <dgm:adj idx="2" val="0.45"/>
+                        </dgm:adjLst>
+                      </dgm:shape>
+                      <dgm:presOf axis="ch" ptType="sibTrans" st="2" cnt="1"/>
+                      <dgm:constrLst>
+                        <dgm:constr type="lMarg" refType="primFontSz" fact="0.1"/>
+                        <dgm:constr type="rMarg" refType="primFontSz" fact="0.1"/>
+                        <dgm:constr type="tMarg" refType="primFontSz" fact="0.1"/>
+                        <dgm:constr type="bMarg" refType="primFontSz" fact="0.1"/>
+                      </dgm:constrLst>
+                      <dgm:ruleLst>
+                        <dgm:rule type="primFontSz" val="5" fact="NaN" max="NaN"/>
+                      </dgm:ruleLst>
+                    </dgm:layoutNode>
+                    <dgm:layoutNode name="FourConn_3-4" styleLbl="fgAccFollowNode1">
+                      <dgm:varLst>
+                        <dgm:bulletEnabled val="1"/>
+                      </dgm:varLst>
+                      <dgm:alg type="tx"/>
+                      <dgm:shape xmlns:r="http://schemas.openxmlformats.org/officeDocument/2006/relationships" type="downArrow" r:blip="">
+                        <dgm:adjLst>
+                          <dgm:adj idx="1" val="0.55"/>
+                          <dgm:adj idx="2" val="0.45"/>
+                        </dgm:adjLst>
+                      </dgm:shape>
+                      <dgm:presOf axis="ch" ptType="sibTrans" st="3" cnt="1"/>
+                      <dgm:constrLst>
+                        <dgm:constr type="lMarg" refType="primFontSz" fact="0.1"/>
+                        <dgm:constr type="rMarg" refType="primFontSz" fact="0.1"/>
+                        <dgm:constr type="tMarg" refType="primFontSz" fact="0.1"/>
+                        <dgm:constr type="bMarg" refType="primFontSz" fact="0.1"/>
+                      </dgm:constrLst>
+                      <dgm:ruleLst>
+                        <dgm:rule type="primFontSz" val="5" fact="NaN" max="NaN"/>
+                      </dgm:ruleLst>
+                    </dgm:layoutNode>
+                    <dgm:layoutNode name="FourNodes_1_text">
+                      <dgm:varLst>
+                        <dgm:bulletEnabled val="1"/>
+                      </dgm:varLst>
+                      <dgm:alg type="tx">
+                        <dgm:param type="parTxLTRAlign" val="l"/>
+                        <dgm:param type="txAnchorVertCh" val="mid"/>
+                      </dgm:alg>
+                      <dgm:shape xmlns:r="http://schemas.openxmlformats.org/officeDocument/2006/relationships" type="roundRect" r:blip="" hideGeom="1">
+                        <dgm:adjLst>
+                          <dgm:adj idx="1" val="0.1"/>
+                        </dgm:adjLst>
+                      </dgm:shape>
+                      <dgm:presOf axis="ch desOrSelf" ptType="node node" st="1 1" cnt="1 0"/>
+                      <dgm:constrLst>
+                        <dgm:constr type="lMarg" refType="primFontSz" fact="0.3"/>
+                        <dgm:constr type="rMarg" refType="primFontSz" fact="0.3"/>
+                        <dgm:constr type="tMarg" refType="primFontSz" fact="0.3"/>
+                        <dgm:constr type="bMarg" refType="primFontSz" fact="0.3"/>
+                      </dgm:constrLst>
+                      <dgm:ruleLst>
+                        <dgm:rule type="primFontSz" val="5" fact="NaN" max="NaN"/>
+                      </dgm:ruleLst>
+                    </dgm:layoutNode>
+                    <dgm:layoutNode name="FourNodes_2_text">
+                      <dgm:varLst>
+                        <dgm:bulletEnabled val="1"/>
+                      </dgm:varLst>
+                      <dgm:alg type="tx">
+                        <dgm:param type="parTxLTRAlign" val="l"/>
+                        <dgm:param type="txAnchorVertCh" val="mid"/>
+                      </dgm:alg>
+                      <dgm:shape xmlns:r="http://schemas.openxmlformats.org/officeDocument/2006/relationships" type="roundRect" r:blip="" hideGeom="1">
+                        <dgm:adjLst>
+                          <dgm:adj idx="1" val="0.1"/>
+                        </dgm:adjLst>
+                      </dgm:shape>
+                      <dgm:presOf axis="ch desOrSelf" ptType="node node" st="2 1" cnt="1 0"/>
+                      <dgm:constrLst>
+                        <dgm:constr type="lMarg" refType="primFontSz" fact="0.3"/>
+                        <dgm:constr type="rMarg" refType="primFontSz" fact="0.3"/>
+                        <dgm:constr type="tMarg" refType="primFontSz" fact="0.3"/>
+                        <dgm:constr type="bMarg" refType="primFontSz" fact="0.3"/>
+                      </dgm:constrLst>
+                      <dgm:ruleLst>
+                        <dgm:rule type="primFontSz" val="5" fact="NaN" max="NaN"/>
+                      </dgm:ruleLst>
+                    </dgm:layoutNode>
+                    <dgm:layoutNode name="FourNodes_3_text">
+                      <dgm:varLst>
+                        <dgm:bulletEnabled val="1"/>
+                      </dgm:varLst>
+                      <dgm:alg type="tx">
+                        <dgm:param type="parTxLTRAlign" val="l"/>
+                        <dgm:param type="txAnchorVertCh" val="mid"/>
+                      </dgm:alg>
+                      <dgm:shape xmlns:r="http://schemas.openxmlformats.org/officeDocument/2006/relationships" type="roundRect" r:blip="" hideGeom="1">
+                        <dgm:adjLst>
+                          <dgm:adj idx="1" val="0.1"/>
+                        </dgm:adjLst>
+                      </dgm:shape>
+                      <dgm:presOf axis="ch desOrSelf" ptType="node node" st="3 1" cnt="1 0"/>
+                      <dgm:constrLst>
+                        <dgm:constr type="lMarg" refType="primFontSz" fact="0.3"/>
+                        <dgm:constr type="rMarg" refType="primFontSz" fact="0.3"/>
+                        <dgm:constr type="tMarg" refType="primFontSz" fact="0.3"/>
+                        <dgm:constr type="bMarg" refType="primFontSz" fact="0.3"/>
+                      </dgm:constrLst>
+                      <dgm:ruleLst>
+                        <dgm:rule type="primFontSz" val="5" fact="NaN" max="NaN"/>
+                      </dgm:ruleLst>
+                    </dgm:layoutNode>
+                    <dgm:layoutNode name="FourNodes_4_text">
+                      <dgm:varLst>
+                        <dgm:bulletEnabled val="1"/>
+                      </dgm:varLst>
+                      <dgm:alg type="tx">
+                        <dgm:param type="parTxLTRAlign" val="l"/>
+                        <dgm:param type="txAnchorVertCh" val="mid"/>
+                      </dgm:alg>
+                      <dgm:shape xmlns:r="http://schemas.openxmlformats.org/officeDocument/2006/relationships" type="roundRect" r:blip="" hideGeom="1">
+                        <dgm:adjLst>
+                          <dgm:adj idx="1" val="0.1"/>
+                        </dgm:adjLst>
+                      </dgm:shape>
+                      <dgm:presOf axis="ch desOrSelf" ptType="node node" st="4 1" cnt="1 0"/>
+                      <dgm:constrLst>
+                        <dgm:constr type="lMarg" refType="primFontSz" fact="0.3"/>
+                        <dgm:constr type="rMarg" refType="primFontSz" fact="0.3"/>
+                        <dgm:constr type="tMarg" refType="primFontSz" fact="0.3"/>
+                        <dgm:constr type="bMarg" refType="primFontSz" fact="0.3"/>
+                      </dgm:constrLst>
+                      <dgm:ruleLst>
+                        <dgm:rule type="primFontSz" val="5" fact="NaN" max="NaN"/>
+                      </dgm:ruleLst>
+                    </dgm:layoutNode>
+                  </dgm:if>
+                  <dgm:else name="Name14">
+                    <dgm:choose name="Name15">
+                      <dgm:if name="Name16" axis="ch" ptType="node" func="cnt" op="gte" val="5">
+                        <dgm:layoutNode name="FiveNodes_1">
+                          <dgm:varLst>
+                            <dgm:bulletEnabled val="1"/>
+                          </dgm:varLst>
+                          <dgm:alg type="sp"/>
+                          <dgm:shape xmlns:r="http://schemas.openxmlformats.org/officeDocument/2006/relationships" type="roundRect" r:blip="">
+                            <dgm:adjLst>
+                              <dgm:adj idx="1" val="0.1"/>
+                            </dgm:adjLst>
+                          </dgm:shape>
+                          <dgm:presOf axis="ch desOrSelf" ptType="node node" st="1 1" cnt="1 0"/>
+                          <dgm:constrLst/>
+                          <dgm:ruleLst/>
+                        </dgm:layoutNode>
+                        <dgm:layoutNode name="FiveNodes_2">
+                          <dgm:varLst>
+                            <dgm:bulletEnabled val="1"/>
+                          </dgm:varLst>
+                          <dgm:alg type="sp"/>
+                          <dgm:shape xmlns:r="http://schemas.openxmlformats.org/officeDocument/2006/relationships" type="roundRect" r:blip="">
+                            <dgm:adjLst>
+                              <dgm:adj idx="1" val="0.1"/>
+                            </dgm:adjLst>
+                          </dgm:shape>
+                          <dgm:presOf axis="ch desOrSelf" ptType="node node" st="2 1" cnt="1 0"/>
+                          <dgm:constrLst/>
+                          <dgm:ruleLst/>
+                        </dgm:layoutNode>
+                        <dgm:layoutNode name="FiveNodes_3">
+                          <dgm:varLst>
+                            <dgm:bulletEnabled val="1"/>
+                          </dgm:varLst>
+                          <dgm:alg type="sp"/>
+                          <dgm:shape xmlns:r="http://schemas.openxmlformats.org/officeDocument/2006/relationships" type="roundRect" r:blip="">
+                            <dgm:adjLst>
+                              <dgm:adj idx="1" val="0.1"/>
+                            </dgm:adjLst>
+                          </dgm:shape>
+                          <dgm:presOf axis="ch desOrSelf" ptType="node node" st="3 1" cnt="1 0"/>
+                          <dgm:constrLst/>
+                          <dgm:ruleLst/>
+                        </dgm:layoutNode>
+                        <dgm:layoutNode name="FiveNodes_4">
+                          <dgm:varLst>
+                            <dgm:bulletEnabled val="1"/>
+                          </dgm:varLst>
+                          <dgm:alg type="sp"/>
+                          <dgm:shape xmlns:r="http://schemas.openxmlformats.org/officeDocument/2006/relationships" type="roundRect" r:blip="">
+                            <dgm:adjLst>
+                              <dgm:adj idx="1" val="0.1"/>
+                            </dgm:adjLst>
+                          </dgm:shape>
+                          <dgm:presOf axis="ch desOrSelf" ptType="node node" st="4 1" cnt="1 0"/>
+                          <dgm:constrLst/>
+                          <dgm:ruleLst/>
+                        </dgm:layoutNode>
+                        <dgm:layoutNode name="FiveNodes_5">
+                          <dgm:varLst>
+                            <dgm:bulletEnabled val="1"/>
+                          </dgm:varLst>
+                          <dgm:alg type="sp"/>
+                          <dgm:shape xmlns:r="http://schemas.openxmlformats.org/officeDocument/2006/relationships" type="roundRect" r:blip="">
+                            <dgm:adjLst>
+                              <dgm:adj idx="1" val="0.1"/>
+                            </dgm:adjLst>
+                          </dgm:shape>
+                          <dgm:presOf axis="ch desOrSelf" ptType="node node" st="5 1" cnt="1 0"/>
+                          <dgm:constrLst/>
+                          <dgm:ruleLst/>
+                        </dgm:layoutNode>
+                        <dgm:layoutNode name="FiveConn_1-2" styleLbl="fgAccFollowNode1">
+                          <dgm:varLst>
+                            <dgm:bulletEnabled val="1"/>
+                          </dgm:varLst>
+                          <dgm:alg type="tx"/>
+                          <dgm:shape xmlns:r="http://schemas.openxmlformats.org/officeDocument/2006/relationships" type="downArrow" r:blip="">
+                            <dgm:adjLst>
+                              <dgm:adj idx="1" val="0.55"/>
+                              <dgm:adj idx="2" val="0.45"/>
+                            </dgm:adjLst>
+                          </dgm:shape>
+                          <dgm:presOf axis="ch" ptType="sibTrans" cnt="1"/>
+                          <dgm:constrLst>
+                            <dgm:constr type="lMarg" refType="primFontSz" fact="0.1"/>
+                            <dgm:constr type="rMarg" refType="primFontSz" fact="0.1"/>
+                            <dgm:constr type="tMarg" refType="primFontSz" fact="0.1"/>
+                            <dgm:constr type="bMarg" refType="primFontSz" fact="0.1"/>
+                          </dgm:constrLst>
+                          <dgm:ruleLst>
+                            <dgm:rule type="primFontSz" val="5" fact="NaN" max="NaN"/>
+                          </dgm:ruleLst>
+                        </dgm:layoutNode>
+                        <dgm:layoutNode name="FiveConn_2-3" styleLbl="fgAccFollowNode1">
+                          <dgm:varLst>
+                            <dgm:bulletEnabled val="1"/>
+                          </dgm:varLst>
+                          <dgm:alg type="tx"/>
+                          <dgm:shape xmlns:r="http://schemas.openxmlformats.org/officeDocument/2006/relationships" type="downArrow" r:blip="">
+                            <dgm:adjLst>
+                              <dgm:adj idx="1" val="0.55"/>
+                              <dgm:adj idx="2" val="0.45"/>
+                            </dgm:adjLst>
+                          </dgm:shape>
+                          <dgm:presOf axis="ch" ptType="sibTrans" st="2" cnt="1"/>
+                          <dgm:constrLst>
+                            <dgm:constr type="lMarg" refType="primFontSz" fact="0.1"/>
+                            <dgm:constr type="rMarg" refType="primFontSz" fact="0.1"/>
+                            <dgm:constr type="tMarg" refType="primFontSz" fact="0.1"/>
+                            <dgm:constr type="bMarg" refType="primFontSz" fact="0.1"/>
+                          </dgm:constrLst>
+                          <dgm:ruleLst>
+                            <dgm:rule type="primFontSz" val="5" fact="NaN" max="NaN"/>
+                          </dgm:ruleLst>
+                        </dgm:layoutNode>
+                        <dgm:layoutNode name="FiveConn_3-4" styleLbl="fgAccFollowNode1">
+                          <dgm:varLst>
+                            <dgm:bulletEnabled val="1"/>
+                          </dgm:varLst>
+                          <dgm:alg type="tx"/>
+                          <dgm:shape xmlns:r="http://schemas.openxmlformats.org/officeDocument/2006/relationships" type="downArrow" r:blip="">
+                            <dgm:adjLst>
+                              <dgm:adj idx="1" val="0.55"/>
+                              <dgm:adj idx="2" val="0.45"/>
+                            </dgm:adjLst>
+                          </dgm:shape>
+                          <dgm:presOf axis="ch" ptType="sibTrans" st="3" cnt="1"/>
+                          <dgm:constrLst>
+                            <dgm:constr type="lMarg" refType="primFontSz" fact="0.1"/>
+                            <dgm:constr type="rMarg" refType="primFontSz" fact="0.1"/>
+                            <dgm:constr type="tMarg" refType="primFontSz" fact="0.1"/>
+                            <dgm:constr type="bMarg" refType="primFontSz" fact="0.1"/>
+                          </dgm:constrLst>
+                          <dgm:ruleLst>
+                            <dgm:rule type="primFontSz" val="5" fact="NaN" max="NaN"/>
+                          </dgm:ruleLst>
+                        </dgm:layoutNode>
+                        <dgm:layoutNode name="FiveConn_4-5" styleLbl="fgAccFollowNode1">
+                          <dgm:varLst>
+                            <dgm:bulletEnabled val="1"/>
+                          </dgm:varLst>
+                          <dgm:alg type="tx"/>
+                          <dgm:shape xmlns:r="http://schemas.openxmlformats.org/officeDocument/2006/relationships" type="downArrow" r:blip="">
+                            <dgm:adjLst>
+                              <dgm:adj idx="1" val="0.55"/>
+                              <dgm:adj idx="2" val="0.45"/>
+                            </dgm:adjLst>
+                          </dgm:shape>
+                          <dgm:presOf axis="ch" ptType="sibTrans" st="4" cnt="1"/>
+                          <dgm:constrLst>
+                            <dgm:constr type="lMarg" refType="primFontSz" fact="0.1"/>
+                            <dgm:constr type="rMarg" refType="primFontSz" fact="0.1"/>
+                            <dgm:constr type="tMarg" refType="primFontSz" fact="0.1"/>
+                            <dgm:constr type="bMarg" refType="primFontSz" fact="0.1"/>
+                          </dgm:constrLst>
+                          <dgm:ruleLst>
+                            <dgm:rule type="primFontSz" val="5" fact="NaN" max="NaN"/>
+                          </dgm:ruleLst>
+                        </dgm:layoutNode>
+                        <dgm:layoutNode name="FiveNodes_1_text">
+                          <dgm:varLst>
+                            <dgm:bulletEnabled val="1"/>
+                          </dgm:varLst>
+                          <dgm:alg type="tx">
+                            <dgm:param type="parTxLTRAlign" val="l"/>
+                            <dgm:param type="txAnchorVertCh" val="mid"/>
+                          </dgm:alg>
+                          <dgm:shape xmlns:r="http://schemas.openxmlformats.org/officeDocument/2006/relationships" type="roundRect" r:blip="" hideGeom="1">
+                            <dgm:adjLst>
+                              <dgm:adj idx="1" val="0.1"/>
+                            </dgm:adjLst>
+                          </dgm:shape>
+                          <dgm:presOf axis="ch desOrSelf" ptType="node node" st="1 1" cnt="1 0"/>
+                          <dgm:constrLst>
+                            <dgm:constr type="lMarg" refType="primFontSz" fact="0.3"/>
+                            <dgm:constr type="rMarg" refType="primFontSz" fact="0.3"/>
+                            <dgm:constr type="tMarg" refType="primFontSz" fact="0.3"/>
+                            <dgm:constr type="bMarg" refType="primFontSz" fact="0.3"/>
+                          </dgm:constrLst>
+                          <dgm:ruleLst>
+                            <dgm:rule type="primFontSz" val="5" fact="NaN" max="NaN"/>
+                          </dgm:ruleLst>
+                        </dgm:layoutNode>
+                        <dgm:layoutNode name="FiveNodes_2_text">
+                          <dgm:varLst>
+                            <dgm:bulletEnabled val="1"/>
+                          </dgm:varLst>
+                          <dgm:alg type="tx">
+                            <dgm:param type="parTxLTRAlign" val="l"/>
+                            <dgm:param type="txAnchorVertCh" val="mid"/>
+                          </dgm:alg>
+                          <dgm:shape xmlns:r="http://schemas.openxmlformats.org/officeDocument/2006/relationships" type="roundRect" r:blip="" hideGeom="1">
+                            <dgm:adjLst>
+                              <dgm:adj idx="1" val="0.1"/>
+                            </dgm:adjLst>
+                          </dgm:shape>
+                          <dgm:presOf axis="ch desOrSelf" ptType="node node" st="2 1" cnt="1 0"/>
+                          <dgm:constrLst>
+                            <dgm:constr type="lMarg" refType="primFontSz" fact="0.3"/>
+                            <dgm:constr type="rMarg" refType="primFontSz" fact="0.3"/>
+                            <dgm:constr type="tMarg" refType="primFontSz" fact="0.3"/>
+                            <dgm:constr type="bMarg" refType="primFontSz" fact="0.3"/>
+                          </dgm:constrLst>
+                          <dgm:ruleLst>
+                            <dgm:rule type="primFontSz" val="5" fact="NaN" max="NaN"/>
+                          </dgm:ruleLst>
+                        </dgm:layoutNode>
+                        <dgm:layoutNode name="FiveNodes_3_text">
+                          <dgm:varLst>
+                            <dgm:bulletEnabled val="1"/>
+                          </dgm:varLst>
+                          <dgm:alg type="tx">
+                            <dgm:param type="parTxLTRAlign" val="l"/>
+                            <dgm:param type="txAnchorVertCh" val="mid"/>
+                          </dgm:alg>
+                          <dgm:shape xmlns:r="http://schemas.openxmlformats.org/officeDocument/2006/relationships" type="roundRect" r:blip="" hideGeom="1">
+                            <dgm:adjLst>
+                              <dgm:adj idx="1" val="0.1"/>
+                            </dgm:adjLst>
+                          </dgm:shape>
+                          <dgm:presOf axis="ch desOrSelf" ptType="node node" st="3 1" cnt="1 0"/>
+                          <dgm:constrLst>
+                            <dgm:constr type="lMarg" refType="primFontSz" fact="0.3"/>
+                            <dgm:constr type="rMarg" refType="primFontSz" fact="0.3"/>
+                            <dgm:constr type="tMarg" refType="primFontSz" fact="0.3"/>
+                            <dgm:constr type="bMarg" refType="primFontSz" fact="0.3"/>
+                          </dgm:constrLst>
+                          <dgm:ruleLst>
+                            <dgm:rule type="primFontSz" val="5" fact="NaN" max="NaN"/>
+                          </dgm:ruleLst>
+                        </dgm:layoutNode>
+                        <dgm:layoutNode name="FiveNodes_4_text">
+                          <dgm:varLst>
+                            <dgm:bulletEnabled val="1"/>
+                          </dgm:varLst>
+                          <dgm:alg type="tx">
+                            <dgm:param type="parTxLTRAlign" val="l"/>
+                            <dgm:param type="txAnchorVertCh" val="mid"/>
+                          </dgm:alg>
+                          <dgm:shape xmlns:r="http://schemas.openxmlformats.org/officeDocument/2006/relationships" type="roundRect" r:blip="" hideGeom="1">
+                            <dgm:adjLst>
+                              <dgm:adj idx="1" val="0.1"/>
+                            </dgm:adjLst>
+                          </dgm:shape>
+                          <dgm:presOf axis="ch desOrSelf" ptType="node node" st="4 1" cnt="1 0"/>
+                          <dgm:constrLst>
+                            <dgm:constr type="lMarg" refType="primFontSz" fact="0.3"/>
+                            <dgm:constr type="rMarg" refType="primFontSz" fact="0.3"/>
+                            <dgm:constr type="tMarg" refType="primFontSz" fact="0.3"/>
+                            <dgm:constr type="bMarg" refType="primFontSz" fact="0.3"/>
+                          </dgm:constrLst>
+                          <dgm:ruleLst>
+                            <dgm:rule type="primFontSz" val="5" fact="NaN" max="NaN"/>
+                          </dgm:ruleLst>
+                        </dgm:layoutNode>
+                        <dgm:layoutNode name="FiveNodes_5_text">
+                          <dgm:varLst>
+                            <dgm:bulletEnabled val="1"/>
+                          </dgm:varLst>
+                          <dgm:alg type="tx">
+                            <dgm:param type="parTxLTRAlign" val="l"/>
+                            <dgm:param type="txAnchorVertCh" val="mid"/>
+                          </dgm:alg>
+                          <dgm:shape xmlns:r="http://schemas.openxmlformats.org/officeDocument/2006/relationships" type="roundRect" r:blip="" hideGeom="1">
+                            <dgm:adjLst>
+                              <dgm:adj idx="1" val="0.1"/>
+                            </dgm:adjLst>
+                          </dgm:shape>
+                          <dgm:presOf axis="ch desOrSelf" ptType="node node" st="5 1" cnt="1 0"/>
+                          <dgm:constrLst>
+                            <dgm:constr type="lMarg" refType="primFontSz" fact="0.3"/>
+                            <dgm:constr type="rMarg" refType="primFontSz" fact="0.3"/>
+                            <dgm:constr type="tMarg" refType="primFontSz" fact="0.3"/>
+                            <dgm:constr type="bMarg" refType="primFontSz" fact="0.3"/>
+                          </dgm:constrLst>
+                          <dgm:ruleLst>
+                            <dgm:rule type="primFontSz" val="5" fact="NaN" max="NaN"/>
+                          </dgm:ruleLst>
+                        </dgm:layoutNode>
+                      </dgm:if>
+                      <dgm:else name="Name17"/>
+                    </dgm:choose>
+                  </dgm:else>
+                </dgm:choose>
+              </dgm:else>
+            </dgm:choose>
           </dgm:else>
         </dgm:choose>
       </dgm:else>
     </dgm:choose>
-    <dgm:shape xmlns:r="http://schemas.openxmlformats.org/officeDocument/2006/relationships" r:blip="">
-      <dgm:adjLst/>
-    </dgm:shape>
-    <dgm:presOf/>
-    <dgm:constrLst>
-      <dgm:constr type="w" for="ch" ptType="node" refType="w"/>
-      <dgm:constr type="w" for="ch" ptType="sibTrans" refType="w" refFor="ch" refPtType="node" op="equ" fact="0.25"/>
-      <dgm:constr type="sibSp" refType="w" refFor="ch" refPtType="node" fact="0.5"/>
-      <dgm:constr type="primFontSz" for="ch" ptType="node" op="equ" val="65"/>
-      <dgm:constr type="primFontSz" for="des" forName="connectorText" op="equ" val="55"/>
-      <dgm:constr type="primFontSz" for="des" forName="connectorText" refType="primFontSz" refFor="ch" refPtType="node" op="lte" fact="0.8"/>
-    </dgm:constrLst>
-    <dgm:ruleLst/>
-    <dgm:forEach name="nodesForEach" axis="ch" ptType="node">
-      <dgm:layoutNode name="node">
-        <dgm:varLst>
-          <dgm:bulletEnabled val="1"/>
-        </dgm:varLst>
-        <dgm:alg type="tx">
-          <dgm:param type="txAnchorVertCh" val="mid"/>
-        </dgm:alg>
-        <dgm:shape xmlns:r="http://schemas.openxmlformats.org/officeDocument/2006/relationships" type="ellipse" r:blip="">
-          <dgm:adjLst/>
-        </dgm:shape>
-        <dgm:presOf axis="desOrSelf" ptType="node"/>
-        <dgm:constrLst>
-          <dgm:constr type="h" refType="w"/>
-          <dgm:constr type="lMarg" refType="primFontSz" fact="0.1"/>
-          <dgm:constr type="rMarg" refType="primFontSz" fact="0.1"/>
-          <dgm:constr type="tMarg" refType="primFontSz" fact="0.1"/>
-          <dgm:constr type="bMarg" refType="primFontSz" fact="0.1"/>
-        </dgm:constrLst>
-        <dgm:ruleLst>
-          <dgm:rule type="primFontSz" val="5" fact="NaN" max="NaN"/>
-        </dgm:ruleLst>
-      </dgm:layoutNode>
-      <dgm:choose name="Name9">
-        <dgm:if name="Name10" axis="par ch" ptType="doc node" func="cnt" op="gt" val="1">
-          <dgm:forEach name="sibTransForEach" axis="followSib" ptType="sibTrans" hideLastTrans="0" cnt="1">
-            <dgm:layoutNode name="sibTrans">
-              <dgm:choose name="Name11">
-                <dgm:if name="Name12" axis="par ch" ptType="doc node" func="cnt" op="lt" val="3">
-                  <dgm:alg type="conn">
-                    <dgm:param type="begPts" val="radial"/>
-                    <dgm:param type="endPts" val="radial"/>
-                  </dgm:alg>
-                </dgm:if>
-                <dgm:else name="Name13">
-                  <dgm:alg type="conn">
-                    <dgm:param type="begPts" val="auto"/>
-                    <dgm:param type="endPts" val="auto"/>
-                  </dgm:alg>
-                </dgm:else>
-              </dgm:choose>
-              <dgm:shape xmlns:r="http://schemas.openxmlformats.org/officeDocument/2006/relationships" type="conn" r:blip="">
-                <dgm:adjLst/>
-              </dgm:shape>
-              <dgm:presOf axis="self"/>
-              <dgm:constrLst>
-                <dgm:constr type="h" refType="w" fact="1.35"/>
-                <dgm:constr type="connDist"/>
-                <dgm:constr type="w" for="ch" refType="connDist" fact="0.45"/>
-                <dgm:constr type="h" for="ch" refType="h"/>
-              </dgm:constrLst>
-              <dgm:ruleLst/>
-              <dgm:layoutNode name="connectorText">
-                <dgm:alg type="tx">
-                  <dgm:param type="autoTxRot" val="grav"/>
-                </dgm:alg>
-                <dgm:shape xmlns:r="http://schemas.openxmlformats.org/officeDocument/2006/relationships" type="conn" r:blip="" hideGeom="1">
-                  <dgm:adjLst/>
-                </dgm:shape>
-                <dgm:presOf axis="self"/>
-                <dgm:constrLst>
-                  <dgm:constr type="lMarg"/>
-                  <dgm:constr type="rMarg"/>
-                  <dgm:constr type="tMarg"/>
-                  <dgm:constr type="bMarg"/>
-                </dgm:constrLst>
-                <dgm:ruleLst>
-                  <dgm:rule type="primFontSz" val="5" fact="NaN" max="NaN"/>
-                </dgm:ruleLst>
-              </dgm:layoutNode>
-            </dgm:layoutNode>
-          </dgm:forEach>
-        </dgm:if>
-        <dgm:else name="Name14"/>
-      </dgm:choose>
-    </dgm:forEach>
   </dgm:layoutNode>
 </dgm:layoutDef>
 </file>
@@ -3812,7 +6289,1252 @@
 </dgm:layoutDef>
 </file>
 
+<file path=ppt/diagrams/layout3.xml><?xml version="1.0" encoding="utf-8"?>
+<dgm:layoutDef xmlns:dgm="http://schemas.openxmlformats.org/drawingml/2006/diagram" xmlns:a="http://schemas.openxmlformats.org/drawingml/2006/main" uniqueId="urn:microsoft.com/office/officeart/2005/8/layout/cycle2">
+  <dgm:title val=""/>
+  <dgm:desc val=""/>
+  <dgm:catLst>
+    <dgm:cat type="cycle" pri="1000"/>
+    <dgm:cat type="convert" pri="10000"/>
+  </dgm:catLst>
+  <dgm:sampData>
+    <dgm:dataModel>
+      <dgm:ptLst>
+        <dgm:pt modelId="0" type="doc"/>
+        <dgm:pt modelId="1">
+          <dgm:prSet phldr="1"/>
+        </dgm:pt>
+        <dgm:pt modelId="2">
+          <dgm:prSet phldr="1"/>
+        </dgm:pt>
+        <dgm:pt modelId="3">
+          <dgm:prSet phldr="1"/>
+        </dgm:pt>
+        <dgm:pt modelId="4">
+          <dgm:prSet phldr="1"/>
+        </dgm:pt>
+        <dgm:pt modelId="5">
+          <dgm:prSet phldr="1"/>
+        </dgm:pt>
+      </dgm:ptLst>
+      <dgm:cxnLst>
+        <dgm:cxn modelId="6" srcId="0" destId="1" srcOrd="0" destOrd="0"/>
+        <dgm:cxn modelId="7" srcId="0" destId="2" srcOrd="1" destOrd="0"/>
+        <dgm:cxn modelId="8" srcId="0" destId="3" srcOrd="2" destOrd="0"/>
+        <dgm:cxn modelId="9" srcId="0" destId="4" srcOrd="3" destOrd="0"/>
+        <dgm:cxn modelId="10" srcId="0" destId="5" srcOrd="4" destOrd="0"/>
+      </dgm:cxnLst>
+      <dgm:bg/>
+      <dgm:whole/>
+    </dgm:dataModel>
+  </dgm:sampData>
+  <dgm:styleData>
+    <dgm:dataModel>
+      <dgm:ptLst>
+        <dgm:pt modelId="0" type="doc"/>
+        <dgm:pt modelId="1"/>
+        <dgm:pt modelId="2"/>
+        <dgm:pt modelId="3"/>
+      </dgm:ptLst>
+      <dgm:cxnLst>
+        <dgm:cxn modelId="4" srcId="0" destId="1" srcOrd="0" destOrd="0"/>
+        <dgm:cxn modelId="5" srcId="0" destId="2" srcOrd="1" destOrd="0"/>
+        <dgm:cxn modelId="6" srcId="0" destId="3" srcOrd="2" destOrd="0"/>
+      </dgm:cxnLst>
+      <dgm:bg/>
+      <dgm:whole/>
+    </dgm:dataModel>
+  </dgm:styleData>
+  <dgm:clrData>
+    <dgm:dataModel>
+      <dgm:ptLst>
+        <dgm:pt modelId="0" type="doc"/>
+        <dgm:pt modelId="1"/>
+        <dgm:pt modelId="2"/>
+        <dgm:pt modelId="3"/>
+        <dgm:pt modelId="4"/>
+        <dgm:pt modelId="5"/>
+        <dgm:pt modelId="6"/>
+      </dgm:ptLst>
+      <dgm:cxnLst>
+        <dgm:cxn modelId="7" srcId="0" destId="1" srcOrd="0" destOrd="0"/>
+        <dgm:cxn modelId="8" srcId="0" destId="2" srcOrd="1" destOrd="0"/>
+        <dgm:cxn modelId="9" srcId="0" destId="3" srcOrd="2" destOrd="0"/>
+        <dgm:cxn modelId="10" srcId="0" destId="4" srcOrd="3" destOrd="0"/>
+        <dgm:cxn modelId="11" srcId="0" destId="5" srcOrd="4" destOrd="0"/>
+        <dgm:cxn modelId="12" srcId="0" destId="6" srcOrd="5" destOrd="0"/>
+      </dgm:cxnLst>
+      <dgm:bg/>
+      <dgm:whole/>
+    </dgm:dataModel>
+  </dgm:clrData>
+  <dgm:layoutNode name="cycle">
+    <dgm:varLst>
+      <dgm:dir/>
+      <dgm:resizeHandles val="exact"/>
+    </dgm:varLst>
+    <dgm:choose name="Name0">
+      <dgm:if name="Name1" func="var" arg="dir" op="equ" val="norm">
+        <dgm:choose name="Name2">
+          <dgm:if name="Name3" axis="ch" ptType="node" func="cnt" op="gt" val="2">
+            <dgm:alg type="cycle">
+              <dgm:param type="stAng" val="0"/>
+              <dgm:param type="spanAng" val="360"/>
+            </dgm:alg>
+          </dgm:if>
+          <dgm:else name="Name4">
+            <dgm:alg type="cycle">
+              <dgm:param type="stAng" val="-90"/>
+              <dgm:param type="spanAng" val="360"/>
+            </dgm:alg>
+          </dgm:else>
+        </dgm:choose>
+      </dgm:if>
+      <dgm:else name="Name5">
+        <dgm:choose name="Name6">
+          <dgm:if name="Name7" axis="ch" ptType="node" func="cnt" op="gt" val="2">
+            <dgm:alg type="cycle">
+              <dgm:param type="stAng" val="0"/>
+              <dgm:param type="spanAng" val="-360"/>
+            </dgm:alg>
+          </dgm:if>
+          <dgm:else name="Name8">
+            <dgm:alg type="cycle">
+              <dgm:param type="stAng" val="90"/>
+              <dgm:param type="spanAng" val="-360"/>
+            </dgm:alg>
+          </dgm:else>
+        </dgm:choose>
+      </dgm:else>
+    </dgm:choose>
+    <dgm:shape xmlns:r="http://schemas.openxmlformats.org/officeDocument/2006/relationships" r:blip="">
+      <dgm:adjLst/>
+    </dgm:shape>
+    <dgm:presOf/>
+    <dgm:constrLst>
+      <dgm:constr type="w" for="ch" ptType="node" refType="w"/>
+      <dgm:constr type="w" for="ch" ptType="sibTrans" refType="w" refFor="ch" refPtType="node" op="equ" fact="0.25"/>
+      <dgm:constr type="sibSp" refType="w" refFor="ch" refPtType="node" fact="0.5"/>
+      <dgm:constr type="primFontSz" for="ch" ptType="node" op="equ" val="65"/>
+      <dgm:constr type="primFontSz" for="des" forName="connectorText" op="equ" val="55"/>
+      <dgm:constr type="primFontSz" for="des" forName="connectorText" refType="primFontSz" refFor="ch" refPtType="node" op="lte" fact="0.8"/>
+    </dgm:constrLst>
+    <dgm:ruleLst/>
+    <dgm:forEach name="nodesForEach" axis="ch" ptType="node">
+      <dgm:layoutNode name="node">
+        <dgm:varLst>
+          <dgm:bulletEnabled val="1"/>
+        </dgm:varLst>
+        <dgm:alg type="tx">
+          <dgm:param type="txAnchorVertCh" val="mid"/>
+        </dgm:alg>
+        <dgm:shape xmlns:r="http://schemas.openxmlformats.org/officeDocument/2006/relationships" type="ellipse" r:blip="">
+          <dgm:adjLst/>
+        </dgm:shape>
+        <dgm:presOf axis="desOrSelf" ptType="node"/>
+        <dgm:constrLst>
+          <dgm:constr type="h" refType="w"/>
+          <dgm:constr type="lMarg" refType="primFontSz" fact="0.1"/>
+          <dgm:constr type="rMarg" refType="primFontSz" fact="0.1"/>
+          <dgm:constr type="tMarg" refType="primFontSz" fact="0.1"/>
+          <dgm:constr type="bMarg" refType="primFontSz" fact="0.1"/>
+        </dgm:constrLst>
+        <dgm:ruleLst>
+          <dgm:rule type="primFontSz" val="5" fact="NaN" max="NaN"/>
+        </dgm:ruleLst>
+      </dgm:layoutNode>
+      <dgm:choose name="Name9">
+        <dgm:if name="Name10" axis="par ch" ptType="doc node" func="cnt" op="gt" val="1">
+          <dgm:forEach name="sibTransForEach" axis="followSib" ptType="sibTrans" hideLastTrans="0" cnt="1">
+            <dgm:layoutNode name="sibTrans">
+              <dgm:choose name="Name11">
+                <dgm:if name="Name12" axis="par ch" ptType="doc node" func="cnt" op="lt" val="3">
+                  <dgm:alg type="conn">
+                    <dgm:param type="begPts" val="radial"/>
+                    <dgm:param type="endPts" val="radial"/>
+                  </dgm:alg>
+                </dgm:if>
+                <dgm:else name="Name13">
+                  <dgm:alg type="conn">
+                    <dgm:param type="begPts" val="auto"/>
+                    <dgm:param type="endPts" val="auto"/>
+                  </dgm:alg>
+                </dgm:else>
+              </dgm:choose>
+              <dgm:shape xmlns:r="http://schemas.openxmlformats.org/officeDocument/2006/relationships" type="conn" r:blip="">
+                <dgm:adjLst/>
+              </dgm:shape>
+              <dgm:presOf axis="self"/>
+              <dgm:constrLst>
+                <dgm:constr type="h" refType="w" fact="1.35"/>
+                <dgm:constr type="connDist"/>
+                <dgm:constr type="w" for="ch" refType="connDist" fact="0.45"/>
+                <dgm:constr type="h" for="ch" refType="h"/>
+              </dgm:constrLst>
+              <dgm:ruleLst/>
+              <dgm:layoutNode name="connectorText">
+                <dgm:alg type="tx">
+                  <dgm:param type="autoTxRot" val="grav"/>
+                </dgm:alg>
+                <dgm:shape xmlns:r="http://schemas.openxmlformats.org/officeDocument/2006/relationships" type="conn" r:blip="" hideGeom="1">
+                  <dgm:adjLst/>
+                </dgm:shape>
+                <dgm:presOf axis="self"/>
+                <dgm:constrLst>
+                  <dgm:constr type="lMarg"/>
+                  <dgm:constr type="rMarg"/>
+                  <dgm:constr type="tMarg"/>
+                  <dgm:constr type="bMarg"/>
+                </dgm:constrLst>
+                <dgm:ruleLst>
+                  <dgm:rule type="primFontSz" val="5" fact="NaN" max="NaN"/>
+                </dgm:ruleLst>
+              </dgm:layoutNode>
+            </dgm:layoutNode>
+          </dgm:forEach>
+        </dgm:if>
+        <dgm:else name="Name14"/>
+      </dgm:choose>
+    </dgm:forEach>
+  </dgm:layoutNode>
+</dgm:layoutDef>
+</file>
+
 <file path=ppt/diagrams/quickStyle1.xml><?xml version="1.0" encoding="utf-8"?>
+<dgm:styleDef xmlns:dgm="http://schemas.openxmlformats.org/drawingml/2006/diagram" xmlns:a="http://schemas.openxmlformats.org/drawingml/2006/main" uniqueId="urn:microsoft.com/office/officeart/2005/8/quickstyle/simple2">
+  <dgm:title val=""/>
+  <dgm:desc val=""/>
+  <dgm:catLst>
+    <dgm:cat type="simple" pri="10200"/>
+  </dgm:catLst>
+  <dgm:scene3d>
+    <a:camera prst="orthographicFront"/>
+    <a:lightRig rig="threePt" dir="t"/>
+  </dgm:scene3d>
+  <dgm:styleLbl name="node0">
+    <dgm:scene3d>
+      <a:camera prst="orthographicFront"/>
+      <a:lightRig rig="threePt" dir="t"/>
+    </dgm:scene3d>
+    <dgm:sp3d/>
+    <dgm:txPr/>
+    <dgm:style>
+      <a:lnRef idx="3">
+        <a:scrgbClr r="0" g="0" b="0"/>
+      </a:lnRef>
+      <a:fillRef idx="1">
+        <a:scrgbClr r="0" g="0" b="0"/>
+      </a:fillRef>
+      <a:effectRef idx="1">
+        <a:scrgbClr r="0" g="0" b="0"/>
+      </a:effectRef>
+      <a:fontRef idx="minor">
+        <a:schemeClr val="lt1"/>
+      </a:fontRef>
+    </dgm:style>
+  </dgm:styleLbl>
+  <dgm:styleLbl name="lnNode1">
+    <dgm:scene3d>
+      <a:camera prst="orthographicFront"/>
+      <a:lightRig rig="threePt" dir="t"/>
+    </dgm:scene3d>
+    <dgm:sp3d/>
+    <dgm:txPr/>
+    <dgm:style>
+      <a:lnRef idx="3">
+        <a:scrgbClr r="0" g="0" b="0"/>
+      </a:lnRef>
+      <a:fillRef idx="1">
+        <a:scrgbClr r="0" g="0" b="0"/>
+      </a:fillRef>
+      <a:effectRef idx="1">
+        <a:scrgbClr r="0" g="0" b="0"/>
+      </a:effectRef>
+      <a:fontRef idx="minor">
+        <a:schemeClr val="lt1"/>
+      </a:fontRef>
+    </dgm:style>
+  </dgm:styleLbl>
+  <dgm:styleLbl name="vennNode1">
+    <dgm:scene3d>
+      <a:camera prst="orthographicFront"/>
+      <a:lightRig rig="threePt" dir="t"/>
+    </dgm:scene3d>
+    <dgm:sp3d/>
+    <dgm:txPr/>
+    <dgm:style>
+      <a:lnRef idx="3">
+        <a:scrgbClr r="0" g="0" b="0"/>
+      </a:lnRef>
+      <a:fillRef idx="1">
+        <a:scrgbClr r="0" g="0" b="0"/>
+      </a:fillRef>
+      <a:effectRef idx="0">
+        <a:scrgbClr r="0" g="0" b="0"/>
+      </a:effectRef>
+      <a:fontRef idx="minor">
+        <a:schemeClr val="tx1"/>
+      </a:fontRef>
+    </dgm:style>
+  </dgm:styleLbl>
+  <dgm:styleLbl name="alignNode1">
+    <dgm:scene3d>
+      <a:camera prst="orthographicFront"/>
+      <a:lightRig rig="threePt" dir="t"/>
+    </dgm:scene3d>
+    <dgm:sp3d/>
+    <dgm:txPr/>
+    <dgm:style>
+      <a:lnRef idx="2">
+        <a:scrgbClr r="0" g="0" b="0"/>
+      </a:lnRef>
+      <a:fillRef idx="1">
+        <a:scrgbClr r="0" g="0" b="0"/>
+      </a:fillRef>
+      <a:effectRef idx="1">
+        <a:scrgbClr r="0" g="0" b="0"/>
+      </a:effectRef>
+      <a:fontRef idx="minor">
+        <a:schemeClr val="lt1"/>
+      </a:fontRef>
+    </dgm:style>
+  </dgm:styleLbl>
+  <dgm:styleLbl name="node1">
+    <dgm:scene3d>
+      <a:camera prst="orthographicFront"/>
+      <a:lightRig rig="threePt" dir="t"/>
+    </dgm:scene3d>
+    <dgm:sp3d/>
+    <dgm:txPr/>
+    <dgm:style>
+      <a:lnRef idx="3">
+        <a:scrgbClr r="0" g="0" b="0"/>
+      </a:lnRef>
+      <a:fillRef idx="1">
+        <a:scrgbClr r="0" g="0" b="0"/>
+      </a:fillRef>
+      <a:effectRef idx="1">
+        <a:scrgbClr r="0" g="0" b="0"/>
+      </a:effectRef>
+      <a:fontRef idx="minor">
+        <a:schemeClr val="lt1"/>
+      </a:fontRef>
+    </dgm:style>
+  </dgm:styleLbl>
+  <dgm:styleLbl name="node2">
+    <dgm:scene3d>
+      <a:camera prst="orthographicFront"/>
+      <a:lightRig rig="threePt" dir="t"/>
+    </dgm:scene3d>
+    <dgm:sp3d/>
+    <dgm:txPr/>
+    <dgm:style>
+      <a:lnRef idx="3">
+        <a:scrgbClr r="0" g="0" b="0"/>
+      </a:lnRef>
+      <a:fillRef idx="1">
+        <a:scrgbClr r="0" g="0" b="0"/>
+      </a:fillRef>
+      <a:effectRef idx="1">
+        <a:scrgbClr r="0" g="0" b="0"/>
+      </a:effectRef>
+      <a:fontRef idx="minor">
+        <a:schemeClr val="lt1"/>
+      </a:fontRef>
+    </dgm:style>
+  </dgm:styleLbl>
+  <dgm:styleLbl name="node3">
+    <dgm:scene3d>
+      <a:camera prst="orthographicFront"/>
+      <a:lightRig rig="threePt" dir="t"/>
+    </dgm:scene3d>
+    <dgm:sp3d/>
+    <dgm:txPr/>
+    <dgm:style>
+      <a:lnRef idx="3">
+        <a:scrgbClr r="0" g="0" b="0"/>
+      </a:lnRef>
+      <a:fillRef idx="1">
+        <a:scrgbClr r="0" g="0" b="0"/>
+      </a:fillRef>
+      <a:effectRef idx="1">
+        <a:scrgbClr r="0" g="0" b="0"/>
+      </a:effectRef>
+      <a:fontRef idx="minor">
+        <a:schemeClr val="lt1"/>
+      </a:fontRef>
+    </dgm:style>
+  </dgm:styleLbl>
+  <dgm:styleLbl name="node4">
+    <dgm:scene3d>
+      <a:camera prst="orthographicFront"/>
+      <a:lightRig rig="threePt" dir="t"/>
+    </dgm:scene3d>
+    <dgm:sp3d/>
+    <dgm:txPr/>
+    <dgm:style>
+      <a:lnRef idx="3">
+        <a:scrgbClr r="0" g="0" b="0"/>
+      </a:lnRef>
+      <a:fillRef idx="1">
+        <a:scrgbClr r="0" g="0" b="0"/>
+      </a:fillRef>
+      <a:effectRef idx="1">
+        <a:scrgbClr r="0" g="0" b="0"/>
+      </a:effectRef>
+      <a:fontRef idx="minor">
+        <a:schemeClr val="lt1"/>
+      </a:fontRef>
+    </dgm:style>
+  </dgm:styleLbl>
+  <dgm:styleLbl name="fgImgPlace1">
+    <dgm:scene3d>
+      <a:camera prst="orthographicFront"/>
+      <a:lightRig rig="threePt" dir="t"/>
+    </dgm:scene3d>
+    <dgm:sp3d/>
+    <dgm:txPr/>
+    <dgm:style>
+      <a:lnRef idx="3">
+        <a:scrgbClr r="0" g="0" b="0"/>
+      </a:lnRef>
+      <a:fillRef idx="1">
+        <a:scrgbClr r="0" g="0" b="0"/>
+      </a:fillRef>
+      <a:effectRef idx="1">
+        <a:scrgbClr r="0" g="0" b="0"/>
+      </a:effectRef>
+      <a:fontRef idx="minor"/>
+    </dgm:style>
+  </dgm:styleLbl>
+  <dgm:styleLbl name="alignImgPlace1">
+    <dgm:scene3d>
+      <a:camera prst="orthographicFront"/>
+      <a:lightRig rig="threePt" dir="t"/>
+    </dgm:scene3d>
+    <dgm:sp3d/>
+    <dgm:txPr/>
+    <dgm:style>
+      <a:lnRef idx="3">
+        <a:scrgbClr r="0" g="0" b="0"/>
+      </a:lnRef>
+      <a:fillRef idx="1">
+        <a:scrgbClr r="0" g="0" b="0"/>
+      </a:fillRef>
+      <a:effectRef idx="1">
+        <a:scrgbClr r="0" g="0" b="0"/>
+      </a:effectRef>
+      <a:fontRef idx="minor"/>
+    </dgm:style>
+  </dgm:styleLbl>
+  <dgm:styleLbl name="bgImgPlace1">
+    <dgm:scene3d>
+      <a:camera prst="orthographicFront"/>
+      <a:lightRig rig="threePt" dir="t"/>
+    </dgm:scene3d>
+    <dgm:sp3d/>
+    <dgm:txPr/>
+    <dgm:style>
+      <a:lnRef idx="3">
+        <a:scrgbClr r="0" g="0" b="0"/>
+      </a:lnRef>
+      <a:fillRef idx="1">
+        <a:scrgbClr r="0" g="0" b="0"/>
+      </a:fillRef>
+      <a:effectRef idx="1">
+        <a:scrgbClr r="0" g="0" b="0"/>
+      </a:effectRef>
+      <a:fontRef idx="minor"/>
+    </dgm:style>
+  </dgm:styleLbl>
+  <dgm:styleLbl name="sibTrans2D1">
+    <dgm:scene3d>
+      <a:camera prst="orthographicFront"/>
+      <a:lightRig rig="threePt" dir="t"/>
+    </dgm:scene3d>
+    <dgm:sp3d/>
+    <dgm:txPr/>
+    <dgm:style>
+      <a:lnRef idx="0">
+        <a:scrgbClr r="0" g="0" b="0"/>
+      </a:lnRef>
+      <a:fillRef idx="1">
+        <a:scrgbClr r="0" g="0" b="0"/>
+      </a:fillRef>
+      <a:effectRef idx="1">
+        <a:scrgbClr r="0" g="0" b="0"/>
+      </a:effectRef>
+      <a:fontRef idx="minor">
+        <a:schemeClr val="lt1"/>
+      </a:fontRef>
+    </dgm:style>
+  </dgm:styleLbl>
+  <dgm:styleLbl name="fgSibTrans2D1">
+    <dgm:scene3d>
+      <a:camera prst="orthographicFront"/>
+      <a:lightRig rig="threePt" dir="t"/>
+    </dgm:scene3d>
+    <dgm:sp3d/>
+    <dgm:txPr/>
+    <dgm:style>
+      <a:lnRef idx="0">
+        <a:scrgbClr r="0" g="0" b="0"/>
+      </a:lnRef>
+      <a:fillRef idx="1">
+        <a:scrgbClr r="0" g="0" b="0"/>
+      </a:fillRef>
+      <a:effectRef idx="1">
+        <a:scrgbClr r="0" g="0" b="0"/>
+      </a:effectRef>
+      <a:fontRef idx="minor">
+        <a:schemeClr val="lt1"/>
+      </a:fontRef>
+    </dgm:style>
+  </dgm:styleLbl>
+  <dgm:styleLbl name="bgSibTrans2D1">
+    <dgm:scene3d>
+      <a:camera prst="orthographicFront"/>
+      <a:lightRig rig="threePt" dir="t"/>
+    </dgm:scene3d>
+    <dgm:sp3d/>
+    <dgm:txPr/>
+    <dgm:style>
+      <a:lnRef idx="0">
+        <a:scrgbClr r="0" g="0" b="0"/>
+      </a:lnRef>
+      <a:fillRef idx="1">
+        <a:scrgbClr r="0" g="0" b="0"/>
+      </a:fillRef>
+      <a:effectRef idx="1">
+        <a:scrgbClr r="0" g="0" b="0"/>
+      </a:effectRef>
+      <a:fontRef idx="minor">
+        <a:schemeClr val="lt1"/>
+      </a:fontRef>
+    </dgm:style>
+  </dgm:styleLbl>
+  <dgm:styleLbl name="sibTrans1D1">
+    <dgm:scene3d>
+      <a:camera prst="orthographicFront"/>
+      <a:lightRig rig="threePt" dir="t"/>
+    </dgm:scene3d>
+    <dgm:sp3d/>
+    <dgm:txPr/>
+    <dgm:style>
+      <a:lnRef idx="1">
+        <a:scrgbClr r="0" g="0" b="0"/>
+      </a:lnRef>
+      <a:fillRef idx="0">
+        <a:scrgbClr r="0" g="0" b="0"/>
+      </a:fillRef>
+      <a:effectRef idx="0">
+        <a:scrgbClr r="0" g="0" b="0"/>
+      </a:effectRef>
+      <a:fontRef idx="minor"/>
+    </dgm:style>
+  </dgm:styleLbl>
+  <dgm:styleLbl name="callout">
+    <dgm:scene3d>
+      <a:camera prst="orthographicFront"/>
+      <a:lightRig rig="threePt" dir="t"/>
+    </dgm:scene3d>
+    <dgm:sp3d/>
+    <dgm:txPr/>
+    <dgm:style>
+      <a:lnRef idx="2">
+        <a:scrgbClr r="0" g="0" b="0"/>
+      </a:lnRef>
+      <a:fillRef idx="1">
+        <a:scrgbClr r="0" g="0" b="0"/>
+      </a:fillRef>
+      <a:effectRef idx="1">
+        <a:scrgbClr r="0" g="0" b="0"/>
+      </a:effectRef>
+      <a:fontRef idx="minor"/>
+    </dgm:style>
+  </dgm:styleLbl>
+  <dgm:styleLbl name="asst0">
+    <dgm:scene3d>
+      <a:camera prst="orthographicFront"/>
+      <a:lightRig rig="threePt" dir="t"/>
+    </dgm:scene3d>
+    <dgm:sp3d/>
+    <dgm:txPr/>
+    <dgm:style>
+      <a:lnRef idx="3">
+        <a:scrgbClr r="0" g="0" b="0"/>
+      </a:lnRef>
+      <a:fillRef idx="1">
+        <a:scrgbClr r="0" g="0" b="0"/>
+      </a:fillRef>
+      <a:effectRef idx="1">
+        <a:scrgbClr r="0" g="0" b="0"/>
+      </a:effectRef>
+      <a:fontRef idx="minor">
+        <a:schemeClr val="lt1"/>
+      </a:fontRef>
+    </dgm:style>
+  </dgm:styleLbl>
+  <dgm:styleLbl name="asst1">
+    <dgm:scene3d>
+      <a:camera prst="orthographicFront"/>
+      <a:lightRig rig="threePt" dir="t"/>
+    </dgm:scene3d>
+    <dgm:sp3d/>
+    <dgm:txPr/>
+    <dgm:style>
+      <a:lnRef idx="3">
+        <a:scrgbClr r="0" g="0" b="0"/>
+      </a:lnRef>
+      <a:fillRef idx="1">
+        <a:scrgbClr r="0" g="0" b="0"/>
+      </a:fillRef>
+      <a:effectRef idx="1">
+        <a:scrgbClr r="0" g="0" b="0"/>
+      </a:effectRef>
+      <a:fontRef idx="minor">
+        <a:schemeClr val="lt1"/>
+      </a:fontRef>
+    </dgm:style>
+  </dgm:styleLbl>
+  <dgm:styleLbl name="asst2">
+    <dgm:scene3d>
+      <a:camera prst="orthographicFront"/>
+      <a:lightRig rig="threePt" dir="t"/>
+    </dgm:scene3d>
+    <dgm:sp3d/>
+    <dgm:txPr/>
+    <dgm:style>
+      <a:lnRef idx="3">
+        <a:scrgbClr r="0" g="0" b="0"/>
+      </a:lnRef>
+      <a:fillRef idx="1">
+        <a:scrgbClr r="0" g="0" b="0"/>
+      </a:fillRef>
+      <a:effectRef idx="1">
+        <a:scrgbClr r="0" g="0" b="0"/>
+      </a:effectRef>
+      <a:fontRef idx="minor">
+        <a:schemeClr val="lt1"/>
+      </a:fontRef>
+    </dgm:style>
+  </dgm:styleLbl>
+  <dgm:styleLbl name="asst3">
+    <dgm:scene3d>
+      <a:camera prst="orthographicFront"/>
+      <a:lightRig rig="threePt" dir="t"/>
+    </dgm:scene3d>
+    <dgm:sp3d/>
+    <dgm:txPr/>
+    <dgm:style>
+      <a:lnRef idx="3">
+        <a:scrgbClr r="0" g="0" b="0"/>
+      </a:lnRef>
+      <a:fillRef idx="1">
+        <a:scrgbClr r="0" g="0" b="0"/>
+      </a:fillRef>
+      <a:effectRef idx="1">
+        <a:scrgbClr r="0" g="0" b="0"/>
+      </a:effectRef>
+      <a:fontRef idx="minor">
+        <a:schemeClr val="lt1"/>
+      </a:fontRef>
+    </dgm:style>
+  </dgm:styleLbl>
+  <dgm:styleLbl name="asst4">
+    <dgm:scene3d>
+      <a:camera prst="orthographicFront"/>
+      <a:lightRig rig="threePt" dir="t"/>
+    </dgm:scene3d>
+    <dgm:sp3d/>
+    <dgm:txPr/>
+    <dgm:style>
+      <a:lnRef idx="3">
+        <a:scrgbClr r="0" g="0" b="0"/>
+      </a:lnRef>
+      <a:fillRef idx="1">
+        <a:scrgbClr r="0" g="0" b="0"/>
+      </a:fillRef>
+      <a:effectRef idx="1">
+        <a:scrgbClr r="0" g="0" b="0"/>
+      </a:effectRef>
+      <a:fontRef idx="minor">
+        <a:schemeClr val="lt1"/>
+      </a:fontRef>
+    </dgm:style>
+  </dgm:styleLbl>
+  <dgm:styleLbl name="parChTrans2D1">
+    <dgm:scene3d>
+      <a:camera prst="orthographicFront"/>
+      <a:lightRig rig="threePt" dir="t"/>
+    </dgm:scene3d>
+    <dgm:sp3d/>
+    <dgm:txPr/>
+    <dgm:style>
+      <a:lnRef idx="3">
+        <a:scrgbClr r="0" g="0" b="0"/>
+      </a:lnRef>
+      <a:fillRef idx="1">
+        <a:scrgbClr r="0" g="0" b="0"/>
+      </a:fillRef>
+      <a:effectRef idx="1">
+        <a:scrgbClr r="0" g="0" b="0"/>
+      </a:effectRef>
+      <a:fontRef idx="minor">
+        <a:schemeClr val="lt1"/>
+      </a:fontRef>
+    </dgm:style>
+  </dgm:styleLbl>
+  <dgm:styleLbl name="parChTrans2D2">
+    <dgm:scene3d>
+      <a:camera prst="orthographicFront"/>
+      <a:lightRig rig="threePt" dir="t"/>
+    </dgm:scene3d>
+    <dgm:sp3d/>
+    <dgm:txPr/>
+    <dgm:style>
+      <a:lnRef idx="3">
+        <a:scrgbClr r="0" g="0" b="0"/>
+      </a:lnRef>
+      <a:fillRef idx="1">
+        <a:scrgbClr r="0" g="0" b="0"/>
+      </a:fillRef>
+      <a:effectRef idx="1">
+        <a:scrgbClr r="0" g="0" b="0"/>
+      </a:effectRef>
+      <a:fontRef idx="minor">
+        <a:schemeClr val="lt1"/>
+      </a:fontRef>
+    </dgm:style>
+  </dgm:styleLbl>
+  <dgm:styleLbl name="parChTrans2D3">
+    <dgm:scene3d>
+      <a:camera prst="orthographicFront"/>
+      <a:lightRig rig="threePt" dir="t"/>
+    </dgm:scene3d>
+    <dgm:sp3d/>
+    <dgm:txPr/>
+    <dgm:style>
+      <a:lnRef idx="3">
+        <a:scrgbClr r="0" g="0" b="0"/>
+      </a:lnRef>
+      <a:fillRef idx="1">
+        <a:scrgbClr r="0" g="0" b="0"/>
+      </a:fillRef>
+      <a:effectRef idx="1">
+        <a:scrgbClr r="0" g="0" b="0"/>
+      </a:effectRef>
+      <a:fontRef idx="minor">
+        <a:schemeClr val="lt1"/>
+      </a:fontRef>
+    </dgm:style>
+  </dgm:styleLbl>
+  <dgm:styleLbl name="parChTrans2D4">
+    <dgm:scene3d>
+      <a:camera prst="orthographicFront"/>
+      <a:lightRig rig="threePt" dir="t"/>
+    </dgm:scene3d>
+    <dgm:sp3d/>
+    <dgm:txPr/>
+    <dgm:style>
+      <a:lnRef idx="3">
+        <a:scrgbClr r="0" g="0" b="0"/>
+      </a:lnRef>
+      <a:fillRef idx="1">
+        <a:scrgbClr r="0" g="0" b="0"/>
+      </a:fillRef>
+      <a:effectRef idx="1">
+        <a:scrgbClr r="0" g="0" b="0"/>
+      </a:effectRef>
+      <a:fontRef idx="minor">
+        <a:schemeClr val="lt1"/>
+      </a:fontRef>
+    </dgm:style>
+  </dgm:styleLbl>
+  <dgm:styleLbl name="parChTrans1D1">
+    <dgm:scene3d>
+      <a:camera prst="orthographicFront"/>
+      <a:lightRig rig="threePt" dir="t"/>
+    </dgm:scene3d>
+    <dgm:sp3d/>
+    <dgm:txPr/>
+    <dgm:style>
+      <a:lnRef idx="2">
+        <a:scrgbClr r="0" g="0" b="0"/>
+      </a:lnRef>
+      <a:fillRef idx="0">
+        <a:scrgbClr r="0" g="0" b="0"/>
+      </a:fillRef>
+      <a:effectRef idx="0">
+        <a:scrgbClr r="0" g="0" b="0"/>
+      </a:effectRef>
+      <a:fontRef idx="minor"/>
+    </dgm:style>
+  </dgm:styleLbl>
+  <dgm:styleLbl name="parChTrans1D2">
+    <dgm:scene3d>
+      <a:camera prst="orthographicFront"/>
+      <a:lightRig rig="threePt" dir="t"/>
+    </dgm:scene3d>
+    <dgm:sp3d/>
+    <dgm:txPr/>
+    <dgm:style>
+      <a:lnRef idx="2">
+        <a:scrgbClr r="0" g="0" b="0"/>
+      </a:lnRef>
+      <a:fillRef idx="0">
+        <a:scrgbClr r="0" g="0" b="0"/>
+      </a:fillRef>
+      <a:effectRef idx="0">
+        <a:scrgbClr r="0" g="0" b="0"/>
+      </a:effectRef>
+      <a:fontRef idx="minor"/>
+    </dgm:style>
+  </dgm:styleLbl>
+  <dgm:styleLbl name="parChTrans1D3">
+    <dgm:scene3d>
+      <a:camera prst="orthographicFront"/>
+      <a:lightRig rig="threePt" dir="t"/>
+    </dgm:scene3d>
+    <dgm:sp3d/>
+    <dgm:txPr/>
+    <dgm:style>
+      <a:lnRef idx="2">
+        <a:scrgbClr r="0" g="0" b="0"/>
+      </a:lnRef>
+      <a:fillRef idx="0">
+        <a:scrgbClr r="0" g="0" b="0"/>
+      </a:fillRef>
+      <a:effectRef idx="0">
+        <a:scrgbClr r="0" g="0" b="0"/>
+      </a:effectRef>
+      <a:fontRef idx="minor"/>
+    </dgm:style>
+  </dgm:styleLbl>
+  <dgm:styleLbl name="parChTrans1D4">
+    <dgm:scene3d>
+      <a:camera prst="orthographicFront"/>
+      <a:lightRig rig="threePt" dir="t"/>
+    </dgm:scene3d>
+    <dgm:sp3d/>
+    <dgm:txPr/>
+    <dgm:style>
+      <a:lnRef idx="2">
+        <a:scrgbClr r="0" g="0" b="0"/>
+      </a:lnRef>
+      <a:fillRef idx="0">
+        <a:scrgbClr r="0" g="0" b="0"/>
+      </a:fillRef>
+      <a:effectRef idx="0">
+        <a:scrgbClr r="0" g="0" b="0"/>
+      </a:effectRef>
+      <a:fontRef idx="minor"/>
+    </dgm:style>
+  </dgm:styleLbl>
+  <dgm:styleLbl name="fgAcc1">
+    <dgm:scene3d>
+      <a:camera prst="orthographicFront"/>
+      <a:lightRig rig="threePt" dir="t"/>
+    </dgm:scene3d>
+    <dgm:sp3d/>
+    <dgm:txPr/>
+    <dgm:style>
+      <a:lnRef idx="2">
+        <a:scrgbClr r="0" g="0" b="0"/>
+      </a:lnRef>
+      <a:fillRef idx="1">
+        <a:scrgbClr r="0" g="0" b="0"/>
+      </a:fillRef>
+      <a:effectRef idx="0">
+        <a:scrgbClr r="0" g="0" b="0"/>
+      </a:effectRef>
+      <a:fontRef idx="minor"/>
+    </dgm:style>
+  </dgm:styleLbl>
+  <dgm:styleLbl name="conFgAcc1">
+    <dgm:scene3d>
+      <a:camera prst="orthographicFront"/>
+      <a:lightRig rig="threePt" dir="t"/>
+    </dgm:scene3d>
+    <dgm:sp3d/>
+    <dgm:txPr/>
+    <dgm:style>
+      <a:lnRef idx="2">
+        <a:scrgbClr r="0" g="0" b="0"/>
+      </a:lnRef>
+      <a:fillRef idx="1">
+        <a:scrgbClr r="0" g="0" b="0"/>
+      </a:fillRef>
+      <a:effectRef idx="0">
+        <a:scrgbClr r="0" g="0" b="0"/>
+      </a:effectRef>
+      <a:fontRef idx="minor"/>
+    </dgm:style>
+  </dgm:styleLbl>
+  <dgm:styleLbl name="alignAcc1">
+    <dgm:scene3d>
+      <a:camera prst="orthographicFront"/>
+      <a:lightRig rig="threePt" dir="t"/>
+    </dgm:scene3d>
+    <dgm:sp3d/>
+    <dgm:txPr/>
+    <dgm:style>
+      <a:lnRef idx="2">
+        <a:scrgbClr r="0" g="0" b="0"/>
+      </a:lnRef>
+      <a:fillRef idx="1">
+        <a:scrgbClr r="0" g="0" b="0"/>
+      </a:fillRef>
+      <a:effectRef idx="0">
+        <a:scrgbClr r="0" g="0" b="0"/>
+      </a:effectRef>
+      <a:fontRef idx="minor"/>
+    </dgm:style>
+  </dgm:styleLbl>
+  <dgm:styleLbl name="trAlignAcc1">
+    <dgm:scene3d>
+      <a:camera prst="orthographicFront"/>
+      <a:lightRig rig="threePt" dir="t"/>
+    </dgm:scene3d>
+    <dgm:sp3d/>
+    <dgm:txPr/>
+    <dgm:style>
+      <a:lnRef idx="1">
+        <a:scrgbClr r="0" g="0" b="0"/>
+      </a:lnRef>
+      <a:fillRef idx="1">
+        <a:scrgbClr r="0" g="0" b="0"/>
+      </a:fillRef>
+      <a:effectRef idx="0">
+        <a:scrgbClr r="0" g="0" b="0"/>
+      </a:effectRef>
+      <a:fontRef idx="minor"/>
+    </dgm:style>
+  </dgm:styleLbl>
+  <dgm:styleLbl name="bgAcc1">
+    <dgm:scene3d>
+      <a:camera prst="orthographicFront"/>
+      <a:lightRig rig="threePt" dir="t"/>
+    </dgm:scene3d>
+    <dgm:sp3d/>
+    <dgm:txPr/>
+    <dgm:style>
+      <a:lnRef idx="2">
+        <a:scrgbClr r="0" g="0" b="0"/>
+      </a:lnRef>
+      <a:fillRef idx="1">
+        <a:scrgbClr r="0" g="0" b="0"/>
+      </a:fillRef>
+      <a:effectRef idx="0">
+        <a:scrgbClr r="0" g="0" b="0"/>
+      </a:effectRef>
+      <a:fontRef idx="minor"/>
+    </dgm:style>
+  </dgm:styleLbl>
+  <dgm:styleLbl name="solidFgAcc1">
+    <dgm:scene3d>
+      <a:camera prst="orthographicFront"/>
+      <a:lightRig rig="threePt" dir="t"/>
+    </dgm:scene3d>
+    <dgm:sp3d/>
+    <dgm:txPr/>
+    <dgm:style>
+      <a:lnRef idx="2">
+        <a:scrgbClr r="0" g="0" b="0"/>
+      </a:lnRef>
+      <a:fillRef idx="1">
+        <a:scrgbClr r="0" g="0" b="0"/>
+      </a:fillRef>
+      <a:effectRef idx="0">
+        <a:scrgbClr r="0" g="0" b="0"/>
+      </a:effectRef>
+      <a:fontRef idx="minor"/>
+    </dgm:style>
+  </dgm:styleLbl>
+  <dgm:styleLbl name="solidAlignAcc1">
+    <dgm:scene3d>
+      <a:camera prst="orthographicFront"/>
+      <a:lightRig rig="threePt" dir="t"/>
+    </dgm:scene3d>
+    <dgm:sp3d/>
+    <dgm:txPr/>
+    <dgm:style>
+      <a:lnRef idx="2">
+        <a:scrgbClr r="0" g="0" b="0"/>
+      </a:lnRef>
+      <a:fillRef idx="1">
+        <a:scrgbClr r="0" g="0" b="0"/>
+      </a:fillRef>
+      <a:effectRef idx="0">
+        <a:scrgbClr r="0" g="0" b="0"/>
+      </a:effectRef>
+      <a:fontRef idx="minor"/>
+    </dgm:style>
+  </dgm:styleLbl>
+  <dgm:styleLbl name="solidBgAcc1">
+    <dgm:scene3d>
+      <a:camera prst="orthographicFront"/>
+      <a:lightRig rig="threePt" dir="t"/>
+    </dgm:scene3d>
+    <dgm:sp3d/>
+    <dgm:txPr/>
+    <dgm:style>
+      <a:lnRef idx="2">
+        <a:scrgbClr r="0" g="0" b="0"/>
+      </a:lnRef>
+      <a:fillRef idx="1">
+        <a:scrgbClr r="0" g="0" b="0"/>
+      </a:fillRef>
+      <a:effectRef idx="0">
+        <a:scrgbClr r="0" g="0" b="0"/>
+      </a:effectRef>
+      <a:fontRef idx="minor"/>
+    </dgm:style>
+  </dgm:styleLbl>
+  <dgm:styleLbl name="fgAccFollowNode1">
+    <dgm:scene3d>
+      <a:camera prst="orthographicFront"/>
+      <a:lightRig rig="threePt" dir="t"/>
+    </dgm:scene3d>
+    <dgm:sp3d/>
+    <dgm:txPr/>
+    <dgm:style>
+      <a:lnRef idx="2">
+        <a:scrgbClr r="0" g="0" b="0"/>
+      </a:lnRef>
+      <a:fillRef idx="1">
+        <a:scrgbClr r="0" g="0" b="0"/>
+      </a:fillRef>
+      <a:effectRef idx="0">
+        <a:scrgbClr r="0" g="0" b="0"/>
+      </a:effectRef>
+      <a:fontRef idx="minor"/>
+    </dgm:style>
+  </dgm:styleLbl>
+  <dgm:styleLbl name="alignAccFollowNode1">
+    <dgm:scene3d>
+      <a:camera prst="orthographicFront"/>
+      <a:lightRig rig="threePt" dir="t"/>
+    </dgm:scene3d>
+    <dgm:sp3d/>
+    <dgm:txPr/>
+    <dgm:style>
+      <a:lnRef idx="2">
+        <a:scrgbClr r="0" g="0" b="0"/>
+      </a:lnRef>
+      <a:fillRef idx="1">
+        <a:scrgbClr r="0" g="0" b="0"/>
+      </a:fillRef>
+      <a:effectRef idx="0">
+        <a:scrgbClr r="0" g="0" b="0"/>
+      </a:effectRef>
+      <a:fontRef idx="minor"/>
+    </dgm:style>
+  </dgm:styleLbl>
+  <dgm:styleLbl name="bgAccFollowNode1">
+    <dgm:scene3d>
+      <a:camera prst="orthographicFront"/>
+      <a:lightRig rig="threePt" dir="t"/>
+    </dgm:scene3d>
+    <dgm:sp3d/>
+    <dgm:txPr/>
+    <dgm:style>
+      <a:lnRef idx="2">
+        <a:scrgbClr r="0" g="0" b="0"/>
+      </a:lnRef>
+      <a:fillRef idx="1">
+        <a:scrgbClr r="0" g="0" b="0"/>
+      </a:fillRef>
+      <a:effectRef idx="0">
+        <a:scrgbClr r="0" g="0" b="0"/>
+      </a:effectRef>
+      <a:fontRef idx="minor"/>
+    </dgm:style>
+  </dgm:styleLbl>
+  <dgm:styleLbl name="fgAcc0">
+    <dgm:scene3d>
+      <a:camera prst="orthographicFront"/>
+      <a:lightRig rig="threePt" dir="t"/>
+    </dgm:scene3d>
+    <dgm:sp3d/>
+    <dgm:txPr/>
+    <dgm:style>
+      <a:lnRef idx="2">
+        <a:scrgbClr r="0" g="0" b="0"/>
+      </a:lnRef>
+      <a:fillRef idx="1">
+        <a:scrgbClr r="0" g="0" b="0"/>
+      </a:fillRef>
+      <a:effectRef idx="0">
+        <a:scrgbClr r="0" g="0" b="0"/>
+      </a:effectRef>
+      <a:fontRef idx="minor"/>
+    </dgm:style>
+  </dgm:styleLbl>
+  <dgm:styleLbl name="fgAcc2">
+    <dgm:scene3d>
+      <a:camera prst="orthographicFront"/>
+      <a:lightRig rig="threePt" dir="t"/>
+    </dgm:scene3d>
+    <dgm:sp3d/>
+    <dgm:txPr/>
+    <dgm:style>
+      <a:lnRef idx="2">
+        <a:scrgbClr r="0" g="0" b="0"/>
+      </a:lnRef>
+      <a:fillRef idx="1">
+        <a:scrgbClr r="0" g="0" b="0"/>
+      </a:fillRef>
+      <a:effectRef idx="0">
+        <a:scrgbClr r="0" g="0" b="0"/>
+      </a:effectRef>
+      <a:fontRef idx="minor"/>
+    </dgm:style>
+  </dgm:styleLbl>
+  <dgm:styleLbl name="fgAcc3">
+    <dgm:scene3d>
+      <a:camera prst="orthographicFront"/>
+      <a:lightRig rig="threePt" dir="t"/>
+    </dgm:scene3d>
+    <dgm:sp3d/>
+    <dgm:txPr/>
+    <dgm:style>
+      <a:lnRef idx="2">
+        <a:scrgbClr r="0" g="0" b="0"/>
+      </a:lnRef>
+      <a:fillRef idx="1">
+        <a:scrgbClr r="0" g="0" b="0"/>
+      </a:fillRef>
+      <a:effectRef idx="0">
+        <a:scrgbClr r="0" g="0" b="0"/>
+      </a:effectRef>
+      <a:fontRef idx="minor"/>
+    </dgm:style>
+  </dgm:styleLbl>
+  <dgm:styleLbl name="fgAcc4">
+    <dgm:scene3d>
+      <a:camera prst="orthographicFront"/>
+      <a:lightRig rig="threePt" dir="t"/>
+    </dgm:scene3d>
+    <dgm:sp3d/>
+    <dgm:txPr/>
+    <dgm:style>
+      <a:lnRef idx="2">
+        <a:scrgbClr r="0" g="0" b="0"/>
+      </a:lnRef>
+      <a:fillRef idx="1">
+        <a:scrgbClr r="0" g="0" b="0"/>
+      </a:fillRef>
+      <a:effectRef idx="0">
+        <a:scrgbClr r="0" g="0" b="0"/>
+      </a:effectRef>
+      <a:fontRef idx="minor"/>
+    </dgm:style>
+  </dgm:styleLbl>
+  <dgm:styleLbl name="bgShp">
+    <dgm:scene3d>
+      <a:camera prst="orthographicFront"/>
+      <a:lightRig rig="threePt" dir="t"/>
+    </dgm:scene3d>
+    <dgm:sp3d/>
+    <dgm:txPr/>
+    <dgm:style>
+      <a:lnRef idx="0">
+        <a:scrgbClr r="0" g="0" b="0"/>
+      </a:lnRef>
+      <a:fillRef idx="1">
+        <a:scrgbClr r="0" g="0" b="0"/>
+      </a:fillRef>
+      <a:effectRef idx="0">
+        <a:scrgbClr r="0" g="0" b="0"/>
+      </a:effectRef>
+      <a:fontRef idx="minor"/>
+    </dgm:style>
+  </dgm:styleLbl>
+  <dgm:styleLbl name="dkBgShp">
+    <dgm:scene3d>
+      <a:camera prst="orthographicFront"/>
+      <a:lightRig rig="threePt" dir="t"/>
+    </dgm:scene3d>
+    <dgm:sp3d/>
+    <dgm:txPr/>
+    <dgm:style>
+      <a:lnRef idx="0">
+        <a:scrgbClr r="0" g="0" b="0"/>
+      </a:lnRef>
+      <a:fillRef idx="1">
+        <a:scrgbClr r="0" g="0" b="0"/>
+      </a:fillRef>
+      <a:effectRef idx="0">
+        <a:scrgbClr r="0" g="0" b="0"/>
+      </a:effectRef>
+      <a:fontRef idx="minor"/>
+    </dgm:style>
+  </dgm:styleLbl>
+  <dgm:styleLbl name="trBgShp">
+    <dgm:scene3d>
+      <a:camera prst="orthographicFront"/>
+      <a:lightRig rig="threePt" dir="t"/>
+    </dgm:scene3d>
+    <dgm:sp3d/>
+    <dgm:txPr/>
+    <dgm:style>
+      <a:lnRef idx="0">
+        <a:scrgbClr r="0" g="0" b="0"/>
+      </a:lnRef>
+      <a:fillRef idx="1">
+        <a:scrgbClr r="0" g="0" b="0"/>
+      </a:fillRef>
+      <a:effectRef idx="0">
+        <a:scrgbClr r="0" g="0" b="0"/>
+      </a:effectRef>
+      <a:fontRef idx="minor"/>
+    </dgm:style>
+  </dgm:styleLbl>
+  <dgm:styleLbl name="fgShp">
+    <dgm:scene3d>
+      <a:camera prst="orthographicFront"/>
+      <a:lightRig rig="threePt" dir="t"/>
+    </dgm:scene3d>
+    <dgm:sp3d/>
+    <dgm:txPr/>
+    <dgm:style>
+      <a:lnRef idx="3">
+        <a:scrgbClr r="0" g="0" b="0"/>
+      </a:lnRef>
+      <a:fillRef idx="1">
+        <a:scrgbClr r="0" g="0" b="0"/>
+      </a:fillRef>
+      <a:effectRef idx="1">
+        <a:scrgbClr r="0" g="0" b="0"/>
+      </a:effectRef>
+      <a:fontRef idx="minor"/>
+    </dgm:style>
+  </dgm:styleLbl>
+  <dgm:styleLbl name="revTx">
+    <dgm:scene3d>
+      <a:camera prst="orthographicFront"/>
+      <a:lightRig rig="threePt" dir="t"/>
+    </dgm:scene3d>
+    <dgm:sp3d/>
+    <dgm:txPr/>
+    <dgm:style>
+      <a:lnRef idx="0">
+        <a:scrgbClr r="0" g="0" b="0"/>
+      </a:lnRef>
+      <a:fillRef idx="0">
+        <a:scrgbClr r="0" g="0" b="0"/>
+      </a:fillRef>
+      <a:effectRef idx="0">
+        <a:scrgbClr r="0" g="0" b="0"/>
+      </a:effectRef>
+      <a:fontRef idx="minor"/>
+    </dgm:style>
+  </dgm:styleLbl>
+</dgm:styleDef>
+</file>
+
+<file path=ppt/diagrams/quickStyle2.xml><?xml version="1.0" encoding="utf-8"?>
 <dgm:styleDef xmlns:dgm="http://schemas.openxmlformats.org/drawingml/2006/diagram" xmlns:a="http://schemas.openxmlformats.org/drawingml/2006/main" uniqueId="urn:microsoft.com/office/officeart/2005/8/quickstyle/simple1">
   <dgm:title val=""/>
   <dgm:desc val=""/>
@@ -4846,7 +8568,7 @@
 </dgm:styleDef>
 </file>
 
-<file path=ppt/diagrams/quickStyle2.xml><?xml version="1.0" encoding="utf-8"?>
+<file path=ppt/diagrams/quickStyle3.xml><?xml version="1.0" encoding="utf-8"?>
 <dgm:styleDef xmlns:dgm="http://schemas.openxmlformats.org/drawingml/2006/diagram" xmlns:a="http://schemas.openxmlformats.org/drawingml/2006/main" uniqueId="urn:microsoft.com/office/officeart/2005/8/quickstyle/simple1">
   <dgm:title val=""/>
   <dgm:desc val=""/>
@@ -12447,7 +16169,7 @@
         <p:spPr>
           <a:xfrm>
             <a:off x="852176" y="1470991"/>
-            <a:ext cx="7089189" cy="2862322"/>
+            <a:ext cx="7089189" cy="3970318"/>
           </a:xfrm>
           <a:prstGeom prst="rect">
             <a:avLst/>
@@ -12563,12 +16285,64 @@
               <a:rPr lang="en-US" altLang="zh-CN" dirty="0"/>
               <a:t>easier standardization/benchmarking</a:t>
             </a:r>
+          </a:p>
+          <a:p>
+            <a:pPr marL="285750" indent="-285750">
+              <a:buFontTx/>
+              <a:buChar char="-"/>
+            </a:pPr>
+            <a:endParaRPr lang="en-US" altLang="zh-CN" dirty="0"/>
+          </a:p>
+          <a:p>
+            <a:r>
+              <a:rPr lang="en-US" altLang="zh-CN" b="1" i="1" dirty="0"/>
+              <a:t>Process</a:t>
+            </a:r>
+          </a:p>
+          <a:p>
+            <a:pPr marL="285750" indent="-285750">
+              <a:buFontTx/>
+              <a:buChar char="-"/>
+            </a:pPr>
             <a:endParaRPr lang="en-US" altLang="zh-CN" dirty="0">
               <a:latin typeface="Noto Sans" panose="020B0502040504020204"/>
             </a:endParaRPr>
           </a:p>
+          <a:p>
+            <a:endParaRPr lang="en-US" altLang="zh-CN" b="1" i="1" dirty="0">
+              <a:latin typeface="Noto Sans" panose="020B0502040504020204"/>
+            </a:endParaRPr>
+          </a:p>
         </p:txBody>
       </p:sp>
+      <p:graphicFrame>
+        <p:nvGraphicFramePr>
+          <p:cNvPr id="2" name="图示 1">
+            <a:extLst>
+              <a:ext uri="{FF2B5EF4-FFF2-40B4-BE49-F238E27FC236}">
+                <a16:creationId xmlns:a16="http://schemas.microsoft.com/office/drawing/2014/main" id="{87EEEEAF-9E19-4319-A40B-6E562196F784}"/>
+              </a:ext>
+            </a:extLst>
+          </p:cNvPr>
+          <p:cNvGraphicFramePr/>
+          <p:nvPr>
+            <p:extLst>
+              <p:ext uri="{D42A27DB-BD31-4B8C-83A1-F6EECF244321}">
+                <p14:modId xmlns:p14="http://schemas.microsoft.com/office/powerpoint/2010/main" val="1863108497"/>
+              </p:ext>
+            </p:extLst>
+          </p:nvPr>
+        </p:nvGraphicFramePr>
+        <p:xfrm>
+          <a:off x="1323486" y="4914112"/>
+          <a:ext cx="3016866" cy="1356847"/>
+        </p:xfrm>
+        <a:graphic>
+          <a:graphicData uri="http://schemas.openxmlformats.org/drawingml/2006/diagram">
+            <dgm:relIds xmlns:dgm="http://schemas.openxmlformats.org/drawingml/2006/diagram" xmlns:r="http://schemas.openxmlformats.org/officeDocument/2006/relationships" r:dm="rId13" r:lo="rId14" r:qs="rId15" r:cs="rId16"/>
+          </a:graphicData>
+        </a:graphic>
+      </p:graphicFrame>
     </p:spTree>
     <p:extLst>
       <p:ext uri="{BB962C8B-B14F-4D97-AF65-F5344CB8AC3E}">

--- a/orga/milestone_presentations/MP2.pptx
+++ b/orga/milestone_presentations/MP2.pptx
@@ -2876,7 +2876,7 @@
   <dgm:whole/>
   <dgm:extLst>
     <a:ext uri="http://schemas.microsoft.com/office/drawing/2008/diagram">
-      <dsp:dataModelExt xmlns:dsp="http://schemas.microsoft.com/office/drawing/2008/diagram" relId="rId17" minVer="http://schemas.openxmlformats.org/drawingml/2006/diagram"/>
+      <dsp:dataModelExt xmlns:dsp="http://schemas.microsoft.com/office/drawing/2008/diagram" relId="rId7" minVer="http://schemas.openxmlformats.org/drawingml/2006/diagram"/>
     </a:ext>
   </dgm:extLst>
 </dgm:dataModel>
@@ -3093,7 +3093,7 @@
   <dgm:whole/>
   <dgm:extLst>
     <a:ext uri="http://schemas.microsoft.com/office/drawing/2008/diagram">
-      <dsp:dataModelExt xmlns:dsp="http://schemas.microsoft.com/office/drawing/2008/diagram" relId="rId16" minVer="http://schemas.openxmlformats.org/drawingml/2006/diagram"/>
+      <dsp:dataModelExt xmlns:dsp="http://schemas.microsoft.com/office/drawing/2008/diagram" relId="rId6" minVer="http://schemas.openxmlformats.org/drawingml/2006/diagram"/>
     </a:ext>
   </dgm:extLst>
 </dgm:dataModel>
@@ -3370,7 +3370,7 @@
   <dgm:whole/>
   <dgm:extLst>
     <a:ext uri="http://schemas.microsoft.com/office/drawing/2008/diagram">
-      <dsp:dataModelExt xmlns:dsp="http://schemas.microsoft.com/office/drawing/2008/diagram" relId="rId21" minVer="http://schemas.openxmlformats.org/drawingml/2006/diagram"/>
+      <dsp:dataModelExt xmlns:dsp="http://schemas.microsoft.com/office/drawing/2008/diagram" relId="rId11" minVer="http://schemas.openxmlformats.org/drawingml/2006/diagram"/>
     </a:ext>
   </dgm:extLst>
 </dgm:dataModel>
@@ -3807,8 +3807,8 @@
       </dsp:nvSpPr>
       <dsp:spPr>
         <a:xfrm>
-          <a:off x="1030996" y="288"/>
-          <a:ext cx="840386" cy="840386"/>
+          <a:off x="1155580" y="727"/>
+          <a:ext cx="1182018" cy="1182018"/>
         </a:xfrm>
         <a:prstGeom prst="ellipse">
           <a:avLst/>
@@ -3875,8 +3875,8 @@
         </a:p>
       </dsp:txBody>
       <dsp:txXfrm>
-        <a:off x="1154068" y="123360"/>
-        <a:ext cx="594242" cy="594242"/>
+        <a:off x="1328683" y="173830"/>
+        <a:ext cx="835812" cy="835812"/>
       </dsp:txXfrm>
     </dsp:sp>
     <dsp:sp modelId="{A5281A23-AC0D-4CBD-8AF3-634951AD65E7}">
@@ -3886,8 +3886,8 @@
       </dsp:nvSpPr>
       <dsp:spPr>
         <a:xfrm rot="3600000">
-          <a:off x="1651772" y="820151"/>
-          <a:ext cx="224086" cy="283630"/>
+          <a:off x="2028796" y="1152341"/>
+          <a:ext cx="313240" cy="398931"/>
         </a:xfrm>
         <a:prstGeom prst="rightArrow">
           <a:avLst>
@@ -3928,7 +3928,7 @@
         </a:bodyPr>
         <a:lstStyle/>
         <a:p>
-          <a:pPr marL="0" lvl="0" indent="0" algn="ctr" defTabSz="533400">
+          <a:pPr marL="0" lvl="0" indent="0" algn="ctr" defTabSz="755650">
             <a:lnSpc>
               <a:spcPct val="90000"/>
             </a:lnSpc>
@@ -3940,12 +3940,12 @@
             </a:spcAft>
             <a:buNone/>
           </a:pPr>
-          <a:endParaRPr lang="zh-CN" altLang="en-US" sz="1200" kern="1200"/>
+          <a:endParaRPr lang="zh-CN" altLang="en-US" sz="1700" kern="1200"/>
         </a:p>
       </dsp:txBody>
       <dsp:txXfrm>
-        <a:off x="1668579" y="847767"/>
-        <a:ext cx="156860" cy="170178"/>
+        <a:off x="2052289" y="1191436"/>
+        <a:ext cx="219268" cy="239359"/>
       </dsp:txXfrm>
     </dsp:sp>
     <dsp:sp modelId="{E7876245-E649-4267-A4C2-F0A8D8C5C23A}">
@@ -3955,8 +3955,8 @@
       </dsp:nvSpPr>
       <dsp:spPr>
         <a:xfrm>
-          <a:off x="1662592" y="1094244"/>
-          <a:ext cx="840386" cy="840386"/>
+          <a:off x="2042099" y="1536223"/>
+          <a:ext cx="1182018" cy="1182018"/>
         </a:xfrm>
         <a:prstGeom prst="ellipse">
           <a:avLst/>
@@ -4023,8 +4023,8 @@
         </a:p>
       </dsp:txBody>
       <dsp:txXfrm>
-        <a:off x="1785664" y="1217316"/>
-        <a:ext cx="594242" cy="594242"/>
+        <a:off x="2215202" y="1709326"/>
+        <a:ext cx="835812" cy="835812"/>
       </dsp:txXfrm>
     </dsp:sp>
     <dsp:sp modelId="{4DFAB2C9-43F6-43A6-B94E-B5FB0FE020A1}">
@@ -4034,8 +4034,8 @@
       </dsp:nvSpPr>
       <dsp:spPr>
         <a:xfrm rot="10800000">
-          <a:off x="1345488" y="1372622"/>
-          <a:ext cx="224086" cy="283630"/>
+          <a:off x="1598834" y="1927767"/>
+          <a:ext cx="313240" cy="398931"/>
         </a:xfrm>
         <a:prstGeom prst="rightArrow">
           <a:avLst>
@@ -4076,7 +4076,7 @@
         </a:bodyPr>
         <a:lstStyle/>
         <a:p>
-          <a:pPr marL="0" lvl="0" indent="0" algn="ctr" defTabSz="533400">
+          <a:pPr marL="0" lvl="0" indent="0" algn="ctr" defTabSz="755650">
             <a:lnSpc>
               <a:spcPct val="90000"/>
             </a:lnSpc>
@@ -4088,12 +4088,12 @@
             </a:spcAft>
             <a:buNone/>
           </a:pPr>
-          <a:endParaRPr lang="zh-CN" altLang="en-US" sz="1200" kern="1200"/>
+          <a:endParaRPr lang="zh-CN" altLang="en-US" sz="1700" kern="1200"/>
         </a:p>
       </dsp:txBody>
       <dsp:txXfrm rot="10800000">
-        <a:off x="1412714" y="1429348"/>
-        <a:ext cx="156860" cy="170178"/>
+        <a:off x="1692806" y="2007553"/>
+        <a:ext cx="219268" cy="239359"/>
       </dsp:txXfrm>
     </dsp:sp>
     <dsp:sp modelId="{081891A9-771F-45DD-A3D0-23FA99683A4A}">
@@ -4103,8 +4103,8 @@
       </dsp:nvSpPr>
       <dsp:spPr>
         <a:xfrm>
-          <a:off x="399400" y="1094244"/>
-          <a:ext cx="840386" cy="840386"/>
+          <a:off x="269061" y="1536223"/>
+          <a:ext cx="1182018" cy="1182018"/>
         </a:xfrm>
         <a:prstGeom prst="ellipse">
           <a:avLst/>
@@ -4171,8 +4171,8 @@
         </a:p>
       </dsp:txBody>
       <dsp:txXfrm>
-        <a:off x="522472" y="1217316"/>
-        <a:ext cx="594242" cy="594242"/>
+        <a:off x="442164" y="1709326"/>
+        <a:ext cx="835812" cy="835812"/>
       </dsp:txXfrm>
     </dsp:sp>
     <dsp:sp modelId="{3B71583B-661D-4613-ADFC-E305C849B56B}">
@@ -4182,8 +4182,8 @@
       </dsp:nvSpPr>
       <dsp:spPr>
         <a:xfrm rot="18000000">
-          <a:off x="1020177" y="831136"/>
-          <a:ext cx="224086" cy="283630"/>
+          <a:off x="1142276" y="1167696"/>
+          <a:ext cx="313240" cy="398931"/>
         </a:xfrm>
         <a:prstGeom prst="rightArrow">
           <a:avLst>
@@ -4224,7 +4224,7 @@
         </a:bodyPr>
         <a:lstStyle/>
         <a:p>
-          <a:pPr marL="0" lvl="0" indent="0" algn="ctr" defTabSz="533400">
+          <a:pPr marL="0" lvl="0" indent="0" algn="ctr" defTabSz="755650">
             <a:lnSpc>
               <a:spcPct val="90000"/>
             </a:lnSpc>
@@ -4236,12 +4236,12 @@
             </a:spcAft>
             <a:buNone/>
           </a:pPr>
-          <a:endParaRPr lang="zh-CN" altLang="en-US" sz="1200" kern="1200"/>
+          <a:endParaRPr lang="zh-CN" altLang="en-US" sz="1700" kern="1200"/>
         </a:p>
       </dsp:txBody>
       <dsp:txXfrm>
-        <a:off x="1036984" y="916972"/>
-        <a:ext cx="156860" cy="170178"/>
+        <a:off x="1165769" y="1288173"/>
+        <a:ext cx="219268" cy="239359"/>
       </dsp:txXfrm>
     </dsp:sp>
   </dsp:spTree>
@@ -4263,8 +4263,8 @@
       </dsp:nvSpPr>
       <dsp:spPr>
         <a:xfrm>
-          <a:off x="1378650" y="773"/>
-          <a:ext cx="746858" cy="746858"/>
+          <a:off x="1861310" y="1020"/>
+          <a:ext cx="1093505" cy="1093505"/>
         </a:xfrm>
         <a:prstGeom prst="ellipse">
           <a:avLst/>
@@ -4331,8 +4331,8 @@
         </a:p>
       </dsp:txBody>
       <dsp:txXfrm>
-        <a:off x="1488025" y="110148"/>
-        <a:ext cx="528108" cy="528108"/>
+        <a:off x="2021450" y="161160"/>
+        <a:ext cx="773225" cy="773225"/>
       </dsp:txXfrm>
     </dsp:sp>
     <dsp:sp modelId="{52E55E19-69D2-4D1C-B363-3C4909CCC72B}">
@@ -4342,8 +4342,8 @@
       </dsp:nvSpPr>
       <dsp:spPr>
         <a:xfrm rot="2700000">
-          <a:off x="2045302" y="640557"/>
-          <a:ext cx="198330" cy="252064"/>
+          <a:off x="2837543" y="938464"/>
+          <a:ext cx="291479" cy="369058"/>
         </a:xfrm>
         <a:prstGeom prst="rightArrow">
           <a:avLst>
@@ -4384,7 +4384,7 @@
         </a:bodyPr>
         <a:lstStyle/>
         <a:p>
-          <a:pPr marL="0" lvl="0" indent="0" algn="ctr" defTabSz="444500">
+          <a:pPr marL="0" lvl="0" indent="0" algn="ctr" defTabSz="666750">
             <a:lnSpc>
               <a:spcPct val="90000"/>
             </a:lnSpc>
@@ -4396,12 +4396,12 @@
             </a:spcAft>
             <a:buNone/>
           </a:pPr>
-          <a:endParaRPr lang="zh-CN" altLang="en-US" sz="1000" kern="1200"/>
+          <a:endParaRPr lang="zh-CN" altLang="en-US" sz="1500" kern="1200"/>
         </a:p>
       </dsp:txBody>
       <dsp:txXfrm>
-        <a:off x="2054015" y="669934"/>
-        <a:ext cx="138831" cy="151238"/>
+        <a:off x="2850349" y="981360"/>
+        <a:ext cx="204035" cy="221434"/>
       </dsp:txXfrm>
     </dsp:sp>
     <dsp:sp modelId="{C80CBCD6-935F-4654-A45F-406C4E316539}">
@@ -4411,8 +4411,8 @@
       </dsp:nvSpPr>
       <dsp:spPr>
         <a:xfrm>
-          <a:off x="2171365" y="793487"/>
-          <a:ext cx="746858" cy="746858"/>
+          <a:off x="3023417" y="1163127"/>
+          <a:ext cx="1093505" cy="1093505"/>
         </a:xfrm>
         <a:prstGeom prst="ellipse">
           <a:avLst/>
@@ -4479,8 +4479,8 @@
         </a:p>
       </dsp:txBody>
       <dsp:txXfrm>
-        <a:off x="2280740" y="902862"/>
-        <a:ext cx="528108" cy="528108"/>
+        <a:off x="3183557" y="1323267"/>
+        <a:ext cx="773225" cy="773225"/>
       </dsp:txXfrm>
     </dsp:sp>
     <dsp:sp modelId="{178F8BBE-DB73-450D-9F33-D6E0A109CC08}">
@@ -4490,8 +4490,8 @@
       </dsp:nvSpPr>
       <dsp:spPr>
         <a:xfrm rot="8100000">
-          <a:off x="2053240" y="1433272"/>
-          <a:ext cx="198330" cy="252064"/>
+          <a:off x="2849210" y="2100570"/>
+          <a:ext cx="291479" cy="369058"/>
         </a:xfrm>
         <a:prstGeom prst="rightArrow">
           <a:avLst>
@@ -4532,7 +4532,7 @@
         </a:bodyPr>
         <a:lstStyle/>
         <a:p>
-          <a:pPr marL="0" lvl="0" indent="0" algn="ctr" defTabSz="444500">
+          <a:pPr marL="0" lvl="0" indent="0" algn="ctr" defTabSz="666750">
             <a:lnSpc>
               <a:spcPct val="90000"/>
             </a:lnSpc>
@@ -4544,12 +4544,12 @@
             </a:spcAft>
             <a:buNone/>
           </a:pPr>
-          <a:endParaRPr lang="zh-CN" altLang="en-US" sz="1000" kern="1200"/>
+          <a:endParaRPr lang="zh-CN" altLang="en-US" sz="1500" kern="1200"/>
         </a:p>
       </dsp:txBody>
       <dsp:txXfrm rot="10800000">
-        <a:off x="2104026" y="1462649"/>
-        <a:ext cx="138831" cy="151238"/>
+        <a:off x="2923848" y="2143466"/>
+        <a:ext cx="204035" cy="221434"/>
       </dsp:txXfrm>
     </dsp:sp>
     <dsp:sp modelId="{0A8936A7-9CFC-4213-98F2-279C13C2F6A8}">
@@ -4559,8 +4559,8 @@
       </dsp:nvSpPr>
       <dsp:spPr>
         <a:xfrm>
-          <a:off x="1378650" y="1586201"/>
-          <a:ext cx="746858" cy="746858"/>
+          <a:off x="1861310" y="2325233"/>
+          <a:ext cx="1093505" cy="1093505"/>
         </a:xfrm>
         <a:prstGeom prst="ellipse">
           <a:avLst/>
@@ -4627,8 +4627,8 @@
         </a:p>
       </dsp:txBody>
       <dsp:txXfrm>
-        <a:off x="1488025" y="1695576"/>
-        <a:ext cx="528108" cy="528108"/>
+        <a:off x="2021450" y="2485373"/>
+        <a:ext cx="773225" cy="773225"/>
       </dsp:txXfrm>
     </dsp:sp>
     <dsp:sp modelId="{8CD79435-6823-44BA-B75B-7E970431E86B}">
@@ -4638,8 +4638,8 @@
       </dsp:nvSpPr>
       <dsp:spPr>
         <a:xfrm rot="13500000">
-          <a:off x="1260526" y="1441210"/>
-          <a:ext cx="198330" cy="252064"/>
+          <a:off x="1687103" y="2112237"/>
+          <a:ext cx="291479" cy="369058"/>
         </a:xfrm>
         <a:prstGeom prst="rightArrow">
           <a:avLst>
@@ -4680,7 +4680,7 @@
         </a:bodyPr>
         <a:lstStyle/>
         <a:p>
-          <a:pPr marL="0" lvl="0" indent="0" algn="ctr" defTabSz="444500">
+          <a:pPr marL="0" lvl="0" indent="0" algn="ctr" defTabSz="666750">
             <a:lnSpc>
               <a:spcPct val="90000"/>
             </a:lnSpc>
@@ -4692,12 +4692,12 @@
             </a:spcAft>
             <a:buNone/>
           </a:pPr>
-          <a:endParaRPr lang="zh-CN" altLang="en-US" sz="1000" kern="1200"/>
+          <a:endParaRPr lang="zh-CN" altLang="en-US" sz="1500" kern="1200"/>
         </a:p>
       </dsp:txBody>
       <dsp:txXfrm rot="10800000">
-        <a:off x="1311312" y="1512659"/>
-        <a:ext cx="138831" cy="151238"/>
+        <a:off x="1761741" y="2216965"/>
+        <a:ext cx="204035" cy="221434"/>
       </dsp:txXfrm>
     </dsp:sp>
     <dsp:sp modelId="{B3791B61-B6A6-4363-AC72-E93128C9705F}">
@@ -4707,8 +4707,8 @@
       </dsp:nvSpPr>
       <dsp:spPr>
         <a:xfrm>
-          <a:off x="585936" y="793487"/>
-          <a:ext cx="746858" cy="746858"/>
+          <a:off x="699204" y="1163127"/>
+          <a:ext cx="1093505" cy="1093505"/>
         </a:xfrm>
         <a:prstGeom prst="ellipse">
           <a:avLst/>
@@ -4775,8 +4775,8 @@
         </a:p>
       </dsp:txBody>
       <dsp:txXfrm>
-        <a:off x="695311" y="902862"/>
-        <a:ext cx="528108" cy="528108"/>
+        <a:off x="859344" y="1323267"/>
+        <a:ext cx="773225" cy="773225"/>
       </dsp:txXfrm>
     </dsp:sp>
     <dsp:sp modelId="{80006ED7-1218-46C4-9320-2C7F9874D8A3}">
@@ -4786,8 +4786,8 @@
       </dsp:nvSpPr>
       <dsp:spPr>
         <a:xfrm rot="18900000">
-          <a:off x="1252588" y="648496"/>
-          <a:ext cx="198330" cy="252064"/>
+          <a:off x="1675437" y="950130"/>
+          <a:ext cx="291479" cy="369058"/>
         </a:xfrm>
         <a:prstGeom prst="rightArrow">
           <a:avLst>
@@ -4828,7 +4828,7 @@
         </a:bodyPr>
         <a:lstStyle/>
         <a:p>
-          <a:pPr marL="0" lvl="0" indent="0" algn="ctr" defTabSz="444500">
+          <a:pPr marL="0" lvl="0" indent="0" algn="ctr" defTabSz="666750">
             <a:lnSpc>
               <a:spcPct val="90000"/>
             </a:lnSpc>
@@ -4840,12 +4840,12 @@
             </a:spcAft>
             <a:buNone/>
           </a:pPr>
-          <a:endParaRPr lang="zh-CN" altLang="en-US" sz="1000" kern="1200"/>
+          <a:endParaRPr lang="zh-CN" altLang="en-US" sz="1500" kern="1200"/>
         </a:p>
       </dsp:txBody>
       <dsp:txXfrm>
-        <a:off x="1261301" y="719945"/>
-        <a:ext cx="138831" cy="151238"/>
+        <a:off x="1688243" y="1054858"/>
+        <a:ext cx="204035" cy="221434"/>
       </dsp:txXfrm>
     </dsp:sp>
   </dsp:spTree>
@@ -13333,224 +13333,6 @@
           </a:p>
         </p:txBody>
       </p:sp>
-      <p:grpSp>
-        <p:nvGrpSpPr>
-          <p:cNvPr id="10" name="Gruppieren 9">
-            <a:extLst>
-              <a:ext uri="{FF2B5EF4-FFF2-40B4-BE49-F238E27FC236}">
-                <a16:creationId xmlns:a16="http://schemas.microsoft.com/office/drawing/2014/main" id="{B7E1329A-6886-4A91-BB43-580F9668F6A8}"/>
-              </a:ext>
-            </a:extLst>
-          </p:cNvPr>
-          <p:cNvGrpSpPr>
-            <a:grpSpLocks noChangeAspect="1"/>
-          </p:cNvGrpSpPr>
-          <p:nvPr/>
-        </p:nvGrpSpPr>
-        <p:grpSpPr>
-          <a:xfrm>
-            <a:off x="11178553" y="2431373"/>
-            <a:ext cx="528293" cy="2645076"/>
-            <a:chOff x="9900193" y="1530836"/>
-            <a:chExt cx="920569" cy="4609143"/>
-          </a:xfrm>
-        </p:grpSpPr>
-        <p:pic>
-          <p:nvPicPr>
-            <p:cNvPr id="11" name="Grafik 10" descr="Klemmbrett abgehakt">
-              <a:extLst>
-                <a:ext uri="{FF2B5EF4-FFF2-40B4-BE49-F238E27FC236}">
-                  <a16:creationId xmlns:a16="http://schemas.microsoft.com/office/drawing/2014/main" id="{A9431254-D4B4-40B6-AE85-BCF49175275E}"/>
-                </a:ext>
-              </a:extLst>
-            </p:cNvPr>
-            <p:cNvPicPr>
-              <a:picLocks noChangeAspect="1"/>
-            </p:cNvPicPr>
-            <p:nvPr/>
-          </p:nvPicPr>
-          <p:blipFill>
-            <a:blip r:embed="rId2">
-              <a:extLst>
-                <a:ext uri="{28A0092B-C50C-407E-A947-70E740481C1C}">
-                  <a14:useLocalDpi xmlns:a14="http://schemas.microsoft.com/office/drawing/2010/main" val="0"/>
-                </a:ext>
-                <a:ext uri="{96DAC541-7B7A-43D3-8B79-37D633B846F1}">
-                  <asvg:svgBlip xmlns:asvg="http://schemas.microsoft.com/office/drawing/2016/SVG/main" r:embed="rId3"/>
-                </a:ext>
-              </a:extLst>
-            </a:blip>
-            <a:stretch>
-              <a:fillRect/>
-            </a:stretch>
-          </p:blipFill>
-          <p:spPr>
-            <a:xfrm>
-              <a:off x="9900193" y="5225579"/>
-              <a:ext cx="914400" cy="914400"/>
-            </a:xfrm>
-            <a:prstGeom prst="rect">
-              <a:avLst/>
-            </a:prstGeom>
-          </p:spPr>
-        </p:pic>
-        <p:pic>
-          <p:nvPicPr>
-            <p:cNvPr id="12" name="Grafik 11" descr="Häkchen">
-              <a:extLst>
-                <a:ext uri="{FF2B5EF4-FFF2-40B4-BE49-F238E27FC236}">
-                  <a16:creationId xmlns:a16="http://schemas.microsoft.com/office/drawing/2014/main" id="{5107806B-8F20-4BC6-9C0E-652D04F676AB}"/>
-                </a:ext>
-              </a:extLst>
-            </p:cNvPr>
-            <p:cNvPicPr>
-              <a:picLocks noChangeAspect="1"/>
-            </p:cNvPicPr>
-            <p:nvPr/>
-          </p:nvPicPr>
-          <p:blipFill>
-            <a:blip r:embed="rId4">
-              <a:extLst>
-                <a:ext uri="{28A0092B-C50C-407E-A947-70E740481C1C}">
-                  <a14:useLocalDpi xmlns:a14="http://schemas.microsoft.com/office/drawing/2010/main" val="0"/>
-                </a:ext>
-                <a:ext uri="{96DAC541-7B7A-43D3-8B79-37D633B846F1}">
-                  <asvg:svgBlip xmlns:asvg="http://schemas.microsoft.com/office/drawing/2016/SVG/main" r:embed="rId5"/>
-                </a:ext>
-              </a:extLst>
-            </a:blip>
-            <a:stretch>
-              <a:fillRect/>
-            </a:stretch>
-          </p:blipFill>
-          <p:spPr>
-            <a:xfrm>
-              <a:off x="9906362" y="1530836"/>
-              <a:ext cx="914400" cy="914400"/>
-            </a:xfrm>
-            <a:prstGeom prst="rect">
-              <a:avLst/>
-            </a:prstGeom>
-          </p:spPr>
-        </p:pic>
-        <p:pic>
-          <p:nvPicPr>
-            <p:cNvPr id="13" name="Grafik 12" descr="Gehirn">
-              <a:extLst>
-                <a:ext uri="{FF2B5EF4-FFF2-40B4-BE49-F238E27FC236}">
-                  <a16:creationId xmlns:a16="http://schemas.microsoft.com/office/drawing/2014/main" id="{63100608-3265-44B6-8F00-AB936254C45E}"/>
-                </a:ext>
-              </a:extLst>
-            </p:cNvPr>
-            <p:cNvPicPr>
-              <a:picLocks noChangeAspect="1"/>
-            </p:cNvPicPr>
-            <p:nvPr/>
-          </p:nvPicPr>
-          <p:blipFill>
-            <a:blip r:embed="rId6">
-              <a:extLst>
-                <a:ext uri="{28A0092B-C50C-407E-A947-70E740481C1C}">
-                  <a14:useLocalDpi xmlns:a14="http://schemas.microsoft.com/office/drawing/2010/main" val="0"/>
-                </a:ext>
-                <a:ext uri="{96DAC541-7B7A-43D3-8B79-37D633B846F1}">
-                  <asvg:svgBlip xmlns:asvg="http://schemas.microsoft.com/office/drawing/2016/SVG/main" r:embed="rId7"/>
-                </a:ext>
-              </a:extLst>
-            </a:blip>
-            <a:stretch>
-              <a:fillRect/>
-            </a:stretch>
-          </p:blipFill>
-          <p:spPr>
-            <a:xfrm>
-              <a:off x="9900193" y="3375461"/>
-              <a:ext cx="914400" cy="914400"/>
-            </a:xfrm>
-            <a:prstGeom prst="rect">
-              <a:avLst/>
-            </a:prstGeom>
-          </p:spPr>
-        </p:pic>
-        <p:pic>
-          <p:nvPicPr>
-            <p:cNvPr id="14" name="Grafik 13" descr="Einhorn">
-              <a:extLst>
-                <a:ext uri="{FF2B5EF4-FFF2-40B4-BE49-F238E27FC236}">
-                  <a16:creationId xmlns:a16="http://schemas.microsoft.com/office/drawing/2014/main" id="{793928EC-1DDB-471A-900C-D86B5DD996F2}"/>
-                </a:ext>
-              </a:extLst>
-            </p:cNvPr>
-            <p:cNvPicPr>
-              <a:picLocks noChangeAspect="1"/>
-            </p:cNvPicPr>
-            <p:nvPr/>
-          </p:nvPicPr>
-          <p:blipFill>
-            <a:blip r:embed="rId8">
-              <a:extLst>
-                <a:ext uri="{28A0092B-C50C-407E-A947-70E740481C1C}">
-                  <a14:useLocalDpi xmlns:a14="http://schemas.microsoft.com/office/drawing/2010/main" val="0"/>
-                </a:ext>
-                <a:ext uri="{96DAC541-7B7A-43D3-8B79-37D633B846F1}">
-                  <asvg:svgBlip xmlns:asvg="http://schemas.microsoft.com/office/drawing/2016/SVG/main" r:embed="rId9"/>
-                </a:ext>
-              </a:extLst>
-            </a:blip>
-            <a:stretch>
-              <a:fillRect/>
-            </a:stretch>
-          </p:blipFill>
-          <p:spPr>
-            <a:xfrm>
-              <a:off x="9900193" y="4298238"/>
-              <a:ext cx="914400" cy="914400"/>
-            </a:xfrm>
-            <a:prstGeom prst="rect">
-              <a:avLst/>
-            </a:prstGeom>
-          </p:spPr>
-        </p:pic>
-        <p:pic>
-          <p:nvPicPr>
-            <p:cNvPr id="15" name="Grafik 14" descr="Hierarchie">
-              <a:extLst>
-                <a:ext uri="{FF2B5EF4-FFF2-40B4-BE49-F238E27FC236}">
-                  <a16:creationId xmlns:a16="http://schemas.microsoft.com/office/drawing/2014/main" id="{C4E0777E-47E6-4E82-82B6-36FD53560989}"/>
-                </a:ext>
-              </a:extLst>
-            </p:cNvPr>
-            <p:cNvPicPr>
-              <a:picLocks noChangeAspect="1"/>
-            </p:cNvPicPr>
-            <p:nvPr/>
-          </p:nvPicPr>
-          <p:blipFill>
-            <a:blip r:embed="rId10">
-              <a:extLst>
-                <a:ext uri="{28A0092B-C50C-407E-A947-70E740481C1C}">
-                  <a14:useLocalDpi xmlns:a14="http://schemas.microsoft.com/office/drawing/2010/main" val="0"/>
-                </a:ext>
-                <a:ext uri="{96DAC541-7B7A-43D3-8B79-37D633B846F1}">
-                  <asvg:svgBlip xmlns:asvg="http://schemas.microsoft.com/office/drawing/2016/SVG/main" r:embed="rId11"/>
-                </a:ext>
-              </a:extLst>
-            </a:blip>
-            <a:stretch>
-              <a:fillRect/>
-            </a:stretch>
-          </p:blipFill>
-          <p:spPr>
-            <a:xfrm>
-              <a:off x="9900193" y="2464538"/>
-              <a:ext cx="914400" cy="914400"/>
-            </a:xfrm>
-            <a:prstGeom prst="rect">
-              <a:avLst/>
-            </a:prstGeom>
-          </p:spPr>
-        </p:pic>
-      </p:grpSp>
       <p:pic>
         <p:nvPicPr>
           <p:cNvPr id="3" name="Grafik 2" descr="Ein Bild, das Screenshot enthält.&#10;&#10;Automatisch generierte Beschreibung">
@@ -13566,7 +13348,7 @@
           <p:nvPr/>
         </p:nvPicPr>
         <p:blipFill rotWithShape="1">
-          <a:blip r:embed="rId12">
+          <a:blip r:embed="rId2">
             <a:extLst>
               <a:ext uri="{28A0092B-C50C-407E-A947-70E740481C1C}">
                 <a14:useLocalDpi xmlns:a14="http://schemas.microsoft.com/office/drawing/2010/main" val="0"/>
@@ -13586,6 +13368,224 @@
           </a:prstGeom>
         </p:spPr>
       </p:pic>
+      <p:grpSp>
+        <p:nvGrpSpPr>
+          <p:cNvPr id="22" name="Gruppieren 9">
+            <a:extLst>
+              <a:ext uri="{FF2B5EF4-FFF2-40B4-BE49-F238E27FC236}">
+                <a16:creationId xmlns:a16="http://schemas.microsoft.com/office/drawing/2014/main" id="{3EF9DFA6-4C40-4925-BD80-8C5A6DD2D5F3}"/>
+              </a:ext>
+            </a:extLst>
+          </p:cNvPr>
+          <p:cNvGrpSpPr>
+            <a:grpSpLocks noChangeAspect="1"/>
+          </p:cNvGrpSpPr>
+          <p:nvPr/>
+        </p:nvGrpSpPr>
+        <p:grpSpPr>
+          <a:xfrm>
+            <a:off x="11178553" y="2431373"/>
+            <a:ext cx="528293" cy="2645076"/>
+            <a:chOff x="9900193" y="1530836"/>
+            <a:chExt cx="920569" cy="4609143"/>
+          </a:xfrm>
+        </p:grpSpPr>
+        <p:pic>
+          <p:nvPicPr>
+            <p:cNvPr id="23" name="Grafik 10" descr="Klemmbrett abgehakt">
+              <a:extLst>
+                <a:ext uri="{FF2B5EF4-FFF2-40B4-BE49-F238E27FC236}">
+                  <a16:creationId xmlns:a16="http://schemas.microsoft.com/office/drawing/2014/main" id="{85D54133-EE60-49B6-84B8-29ADE722EB79}"/>
+                </a:ext>
+              </a:extLst>
+            </p:cNvPr>
+            <p:cNvPicPr>
+              <a:picLocks noChangeAspect="1"/>
+            </p:cNvPicPr>
+            <p:nvPr/>
+          </p:nvPicPr>
+          <p:blipFill>
+            <a:blip r:embed="rId3">
+              <a:extLst>
+                <a:ext uri="{28A0092B-C50C-407E-A947-70E740481C1C}">
+                  <a14:useLocalDpi xmlns:a14="http://schemas.microsoft.com/office/drawing/2010/main" val="0"/>
+                </a:ext>
+                <a:ext uri="{96DAC541-7B7A-43D3-8B79-37D633B846F1}">
+                  <asvg:svgBlip xmlns:asvg="http://schemas.microsoft.com/office/drawing/2016/SVG/main" r:embed="rId4"/>
+                </a:ext>
+              </a:extLst>
+            </a:blip>
+            <a:stretch>
+              <a:fillRect/>
+            </a:stretch>
+          </p:blipFill>
+          <p:spPr>
+            <a:xfrm>
+              <a:off x="9900193" y="5225579"/>
+              <a:ext cx="914400" cy="914400"/>
+            </a:xfrm>
+            <a:prstGeom prst="rect">
+              <a:avLst/>
+            </a:prstGeom>
+          </p:spPr>
+        </p:pic>
+        <p:pic>
+          <p:nvPicPr>
+            <p:cNvPr id="24" name="Grafik 11" descr="Häkchen">
+              <a:extLst>
+                <a:ext uri="{FF2B5EF4-FFF2-40B4-BE49-F238E27FC236}">
+                  <a16:creationId xmlns:a16="http://schemas.microsoft.com/office/drawing/2014/main" id="{2BCE13A0-71FD-4517-83EC-6DF523B8D267}"/>
+                </a:ext>
+              </a:extLst>
+            </p:cNvPr>
+            <p:cNvPicPr>
+              <a:picLocks noChangeAspect="1"/>
+            </p:cNvPicPr>
+            <p:nvPr/>
+          </p:nvPicPr>
+          <p:blipFill>
+            <a:blip r:embed="rId5">
+              <a:extLst>
+                <a:ext uri="{28A0092B-C50C-407E-A947-70E740481C1C}">
+                  <a14:useLocalDpi xmlns:a14="http://schemas.microsoft.com/office/drawing/2010/main" val="0"/>
+                </a:ext>
+                <a:ext uri="{96DAC541-7B7A-43D3-8B79-37D633B846F1}">
+                  <asvg:svgBlip xmlns:asvg="http://schemas.microsoft.com/office/drawing/2016/SVG/main" r:embed="rId6"/>
+                </a:ext>
+              </a:extLst>
+            </a:blip>
+            <a:stretch>
+              <a:fillRect/>
+            </a:stretch>
+          </p:blipFill>
+          <p:spPr>
+            <a:xfrm>
+              <a:off x="9906362" y="1530836"/>
+              <a:ext cx="914400" cy="914400"/>
+            </a:xfrm>
+            <a:prstGeom prst="rect">
+              <a:avLst/>
+            </a:prstGeom>
+          </p:spPr>
+        </p:pic>
+        <p:pic>
+          <p:nvPicPr>
+            <p:cNvPr id="25" name="Grafik 12" descr="Gehirn">
+              <a:extLst>
+                <a:ext uri="{FF2B5EF4-FFF2-40B4-BE49-F238E27FC236}">
+                  <a16:creationId xmlns:a16="http://schemas.microsoft.com/office/drawing/2014/main" id="{F6CE49D7-6F8F-4377-9BDE-4B8106B0B369}"/>
+                </a:ext>
+              </a:extLst>
+            </p:cNvPr>
+            <p:cNvPicPr>
+              <a:picLocks noChangeAspect="1"/>
+            </p:cNvPicPr>
+            <p:nvPr/>
+          </p:nvPicPr>
+          <p:blipFill>
+            <a:blip r:embed="rId7">
+              <a:extLst>
+                <a:ext uri="{28A0092B-C50C-407E-A947-70E740481C1C}">
+                  <a14:useLocalDpi xmlns:a14="http://schemas.microsoft.com/office/drawing/2010/main" val="0"/>
+                </a:ext>
+                <a:ext uri="{96DAC541-7B7A-43D3-8B79-37D633B846F1}">
+                  <asvg:svgBlip xmlns:asvg="http://schemas.microsoft.com/office/drawing/2016/SVG/main" r:embed="rId8"/>
+                </a:ext>
+              </a:extLst>
+            </a:blip>
+            <a:stretch>
+              <a:fillRect/>
+            </a:stretch>
+          </p:blipFill>
+          <p:spPr>
+            <a:xfrm>
+              <a:off x="9900193" y="3375461"/>
+              <a:ext cx="914400" cy="914400"/>
+            </a:xfrm>
+            <a:prstGeom prst="rect">
+              <a:avLst/>
+            </a:prstGeom>
+          </p:spPr>
+        </p:pic>
+        <p:pic>
+          <p:nvPicPr>
+            <p:cNvPr id="26" name="Grafik 13" descr="Einhorn">
+              <a:extLst>
+                <a:ext uri="{FF2B5EF4-FFF2-40B4-BE49-F238E27FC236}">
+                  <a16:creationId xmlns:a16="http://schemas.microsoft.com/office/drawing/2014/main" id="{856858BF-7714-4567-AFF2-7824BD37C7BA}"/>
+                </a:ext>
+              </a:extLst>
+            </p:cNvPr>
+            <p:cNvPicPr>
+              <a:picLocks noChangeAspect="1"/>
+            </p:cNvPicPr>
+            <p:nvPr/>
+          </p:nvPicPr>
+          <p:blipFill>
+            <a:blip r:embed="rId9">
+              <a:extLst>
+                <a:ext uri="{28A0092B-C50C-407E-A947-70E740481C1C}">
+                  <a14:useLocalDpi xmlns:a14="http://schemas.microsoft.com/office/drawing/2010/main" val="0"/>
+                </a:ext>
+                <a:ext uri="{96DAC541-7B7A-43D3-8B79-37D633B846F1}">
+                  <asvg:svgBlip xmlns:asvg="http://schemas.microsoft.com/office/drawing/2016/SVG/main" r:embed="rId10"/>
+                </a:ext>
+              </a:extLst>
+            </a:blip>
+            <a:stretch>
+              <a:fillRect/>
+            </a:stretch>
+          </p:blipFill>
+          <p:spPr>
+            <a:xfrm>
+              <a:off x="9900193" y="4298238"/>
+              <a:ext cx="914400" cy="914400"/>
+            </a:xfrm>
+            <a:prstGeom prst="rect">
+              <a:avLst/>
+            </a:prstGeom>
+          </p:spPr>
+        </p:pic>
+        <p:pic>
+          <p:nvPicPr>
+            <p:cNvPr id="27" name="Grafik 14" descr="Hierarchie">
+              <a:extLst>
+                <a:ext uri="{FF2B5EF4-FFF2-40B4-BE49-F238E27FC236}">
+                  <a16:creationId xmlns:a16="http://schemas.microsoft.com/office/drawing/2014/main" id="{0499202C-208D-46CF-96F2-DA9110E4AA2A}"/>
+                </a:ext>
+              </a:extLst>
+            </p:cNvPr>
+            <p:cNvPicPr>
+              <a:picLocks noChangeAspect="1"/>
+            </p:cNvPicPr>
+            <p:nvPr/>
+          </p:nvPicPr>
+          <p:blipFill>
+            <a:blip r:embed="rId11">
+              <a:extLst>
+                <a:ext uri="{28A0092B-C50C-407E-A947-70E740481C1C}">
+                  <a14:useLocalDpi xmlns:a14="http://schemas.microsoft.com/office/drawing/2010/main" val="0"/>
+                </a:ext>
+                <a:ext uri="{96DAC541-7B7A-43D3-8B79-37D633B846F1}">
+                  <asvg:svgBlip xmlns:asvg="http://schemas.microsoft.com/office/drawing/2016/SVG/main" r:embed="rId12"/>
+                </a:ext>
+              </a:extLst>
+            </a:blip>
+            <a:stretch>
+              <a:fillRect/>
+            </a:stretch>
+          </p:blipFill>
+          <p:spPr>
+            <a:xfrm>
+              <a:off x="9900193" y="2464538"/>
+              <a:ext cx="914400" cy="914400"/>
+            </a:xfrm>
+            <a:prstGeom prst="rect">
+              <a:avLst/>
+            </a:prstGeom>
+          </p:spPr>
+        </p:pic>
+      </p:grpSp>
     </p:spTree>
     <p:extLst>
       <p:ext uri="{BB962C8B-B14F-4D97-AF65-F5344CB8AC3E}">
@@ -13723,224 +13723,6 @@
           </a:p>
         </p:txBody>
       </p:sp>
-      <p:grpSp>
-        <p:nvGrpSpPr>
-          <p:cNvPr id="10" name="Gruppieren 9">
-            <a:extLst>
-              <a:ext uri="{FF2B5EF4-FFF2-40B4-BE49-F238E27FC236}">
-                <a16:creationId xmlns:a16="http://schemas.microsoft.com/office/drawing/2014/main" id="{B7E1329A-6886-4A91-BB43-580F9668F6A8}"/>
-              </a:ext>
-            </a:extLst>
-          </p:cNvPr>
-          <p:cNvGrpSpPr>
-            <a:grpSpLocks noChangeAspect="1"/>
-          </p:cNvGrpSpPr>
-          <p:nvPr/>
-        </p:nvGrpSpPr>
-        <p:grpSpPr>
-          <a:xfrm>
-            <a:off x="11178553" y="2431373"/>
-            <a:ext cx="528293" cy="2645076"/>
-            <a:chOff x="9900193" y="1530836"/>
-            <a:chExt cx="920569" cy="4609143"/>
-          </a:xfrm>
-        </p:grpSpPr>
-        <p:pic>
-          <p:nvPicPr>
-            <p:cNvPr id="11" name="Grafik 10" descr="Klemmbrett abgehakt">
-              <a:extLst>
-                <a:ext uri="{FF2B5EF4-FFF2-40B4-BE49-F238E27FC236}">
-                  <a16:creationId xmlns:a16="http://schemas.microsoft.com/office/drawing/2014/main" id="{A9431254-D4B4-40B6-AE85-BCF49175275E}"/>
-                </a:ext>
-              </a:extLst>
-            </p:cNvPr>
-            <p:cNvPicPr>
-              <a:picLocks noChangeAspect="1"/>
-            </p:cNvPicPr>
-            <p:nvPr/>
-          </p:nvPicPr>
-          <p:blipFill>
-            <a:blip r:embed="rId2">
-              <a:extLst>
-                <a:ext uri="{28A0092B-C50C-407E-A947-70E740481C1C}">
-                  <a14:useLocalDpi xmlns:a14="http://schemas.microsoft.com/office/drawing/2010/main" val="0"/>
-                </a:ext>
-                <a:ext uri="{96DAC541-7B7A-43D3-8B79-37D633B846F1}">
-                  <asvg:svgBlip xmlns:asvg="http://schemas.microsoft.com/office/drawing/2016/SVG/main" r:embed="rId3"/>
-                </a:ext>
-              </a:extLst>
-            </a:blip>
-            <a:stretch>
-              <a:fillRect/>
-            </a:stretch>
-          </p:blipFill>
-          <p:spPr>
-            <a:xfrm>
-              <a:off x="9900193" y="5225579"/>
-              <a:ext cx="914400" cy="914400"/>
-            </a:xfrm>
-            <a:prstGeom prst="rect">
-              <a:avLst/>
-            </a:prstGeom>
-          </p:spPr>
-        </p:pic>
-        <p:pic>
-          <p:nvPicPr>
-            <p:cNvPr id="12" name="Grafik 11" descr="Häkchen">
-              <a:extLst>
-                <a:ext uri="{FF2B5EF4-FFF2-40B4-BE49-F238E27FC236}">
-                  <a16:creationId xmlns:a16="http://schemas.microsoft.com/office/drawing/2014/main" id="{5107806B-8F20-4BC6-9C0E-652D04F676AB}"/>
-                </a:ext>
-              </a:extLst>
-            </p:cNvPr>
-            <p:cNvPicPr>
-              <a:picLocks noChangeAspect="1"/>
-            </p:cNvPicPr>
-            <p:nvPr/>
-          </p:nvPicPr>
-          <p:blipFill>
-            <a:blip r:embed="rId4">
-              <a:extLst>
-                <a:ext uri="{28A0092B-C50C-407E-A947-70E740481C1C}">
-                  <a14:useLocalDpi xmlns:a14="http://schemas.microsoft.com/office/drawing/2010/main" val="0"/>
-                </a:ext>
-                <a:ext uri="{96DAC541-7B7A-43D3-8B79-37D633B846F1}">
-                  <asvg:svgBlip xmlns:asvg="http://schemas.microsoft.com/office/drawing/2016/SVG/main" r:embed="rId5"/>
-                </a:ext>
-              </a:extLst>
-            </a:blip>
-            <a:stretch>
-              <a:fillRect/>
-            </a:stretch>
-          </p:blipFill>
-          <p:spPr>
-            <a:xfrm>
-              <a:off x="9906362" y="1530836"/>
-              <a:ext cx="914400" cy="914400"/>
-            </a:xfrm>
-            <a:prstGeom prst="rect">
-              <a:avLst/>
-            </a:prstGeom>
-          </p:spPr>
-        </p:pic>
-        <p:pic>
-          <p:nvPicPr>
-            <p:cNvPr id="13" name="Grafik 12" descr="Gehirn">
-              <a:extLst>
-                <a:ext uri="{FF2B5EF4-FFF2-40B4-BE49-F238E27FC236}">
-                  <a16:creationId xmlns:a16="http://schemas.microsoft.com/office/drawing/2014/main" id="{63100608-3265-44B6-8F00-AB936254C45E}"/>
-                </a:ext>
-              </a:extLst>
-            </p:cNvPr>
-            <p:cNvPicPr>
-              <a:picLocks noChangeAspect="1"/>
-            </p:cNvPicPr>
-            <p:nvPr/>
-          </p:nvPicPr>
-          <p:blipFill>
-            <a:blip r:embed="rId6">
-              <a:extLst>
-                <a:ext uri="{28A0092B-C50C-407E-A947-70E740481C1C}">
-                  <a14:useLocalDpi xmlns:a14="http://schemas.microsoft.com/office/drawing/2010/main" val="0"/>
-                </a:ext>
-                <a:ext uri="{96DAC541-7B7A-43D3-8B79-37D633B846F1}">
-                  <asvg:svgBlip xmlns:asvg="http://schemas.microsoft.com/office/drawing/2016/SVG/main" r:embed="rId7"/>
-                </a:ext>
-              </a:extLst>
-            </a:blip>
-            <a:stretch>
-              <a:fillRect/>
-            </a:stretch>
-          </p:blipFill>
-          <p:spPr>
-            <a:xfrm>
-              <a:off x="9900193" y="3375461"/>
-              <a:ext cx="914400" cy="914400"/>
-            </a:xfrm>
-            <a:prstGeom prst="rect">
-              <a:avLst/>
-            </a:prstGeom>
-          </p:spPr>
-        </p:pic>
-        <p:pic>
-          <p:nvPicPr>
-            <p:cNvPr id="14" name="Grafik 13" descr="Einhorn">
-              <a:extLst>
-                <a:ext uri="{FF2B5EF4-FFF2-40B4-BE49-F238E27FC236}">
-                  <a16:creationId xmlns:a16="http://schemas.microsoft.com/office/drawing/2014/main" id="{793928EC-1DDB-471A-900C-D86B5DD996F2}"/>
-                </a:ext>
-              </a:extLst>
-            </p:cNvPr>
-            <p:cNvPicPr>
-              <a:picLocks noChangeAspect="1"/>
-            </p:cNvPicPr>
-            <p:nvPr/>
-          </p:nvPicPr>
-          <p:blipFill>
-            <a:blip r:embed="rId8">
-              <a:extLst>
-                <a:ext uri="{28A0092B-C50C-407E-A947-70E740481C1C}">
-                  <a14:useLocalDpi xmlns:a14="http://schemas.microsoft.com/office/drawing/2010/main" val="0"/>
-                </a:ext>
-                <a:ext uri="{96DAC541-7B7A-43D3-8B79-37D633B846F1}">
-                  <asvg:svgBlip xmlns:asvg="http://schemas.microsoft.com/office/drawing/2016/SVG/main" r:embed="rId9"/>
-                </a:ext>
-              </a:extLst>
-            </a:blip>
-            <a:stretch>
-              <a:fillRect/>
-            </a:stretch>
-          </p:blipFill>
-          <p:spPr>
-            <a:xfrm>
-              <a:off x="9900193" y="4298238"/>
-              <a:ext cx="914400" cy="914400"/>
-            </a:xfrm>
-            <a:prstGeom prst="rect">
-              <a:avLst/>
-            </a:prstGeom>
-          </p:spPr>
-        </p:pic>
-        <p:pic>
-          <p:nvPicPr>
-            <p:cNvPr id="15" name="Grafik 14" descr="Hierarchie">
-              <a:extLst>
-                <a:ext uri="{FF2B5EF4-FFF2-40B4-BE49-F238E27FC236}">
-                  <a16:creationId xmlns:a16="http://schemas.microsoft.com/office/drawing/2014/main" id="{C4E0777E-47E6-4E82-82B6-36FD53560989}"/>
-                </a:ext>
-              </a:extLst>
-            </p:cNvPr>
-            <p:cNvPicPr>
-              <a:picLocks noChangeAspect="1"/>
-            </p:cNvPicPr>
-            <p:nvPr/>
-          </p:nvPicPr>
-          <p:blipFill>
-            <a:blip r:embed="rId10">
-              <a:extLst>
-                <a:ext uri="{28A0092B-C50C-407E-A947-70E740481C1C}">
-                  <a14:useLocalDpi xmlns:a14="http://schemas.microsoft.com/office/drawing/2010/main" val="0"/>
-                </a:ext>
-                <a:ext uri="{96DAC541-7B7A-43D3-8B79-37D633B846F1}">
-                  <asvg:svgBlip xmlns:asvg="http://schemas.microsoft.com/office/drawing/2016/SVG/main" r:embed="rId11"/>
-                </a:ext>
-              </a:extLst>
-            </a:blip>
-            <a:stretch>
-              <a:fillRect/>
-            </a:stretch>
-          </p:blipFill>
-          <p:spPr>
-            <a:xfrm>
-              <a:off x="9900193" y="2464538"/>
-              <a:ext cx="914400" cy="914400"/>
-            </a:xfrm>
-            <a:prstGeom prst="rect">
-              <a:avLst/>
-            </a:prstGeom>
-          </p:spPr>
-        </p:pic>
-      </p:grpSp>
       <p:pic>
         <p:nvPicPr>
           <p:cNvPr id="6" name="Grafik 5" descr="Ein Bild, das Screenshot enthält.&#10;&#10;Automatisch generierte Beschreibung">
@@ -13956,7 +13738,7 @@
           <p:nvPr/>
         </p:nvPicPr>
         <p:blipFill>
-          <a:blip r:embed="rId12">
+          <a:blip r:embed="rId2">
             <a:extLst>
               <a:ext uri="{28A0092B-C50C-407E-A947-70E740481C1C}">
                 <a14:useLocalDpi xmlns:a14="http://schemas.microsoft.com/office/drawing/2010/main" val="0"/>
@@ -13977,6 +13759,224 @@
           </a:prstGeom>
         </p:spPr>
       </p:pic>
+      <p:grpSp>
+        <p:nvGrpSpPr>
+          <p:cNvPr id="22" name="Gruppieren 9">
+            <a:extLst>
+              <a:ext uri="{FF2B5EF4-FFF2-40B4-BE49-F238E27FC236}">
+                <a16:creationId xmlns:a16="http://schemas.microsoft.com/office/drawing/2014/main" id="{B4F05A75-9743-4B39-9DFB-4B32688B30C0}"/>
+              </a:ext>
+            </a:extLst>
+          </p:cNvPr>
+          <p:cNvGrpSpPr>
+            <a:grpSpLocks noChangeAspect="1"/>
+          </p:cNvGrpSpPr>
+          <p:nvPr/>
+        </p:nvGrpSpPr>
+        <p:grpSpPr>
+          <a:xfrm>
+            <a:off x="11178553" y="2431373"/>
+            <a:ext cx="528293" cy="2645076"/>
+            <a:chOff x="9900193" y="1530836"/>
+            <a:chExt cx="920569" cy="4609143"/>
+          </a:xfrm>
+        </p:grpSpPr>
+        <p:pic>
+          <p:nvPicPr>
+            <p:cNvPr id="23" name="Grafik 10" descr="Klemmbrett abgehakt">
+              <a:extLst>
+                <a:ext uri="{FF2B5EF4-FFF2-40B4-BE49-F238E27FC236}">
+                  <a16:creationId xmlns:a16="http://schemas.microsoft.com/office/drawing/2014/main" id="{B17AC7D0-7F57-498F-A957-2334DCC443EE}"/>
+                </a:ext>
+              </a:extLst>
+            </p:cNvPr>
+            <p:cNvPicPr>
+              <a:picLocks noChangeAspect="1"/>
+            </p:cNvPicPr>
+            <p:nvPr/>
+          </p:nvPicPr>
+          <p:blipFill>
+            <a:blip r:embed="rId3">
+              <a:extLst>
+                <a:ext uri="{28A0092B-C50C-407E-A947-70E740481C1C}">
+                  <a14:useLocalDpi xmlns:a14="http://schemas.microsoft.com/office/drawing/2010/main" val="0"/>
+                </a:ext>
+                <a:ext uri="{96DAC541-7B7A-43D3-8B79-37D633B846F1}">
+                  <asvg:svgBlip xmlns:asvg="http://schemas.microsoft.com/office/drawing/2016/SVG/main" r:embed="rId4"/>
+                </a:ext>
+              </a:extLst>
+            </a:blip>
+            <a:stretch>
+              <a:fillRect/>
+            </a:stretch>
+          </p:blipFill>
+          <p:spPr>
+            <a:xfrm>
+              <a:off x="9900193" y="5225579"/>
+              <a:ext cx="914400" cy="914400"/>
+            </a:xfrm>
+            <a:prstGeom prst="rect">
+              <a:avLst/>
+            </a:prstGeom>
+          </p:spPr>
+        </p:pic>
+        <p:pic>
+          <p:nvPicPr>
+            <p:cNvPr id="24" name="Grafik 11" descr="Häkchen">
+              <a:extLst>
+                <a:ext uri="{FF2B5EF4-FFF2-40B4-BE49-F238E27FC236}">
+                  <a16:creationId xmlns:a16="http://schemas.microsoft.com/office/drawing/2014/main" id="{A531DF64-BD98-4B2E-A229-C9B29549FABB}"/>
+                </a:ext>
+              </a:extLst>
+            </p:cNvPr>
+            <p:cNvPicPr>
+              <a:picLocks noChangeAspect="1"/>
+            </p:cNvPicPr>
+            <p:nvPr/>
+          </p:nvPicPr>
+          <p:blipFill>
+            <a:blip r:embed="rId5">
+              <a:extLst>
+                <a:ext uri="{28A0092B-C50C-407E-A947-70E740481C1C}">
+                  <a14:useLocalDpi xmlns:a14="http://schemas.microsoft.com/office/drawing/2010/main" val="0"/>
+                </a:ext>
+                <a:ext uri="{96DAC541-7B7A-43D3-8B79-37D633B846F1}">
+                  <asvg:svgBlip xmlns:asvg="http://schemas.microsoft.com/office/drawing/2016/SVG/main" r:embed="rId6"/>
+                </a:ext>
+              </a:extLst>
+            </a:blip>
+            <a:stretch>
+              <a:fillRect/>
+            </a:stretch>
+          </p:blipFill>
+          <p:spPr>
+            <a:xfrm>
+              <a:off x="9906362" y="1530836"/>
+              <a:ext cx="914400" cy="914400"/>
+            </a:xfrm>
+            <a:prstGeom prst="rect">
+              <a:avLst/>
+            </a:prstGeom>
+          </p:spPr>
+        </p:pic>
+        <p:pic>
+          <p:nvPicPr>
+            <p:cNvPr id="25" name="Grafik 12" descr="Gehirn">
+              <a:extLst>
+                <a:ext uri="{FF2B5EF4-FFF2-40B4-BE49-F238E27FC236}">
+                  <a16:creationId xmlns:a16="http://schemas.microsoft.com/office/drawing/2014/main" id="{CE9920A3-D2FC-44FD-8FE9-F5914C3E90CC}"/>
+                </a:ext>
+              </a:extLst>
+            </p:cNvPr>
+            <p:cNvPicPr>
+              <a:picLocks noChangeAspect="1"/>
+            </p:cNvPicPr>
+            <p:nvPr/>
+          </p:nvPicPr>
+          <p:blipFill>
+            <a:blip r:embed="rId7">
+              <a:extLst>
+                <a:ext uri="{28A0092B-C50C-407E-A947-70E740481C1C}">
+                  <a14:useLocalDpi xmlns:a14="http://schemas.microsoft.com/office/drawing/2010/main" val="0"/>
+                </a:ext>
+                <a:ext uri="{96DAC541-7B7A-43D3-8B79-37D633B846F1}">
+                  <asvg:svgBlip xmlns:asvg="http://schemas.microsoft.com/office/drawing/2016/SVG/main" r:embed="rId8"/>
+                </a:ext>
+              </a:extLst>
+            </a:blip>
+            <a:stretch>
+              <a:fillRect/>
+            </a:stretch>
+          </p:blipFill>
+          <p:spPr>
+            <a:xfrm>
+              <a:off x="9900193" y="3375461"/>
+              <a:ext cx="914400" cy="914400"/>
+            </a:xfrm>
+            <a:prstGeom prst="rect">
+              <a:avLst/>
+            </a:prstGeom>
+          </p:spPr>
+        </p:pic>
+        <p:pic>
+          <p:nvPicPr>
+            <p:cNvPr id="26" name="Grafik 13" descr="Einhorn">
+              <a:extLst>
+                <a:ext uri="{FF2B5EF4-FFF2-40B4-BE49-F238E27FC236}">
+                  <a16:creationId xmlns:a16="http://schemas.microsoft.com/office/drawing/2014/main" id="{E5520641-59B1-446C-9BEA-387FDD0CF634}"/>
+                </a:ext>
+              </a:extLst>
+            </p:cNvPr>
+            <p:cNvPicPr>
+              <a:picLocks noChangeAspect="1"/>
+            </p:cNvPicPr>
+            <p:nvPr/>
+          </p:nvPicPr>
+          <p:blipFill>
+            <a:blip r:embed="rId9">
+              <a:extLst>
+                <a:ext uri="{28A0092B-C50C-407E-A947-70E740481C1C}">
+                  <a14:useLocalDpi xmlns:a14="http://schemas.microsoft.com/office/drawing/2010/main" val="0"/>
+                </a:ext>
+                <a:ext uri="{96DAC541-7B7A-43D3-8B79-37D633B846F1}">
+                  <asvg:svgBlip xmlns:asvg="http://schemas.microsoft.com/office/drawing/2016/SVG/main" r:embed="rId10"/>
+                </a:ext>
+              </a:extLst>
+            </a:blip>
+            <a:stretch>
+              <a:fillRect/>
+            </a:stretch>
+          </p:blipFill>
+          <p:spPr>
+            <a:xfrm>
+              <a:off x="9900193" y="4298238"/>
+              <a:ext cx="914400" cy="914400"/>
+            </a:xfrm>
+            <a:prstGeom prst="rect">
+              <a:avLst/>
+            </a:prstGeom>
+          </p:spPr>
+        </p:pic>
+        <p:pic>
+          <p:nvPicPr>
+            <p:cNvPr id="27" name="Grafik 14" descr="Hierarchie">
+              <a:extLst>
+                <a:ext uri="{FF2B5EF4-FFF2-40B4-BE49-F238E27FC236}">
+                  <a16:creationId xmlns:a16="http://schemas.microsoft.com/office/drawing/2014/main" id="{6A892BB8-0B21-4F65-8FCA-B2FD3B9DF239}"/>
+                </a:ext>
+              </a:extLst>
+            </p:cNvPr>
+            <p:cNvPicPr>
+              <a:picLocks noChangeAspect="1"/>
+            </p:cNvPicPr>
+            <p:nvPr/>
+          </p:nvPicPr>
+          <p:blipFill>
+            <a:blip r:embed="rId11">
+              <a:extLst>
+                <a:ext uri="{28A0092B-C50C-407E-A947-70E740481C1C}">
+                  <a14:useLocalDpi xmlns:a14="http://schemas.microsoft.com/office/drawing/2010/main" val="0"/>
+                </a:ext>
+                <a:ext uri="{96DAC541-7B7A-43D3-8B79-37D633B846F1}">
+                  <asvg:svgBlip xmlns:asvg="http://schemas.microsoft.com/office/drawing/2016/SVG/main" r:embed="rId12"/>
+                </a:ext>
+              </a:extLst>
+            </a:blip>
+            <a:stretch>
+              <a:fillRect/>
+            </a:stretch>
+          </p:blipFill>
+          <p:spPr>
+            <a:xfrm>
+              <a:off x="9900193" y="2464538"/>
+              <a:ext cx="914400" cy="914400"/>
+            </a:xfrm>
+            <a:prstGeom prst="rect">
+              <a:avLst/>
+            </a:prstGeom>
+          </p:spPr>
+        </p:pic>
+      </p:grpSp>
     </p:spTree>
     <p:extLst>
       <p:ext uri="{BB962C8B-B14F-4D97-AF65-F5344CB8AC3E}">
@@ -14152,10 +14152,10 @@
       </p:sp>
       <p:grpSp>
         <p:nvGrpSpPr>
-          <p:cNvPr id="10" name="Gruppieren 9">
+          <p:cNvPr id="22" name="Gruppieren 9">
             <a:extLst>
               <a:ext uri="{FF2B5EF4-FFF2-40B4-BE49-F238E27FC236}">
-                <a16:creationId xmlns:a16="http://schemas.microsoft.com/office/drawing/2014/main" id="{B7E1329A-6886-4A91-BB43-580F9668F6A8}"/>
+                <a16:creationId xmlns:a16="http://schemas.microsoft.com/office/drawing/2014/main" id="{6920C12B-3C48-4CE5-A6FF-5A0C59BA5A63}"/>
               </a:ext>
             </a:extLst>
           </p:cNvPr>
@@ -14174,10 +14174,10 @@
         </p:grpSpPr>
         <p:pic>
           <p:nvPicPr>
-            <p:cNvPr id="11" name="Grafik 10" descr="Klemmbrett abgehakt">
+            <p:cNvPr id="23" name="Grafik 10" descr="Klemmbrett abgehakt">
               <a:extLst>
                 <a:ext uri="{FF2B5EF4-FFF2-40B4-BE49-F238E27FC236}">
-                  <a16:creationId xmlns:a16="http://schemas.microsoft.com/office/drawing/2014/main" id="{A9431254-D4B4-40B6-AE85-BCF49175275E}"/>
+                  <a16:creationId xmlns:a16="http://schemas.microsoft.com/office/drawing/2014/main" id="{1818B4AE-74C8-4470-978A-57C533EB58B3}"/>
                 </a:ext>
               </a:extLst>
             </p:cNvPr>
@@ -14213,10 +14213,10 @@
         </p:pic>
         <p:pic>
           <p:nvPicPr>
-            <p:cNvPr id="12" name="Grafik 11" descr="Häkchen">
+            <p:cNvPr id="24" name="Grafik 11" descr="Häkchen">
               <a:extLst>
                 <a:ext uri="{FF2B5EF4-FFF2-40B4-BE49-F238E27FC236}">
-                  <a16:creationId xmlns:a16="http://schemas.microsoft.com/office/drawing/2014/main" id="{5107806B-8F20-4BC6-9C0E-652D04F676AB}"/>
+                  <a16:creationId xmlns:a16="http://schemas.microsoft.com/office/drawing/2014/main" id="{6D740193-1ED1-4C26-8313-502B894F93CB}"/>
                 </a:ext>
               </a:extLst>
             </p:cNvPr>
@@ -14252,10 +14252,10 @@
         </p:pic>
         <p:pic>
           <p:nvPicPr>
-            <p:cNvPr id="13" name="Grafik 12" descr="Gehirn">
+            <p:cNvPr id="25" name="Grafik 12" descr="Gehirn">
               <a:extLst>
                 <a:ext uri="{FF2B5EF4-FFF2-40B4-BE49-F238E27FC236}">
-                  <a16:creationId xmlns:a16="http://schemas.microsoft.com/office/drawing/2014/main" id="{63100608-3265-44B6-8F00-AB936254C45E}"/>
+                  <a16:creationId xmlns:a16="http://schemas.microsoft.com/office/drawing/2014/main" id="{51EEC922-9110-481B-AD2D-870EB761A643}"/>
                 </a:ext>
               </a:extLst>
             </p:cNvPr>
@@ -14291,10 +14291,10 @@
         </p:pic>
         <p:pic>
           <p:nvPicPr>
-            <p:cNvPr id="14" name="Grafik 13" descr="Einhorn">
+            <p:cNvPr id="26" name="Grafik 13" descr="Einhorn">
               <a:extLst>
                 <a:ext uri="{FF2B5EF4-FFF2-40B4-BE49-F238E27FC236}">
-                  <a16:creationId xmlns:a16="http://schemas.microsoft.com/office/drawing/2014/main" id="{793928EC-1DDB-471A-900C-D86B5DD996F2}"/>
+                  <a16:creationId xmlns:a16="http://schemas.microsoft.com/office/drawing/2014/main" id="{1B1F8DFE-55A7-4FDE-9A2B-E359AEF34F8B}"/>
                 </a:ext>
               </a:extLst>
             </p:cNvPr>
@@ -14330,10 +14330,10 @@
         </p:pic>
         <p:pic>
           <p:nvPicPr>
-            <p:cNvPr id="15" name="Grafik 14" descr="Hierarchie">
+            <p:cNvPr id="27" name="Grafik 14" descr="Hierarchie">
               <a:extLst>
                 <a:ext uri="{FF2B5EF4-FFF2-40B4-BE49-F238E27FC236}">
-                  <a16:creationId xmlns:a16="http://schemas.microsoft.com/office/drawing/2014/main" id="{C4E0777E-47E6-4E82-82B6-36FD53560989}"/>
+                  <a16:creationId xmlns:a16="http://schemas.microsoft.com/office/drawing/2014/main" id="{058ABE7F-BE14-4800-BB06-AF75E8CE94CD}"/>
                 </a:ext>
               </a:extLst>
             </p:cNvPr>
@@ -14544,224 +14544,6 @@
           </a:p>
         </p:txBody>
       </p:sp>
-      <p:grpSp>
-        <p:nvGrpSpPr>
-          <p:cNvPr id="10" name="Gruppieren 9">
-            <a:extLst>
-              <a:ext uri="{FF2B5EF4-FFF2-40B4-BE49-F238E27FC236}">
-                <a16:creationId xmlns:a16="http://schemas.microsoft.com/office/drawing/2014/main" id="{B7E1329A-6886-4A91-BB43-580F9668F6A8}"/>
-              </a:ext>
-            </a:extLst>
-          </p:cNvPr>
-          <p:cNvGrpSpPr>
-            <a:grpSpLocks noChangeAspect="1"/>
-          </p:cNvGrpSpPr>
-          <p:nvPr/>
-        </p:nvGrpSpPr>
-        <p:grpSpPr>
-          <a:xfrm>
-            <a:off x="11178553" y="2431373"/>
-            <a:ext cx="528293" cy="2645076"/>
-            <a:chOff x="9900193" y="1530836"/>
-            <a:chExt cx="920569" cy="4609143"/>
-          </a:xfrm>
-        </p:grpSpPr>
-        <p:pic>
-          <p:nvPicPr>
-            <p:cNvPr id="11" name="Grafik 10" descr="Klemmbrett abgehakt">
-              <a:extLst>
-                <a:ext uri="{FF2B5EF4-FFF2-40B4-BE49-F238E27FC236}">
-                  <a16:creationId xmlns:a16="http://schemas.microsoft.com/office/drawing/2014/main" id="{A9431254-D4B4-40B6-AE85-BCF49175275E}"/>
-                </a:ext>
-              </a:extLst>
-            </p:cNvPr>
-            <p:cNvPicPr>
-              <a:picLocks noChangeAspect="1"/>
-            </p:cNvPicPr>
-            <p:nvPr/>
-          </p:nvPicPr>
-          <p:blipFill>
-            <a:blip r:embed="rId2">
-              <a:extLst>
-                <a:ext uri="{28A0092B-C50C-407E-A947-70E740481C1C}">
-                  <a14:useLocalDpi xmlns:a14="http://schemas.microsoft.com/office/drawing/2010/main" val="0"/>
-                </a:ext>
-                <a:ext uri="{96DAC541-7B7A-43D3-8B79-37D633B846F1}">
-                  <asvg:svgBlip xmlns:asvg="http://schemas.microsoft.com/office/drawing/2016/SVG/main" r:embed="rId3"/>
-                </a:ext>
-              </a:extLst>
-            </a:blip>
-            <a:stretch>
-              <a:fillRect/>
-            </a:stretch>
-          </p:blipFill>
-          <p:spPr>
-            <a:xfrm>
-              <a:off x="9900193" y="5225579"/>
-              <a:ext cx="914400" cy="914400"/>
-            </a:xfrm>
-            <a:prstGeom prst="rect">
-              <a:avLst/>
-            </a:prstGeom>
-          </p:spPr>
-        </p:pic>
-        <p:pic>
-          <p:nvPicPr>
-            <p:cNvPr id="12" name="Grafik 11" descr="Häkchen">
-              <a:extLst>
-                <a:ext uri="{FF2B5EF4-FFF2-40B4-BE49-F238E27FC236}">
-                  <a16:creationId xmlns:a16="http://schemas.microsoft.com/office/drawing/2014/main" id="{5107806B-8F20-4BC6-9C0E-652D04F676AB}"/>
-                </a:ext>
-              </a:extLst>
-            </p:cNvPr>
-            <p:cNvPicPr>
-              <a:picLocks noChangeAspect="1"/>
-            </p:cNvPicPr>
-            <p:nvPr/>
-          </p:nvPicPr>
-          <p:blipFill>
-            <a:blip r:embed="rId4">
-              <a:extLst>
-                <a:ext uri="{28A0092B-C50C-407E-A947-70E740481C1C}">
-                  <a14:useLocalDpi xmlns:a14="http://schemas.microsoft.com/office/drawing/2010/main" val="0"/>
-                </a:ext>
-                <a:ext uri="{96DAC541-7B7A-43D3-8B79-37D633B846F1}">
-                  <asvg:svgBlip xmlns:asvg="http://schemas.microsoft.com/office/drawing/2016/SVG/main" r:embed="rId5"/>
-                </a:ext>
-              </a:extLst>
-            </a:blip>
-            <a:stretch>
-              <a:fillRect/>
-            </a:stretch>
-          </p:blipFill>
-          <p:spPr>
-            <a:xfrm>
-              <a:off x="9906362" y="1530836"/>
-              <a:ext cx="914400" cy="914400"/>
-            </a:xfrm>
-            <a:prstGeom prst="rect">
-              <a:avLst/>
-            </a:prstGeom>
-          </p:spPr>
-        </p:pic>
-        <p:pic>
-          <p:nvPicPr>
-            <p:cNvPr id="13" name="Grafik 12" descr="Gehirn">
-              <a:extLst>
-                <a:ext uri="{FF2B5EF4-FFF2-40B4-BE49-F238E27FC236}">
-                  <a16:creationId xmlns:a16="http://schemas.microsoft.com/office/drawing/2014/main" id="{63100608-3265-44B6-8F00-AB936254C45E}"/>
-                </a:ext>
-              </a:extLst>
-            </p:cNvPr>
-            <p:cNvPicPr>
-              <a:picLocks noChangeAspect="1"/>
-            </p:cNvPicPr>
-            <p:nvPr/>
-          </p:nvPicPr>
-          <p:blipFill>
-            <a:blip r:embed="rId6">
-              <a:extLst>
-                <a:ext uri="{28A0092B-C50C-407E-A947-70E740481C1C}">
-                  <a14:useLocalDpi xmlns:a14="http://schemas.microsoft.com/office/drawing/2010/main" val="0"/>
-                </a:ext>
-                <a:ext uri="{96DAC541-7B7A-43D3-8B79-37D633B846F1}">
-                  <asvg:svgBlip xmlns:asvg="http://schemas.microsoft.com/office/drawing/2016/SVG/main" r:embed="rId7"/>
-                </a:ext>
-              </a:extLst>
-            </a:blip>
-            <a:stretch>
-              <a:fillRect/>
-            </a:stretch>
-          </p:blipFill>
-          <p:spPr>
-            <a:xfrm>
-              <a:off x="9900193" y="3375461"/>
-              <a:ext cx="914400" cy="914400"/>
-            </a:xfrm>
-            <a:prstGeom prst="rect">
-              <a:avLst/>
-            </a:prstGeom>
-          </p:spPr>
-        </p:pic>
-        <p:pic>
-          <p:nvPicPr>
-            <p:cNvPr id="14" name="Grafik 13" descr="Einhorn">
-              <a:extLst>
-                <a:ext uri="{FF2B5EF4-FFF2-40B4-BE49-F238E27FC236}">
-                  <a16:creationId xmlns:a16="http://schemas.microsoft.com/office/drawing/2014/main" id="{793928EC-1DDB-471A-900C-D86B5DD996F2}"/>
-                </a:ext>
-              </a:extLst>
-            </p:cNvPr>
-            <p:cNvPicPr>
-              <a:picLocks noChangeAspect="1"/>
-            </p:cNvPicPr>
-            <p:nvPr/>
-          </p:nvPicPr>
-          <p:blipFill>
-            <a:blip r:embed="rId8">
-              <a:extLst>
-                <a:ext uri="{28A0092B-C50C-407E-A947-70E740481C1C}">
-                  <a14:useLocalDpi xmlns:a14="http://schemas.microsoft.com/office/drawing/2010/main" val="0"/>
-                </a:ext>
-                <a:ext uri="{96DAC541-7B7A-43D3-8B79-37D633B846F1}">
-                  <asvg:svgBlip xmlns:asvg="http://schemas.microsoft.com/office/drawing/2016/SVG/main" r:embed="rId9"/>
-                </a:ext>
-              </a:extLst>
-            </a:blip>
-            <a:stretch>
-              <a:fillRect/>
-            </a:stretch>
-          </p:blipFill>
-          <p:spPr>
-            <a:xfrm>
-              <a:off x="9900193" y="4298238"/>
-              <a:ext cx="914400" cy="914400"/>
-            </a:xfrm>
-            <a:prstGeom prst="rect">
-              <a:avLst/>
-            </a:prstGeom>
-          </p:spPr>
-        </p:pic>
-        <p:pic>
-          <p:nvPicPr>
-            <p:cNvPr id="15" name="Grafik 14" descr="Hierarchie">
-              <a:extLst>
-                <a:ext uri="{FF2B5EF4-FFF2-40B4-BE49-F238E27FC236}">
-                  <a16:creationId xmlns:a16="http://schemas.microsoft.com/office/drawing/2014/main" id="{C4E0777E-47E6-4E82-82B6-36FD53560989}"/>
-                </a:ext>
-              </a:extLst>
-            </p:cNvPr>
-            <p:cNvPicPr>
-              <a:picLocks noChangeAspect="1"/>
-            </p:cNvPicPr>
-            <p:nvPr/>
-          </p:nvPicPr>
-          <p:blipFill>
-            <a:blip r:embed="rId10">
-              <a:extLst>
-                <a:ext uri="{28A0092B-C50C-407E-A947-70E740481C1C}">
-                  <a14:useLocalDpi xmlns:a14="http://schemas.microsoft.com/office/drawing/2010/main" val="0"/>
-                </a:ext>
-                <a:ext uri="{96DAC541-7B7A-43D3-8B79-37D633B846F1}">
-                  <asvg:svgBlip xmlns:asvg="http://schemas.microsoft.com/office/drawing/2016/SVG/main" r:embed="rId11"/>
-                </a:ext>
-              </a:extLst>
-            </a:blip>
-            <a:stretch>
-              <a:fillRect/>
-            </a:stretch>
-          </p:blipFill>
-          <p:spPr>
-            <a:xfrm>
-              <a:off x="9900193" y="2464538"/>
-              <a:ext cx="914400" cy="914400"/>
-            </a:xfrm>
-            <a:prstGeom prst="rect">
-              <a:avLst/>
-            </a:prstGeom>
-          </p:spPr>
-        </p:pic>
-      </p:grpSp>
       <p:sp>
         <p:nvSpPr>
           <p:cNvPr id="2" name="矩形: 圆角 1">
@@ -15126,7 +14908,7 @@
                 </a:solidFill>
                 <a:latin typeface="Noto Sans" panose="020B0502040504020204"/>
               </a:rPr>
-              <a:t>action</a:t>
+              <a:t>Action</a:t>
             </a:r>
             <a:endParaRPr lang="zh-CN" altLang="en-US" dirty="0">
               <a:solidFill>
@@ -15190,7 +14972,7 @@
                 </a:solidFill>
                 <a:latin typeface="Noto Sans" panose="020B0502040504020204"/>
               </a:rPr>
-              <a:t>webots</a:t>
+              <a:t>Webots</a:t>
             </a:r>
             <a:r>
               <a:rPr lang="en-US" altLang="zh-CN" dirty="0">
@@ -15202,7 +14984,7 @@
                 </a:solidFill>
                 <a:latin typeface="Noto Sans" panose="020B0502040504020204"/>
               </a:rPr>
-              <a:t>/ controller</a:t>
+              <a:t>/ Controller</a:t>
             </a:r>
             <a:endParaRPr lang="zh-CN" altLang="en-US" dirty="0">
               <a:solidFill>
@@ -15254,7 +15036,7 @@
                 </a:solidFill>
                 <a:latin typeface="Noto Sans" panose="020B0502040504020204"/>
               </a:rPr>
-              <a:t>Action command</a:t>
+              <a:t>Action Commands</a:t>
             </a:r>
             <a:endParaRPr lang="zh-CN" altLang="en-US" dirty="0">
               <a:solidFill>
@@ -15320,6 +15102,224 @@
           </a:p>
         </p:txBody>
       </p:sp>
+      <p:grpSp>
+        <p:nvGrpSpPr>
+          <p:cNvPr id="28" name="Gruppieren 9">
+            <a:extLst>
+              <a:ext uri="{FF2B5EF4-FFF2-40B4-BE49-F238E27FC236}">
+                <a16:creationId xmlns:a16="http://schemas.microsoft.com/office/drawing/2014/main" id="{FE481DE2-CB02-4ED9-9CE3-F3D51B644D1D}"/>
+              </a:ext>
+            </a:extLst>
+          </p:cNvPr>
+          <p:cNvGrpSpPr>
+            <a:grpSpLocks noChangeAspect="1"/>
+          </p:cNvGrpSpPr>
+          <p:nvPr/>
+        </p:nvGrpSpPr>
+        <p:grpSpPr>
+          <a:xfrm>
+            <a:off x="11178553" y="2431373"/>
+            <a:ext cx="528293" cy="2645076"/>
+            <a:chOff x="9900193" y="1530836"/>
+            <a:chExt cx="920569" cy="4609143"/>
+          </a:xfrm>
+        </p:grpSpPr>
+        <p:pic>
+          <p:nvPicPr>
+            <p:cNvPr id="29" name="Grafik 10" descr="Klemmbrett abgehakt">
+              <a:extLst>
+                <a:ext uri="{FF2B5EF4-FFF2-40B4-BE49-F238E27FC236}">
+                  <a16:creationId xmlns:a16="http://schemas.microsoft.com/office/drawing/2014/main" id="{CE021D54-3215-452C-9948-D8F262D12CEB}"/>
+                </a:ext>
+              </a:extLst>
+            </p:cNvPr>
+            <p:cNvPicPr>
+              <a:picLocks noChangeAspect="1"/>
+            </p:cNvPicPr>
+            <p:nvPr/>
+          </p:nvPicPr>
+          <p:blipFill>
+            <a:blip r:embed="rId2">
+              <a:extLst>
+                <a:ext uri="{28A0092B-C50C-407E-A947-70E740481C1C}">
+                  <a14:useLocalDpi xmlns:a14="http://schemas.microsoft.com/office/drawing/2010/main" val="0"/>
+                </a:ext>
+                <a:ext uri="{96DAC541-7B7A-43D3-8B79-37D633B846F1}">
+                  <asvg:svgBlip xmlns:asvg="http://schemas.microsoft.com/office/drawing/2016/SVG/main" r:embed="rId3"/>
+                </a:ext>
+              </a:extLst>
+            </a:blip>
+            <a:stretch>
+              <a:fillRect/>
+            </a:stretch>
+          </p:blipFill>
+          <p:spPr>
+            <a:xfrm>
+              <a:off x="9900193" y="5225579"/>
+              <a:ext cx="914400" cy="914400"/>
+            </a:xfrm>
+            <a:prstGeom prst="rect">
+              <a:avLst/>
+            </a:prstGeom>
+          </p:spPr>
+        </p:pic>
+        <p:pic>
+          <p:nvPicPr>
+            <p:cNvPr id="31" name="Grafik 11" descr="Häkchen">
+              <a:extLst>
+                <a:ext uri="{FF2B5EF4-FFF2-40B4-BE49-F238E27FC236}">
+                  <a16:creationId xmlns:a16="http://schemas.microsoft.com/office/drawing/2014/main" id="{150220B3-EC48-4D6D-BD03-691C4E587EA8}"/>
+                </a:ext>
+              </a:extLst>
+            </p:cNvPr>
+            <p:cNvPicPr>
+              <a:picLocks noChangeAspect="1"/>
+            </p:cNvPicPr>
+            <p:nvPr/>
+          </p:nvPicPr>
+          <p:blipFill>
+            <a:blip r:embed="rId4">
+              <a:extLst>
+                <a:ext uri="{28A0092B-C50C-407E-A947-70E740481C1C}">
+                  <a14:useLocalDpi xmlns:a14="http://schemas.microsoft.com/office/drawing/2010/main" val="0"/>
+                </a:ext>
+                <a:ext uri="{96DAC541-7B7A-43D3-8B79-37D633B846F1}">
+                  <asvg:svgBlip xmlns:asvg="http://schemas.microsoft.com/office/drawing/2016/SVG/main" r:embed="rId5"/>
+                </a:ext>
+              </a:extLst>
+            </a:blip>
+            <a:stretch>
+              <a:fillRect/>
+            </a:stretch>
+          </p:blipFill>
+          <p:spPr>
+            <a:xfrm>
+              <a:off x="9906362" y="1530836"/>
+              <a:ext cx="914400" cy="914400"/>
+            </a:xfrm>
+            <a:prstGeom prst="rect">
+              <a:avLst/>
+            </a:prstGeom>
+          </p:spPr>
+        </p:pic>
+        <p:pic>
+          <p:nvPicPr>
+            <p:cNvPr id="34" name="Grafik 12" descr="Gehirn">
+              <a:extLst>
+                <a:ext uri="{FF2B5EF4-FFF2-40B4-BE49-F238E27FC236}">
+                  <a16:creationId xmlns:a16="http://schemas.microsoft.com/office/drawing/2014/main" id="{B6C76608-F944-4326-B720-7459BABC2B4B}"/>
+                </a:ext>
+              </a:extLst>
+            </p:cNvPr>
+            <p:cNvPicPr>
+              <a:picLocks noChangeAspect="1"/>
+            </p:cNvPicPr>
+            <p:nvPr/>
+          </p:nvPicPr>
+          <p:blipFill>
+            <a:blip r:embed="rId6">
+              <a:extLst>
+                <a:ext uri="{28A0092B-C50C-407E-A947-70E740481C1C}">
+                  <a14:useLocalDpi xmlns:a14="http://schemas.microsoft.com/office/drawing/2010/main" val="0"/>
+                </a:ext>
+                <a:ext uri="{96DAC541-7B7A-43D3-8B79-37D633B846F1}">
+                  <asvg:svgBlip xmlns:asvg="http://schemas.microsoft.com/office/drawing/2016/SVG/main" r:embed="rId7"/>
+                </a:ext>
+              </a:extLst>
+            </a:blip>
+            <a:stretch>
+              <a:fillRect/>
+            </a:stretch>
+          </p:blipFill>
+          <p:spPr>
+            <a:xfrm>
+              <a:off x="9900193" y="3375461"/>
+              <a:ext cx="914400" cy="914400"/>
+            </a:xfrm>
+            <a:prstGeom prst="rect">
+              <a:avLst/>
+            </a:prstGeom>
+          </p:spPr>
+        </p:pic>
+        <p:pic>
+          <p:nvPicPr>
+            <p:cNvPr id="36" name="Grafik 13" descr="Einhorn">
+              <a:extLst>
+                <a:ext uri="{FF2B5EF4-FFF2-40B4-BE49-F238E27FC236}">
+                  <a16:creationId xmlns:a16="http://schemas.microsoft.com/office/drawing/2014/main" id="{760379EE-6D52-4DC7-8F8C-8D2215AFDDC3}"/>
+                </a:ext>
+              </a:extLst>
+            </p:cNvPr>
+            <p:cNvPicPr>
+              <a:picLocks noChangeAspect="1"/>
+            </p:cNvPicPr>
+            <p:nvPr/>
+          </p:nvPicPr>
+          <p:blipFill>
+            <a:blip r:embed="rId8">
+              <a:extLst>
+                <a:ext uri="{28A0092B-C50C-407E-A947-70E740481C1C}">
+                  <a14:useLocalDpi xmlns:a14="http://schemas.microsoft.com/office/drawing/2010/main" val="0"/>
+                </a:ext>
+                <a:ext uri="{96DAC541-7B7A-43D3-8B79-37D633B846F1}">
+                  <asvg:svgBlip xmlns:asvg="http://schemas.microsoft.com/office/drawing/2016/SVG/main" r:embed="rId9"/>
+                </a:ext>
+              </a:extLst>
+            </a:blip>
+            <a:stretch>
+              <a:fillRect/>
+            </a:stretch>
+          </p:blipFill>
+          <p:spPr>
+            <a:xfrm>
+              <a:off x="9900193" y="4298238"/>
+              <a:ext cx="914400" cy="914400"/>
+            </a:xfrm>
+            <a:prstGeom prst="rect">
+              <a:avLst/>
+            </a:prstGeom>
+          </p:spPr>
+        </p:pic>
+        <p:pic>
+          <p:nvPicPr>
+            <p:cNvPr id="38" name="Grafik 14" descr="Hierarchie">
+              <a:extLst>
+                <a:ext uri="{FF2B5EF4-FFF2-40B4-BE49-F238E27FC236}">
+                  <a16:creationId xmlns:a16="http://schemas.microsoft.com/office/drawing/2014/main" id="{6B3A5F5A-4887-43A4-A88B-823C6AB51250}"/>
+                </a:ext>
+              </a:extLst>
+            </p:cNvPr>
+            <p:cNvPicPr>
+              <a:picLocks noChangeAspect="1"/>
+            </p:cNvPicPr>
+            <p:nvPr/>
+          </p:nvPicPr>
+          <p:blipFill>
+            <a:blip r:embed="rId10">
+              <a:extLst>
+                <a:ext uri="{28A0092B-C50C-407E-A947-70E740481C1C}">
+                  <a14:useLocalDpi xmlns:a14="http://schemas.microsoft.com/office/drawing/2010/main" val="0"/>
+                </a:ext>
+                <a:ext uri="{96DAC541-7B7A-43D3-8B79-37D633B846F1}">
+                  <asvg:svgBlip xmlns:asvg="http://schemas.microsoft.com/office/drawing/2016/SVG/main" r:embed="rId11"/>
+                </a:ext>
+              </a:extLst>
+            </a:blip>
+            <a:stretch>
+              <a:fillRect/>
+            </a:stretch>
+          </p:blipFill>
+          <p:spPr>
+            <a:xfrm>
+              <a:off x="9900193" y="2464538"/>
+              <a:ext cx="914400" cy="914400"/>
+            </a:xfrm>
+            <a:prstGeom prst="rect">
+              <a:avLst/>
+            </a:prstGeom>
+          </p:spPr>
+        </p:pic>
+      </p:grpSp>
     </p:spTree>
     <p:extLst>
       <p:ext uri="{BB962C8B-B14F-4D97-AF65-F5344CB8AC3E}">
@@ -15444,224 +15444,6 @@
           </a:p>
         </p:txBody>
       </p:sp>
-      <p:grpSp>
-        <p:nvGrpSpPr>
-          <p:cNvPr id="10" name="Gruppieren 9">
-            <a:extLst>
-              <a:ext uri="{FF2B5EF4-FFF2-40B4-BE49-F238E27FC236}">
-                <a16:creationId xmlns:a16="http://schemas.microsoft.com/office/drawing/2014/main" id="{B7E1329A-6886-4A91-BB43-580F9668F6A8}"/>
-              </a:ext>
-            </a:extLst>
-          </p:cNvPr>
-          <p:cNvGrpSpPr>
-            <a:grpSpLocks noChangeAspect="1"/>
-          </p:cNvGrpSpPr>
-          <p:nvPr/>
-        </p:nvGrpSpPr>
-        <p:grpSpPr>
-          <a:xfrm>
-            <a:off x="11178553" y="2431373"/>
-            <a:ext cx="528293" cy="2645076"/>
-            <a:chOff x="9900193" y="1530836"/>
-            <a:chExt cx="920569" cy="4609143"/>
-          </a:xfrm>
-        </p:grpSpPr>
-        <p:pic>
-          <p:nvPicPr>
-            <p:cNvPr id="11" name="Grafik 10" descr="Klemmbrett abgehakt">
-              <a:extLst>
-                <a:ext uri="{FF2B5EF4-FFF2-40B4-BE49-F238E27FC236}">
-                  <a16:creationId xmlns:a16="http://schemas.microsoft.com/office/drawing/2014/main" id="{A9431254-D4B4-40B6-AE85-BCF49175275E}"/>
-                </a:ext>
-              </a:extLst>
-            </p:cNvPr>
-            <p:cNvPicPr>
-              <a:picLocks noChangeAspect="1"/>
-            </p:cNvPicPr>
-            <p:nvPr/>
-          </p:nvPicPr>
-          <p:blipFill>
-            <a:blip r:embed="rId2">
-              <a:extLst>
-                <a:ext uri="{28A0092B-C50C-407E-A947-70E740481C1C}">
-                  <a14:useLocalDpi xmlns:a14="http://schemas.microsoft.com/office/drawing/2010/main" val="0"/>
-                </a:ext>
-                <a:ext uri="{96DAC541-7B7A-43D3-8B79-37D633B846F1}">
-                  <asvg:svgBlip xmlns:asvg="http://schemas.microsoft.com/office/drawing/2016/SVG/main" r:embed="rId3"/>
-                </a:ext>
-              </a:extLst>
-            </a:blip>
-            <a:stretch>
-              <a:fillRect/>
-            </a:stretch>
-          </p:blipFill>
-          <p:spPr>
-            <a:xfrm>
-              <a:off x="9900193" y="5225579"/>
-              <a:ext cx="914400" cy="914400"/>
-            </a:xfrm>
-            <a:prstGeom prst="rect">
-              <a:avLst/>
-            </a:prstGeom>
-          </p:spPr>
-        </p:pic>
-        <p:pic>
-          <p:nvPicPr>
-            <p:cNvPr id="12" name="Grafik 11" descr="Häkchen">
-              <a:extLst>
-                <a:ext uri="{FF2B5EF4-FFF2-40B4-BE49-F238E27FC236}">
-                  <a16:creationId xmlns:a16="http://schemas.microsoft.com/office/drawing/2014/main" id="{5107806B-8F20-4BC6-9C0E-652D04F676AB}"/>
-                </a:ext>
-              </a:extLst>
-            </p:cNvPr>
-            <p:cNvPicPr>
-              <a:picLocks noChangeAspect="1"/>
-            </p:cNvPicPr>
-            <p:nvPr/>
-          </p:nvPicPr>
-          <p:blipFill>
-            <a:blip r:embed="rId4">
-              <a:extLst>
-                <a:ext uri="{28A0092B-C50C-407E-A947-70E740481C1C}">
-                  <a14:useLocalDpi xmlns:a14="http://schemas.microsoft.com/office/drawing/2010/main" val="0"/>
-                </a:ext>
-                <a:ext uri="{96DAC541-7B7A-43D3-8B79-37D633B846F1}">
-                  <asvg:svgBlip xmlns:asvg="http://schemas.microsoft.com/office/drawing/2016/SVG/main" r:embed="rId5"/>
-                </a:ext>
-              </a:extLst>
-            </a:blip>
-            <a:stretch>
-              <a:fillRect/>
-            </a:stretch>
-          </p:blipFill>
-          <p:spPr>
-            <a:xfrm>
-              <a:off x="9906362" y="1530836"/>
-              <a:ext cx="914400" cy="914400"/>
-            </a:xfrm>
-            <a:prstGeom prst="rect">
-              <a:avLst/>
-            </a:prstGeom>
-          </p:spPr>
-        </p:pic>
-        <p:pic>
-          <p:nvPicPr>
-            <p:cNvPr id="13" name="Grafik 12" descr="Gehirn">
-              <a:extLst>
-                <a:ext uri="{FF2B5EF4-FFF2-40B4-BE49-F238E27FC236}">
-                  <a16:creationId xmlns:a16="http://schemas.microsoft.com/office/drawing/2014/main" id="{63100608-3265-44B6-8F00-AB936254C45E}"/>
-                </a:ext>
-              </a:extLst>
-            </p:cNvPr>
-            <p:cNvPicPr>
-              <a:picLocks noChangeAspect="1"/>
-            </p:cNvPicPr>
-            <p:nvPr/>
-          </p:nvPicPr>
-          <p:blipFill>
-            <a:blip r:embed="rId6">
-              <a:extLst>
-                <a:ext uri="{28A0092B-C50C-407E-A947-70E740481C1C}">
-                  <a14:useLocalDpi xmlns:a14="http://schemas.microsoft.com/office/drawing/2010/main" val="0"/>
-                </a:ext>
-                <a:ext uri="{96DAC541-7B7A-43D3-8B79-37D633B846F1}">
-                  <asvg:svgBlip xmlns:asvg="http://schemas.microsoft.com/office/drawing/2016/SVG/main" r:embed="rId7"/>
-                </a:ext>
-              </a:extLst>
-            </a:blip>
-            <a:stretch>
-              <a:fillRect/>
-            </a:stretch>
-          </p:blipFill>
-          <p:spPr>
-            <a:xfrm>
-              <a:off x="9900193" y="3375461"/>
-              <a:ext cx="914400" cy="914400"/>
-            </a:xfrm>
-            <a:prstGeom prst="rect">
-              <a:avLst/>
-            </a:prstGeom>
-          </p:spPr>
-        </p:pic>
-        <p:pic>
-          <p:nvPicPr>
-            <p:cNvPr id="14" name="Grafik 13" descr="Einhorn">
-              <a:extLst>
-                <a:ext uri="{FF2B5EF4-FFF2-40B4-BE49-F238E27FC236}">
-                  <a16:creationId xmlns:a16="http://schemas.microsoft.com/office/drawing/2014/main" id="{793928EC-1DDB-471A-900C-D86B5DD996F2}"/>
-                </a:ext>
-              </a:extLst>
-            </p:cNvPr>
-            <p:cNvPicPr>
-              <a:picLocks noChangeAspect="1"/>
-            </p:cNvPicPr>
-            <p:nvPr/>
-          </p:nvPicPr>
-          <p:blipFill>
-            <a:blip r:embed="rId8">
-              <a:extLst>
-                <a:ext uri="{28A0092B-C50C-407E-A947-70E740481C1C}">
-                  <a14:useLocalDpi xmlns:a14="http://schemas.microsoft.com/office/drawing/2010/main" val="0"/>
-                </a:ext>
-                <a:ext uri="{96DAC541-7B7A-43D3-8B79-37D633B846F1}">
-                  <asvg:svgBlip xmlns:asvg="http://schemas.microsoft.com/office/drawing/2016/SVG/main" r:embed="rId9"/>
-                </a:ext>
-              </a:extLst>
-            </a:blip>
-            <a:stretch>
-              <a:fillRect/>
-            </a:stretch>
-          </p:blipFill>
-          <p:spPr>
-            <a:xfrm>
-              <a:off x="9900193" y="4298238"/>
-              <a:ext cx="914400" cy="914400"/>
-            </a:xfrm>
-            <a:prstGeom prst="rect">
-              <a:avLst/>
-            </a:prstGeom>
-          </p:spPr>
-        </p:pic>
-        <p:pic>
-          <p:nvPicPr>
-            <p:cNvPr id="15" name="Grafik 14" descr="Hierarchie">
-              <a:extLst>
-                <a:ext uri="{FF2B5EF4-FFF2-40B4-BE49-F238E27FC236}">
-                  <a16:creationId xmlns:a16="http://schemas.microsoft.com/office/drawing/2014/main" id="{C4E0777E-47E6-4E82-82B6-36FD53560989}"/>
-                </a:ext>
-              </a:extLst>
-            </p:cNvPr>
-            <p:cNvPicPr>
-              <a:picLocks noChangeAspect="1"/>
-            </p:cNvPicPr>
-            <p:nvPr/>
-          </p:nvPicPr>
-          <p:blipFill>
-            <a:blip r:embed="rId10">
-              <a:extLst>
-                <a:ext uri="{28A0092B-C50C-407E-A947-70E740481C1C}">
-                  <a14:useLocalDpi xmlns:a14="http://schemas.microsoft.com/office/drawing/2010/main" val="0"/>
-                </a:ext>
-                <a:ext uri="{96DAC541-7B7A-43D3-8B79-37D633B846F1}">
-                  <asvg:svgBlip xmlns:asvg="http://schemas.microsoft.com/office/drawing/2016/SVG/main" r:embed="rId11"/>
-                </a:ext>
-              </a:extLst>
-            </a:blip>
-            <a:stretch>
-              <a:fillRect/>
-            </a:stretch>
-          </p:blipFill>
-          <p:spPr>
-            <a:xfrm>
-              <a:off x="9900193" y="2464538"/>
-              <a:ext cx="914400" cy="914400"/>
-            </a:xfrm>
-            <a:prstGeom prst="rect">
-              <a:avLst/>
-            </a:prstGeom>
-          </p:spPr>
-        </p:pic>
-      </p:grpSp>
       <p:sp>
         <p:nvSpPr>
           <p:cNvPr id="18" name="文本框 17">
@@ -15706,7 +15488,7 @@
               <a:rPr lang="en-US" altLang="zh-CN" dirty="0">
                 <a:latin typeface="Noto Sans" panose="020B0502040504020204"/>
               </a:rPr>
-              <a:t>RL agent need a standard environment for training.</a:t>
+              <a:t>RL agent need a standard environment for training</a:t>
             </a:r>
           </a:p>
           <a:p>
@@ -15765,6 +15547,224 @@
           </a:p>
         </p:txBody>
       </p:sp>
+      <p:grpSp>
+        <p:nvGrpSpPr>
+          <p:cNvPr id="23" name="Gruppieren 9">
+            <a:extLst>
+              <a:ext uri="{FF2B5EF4-FFF2-40B4-BE49-F238E27FC236}">
+                <a16:creationId xmlns:a16="http://schemas.microsoft.com/office/drawing/2014/main" id="{7214098B-7BB0-4699-BBB9-0747E5226DB2}"/>
+              </a:ext>
+            </a:extLst>
+          </p:cNvPr>
+          <p:cNvGrpSpPr>
+            <a:grpSpLocks noChangeAspect="1"/>
+          </p:cNvGrpSpPr>
+          <p:nvPr/>
+        </p:nvGrpSpPr>
+        <p:grpSpPr>
+          <a:xfrm>
+            <a:off x="11178553" y="2431373"/>
+            <a:ext cx="528293" cy="2645076"/>
+            <a:chOff x="9900193" y="1530836"/>
+            <a:chExt cx="920569" cy="4609143"/>
+          </a:xfrm>
+        </p:grpSpPr>
+        <p:pic>
+          <p:nvPicPr>
+            <p:cNvPr id="24" name="Grafik 10" descr="Klemmbrett abgehakt">
+              <a:extLst>
+                <a:ext uri="{FF2B5EF4-FFF2-40B4-BE49-F238E27FC236}">
+                  <a16:creationId xmlns:a16="http://schemas.microsoft.com/office/drawing/2014/main" id="{C7713B9F-B28D-4E8B-8E64-BE34DCE3D64D}"/>
+                </a:ext>
+              </a:extLst>
+            </p:cNvPr>
+            <p:cNvPicPr>
+              <a:picLocks noChangeAspect="1"/>
+            </p:cNvPicPr>
+            <p:nvPr/>
+          </p:nvPicPr>
+          <p:blipFill>
+            <a:blip r:embed="rId2">
+              <a:extLst>
+                <a:ext uri="{28A0092B-C50C-407E-A947-70E740481C1C}">
+                  <a14:useLocalDpi xmlns:a14="http://schemas.microsoft.com/office/drawing/2010/main" val="0"/>
+                </a:ext>
+                <a:ext uri="{96DAC541-7B7A-43D3-8B79-37D633B846F1}">
+                  <asvg:svgBlip xmlns:asvg="http://schemas.microsoft.com/office/drawing/2016/SVG/main" r:embed="rId3"/>
+                </a:ext>
+              </a:extLst>
+            </a:blip>
+            <a:stretch>
+              <a:fillRect/>
+            </a:stretch>
+          </p:blipFill>
+          <p:spPr>
+            <a:xfrm>
+              <a:off x="9900193" y="5225579"/>
+              <a:ext cx="914400" cy="914400"/>
+            </a:xfrm>
+            <a:prstGeom prst="rect">
+              <a:avLst/>
+            </a:prstGeom>
+          </p:spPr>
+        </p:pic>
+        <p:pic>
+          <p:nvPicPr>
+            <p:cNvPr id="25" name="Grafik 11" descr="Häkchen">
+              <a:extLst>
+                <a:ext uri="{FF2B5EF4-FFF2-40B4-BE49-F238E27FC236}">
+                  <a16:creationId xmlns:a16="http://schemas.microsoft.com/office/drawing/2014/main" id="{29E8E809-2019-46B4-8E4A-E78B22674668}"/>
+                </a:ext>
+              </a:extLst>
+            </p:cNvPr>
+            <p:cNvPicPr>
+              <a:picLocks noChangeAspect="1"/>
+            </p:cNvPicPr>
+            <p:nvPr/>
+          </p:nvPicPr>
+          <p:blipFill>
+            <a:blip r:embed="rId4">
+              <a:extLst>
+                <a:ext uri="{28A0092B-C50C-407E-A947-70E740481C1C}">
+                  <a14:useLocalDpi xmlns:a14="http://schemas.microsoft.com/office/drawing/2010/main" val="0"/>
+                </a:ext>
+                <a:ext uri="{96DAC541-7B7A-43D3-8B79-37D633B846F1}">
+                  <asvg:svgBlip xmlns:asvg="http://schemas.microsoft.com/office/drawing/2016/SVG/main" r:embed="rId5"/>
+                </a:ext>
+              </a:extLst>
+            </a:blip>
+            <a:stretch>
+              <a:fillRect/>
+            </a:stretch>
+          </p:blipFill>
+          <p:spPr>
+            <a:xfrm>
+              <a:off x="9906362" y="1530836"/>
+              <a:ext cx="914400" cy="914400"/>
+            </a:xfrm>
+            <a:prstGeom prst="rect">
+              <a:avLst/>
+            </a:prstGeom>
+          </p:spPr>
+        </p:pic>
+        <p:pic>
+          <p:nvPicPr>
+            <p:cNvPr id="26" name="Grafik 12" descr="Gehirn">
+              <a:extLst>
+                <a:ext uri="{FF2B5EF4-FFF2-40B4-BE49-F238E27FC236}">
+                  <a16:creationId xmlns:a16="http://schemas.microsoft.com/office/drawing/2014/main" id="{C85B0726-B1DF-422E-9FD4-13E300693BD4}"/>
+                </a:ext>
+              </a:extLst>
+            </p:cNvPr>
+            <p:cNvPicPr>
+              <a:picLocks noChangeAspect="1"/>
+            </p:cNvPicPr>
+            <p:nvPr/>
+          </p:nvPicPr>
+          <p:blipFill>
+            <a:blip r:embed="rId6">
+              <a:extLst>
+                <a:ext uri="{28A0092B-C50C-407E-A947-70E740481C1C}">
+                  <a14:useLocalDpi xmlns:a14="http://schemas.microsoft.com/office/drawing/2010/main" val="0"/>
+                </a:ext>
+                <a:ext uri="{96DAC541-7B7A-43D3-8B79-37D633B846F1}">
+                  <asvg:svgBlip xmlns:asvg="http://schemas.microsoft.com/office/drawing/2016/SVG/main" r:embed="rId7"/>
+                </a:ext>
+              </a:extLst>
+            </a:blip>
+            <a:stretch>
+              <a:fillRect/>
+            </a:stretch>
+          </p:blipFill>
+          <p:spPr>
+            <a:xfrm>
+              <a:off x="9900193" y="3375461"/>
+              <a:ext cx="914400" cy="914400"/>
+            </a:xfrm>
+            <a:prstGeom prst="rect">
+              <a:avLst/>
+            </a:prstGeom>
+          </p:spPr>
+        </p:pic>
+        <p:pic>
+          <p:nvPicPr>
+            <p:cNvPr id="27" name="Grafik 13" descr="Einhorn">
+              <a:extLst>
+                <a:ext uri="{FF2B5EF4-FFF2-40B4-BE49-F238E27FC236}">
+                  <a16:creationId xmlns:a16="http://schemas.microsoft.com/office/drawing/2014/main" id="{71FFD94C-9A42-42BB-98E5-52EF9E66A50D}"/>
+                </a:ext>
+              </a:extLst>
+            </p:cNvPr>
+            <p:cNvPicPr>
+              <a:picLocks noChangeAspect="1"/>
+            </p:cNvPicPr>
+            <p:nvPr/>
+          </p:nvPicPr>
+          <p:blipFill>
+            <a:blip r:embed="rId8">
+              <a:extLst>
+                <a:ext uri="{28A0092B-C50C-407E-A947-70E740481C1C}">
+                  <a14:useLocalDpi xmlns:a14="http://schemas.microsoft.com/office/drawing/2010/main" val="0"/>
+                </a:ext>
+                <a:ext uri="{96DAC541-7B7A-43D3-8B79-37D633B846F1}">
+                  <asvg:svgBlip xmlns:asvg="http://schemas.microsoft.com/office/drawing/2016/SVG/main" r:embed="rId9"/>
+                </a:ext>
+              </a:extLst>
+            </a:blip>
+            <a:stretch>
+              <a:fillRect/>
+            </a:stretch>
+          </p:blipFill>
+          <p:spPr>
+            <a:xfrm>
+              <a:off x="9900193" y="4298238"/>
+              <a:ext cx="914400" cy="914400"/>
+            </a:xfrm>
+            <a:prstGeom prst="rect">
+              <a:avLst/>
+            </a:prstGeom>
+          </p:spPr>
+        </p:pic>
+        <p:pic>
+          <p:nvPicPr>
+            <p:cNvPr id="28" name="Grafik 14" descr="Hierarchie">
+              <a:extLst>
+                <a:ext uri="{FF2B5EF4-FFF2-40B4-BE49-F238E27FC236}">
+                  <a16:creationId xmlns:a16="http://schemas.microsoft.com/office/drawing/2014/main" id="{AF791CCA-26D3-4265-B5DE-FFD9FFBEE78F}"/>
+                </a:ext>
+              </a:extLst>
+            </p:cNvPr>
+            <p:cNvPicPr>
+              <a:picLocks noChangeAspect="1"/>
+            </p:cNvPicPr>
+            <p:nvPr/>
+          </p:nvPicPr>
+          <p:blipFill>
+            <a:blip r:embed="rId10">
+              <a:extLst>
+                <a:ext uri="{28A0092B-C50C-407E-A947-70E740481C1C}">
+                  <a14:useLocalDpi xmlns:a14="http://schemas.microsoft.com/office/drawing/2010/main" val="0"/>
+                </a:ext>
+                <a:ext uri="{96DAC541-7B7A-43D3-8B79-37D633B846F1}">
+                  <asvg:svgBlip xmlns:asvg="http://schemas.microsoft.com/office/drawing/2016/SVG/main" r:embed="rId11"/>
+                </a:ext>
+              </a:extLst>
+            </a:blip>
+            <a:stretch>
+              <a:fillRect/>
+            </a:stretch>
+          </p:blipFill>
+          <p:spPr>
+            <a:xfrm>
+              <a:off x="9900193" y="2464538"/>
+              <a:ext cx="914400" cy="914400"/>
+            </a:xfrm>
+            <a:prstGeom prst="rect">
+              <a:avLst/>
+            </a:prstGeom>
+          </p:spPr>
+        </p:pic>
+      </p:grpSp>
     </p:spTree>
     <p:extLst>
       <p:ext uri="{BB962C8B-B14F-4D97-AF65-F5344CB8AC3E}">
@@ -15848,7 +15848,7 @@
                 <a:latin typeface="Noto Sans" panose="020B0502040504020204"/>
                 <a:cs typeface="Nirmala UI Semilight" panose="020B0402040204020203" pitchFamily="34" charset="0"/>
               </a:rPr>
-              <a:t>RL - Agent</a:t>
+              <a:t>RL Agent</a:t>
             </a:r>
             <a:endParaRPr lang="de-DE" sz="2800" dirty="0">
               <a:solidFill>
@@ -15889,224 +15889,6 @@
           </a:p>
         </p:txBody>
       </p:sp>
-      <p:grpSp>
-        <p:nvGrpSpPr>
-          <p:cNvPr id="10" name="Gruppieren 9">
-            <a:extLst>
-              <a:ext uri="{FF2B5EF4-FFF2-40B4-BE49-F238E27FC236}">
-                <a16:creationId xmlns:a16="http://schemas.microsoft.com/office/drawing/2014/main" id="{B7E1329A-6886-4A91-BB43-580F9668F6A8}"/>
-              </a:ext>
-            </a:extLst>
-          </p:cNvPr>
-          <p:cNvGrpSpPr>
-            <a:grpSpLocks noChangeAspect="1"/>
-          </p:cNvGrpSpPr>
-          <p:nvPr/>
-        </p:nvGrpSpPr>
-        <p:grpSpPr>
-          <a:xfrm>
-            <a:off x="11178553" y="2431373"/>
-            <a:ext cx="528293" cy="2645076"/>
-            <a:chOff x="9900193" y="1530836"/>
-            <a:chExt cx="920569" cy="4609143"/>
-          </a:xfrm>
-        </p:grpSpPr>
-        <p:pic>
-          <p:nvPicPr>
-            <p:cNvPr id="11" name="Grafik 10" descr="Klemmbrett abgehakt">
-              <a:extLst>
-                <a:ext uri="{FF2B5EF4-FFF2-40B4-BE49-F238E27FC236}">
-                  <a16:creationId xmlns:a16="http://schemas.microsoft.com/office/drawing/2014/main" id="{A9431254-D4B4-40B6-AE85-BCF49175275E}"/>
-                </a:ext>
-              </a:extLst>
-            </p:cNvPr>
-            <p:cNvPicPr>
-              <a:picLocks noChangeAspect="1"/>
-            </p:cNvPicPr>
-            <p:nvPr/>
-          </p:nvPicPr>
-          <p:blipFill>
-            <a:blip r:embed="rId2">
-              <a:extLst>
-                <a:ext uri="{28A0092B-C50C-407E-A947-70E740481C1C}">
-                  <a14:useLocalDpi xmlns:a14="http://schemas.microsoft.com/office/drawing/2010/main" val="0"/>
-                </a:ext>
-                <a:ext uri="{96DAC541-7B7A-43D3-8B79-37D633B846F1}">
-                  <asvg:svgBlip xmlns:asvg="http://schemas.microsoft.com/office/drawing/2016/SVG/main" r:embed="rId3"/>
-                </a:ext>
-              </a:extLst>
-            </a:blip>
-            <a:stretch>
-              <a:fillRect/>
-            </a:stretch>
-          </p:blipFill>
-          <p:spPr>
-            <a:xfrm>
-              <a:off x="9900193" y="5225579"/>
-              <a:ext cx="914400" cy="914400"/>
-            </a:xfrm>
-            <a:prstGeom prst="rect">
-              <a:avLst/>
-            </a:prstGeom>
-          </p:spPr>
-        </p:pic>
-        <p:pic>
-          <p:nvPicPr>
-            <p:cNvPr id="12" name="Grafik 11" descr="Häkchen">
-              <a:extLst>
-                <a:ext uri="{FF2B5EF4-FFF2-40B4-BE49-F238E27FC236}">
-                  <a16:creationId xmlns:a16="http://schemas.microsoft.com/office/drawing/2014/main" id="{5107806B-8F20-4BC6-9C0E-652D04F676AB}"/>
-                </a:ext>
-              </a:extLst>
-            </p:cNvPr>
-            <p:cNvPicPr>
-              <a:picLocks noChangeAspect="1"/>
-            </p:cNvPicPr>
-            <p:nvPr/>
-          </p:nvPicPr>
-          <p:blipFill>
-            <a:blip r:embed="rId4">
-              <a:extLst>
-                <a:ext uri="{28A0092B-C50C-407E-A947-70E740481C1C}">
-                  <a14:useLocalDpi xmlns:a14="http://schemas.microsoft.com/office/drawing/2010/main" val="0"/>
-                </a:ext>
-                <a:ext uri="{96DAC541-7B7A-43D3-8B79-37D633B846F1}">
-                  <asvg:svgBlip xmlns:asvg="http://schemas.microsoft.com/office/drawing/2016/SVG/main" r:embed="rId5"/>
-                </a:ext>
-              </a:extLst>
-            </a:blip>
-            <a:stretch>
-              <a:fillRect/>
-            </a:stretch>
-          </p:blipFill>
-          <p:spPr>
-            <a:xfrm>
-              <a:off x="9906362" y="1530836"/>
-              <a:ext cx="914400" cy="914400"/>
-            </a:xfrm>
-            <a:prstGeom prst="rect">
-              <a:avLst/>
-            </a:prstGeom>
-          </p:spPr>
-        </p:pic>
-        <p:pic>
-          <p:nvPicPr>
-            <p:cNvPr id="13" name="Grafik 12" descr="Gehirn">
-              <a:extLst>
-                <a:ext uri="{FF2B5EF4-FFF2-40B4-BE49-F238E27FC236}">
-                  <a16:creationId xmlns:a16="http://schemas.microsoft.com/office/drawing/2014/main" id="{63100608-3265-44B6-8F00-AB936254C45E}"/>
-                </a:ext>
-              </a:extLst>
-            </p:cNvPr>
-            <p:cNvPicPr>
-              <a:picLocks noChangeAspect="1"/>
-            </p:cNvPicPr>
-            <p:nvPr/>
-          </p:nvPicPr>
-          <p:blipFill>
-            <a:blip r:embed="rId6">
-              <a:extLst>
-                <a:ext uri="{28A0092B-C50C-407E-A947-70E740481C1C}">
-                  <a14:useLocalDpi xmlns:a14="http://schemas.microsoft.com/office/drawing/2010/main" val="0"/>
-                </a:ext>
-                <a:ext uri="{96DAC541-7B7A-43D3-8B79-37D633B846F1}">
-                  <asvg:svgBlip xmlns:asvg="http://schemas.microsoft.com/office/drawing/2016/SVG/main" r:embed="rId7"/>
-                </a:ext>
-              </a:extLst>
-            </a:blip>
-            <a:stretch>
-              <a:fillRect/>
-            </a:stretch>
-          </p:blipFill>
-          <p:spPr>
-            <a:xfrm>
-              <a:off x="9900193" y="3375461"/>
-              <a:ext cx="914400" cy="914400"/>
-            </a:xfrm>
-            <a:prstGeom prst="rect">
-              <a:avLst/>
-            </a:prstGeom>
-          </p:spPr>
-        </p:pic>
-        <p:pic>
-          <p:nvPicPr>
-            <p:cNvPr id="14" name="Grafik 13" descr="Einhorn">
-              <a:extLst>
-                <a:ext uri="{FF2B5EF4-FFF2-40B4-BE49-F238E27FC236}">
-                  <a16:creationId xmlns:a16="http://schemas.microsoft.com/office/drawing/2014/main" id="{793928EC-1DDB-471A-900C-D86B5DD996F2}"/>
-                </a:ext>
-              </a:extLst>
-            </p:cNvPr>
-            <p:cNvPicPr>
-              <a:picLocks noChangeAspect="1"/>
-            </p:cNvPicPr>
-            <p:nvPr/>
-          </p:nvPicPr>
-          <p:blipFill>
-            <a:blip r:embed="rId8">
-              <a:extLst>
-                <a:ext uri="{28A0092B-C50C-407E-A947-70E740481C1C}">
-                  <a14:useLocalDpi xmlns:a14="http://schemas.microsoft.com/office/drawing/2010/main" val="0"/>
-                </a:ext>
-                <a:ext uri="{96DAC541-7B7A-43D3-8B79-37D633B846F1}">
-                  <asvg:svgBlip xmlns:asvg="http://schemas.microsoft.com/office/drawing/2016/SVG/main" r:embed="rId9"/>
-                </a:ext>
-              </a:extLst>
-            </a:blip>
-            <a:stretch>
-              <a:fillRect/>
-            </a:stretch>
-          </p:blipFill>
-          <p:spPr>
-            <a:xfrm>
-              <a:off x="9900193" y="4298238"/>
-              <a:ext cx="914400" cy="914400"/>
-            </a:xfrm>
-            <a:prstGeom prst="rect">
-              <a:avLst/>
-            </a:prstGeom>
-          </p:spPr>
-        </p:pic>
-        <p:pic>
-          <p:nvPicPr>
-            <p:cNvPr id="15" name="Grafik 14" descr="Hierarchie">
-              <a:extLst>
-                <a:ext uri="{FF2B5EF4-FFF2-40B4-BE49-F238E27FC236}">
-                  <a16:creationId xmlns:a16="http://schemas.microsoft.com/office/drawing/2014/main" id="{C4E0777E-47E6-4E82-82B6-36FD53560989}"/>
-                </a:ext>
-              </a:extLst>
-            </p:cNvPr>
-            <p:cNvPicPr>
-              <a:picLocks noChangeAspect="1"/>
-            </p:cNvPicPr>
-            <p:nvPr/>
-          </p:nvPicPr>
-          <p:blipFill>
-            <a:blip r:embed="rId10">
-              <a:extLst>
-                <a:ext uri="{28A0092B-C50C-407E-A947-70E740481C1C}">
-                  <a14:useLocalDpi xmlns:a14="http://schemas.microsoft.com/office/drawing/2010/main" val="0"/>
-                </a:ext>
-                <a:ext uri="{96DAC541-7B7A-43D3-8B79-37D633B846F1}">
-                  <asvg:svgBlip xmlns:asvg="http://schemas.microsoft.com/office/drawing/2016/SVG/main" r:embed="rId11"/>
-                </a:ext>
-              </a:extLst>
-            </a:blip>
-            <a:stretch>
-              <a:fillRect/>
-            </a:stretch>
-          </p:blipFill>
-          <p:spPr>
-            <a:xfrm>
-              <a:off x="9900193" y="2464538"/>
-              <a:ext cx="914400" cy="914400"/>
-            </a:xfrm>
-            <a:prstGeom prst="rect">
-              <a:avLst/>
-            </a:prstGeom>
-          </p:spPr>
-        </p:pic>
-      </p:grpSp>
       <p:pic>
         <p:nvPicPr>
           <p:cNvPr id="2050" name="Picture 2" descr="Logo">
@@ -16122,7 +15904,7 @@
           <p:nvPr/>
         </p:nvPicPr>
         <p:blipFill>
-          <a:blip r:embed="rId12">
+          <a:blip r:embed="rId2">
             <a:extLst>
               <a:ext uri="{28A0092B-C50C-407E-A947-70E740481C1C}">
                 <a14:useLocalDpi xmlns:a14="http://schemas.microsoft.com/office/drawing/2010/main" val="0"/>
@@ -16198,7 +15980,7 @@
               <a:rPr lang="en-US" altLang="zh-CN" dirty="0">
                 <a:latin typeface="Noto Sans" panose="020B0502040504020204"/>
               </a:rPr>
-              <a:t>Use Stable Baselines.</a:t>
+              <a:t>Stable Baselines</a:t>
             </a:r>
           </a:p>
           <a:p>
@@ -16227,7 +16009,7 @@
               <a:rPr lang="en-US" altLang="zh-CN" dirty="0">
                 <a:latin typeface="Noto Sans" panose="020B0502040504020204"/>
               </a:rPr>
-              <a:t>Stable Baselines is a set of improved implementations of Reinforcement Learning (RL) algorithms based on </a:t>
+              <a:t>a set of improved implementations of Reinforcement Learning (RL) algorithms based on </a:t>
             </a:r>
             <a:r>
               <a:rPr lang="en-US" altLang="zh-CN" dirty="0" err="1">
@@ -16239,7 +16021,7 @@
               <a:rPr lang="en-US" altLang="zh-CN" dirty="0">
                 <a:latin typeface="Noto Sans" panose="020B0502040504020204"/>
               </a:rPr>
-              <a:t> Baselines.</a:t>
+              <a:t> Baselines</a:t>
             </a:r>
           </a:p>
           <a:p>
@@ -16339,10 +16121,228 @@
         </p:xfrm>
         <a:graphic>
           <a:graphicData uri="http://schemas.openxmlformats.org/drawingml/2006/diagram">
-            <dgm:relIds xmlns:dgm="http://schemas.openxmlformats.org/drawingml/2006/diagram" xmlns:r="http://schemas.openxmlformats.org/officeDocument/2006/relationships" r:dm="rId13" r:lo="rId14" r:qs="rId15" r:cs="rId16"/>
+            <dgm:relIds xmlns:dgm="http://schemas.openxmlformats.org/drawingml/2006/diagram" xmlns:r="http://schemas.openxmlformats.org/officeDocument/2006/relationships" r:dm="rId3" r:lo="rId4" r:qs="rId5" r:cs="rId6"/>
           </a:graphicData>
         </a:graphic>
       </p:graphicFrame>
+      <p:grpSp>
+        <p:nvGrpSpPr>
+          <p:cNvPr id="23" name="Gruppieren 9">
+            <a:extLst>
+              <a:ext uri="{FF2B5EF4-FFF2-40B4-BE49-F238E27FC236}">
+                <a16:creationId xmlns:a16="http://schemas.microsoft.com/office/drawing/2014/main" id="{9CADE211-A194-4442-B468-B9122C2C1266}"/>
+              </a:ext>
+            </a:extLst>
+          </p:cNvPr>
+          <p:cNvGrpSpPr>
+            <a:grpSpLocks noChangeAspect="1"/>
+          </p:cNvGrpSpPr>
+          <p:nvPr/>
+        </p:nvGrpSpPr>
+        <p:grpSpPr>
+          <a:xfrm>
+            <a:off x="11178553" y="2431373"/>
+            <a:ext cx="528293" cy="2645076"/>
+            <a:chOff x="9900193" y="1530836"/>
+            <a:chExt cx="920569" cy="4609143"/>
+          </a:xfrm>
+        </p:grpSpPr>
+        <p:pic>
+          <p:nvPicPr>
+            <p:cNvPr id="24" name="Grafik 10" descr="Klemmbrett abgehakt">
+              <a:extLst>
+                <a:ext uri="{FF2B5EF4-FFF2-40B4-BE49-F238E27FC236}">
+                  <a16:creationId xmlns:a16="http://schemas.microsoft.com/office/drawing/2014/main" id="{B781BC4C-E953-487A-887F-CB151F13F1FC}"/>
+                </a:ext>
+              </a:extLst>
+            </p:cNvPr>
+            <p:cNvPicPr>
+              <a:picLocks noChangeAspect="1"/>
+            </p:cNvPicPr>
+            <p:nvPr/>
+          </p:nvPicPr>
+          <p:blipFill>
+            <a:blip r:embed="rId8">
+              <a:extLst>
+                <a:ext uri="{28A0092B-C50C-407E-A947-70E740481C1C}">
+                  <a14:useLocalDpi xmlns:a14="http://schemas.microsoft.com/office/drawing/2010/main" val="0"/>
+                </a:ext>
+                <a:ext uri="{96DAC541-7B7A-43D3-8B79-37D633B846F1}">
+                  <asvg:svgBlip xmlns:asvg="http://schemas.microsoft.com/office/drawing/2016/SVG/main" r:embed="rId9"/>
+                </a:ext>
+              </a:extLst>
+            </a:blip>
+            <a:stretch>
+              <a:fillRect/>
+            </a:stretch>
+          </p:blipFill>
+          <p:spPr>
+            <a:xfrm>
+              <a:off x="9900193" y="5225579"/>
+              <a:ext cx="914400" cy="914400"/>
+            </a:xfrm>
+            <a:prstGeom prst="rect">
+              <a:avLst/>
+            </a:prstGeom>
+          </p:spPr>
+        </p:pic>
+        <p:pic>
+          <p:nvPicPr>
+            <p:cNvPr id="25" name="Grafik 11" descr="Häkchen">
+              <a:extLst>
+                <a:ext uri="{FF2B5EF4-FFF2-40B4-BE49-F238E27FC236}">
+                  <a16:creationId xmlns:a16="http://schemas.microsoft.com/office/drawing/2014/main" id="{DB37ED9E-05C6-4A54-A474-316D80B1E87A}"/>
+                </a:ext>
+              </a:extLst>
+            </p:cNvPr>
+            <p:cNvPicPr>
+              <a:picLocks noChangeAspect="1"/>
+            </p:cNvPicPr>
+            <p:nvPr/>
+          </p:nvPicPr>
+          <p:blipFill>
+            <a:blip r:embed="rId10">
+              <a:extLst>
+                <a:ext uri="{28A0092B-C50C-407E-A947-70E740481C1C}">
+                  <a14:useLocalDpi xmlns:a14="http://schemas.microsoft.com/office/drawing/2010/main" val="0"/>
+                </a:ext>
+                <a:ext uri="{96DAC541-7B7A-43D3-8B79-37D633B846F1}">
+                  <asvg:svgBlip xmlns:asvg="http://schemas.microsoft.com/office/drawing/2016/SVG/main" r:embed="rId11"/>
+                </a:ext>
+              </a:extLst>
+            </a:blip>
+            <a:stretch>
+              <a:fillRect/>
+            </a:stretch>
+          </p:blipFill>
+          <p:spPr>
+            <a:xfrm>
+              <a:off x="9906362" y="1530836"/>
+              <a:ext cx="914400" cy="914400"/>
+            </a:xfrm>
+            <a:prstGeom prst="rect">
+              <a:avLst/>
+            </a:prstGeom>
+          </p:spPr>
+        </p:pic>
+        <p:pic>
+          <p:nvPicPr>
+            <p:cNvPr id="26" name="Grafik 12" descr="Gehirn">
+              <a:extLst>
+                <a:ext uri="{FF2B5EF4-FFF2-40B4-BE49-F238E27FC236}">
+                  <a16:creationId xmlns:a16="http://schemas.microsoft.com/office/drawing/2014/main" id="{15E4E5A0-072F-4DEA-B837-9BB1A2C877E1}"/>
+                </a:ext>
+              </a:extLst>
+            </p:cNvPr>
+            <p:cNvPicPr>
+              <a:picLocks noChangeAspect="1"/>
+            </p:cNvPicPr>
+            <p:nvPr/>
+          </p:nvPicPr>
+          <p:blipFill>
+            <a:blip r:embed="rId12">
+              <a:extLst>
+                <a:ext uri="{28A0092B-C50C-407E-A947-70E740481C1C}">
+                  <a14:useLocalDpi xmlns:a14="http://schemas.microsoft.com/office/drawing/2010/main" val="0"/>
+                </a:ext>
+                <a:ext uri="{96DAC541-7B7A-43D3-8B79-37D633B846F1}">
+                  <asvg:svgBlip xmlns:asvg="http://schemas.microsoft.com/office/drawing/2016/SVG/main" r:embed="rId13"/>
+                </a:ext>
+              </a:extLst>
+            </a:blip>
+            <a:stretch>
+              <a:fillRect/>
+            </a:stretch>
+          </p:blipFill>
+          <p:spPr>
+            <a:xfrm>
+              <a:off x="9900193" y="3375461"/>
+              <a:ext cx="914400" cy="914400"/>
+            </a:xfrm>
+            <a:prstGeom prst="rect">
+              <a:avLst/>
+            </a:prstGeom>
+          </p:spPr>
+        </p:pic>
+        <p:pic>
+          <p:nvPicPr>
+            <p:cNvPr id="27" name="Grafik 13" descr="Einhorn">
+              <a:extLst>
+                <a:ext uri="{FF2B5EF4-FFF2-40B4-BE49-F238E27FC236}">
+                  <a16:creationId xmlns:a16="http://schemas.microsoft.com/office/drawing/2014/main" id="{F8D9B0A1-98DC-48BE-96AE-F0FE6256D35D}"/>
+                </a:ext>
+              </a:extLst>
+            </p:cNvPr>
+            <p:cNvPicPr>
+              <a:picLocks noChangeAspect="1"/>
+            </p:cNvPicPr>
+            <p:nvPr/>
+          </p:nvPicPr>
+          <p:blipFill>
+            <a:blip r:embed="rId14">
+              <a:extLst>
+                <a:ext uri="{28A0092B-C50C-407E-A947-70E740481C1C}">
+                  <a14:useLocalDpi xmlns:a14="http://schemas.microsoft.com/office/drawing/2010/main" val="0"/>
+                </a:ext>
+                <a:ext uri="{96DAC541-7B7A-43D3-8B79-37D633B846F1}">
+                  <asvg:svgBlip xmlns:asvg="http://schemas.microsoft.com/office/drawing/2016/SVG/main" r:embed="rId15"/>
+                </a:ext>
+              </a:extLst>
+            </a:blip>
+            <a:stretch>
+              <a:fillRect/>
+            </a:stretch>
+          </p:blipFill>
+          <p:spPr>
+            <a:xfrm>
+              <a:off x="9900193" y="4298238"/>
+              <a:ext cx="914400" cy="914400"/>
+            </a:xfrm>
+            <a:prstGeom prst="rect">
+              <a:avLst/>
+            </a:prstGeom>
+          </p:spPr>
+        </p:pic>
+        <p:pic>
+          <p:nvPicPr>
+            <p:cNvPr id="28" name="Grafik 14" descr="Hierarchie">
+              <a:extLst>
+                <a:ext uri="{FF2B5EF4-FFF2-40B4-BE49-F238E27FC236}">
+                  <a16:creationId xmlns:a16="http://schemas.microsoft.com/office/drawing/2014/main" id="{DEC7926C-E3B5-4E23-9C97-B58B69A059F1}"/>
+                </a:ext>
+              </a:extLst>
+            </p:cNvPr>
+            <p:cNvPicPr>
+              <a:picLocks noChangeAspect="1"/>
+            </p:cNvPicPr>
+            <p:nvPr/>
+          </p:nvPicPr>
+          <p:blipFill>
+            <a:blip r:embed="rId16">
+              <a:extLst>
+                <a:ext uri="{28A0092B-C50C-407E-A947-70E740481C1C}">
+                  <a14:useLocalDpi xmlns:a14="http://schemas.microsoft.com/office/drawing/2010/main" val="0"/>
+                </a:ext>
+                <a:ext uri="{96DAC541-7B7A-43D3-8B79-37D633B846F1}">
+                  <asvg:svgBlip xmlns:asvg="http://schemas.microsoft.com/office/drawing/2016/SVG/main" r:embed="rId17"/>
+                </a:ext>
+              </a:extLst>
+            </a:blip>
+            <a:stretch>
+              <a:fillRect/>
+            </a:stretch>
+          </p:blipFill>
+          <p:spPr>
+            <a:xfrm>
+              <a:off x="9900193" y="2464538"/>
+              <a:ext cx="914400" cy="914400"/>
+            </a:xfrm>
+            <a:prstGeom prst="rect">
+              <a:avLst/>
+            </a:prstGeom>
+          </p:spPr>
+        </p:pic>
+      </p:grpSp>
     </p:spTree>
     <p:extLst>
       <p:ext uri="{BB962C8B-B14F-4D97-AF65-F5344CB8AC3E}">
@@ -16467,224 +16467,6 @@
           </a:p>
         </p:txBody>
       </p:sp>
-      <p:grpSp>
-        <p:nvGrpSpPr>
-          <p:cNvPr id="10" name="Gruppieren 9">
-            <a:extLst>
-              <a:ext uri="{FF2B5EF4-FFF2-40B4-BE49-F238E27FC236}">
-                <a16:creationId xmlns:a16="http://schemas.microsoft.com/office/drawing/2014/main" id="{B7E1329A-6886-4A91-BB43-580F9668F6A8}"/>
-              </a:ext>
-            </a:extLst>
-          </p:cNvPr>
-          <p:cNvGrpSpPr>
-            <a:grpSpLocks noChangeAspect="1"/>
-          </p:cNvGrpSpPr>
-          <p:nvPr/>
-        </p:nvGrpSpPr>
-        <p:grpSpPr>
-          <a:xfrm>
-            <a:off x="11178553" y="2431373"/>
-            <a:ext cx="528293" cy="2645076"/>
-            <a:chOff x="9900193" y="1530836"/>
-            <a:chExt cx="920569" cy="4609143"/>
-          </a:xfrm>
-        </p:grpSpPr>
-        <p:pic>
-          <p:nvPicPr>
-            <p:cNvPr id="11" name="Grafik 10" descr="Klemmbrett abgehakt">
-              <a:extLst>
-                <a:ext uri="{FF2B5EF4-FFF2-40B4-BE49-F238E27FC236}">
-                  <a16:creationId xmlns:a16="http://schemas.microsoft.com/office/drawing/2014/main" id="{A9431254-D4B4-40B6-AE85-BCF49175275E}"/>
-                </a:ext>
-              </a:extLst>
-            </p:cNvPr>
-            <p:cNvPicPr>
-              <a:picLocks noChangeAspect="1"/>
-            </p:cNvPicPr>
-            <p:nvPr/>
-          </p:nvPicPr>
-          <p:blipFill>
-            <a:blip r:embed="rId2">
-              <a:extLst>
-                <a:ext uri="{28A0092B-C50C-407E-A947-70E740481C1C}">
-                  <a14:useLocalDpi xmlns:a14="http://schemas.microsoft.com/office/drawing/2010/main" val="0"/>
-                </a:ext>
-                <a:ext uri="{96DAC541-7B7A-43D3-8B79-37D633B846F1}">
-                  <asvg:svgBlip xmlns:asvg="http://schemas.microsoft.com/office/drawing/2016/SVG/main" r:embed="rId3"/>
-                </a:ext>
-              </a:extLst>
-            </a:blip>
-            <a:stretch>
-              <a:fillRect/>
-            </a:stretch>
-          </p:blipFill>
-          <p:spPr>
-            <a:xfrm>
-              <a:off x="9900193" y="5225579"/>
-              <a:ext cx="914400" cy="914400"/>
-            </a:xfrm>
-            <a:prstGeom prst="rect">
-              <a:avLst/>
-            </a:prstGeom>
-          </p:spPr>
-        </p:pic>
-        <p:pic>
-          <p:nvPicPr>
-            <p:cNvPr id="12" name="Grafik 11" descr="Häkchen">
-              <a:extLst>
-                <a:ext uri="{FF2B5EF4-FFF2-40B4-BE49-F238E27FC236}">
-                  <a16:creationId xmlns:a16="http://schemas.microsoft.com/office/drawing/2014/main" id="{5107806B-8F20-4BC6-9C0E-652D04F676AB}"/>
-                </a:ext>
-              </a:extLst>
-            </p:cNvPr>
-            <p:cNvPicPr>
-              <a:picLocks noChangeAspect="1"/>
-            </p:cNvPicPr>
-            <p:nvPr/>
-          </p:nvPicPr>
-          <p:blipFill>
-            <a:blip r:embed="rId4">
-              <a:extLst>
-                <a:ext uri="{28A0092B-C50C-407E-A947-70E740481C1C}">
-                  <a14:useLocalDpi xmlns:a14="http://schemas.microsoft.com/office/drawing/2010/main" val="0"/>
-                </a:ext>
-                <a:ext uri="{96DAC541-7B7A-43D3-8B79-37D633B846F1}">
-                  <asvg:svgBlip xmlns:asvg="http://schemas.microsoft.com/office/drawing/2016/SVG/main" r:embed="rId5"/>
-                </a:ext>
-              </a:extLst>
-            </a:blip>
-            <a:stretch>
-              <a:fillRect/>
-            </a:stretch>
-          </p:blipFill>
-          <p:spPr>
-            <a:xfrm>
-              <a:off x="9906362" y="1530836"/>
-              <a:ext cx="914400" cy="914400"/>
-            </a:xfrm>
-            <a:prstGeom prst="rect">
-              <a:avLst/>
-            </a:prstGeom>
-          </p:spPr>
-        </p:pic>
-        <p:pic>
-          <p:nvPicPr>
-            <p:cNvPr id="13" name="Grafik 12" descr="Gehirn">
-              <a:extLst>
-                <a:ext uri="{FF2B5EF4-FFF2-40B4-BE49-F238E27FC236}">
-                  <a16:creationId xmlns:a16="http://schemas.microsoft.com/office/drawing/2014/main" id="{63100608-3265-44B6-8F00-AB936254C45E}"/>
-                </a:ext>
-              </a:extLst>
-            </p:cNvPr>
-            <p:cNvPicPr>
-              <a:picLocks noChangeAspect="1"/>
-            </p:cNvPicPr>
-            <p:nvPr/>
-          </p:nvPicPr>
-          <p:blipFill>
-            <a:blip r:embed="rId6">
-              <a:extLst>
-                <a:ext uri="{28A0092B-C50C-407E-A947-70E740481C1C}">
-                  <a14:useLocalDpi xmlns:a14="http://schemas.microsoft.com/office/drawing/2010/main" val="0"/>
-                </a:ext>
-                <a:ext uri="{96DAC541-7B7A-43D3-8B79-37D633B846F1}">
-                  <asvg:svgBlip xmlns:asvg="http://schemas.microsoft.com/office/drawing/2016/SVG/main" r:embed="rId7"/>
-                </a:ext>
-              </a:extLst>
-            </a:blip>
-            <a:stretch>
-              <a:fillRect/>
-            </a:stretch>
-          </p:blipFill>
-          <p:spPr>
-            <a:xfrm>
-              <a:off x="9900193" y="3375461"/>
-              <a:ext cx="914400" cy="914400"/>
-            </a:xfrm>
-            <a:prstGeom prst="rect">
-              <a:avLst/>
-            </a:prstGeom>
-          </p:spPr>
-        </p:pic>
-        <p:pic>
-          <p:nvPicPr>
-            <p:cNvPr id="14" name="Grafik 13" descr="Einhorn">
-              <a:extLst>
-                <a:ext uri="{FF2B5EF4-FFF2-40B4-BE49-F238E27FC236}">
-                  <a16:creationId xmlns:a16="http://schemas.microsoft.com/office/drawing/2014/main" id="{793928EC-1DDB-471A-900C-D86B5DD996F2}"/>
-                </a:ext>
-              </a:extLst>
-            </p:cNvPr>
-            <p:cNvPicPr>
-              <a:picLocks noChangeAspect="1"/>
-            </p:cNvPicPr>
-            <p:nvPr/>
-          </p:nvPicPr>
-          <p:blipFill>
-            <a:blip r:embed="rId8">
-              <a:extLst>
-                <a:ext uri="{28A0092B-C50C-407E-A947-70E740481C1C}">
-                  <a14:useLocalDpi xmlns:a14="http://schemas.microsoft.com/office/drawing/2010/main" val="0"/>
-                </a:ext>
-                <a:ext uri="{96DAC541-7B7A-43D3-8B79-37D633B846F1}">
-                  <asvg:svgBlip xmlns:asvg="http://schemas.microsoft.com/office/drawing/2016/SVG/main" r:embed="rId9"/>
-                </a:ext>
-              </a:extLst>
-            </a:blip>
-            <a:stretch>
-              <a:fillRect/>
-            </a:stretch>
-          </p:blipFill>
-          <p:spPr>
-            <a:xfrm>
-              <a:off x="9900193" y="4298238"/>
-              <a:ext cx="914400" cy="914400"/>
-            </a:xfrm>
-            <a:prstGeom prst="rect">
-              <a:avLst/>
-            </a:prstGeom>
-          </p:spPr>
-        </p:pic>
-        <p:pic>
-          <p:nvPicPr>
-            <p:cNvPr id="15" name="Grafik 14" descr="Hierarchie">
-              <a:extLst>
-                <a:ext uri="{FF2B5EF4-FFF2-40B4-BE49-F238E27FC236}">
-                  <a16:creationId xmlns:a16="http://schemas.microsoft.com/office/drawing/2014/main" id="{C4E0777E-47E6-4E82-82B6-36FD53560989}"/>
-                </a:ext>
-              </a:extLst>
-            </p:cNvPr>
-            <p:cNvPicPr>
-              <a:picLocks noChangeAspect="1"/>
-            </p:cNvPicPr>
-            <p:nvPr/>
-          </p:nvPicPr>
-          <p:blipFill>
-            <a:blip r:embed="rId10">
-              <a:extLst>
-                <a:ext uri="{28A0092B-C50C-407E-A947-70E740481C1C}">
-                  <a14:useLocalDpi xmlns:a14="http://schemas.microsoft.com/office/drawing/2010/main" val="0"/>
-                </a:ext>
-                <a:ext uri="{96DAC541-7B7A-43D3-8B79-37D633B846F1}">
-                  <asvg:svgBlip xmlns:asvg="http://schemas.microsoft.com/office/drawing/2016/SVG/main" r:embed="rId11"/>
-                </a:ext>
-              </a:extLst>
-            </a:blip>
-            <a:stretch>
-              <a:fillRect/>
-            </a:stretch>
-          </p:blipFill>
-          <p:spPr>
-            <a:xfrm>
-              <a:off x="9900193" y="2464538"/>
-              <a:ext cx="914400" cy="914400"/>
-            </a:xfrm>
-            <a:prstGeom prst="rect">
-              <a:avLst/>
-            </a:prstGeom>
-          </p:spPr>
-        </p:pic>
-      </p:grpSp>
       <p:sp>
         <p:nvSpPr>
           <p:cNvPr id="17" name="文本框 16">
@@ -16853,21 +16635,239 @@
           <p:nvPr/>
         </p:nvPicPr>
         <p:blipFill>
-          <a:blip r:embed="rId12"/>
+          <a:blip r:embed="rId2"/>
           <a:stretch>
             <a:fillRect/>
           </a:stretch>
         </p:blipFill>
         <p:spPr>
           <a:xfrm>
-            <a:off x="6313732" y="3988149"/>
-            <a:ext cx="3255265" cy="2076777"/>
+            <a:off x="5371315" y="1693690"/>
+            <a:ext cx="4186874" cy="2671120"/>
           </a:xfrm>
           <a:prstGeom prst="rect">
             <a:avLst/>
           </a:prstGeom>
         </p:spPr>
       </p:pic>
+      <p:grpSp>
+        <p:nvGrpSpPr>
+          <p:cNvPr id="23" name="Gruppieren 9">
+            <a:extLst>
+              <a:ext uri="{FF2B5EF4-FFF2-40B4-BE49-F238E27FC236}">
+                <a16:creationId xmlns:a16="http://schemas.microsoft.com/office/drawing/2014/main" id="{F06EA299-5A5C-423E-99D4-895E54047BB7}"/>
+              </a:ext>
+            </a:extLst>
+          </p:cNvPr>
+          <p:cNvGrpSpPr>
+            <a:grpSpLocks noChangeAspect="1"/>
+          </p:cNvGrpSpPr>
+          <p:nvPr/>
+        </p:nvGrpSpPr>
+        <p:grpSpPr>
+          <a:xfrm>
+            <a:off x="11178553" y="2431373"/>
+            <a:ext cx="528293" cy="2645076"/>
+            <a:chOff x="9900193" y="1530836"/>
+            <a:chExt cx="920569" cy="4609143"/>
+          </a:xfrm>
+        </p:grpSpPr>
+        <p:pic>
+          <p:nvPicPr>
+            <p:cNvPr id="24" name="Grafik 10" descr="Klemmbrett abgehakt">
+              <a:extLst>
+                <a:ext uri="{FF2B5EF4-FFF2-40B4-BE49-F238E27FC236}">
+                  <a16:creationId xmlns:a16="http://schemas.microsoft.com/office/drawing/2014/main" id="{70EF96F5-B270-4A90-886A-9530041A9FE4}"/>
+                </a:ext>
+              </a:extLst>
+            </p:cNvPr>
+            <p:cNvPicPr>
+              <a:picLocks noChangeAspect="1"/>
+            </p:cNvPicPr>
+            <p:nvPr/>
+          </p:nvPicPr>
+          <p:blipFill>
+            <a:blip r:embed="rId3">
+              <a:extLst>
+                <a:ext uri="{28A0092B-C50C-407E-A947-70E740481C1C}">
+                  <a14:useLocalDpi xmlns:a14="http://schemas.microsoft.com/office/drawing/2010/main" val="0"/>
+                </a:ext>
+                <a:ext uri="{96DAC541-7B7A-43D3-8B79-37D633B846F1}">
+                  <asvg:svgBlip xmlns:asvg="http://schemas.microsoft.com/office/drawing/2016/SVG/main" r:embed="rId4"/>
+                </a:ext>
+              </a:extLst>
+            </a:blip>
+            <a:stretch>
+              <a:fillRect/>
+            </a:stretch>
+          </p:blipFill>
+          <p:spPr>
+            <a:xfrm>
+              <a:off x="9900193" y="5225579"/>
+              <a:ext cx="914400" cy="914400"/>
+            </a:xfrm>
+            <a:prstGeom prst="rect">
+              <a:avLst/>
+            </a:prstGeom>
+          </p:spPr>
+        </p:pic>
+        <p:pic>
+          <p:nvPicPr>
+            <p:cNvPr id="25" name="Grafik 11" descr="Häkchen">
+              <a:extLst>
+                <a:ext uri="{FF2B5EF4-FFF2-40B4-BE49-F238E27FC236}">
+                  <a16:creationId xmlns:a16="http://schemas.microsoft.com/office/drawing/2014/main" id="{3B571315-4843-4DDE-836D-A69452D51FDF}"/>
+                </a:ext>
+              </a:extLst>
+            </p:cNvPr>
+            <p:cNvPicPr>
+              <a:picLocks noChangeAspect="1"/>
+            </p:cNvPicPr>
+            <p:nvPr/>
+          </p:nvPicPr>
+          <p:blipFill>
+            <a:blip r:embed="rId5">
+              <a:extLst>
+                <a:ext uri="{28A0092B-C50C-407E-A947-70E740481C1C}">
+                  <a14:useLocalDpi xmlns:a14="http://schemas.microsoft.com/office/drawing/2010/main" val="0"/>
+                </a:ext>
+                <a:ext uri="{96DAC541-7B7A-43D3-8B79-37D633B846F1}">
+                  <asvg:svgBlip xmlns:asvg="http://schemas.microsoft.com/office/drawing/2016/SVG/main" r:embed="rId6"/>
+                </a:ext>
+              </a:extLst>
+            </a:blip>
+            <a:stretch>
+              <a:fillRect/>
+            </a:stretch>
+          </p:blipFill>
+          <p:spPr>
+            <a:xfrm>
+              <a:off x="9906362" y="1530836"/>
+              <a:ext cx="914400" cy="914400"/>
+            </a:xfrm>
+            <a:prstGeom prst="rect">
+              <a:avLst/>
+            </a:prstGeom>
+          </p:spPr>
+        </p:pic>
+        <p:pic>
+          <p:nvPicPr>
+            <p:cNvPr id="26" name="Grafik 12" descr="Gehirn">
+              <a:extLst>
+                <a:ext uri="{FF2B5EF4-FFF2-40B4-BE49-F238E27FC236}">
+                  <a16:creationId xmlns:a16="http://schemas.microsoft.com/office/drawing/2014/main" id="{0082EDCC-0B24-43B7-B680-0EC2A753EA7B}"/>
+                </a:ext>
+              </a:extLst>
+            </p:cNvPr>
+            <p:cNvPicPr>
+              <a:picLocks noChangeAspect="1"/>
+            </p:cNvPicPr>
+            <p:nvPr/>
+          </p:nvPicPr>
+          <p:blipFill>
+            <a:blip r:embed="rId7">
+              <a:extLst>
+                <a:ext uri="{28A0092B-C50C-407E-A947-70E740481C1C}">
+                  <a14:useLocalDpi xmlns:a14="http://schemas.microsoft.com/office/drawing/2010/main" val="0"/>
+                </a:ext>
+                <a:ext uri="{96DAC541-7B7A-43D3-8B79-37D633B846F1}">
+                  <asvg:svgBlip xmlns:asvg="http://schemas.microsoft.com/office/drawing/2016/SVG/main" r:embed="rId8"/>
+                </a:ext>
+              </a:extLst>
+            </a:blip>
+            <a:stretch>
+              <a:fillRect/>
+            </a:stretch>
+          </p:blipFill>
+          <p:spPr>
+            <a:xfrm>
+              <a:off x="9900193" y="3375461"/>
+              <a:ext cx="914400" cy="914400"/>
+            </a:xfrm>
+            <a:prstGeom prst="rect">
+              <a:avLst/>
+            </a:prstGeom>
+          </p:spPr>
+        </p:pic>
+        <p:pic>
+          <p:nvPicPr>
+            <p:cNvPr id="27" name="Grafik 13" descr="Einhorn">
+              <a:extLst>
+                <a:ext uri="{FF2B5EF4-FFF2-40B4-BE49-F238E27FC236}">
+                  <a16:creationId xmlns:a16="http://schemas.microsoft.com/office/drawing/2014/main" id="{E184F329-CDE2-4285-882E-AA3D55B498AF}"/>
+                </a:ext>
+              </a:extLst>
+            </p:cNvPr>
+            <p:cNvPicPr>
+              <a:picLocks noChangeAspect="1"/>
+            </p:cNvPicPr>
+            <p:nvPr/>
+          </p:nvPicPr>
+          <p:blipFill>
+            <a:blip r:embed="rId9">
+              <a:extLst>
+                <a:ext uri="{28A0092B-C50C-407E-A947-70E740481C1C}">
+                  <a14:useLocalDpi xmlns:a14="http://schemas.microsoft.com/office/drawing/2010/main" val="0"/>
+                </a:ext>
+                <a:ext uri="{96DAC541-7B7A-43D3-8B79-37D633B846F1}">
+                  <asvg:svgBlip xmlns:asvg="http://schemas.microsoft.com/office/drawing/2016/SVG/main" r:embed="rId10"/>
+                </a:ext>
+              </a:extLst>
+            </a:blip>
+            <a:stretch>
+              <a:fillRect/>
+            </a:stretch>
+          </p:blipFill>
+          <p:spPr>
+            <a:xfrm>
+              <a:off x="9900193" y="4298238"/>
+              <a:ext cx="914400" cy="914400"/>
+            </a:xfrm>
+            <a:prstGeom prst="rect">
+              <a:avLst/>
+            </a:prstGeom>
+          </p:spPr>
+        </p:pic>
+        <p:pic>
+          <p:nvPicPr>
+            <p:cNvPr id="28" name="Grafik 14" descr="Hierarchie">
+              <a:extLst>
+                <a:ext uri="{FF2B5EF4-FFF2-40B4-BE49-F238E27FC236}">
+                  <a16:creationId xmlns:a16="http://schemas.microsoft.com/office/drawing/2014/main" id="{86AF3BF5-518C-4417-B25B-5FD220B16A36}"/>
+                </a:ext>
+              </a:extLst>
+            </p:cNvPr>
+            <p:cNvPicPr>
+              <a:picLocks noChangeAspect="1"/>
+            </p:cNvPicPr>
+            <p:nvPr/>
+          </p:nvPicPr>
+          <p:blipFill>
+            <a:blip r:embed="rId11">
+              <a:extLst>
+                <a:ext uri="{28A0092B-C50C-407E-A947-70E740481C1C}">
+                  <a14:useLocalDpi xmlns:a14="http://schemas.microsoft.com/office/drawing/2010/main" val="0"/>
+                </a:ext>
+                <a:ext uri="{96DAC541-7B7A-43D3-8B79-37D633B846F1}">
+                  <asvg:svgBlip xmlns:asvg="http://schemas.microsoft.com/office/drawing/2016/SVG/main" r:embed="rId12"/>
+                </a:ext>
+              </a:extLst>
+            </a:blip>
+            <a:stretch>
+              <a:fillRect/>
+            </a:stretch>
+          </p:blipFill>
+          <p:spPr>
+            <a:xfrm>
+              <a:off x="9900193" y="2464538"/>
+              <a:ext cx="914400" cy="914400"/>
+            </a:xfrm>
+            <a:prstGeom prst="rect">
+              <a:avLst/>
+            </a:prstGeom>
+          </p:spPr>
+        </p:pic>
+      </p:grpSp>
     </p:spTree>
     <p:extLst>
       <p:ext uri="{BB962C8B-B14F-4D97-AF65-F5344CB8AC3E}">
@@ -16992,224 +16992,6 @@
           </a:p>
         </p:txBody>
       </p:sp>
-      <p:grpSp>
-        <p:nvGrpSpPr>
-          <p:cNvPr id="10" name="Gruppieren 9">
-            <a:extLst>
-              <a:ext uri="{FF2B5EF4-FFF2-40B4-BE49-F238E27FC236}">
-                <a16:creationId xmlns:a16="http://schemas.microsoft.com/office/drawing/2014/main" id="{B7E1329A-6886-4A91-BB43-580F9668F6A8}"/>
-              </a:ext>
-            </a:extLst>
-          </p:cNvPr>
-          <p:cNvGrpSpPr>
-            <a:grpSpLocks noChangeAspect="1"/>
-          </p:cNvGrpSpPr>
-          <p:nvPr/>
-        </p:nvGrpSpPr>
-        <p:grpSpPr>
-          <a:xfrm>
-            <a:off x="11178553" y="2431373"/>
-            <a:ext cx="528293" cy="2645076"/>
-            <a:chOff x="9900193" y="1530836"/>
-            <a:chExt cx="920569" cy="4609143"/>
-          </a:xfrm>
-        </p:grpSpPr>
-        <p:pic>
-          <p:nvPicPr>
-            <p:cNvPr id="11" name="Grafik 10" descr="Klemmbrett abgehakt">
-              <a:extLst>
-                <a:ext uri="{FF2B5EF4-FFF2-40B4-BE49-F238E27FC236}">
-                  <a16:creationId xmlns:a16="http://schemas.microsoft.com/office/drawing/2014/main" id="{A9431254-D4B4-40B6-AE85-BCF49175275E}"/>
-                </a:ext>
-              </a:extLst>
-            </p:cNvPr>
-            <p:cNvPicPr>
-              <a:picLocks noChangeAspect="1"/>
-            </p:cNvPicPr>
-            <p:nvPr/>
-          </p:nvPicPr>
-          <p:blipFill>
-            <a:blip r:embed="rId2">
-              <a:extLst>
-                <a:ext uri="{28A0092B-C50C-407E-A947-70E740481C1C}">
-                  <a14:useLocalDpi xmlns:a14="http://schemas.microsoft.com/office/drawing/2010/main" val="0"/>
-                </a:ext>
-                <a:ext uri="{96DAC541-7B7A-43D3-8B79-37D633B846F1}">
-                  <asvg:svgBlip xmlns:asvg="http://schemas.microsoft.com/office/drawing/2016/SVG/main" r:embed="rId3"/>
-                </a:ext>
-              </a:extLst>
-            </a:blip>
-            <a:stretch>
-              <a:fillRect/>
-            </a:stretch>
-          </p:blipFill>
-          <p:spPr>
-            <a:xfrm>
-              <a:off x="9900193" y="5225579"/>
-              <a:ext cx="914400" cy="914400"/>
-            </a:xfrm>
-            <a:prstGeom prst="rect">
-              <a:avLst/>
-            </a:prstGeom>
-          </p:spPr>
-        </p:pic>
-        <p:pic>
-          <p:nvPicPr>
-            <p:cNvPr id="12" name="Grafik 11" descr="Häkchen">
-              <a:extLst>
-                <a:ext uri="{FF2B5EF4-FFF2-40B4-BE49-F238E27FC236}">
-                  <a16:creationId xmlns:a16="http://schemas.microsoft.com/office/drawing/2014/main" id="{5107806B-8F20-4BC6-9C0E-652D04F676AB}"/>
-                </a:ext>
-              </a:extLst>
-            </p:cNvPr>
-            <p:cNvPicPr>
-              <a:picLocks noChangeAspect="1"/>
-            </p:cNvPicPr>
-            <p:nvPr/>
-          </p:nvPicPr>
-          <p:blipFill>
-            <a:blip r:embed="rId4">
-              <a:extLst>
-                <a:ext uri="{28A0092B-C50C-407E-A947-70E740481C1C}">
-                  <a14:useLocalDpi xmlns:a14="http://schemas.microsoft.com/office/drawing/2010/main" val="0"/>
-                </a:ext>
-                <a:ext uri="{96DAC541-7B7A-43D3-8B79-37D633B846F1}">
-                  <asvg:svgBlip xmlns:asvg="http://schemas.microsoft.com/office/drawing/2016/SVG/main" r:embed="rId5"/>
-                </a:ext>
-              </a:extLst>
-            </a:blip>
-            <a:stretch>
-              <a:fillRect/>
-            </a:stretch>
-          </p:blipFill>
-          <p:spPr>
-            <a:xfrm>
-              <a:off x="9906362" y="1530836"/>
-              <a:ext cx="914400" cy="914400"/>
-            </a:xfrm>
-            <a:prstGeom prst="rect">
-              <a:avLst/>
-            </a:prstGeom>
-          </p:spPr>
-        </p:pic>
-        <p:pic>
-          <p:nvPicPr>
-            <p:cNvPr id="13" name="Grafik 12" descr="Gehirn">
-              <a:extLst>
-                <a:ext uri="{FF2B5EF4-FFF2-40B4-BE49-F238E27FC236}">
-                  <a16:creationId xmlns:a16="http://schemas.microsoft.com/office/drawing/2014/main" id="{63100608-3265-44B6-8F00-AB936254C45E}"/>
-                </a:ext>
-              </a:extLst>
-            </p:cNvPr>
-            <p:cNvPicPr>
-              <a:picLocks noChangeAspect="1"/>
-            </p:cNvPicPr>
-            <p:nvPr/>
-          </p:nvPicPr>
-          <p:blipFill>
-            <a:blip r:embed="rId6">
-              <a:extLst>
-                <a:ext uri="{28A0092B-C50C-407E-A947-70E740481C1C}">
-                  <a14:useLocalDpi xmlns:a14="http://schemas.microsoft.com/office/drawing/2010/main" val="0"/>
-                </a:ext>
-                <a:ext uri="{96DAC541-7B7A-43D3-8B79-37D633B846F1}">
-                  <asvg:svgBlip xmlns:asvg="http://schemas.microsoft.com/office/drawing/2016/SVG/main" r:embed="rId7"/>
-                </a:ext>
-              </a:extLst>
-            </a:blip>
-            <a:stretch>
-              <a:fillRect/>
-            </a:stretch>
-          </p:blipFill>
-          <p:spPr>
-            <a:xfrm>
-              <a:off x="9900193" y="3375461"/>
-              <a:ext cx="914400" cy="914400"/>
-            </a:xfrm>
-            <a:prstGeom prst="rect">
-              <a:avLst/>
-            </a:prstGeom>
-          </p:spPr>
-        </p:pic>
-        <p:pic>
-          <p:nvPicPr>
-            <p:cNvPr id="14" name="Grafik 13" descr="Einhorn">
-              <a:extLst>
-                <a:ext uri="{FF2B5EF4-FFF2-40B4-BE49-F238E27FC236}">
-                  <a16:creationId xmlns:a16="http://schemas.microsoft.com/office/drawing/2014/main" id="{793928EC-1DDB-471A-900C-D86B5DD996F2}"/>
-                </a:ext>
-              </a:extLst>
-            </p:cNvPr>
-            <p:cNvPicPr>
-              <a:picLocks noChangeAspect="1"/>
-            </p:cNvPicPr>
-            <p:nvPr/>
-          </p:nvPicPr>
-          <p:blipFill>
-            <a:blip r:embed="rId8">
-              <a:extLst>
-                <a:ext uri="{28A0092B-C50C-407E-A947-70E740481C1C}">
-                  <a14:useLocalDpi xmlns:a14="http://schemas.microsoft.com/office/drawing/2010/main" val="0"/>
-                </a:ext>
-                <a:ext uri="{96DAC541-7B7A-43D3-8B79-37D633B846F1}">
-                  <asvg:svgBlip xmlns:asvg="http://schemas.microsoft.com/office/drawing/2016/SVG/main" r:embed="rId9"/>
-                </a:ext>
-              </a:extLst>
-            </a:blip>
-            <a:stretch>
-              <a:fillRect/>
-            </a:stretch>
-          </p:blipFill>
-          <p:spPr>
-            <a:xfrm>
-              <a:off x="9900193" y="4298238"/>
-              <a:ext cx="914400" cy="914400"/>
-            </a:xfrm>
-            <a:prstGeom prst="rect">
-              <a:avLst/>
-            </a:prstGeom>
-          </p:spPr>
-        </p:pic>
-        <p:pic>
-          <p:nvPicPr>
-            <p:cNvPr id="15" name="Grafik 14" descr="Hierarchie">
-              <a:extLst>
-                <a:ext uri="{FF2B5EF4-FFF2-40B4-BE49-F238E27FC236}">
-                  <a16:creationId xmlns:a16="http://schemas.microsoft.com/office/drawing/2014/main" id="{C4E0777E-47E6-4E82-82B6-36FD53560989}"/>
-                </a:ext>
-              </a:extLst>
-            </p:cNvPr>
-            <p:cNvPicPr>
-              <a:picLocks noChangeAspect="1"/>
-            </p:cNvPicPr>
-            <p:nvPr/>
-          </p:nvPicPr>
-          <p:blipFill>
-            <a:blip r:embed="rId10">
-              <a:extLst>
-                <a:ext uri="{28A0092B-C50C-407E-A947-70E740481C1C}">
-                  <a14:useLocalDpi xmlns:a14="http://schemas.microsoft.com/office/drawing/2010/main" val="0"/>
-                </a:ext>
-                <a:ext uri="{96DAC541-7B7A-43D3-8B79-37D633B846F1}">
-                  <asvg:svgBlip xmlns:asvg="http://schemas.microsoft.com/office/drawing/2016/SVG/main" r:embed="rId11"/>
-                </a:ext>
-              </a:extLst>
-            </a:blip>
-            <a:stretch>
-              <a:fillRect/>
-            </a:stretch>
-          </p:blipFill>
-          <p:spPr>
-            <a:xfrm>
-              <a:off x="9900193" y="2464538"/>
-              <a:ext cx="914400" cy="914400"/>
-            </a:xfrm>
-            <a:prstGeom prst="rect">
-              <a:avLst/>
-            </a:prstGeom>
-          </p:spPr>
-        </p:pic>
-      </p:grpSp>
       <p:sp>
         <p:nvSpPr>
           <p:cNvPr id="16" name="文本框 15">
@@ -17246,6 +17028,10 @@
             </a:r>
           </a:p>
           <a:p>
+            <a:pPr marL="285750" indent="-285750">
+              <a:buFontTx/>
+              <a:buChar char="-"/>
+            </a:pPr>
             <a:r>
               <a:rPr lang="en-US" altLang="zh-CN" dirty="0">
                 <a:solidFill>
@@ -17256,7 +17042,7 @@
                 </a:solidFill>
                 <a:latin typeface="Noto Sans" panose="020B0502040504020204"/>
               </a:rPr>
-              <a:t>- number of steps or time available in the </a:t>
+              <a:t>number of steps or time available in the </a:t>
             </a:r>
             <a:r>
               <a:rPr lang="en-US" altLang="zh-CN" dirty="0" err="1">
@@ -17284,6 +17070,10 @@
             </a:r>
           </a:p>
           <a:p>
+            <a:pPr marL="285750" indent="-285750">
+              <a:buFontTx/>
+              <a:buChar char="-"/>
+            </a:pPr>
             <a:r>
               <a:rPr lang="en-US" altLang="zh-CN" dirty="0">
                 <a:solidFill>
@@ -17294,7 +17084,7 @@
                 </a:solidFill>
                 <a:latin typeface="Noto Sans" panose="020B0502040504020204"/>
               </a:rPr>
-              <a:t>- number of requests from BE to controller for observation space.</a:t>
+              <a:t>number of requests from backend to controller for observation space</a:t>
             </a:r>
           </a:p>
           <a:p>
@@ -17311,6 +17101,10 @@
             </a:r>
           </a:p>
           <a:p>
+            <a:pPr marL="285750" indent="-285750">
+              <a:buFontTx/>
+              <a:buChar char="-"/>
+            </a:pPr>
             <a:r>
               <a:rPr lang="en-US" altLang="zh-CN" dirty="0">
                 <a:solidFill>
@@ -17321,10 +17115,14 @@
                 </a:solidFill>
                 <a:latin typeface="Noto Sans" panose="020B0502040504020204"/>
               </a:rPr>
-              <a:t>- going closer to the goal</a:t>
+              <a:t>going closer to the goal</a:t>
             </a:r>
           </a:p>
           <a:p>
+            <a:pPr marL="285750" indent="-285750">
+              <a:buFontTx/>
+              <a:buChar char="-"/>
+            </a:pPr>
             <a:r>
               <a:rPr lang="en-US" altLang="zh-CN" dirty="0">
                 <a:solidFill>
@@ -17335,10 +17133,14 @@
                 </a:solidFill>
                 <a:latin typeface="Noto Sans" panose="020B0502040504020204"/>
               </a:rPr>
-              <a:t>- staying away from obstacles</a:t>
+              <a:t>staying away from obstacles</a:t>
             </a:r>
           </a:p>
           <a:p>
+            <a:pPr marL="285750" indent="-285750">
+              <a:buFontTx/>
+              <a:buChar char="-"/>
+            </a:pPr>
             <a:r>
               <a:rPr lang="en-US" altLang="zh-CN" dirty="0">
                 <a:solidFill>
@@ -17349,7 +17151,7 @@
                 </a:solidFill>
                 <a:latin typeface="Noto Sans" panose="020B0502040504020204"/>
               </a:rPr>
-              <a:t>- entering the goal</a:t>
+              <a:t>entering the goal</a:t>
             </a:r>
           </a:p>
           <a:p>
@@ -17366,6 +17168,10 @@
             </a:r>
           </a:p>
           <a:p>
+            <a:pPr marL="285750" indent="-285750">
+              <a:buFontTx/>
+              <a:buChar char="-"/>
+            </a:pPr>
             <a:r>
               <a:rPr lang="en-US" altLang="zh-CN" dirty="0">
                 <a:solidFill>
@@ -17376,10 +17182,14 @@
                 </a:solidFill>
                 <a:latin typeface="Noto Sans" panose="020B0502040504020204"/>
               </a:rPr>
-              <a:t>- for each step used to achieve the goal</a:t>
+              <a:t>for each step used to achieve the goal</a:t>
             </a:r>
           </a:p>
           <a:p>
+            <a:pPr marL="285750" indent="-285750">
+              <a:buFontTx/>
+              <a:buChar char="-"/>
+            </a:pPr>
             <a:r>
               <a:rPr lang="en-US" altLang="zh-CN" dirty="0">
                 <a:solidFill>
@@ -17390,10 +17200,14 @@
                 </a:solidFill>
                 <a:latin typeface="Noto Sans" panose="020B0502040504020204"/>
               </a:rPr>
-              <a:t>- crashing or hitting an obstacle</a:t>
+              <a:t>crashing or hitting an obstacle</a:t>
             </a:r>
           </a:p>
           <a:p>
+            <a:pPr marL="285750" indent="-285750">
+              <a:buFontTx/>
+              <a:buChar char="-"/>
+            </a:pPr>
             <a:r>
               <a:rPr lang="en-US" altLang="zh-CN" dirty="0">
                 <a:solidFill>
@@ -17404,11 +17218,229 @@
                 </a:solidFill>
                 <a:latin typeface="Noto Sans" panose="020B0502040504020204"/>
               </a:rPr>
-              <a:t>- get too close to an obstacle</a:t>
+              <a:t>get too close to an obstacle</a:t>
             </a:r>
           </a:p>
         </p:txBody>
       </p:sp>
+      <p:grpSp>
+        <p:nvGrpSpPr>
+          <p:cNvPr id="23" name="Gruppieren 9">
+            <a:extLst>
+              <a:ext uri="{FF2B5EF4-FFF2-40B4-BE49-F238E27FC236}">
+                <a16:creationId xmlns:a16="http://schemas.microsoft.com/office/drawing/2014/main" id="{A08F827B-1C25-4510-AEB2-332F7D0D849E}"/>
+              </a:ext>
+            </a:extLst>
+          </p:cNvPr>
+          <p:cNvGrpSpPr>
+            <a:grpSpLocks noChangeAspect="1"/>
+          </p:cNvGrpSpPr>
+          <p:nvPr/>
+        </p:nvGrpSpPr>
+        <p:grpSpPr>
+          <a:xfrm>
+            <a:off x="11178553" y="2431373"/>
+            <a:ext cx="528293" cy="2645076"/>
+            <a:chOff x="9900193" y="1530836"/>
+            <a:chExt cx="920569" cy="4609143"/>
+          </a:xfrm>
+        </p:grpSpPr>
+        <p:pic>
+          <p:nvPicPr>
+            <p:cNvPr id="24" name="Grafik 10" descr="Klemmbrett abgehakt">
+              <a:extLst>
+                <a:ext uri="{FF2B5EF4-FFF2-40B4-BE49-F238E27FC236}">
+                  <a16:creationId xmlns:a16="http://schemas.microsoft.com/office/drawing/2014/main" id="{11BB9EC4-5E92-4193-880E-E4279D4AC21C}"/>
+                </a:ext>
+              </a:extLst>
+            </p:cNvPr>
+            <p:cNvPicPr>
+              <a:picLocks noChangeAspect="1"/>
+            </p:cNvPicPr>
+            <p:nvPr/>
+          </p:nvPicPr>
+          <p:blipFill>
+            <a:blip r:embed="rId2">
+              <a:extLst>
+                <a:ext uri="{28A0092B-C50C-407E-A947-70E740481C1C}">
+                  <a14:useLocalDpi xmlns:a14="http://schemas.microsoft.com/office/drawing/2010/main" val="0"/>
+                </a:ext>
+                <a:ext uri="{96DAC541-7B7A-43D3-8B79-37D633B846F1}">
+                  <asvg:svgBlip xmlns:asvg="http://schemas.microsoft.com/office/drawing/2016/SVG/main" r:embed="rId3"/>
+                </a:ext>
+              </a:extLst>
+            </a:blip>
+            <a:stretch>
+              <a:fillRect/>
+            </a:stretch>
+          </p:blipFill>
+          <p:spPr>
+            <a:xfrm>
+              <a:off x="9900193" y="5225579"/>
+              <a:ext cx="914400" cy="914400"/>
+            </a:xfrm>
+            <a:prstGeom prst="rect">
+              <a:avLst/>
+            </a:prstGeom>
+          </p:spPr>
+        </p:pic>
+        <p:pic>
+          <p:nvPicPr>
+            <p:cNvPr id="25" name="Grafik 11" descr="Häkchen">
+              <a:extLst>
+                <a:ext uri="{FF2B5EF4-FFF2-40B4-BE49-F238E27FC236}">
+                  <a16:creationId xmlns:a16="http://schemas.microsoft.com/office/drawing/2014/main" id="{025D6E93-DDF0-42A9-8BED-DD449AB446C7}"/>
+                </a:ext>
+              </a:extLst>
+            </p:cNvPr>
+            <p:cNvPicPr>
+              <a:picLocks noChangeAspect="1"/>
+            </p:cNvPicPr>
+            <p:nvPr/>
+          </p:nvPicPr>
+          <p:blipFill>
+            <a:blip r:embed="rId4">
+              <a:extLst>
+                <a:ext uri="{28A0092B-C50C-407E-A947-70E740481C1C}">
+                  <a14:useLocalDpi xmlns:a14="http://schemas.microsoft.com/office/drawing/2010/main" val="0"/>
+                </a:ext>
+                <a:ext uri="{96DAC541-7B7A-43D3-8B79-37D633B846F1}">
+                  <asvg:svgBlip xmlns:asvg="http://schemas.microsoft.com/office/drawing/2016/SVG/main" r:embed="rId5"/>
+                </a:ext>
+              </a:extLst>
+            </a:blip>
+            <a:stretch>
+              <a:fillRect/>
+            </a:stretch>
+          </p:blipFill>
+          <p:spPr>
+            <a:xfrm>
+              <a:off x="9906362" y="1530836"/>
+              <a:ext cx="914400" cy="914400"/>
+            </a:xfrm>
+            <a:prstGeom prst="rect">
+              <a:avLst/>
+            </a:prstGeom>
+          </p:spPr>
+        </p:pic>
+        <p:pic>
+          <p:nvPicPr>
+            <p:cNvPr id="26" name="Grafik 12" descr="Gehirn">
+              <a:extLst>
+                <a:ext uri="{FF2B5EF4-FFF2-40B4-BE49-F238E27FC236}">
+                  <a16:creationId xmlns:a16="http://schemas.microsoft.com/office/drawing/2014/main" id="{0B5CB774-262B-46F4-8FA8-8A4883BAF709}"/>
+                </a:ext>
+              </a:extLst>
+            </p:cNvPr>
+            <p:cNvPicPr>
+              <a:picLocks noChangeAspect="1"/>
+            </p:cNvPicPr>
+            <p:nvPr/>
+          </p:nvPicPr>
+          <p:blipFill>
+            <a:blip r:embed="rId6">
+              <a:extLst>
+                <a:ext uri="{28A0092B-C50C-407E-A947-70E740481C1C}">
+                  <a14:useLocalDpi xmlns:a14="http://schemas.microsoft.com/office/drawing/2010/main" val="0"/>
+                </a:ext>
+                <a:ext uri="{96DAC541-7B7A-43D3-8B79-37D633B846F1}">
+                  <asvg:svgBlip xmlns:asvg="http://schemas.microsoft.com/office/drawing/2016/SVG/main" r:embed="rId7"/>
+                </a:ext>
+              </a:extLst>
+            </a:blip>
+            <a:stretch>
+              <a:fillRect/>
+            </a:stretch>
+          </p:blipFill>
+          <p:spPr>
+            <a:xfrm>
+              <a:off x="9900193" y="3375461"/>
+              <a:ext cx="914400" cy="914400"/>
+            </a:xfrm>
+            <a:prstGeom prst="rect">
+              <a:avLst/>
+            </a:prstGeom>
+          </p:spPr>
+        </p:pic>
+        <p:pic>
+          <p:nvPicPr>
+            <p:cNvPr id="27" name="Grafik 13" descr="Einhorn">
+              <a:extLst>
+                <a:ext uri="{FF2B5EF4-FFF2-40B4-BE49-F238E27FC236}">
+                  <a16:creationId xmlns:a16="http://schemas.microsoft.com/office/drawing/2014/main" id="{12A146F8-CC8A-4391-B17B-AE600B8FCC15}"/>
+                </a:ext>
+              </a:extLst>
+            </p:cNvPr>
+            <p:cNvPicPr>
+              <a:picLocks noChangeAspect="1"/>
+            </p:cNvPicPr>
+            <p:nvPr/>
+          </p:nvPicPr>
+          <p:blipFill>
+            <a:blip r:embed="rId8">
+              <a:extLst>
+                <a:ext uri="{28A0092B-C50C-407E-A947-70E740481C1C}">
+                  <a14:useLocalDpi xmlns:a14="http://schemas.microsoft.com/office/drawing/2010/main" val="0"/>
+                </a:ext>
+                <a:ext uri="{96DAC541-7B7A-43D3-8B79-37D633B846F1}">
+                  <asvg:svgBlip xmlns:asvg="http://schemas.microsoft.com/office/drawing/2016/SVG/main" r:embed="rId9"/>
+                </a:ext>
+              </a:extLst>
+            </a:blip>
+            <a:stretch>
+              <a:fillRect/>
+            </a:stretch>
+          </p:blipFill>
+          <p:spPr>
+            <a:xfrm>
+              <a:off x="9900193" y="4298238"/>
+              <a:ext cx="914400" cy="914400"/>
+            </a:xfrm>
+            <a:prstGeom prst="rect">
+              <a:avLst/>
+            </a:prstGeom>
+          </p:spPr>
+        </p:pic>
+        <p:pic>
+          <p:nvPicPr>
+            <p:cNvPr id="28" name="Grafik 14" descr="Hierarchie">
+              <a:extLst>
+                <a:ext uri="{FF2B5EF4-FFF2-40B4-BE49-F238E27FC236}">
+                  <a16:creationId xmlns:a16="http://schemas.microsoft.com/office/drawing/2014/main" id="{DB6D7A5A-D801-4BDC-AA75-135F4B3BD15C}"/>
+                </a:ext>
+              </a:extLst>
+            </p:cNvPr>
+            <p:cNvPicPr>
+              <a:picLocks noChangeAspect="1"/>
+            </p:cNvPicPr>
+            <p:nvPr/>
+          </p:nvPicPr>
+          <p:blipFill>
+            <a:blip r:embed="rId10">
+              <a:extLst>
+                <a:ext uri="{28A0092B-C50C-407E-A947-70E740481C1C}">
+                  <a14:useLocalDpi xmlns:a14="http://schemas.microsoft.com/office/drawing/2010/main" val="0"/>
+                </a:ext>
+                <a:ext uri="{96DAC541-7B7A-43D3-8B79-37D633B846F1}">
+                  <asvg:svgBlip xmlns:asvg="http://schemas.microsoft.com/office/drawing/2016/SVG/main" r:embed="rId11"/>
+                </a:ext>
+              </a:extLst>
+            </a:blip>
+            <a:stretch>
+              <a:fillRect/>
+            </a:stretch>
+          </p:blipFill>
+          <p:spPr>
+            <a:xfrm>
+              <a:off x="9900193" y="2464538"/>
+              <a:ext cx="914400" cy="914400"/>
+            </a:xfrm>
+            <a:prstGeom prst="rect">
+              <a:avLst/>
+            </a:prstGeom>
+          </p:spPr>
+        </p:pic>
+      </p:grpSp>
     </p:spTree>
     <p:extLst>
       <p:ext uri="{BB962C8B-B14F-4D97-AF65-F5344CB8AC3E}">
@@ -17577,453 +17609,6 @@
           </a:p>
         </p:txBody>
       </p:sp>
-      <p:grpSp>
-        <p:nvGrpSpPr>
-          <p:cNvPr id="10" name="Gruppieren 9">
-            <a:extLst>
-              <a:ext uri="{FF2B5EF4-FFF2-40B4-BE49-F238E27FC236}">
-                <a16:creationId xmlns:a16="http://schemas.microsoft.com/office/drawing/2014/main" id="{B7E1329A-6886-4A91-BB43-580F9668F6A8}"/>
-              </a:ext>
-            </a:extLst>
-          </p:cNvPr>
-          <p:cNvGrpSpPr>
-            <a:grpSpLocks noChangeAspect="1"/>
-          </p:cNvGrpSpPr>
-          <p:nvPr/>
-        </p:nvGrpSpPr>
-        <p:grpSpPr>
-          <a:xfrm>
-            <a:off x="11178553" y="2431373"/>
-            <a:ext cx="528293" cy="2645076"/>
-            <a:chOff x="9900193" y="1530836"/>
-            <a:chExt cx="920569" cy="4609143"/>
-          </a:xfrm>
-        </p:grpSpPr>
-        <p:pic>
-          <p:nvPicPr>
-            <p:cNvPr id="11" name="Grafik 10" descr="Klemmbrett abgehakt">
-              <a:extLst>
-                <a:ext uri="{FF2B5EF4-FFF2-40B4-BE49-F238E27FC236}">
-                  <a16:creationId xmlns:a16="http://schemas.microsoft.com/office/drawing/2014/main" id="{A9431254-D4B4-40B6-AE85-BCF49175275E}"/>
-                </a:ext>
-              </a:extLst>
-            </p:cNvPr>
-            <p:cNvPicPr>
-              <a:picLocks noChangeAspect="1"/>
-            </p:cNvPicPr>
-            <p:nvPr/>
-          </p:nvPicPr>
-          <p:blipFill>
-            <a:blip r:embed="rId2">
-              <a:extLst>
-                <a:ext uri="{28A0092B-C50C-407E-A947-70E740481C1C}">
-                  <a14:useLocalDpi xmlns:a14="http://schemas.microsoft.com/office/drawing/2010/main" val="0"/>
-                </a:ext>
-                <a:ext uri="{96DAC541-7B7A-43D3-8B79-37D633B846F1}">
-                  <asvg:svgBlip xmlns:asvg="http://schemas.microsoft.com/office/drawing/2016/SVG/main" r:embed="rId3"/>
-                </a:ext>
-              </a:extLst>
-            </a:blip>
-            <a:stretch>
-              <a:fillRect/>
-            </a:stretch>
-          </p:blipFill>
-          <p:spPr>
-            <a:xfrm>
-              <a:off x="9900193" y="5225579"/>
-              <a:ext cx="914400" cy="914400"/>
-            </a:xfrm>
-            <a:prstGeom prst="rect">
-              <a:avLst/>
-            </a:prstGeom>
-          </p:spPr>
-        </p:pic>
-        <p:pic>
-          <p:nvPicPr>
-            <p:cNvPr id="12" name="Grafik 11" descr="Häkchen">
-              <a:extLst>
-                <a:ext uri="{FF2B5EF4-FFF2-40B4-BE49-F238E27FC236}">
-                  <a16:creationId xmlns:a16="http://schemas.microsoft.com/office/drawing/2014/main" id="{5107806B-8F20-4BC6-9C0E-652D04F676AB}"/>
-                </a:ext>
-              </a:extLst>
-            </p:cNvPr>
-            <p:cNvPicPr>
-              <a:picLocks noChangeAspect="1"/>
-            </p:cNvPicPr>
-            <p:nvPr/>
-          </p:nvPicPr>
-          <p:blipFill>
-            <a:blip r:embed="rId4">
-              <a:extLst>
-                <a:ext uri="{28A0092B-C50C-407E-A947-70E740481C1C}">
-                  <a14:useLocalDpi xmlns:a14="http://schemas.microsoft.com/office/drawing/2010/main" val="0"/>
-                </a:ext>
-                <a:ext uri="{96DAC541-7B7A-43D3-8B79-37D633B846F1}">
-                  <asvg:svgBlip xmlns:asvg="http://schemas.microsoft.com/office/drawing/2016/SVG/main" r:embed="rId5"/>
-                </a:ext>
-              </a:extLst>
-            </a:blip>
-            <a:stretch>
-              <a:fillRect/>
-            </a:stretch>
-          </p:blipFill>
-          <p:spPr>
-            <a:xfrm>
-              <a:off x="9906362" y="1530836"/>
-              <a:ext cx="914400" cy="914400"/>
-            </a:xfrm>
-            <a:prstGeom prst="rect">
-              <a:avLst/>
-            </a:prstGeom>
-          </p:spPr>
-        </p:pic>
-        <p:pic>
-          <p:nvPicPr>
-            <p:cNvPr id="13" name="Grafik 12" descr="Gehirn">
-              <a:extLst>
-                <a:ext uri="{FF2B5EF4-FFF2-40B4-BE49-F238E27FC236}">
-                  <a16:creationId xmlns:a16="http://schemas.microsoft.com/office/drawing/2014/main" id="{63100608-3265-44B6-8F00-AB936254C45E}"/>
-                </a:ext>
-              </a:extLst>
-            </p:cNvPr>
-            <p:cNvPicPr>
-              <a:picLocks noChangeAspect="1"/>
-            </p:cNvPicPr>
-            <p:nvPr/>
-          </p:nvPicPr>
-          <p:blipFill>
-            <a:blip r:embed="rId6">
-              <a:extLst>
-                <a:ext uri="{28A0092B-C50C-407E-A947-70E740481C1C}">
-                  <a14:useLocalDpi xmlns:a14="http://schemas.microsoft.com/office/drawing/2010/main" val="0"/>
-                </a:ext>
-                <a:ext uri="{96DAC541-7B7A-43D3-8B79-37D633B846F1}">
-                  <asvg:svgBlip xmlns:asvg="http://schemas.microsoft.com/office/drawing/2016/SVG/main" r:embed="rId7"/>
-                </a:ext>
-              </a:extLst>
-            </a:blip>
-            <a:stretch>
-              <a:fillRect/>
-            </a:stretch>
-          </p:blipFill>
-          <p:spPr>
-            <a:xfrm>
-              <a:off x="9900193" y="3375461"/>
-              <a:ext cx="914400" cy="914400"/>
-            </a:xfrm>
-            <a:prstGeom prst="rect">
-              <a:avLst/>
-            </a:prstGeom>
-          </p:spPr>
-        </p:pic>
-        <p:pic>
-          <p:nvPicPr>
-            <p:cNvPr id="14" name="Grafik 13" descr="Einhorn">
-              <a:extLst>
-                <a:ext uri="{FF2B5EF4-FFF2-40B4-BE49-F238E27FC236}">
-                  <a16:creationId xmlns:a16="http://schemas.microsoft.com/office/drawing/2014/main" id="{793928EC-1DDB-471A-900C-D86B5DD996F2}"/>
-                </a:ext>
-              </a:extLst>
-            </p:cNvPr>
-            <p:cNvPicPr>
-              <a:picLocks noChangeAspect="1"/>
-            </p:cNvPicPr>
-            <p:nvPr/>
-          </p:nvPicPr>
-          <p:blipFill>
-            <a:blip r:embed="rId8">
-              <a:extLst>
-                <a:ext uri="{28A0092B-C50C-407E-A947-70E740481C1C}">
-                  <a14:useLocalDpi xmlns:a14="http://schemas.microsoft.com/office/drawing/2010/main" val="0"/>
-                </a:ext>
-                <a:ext uri="{96DAC541-7B7A-43D3-8B79-37D633B846F1}">
-                  <asvg:svgBlip xmlns:asvg="http://schemas.microsoft.com/office/drawing/2016/SVG/main" r:embed="rId9"/>
-                </a:ext>
-              </a:extLst>
-            </a:blip>
-            <a:stretch>
-              <a:fillRect/>
-            </a:stretch>
-          </p:blipFill>
-          <p:spPr>
-            <a:xfrm>
-              <a:off x="9900193" y="4298238"/>
-              <a:ext cx="914400" cy="914400"/>
-            </a:xfrm>
-            <a:prstGeom prst="rect">
-              <a:avLst/>
-            </a:prstGeom>
-          </p:spPr>
-        </p:pic>
-        <p:pic>
-          <p:nvPicPr>
-            <p:cNvPr id="15" name="Grafik 14" descr="Hierarchie">
-              <a:extLst>
-                <a:ext uri="{FF2B5EF4-FFF2-40B4-BE49-F238E27FC236}">
-                  <a16:creationId xmlns:a16="http://schemas.microsoft.com/office/drawing/2014/main" id="{C4E0777E-47E6-4E82-82B6-36FD53560989}"/>
-                </a:ext>
-              </a:extLst>
-            </p:cNvPr>
-            <p:cNvPicPr>
-              <a:picLocks noChangeAspect="1"/>
-            </p:cNvPicPr>
-            <p:nvPr/>
-          </p:nvPicPr>
-          <p:blipFill>
-            <a:blip r:embed="rId10">
-              <a:extLst>
-                <a:ext uri="{28A0092B-C50C-407E-A947-70E740481C1C}">
-                  <a14:useLocalDpi xmlns:a14="http://schemas.microsoft.com/office/drawing/2010/main" val="0"/>
-                </a:ext>
-                <a:ext uri="{96DAC541-7B7A-43D3-8B79-37D633B846F1}">
-                  <asvg:svgBlip xmlns:asvg="http://schemas.microsoft.com/office/drawing/2016/SVG/main" r:embed="rId11"/>
-                </a:ext>
-              </a:extLst>
-            </a:blip>
-            <a:stretch>
-              <a:fillRect/>
-            </a:stretch>
-          </p:blipFill>
-          <p:spPr>
-            <a:xfrm>
-              <a:off x="9900193" y="2464538"/>
-              <a:ext cx="914400" cy="914400"/>
-            </a:xfrm>
-            <a:prstGeom prst="rect">
-              <a:avLst/>
-            </a:prstGeom>
-          </p:spPr>
-        </p:pic>
-      </p:grpSp>
-      <p:sp>
-        <p:nvSpPr>
-          <p:cNvPr id="16" name="文本框 15">
-            <a:extLst>
-              <a:ext uri="{FF2B5EF4-FFF2-40B4-BE49-F238E27FC236}">
-                <a16:creationId xmlns:a16="http://schemas.microsoft.com/office/drawing/2014/main" id="{D09EA621-B338-422A-A4BF-059862EDC056}"/>
-              </a:ext>
-            </a:extLst>
-          </p:cNvPr>
-          <p:cNvSpPr txBox="1"/>
-          <p:nvPr/>
-        </p:nvSpPr>
-        <p:spPr>
-          <a:xfrm>
-            <a:off x="852176" y="1470991"/>
-            <a:ext cx="7089189" cy="3693319"/>
-          </a:xfrm>
-          <a:prstGeom prst="rect">
-            <a:avLst/>
-          </a:prstGeom>
-          <a:noFill/>
-        </p:spPr>
-        <p:txBody>
-          <a:bodyPr wrap="square" rtlCol="0">
-            <a:spAutoFit/>
-          </a:bodyPr>
-          <a:lstStyle/>
-          <a:p>
-            <a:r>
-              <a:rPr lang="en-US" altLang="zh-CN" b="1" i="1" dirty="0">
-                <a:solidFill>
-                  <a:schemeClr val="tx1">
-                    <a:lumMod val="95000"/>
-                    <a:lumOff val="5000"/>
-                  </a:schemeClr>
-                </a:solidFill>
-                <a:latin typeface="Noto Sans" panose="020B0502040504020204"/>
-              </a:rPr>
-              <a:t>Time Limits</a:t>
-            </a:r>
-          </a:p>
-          <a:p>
-            <a:r>
-              <a:rPr lang="en-US" altLang="zh-CN" dirty="0">
-                <a:solidFill>
-                  <a:schemeClr val="tx1">
-                    <a:lumMod val="95000"/>
-                    <a:lumOff val="5000"/>
-                  </a:schemeClr>
-                </a:solidFill>
-                <a:latin typeface="Noto Sans" panose="020B0502040504020204"/>
-              </a:rPr>
-              <a:t>- number of steps or time available in the </a:t>
-            </a:r>
-            <a:r>
-              <a:rPr lang="en-US" altLang="zh-CN" dirty="0" err="1">
-                <a:solidFill>
-                  <a:schemeClr val="tx1">
-                    <a:lumMod val="95000"/>
-                    <a:lumOff val="5000"/>
-                  </a:schemeClr>
-                </a:solidFill>
-                <a:latin typeface="Noto Sans" panose="020B0502040504020204"/>
-              </a:rPr>
-              <a:t>webots</a:t>
-            </a:r>
-            <a:r>
-              <a:rPr lang="en-US" altLang="zh-CN" dirty="0">
-                <a:solidFill>
-                  <a:schemeClr val="tx1">
-                    <a:lumMod val="95000"/>
-                    <a:lumOff val="5000"/>
-                  </a:schemeClr>
-                </a:solidFill>
-                <a:latin typeface="Noto Sans" panose="020B0502040504020204"/>
-              </a:rPr>
-              <a:t> environment</a:t>
-            </a:r>
-          </a:p>
-          <a:p>
-            <a:r>
-              <a:rPr lang="en-US" altLang="zh-CN" dirty="0">
-                <a:solidFill>
-                  <a:schemeClr val="tx1">
-                    <a:lumMod val="95000"/>
-                    <a:lumOff val="5000"/>
-                  </a:schemeClr>
-                </a:solidFill>
-                <a:latin typeface="Noto Sans" panose="020B0502040504020204"/>
-              </a:rPr>
-              <a:t>- number of requests from BE to controller for observation space.</a:t>
-            </a:r>
-          </a:p>
-          <a:p>
-            <a:endParaRPr lang="en-US" altLang="zh-CN" dirty="0">
-              <a:solidFill>
-                <a:schemeClr val="tx1">
-                  <a:lumMod val="95000"/>
-                  <a:lumOff val="5000"/>
-                </a:schemeClr>
-              </a:solidFill>
-              <a:latin typeface="Noto Sans" panose="020B0502040504020204"/>
-            </a:endParaRPr>
-          </a:p>
-          <a:p>
-            <a:r>
-              <a:rPr lang="en-US" altLang="zh-CN" b="1" i="1" dirty="0">
-                <a:solidFill>
-                  <a:schemeClr val="tx1">
-                    <a:lumMod val="95000"/>
-                    <a:lumOff val="5000"/>
-                  </a:schemeClr>
-                </a:solidFill>
-                <a:latin typeface="Noto Sans" panose="020B0502040504020204"/>
-              </a:rPr>
-              <a:t>Positive Rewards</a:t>
-            </a:r>
-          </a:p>
-          <a:p>
-            <a:r>
-              <a:rPr lang="en-US" altLang="zh-CN" dirty="0">
-                <a:solidFill>
-                  <a:schemeClr val="tx1">
-                    <a:lumMod val="95000"/>
-                    <a:lumOff val="5000"/>
-                  </a:schemeClr>
-                </a:solidFill>
-                <a:latin typeface="Noto Sans" panose="020B0502040504020204"/>
-              </a:rPr>
-              <a:t>- going closer to the goal</a:t>
-            </a:r>
-          </a:p>
-          <a:p>
-            <a:r>
-              <a:rPr lang="en-US" altLang="zh-CN" dirty="0">
-                <a:solidFill>
-                  <a:schemeClr val="tx1">
-                    <a:lumMod val="95000"/>
-                    <a:lumOff val="5000"/>
-                  </a:schemeClr>
-                </a:solidFill>
-                <a:latin typeface="Noto Sans" panose="020B0502040504020204"/>
-              </a:rPr>
-              <a:t>- staying away from obstacles</a:t>
-            </a:r>
-          </a:p>
-          <a:p>
-            <a:r>
-              <a:rPr lang="en-US" altLang="zh-CN" dirty="0">
-                <a:solidFill>
-                  <a:schemeClr val="tx1">
-                    <a:lumMod val="95000"/>
-                    <a:lumOff val="5000"/>
-                  </a:schemeClr>
-                </a:solidFill>
-                <a:latin typeface="Noto Sans" panose="020B0502040504020204"/>
-              </a:rPr>
-              <a:t>- entering the goal</a:t>
-            </a:r>
-          </a:p>
-          <a:p>
-            <a:endParaRPr lang="en-US" altLang="zh-CN" dirty="0">
-              <a:solidFill>
-                <a:schemeClr val="tx1">
-                  <a:lumMod val="95000"/>
-                  <a:lumOff val="5000"/>
-                </a:schemeClr>
-              </a:solidFill>
-              <a:latin typeface="Noto Sans" panose="020B0502040504020204"/>
-            </a:endParaRPr>
-          </a:p>
-          <a:p>
-            <a:r>
-              <a:rPr lang="en-US" altLang="zh-CN" b="1" i="1" dirty="0">
-                <a:solidFill>
-                  <a:schemeClr val="tx1">
-                    <a:lumMod val="95000"/>
-                    <a:lumOff val="5000"/>
-                  </a:schemeClr>
-                </a:solidFill>
-                <a:latin typeface="Noto Sans" panose="020B0502040504020204"/>
-              </a:rPr>
-              <a:t>Negative Rewards</a:t>
-            </a:r>
-          </a:p>
-          <a:p>
-            <a:r>
-              <a:rPr lang="en-US" altLang="zh-CN" dirty="0">
-                <a:solidFill>
-                  <a:schemeClr val="tx1">
-                    <a:lumMod val="95000"/>
-                    <a:lumOff val="5000"/>
-                  </a:schemeClr>
-                </a:solidFill>
-                <a:latin typeface="Noto Sans" panose="020B0502040504020204"/>
-              </a:rPr>
-              <a:t>- for each step used to achieve the goal</a:t>
-            </a:r>
-          </a:p>
-          <a:p>
-            <a:r>
-              <a:rPr lang="en-US" altLang="zh-CN" dirty="0">
-                <a:solidFill>
-                  <a:schemeClr val="tx1">
-                    <a:lumMod val="95000"/>
-                    <a:lumOff val="5000"/>
-                  </a:schemeClr>
-                </a:solidFill>
-                <a:latin typeface="Noto Sans" panose="020B0502040504020204"/>
-              </a:rPr>
-              <a:t>- crashing or hitting an obstacle</a:t>
-            </a:r>
-          </a:p>
-          <a:p>
-            <a:r>
-              <a:rPr lang="en-US" altLang="zh-CN" dirty="0">
-                <a:solidFill>
-                  <a:schemeClr val="tx1">
-                    <a:lumMod val="95000"/>
-                    <a:lumOff val="5000"/>
-                  </a:schemeClr>
-                </a:solidFill>
-                <a:latin typeface="Noto Sans" panose="020B0502040504020204"/>
-              </a:rPr>
-              <a:t>- get too close to an obstacle</a:t>
-            </a:r>
-          </a:p>
-        </p:txBody>
-      </p:sp>
       <p:sp>
         <p:nvSpPr>
           <p:cNvPr id="5" name="文本框 4">
@@ -18226,7 +17811,7 @@
         </p:nvCxnSpPr>
         <p:spPr>
           <a:xfrm>
-            <a:off x="7638288" y="1700784"/>
+            <a:off x="7837071" y="1627631"/>
             <a:ext cx="0" cy="3724656"/>
           </a:xfrm>
           <a:prstGeom prst="line">
@@ -18248,6 +17833,455 @@
           </a:fontRef>
         </p:style>
       </p:cxnSp>
+      <p:sp>
+        <p:nvSpPr>
+          <p:cNvPr id="17" name="文本框 16">
+            <a:extLst>
+              <a:ext uri="{FF2B5EF4-FFF2-40B4-BE49-F238E27FC236}">
+                <a16:creationId xmlns:a16="http://schemas.microsoft.com/office/drawing/2014/main" id="{EF885E02-B873-4BAD-9CA4-509194DAEDF4}"/>
+              </a:ext>
+            </a:extLst>
+          </p:cNvPr>
+          <p:cNvSpPr txBox="1"/>
+          <p:nvPr/>
+        </p:nvSpPr>
+        <p:spPr>
+          <a:xfrm>
+            <a:off x="852176" y="1470991"/>
+            <a:ext cx="7089189" cy="3693319"/>
+          </a:xfrm>
+          <a:prstGeom prst="rect">
+            <a:avLst/>
+          </a:prstGeom>
+          <a:noFill/>
+        </p:spPr>
+        <p:txBody>
+          <a:bodyPr wrap="square" rtlCol="0">
+            <a:spAutoFit/>
+          </a:bodyPr>
+          <a:lstStyle/>
+          <a:p>
+            <a:r>
+              <a:rPr lang="en-US" altLang="zh-CN" b="1" i="1" dirty="0">
+                <a:latin typeface="Noto Sans" panose="020B0502040504020204"/>
+              </a:rPr>
+              <a:t>Time Limits</a:t>
+            </a:r>
+          </a:p>
+          <a:p>
+            <a:pPr marL="285750" indent="-285750">
+              <a:buFontTx/>
+              <a:buChar char="-"/>
+            </a:pPr>
+            <a:r>
+              <a:rPr lang="en-US" altLang="zh-CN" dirty="0">
+                <a:solidFill>
+                  <a:schemeClr val="tx1">
+                    <a:lumMod val="95000"/>
+                    <a:lumOff val="5000"/>
+                  </a:schemeClr>
+                </a:solidFill>
+                <a:latin typeface="Noto Sans" panose="020B0502040504020204"/>
+              </a:rPr>
+              <a:t>number of steps or time available in the </a:t>
+            </a:r>
+            <a:r>
+              <a:rPr lang="en-US" altLang="zh-CN" dirty="0" err="1">
+                <a:solidFill>
+                  <a:schemeClr val="tx1">
+                    <a:lumMod val="95000"/>
+                    <a:lumOff val="5000"/>
+                  </a:schemeClr>
+                </a:solidFill>
+                <a:latin typeface="Noto Sans" panose="020B0502040504020204"/>
+              </a:rPr>
+              <a:t>webots</a:t>
+            </a:r>
+            <a:r>
+              <a:rPr lang="en-US" altLang="zh-CN" dirty="0">
+                <a:solidFill>
+                  <a:schemeClr val="tx1">
+                    <a:lumMod val="95000"/>
+                    <a:lumOff val="5000"/>
+                  </a:schemeClr>
+                </a:solidFill>
+                <a:latin typeface="Noto Sans" panose="020B0502040504020204"/>
+              </a:rPr>
+              <a:t> environment</a:t>
+            </a:r>
+          </a:p>
+          <a:p>
+            <a:pPr marL="285750" indent="-285750">
+              <a:buFontTx/>
+              <a:buChar char="-"/>
+            </a:pPr>
+            <a:r>
+              <a:rPr lang="en-US" altLang="zh-CN" dirty="0">
+                <a:solidFill>
+                  <a:schemeClr val="tx1">
+                    <a:lumMod val="95000"/>
+                    <a:lumOff val="5000"/>
+                  </a:schemeClr>
+                </a:solidFill>
+                <a:latin typeface="Noto Sans" panose="020B0502040504020204"/>
+              </a:rPr>
+              <a:t>number of requests from backend to controller for observation space</a:t>
+            </a:r>
+          </a:p>
+          <a:p>
+            <a:endParaRPr lang="en-US" altLang="zh-CN" dirty="0">
+              <a:latin typeface="Noto Sans" panose="020B0502040504020204"/>
+            </a:endParaRPr>
+          </a:p>
+          <a:p>
+            <a:r>
+              <a:rPr lang="en-US" altLang="zh-CN" b="1" i="1" dirty="0">
+                <a:latin typeface="Noto Sans" panose="020B0502040504020204"/>
+              </a:rPr>
+              <a:t>Positive Rewards</a:t>
+            </a:r>
+          </a:p>
+          <a:p>
+            <a:pPr marL="285750" indent="-285750">
+              <a:buFontTx/>
+              <a:buChar char="-"/>
+            </a:pPr>
+            <a:r>
+              <a:rPr lang="en-US" altLang="zh-CN" dirty="0">
+                <a:solidFill>
+                  <a:schemeClr val="tx1">
+                    <a:lumMod val="95000"/>
+                    <a:lumOff val="5000"/>
+                  </a:schemeClr>
+                </a:solidFill>
+                <a:latin typeface="Noto Sans" panose="020B0502040504020204"/>
+              </a:rPr>
+              <a:t>going closer to the goal</a:t>
+            </a:r>
+          </a:p>
+          <a:p>
+            <a:pPr marL="285750" indent="-285750">
+              <a:buFontTx/>
+              <a:buChar char="-"/>
+            </a:pPr>
+            <a:r>
+              <a:rPr lang="en-US" altLang="zh-CN" dirty="0">
+                <a:solidFill>
+                  <a:schemeClr val="tx1">
+                    <a:lumMod val="95000"/>
+                    <a:lumOff val="5000"/>
+                  </a:schemeClr>
+                </a:solidFill>
+                <a:latin typeface="Noto Sans" panose="020B0502040504020204"/>
+              </a:rPr>
+              <a:t>staying away from obstacles</a:t>
+            </a:r>
+          </a:p>
+          <a:p>
+            <a:pPr marL="285750" indent="-285750">
+              <a:buFontTx/>
+              <a:buChar char="-"/>
+            </a:pPr>
+            <a:r>
+              <a:rPr lang="en-US" altLang="zh-CN" dirty="0">
+                <a:solidFill>
+                  <a:schemeClr val="tx1">
+                    <a:lumMod val="95000"/>
+                    <a:lumOff val="5000"/>
+                  </a:schemeClr>
+                </a:solidFill>
+                <a:latin typeface="Noto Sans" panose="020B0502040504020204"/>
+              </a:rPr>
+              <a:t>entering the goal</a:t>
+            </a:r>
+          </a:p>
+          <a:p>
+            <a:endParaRPr lang="en-US" altLang="zh-CN" dirty="0">
+              <a:latin typeface="Noto Sans" panose="020B0502040504020204"/>
+            </a:endParaRPr>
+          </a:p>
+          <a:p>
+            <a:r>
+              <a:rPr lang="en-US" altLang="zh-CN" b="1" i="1" dirty="0">
+                <a:latin typeface="Noto Sans" panose="020B0502040504020204"/>
+              </a:rPr>
+              <a:t>Negative Rewards</a:t>
+            </a:r>
+          </a:p>
+          <a:p>
+            <a:pPr marL="285750" indent="-285750">
+              <a:buFontTx/>
+              <a:buChar char="-"/>
+            </a:pPr>
+            <a:r>
+              <a:rPr lang="en-US" altLang="zh-CN" dirty="0">
+                <a:solidFill>
+                  <a:schemeClr val="tx1">
+                    <a:lumMod val="95000"/>
+                    <a:lumOff val="5000"/>
+                  </a:schemeClr>
+                </a:solidFill>
+                <a:latin typeface="Noto Sans" panose="020B0502040504020204"/>
+              </a:rPr>
+              <a:t>for each step used to achieve the goal</a:t>
+            </a:r>
+          </a:p>
+          <a:p>
+            <a:pPr marL="285750" indent="-285750">
+              <a:buFontTx/>
+              <a:buChar char="-"/>
+            </a:pPr>
+            <a:r>
+              <a:rPr lang="en-US" altLang="zh-CN" dirty="0">
+                <a:solidFill>
+                  <a:schemeClr val="tx1">
+                    <a:lumMod val="95000"/>
+                    <a:lumOff val="5000"/>
+                  </a:schemeClr>
+                </a:solidFill>
+                <a:latin typeface="Noto Sans" panose="020B0502040504020204"/>
+              </a:rPr>
+              <a:t>crashing or hitting an obstacle</a:t>
+            </a:r>
+          </a:p>
+          <a:p>
+            <a:pPr marL="285750" indent="-285750">
+              <a:buFontTx/>
+              <a:buChar char="-"/>
+            </a:pPr>
+            <a:r>
+              <a:rPr lang="en-US" altLang="zh-CN" dirty="0">
+                <a:solidFill>
+                  <a:schemeClr val="tx1">
+                    <a:lumMod val="95000"/>
+                    <a:lumOff val="5000"/>
+                  </a:schemeClr>
+                </a:solidFill>
+                <a:latin typeface="Noto Sans" panose="020B0502040504020204"/>
+              </a:rPr>
+              <a:t>get too close to an obstacle</a:t>
+            </a:r>
+          </a:p>
+        </p:txBody>
+      </p:sp>
+      <p:grpSp>
+        <p:nvGrpSpPr>
+          <p:cNvPr id="24" name="Gruppieren 9">
+            <a:extLst>
+              <a:ext uri="{FF2B5EF4-FFF2-40B4-BE49-F238E27FC236}">
+                <a16:creationId xmlns:a16="http://schemas.microsoft.com/office/drawing/2014/main" id="{0D24CCD7-201E-4FB5-B781-69722495810C}"/>
+              </a:ext>
+            </a:extLst>
+          </p:cNvPr>
+          <p:cNvGrpSpPr>
+            <a:grpSpLocks noChangeAspect="1"/>
+          </p:cNvGrpSpPr>
+          <p:nvPr/>
+        </p:nvGrpSpPr>
+        <p:grpSpPr>
+          <a:xfrm>
+            <a:off x="11178553" y="2431373"/>
+            <a:ext cx="528293" cy="2645076"/>
+            <a:chOff x="9900193" y="1530836"/>
+            <a:chExt cx="920569" cy="4609143"/>
+          </a:xfrm>
+        </p:grpSpPr>
+        <p:pic>
+          <p:nvPicPr>
+            <p:cNvPr id="25" name="Grafik 10" descr="Klemmbrett abgehakt">
+              <a:extLst>
+                <a:ext uri="{FF2B5EF4-FFF2-40B4-BE49-F238E27FC236}">
+                  <a16:creationId xmlns:a16="http://schemas.microsoft.com/office/drawing/2014/main" id="{8948CD3F-42CC-4A39-9696-2F7845A95319}"/>
+                </a:ext>
+              </a:extLst>
+            </p:cNvPr>
+            <p:cNvPicPr>
+              <a:picLocks noChangeAspect="1"/>
+            </p:cNvPicPr>
+            <p:nvPr/>
+          </p:nvPicPr>
+          <p:blipFill>
+            <a:blip r:embed="rId2">
+              <a:extLst>
+                <a:ext uri="{28A0092B-C50C-407E-A947-70E740481C1C}">
+                  <a14:useLocalDpi xmlns:a14="http://schemas.microsoft.com/office/drawing/2010/main" val="0"/>
+                </a:ext>
+                <a:ext uri="{96DAC541-7B7A-43D3-8B79-37D633B846F1}">
+                  <asvg:svgBlip xmlns:asvg="http://schemas.microsoft.com/office/drawing/2016/SVG/main" r:embed="rId3"/>
+                </a:ext>
+              </a:extLst>
+            </a:blip>
+            <a:stretch>
+              <a:fillRect/>
+            </a:stretch>
+          </p:blipFill>
+          <p:spPr>
+            <a:xfrm>
+              <a:off x="9900193" y="5225579"/>
+              <a:ext cx="914400" cy="914400"/>
+            </a:xfrm>
+            <a:prstGeom prst="rect">
+              <a:avLst/>
+            </a:prstGeom>
+          </p:spPr>
+        </p:pic>
+        <p:pic>
+          <p:nvPicPr>
+            <p:cNvPr id="26" name="Grafik 11" descr="Häkchen">
+              <a:extLst>
+                <a:ext uri="{FF2B5EF4-FFF2-40B4-BE49-F238E27FC236}">
+                  <a16:creationId xmlns:a16="http://schemas.microsoft.com/office/drawing/2014/main" id="{01214C2B-3D3C-45B6-8F78-E106EC5B3F48}"/>
+                </a:ext>
+              </a:extLst>
+            </p:cNvPr>
+            <p:cNvPicPr>
+              <a:picLocks noChangeAspect="1"/>
+            </p:cNvPicPr>
+            <p:nvPr/>
+          </p:nvPicPr>
+          <p:blipFill>
+            <a:blip r:embed="rId4">
+              <a:extLst>
+                <a:ext uri="{28A0092B-C50C-407E-A947-70E740481C1C}">
+                  <a14:useLocalDpi xmlns:a14="http://schemas.microsoft.com/office/drawing/2010/main" val="0"/>
+                </a:ext>
+                <a:ext uri="{96DAC541-7B7A-43D3-8B79-37D633B846F1}">
+                  <asvg:svgBlip xmlns:asvg="http://schemas.microsoft.com/office/drawing/2016/SVG/main" r:embed="rId5"/>
+                </a:ext>
+              </a:extLst>
+            </a:blip>
+            <a:stretch>
+              <a:fillRect/>
+            </a:stretch>
+          </p:blipFill>
+          <p:spPr>
+            <a:xfrm>
+              <a:off x="9906362" y="1530836"/>
+              <a:ext cx="914400" cy="914400"/>
+            </a:xfrm>
+            <a:prstGeom prst="rect">
+              <a:avLst/>
+            </a:prstGeom>
+          </p:spPr>
+        </p:pic>
+        <p:pic>
+          <p:nvPicPr>
+            <p:cNvPr id="27" name="Grafik 12" descr="Gehirn">
+              <a:extLst>
+                <a:ext uri="{FF2B5EF4-FFF2-40B4-BE49-F238E27FC236}">
+                  <a16:creationId xmlns:a16="http://schemas.microsoft.com/office/drawing/2014/main" id="{7541210B-6485-47E1-A242-F9BFCABE78CD}"/>
+                </a:ext>
+              </a:extLst>
+            </p:cNvPr>
+            <p:cNvPicPr>
+              <a:picLocks noChangeAspect="1"/>
+            </p:cNvPicPr>
+            <p:nvPr/>
+          </p:nvPicPr>
+          <p:blipFill>
+            <a:blip r:embed="rId6">
+              <a:extLst>
+                <a:ext uri="{28A0092B-C50C-407E-A947-70E740481C1C}">
+                  <a14:useLocalDpi xmlns:a14="http://schemas.microsoft.com/office/drawing/2010/main" val="0"/>
+                </a:ext>
+                <a:ext uri="{96DAC541-7B7A-43D3-8B79-37D633B846F1}">
+                  <asvg:svgBlip xmlns:asvg="http://schemas.microsoft.com/office/drawing/2016/SVG/main" r:embed="rId7"/>
+                </a:ext>
+              </a:extLst>
+            </a:blip>
+            <a:stretch>
+              <a:fillRect/>
+            </a:stretch>
+          </p:blipFill>
+          <p:spPr>
+            <a:xfrm>
+              <a:off x="9900193" y="3375461"/>
+              <a:ext cx="914400" cy="914400"/>
+            </a:xfrm>
+            <a:prstGeom prst="rect">
+              <a:avLst/>
+            </a:prstGeom>
+          </p:spPr>
+        </p:pic>
+        <p:pic>
+          <p:nvPicPr>
+            <p:cNvPr id="28" name="Grafik 13" descr="Einhorn">
+              <a:extLst>
+                <a:ext uri="{FF2B5EF4-FFF2-40B4-BE49-F238E27FC236}">
+                  <a16:creationId xmlns:a16="http://schemas.microsoft.com/office/drawing/2014/main" id="{173B584E-3600-4BBB-846C-4436FFE0537B}"/>
+                </a:ext>
+              </a:extLst>
+            </p:cNvPr>
+            <p:cNvPicPr>
+              <a:picLocks noChangeAspect="1"/>
+            </p:cNvPicPr>
+            <p:nvPr/>
+          </p:nvPicPr>
+          <p:blipFill>
+            <a:blip r:embed="rId8">
+              <a:extLst>
+                <a:ext uri="{28A0092B-C50C-407E-A947-70E740481C1C}">
+                  <a14:useLocalDpi xmlns:a14="http://schemas.microsoft.com/office/drawing/2010/main" val="0"/>
+                </a:ext>
+                <a:ext uri="{96DAC541-7B7A-43D3-8B79-37D633B846F1}">
+                  <asvg:svgBlip xmlns:asvg="http://schemas.microsoft.com/office/drawing/2016/SVG/main" r:embed="rId9"/>
+                </a:ext>
+              </a:extLst>
+            </a:blip>
+            <a:stretch>
+              <a:fillRect/>
+            </a:stretch>
+          </p:blipFill>
+          <p:spPr>
+            <a:xfrm>
+              <a:off x="9900193" y="4298238"/>
+              <a:ext cx="914400" cy="914400"/>
+            </a:xfrm>
+            <a:prstGeom prst="rect">
+              <a:avLst/>
+            </a:prstGeom>
+          </p:spPr>
+        </p:pic>
+        <p:pic>
+          <p:nvPicPr>
+            <p:cNvPr id="29" name="Grafik 14" descr="Hierarchie">
+              <a:extLst>
+                <a:ext uri="{FF2B5EF4-FFF2-40B4-BE49-F238E27FC236}">
+                  <a16:creationId xmlns:a16="http://schemas.microsoft.com/office/drawing/2014/main" id="{9F6B23CF-0E5B-41EF-81CA-F54B8DA8E4F0}"/>
+                </a:ext>
+              </a:extLst>
+            </p:cNvPr>
+            <p:cNvPicPr>
+              <a:picLocks noChangeAspect="1"/>
+            </p:cNvPicPr>
+            <p:nvPr/>
+          </p:nvPicPr>
+          <p:blipFill>
+            <a:blip r:embed="rId10">
+              <a:extLst>
+                <a:ext uri="{28A0092B-C50C-407E-A947-70E740481C1C}">
+                  <a14:useLocalDpi xmlns:a14="http://schemas.microsoft.com/office/drawing/2010/main" val="0"/>
+                </a:ext>
+                <a:ext uri="{96DAC541-7B7A-43D3-8B79-37D633B846F1}">
+                  <asvg:svgBlip xmlns:asvg="http://schemas.microsoft.com/office/drawing/2016/SVG/main" r:embed="rId11"/>
+                </a:ext>
+              </a:extLst>
+            </a:blip>
+            <a:stretch>
+              <a:fillRect/>
+            </a:stretch>
+          </p:blipFill>
+          <p:spPr>
+            <a:xfrm>
+              <a:off x="9900193" y="2464538"/>
+              <a:ext cx="914400" cy="914400"/>
+            </a:xfrm>
+            <a:prstGeom prst="rect">
+              <a:avLst/>
+            </a:prstGeom>
+          </p:spPr>
+        </p:pic>
+      </p:grpSp>
     </p:spTree>
     <p:extLst>
       <p:ext uri="{BB962C8B-B14F-4D97-AF65-F5344CB8AC3E}">
@@ -18331,7 +18365,7 @@
                 <a:latin typeface="Noto Sans" panose="020B0502040504020204"/>
                 <a:cs typeface="Nirmala UI Semilight" panose="020B0402040204020203" pitchFamily="34" charset="0"/>
               </a:rPr>
-              <a:t>Quality Assurance</a:t>
+              <a:t>Quality Assurance: Coding Guideline </a:t>
             </a:r>
           </a:p>
         </p:txBody>
@@ -18365,12 +18399,140 @@
           </a:p>
         </p:txBody>
       </p:sp>
+      <p:sp>
+        <p:nvSpPr>
+          <p:cNvPr id="3" name="文本框 2">
+            <a:extLst>
+              <a:ext uri="{FF2B5EF4-FFF2-40B4-BE49-F238E27FC236}">
+                <a16:creationId xmlns:a16="http://schemas.microsoft.com/office/drawing/2014/main" id="{5D742482-B15D-4B2A-AD07-7E59DD43946D}"/>
+              </a:ext>
+            </a:extLst>
+          </p:cNvPr>
+          <p:cNvSpPr txBox="1"/>
+          <p:nvPr/>
+        </p:nvSpPr>
+        <p:spPr>
+          <a:xfrm>
+            <a:off x="852176" y="1470991"/>
+            <a:ext cx="7089189" cy="369332"/>
+          </a:xfrm>
+          <a:prstGeom prst="rect">
+            <a:avLst/>
+          </a:prstGeom>
+          <a:noFill/>
+        </p:spPr>
+        <p:txBody>
+          <a:bodyPr wrap="square" rtlCol="0">
+            <a:spAutoFit/>
+          </a:bodyPr>
+          <a:lstStyle/>
+          <a:p>
+            <a:endParaRPr lang="en-US" altLang="zh-CN" dirty="0">
+              <a:solidFill>
+                <a:schemeClr val="bg1">
+                  <a:lumMod val="85000"/>
+                </a:schemeClr>
+              </a:solidFill>
+              <a:latin typeface="Noto Sans" panose="020B0502040504020204"/>
+            </a:endParaRPr>
+          </a:p>
+        </p:txBody>
+      </p:sp>
+      <p:sp>
+        <p:nvSpPr>
+          <p:cNvPr id="16" name="文本框 15">
+            <a:extLst>
+              <a:ext uri="{FF2B5EF4-FFF2-40B4-BE49-F238E27FC236}">
+                <a16:creationId xmlns:a16="http://schemas.microsoft.com/office/drawing/2014/main" id="{7FCA585A-45CB-4A7F-A9CA-A577D070035D}"/>
+              </a:ext>
+            </a:extLst>
+          </p:cNvPr>
+          <p:cNvSpPr txBox="1"/>
+          <p:nvPr/>
+        </p:nvSpPr>
+        <p:spPr>
+          <a:xfrm>
+            <a:off x="852176" y="1470991"/>
+            <a:ext cx="7089189" cy="2031325"/>
+          </a:xfrm>
+          <a:prstGeom prst="rect">
+            <a:avLst/>
+          </a:prstGeom>
+          <a:noFill/>
+        </p:spPr>
+        <p:txBody>
+          <a:bodyPr wrap="square" rtlCol="0">
+            <a:spAutoFit/>
+          </a:bodyPr>
+          <a:lstStyle/>
+          <a:p>
+            <a:r>
+              <a:rPr lang="en-US" altLang="zh-CN" b="1" i="1" dirty="0">
+                <a:latin typeface="Noto Sans" panose="020B0502040504020204"/>
+              </a:rPr>
+              <a:t>C/C++ Coding Guide</a:t>
+            </a:r>
+          </a:p>
+          <a:p>
+            <a:pPr marL="285750" indent="-285750">
+              <a:buFontTx/>
+              <a:buChar char="-"/>
+            </a:pPr>
+            <a:r>
+              <a:rPr lang="en-US" altLang="zh-CN" dirty="0">
+                <a:latin typeface="Noto Sans" panose="020B0502040504020204"/>
+              </a:rPr>
+              <a:t>follow self-defined coding guidelines, includes naming conventions, file structure, etc. </a:t>
+            </a:r>
+          </a:p>
+          <a:p>
+            <a:pPr marL="285750" indent="-285750">
+              <a:buFontTx/>
+              <a:buChar char="-"/>
+            </a:pPr>
+            <a:endParaRPr lang="en-US" altLang="zh-CN" dirty="0">
+              <a:latin typeface="Noto Sans" panose="020B0502040504020204"/>
+            </a:endParaRPr>
+          </a:p>
+          <a:p>
+            <a:r>
+              <a:rPr lang="en-US" altLang="zh-CN" b="1" i="1" dirty="0">
+                <a:latin typeface="Noto Sans" panose="020B0502040504020204"/>
+              </a:rPr>
+              <a:t>Python Coding Guide</a:t>
+            </a:r>
+          </a:p>
+          <a:p>
+            <a:pPr marL="285750" indent="-285750">
+              <a:buFontTx/>
+              <a:buChar char="-"/>
+            </a:pPr>
+            <a:r>
+              <a:rPr lang="en-US" altLang="zh-CN" dirty="0">
+                <a:solidFill>
+                  <a:schemeClr val="tx1">
+                    <a:lumMod val="95000"/>
+                    <a:lumOff val="5000"/>
+                  </a:schemeClr>
+                </a:solidFill>
+                <a:latin typeface="Noto Sans" panose="020B0502040504020204"/>
+              </a:rPr>
+              <a:t>follow PEP 8 coding guidelines</a:t>
+            </a:r>
+          </a:p>
+          <a:p>
+            <a:endParaRPr lang="en-US" altLang="zh-CN" dirty="0">
+              <a:latin typeface="Noto Sans" panose="020B0502040504020204"/>
+            </a:endParaRPr>
+          </a:p>
+        </p:txBody>
+      </p:sp>
       <p:grpSp>
         <p:nvGrpSpPr>
-          <p:cNvPr id="10" name="Gruppieren 9">
+          <p:cNvPr id="23" name="Gruppieren 9">
             <a:extLst>
               <a:ext uri="{FF2B5EF4-FFF2-40B4-BE49-F238E27FC236}">
-                <a16:creationId xmlns:a16="http://schemas.microsoft.com/office/drawing/2014/main" id="{B7E1329A-6886-4A91-BB43-580F9668F6A8}"/>
+                <a16:creationId xmlns:a16="http://schemas.microsoft.com/office/drawing/2014/main" id="{AC82DE7A-DD63-4AEA-A66A-0589AA26E629}"/>
               </a:ext>
             </a:extLst>
           </p:cNvPr>
@@ -18389,10 +18551,10 @@
         </p:grpSpPr>
         <p:pic>
           <p:nvPicPr>
-            <p:cNvPr id="11" name="Grafik 10" descr="Klemmbrett abgehakt">
+            <p:cNvPr id="24" name="Grafik 10" descr="Klemmbrett abgehakt">
               <a:extLst>
                 <a:ext uri="{FF2B5EF4-FFF2-40B4-BE49-F238E27FC236}">
-                  <a16:creationId xmlns:a16="http://schemas.microsoft.com/office/drawing/2014/main" id="{A9431254-D4B4-40B6-AE85-BCF49175275E}"/>
+                  <a16:creationId xmlns:a16="http://schemas.microsoft.com/office/drawing/2014/main" id="{6D90B3A4-85DB-494C-A40D-C4F8D1EDFD24}"/>
                 </a:ext>
               </a:extLst>
             </p:cNvPr>
@@ -18428,10 +18590,10 @@
         </p:pic>
         <p:pic>
           <p:nvPicPr>
-            <p:cNvPr id="12" name="Grafik 11" descr="Häkchen">
+            <p:cNvPr id="25" name="Grafik 11" descr="Häkchen">
               <a:extLst>
                 <a:ext uri="{FF2B5EF4-FFF2-40B4-BE49-F238E27FC236}">
-                  <a16:creationId xmlns:a16="http://schemas.microsoft.com/office/drawing/2014/main" id="{5107806B-8F20-4BC6-9C0E-652D04F676AB}"/>
+                  <a16:creationId xmlns:a16="http://schemas.microsoft.com/office/drawing/2014/main" id="{4A9C495D-BA9B-44F2-8156-A0CC9645CEBC}"/>
                 </a:ext>
               </a:extLst>
             </p:cNvPr>
@@ -18467,10 +18629,10 @@
         </p:pic>
         <p:pic>
           <p:nvPicPr>
-            <p:cNvPr id="13" name="Grafik 12" descr="Gehirn">
+            <p:cNvPr id="26" name="Grafik 12" descr="Gehirn">
               <a:extLst>
                 <a:ext uri="{FF2B5EF4-FFF2-40B4-BE49-F238E27FC236}">
-                  <a16:creationId xmlns:a16="http://schemas.microsoft.com/office/drawing/2014/main" id="{63100608-3265-44B6-8F00-AB936254C45E}"/>
+                  <a16:creationId xmlns:a16="http://schemas.microsoft.com/office/drawing/2014/main" id="{90A9E09A-AA44-478B-95B4-5345BBDD3366}"/>
                 </a:ext>
               </a:extLst>
             </p:cNvPr>
@@ -18506,10 +18668,10 @@
         </p:pic>
         <p:pic>
           <p:nvPicPr>
-            <p:cNvPr id="14" name="Grafik 13" descr="Einhorn">
+            <p:cNvPr id="27" name="Grafik 13" descr="Einhorn">
               <a:extLst>
                 <a:ext uri="{FF2B5EF4-FFF2-40B4-BE49-F238E27FC236}">
-                  <a16:creationId xmlns:a16="http://schemas.microsoft.com/office/drawing/2014/main" id="{793928EC-1DDB-471A-900C-D86B5DD996F2}"/>
+                  <a16:creationId xmlns:a16="http://schemas.microsoft.com/office/drawing/2014/main" id="{E14CF96E-679B-4670-85C8-4454F8649748}"/>
                 </a:ext>
               </a:extLst>
             </p:cNvPr>
@@ -18545,10 +18707,10 @@
         </p:pic>
         <p:pic>
           <p:nvPicPr>
-            <p:cNvPr id="15" name="Grafik 14" descr="Hierarchie">
+            <p:cNvPr id="28" name="Grafik 14" descr="Hierarchie">
               <a:extLst>
                 <a:ext uri="{FF2B5EF4-FFF2-40B4-BE49-F238E27FC236}">
-                  <a16:creationId xmlns:a16="http://schemas.microsoft.com/office/drawing/2014/main" id="{C4E0777E-47E6-4E82-82B6-36FD53560989}"/>
+                  <a16:creationId xmlns:a16="http://schemas.microsoft.com/office/drawing/2014/main" id="{69743DDA-47FA-4E30-B8AB-649455E9F051}"/>
                 </a:ext>
               </a:extLst>
             </p:cNvPr>
@@ -18583,96 +18745,6 @@
           </p:spPr>
         </p:pic>
       </p:grpSp>
-      <p:sp>
-        <p:nvSpPr>
-          <p:cNvPr id="3" name="文本框 2">
-            <a:extLst>
-              <a:ext uri="{FF2B5EF4-FFF2-40B4-BE49-F238E27FC236}">
-                <a16:creationId xmlns:a16="http://schemas.microsoft.com/office/drawing/2014/main" id="{5D742482-B15D-4B2A-AD07-7E59DD43946D}"/>
-              </a:ext>
-            </a:extLst>
-          </p:cNvPr>
-          <p:cNvSpPr txBox="1"/>
-          <p:nvPr/>
-        </p:nvSpPr>
-        <p:spPr>
-          <a:xfrm>
-            <a:off x="852176" y="1470991"/>
-            <a:ext cx="7089189" cy="1477328"/>
-          </a:xfrm>
-          <a:prstGeom prst="rect">
-            <a:avLst/>
-          </a:prstGeom>
-          <a:noFill/>
-        </p:spPr>
-        <p:txBody>
-          <a:bodyPr wrap="square" rtlCol="0">
-            <a:spAutoFit/>
-          </a:bodyPr>
-          <a:lstStyle/>
-          <a:p>
-            <a:pPr marL="285750" indent="-285750">
-              <a:buFontTx/>
-              <a:buChar char="-"/>
-            </a:pPr>
-            <a:r>
-              <a:rPr lang="en-US" altLang="zh-CN" dirty="0">
-                <a:latin typeface="Noto Sans" panose="020B0502040504020204"/>
-              </a:rPr>
-              <a:t>Coding Guideline</a:t>
-            </a:r>
-          </a:p>
-          <a:p>
-            <a:endParaRPr lang="en-US" altLang="zh-CN" dirty="0">
-              <a:latin typeface="Noto Sans" panose="020B0502040504020204"/>
-            </a:endParaRPr>
-          </a:p>
-          <a:p>
-            <a:pPr marL="285750" indent="-285750">
-              <a:buFontTx/>
-              <a:buChar char="-"/>
-            </a:pPr>
-            <a:r>
-              <a:rPr lang="en-US" altLang="zh-CN" dirty="0">
-                <a:solidFill>
-                  <a:schemeClr val="bg1">
-                    <a:lumMod val="85000"/>
-                  </a:schemeClr>
-                </a:solidFill>
-                <a:latin typeface="Noto Sans" panose="020B0502040504020204"/>
-              </a:rPr>
-              <a:t>Code Review</a:t>
-            </a:r>
-          </a:p>
-          <a:p>
-            <a:endParaRPr lang="en-US" altLang="zh-CN" dirty="0">
-              <a:solidFill>
-                <a:schemeClr val="bg1">
-                  <a:lumMod val="85000"/>
-                </a:schemeClr>
-              </a:solidFill>
-              <a:latin typeface="Noto Sans" panose="020B0502040504020204"/>
-            </a:endParaRPr>
-          </a:p>
-          <a:p>
-            <a:pPr marL="285750" indent="-285750">
-              <a:buFontTx/>
-              <a:buChar char="-"/>
-            </a:pPr>
-            <a:r>
-              <a:rPr lang="en-US" altLang="zh-CN" dirty="0">
-                <a:solidFill>
-                  <a:schemeClr val="bg1">
-                    <a:lumMod val="85000"/>
-                  </a:schemeClr>
-                </a:solidFill>
-                <a:latin typeface="Noto Sans" panose="020B0502040504020204"/>
-              </a:rPr>
-              <a:t>Automated Testing</a:t>
-            </a:r>
-          </a:p>
-        </p:txBody>
-      </p:sp>
     </p:spTree>
     <p:extLst>
       <p:ext uri="{BB962C8B-B14F-4D97-AF65-F5344CB8AC3E}">
@@ -18975,8 +19047,23 @@
                 </a:solidFill>
                 <a:latin typeface="Noto Sans" panose="020B0502040504020204"/>
               </a:rPr>
-              <a:t>Quality Assurance</a:t>
+              <a:t>Quality </a:t>
             </a:r>
+            <a:r>
+              <a:rPr lang="de-DE" sz="2800" dirty="0" err="1">
+                <a:solidFill>
+                  <a:schemeClr val="tx1"/>
+                </a:solidFill>
+                <a:latin typeface="Noto Sans" panose="020B0502040504020204"/>
+              </a:rPr>
+              <a:t>assurance</a:t>
+            </a:r>
+            <a:endParaRPr lang="de-DE" sz="2800" dirty="0">
+              <a:solidFill>
+                <a:schemeClr val="tx1"/>
+              </a:solidFill>
+              <a:latin typeface="Noto Sans" panose="020B0502040504020204"/>
+            </a:endParaRPr>
           </a:p>
         </p:txBody>
       </p:sp>
@@ -19186,8 +19273,17 @@
               <a:rPr lang="de-DE" sz="2800" dirty="0">
                 <a:latin typeface="Noto Sans" panose="020B0502040504020204"/>
               </a:rPr>
-              <a:t>Environment and RL-agent</a:t>
+              <a:t>Environment and RL </a:t>
             </a:r>
+            <a:r>
+              <a:rPr lang="de-DE" sz="2800" dirty="0" err="1">
+                <a:latin typeface="Noto Sans" panose="020B0502040504020204"/>
+              </a:rPr>
+              <a:t>agent</a:t>
+            </a:r>
+            <a:endParaRPr lang="de-DE" sz="2800" dirty="0">
+              <a:latin typeface="Noto Sans" panose="020B0502040504020204"/>
+            </a:endParaRPr>
           </a:p>
         </p:txBody>
       </p:sp>
@@ -19226,10 +19322,16 @@
               <a:t>Fake </a:t>
             </a:r>
             <a:r>
+              <a:rPr lang="en-US" altLang="zh-CN" sz="2800" dirty="0">
+                <a:latin typeface="Noto Sans" panose="020B0502040504020204"/>
+              </a:rPr>
+              <a:t>e</a:t>
+            </a:r>
+            <a:r>
               <a:rPr lang="de-DE" sz="2800" dirty="0" err="1">
                 <a:latin typeface="Noto Sans" panose="020B0502040504020204"/>
               </a:rPr>
-              <a:t>Enviro</a:t>
+              <a:t>nviro</a:t>
             </a:r>
             <a:r>
               <a:rPr lang="en-US" altLang="zh-CN" sz="2800" dirty="0">
@@ -19657,7 +19759,7 @@
                 <a:latin typeface="Noto Sans" panose="020B0502040504020204"/>
                 <a:cs typeface="Nirmala UI Semilight" panose="020B0402040204020203" pitchFamily="34" charset="0"/>
               </a:rPr>
-              <a:t>Quality Assurance</a:t>
+              <a:t>Quality Assurance: Code Review</a:t>
             </a:r>
           </a:p>
         </p:txBody>
@@ -19691,12 +19793,215 @@
           </a:p>
         </p:txBody>
       </p:sp>
+      <p:sp>
+        <p:nvSpPr>
+          <p:cNvPr id="6" name="文本框 5">
+            <a:extLst>
+              <a:ext uri="{FF2B5EF4-FFF2-40B4-BE49-F238E27FC236}">
+                <a16:creationId xmlns:a16="http://schemas.microsoft.com/office/drawing/2014/main" id="{E2BCFC31-3264-47AC-AA3D-BC8921E03744}"/>
+              </a:ext>
+            </a:extLst>
+          </p:cNvPr>
+          <p:cNvSpPr txBox="1"/>
+          <p:nvPr/>
+        </p:nvSpPr>
+        <p:spPr>
+          <a:xfrm>
+            <a:off x="2251075" y="1977576"/>
+            <a:ext cx="2674026" cy="400110"/>
+          </a:xfrm>
+          <a:prstGeom prst="rect">
+            <a:avLst/>
+          </a:prstGeom>
+          <a:noFill/>
+        </p:spPr>
+        <p:txBody>
+          <a:bodyPr wrap="square" rtlCol="0">
+            <a:spAutoFit/>
+          </a:bodyPr>
+          <a:lstStyle/>
+          <a:p>
+            <a:r>
+              <a:rPr lang="en-US" altLang="zh-CN" sz="2000" dirty="0" err="1">
+                <a:solidFill>
+                  <a:schemeClr val="tx1">
+                    <a:lumMod val="75000"/>
+                    <a:lumOff val="25000"/>
+                  </a:schemeClr>
+                </a:solidFill>
+              </a:rPr>
+              <a:t>Webots</a:t>
+            </a:r>
+            <a:r>
+              <a:rPr lang="en-US" altLang="zh-CN" sz="2000" dirty="0">
+                <a:solidFill>
+                  <a:schemeClr val="tx1">
+                    <a:lumMod val="75000"/>
+                    <a:lumOff val="25000"/>
+                  </a:schemeClr>
+                </a:solidFill>
+              </a:rPr>
+              <a:t>/Controller</a:t>
+            </a:r>
+            <a:endParaRPr lang="zh-CN" altLang="en-US" sz="2000" dirty="0">
+              <a:solidFill>
+                <a:schemeClr val="tx1">
+                  <a:lumMod val="75000"/>
+                  <a:lumOff val="25000"/>
+                </a:schemeClr>
+              </a:solidFill>
+            </a:endParaRPr>
+          </a:p>
+        </p:txBody>
+      </p:sp>
+      <p:sp>
+        <p:nvSpPr>
+          <p:cNvPr id="16" name="文本框 15">
+            <a:extLst>
+              <a:ext uri="{FF2B5EF4-FFF2-40B4-BE49-F238E27FC236}">
+                <a16:creationId xmlns:a16="http://schemas.microsoft.com/office/drawing/2014/main" id="{7C3FF74C-9D45-43B4-B6DD-E3EA8DE0D588}"/>
+              </a:ext>
+            </a:extLst>
+          </p:cNvPr>
+          <p:cNvSpPr txBox="1"/>
+          <p:nvPr/>
+        </p:nvSpPr>
+        <p:spPr>
+          <a:xfrm>
+            <a:off x="7688719" y="1977576"/>
+            <a:ext cx="1106749" cy="400110"/>
+          </a:xfrm>
+          <a:prstGeom prst="rect">
+            <a:avLst/>
+          </a:prstGeom>
+          <a:noFill/>
+        </p:spPr>
+        <p:txBody>
+          <a:bodyPr wrap="square" rtlCol="0">
+            <a:spAutoFit/>
+          </a:bodyPr>
+          <a:lstStyle/>
+          <a:p>
+            <a:r>
+              <a:rPr lang="en-US" altLang="zh-CN" sz="2000" dirty="0">
+                <a:solidFill>
+                  <a:schemeClr val="tx1">
+                    <a:lumMod val="75000"/>
+                    <a:lumOff val="25000"/>
+                  </a:schemeClr>
+                </a:solidFill>
+              </a:rPr>
+              <a:t>Backend</a:t>
+            </a:r>
+            <a:endParaRPr lang="zh-CN" altLang="en-US" sz="2000" dirty="0">
+              <a:solidFill>
+                <a:schemeClr val="tx1">
+                  <a:lumMod val="75000"/>
+                  <a:lumOff val="25000"/>
+                </a:schemeClr>
+              </a:solidFill>
+            </a:endParaRPr>
+          </a:p>
+        </p:txBody>
+      </p:sp>
+      <p:graphicFrame>
+        <p:nvGraphicFramePr>
+          <p:cNvPr id="7" name="图示 6">
+            <a:extLst>
+              <a:ext uri="{FF2B5EF4-FFF2-40B4-BE49-F238E27FC236}">
+                <a16:creationId xmlns:a16="http://schemas.microsoft.com/office/drawing/2014/main" id="{63ACC686-6147-44DD-9230-62D8098E3C1C}"/>
+              </a:ext>
+            </a:extLst>
+          </p:cNvPr>
+          <p:cNvGraphicFramePr/>
+          <p:nvPr>
+            <p:extLst>
+              <p:ext uri="{D42A27DB-BD31-4B8C-83A1-F6EECF244321}">
+                <p14:modId xmlns:p14="http://schemas.microsoft.com/office/powerpoint/2010/main" val="2175667649"/>
+              </p:ext>
+            </p:extLst>
+          </p:nvPr>
+        </p:nvGraphicFramePr>
+        <p:xfrm>
+          <a:off x="1555930" y="2655226"/>
+          <a:ext cx="3493179" cy="2718969"/>
+        </p:xfrm>
+        <a:graphic>
+          <a:graphicData uri="http://schemas.openxmlformats.org/drawingml/2006/diagram">
+            <dgm:relIds xmlns:dgm="http://schemas.openxmlformats.org/drawingml/2006/diagram" xmlns:r="http://schemas.openxmlformats.org/officeDocument/2006/relationships" r:dm="rId2" r:lo="rId3" r:qs="rId4" r:cs="rId5"/>
+          </a:graphicData>
+        </a:graphic>
+      </p:graphicFrame>
+      <p:graphicFrame>
+        <p:nvGraphicFramePr>
+          <p:cNvPr id="8" name="图示 7">
+            <a:extLst>
+              <a:ext uri="{FF2B5EF4-FFF2-40B4-BE49-F238E27FC236}">
+                <a16:creationId xmlns:a16="http://schemas.microsoft.com/office/drawing/2014/main" id="{8814B4D0-CFCE-48C6-B17D-E6065D880FD7}"/>
+              </a:ext>
+            </a:extLst>
+          </p:cNvPr>
+          <p:cNvGraphicFramePr/>
+          <p:nvPr>
+            <p:extLst>
+              <p:ext uri="{D42A27DB-BD31-4B8C-83A1-F6EECF244321}">
+                <p14:modId xmlns:p14="http://schemas.microsoft.com/office/powerpoint/2010/main" val="3632241289"/>
+              </p:ext>
+            </p:extLst>
+          </p:nvPr>
+        </p:nvGraphicFramePr>
+        <p:xfrm>
+          <a:off x="5834029" y="2636826"/>
+          <a:ext cx="4816127" cy="3419760"/>
+        </p:xfrm>
+        <a:graphic>
+          <a:graphicData uri="http://schemas.openxmlformats.org/drawingml/2006/diagram">
+            <dgm:relIds xmlns:dgm="http://schemas.openxmlformats.org/drawingml/2006/diagram" xmlns:r="http://schemas.openxmlformats.org/officeDocument/2006/relationships" r:dm="rId7" r:lo="rId8" r:qs="rId9" r:cs="rId10"/>
+          </a:graphicData>
+        </a:graphic>
+      </p:graphicFrame>
+      <p:cxnSp>
+        <p:nvCxnSpPr>
+          <p:cNvPr id="17" name="直接连接符 16">
+            <a:extLst>
+              <a:ext uri="{FF2B5EF4-FFF2-40B4-BE49-F238E27FC236}">
+                <a16:creationId xmlns:a16="http://schemas.microsoft.com/office/drawing/2014/main" id="{59AE093E-5E7B-45BA-8D51-46FB3D7DC2F2}"/>
+              </a:ext>
+            </a:extLst>
+          </p:cNvPr>
+          <p:cNvCxnSpPr/>
+          <p:nvPr/>
+        </p:nvCxnSpPr>
+        <p:spPr>
+          <a:xfrm>
+            <a:off x="5780776" y="1977576"/>
+            <a:ext cx="0" cy="3724656"/>
+          </a:xfrm>
+          <a:prstGeom prst="line">
+            <a:avLst/>
+          </a:prstGeom>
+        </p:spPr>
+        <p:style>
+          <a:lnRef idx="1">
+            <a:schemeClr val="dk1"/>
+          </a:lnRef>
+          <a:fillRef idx="0">
+            <a:schemeClr val="dk1"/>
+          </a:fillRef>
+          <a:effectRef idx="0">
+            <a:schemeClr val="dk1"/>
+          </a:effectRef>
+          <a:fontRef idx="minor">
+            <a:schemeClr val="tx1"/>
+          </a:fontRef>
+        </p:style>
+      </p:cxnSp>
       <p:grpSp>
         <p:nvGrpSpPr>
-          <p:cNvPr id="10" name="Gruppieren 9">
+          <p:cNvPr id="24" name="Gruppieren 9">
             <a:extLst>
               <a:ext uri="{FF2B5EF4-FFF2-40B4-BE49-F238E27FC236}">
-                <a16:creationId xmlns:a16="http://schemas.microsoft.com/office/drawing/2014/main" id="{B7E1329A-6886-4A91-BB43-580F9668F6A8}"/>
+                <a16:creationId xmlns:a16="http://schemas.microsoft.com/office/drawing/2014/main" id="{318F581E-54EA-4810-BC68-6AF3797C45E1}"/>
               </a:ext>
             </a:extLst>
           </p:cNvPr>
@@ -19715,10 +20020,10 @@
         </p:grpSpPr>
         <p:pic>
           <p:nvPicPr>
-            <p:cNvPr id="11" name="Grafik 10" descr="Klemmbrett abgehakt">
+            <p:cNvPr id="25" name="Grafik 10" descr="Klemmbrett abgehakt">
               <a:extLst>
                 <a:ext uri="{FF2B5EF4-FFF2-40B4-BE49-F238E27FC236}">
-                  <a16:creationId xmlns:a16="http://schemas.microsoft.com/office/drawing/2014/main" id="{A9431254-D4B4-40B6-AE85-BCF49175275E}"/>
+                  <a16:creationId xmlns:a16="http://schemas.microsoft.com/office/drawing/2014/main" id="{2D283BA8-FA5A-49AC-AA9A-18C96D802BDD}"/>
                 </a:ext>
               </a:extLst>
             </p:cNvPr>
@@ -19728,13 +20033,13 @@
             <p:nvPr/>
           </p:nvPicPr>
           <p:blipFill>
-            <a:blip r:embed="rId2">
+            <a:blip r:embed="rId12">
               <a:extLst>
                 <a:ext uri="{28A0092B-C50C-407E-A947-70E740481C1C}">
                   <a14:useLocalDpi xmlns:a14="http://schemas.microsoft.com/office/drawing/2010/main" val="0"/>
                 </a:ext>
                 <a:ext uri="{96DAC541-7B7A-43D3-8B79-37D633B846F1}">
-                  <asvg:svgBlip xmlns:asvg="http://schemas.microsoft.com/office/drawing/2016/SVG/main" r:embed="rId3"/>
+                  <asvg:svgBlip xmlns:asvg="http://schemas.microsoft.com/office/drawing/2016/SVG/main" r:embed="rId13"/>
                 </a:ext>
               </a:extLst>
             </a:blip>
@@ -19754,10 +20059,10 @@
         </p:pic>
         <p:pic>
           <p:nvPicPr>
-            <p:cNvPr id="12" name="Grafik 11" descr="Häkchen">
+            <p:cNvPr id="26" name="Grafik 11" descr="Häkchen">
               <a:extLst>
                 <a:ext uri="{FF2B5EF4-FFF2-40B4-BE49-F238E27FC236}">
-                  <a16:creationId xmlns:a16="http://schemas.microsoft.com/office/drawing/2014/main" id="{5107806B-8F20-4BC6-9C0E-652D04F676AB}"/>
+                  <a16:creationId xmlns:a16="http://schemas.microsoft.com/office/drawing/2014/main" id="{E53C3137-3C97-46C2-9875-3EBF6505A619}"/>
                 </a:ext>
               </a:extLst>
             </p:cNvPr>
@@ -19767,13 +20072,13 @@
             <p:nvPr/>
           </p:nvPicPr>
           <p:blipFill>
-            <a:blip r:embed="rId4">
+            <a:blip r:embed="rId14">
               <a:extLst>
                 <a:ext uri="{28A0092B-C50C-407E-A947-70E740481C1C}">
                   <a14:useLocalDpi xmlns:a14="http://schemas.microsoft.com/office/drawing/2010/main" val="0"/>
                 </a:ext>
                 <a:ext uri="{96DAC541-7B7A-43D3-8B79-37D633B846F1}">
-                  <asvg:svgBlip xmlns:asvg="http://schemas.microsoft.com/office/drawing/2016/SVG/main" r:embed="rId5"/>
+                  <asvg:svgBlip xmlns:asvg="http://schemas.microsoft.com/office/drawing/2016/SVG/main" r:embed="rId15"/>
                 </a:ext>
               </a:extLst>
             </a:blip>
@@ -19793,10 +20098,10 @@
         </p:pic>
         <p:pic>
           <p:nvPicPr>
-            <p:cNvPr id="13" name="Grafik 12" descr="Gehirn">
+            <p:cNvPr id="27" name="Grafik 12" descr="Gehirn">
               <a:extLst>
                 <a:ext uri="{FF2B5EF4-FFF2-40B4-BE49-F238E27FC236}">
-                  <a16:creationId xmlns:a16="http://schemas.microsoft.com/office/drawing/2014/main" id="{63100608-3265-44B6-8F00-AB936254C45E}"/>
+                  <a16:creationId xmlns:a16="http://schemas.microsoft.com/office/drawing/2014/main" id="{87EE6884-7ABA-42D5-84E1-5B392BDEE58E}"/>
                 </a:ext>
               </a:extLst>
             </p:cNvPr>
@@ -19806,13 +20111,13 @@
             <p:nvPr/>
           </p:nvPicPr>
           <p:blipFill>
-            <a:blip r:embed="rId6">
+            <a:blip r:embed="rId16">
               <a:extLst>
                 <a:ext uri="{28A0092B-C50C-407E-A947-70E740481C1C}">
                   <a14:useLocalDpi xmlns:a14="http://schemas.microsoft.com/office/drawing/2010/main" val="0"/>
                 </a:ext>
                 <a:ext uri="{96DAC541-7B7A-43D3-8B79-37D633B846F1}">
-                  <asvg:svgBlip xmlns:asvg="http://schemas.microsoft.com/office/drawing/2016/SVG/main" r:embed="rId7"/>
+                  <asvg:svgBlip xmlns:asvg="http://schemas.microsoft.com/office/drawing/2016/SVG/main" r:embed="rId17"/>
                 </a:ext>
               </a:extLst>
             </a:blip>
@@ -19832,10 +20137,10 @@
         </p:pic>
         <p:pic>
           <p:nvPicPr>
-            <p:cNvPr id="14" name="Grafik 13" descr="Einhorn">
+            <p:cNvPr id="28" name="Grafik 13" descr="Einhorn">
               <a:extLst>
                 <a:ext uri="{FF2B5EF4-FFF2-40B4-BE49-F238E27FC236}">
-                  <a16:creationId xmlns:a16="http://schemas.microsoft.com/office/drawing/2014/main" id="{793928EC-1DDB-471A-900C-D86B5DD996F2}"/>
+                  <a16:creationId xmlns:a16="http://schemas.microsoft.com/office/drawing/2014/main" id="{4ACB20A5-28CF-4DD8-AC2A-0CB8758A2D50}"/>
                 </a:ext>
               </a:extLst>
             </p:cNvPr>
@@ -19845,13 +20150,13 @@
             <p:nvPr/>
           </p:nvPicPr>
           <p:blipFill>
-            <a:blip r:embed="rId8">
+            <a:blip r:embed="rId18">
               <a:extLst>
                 <a:ext uri="{28A0092B-C50C-407E-A947-70E740481C1C}">
                   <a14:useLocalDpi xmlns:a14="http://schemas.microsoft.com/office/drawing/2010/main" val="0"/>
                 </a:ext>
                 <a:ext uri="{96DAC541-7B7A-43D3-8B79-37D633B846F1}">
-                  <asvg:svgBlip xmlns:asvg="http://schemas.microsoft.com/office/drawing/2016/SVG/main" r:embed="rId9"/>
+                  <asvg:svgBlip xmlns:asvg="http://schemas.microsoft.com/office/drawing/2016/SVG/main" r:embed="rId19"/>
                 </a:ext>
               </a:extLst>
             </a:blip>
@@ -19871,10 +20176,10 @@
         </p:pic>
         <p:pic>
           <p:nvPicPr>
-            <p:cNvPr id="15" name="Grafik 14" descr="Hierarchie">
+            <p:cNvPr id="29" name="Grafik 14" descr="Hierarchie">
               <a:extLst>
                 <a:ext uri="{FF2B5EF4-FFF2-40B4-BE49-F238E27FC236}">
-                  <a16:creationId xmlns:a16="http://schemas.microsoft.com/office/drawing/2014/main" id="{C4E0777E-47E6-4E82-82B6-36FD53560989}"/>
+                  <a16:creationId xmlns:a16="http://schemas.microsoft.com/office/drawing/2014/main" id="{38BDE3DC-59A6-43DE-896F-E0C96E469706}"/>
                 </a:ext>
               </a:extLst>
             </p:cNvPr>
@@ -19884,13 +20189,13 @@
             <p:nvPr/>
           </p:nvPicPr>
           <p:blipFill>
-            <a:blip r:embed="rId10">
+            <a:blip r:embed="rId20">
               <a:extLst>
                 <a:ext uri="{28A0092B-C50C-407E-A947-70E740481C1C}">
                   <a14:useLocalDpi xmlns:a14="http://schemas.microsoft.com/office/drawing/2010/main" val="0"/>
                 </a:ext>
                 <a:ext uri="{96DAC541-7B7A-43D3-8B79-37D633B846F1}">
-                  <asvg:svgBlip xmlns:asvg="http://schemas.microsoft.com/office/drawing/2016/SVG/main" r:embed="rId11"/>
+                  <asvg:svgBlip xmlns:asvg="http://schemas.microsoft.com/office/drawing/2016/SVG/main" r:embed="rId21"/>
                 </a:ext>
               </a:extLst>
             </a:blip>
@@ -19909,246 +20214,6 @@
           </p:spPr>
         </p:pic>
       </p:grpSp>
-      <p:sp>
-        <p:nvSpPr>
-          <p:cNvPr id="3" name="文本框 2">
-            <a:extLst>
-              <a:ext uri="{FF2B5EF4-FFF2-40B4-BE49-F238E27FC236}">
-                <a16:creationId xmlns:a16="http://schemas.microsoft.com/office/drawing/2014/main" id="{5D742482-B15D-4B2A-AD07-7E59DD43946D}"/>
-              </a:ext>
-            </a:extLst>
-          </p:cNvPr>
-          <p:cNvSpPr txBox="1"/>
-          <p:nvPr/>
-        </p:nvSpPr>
-        <p:spPr>
-          <a:xfrm>
-            <a:off x="852176" y="1470991"/>
-            <a:ext cx="7089189" cy="1477328"/>
-          </a:xfrm>
-          <a:prstGeom prst="rect">
-            <a:avLst/>
-          </a:prstGeom>
-          <a:noFill/>
-        </p:spPr>
-        <p:txBody>
-          <a:bodyPr wrap="square" rtlCol="0">
-            <a:spAutoFit/>
-          </a:bodyPr>
-          <a:lstStyle/>
-          <a:p>
-            <a:pPr marL="285750" indent="-285750">
-              <a:buFontTx/>
-              <a:buChar char="-"/>
-            </a:pPr>
-            <a:r>
-              <a:rPr lang="en-US" altLang="zh-CN" dirty="0">
-                <a:solidFill>
-                  <a:schemeClr val="bg1">
-                    <a:lumMod val="85000"/>
-                  </a:schemeClr>
-                </a:solidFill>
-                <a:latin typeface="Noto Sans" panose="020B0502040504020204"/>
-              </a:rPr>
-              <a:t>Coding Guideline</a:t>
-            </a:r>
-          </a:p>
-          <a:p>
-            <a:endParaRPr lang="en-US" altLang="zh-CN" dirty="0">
-              <a:latin typeface="Noto Sans" panose="020B0502040504020204"/>
-            </a:endParaRPr>
-          </a:p>
-          <a:p>
-            <a:pPr marL="285750" indent="-285750">
-              <a:buFontTx/>
-              <a:buChar char="-"/>
-            </a:pPr>
-            <a:r>
-              <a:rPr lang="en-US" altLang="zh-CN" dirty="0">
-                <a:latin typeface="Noto Sans" panose="020B0502040504020204"/>
-              </a:rPr>
-              <a:t>Code Review</a:t>
-            </a:r>
-          </a:p>
-          <a:p>
-            <a:endParaRPr lang="en-US" altLang="zh-CN" dirty="0">
-              <a:latin typeface="Noto Sans" panose="020B0502040504020204"/>
-            </a:endParaRPr>
-          </a:p>
-          <a:p>
-            <a:pPr marL="285750" indent="-285750">
-              <a:buFontTx/>
-              <a:buChar char="-"/>
-            </a:pPr>
-            <a:r>
-              <a:rPr lang="en-US" altLang="zh-CN" dirty="0">
-                <a:solidFill>
-                  <a:schemeClr val="bg1">
-                    <a:lumMod val="85000"/>
-                  </a:schemeClr>
-                </a:solidFill>
-                <a:latin typeface="Noto Sans" panose="020B0502040504020204"/>
-              </a:rPr>
-              <a:t>Automated Testing</a:t>
-            </a:r>
-          </a:p>
-        </p:txBody>
-      </p:sp>
-      <p:sp>
-        <p:nvSpPr>
-          <p:cNvPr id="6" name="文本框 5">
-            <a:extLst>
-              <a:ext uri="{FF2B5EF4-FFF2-40B4-BE49-F238E27FC236}">
-                <a16:creationId xmlns:a16="http://schemas.microsoft.com/office/drawing/2014/main" id="{E2BCFC31-3264-47AC-AA3D-BC8921E03744}"/>
-              </a:ext>
-            </a:extLst>
-          </p:cNvPr>
-          <p:cNvSpPr txBox="1"/>
-          <p:nvPr/>
-        </p:nvSpPr>
-        <p:spPr>
-          <a:xfrm>
-            <a:off x="2918738" y="3567669"/>
-            <a:ext cx="2090777" cy="369332"/>
-          </a:xfrm>
-          <a:prstGeom prst="rect">
-            <a:avLst/>
-          </a:prstGeom>
-          <a:noFill/>
-        </p:spPr>
-        <p:txBody>
-          <a:bodyPr wrap="square" rtlCol="0">
-            <a:spAutoFit/>
-          </a:bodyPr>
-          <a:lstStyle/>
-          <a:p>
-            <a:r>
-              <a:rPr lang="en-US" altLang="zh-CN" dirty="0" err="1">
-                <a:solidFill>
-                  <a:schemeClr val="tx1">
-                    <a:lumMod val="75000"/>
-                    <a:lumOff val="25000"/>
-                  </a:schemeClr>
-                </a:solidFill>
-              </a:rPr>
-              <a:t>Webots</a:t>
-            </a:r>
-            <a:r>
-              <a:rPr lang="en-US" altLang="zh-CN" dirty="0">
-                <a:solidFill>
-                  <a:schemeClr val="tx1">
-                    <a:lumMod val="75000"/>
-                    <a:lumOff val="25000"/>
-                  </a:schemeClr>
-                </a:solidFill>
-              </a:rPr>
-              <a:t>/Controller</a:t>
-            </a:r>
-            <a:endParaRPr lang="zh-CN" altLang="en-US" dirty="0">
-              <a:solidFill>
-                <a:schemeClr val="tx1">
-                  <a:lumMod val="75000"/>
-                  <a:lumOff val="25000"/>
-                </a:schemeClr>
-              </a:solidFill>
-            </a:endParaRPr>
-          </a:p>
-        </p:txBody>
-      </p:sp>
-      <p:sp>
-        <p:nvSpPr>
-          <p:cNvPr id="16" name="文本框 15">
-            <a:extLst>
-              <a:ext uri="{FF2B5EF4-FFF2-40B4-BE49-F238E27FC236}">
-                <a16:creationId xmlns:a16="http://schemas.microsoft.com/office/drawing/2014/main" id="{7C3FF74C-9D45-43B4-B6DD-E3EA8DE0D588}"/>
-              </a:ext>
-            </a:extLst>
-          </p:cNvPr>
-          <p:cNvSpPr txBox="1"/>
-          <p:nvPr/>
-        </p:nvSpPr>
-        <p:spPr>
-          <a:xfrm>
-            <a:off x="7182486" y="3567669"/>
-            <a:ext cx="1106749" cy="369332"/>
-          </a:xfrm>
-          <a:prstGeom prst="rect">
-            <a:avLst/>
-          </a:prstGeom>
-          <a:noFill/>
-        </p:spPr>
-        <p:txBody>
-          <a:bodyPr wrap="square" rtlCol="0">
-            <a:spAutoFit/>
-          </a:bodyPr>
-          <a:lstStyle/>
-          <a:p>
-            <a:r>
-              <a:rPr lang="en-US" altLang="zh-CN" dirty="0">
-                <a:solidFill>
-                  <a:schemeClr val="tx1">
-                    <a:lumMod val="75000"/>
-                    <a:lumOff val="25000"/>
-                  </a:schemeClr>
-                </a:solidFill>
-              </a:rPr>
-              <a:t>Backend</a:t>
-            </a:r>
-            <a:endParaRPr lang="zh-CN" altLang="en-US" dirty="0">
-              <a:solidFill>
-                <a:schemeClr val="tx1">
-                  <a:lumMod val="75000"/>
-                  <a:lumOff val="25000"/>
-                </a:schemeClr>
-              </a:solidFill>
-            </a:endParaRPr>
-          </a:p>
-        </p:txBody>
-      </p:sp>
-      <p:graphicFrame>
-        <p:nvGraphicFramePr>
-          <p:cNvPr id="7" name="图示 6">
-            <a:extLst>
-              <a:ext uri="{FF2B5EF4-FFF2-40B4-BE49-F238E27FC236}">
-                <a16:creationId xmlns:a16="http://schemas.microsoft.com/office/drawing/2014/main" id="{63ACC686-6147-44DD-9230-62D8098E3C1C}"/>
-              </a:ext>
-            </a:extLst>
-          </p:cNvPr>
-          <p:cNvGraphicFramePr/>
-          <p:nvPr/>
-        </p:nvGraphicFramePr>
-        <p:xfrm>
-          <a:off x="2375261" y="4108989"/>
-          <a:ext cx="2902379" cy="1934919"/>
-        </p:xfrm>
-        <a:graphic>
-          <a:graphicData uri="http://schemas.openxmlformats.org/drawingml/2006/diagram">
-            <dgm:relIds xmlns:dgm="http://schemas.openxmlformats.org/drawingml/2006/diagram" xmlns:r="http://schemas.openxmlformats.org/officeDocument/2006/relationships" r:dm="rId12" r:lo="rId13" r:qs="rId14" r:cs="rId15"/>
-          </a:graphicData>
-        </a:graphic>
-      </p:graphicFrame>
-      <p:graphicFrame>
-        <p:nvGraphicFramePr>
-          <p:cNvPr id="8" name="图示 7">
-            <a:extLst>
-              <a:ext uri="{FF2B5EF4-FFF2-40B4-BE49-F238E27FC236}">
-                <a16:creationId xmlns:a16="http://schemas.microsoft.com/office/drawing/2014/main" id="{8814B4D0-CFCE-48C6-B17D-E6065D880FD7}"/>
-              </a:ext>
-            </a:extLst>
-          </p:cNvPr>
-          <p:cNvGraphicFramePr/>
-          <p:nvPr/>
-        </p:nvGraphicFramePr>
-        <p:xfrm>
-          <a:off x="5868440" y="4014710"/>
-          <a:ext cx="3504160" cy="2333833"/>
-        </p:xfrm>
-        <a:graphic>
-          <a:graphicData uri="http://schemas.openxmlformats.org/drawingml/2006/diagram">
-            <dgm:relIds xmlns:dgm="http://schemas.openxmlformats.org/drawingml/2006/diagram" xmlns:r="http://schemas.openxmlformats.org/officeDocument/2006/relationships" r:dm="rId17" r:lo="rId18" r:qs="rId19" r:cs="rId20"/>
-          </a:graphicData>
-        </a:graphic>
-      </p:graphicFrame>
     </p:spTree>
     <p:extLst>
       <p:ext uri="{BB962C8B-B14F-4D97-AF65-F5344CB8AC3E}">
@@ -20232,8 +20297,45 @@
                 <a:latin typeface="Noto Sans" panose="020B0502040504020204"/>
                 <a:cs typeface="Nirmala UI Semilight" panose="020B0402040204020203" pitchFamily="34" charset="0"/>
               </a:rPr>
-              <a:t>Quality Assurance</a:t>
+              <a:t>Quality Assurance: </a:t>
             </a:r>
+            <a:r>
+              <a:rPr lang="de-DE" sz="2800" dirty="0" err="1">
+                <a:solidFill>
+                  <a:schemeClr val="tx1"/>
+                </a:solidFill>
+                <a:latin typeface="Noto Sans" panose="020B0502040504020204"/>
+                <a:cs typeface="Nirmala UI Semilight" panose="020B0402040204020203" pitchFamily="34" charset="0"/>
+              </a:rPr>
+              <a:t>Automated</a:t>
+            </a:r>
+            <a:r>
+              <a:rPr lang="de-DE" sz="2800" dirty="0">
+                <a:solidFill>
+                  <a:schemeClr val="tx1"/>
+                </a:solidFill>
+                <a:latin typeface="Noto Sans" panose="020B0502040504020204"/>
+                <a:cs typeface="Nirmala UI Semilight" panose="020B0402040204020203" pitchFamily="34" charset="0"/>
+              </a:rPr>
+              <a:t> </a:t>
+            </a:r>
+            <a:r>
+              <a:rPr lang="de-DE" sz="2800" dirty="0" err="1">
+                <a:solidFill>
+                  <a:schemeClr val="tx1"/>
+                </a:solidFill>
+                <a:latin typeface="Noto Sans" panose="020B0502040504020204"/>
+                <a:cs typeface="Nirmala UI Semilight" panose="020B0402040204020203" pitchFamily="34" charset="0"/>
+              </a:rPr>
+              <a:t>Testing</a:t>
+            </a:r>
+            <a:endParaRPr lang="de-DE" sz="2800" dirty="0">
+              <a:solidFill>
+                <a:schemeClr val="tx1"/>
+              </a:solidFill>
+              <a:latin typeface="Noto Sans" panose="020B0502040504020204"/>
+              <a:cs typeface="Nirmala UI Semilight" panose="020B0402040204020203" pitchFamily="34" charset="0"/>
+            </a:endParaRPr>
           </a:p>
         </p:txBody>
       </p:sp>
@@ -20266,320 +20368,6 @@
           </a:p>
         </p:txBody>
       </p:sp>
-      <p:grpSp>
-        <p:nvGrpSpPr>
-          <p:cNvPr id="10" name="Gruppieren 9">
-            <a:extLst>
-              <a:ext uri="{FF2B5EF4-FFF2-40B4-BE49-F238E27FC236}">
-                <a16:creationId xmlns:a16="http://schemas.microsoft.com/office/drawing/2014/main" id="{B7E1329A-6886-4A91-BB43-580F9668F6A8}"/>
-              </a:ext>
-            </a:extLst>
-          </p:cNvPr>
-          <p:cNvGrpSpPr>
-            <a:grpSpLocks noChangeAspect="1"/>
-          </p:cNvGrpSpPr>
-          <p:nvPr/>
-        </p:nvGrpSpPr>
-        <p:grpSpPr>
-          <a:xfrm>
-            <a:off x="11178553" y="2431373"/>
-            <a:ext cx="528293" cy="2645076"/>
-            <a:chOff x="9900193" y="1530836"/>
-            <a:chExt cx="920569" cy="4609143"/>
-          </a:xfrm>
-        </p:grpSpPr>
-        <p:pic>
-          <p:nvPicPr>
-            <p:cNvPr id="11" name="Grafik 10" descr="Klemmbrett abgehakt">
-              <a:extLst>
-                <a:ext uri="{FF2B5EF4-FFF2-40B4-BE49-F238E27FC236}">
-                  <a16:creationId xmlns:a16="http://schemas.microsoft.com/office/drawing/2014/main" id="{A9431254-D4B4-40B6-AE85-BCF49175275E}"/>
-                </a:ext>
-              </a:extLst>
-            </p:cNvPr>
-            <p:cNvPicPr>
-              <a:picLocks noChangeAspect="1"/>
-            </p:cNvPicPr>
-            <p:nvPr/>
-          </p:nvPicPr>
-          <p:blipFill>
-            <a:blip r:embed="rId2">
-              <a:extLst>
-                <a:ext uri="{28A0092B-C50C-407E-A947-70E740481C1C}">
-                  <a14:useLocalDpi xmlns:a14="http://schemas.microsoft.com/office/drawing/2010/main" val="0"/>
-                </a:ext>
-                <a:ext uri="{96DAC541-7B7A-43D3-8B79-37D633B846F1}">
-                  <asvg:svgBlip xmlns:asvg="http://schemas.microsoft.com/office/drawing/2016/SVG/main" r:embed="rId3"/>
-                </a:ext>
-              </a:extLst>
-            </a:blip>
-            <a:stretch>
-              <a:fillRect/>
-            </a:stretch>
-          </p:blipFill>
-          <p:spPr>
-            <a:xfrm>
-              <a:off x="9900193" y="5225579"/>
-              <a:ext cx="914400" cy="914400"/>
-            </a:xfrm>
-            <a:prstGeom prst="rect">
-              <a:avLst/>
-            </a:prstGeom>
-          </p:spPr>
-        </p:pic>
-        <p:pic>
-          <p:nvPicPr>
-            <p:cNvPr id="12" name="Grafik 11" descr="Häkchen">
-              <a:extLst>
-                <a:ext uri="{FF2B5EF4-FFF2-40B4-BE49-F238E27FC236}">
-                  <a16:creationId xmlns:a16="http://schemas.microsoft.com/office/drawing/2014/main" id="{5107806B-8F20-4BC6-9C0E-652D04F676AB}"/>
-                </a:ext>
-              </a:extLst>
-            </p:cNvPr>
-            <p:cNvPicPr>
-              <a:picLocks noChangeAspect="1"/>
-            </p:cNvPicPr>
-            <p:nvPr/>
-          </p:nvPicPr>
-          <p:blipFill>
-            <a:blip r:embed="rId4">
-              <a:extLst>
-                <a:ext uri="{28A0092B-C50C-407E-A947-70E740481C1C}">
-                  <a14:useLocalDpi xmlns:a14="http://schemas.microsoft.com/office/drawing/2010/main" val="0"/>
-                </a:ext>
-                <a:ext uri="{96DAC541-7B7A-43D3-8B79-37D633B846F1}">
-                  <asvg:svgBlip xmlns:asvg="http://schemas.microsoft.com/office/drawing/2016/SVG/main" r:embed="rId5"/>
-                </a:ext>
-              </a:extLst>
-            </a:blip>
-            <a:stretch>
-              <a:fillRect/>
-            </a:stretch>
-          </p:blipFill>
-          <p:spPr>
-            <a:xfrm>
-              <a:off x="9906362" y="1530836"/>
-              <a:ext cx="914400" cy="914400"/>
-            </a:xfrm>
-            <a:prstGeom prst="rect">
-              <a:avLst/>
-            </a:prstGeom>
-          </p:spPr>
-        </p:pic>
-        <p:pic>
-          <p:nvPicPr>
-            <p:cNvPr id="13" name="Grafik 12" descr="Gehirn">
-              <a:extLst>
-                <a:ext uri="{FF2B5EF4-FFF2-40B4-BE49-F238E27FC236}">
-                  <a16:creationId xmlns:a16="http://schemas.microsoft.com/office/drawing/2014/main" id="{63100608-3265-44B6-8F00-AB936254C45E}"/>
-                </a:ext>
-              </a:extLst>
-            </p:cNvPr>
-            <p:cNvPicPr>
-              <a:picLocks noChangeAspect="1"/>
-            </p:cNvPicPr>
-            <p:nvPr/>
-          </p:nvPicPr>
-          <p:blipFill>
-            <a:blip r:embed="rId6">
-              <a:extLst>
-                <a:ext uri="{28A0092B-C50C-407E-A947-70E740481C1C}">
-                  <a14:useLocalDpi xmlns:a14="http://schemas.microsoft.com/office/drawing/2010/main" val="0"/>
-                </a:ext>
-                <a:ext uri="{96DAC541-7B7A-43D3-8B79-37D633B846F1}">
-                  <asvg:svgBlip xmlns:asvg="http://schemas.microsoft.com/office/drawing/2016/SVG/main" r:embed="rId7"/>
-                </a:ext>
-              </a:extLst>
-            </a:blip>
-            <a:stretch>
-              <a:fillRect/>
-            </a:stretch>
-          </p:blipFill>
-          <p:spPr>
-            <a:xfrm>
-              <a:off x="9900193" y="3375461"/>
-              <a:ext cx="914400" cy="914400"/>
-            </a:xfrm>
-            <a:prstGeom prst="rect">
-              <a:avLst/>
-            </a:prstGeom>
-          </p:spPr>
-        </p:pic>
-        <p:pic>
-          <p:nvPicPr>
-            <p:cNvPr id="14" name="Grafik 13" descr="Einhorn">
-              <a:extLst>
-                <a:ext uri="{FF2B5EF4-FFF2-40B4-BE49-F238E27FC236}">
-                  <a16:creationId xmlns:a16="http://schemas.microsoft.com/office/drawing/2014/main" id="{793928EC-1DDB-471A-900C-D86B5DD996F2}"/>
-                </a:ext>
-              </a:extLst>
-            </p:cNvPr>
-            <p:cNvPicPr>
-              <a:picLocks noChangeAspect="1"/>
-            </p:cNvPicPr>
-            <p:nvPr/>
-          </p:nvPicPr>
-          <p:blipFill>
-            <a:blip r:embed="rId8">
-              <a:extLst>
-                <a:ext uri="{28A0092B-C50C-407E-A947-70E740481C1C}">
-                  <a14:useLocalDpi xmlns:a14="http://schemas.microsoft.com/office/drawing/2010/main" val="0"/>
-                </a:ext>
-                <a:ext uri="{96DAC541-7B7A-43D3-8B79-37D633B846F1}">
-                  <asvg:svgBlip xmlns:asvg="http://schemas.microsoft.com/office/drawing/2016/SVG/main" r:embed="rId9"/>
-                </a:ext>
-              </a:extLst>
-            </a:blip>
-            <a:stretch>
-              <a:fillRect/>
-            </a:stretch>
-          </p:blipFill>
-          <p:spPr>
-            <a:xfrm>
-              <a:off x="9900193" y="4298238"/>
-              <a:ext cx="914400" cy="914400"/>
-            </a:xfrm>
-            <a:prstGeom prst="rect">
-              <a:avLst/>
-            </a:prstGeom>
-          </p:spPr>
-        </p:pic>
-        <p:pic>
-          <p:nvPicPr>
-            <p:cNvPr id="15" name="Grafik 14" descr="Hierarchie">
-              <a:extLst>
-                <a:ext uri="{FF2B5EF4-FFF2-40B4-BE49-F238E27FC236}">
-                  <a16:creationId xmlns:a16="http://schemas.microsoft.com/office/drawing/2014/main" id="{C4E0777E-47E6-4E82-82B6-36FD53560989}"/>
-                </a:ext>
-              </a:extLst>
-            </p:cNvPr>
-            <p:cNvPicPr>
-              <a:picLocks noChangeAspect="1"/>
-            </p:cNvPicPr>
-            <p:nvPr/>
-          </p:nvPicPr>
-          <p:blipFill>
-            <a:blip r:embed="rId10">
-              <a:extLst>
-                <a:ext uri="{28A0092B-C50C-407E-A947-70E740481C1C}">
-                  <a14:useLocalDpi xmlns:a14="http://schemas.microsoft.com/office/drawing/2010/main" val="0"/>
-                </a:ext>
-                <a:ext uri="{96DAC541-7B7A-43D3-8B79-37D633B846F1}">
-                  <asvg:svgBlip xmlns:asvg="http://schemas.microsoft.com/office/drawing/2016/SVG/main" r:embed="rId11"/>
-                </a:ext>
-              </a:extLst>
-            </a:blip>
-            <a:stretch>
-              <a:fillRect/>
-            </a:stretch>
-          </p:blipFill>
-          <p:spPr>
-            <a:xfrm>
-              <a:off x="9900193" y="2464538"/>
-              <a:ext cx="914400" cy="914400"/>
-            </a:xfrm>
-            <a:prstGeom prst="rect">
-              <a:avLst/>
-            </a:prstGeom>
-          </p:spPr>
-        </p:pic>
-      </p:grpSp>
-      <p:sp>
-        <p:nvSpPr>
-          <p:cNvPr id="3" name="文本框 2">
-            <a:extLst>
-              <a:ext uri="{FF2B5EF4-FFF2-40B4-BE49-F238E27FC236}">
-                <a16:creationId xmlns:a16="http://schemas.microsoft.com/office/drawing/2014/main" id="{5D742482-B15D-4B2A-AD07-7E59DD43946D}"/>
-              </a:ext>
-            </a:extLst>
-          </p:cNvPr>
-          <p:cNvSpPr txBox="1"/>
-          <p:nvPr/>
-        </p:nvSpPr>
-        <p:spPr>
-          <a:xfrm>
-            <a:off x="852176" y="1470991"/>
-            <a:ext cx="7089189" cy="1477328"/>
-          </a:xfrm>
-          <a:prstGeom prst="rect">
-            <a:avLst/>
-          </a:prstGeom>
-          <a:noFill/>
-        </p:spPr>
-        <p:txBody>
-          <a:bodyPr wrap="square" rtlCol="0">
-            <a:spAutoFit/>
-          </a:bodyPr>
-          <a:lstStyle/>
-          <a:p>
-            <a:pPr marL="285750" indent="-285750">
-              <a:buFontTx/>
-              <a:buChar char="-"/>
-            </a:pPr>
-            <a:r>
-              <a:rPr lang="en-US" altLang="zh-CN" dirty="0">
-                <a:solidFill>
-                  <a:schemeClr val="bg1">
-                    <a:lumMod val="85000"/>
-                  </a:schemeClr>
-                </a:solidFill>
-                <a:latin typeface="Noto Sans" panose="020B0502040504020204"/>
-              </a:rPr>
-              <a:t>Coding Guideline</a:t>
-            </a:r>
-          </a:p>
-          <a:p>
-            <a:endParaRPr lang="en-US" altLang="zh-CN" dirty="0">
-              <a:latin typeface="Noto Sans" panose="020B0502040504020204"/>
-            </a:endParaRPr>
-          </a:p>
-          <a:p>
-            <a:pPr marL="285750" indent="-285750">
-              <a:buFontTx/>
-              <a:buChar char="-"/>
-            </a:pPr>
-            <a:r>
-              <a:rPr lang="en-US" altLang="zh-CN" dirty="0">
-                <a:solidFill>
-                  <a:schemeClr val="bg1">
-                    <a:lumMod val="85000"/>
-                  </a:schemeClr>
-                </a:solidFill>
-                <a:latin typeface="Noto Sans" panose="020B0502040504020204"/>
-              </a:rPr>
-              <a:t>Code Review</a:t>
-            </a:r>
-          </a:p>
-          <a:p>
-            <a:endParaRPr lang="en-US" altLang="zh-CN" dirty="0">
-              <a:solidFill>
-                <a:schemeClr val="bg1">
-                  <a:lumMod val="85000"/>
-                </a:schemeClr>
-              </a:solidFill>
-              <a:latin typeface="Noto Sans" panose="020B0502040504020204"/>
-            </a:endParaRPr>
-          </a:p>
-          <a:p>
-            <a:pPr marL="285750" indent="-285750">
-              <a:buFontTx/>
-              <a:buChar char="-"/>
-            </a:pPr>
-            <a:r>
-              <a:rPr lang="en-US" altLang="zh-CN" dirty="0">
-                <a:solidFill>
-                  <a:schemeClr val="tx1">
-                    <a:lumMod val="95000"/>
-                    <a:lumOff val="5000"/>
-                  </a:schemeClr>
-                </a:solidFill>
-                <a:latin typeface="Noto Sans" panose="020B0502040504020204"/>
-              </a:rPr>
-              <a:t>Automated Testing</a:t>
-            </a:r>
-          </a:p>
-        </p:txBody>
-      </p:sp>
       <p:pic>
         <p:nvPicPr>
           <p:cNvPr id="2" name="图片 1">
@@ -20595,14 +20383,14 @@
           <p:nvPr/>
         </p:nvPicPr>
         <p:blipFill>
-          <a:blip r:embed="rId12"/>
+          <a:blip r:embed="rId2"/>
           <a:stretch>
             <a:fillRect/>
           </a:stretch>
         </p:blipFill>
         <p:spPr>
           <a:xfrm>
-            <a:off x="4741468" y="3295557"/>
+            <a:off x="4633291" y="3347868"/>
             <a:ext cx="1994310" cy="1901242"/>
           </a:xfrm>
           <a:prstGeom prst="rect">
@@ -20625,7 +20413,7 @@
           <p:nvPr/>
         </p:nvPicPr>
         <p:blipFill>
-          <a:blip r:embed="rId13">
+          <a:blip r:embed="rId3">
             <a:extLst>
               <a:ext uri="{28A0092B-C50C-407E-A947-70E740481C1C}">
                 <a14:useLocalDpi xmlns:a14="http://schemas.microsoft.com/office/drawing/2010/main" val="0"/>
@@ -20639,7 +20427,7 @@
         </p:blipFill>
         <p:spPr bwMode="auto">
           <a:xfrm>
-            <a:off x="7375636" y="3656903"/>
+            <a:off x="7628795" y="4193583"/>
             <a:ext cx="1963609" cy="1963609"/>
           </a:xfrm>
           <a:prstGeom prst="rect">
@@ -20672,7 +20460,7 @@
           <p:nvPr/>
         </p:nvPicPr>
         <p:blipFill>
-          <a:blip r:embed="rId14">
+          <a:blip r:embed="rId4">
             <a:extLst>
               <a:ext uri="{28A0092B-C50C-407E-A947-70E740481C1C}">
                 <a14:useLocalDpi xmlns:a14="http://schemas.microsoft.com/office/drawing/2010/main" val="0"/>
@@ -20686,7 +20474,7 @@
         </p:blipFill>
         <p:spPr bwMode="auto">
           <a:xfrm>
-            <a:off x="1939925" y="3656904"/>
+            <a:off x="1730208" y="4255950"/>
             <a:ext cx="1851787" cy="1901242"/>
           </a:xfrm>
           <a:prstGeom prst="rect">
@@ -20704,6 +20492,357 @@
           </a:extLst>
         </p:spPr>
       </p:pic>
+      <p:sp>
+        <p:nvSpPr>
+          <p:cNvPr id="16" name="文本框 15">
+            <a:extLst>
+              <a:ext uri="{FF2B5EF4-FFF2-40B4-BE49-F238E27FC236}">
+                <a16:creationId xmlns:a16="http://schemas.microsoft.com/office/drawing/2014/main" id="{AB1462A3-A86E-4585-86CF-FA54FA84EBF5}"/>
+              </a:ext>
+            </a:extLst>
+          </p:cNvPr>
+          <p:cNvSpPr txBox="1"/>
+          <p:nvPr/>
+        </p:nvSpPr>
+        <p:spPr>
+          <a:xfrm>
+            <a:off x="852176" y="1470991"/>
+            <a:ext cx="7089189" cy="2031325"/>
+          </a:xfrm>
+          <a:prstGeom prst="rect">
+            <a:avLst/>
+          </a:prstGeom>
+          <a:noFill/>
+        </p:spPr>
+        <p:txBody>
+          <a:bodyPr wrap="square" rtlCol="0">
+            <a:spAutoFit/>
+          </a:bodyPr>
+          <a:lstStyle/>
+          <a:p>
+            <a:r>
+              <a:rPr lang="en-US" altLang="zh-CN" b="1" i="1" dirty="0">
+                <a:latin typeface="Noto Sans" panose="020B0502040504020204"/>
+              </a:rPr>
+              <a:t>Test Framework</a:t>
+            </a:r>
+          </a:p>
+          <a:p>
+            <a:pPr marL="285750" indent="-285750">
+              <a:buFontTx/>
+              <a:buChar char="-"/>
+            </a:pPr>
+            <a:r>
+              <a:rPr lang="en-US" altLang="zh-CN" dirty="0">
+                <a:solidFill>
+                  <a:schemeClr val="tx1">
+                    <a:lumMod val="95000"/>
+                    <a:lumOff val="5000"/>
+                  </a:schemeClr>
+                </a:solidFill>
+                <a:latin typeface="Noto Sans" panose="020B0502040504020204"/>
+              </a:rPr>
+              <a:t>Google Test for C/C++</a:t>
+            </a:r>
+          </a:p>
+          <a:p>
+            <a:pPr marL="285750" indent="-285750">
+              <a:buFontTx/>
+              <a:buChar char="-"/>
+            </a:pPr>
+            <a:r>
+              <a:rPr lang="en-US" altLang="zh-CN" dirty="0" err="1">
+                <a:solidFill>
+                  <a:schemeClr val="tx1">
+                    <a:lumMod val="95000"/>
+                    <a:lumOff val="5000"/>
+                  </a:schemeClr>
+                </a:solidFill>
+                <a:latin typeface="Noto Sans" panose="020B0502040504020204"/>
+              </a:rPr>
+              <a:t>Pytest</a:t>
+            </a:r>
+            <a:r>
+              <a:rPr lang="en-US" altLang="zh-CN" dirty="0">
+                <a:solidFill>
+                  <a:schemeClr val="tx1">
+                    <a:lumMod val="95000"/>
+                    <a:lumOff val="5000"/>
+                  </a:schemeClr>
+                </a:solidFill>
+                <a:latin typeface="Noto Sans" panose="020B0502040504020204"/>
+              </a:rPr>
+              <a:t> for python</a:t>
+            </a:r>
+          </a:p>
+          <a:p>
+            <a:endParaRPr lang="en-US" altLang="zh-CN" dirty="0">
+              <a:latin typeface="Noto Sans" panose="020B0502040504020204"/>
+            </a:endParaRPr>
+          </a:p>
+          <a:p>
+            <a:r>
+              <a:rPr lang="en-US" altLang="zh-CN" b="1" i="1" dirty="0">
+                <a:latin typeface="Noto Sans" panose="020B0502040504020204"/>
+              </a:rPr>
+              <a:t>Automated Testing</a:t>
+            </a:r>
+          </a:p>
+          <a:p>
+            <a:pPr marL="285750" indent="-285750">
+              <a:buFontTx/>
+              <a:buChar char="-"/>
+            </a:pPr>
+            <a:r>
+              <a:rPr lang="en-US" altLang="zh-CN" dirty="0" err="1">
+                <a:solidFill>
+                  <a:schemeClr val="tx1">
+                    <a:lumMod val="95000"/>
+                    <a:lumOff val="5000"/>
+                  </a:schemeClr>
+                </a:solidFill>
+                <a:latin typeface="Noto Sans" panose="020B0502040504020204"/>
+              </a:rPr>
+              <a:t>Github</a:t>
+            </a:r>
+            <a:r>
+              <a:rPr lang="en-US" altLang="zh-CN" dirty="0">
+                <a:solidFill>
+                  <a:schemeClr val="tx1">
+                    <a:lumMod val="95000"/>
+                    <a:lumOff val="5000"/>
+                  </a:schemeClr>
+                </a:solidFill>
+                <a:latin typeface="Noto Sans" panose="020B0502040504020204"/>
+              </a:rPr>
+              <a:t> Action</a:t>
+            </a:r>
+          </a:p>
+          <a:p>
+            <a:endParaRPr lang="en-US" altLang="zh-CN" dirty="0">
+              <a:latin typeface="Noto Sans" panose="020B0502040504020204"/>
+            </a:endParaRPr>
+          </a:p>
+        </p:txBody>
+      </p:sp>
+      <p:grpSp>
+        <p:nvGrpSpPr>
+          <p:cNvPr id="23" name="Gruppieren 9">
+            <a:extLst>
+              <a:ext uri="{FF2B5EF4-FFF2-40B4-BE49-F238E27FC236}">
+                <a16:creationId xmlns:a16="http://schemas.microsoft.com/office/drawing/2014/main" id="{BF6535D8-A788-4401-833E-22273B839405}"/>
+              </a:ext>
+            </a:extLst>
+          </p:cNvPr>
+          <p:cNvGrpSpPr>
+            <a:grpSpLocks noChangeAspect="1"/>
+          </p:cNvGrpSpPr>
+          <p:nvPr/>
+        </p:nvGrpSpPr>
+        <p:grpSpPr>
+          <a:xfrm>
+            <a:off x="11178553" y="2431373"/>
+            <a:ext cx="528293" cy="2645076"/>
+            <a:chOff x="9900193" y="1530836"/>
+            <a:chExt cx="920569" cy="4609143"/>
+          </a:xfrm>
+        </p:grpSpPr>
+        <p:pic>
+          <p:nvPicPr>
+            <p:cNvPr id="24" name="Grafik 10" descr="Klemmbrett abgehakt">
+              <a:extLst>
+                <a:ext uri="{FF2B5EF4-FFF2-40B4-BE49-F238E27FC236}">
+                  <a16:creationId xmlns:a16="http://schemas.microsoft.com/office/drawing/2014/main" id="{1D0CB120-97EC-4DC4-9B77-054BAFE18DA5}"/>
+                </a:ext>
+              </a:extLst>
+            </p:cNvPr>
+            <p:cNvPicPr>
+              <a:picLocks noChangeAspect="1"/>
+            </p:cNvPicPr>
+            <p:nvPr/>
+          </p:nvPicPr>
+          <p:blipFill>
+            <a:blip r:embed="rId5">
+              <a:extLst>
+                <a:ext uri="{28A0092B-C50C-407E-A947-70E740481C1C}">
+                  <a14:useLocalDpi xmlns:a14="http://schemas.microsoft.com/office/drawing/2010/main" val="0"/>
+                </a:ext>
+                <a:ext uri="{96DAC541-7B7A-43D3-8B79-37D633B846F1}">
+                  <asvg:svgBlip xmlns:asvg="http://schemas.microsoft.com/office/drawing/2016/SVG/main" r:embed="rId6"/>
+                </a:ext>
+              </a:extLst>
+            </a:blip>
+            <a:stretch>
+              <a:fillRect/>
+            </a:stretch>
+          </p:blipFill>
+          <p:spPr>
+            <a:xfrm>
+              <a:off x="9900193" y="5225579"/>
+              <a:ext cx="914400" cy="914400"/>
+            </a:xfrm>
+            <a:prstGeom prst="rect">
+              <a:avLst/>
+            </a:prstGeom>
+          </p:spPr>
+        </p:pic>
+        <p:pic>
+          <p:nvPicPr>
+            <p:cNvPr id="25" name="Grafik 11" descr="Häkchen">
+              <a:extLst>
+                <a:ext uri="{FF2B5EF4-FFF2-40B4-BE49-F238E27FC236}">
+                  <a16:creationId xmlns:a16="http://schemas.microsoft.com/office/drawing/2014/main" id="{816736B4-0E1B-4FE7-A5A3-3EA794C7B911}"/>
+                </a:ext>
+              </a:extLst>
+            </p:cNvPr>
+            <p:cNvPicPr>
+              <a:picLocks noChangeAspect="1"/>
+            </p:cNvPicPr>
+            <p:nvPr/>
+          </p:nvPicPr>
+          <p:blipFill>
+            <a:blip r:embed="rId7">
+              <a:extLst>
+                <a:ext uri="{28A0092B-C50C-407E-A947-70E740481C1C}">
+                  <a14:useLocalDpi xmlns:a14="http://schemas.microsoft.com/office/drawing/2010/main" val="0"/>
+                </a:ext>
+                <a:ext uri="{96DAC541-7B7A-43D3-8B79-37D633B846F1}">
+                  <asvg:svgBlip xmlns:asvg="http://schemas.microsoft.com/office/drawing/2016/SVG/main" r:embed="rId8"/>
+                </a:ext>
+              </a:extLst>
+            </a:blip>
+            <a:stretch>
+              <a:fillRect/>
+            </a:stretch>
+          </p:blipFill>
+          <p:spPr>
+            <a:xfrm>
+              <a:off x="9906362" y="1530836"/>
+              <a:ext cx="914400" cy="914400"/>
+            </a:xfrm>
+            <a:prstGeom prst="rect">
+              <a:avLst/>
+            </a:prstGeom>
+          </p:spPr>
+        </p:pic>
+        <p:pic>
+          <p:nvPicPr>
+            <p:cNvPr id="26" name="Grafik 12" descr="Gehirn">
+              <a:extLst>
+                <a:ext uri="{FF2B5EF4-FFF2-40B4-BE49-F238E27FC236}">
+                  <a16:creationId xmlns:a16="http://schemas.microsoft.com/office/drawing/2014/main" id="{832CBBB2-0AA5-4433-AEBC-1ECB37580251}"/>
+                </a:ext>
+              </a:extLst>
+            </p:cNvPr>
+            <p:cNvPicPr>
+              <a:picLocks noChangeAspect="1"/>
+            </p:cNvPicPr>
+            <p:nvPr/>
+          </p:nvPicPr>
+          <p:blipFill>
+            <a:blip r:embed="rId9">
+              <a:extLst>
+                <a:ext uri="{28A0092B-C50C-407E-A947-70E740481C1C}">
+                  <a14:useLocalDpi xmlns:a14="http://schemas.microsoft.com/office/drawing/2010/main" val="0"/>
+                </a:ext>
+                <a:ext uri="{96DAC541-7B7A-43D3-8B79-37D633B846F1}">
+                  <asvg:svgBlip xmlns:asvg="http://schemas.microsoft.com/office/drawing/2016/SVG/main" r:embed="rId10"/>
+                </a:ext>
+              </a:extLst>
+            </a:blip>
+            <a:stretch>
+              <a:fillRect/>
+            </a:stretch>
+          </p:blipFill>
+          <p:spPr>
+            <a:xfrm>
+              <a:off x="9900193" y="3375461"/>
+              <a:ext cx="914400" cy="914400"/>
+            </a:xfrm>
+            <a:prstGeom prst="rect">
+              <a:avLst/>
+            </a:prstGeom>
+          </p:spPr>
+        </p:pic>
+        <p:pic>
+          <p:nvPicPr>
+            <p:cNvPr id="27" name="Grafik 13" descr="Einhorn">
+              <a:extLst>
+                <a:ext uri="{FF2B5EF4-FFF2-40B4-BE49-F238E27FC236}">
+                  <a16:creationId xmlns:a16="http://schemas.microsoft.com/office/drawing/2014/main" id="{98B653C7-3071-4756-8202-4A7EDB789978}"/>
+                </a:ext>
+              </a:extLst>
+            </p:cNvPr>
+            <p:cNvPicPr>
+              <a:picLocks noChangeAspect="1"/>
+            </p:cNvPicPr>
+            <p:nvPr/>
+          </p:nvPicPr>
+          <p:blipFill>
+            <a:blip r:embed="rId11">
+              <a:extLst>
+                <a:ext uri="{28A0092B-C50C-407E-A947-70E740481C1C}">
+                  <a14:useLocalDpi xmlns:a14="http://schemas.microsoft.com/office/drawing/2010/main" val="0"/>
+                </a:ext>
+                <a:ext uri="{96DAC541-7B7A-43D3-8B79-37D633B846F1}">
+                  <asvg:svgBlip xmlns:asvg="http://schemas.microsoft.com/office/drawing/2016/SVG/main" r:embed="rId12"/>
+                </a:ext>
+              </a:extLst>
+            </a:blip>
+            <a:stretch>
+              <a:fillRect/>
+            </a:stretch>
+          </p:blipFill>
+          <p:spPr>
+            <a:xfrm>
+              <a:off x="9900193" y="4298238"/>
+              <a:ext cx="914400" cy="914400"/>
+            </a:xfrm>
+            <a:prstGeom prst="rect">
+              <a:avLst/>
+            </a:prstGeom>
+          </p:spPr>
+        </p:pic>
+        <p:pic>
+          <p:nvPicPr>
+            <p:cNvPr id="28" name="Grafik 14" descr="Hierarchie">
+              <a:extLst>
+                <a:ext uri="{FF2B5EF4-FFF2-40B4-BE49-F238E27FC236}">
+                  <a16:creationId xmlns:a16="http://schemas.microsoft.com/office/drawing/2014/main" id="{CFDC7BB1-EC89-4D24-B544-21537774FF2B}"/>
+                </a:ext>
+              </a:extLst>
+            </p:cNvPr>
+            <p:cNvPicPr>
+              <a:picLocks noChangeAspect="1"/>
+            </p:cNvPicPr>
+            <p:nvPr/>
+          </p:nvPicPr>
+          <p:blipFill>
+            <a:blip r:embed="rId13">
+              <a:extLst>
+                <a:ext uri="{28A0092B-C50C-407E-A947-70E740481C1C}">
+                  <a14:useLocalDpi xmlns:a14="http://schemas.microsoft.com/office/drawing/2010/main" val="0"/>
+                </a:ext>
+                <a:ext uri="{96DAC541-7B7A-43D3-8B79-37D633B846F1}">
+                  <asvg:svgBlip xmlns:asvg="http://schemas.microsoft.com/office/drawing/2016/SVG/main" r:embed="rId14"/>
+                </a:ext>
+              </a:extLst>
+            </a:blip>
+            <a:stretch>
+              <a:fillRect/>
+            </a:stretch>
+          </p:blipFill>
+          <p:spPr>
+            <a:xfrm>
+              <a:off x="9900193" y="2464538"/>
+              <a:ext cx="914400" cy="914400"/>
+            </a:xfrm>
+            <a:prstGeom prst="rect">
+              <a:avLst/>
+            </a:prstGeom>
+          </p:spPr>
+        </p:pic>
+      </p:grpSp>
     </p:spTree>
     <p:extLst>
       <p:ext uri="{BB962C8B-B14F-4D97-AF65-F5344CB8AC3E}">
@@ -20830,10 +20969,10 @@
       </p:sp>
       <p:grpSp>
         <p:nvGrpSpPr>
-          <p:cNvPr id="22" name="Gruppieren 21">
+          <p:cNvPr id="16" name="Gruppieren 21">
             <a:extLst>
               <a:ext uri="{FF2B5EF4-FFF2-40B4-BE49-F238E27FC236}">
-                <a16:creationId xmlns:a16="http://schemas.microsoft.com/office/drawing/2014/main" id="{05996E4B-AF0A-4CCC-800A-D69F674C92EB}"/>
+                <a16:creationId xmlns:a16="http://schemas.microsoft.com/office/drawing/2014/main" id="{0B4A84D7-057D-4784-9056-BDC9D40B605F}"/>
               </a:ext>
             </a:extLst>
           </p:cNvPr>
@@ -20852,10 +20991,10 @@
         </p:grpSpPr>
         <p:pic>
           <p:nvPicPr>
-            <p:cNvPr id="23" name="Grafik 22" descr="Klemmbrett abgehakt">
+            <p:cNvPr id="17" name="Grafik 22" descr="Klemmbrett abgehakt">
               <a:extLst>
                 <a:ext uri="{FF2B5EF4-FFF2-40B4-BE49-F238E27FC236}">
-                  <a16:creationId xmlns:a16="http://schemas.microsoft.com/office/drawing/2014/main" id="{3F7B5EBE-4704-4CEB-8597-02591938D813}"/>
+                  <a16:creationId xmlns:a16="http://schemas.microsoft.com/office/drawing/2014/main" id="{5C1EDBF2-8A92-49B6-AD20-54A1B52213B9}"/>
                 </a:ext>
               </a:extLst>
             </p:cNvPr>
@@ -20891,10 +21030,10 @@
         </p:pic>
         <p:pic>
           <p:nvPicPr>
-            <p:cNvPr id="24" name="Grafik 23" descr="Häkchen">
+            <p:cNvPr id="18" name="Grafik 23" descr="Häkchen">
               <a:extLst>
                 <a:ext uri="{FF2B5EF4-FFF2-40B4-BE49-F238E27FC236}">
-                  <a16:creationId xmlns:a16="http://schemas.microsoft.com/office/drawing/2014/main" id="{E8BD28F0-7A8D-4E5C-BBB9-DA6C891B9C65}"/>
+                  <a16:creationId xmlns:a16="http://schemas.microsoft.com/office/drawing/2014/main" id="{10350C76-0007-4E23-8747-A5B52051402B}"/>
                 </a:ext>
               </a:extLst>
             </p:cNvPr>
@@ -20930,10 +21069,10 @@
         </p:pic>
         <p:pic>
           <p:nvPicPr>
-            <p:cNvPr id="25" name="Grafik 24" descr="Gehirn">
+            <p:cNvPr id="19" name="Grafik 24" descr="Gehirn">
               <a:extLst>
                 <a:ext uri="{FF2B5EF4-FFF2-40B4-BE49-F238E27FC236}">
-                  <a16:creationId xmlns:a16="http://schemas.microsoft.com/office/drawing/2014/main" id="{ADFE8215-E125-42D1-ACE5-3DF9A38EC8AA}"/>
+                  <a16:creationId xmlns:a16="http://schemas.microsoft.com/office/drawing/2014/main" id="{B0D4C8EF-2E3C-416F-86E6-0182C7F21D18}"/>
                 </a:ext>
               </a:extLst>
             </p:cNvPr>
@@ -20969,10 +21108,10 @@
         </p:pic>
         <p:pic>
           <p:nvPicPr>
-            <p:cNvPr id="26" name="Grafik 25" descr="Einhorn">
+            <p:cNvPr id="20" name="Grafik 25" descr="Einhorn">
               <a:extLst>
                 <a:ext uri="{FF2B5EF4-FFF2-40B4-BE49-F238E27FC236}">
-                  <a16:creationId xmlns:a16="http://schemas.microsoft.com/office/drawing/2014/main" id="{95DAFA5D-71BE-4E32-AF68-BD0DA6E28549}"/>
+                  <a16:creationId xmlns:a16="http://schemas.microsoft.com/office/drawing/2014/main" id="{AFC2506A-E508-4B38-A85D-0D6E9A0DBA76}"/>
                 </a:ext>
               </a:extLst>
             </p:cNvPr>
@@ -21008,10 +21147,10 @@
         </p:pic>
         <p:pic>
           <p:nvPicPr>
-            <p:cNvPr id="27" name="Grafik 26" descr="Hierarchie">
+            <p:cNvPr id="21" name="Grafik 26" descr="Hierarchie">
               <a:extLst>
                 <a:ext uri="{FF2B5EF4-FFF2-40B4-BE49-F238E27FC236}">
-                  <a16:creationId xmlns:a16="http://schemas.microsoft.com/office/drawing/2014/main" id="{E69AB859-76D3-482A-9687-3A00F5535B26}"/>
+                  <a16:creationId xmlns:a16="http://schemas.microsoft.com/office/drawing/2014/main" id="{78799EE5-68F8-405B-A4BC-71CCD7631F96}"/>
                 </a:ext>
               </a:extLst>
             </p:cNvPr>
@@ -21180,224 +21319,6 @@
           </a:p>
         </p:txBody>
       </p:sp>
-      <p:grpSp>
-        <p:nvGrpSpPr>
-          <p:cNvPr id="10" name="Gruppieren 9">
-            <a:extLst>
-              <a:ext uri="{FF2B5EF4-FFF2-40B4-BE49-F238E27FC236}">
-                <a16:creationId xmlns:a16="http://schemas.microsoft.com/office/drawing/2014/main" id="{B7E1329A-6886-4A91-BB43-580F9668F6A8}"/>
-              </a:ext>
-            </a:extLst>
-          </p:cNvPr>
-          <p:cNvGrpSpPr>
-            <a:grpSpLocks noChangeAspect="1"/>
-          </p:cNvGrpSpPr>
-          <p:nvPr/>
-        </p:nvGrpSpPr>
-        <p:grpSpPr>
-          <a:xfrm>
-            <a:off x="11178553" y="2431373"/>
-            <a:ext cx="528293" cy="2645076"/>
-            <a:chOff x="9900193" y="1530836"/>
-            <a:chExt cx="920569" cy="4609143"/>
-          </a:xfrm>
-        </p:grpSpPr>
-        <p:pic>
-          <p:nvPicPr>
-            <p:cNvPr id="11" name="Grafik 10" descr="Klemmbrett abgehakt">
-              <a:extLst>
-                <a:ext uri="{FF2B5EF4-FFF2-40B4-BE49-F238E27FC236}">
-                  <a16:creationId xmlns:a16="http://schemas.microsoft.com/office/drawing/2014/main" id="{A9431254-D4B4-40B6-AE85-BCF49175275E}"/>
-                </a:ext>
-              </a:extLst>
-            </p:cNvPr>
-            <p:cNvPicPr>
-              <a:picLocks noChangeAspect="1"/>
-            </p:cNvPicPr>
-            <p:nvPr/>
-          </p:nvPicPr>
-          <p:blipFill>
-            <a:blip r:embed="rId2">
-              <a:extLst>
-                <a:ext uri="{28A0092B-C50C-407E-A947-70E740481C1C}">
-                  <a14:useLocalDpi xmlns:a14="http://schemas.microsoft.com/office/drawing/2010/main" val="0"/>
-                </a:ext>
-                <a:ext uri="{96DAC541-7B7A-43D3-8B79-37D633B846F1}">
-                  <asvg:svgBlip xmlns:asvg="http://schemas.microsoft.com/office/drawing/2016/SVG/main" r:embed="rId3"/>
-                </a:ext>
-              </a:extLst>
-            </a:blip>
-            <a:stretch>
-              <a:fillRect/>
-            </a:stretch>
-          </p:blipFill>
-          <p:spPr>
-            <a:xfrm>
-              <a:off x="9900193" y="5225579"/>
-              <a:ext cx="914400" cy="914400"/>
-            </a:xfrm>
-            <a:prstGeom prst="rect">
-              <a:avLst/>
-            </a:prstGeom>
-          </p:spPr>
-        </p:pic>
-        <p:pic>
-          <p:nvPicPr>
-            <p:cNvPr id="12" name="Grafik 11" descr="Häkchen">
-              <a:extLst>
-                <a:ext uri="{FF2B5EF4-FFF2-40B4-BE49-F238E27FC236}">
-                  <a16:creationId xmlns:a16="http://schemas.microsoft.com/office/drawing/2014/main" id="{5107806B-8F20-4BC6-9C0E-652D04F676AB}"/>
-                </a:ext>
-              </a:extLst>
-            </p:cNvPr>
-            <p:cNvPicPr>
-              <a:picLocks noChangeAspect="1"/>
-            </p:cNvPicPr>
-            <p:nvPr/>
-          </p:nvPicPr>
-          <p:blipFill>
-            <a:blip r:embed="rId4">
-              <a:extLst>
-                <a:ext uri="{28A0092B-C50C-407E-A947-70E740481C1C}">
-                  <a14:useLocalDpi xmlns:a14="http://schemas.microsoft.com/office/drawing/2010/main" val="0"/>
-                </a:ext>
-                <a:ext uri="{96DAC541-7B7A-43D3-8B79-37D633B846F1}">
-                  <asvg:svgBlip xmlns:asvg="http://schemas.microsoft.com/office/drawing/2016/SVG/main" r:embed="rId5"/>
-                </a:ext>
-              </a:extLst>
-            </a:blip>
-            <a:stretch>
-              <a:fillRect/>
-            </a:stretch>
-          </p:blipFill>
-          <p:spPr>
-            <a:xfrm>
-              <a:off x="9906362" y="1530836"/>
-              <a:ext cx="914400" cy="914400"/>
-            </a:xfrm>
-            <a:prstGeom prst="rect">
-              <a:avLst/>
-            </a:prstGeom>
-          </p:spPr>
-        </p:pic>
-        <p:pic>
-          <p:nvPicPr>
-            <p:cNvPr id="13" name="Grafik 12" descr="Gehirn">
-              <a:extLst>
-                <a:ext uri="{FF2B5EF4-FFF2-40B4-BE49-F238E27FC236}">
-                  <a16:creationId xmlns:a16="http://schemas.microsoft.com/office/drawing/2014/main" id="{63100608-3265-44B6-8F00-AB936254C45E}"/>
-                </a:ext>
-              </a:extLst>
-            </p:cNvPr>
-            <p:cNvPicPr>
-              <a:picLocks noChangeAspect="1"/>
-            </p:cNvPicPr>
-            <p:nvPr/>
-          </p:nvPicPr>
-          <p:blipFill>
-            <a:blip r:embed="rId6">
-              <a:extLst>
-                <a:ext uri="{28A0092B-C50C-407E-A947-70E740481C1C}">
-                  <a14:useLocalDpi xmlns:a14="http://schemas.microsoft.com/office/drawing/2010/main" val="0"/>
-                </a:ext>
-                <a:ext uri="{96DAC541-7B7A-43D3-8B79-37D633B846F1}">
-                  <asvg:svgBlip xmlns:asvg="http://schemas.microsoft.com/office/drawing/2016/SVG/main" r:embed="rId7"/>
-                </a:ext>
-              </a:extLst>
-            </a:blip>
-            <a:stretch>
-              <a:fillRect/>
-            </a:stretch>
-          </p:blipFill>
-          <p:spPr>
-            <a:xfrm>
-              <a:off x="9900193" y="3375461"/>
-              <a:ext cx="914400" cy="914400"/>
-            </a:xfrm>
-            <a:prstGeom prst="rect">
-              <a:avLst/>
-            </a:prstGeom>
-          </p:spPr>
-        </p:pic>
-        <p:pic>
-          <p:nvPicPr>
-            <p:cNvPr id="14" name="Grafik 13" descr="Einhorn">
-              <a:extLst>
-                <a:ext uri="{FF2B5EF4-FFF2-40B4-BE49-F238E27FC236}">
-                  <a16:creationId xmlns:a16="http://schemas.microsoft.com/office/drawing/2014/main" id="{793928EC-1DDB-471A-900C-D86B5DD996F2}"/>
-                </a:ext>
-              </a:extLst>
-            </p:cNvPr>
-            <p:cNvPicPr>
-              <a:picLocks noChangeAspect="1"/>
-            </p:cNvPicPr>
-            <p:nvPr/>
-          </p:nvPicPr>
-          <p:blipFill>
-            <a:blip r:embed="rId8">
-              <a:extLst>
-                <a:ext uri="{28A0092B-C50C-407E-A947-70E740481C1C}">
-                  <a14:useLocalDpi xmlns:a14="http://schemas.microsoft.com/office/drawing/2010/main" val="0"/>
-                </a:ext>
-                <a:ext uri="{96DAC541-7B7A-43D3-8B79-37D633B846F1}">
-                  <asvg:svgBlip xmlns:asvg="http://schemas.microsoft.com/office/drawing/2016/SVG/main" r:embed="rId9"/>
-                </a:ext>
-              </a:extLst>
-            </a:blip>
-            <a:stretch>
-              <a:fillRect/>
-            </a:stretch>
-          </p:blipFill>
-          <p:spPr>
-            <a:xfrm>
-              <a:off x="9900193" y="4298238"/>
-              <a:ext cx="914400" cy="914400"/>
-            </a:xfrm>
-            <a:prstGeom prst="rect">
-              <a:avLst/>
-            </a:prstGeom>
-          </p:spPr>
-        </p:pic>
-        <p:pic>
-          <p:nvPicPr>
-            <p:cNvPr id="15" name="Grafik 14" descr="Hierarchie">
-              <a:extLst>
-                <a:ext uri="{FF2B5EF4-FFF2-40B4-BE49-F238E27FC236}">
-                  <a16:creationId xmlns:a16="http://schemas.microsoft.com/office/drawing/2014/main" id="{C4E0777E-47E6-4E82-82B6-36FD53560989}"/>
-                </a:ext>
-              </a:extLst>
-            </p:cNvPr>
-            <p:cNvPicPr>
-              <a:picLocks noChangeAspect="1"/>
-            </p:cNvPicPr>
-            <p:nvPr/>
-          </p:nvPicPr>
-          <p:blipFill>
-            <a:blip r:embed="rId10">
-              <a:extLst>
-                <a:ext uri="{28A0092B-C50C-407E-A947-70E740481C1C}">
-                  <a14:useLocalDpi xmlns:a14="http://schemas.microsoft.com/office/drawing/2010/main" val="0"/>
-                </a:ext>
-                <a:ext uri="{96DAC541-7B7A-43D3-8B79-37D633B846F1}">
-                  <asvg:svgBlip xmlns:asvg="http://schemas.microsoft.com/office/drawing/2016/SVG/main" r:embed="rId11"/>
-                </a:ext>
-              </a:extLst>
-            </a:blip>
-            <a:stretch>
-              <a:fillRect/>
-            </a:stretch>
-          </p:blipFill>
-          <p:spPr>
-            <a:xfrm>
-              <a:off x="9900193" y="2464538"/>
-              <a:ext cx="914400" cy="914400"/>
-            </a:xfrm>
-            <a:prstGeom prst="rect">
-              <a:avLst/>
-            </a:prstGeom>
-          </p:spPr>
-        </p:pic>
-      </p:grpSp>
       <p:pic>
         <p:nvPicPr>
           <p:cNvPr id="3" name="Grafik 2" descr="Ein Bild, das Screenshot enthält.&#10;&#10;Automatisch generierte Beschreibung">
@@ -21413,7 +21334,7 @@
           <p:nvPr/>
         </p:nvPicPr>
         <p:blipFill>
-          <a:blip r:embed="rId12">
+          <a:blip r:embed="rId2">
             <a:extLst>
               <a:ext uri="{28A0092B-C50C-407E-A947-70E740481C1C}">
                 <a14:useLocalDpi xmlns:a14="http://schemas.microsoft.com/office/drawing/2010/main" val="0"/>
@@ -21434,6 +21355,224 @@
           </a:prstGeom>
         </p:spPr>
       </p:pic>
+      <p:grpSp>
+        <p:nvGrpSpPr>
+          <p:cNvPr id="22" name="Gruppieren 9">
+            <a:extLst>
+              <a:ext uri="{FF2B5EF4-FFF2-40B4-BE49-F238E27FC236}">
+                <a16:creationId xmlns:a16="http://schemas.microsoft.com/office/drawing/2014/main" id="{E89D0C1A-11D4-4122-A277-83115E750EF5}"/>
+              </a:ext>
+            </a:extLst>
+          </p:cNvPr>
+          <p:cNvGrpSpPr>
+            <a:grpSpLocks noChangeAspect="1"/>
+          </p:cNvGrpSpPr>
+          <p:nvPr/>
+        </p:nvGrpSpPr>
+        <p:grpSpPr>
+          <a:xfrm>
+            <a:off x="11178553" y="2431373"/>
+            <a:ext cx="528293" cy="2645076"/>
+            <a:chOff x="9900193" y="1530836"/>
+            <a:chExt cx="920569" cy="4609143"/>
+          </a:xfrm>
+        </p:grpSpPr>
+        <p:pic>
+          <p:nvPicPr>
+            <p:cNvPr id="23" name="Grafik 10" descr="Klemmbrett abgehakt">
+              <a:extLst>
+                <a:ext uri="{FF2B5EF4-FFF2-40B4-BE49-F238E27FC236}">
+                  <a16:creationId xmlns:a16="http://schemas.microsoft.com/office/drawing/2014/main" id="{F056D881-F476-47B5-8D1E-0ED0810350EF}"/>
+                </a:ext>
+              </a:extLst>
+            </p:cNvPr>
+            <p:cNvPicPr>
+              <a:picLocks noChangeAspect="1"/>
+            </p:cNvPicPr>
+            <p:nvPr/>
+          </p:nvPicPr>
+          <p:blipFill>
+            <a:blip r:embed="rId3">
+              <a:extLst>
+                <a:ext uri="{28A0092B-C50C-407E-A947-70E740481C1C}">
+                  <a14:useLocalDpi xmlns:a14="http://schemas.microsoft.com/office/drawing/2010/main" val="0"/>
+                </a:ext>
+                <a:ext uri="{96DAC541-7B7A-43D3-8B79-37D633B846F1}">
+                  <asvg:svgBlip xmlns:asvg="http://schemas.microsoft.com/office/drawing/2016/SVG/main" r:embed="rId4"/>
+                </a:ext>
+              </a:extLst>
+            </a:blip>
+            <a:stretch>
+              <a:fillRect/>
+            </a:stretch>
+          </p:blipFill>
+          <p:spPr>
+            <a:xfrm>
+              <a:off x="9900193" y="5225579"/>
+              <a:ext cx="914400" cy="914400"/>
+            </a:xfrm>
+            <a:prstGeom prst="rect">
+              <a:avLst/>
+            </a:prstGeom>
+          </p:spPr>
+        </p:pic>
+        <p:pic>
+          <p:nvPicPr>
+            <p:cNvPr id="24" name="Grafik 11" descr="Häkchen">
+              <a:extLst>
+                <a:ext uri="{FF2B5EF4-FFF2-40B4-BE49-F238E27FC236}">
+                  <a16:creationId xmlns:a16="http://schemas.microsoft.com/office/drawing/2014/main" id="{66E15869-1F8C-496E-BDB6-FBBB549D8F35}"/>
+                </a:ext>
+              </a:extLst>
+            </p:cNvPr>
+            <p:cNvPicPr>
+              <a:picLocks noChangeAspect="1"/>
+            </p:cNvPicPr>
+            <p:nvPr/>
+          </p:nvPicPr>
+          <p:blipFill>
+            <a:blip r:embed="rId5">
+              <a:extLst>
+                <a:ext uri="{28A0092B-C50C-407E-A947-70E740481C1C}">
+                  <a14:useLocalDpi xmlns:a14="http://schemas.microsoft.com/office/drawing/2010/main" val="0"/>
+                </a:ext>
+                <a:ext uri="{96DAC541-7B7A-43D3-8B79-37D633B846F1}">
+                  <asvg:svgBlip xmlns:asvg="http://schemas.microsoft.com/office/drawing/2016/SVG/main" r:embed="rId6"/>
+                </a:ext>
+              </a:extLst>
+            </a:blip>
+            <a:stretch>
+              <a:fillRect/>
+            </a:stretch>
+          </p:blipFill>
+          <p:spPr>
+            <a:xfrm>
+              <a:off x="9906362" y="1530836"/>
+              <a:ext cx="914400" cy="914400"/>
+            </a:xfrm>
+            <a:prstGeom prst="rect">
+              <a:avLst/>
+            </a:prstGeom>
+          </p:spPr>
+        </p:pic>
+        <p:pic>
+          <p:nvPicPr>
+            <p:cNvPr id="25" name="Grafik 12" descr="Gehirn">
+              <a:extLst>
+                <a:ext uri="{FF2B5EF4-FFF2-40B4-BE49-F238E27FC236}">
+                  <a16:creationId xmlns:a16="http://schemas.microsoft.com/office/drawing/2014/main" id="{AEA4ECAF-B6D7-4433-8168-61739DA837C5}"/>
+                </a:ext>
+              </a:extLst>
+            </p:cNvPr>
+            <p:cNvPicPr>
+              <a:picLocks noChangeAspect="1"/>
+            </p:cNvPicPr>
+            <p:nvPr/>
+          </p:nvPicPr>
+          <p:blipFill>
+            <a:blip r:embed="rId7">
+              <a:extLst>
+                <a:ext uri="{28A0092B-C50C-407E-A947-70E740481C1C}">
+                  <a14:useLocalDpi xmlns:a14="http://schemas.microsoft.com/office/drawing/2010/main" val="0"/>
+                </a:ext>
+                <a:ext uri="{96DAC541-7B7A-43D3-8B79-37D633B846F1}">
+                  <asvg:svgBlip xmlns:asvg="http://schemas.microsoft.com/office/drawing/2016/SVG/main" r:embed="rId8"/>
+                </a:ext>
+              </a:extLst>
+            </a:blip>
+            <a:stretch>
+              <a:fillRect/>
+            </a:stretch>
+          </p:blipFill>
+          <p:spPr>
+            <a:xfrm>
+              <a:off x="9900193" y="3375461"/>
+              <a:ext cx="914400" cy="914400"/>
+            </a:xfrm>
+            <a:prstGeom prst="rect">
+              <a:avLst/>
+            </a:prstGeom>
+          </p:spPr>
+        </p:pic>
+        <p:pic>
+          <p:nvPicPr>
+            <p:cNvPr id="26" name="Grafik 13" descr="Einhorn">
+              <a:extLst>
+                <a:ext uri="{FF2B5EF4-FFF2-40B4-BE49-F238E27FC236}">
+                  <a16:creationId xmlns:a16="http://schemas.microsoft.com/office/drawing/2014/main" id="{7DEC7500-4AF5-4ACD-A3A5-15207686E8A3}"/>
+                </a:ext>
+              </a:extLst>
+            </p:cNvPr>
+            <p:cNvPicPr>
+              <a:picLocks noChangeAspect="1"/>
+            </p:cNvPicPr>
+            <p:nvPr/>
+          </p:nvPicPr>
+          <p:blipFill>
+            <a:blip r:embed="rId9">
+              <a:extLst>
+                <a:ext uri="{28A0092B-C50C-407E-A947-70E740481C1C}">
+                  <a14:useLocalDpi xmlns:a14="http://schemas.microsoft.com/office/drawing/2010/main" val="0"/>
+                </a:ext>
+                <a:ext uri="{96DAC541-7B7A-43D3-8B79-37D633B846F1}">
+                  <asvg:svgBlip xmlns:asvg="http://schemas.microsoft.com/office/drawing/2016/SVG/main" r:embed="rId10"/>
+                </a:ext>
+              </a:extLst>
+            </a:blip>
+            <a:stretch>
+              <a:fillRect/>
+            </a:stretch>
+          </p:blipFill>
+          <p:spPr>
+            <a:xfrm>
+              <a:off x="9900193" y="4298238"/>
+              <a:ext cx="914400" cy="914400"/>
+            </a:xfrm>
+            <a:prstGeom prst="rect">
+              <a:avLst/>
+            </a:prstGeom>
+          </p:spPr>
+        </p:pic>
+        <p:pic>
+          <p:nvPicPr>
+            <p:cNvPr id="27" name="Grafik 14" descr="Hierarchie">
+              <a:extLst>
+                <a:ext uri="{FF2B5EF4-FFF2-40B4-BE49-F238E27FC236}">
+                  <a16:creationId xmlns:a16="http://schemas.microsoft.com/office/drawing/2014/main" id="{45CA79B4-A5C9-4CE7-9FFC-029D555B3C5A}"/>
+                </a:ext>
+              </a:extLst>
+            </p:cNvPr>
+            <p:cNvPicPr>
+              <a:picLocks noChangeAspect="1"/>
+            </p:cNvPicPr>
+            <p:nvPr/>
+          </p:nvPicPr>
+          <p:blipFill>
+            <a:blip r:embed="rId11">
+              <a:extLst>
+                <a:ext uri="{28A0092B-C50C-407E-A947-70E740481C1C}">
+                  <a14:useLocalDpi xmlns:a14="http://schemas.microsoft.com/office/drawing/2010/main" val="0"/>
+                </a:ext>
+                <a:ext uri="{96DAC541-7B7A-43D3-8B79-37D633B846F1}">
+                  <asvg:svgBlip xmlns:asvg="http://schemas.microsoft.com/office/drawing/2016/SVG/main" r:embed="rId12"/>
+                </a:ext>
+              </a:extLst>
+            </a:blip>
+            <a:stretch>
+              <a:fillRect/>
+            </a:stretch>
+          </p:blipFill>
+          <p:spPr>
+            <a:xfrm>
+              <a:off x="9900193" y="2464538"/>
+              <a:ext cx="914400" cy="914400"/>
+            </a:xfrm>
+            <a:prstGeom prst="rect">
+              <a:avLst/>
+            </a:prstGeom>
+          </p:spPr>
+        </p:pic>
+      </p:grpSp>
     </p:spTree>
     <p:extLst>
       <p:ext uri="{BB962C8B-B14F-4D97-AF65-F5344CB8AC3E}">
@@ -21561,224 +21700,6 @@
           </a:p>
         </p:txBody>
       </p:sp>
-      <p:grpSp>
-        <p:nvGrpSpPr>
-          <p:cNvPr id="10" name="Gruppieren 9">
-            <a:extLst>
-              <a:ext uri="{FF2B5EF4-FFF2-40B4-BE49-F238E27FC236}">
-                <a16:creationId xmlns:a16="http://schemas.microsoft.com/office/drawing/2014/main" id="{B7E1329A-6886-4A91-BB43-580F9668F6A8}"/>
-              </a:ext>
-            </a:extLst>
-          </p:cNvPr>
-          <p:cNvGrpSpPr>
-            <a:grpSpLocks noChangeAspect="1"/>
-          </p:cNvGrpSpPr>
-          <p:nvPr/>
-        </p:nvGrpSpPr>
-        <p:grpSpPr>
-          <a:xfrm>
-            <a:off x="11178553" y="2431373"/>
-            <a:ext cx="528293" cy="2645076"/>
-            <a:chOff x="9900193" y="1530836"/>
-            <a:chExt cx="920569" cy="4609143"/>
-          </a:xfrm>
-        </p:grpSpPr>
-        <p:pic>
-          <p:nvPicPr>
-            <p:cNvPr id="11" name="Grafik 10" descr="Klemmbrett abgehakt">
-              <a:extLst>
-                <a:ext uri="{FF2B5EF4-FFF2-40B4-BE49-F238E27FC236}">
-                  <a16:creationId xmlns:a16="http://schemas.microsoft.com/office/drawing/2014/main" id="{A9431254-D4B4-40B6-AE85-BCF49175275E}"/>
-                </a:ext>
-              </a:extLst>
-            </p:cNvPr>
-            <p:cNvPicPr>
-              <a:picLocks noChangeAspect="1"/>
-            </p:cNvPicPr>
-            <p:nvPr/>
-          </p:nvPicPr>
-          <p:blipFill>
-            <a:blip r:embed="rId2">
-              <a:extLst>
-                <a:ext uri="{28A0092B-C50C-407E-A947-70E740481C1C}">
-                  <a14:useLocalDpi xmlns:a14="http://schemas.microsoft.com/office/drawing/2010/main" val="0"/>
-                </a:ext>
-                <a:ext uri="{96DAC541-7B7A-43D3-8B79-37D633B846F1}">
-                  <asvg:svgBlip xmlns:asvg="http://schemas.microsoft.com/office/drawing/2016/SVG/main" r:embed="rId3"/>
-                </a:ext>
-              </a:extLst>
-            </a:blip>
-            <a:stretch>
-              <a:fillRect/>
-            </a:stretch>
-          </p:blipFill>
-          <p:spPr>
-            <a:xfrm>
-              <a:off x="9900193" y="5225579"/>
-              <a:ext cx="914400" cy="914400"/>
-            </a:xfrm>
-            <a:prstGeom prst="rect">
-              <a:avLst/>
-            </a:prstGeom>
-          </p:spPr>
-        </p:pic>
-        <p:pic>
-          <p:nvPicPr>
-            <p:cNvPr id="12" name="Grafik 11" descr="Häkchen">
-              <a:extLst>
-                <a:ext uri="{FF2B5EF4-FFF2-40B4-BE49-F238E27FC236}">
-                  <a16:creationId xmlns:a16="http://schemas.microsoft.com/office/drawing/2014/main" id="{5107806B-8F20-4BC6-9C0E-652D04F676AB}"/>
-                </a:ext>
-              </a:extLst>
-            </p:cNvPr>
-            <p:cNvPicPr>
-              <a:picLocks noChangeAspect="1"/>
-            </p:cNvPicPr>
-            <p:nvPr/>
-          </p:nvPicPr>
-          <p:blipFill>
-            <a:blip r:embed="rId4">
-              <a:extLst>
-                <a:ext uri="{28A0092B-C50C-407E-A947-70E740481C1C}">
-                  <a14:useLocalDpi xmlns:a14="http://schemas.microsoft.com/office/drawing/2010/main" val="0"/>
-                </a:ext>
-                <a:ext uri="{96DAC541-7B7A-43D3-8B79-37D633B846F1}">
-                  <asvg:svgBlip xmlns:asvg="http://schemas.microsoft.com/office/drawing/2016/SVG/main" r:embed="rId5"/>
-                </a:ext>
-              </a:extLst>
-            </a:blip>
-            <a:stretch>
-              <a:fillRect/>
-            </a:stretch>
-          </p:blipFill>
-          <p:spPr>
-            <a:xfrm>
-              <a:off x="9906362" y="1530836"/>
-              <a:ext cx="914400" cy="914400"/>
-            </a:xfrm>
-            <a:prstGeom prst="rect">
-              <a:avLst/>
-            </a:prstGeom>
-          </p:spPr>
-        </p:pic>
-        <p:pic>
-          <p:nvPicPr>
-            <p:cNvPr id="13" name="Grafik 12" descr="Gehirn">
-              <a:extLst>
-                <a:ext uri="{FF2B5EF4-FFF2-40B4-BE49-F238E27FC236}">
-                  <a16:creationId xmlns:a16="http://schemas.microsoft.com/office/drawing/2014/main" id="{63100608-3265-44B6-8F00-AB936254C45E}"/>
-                </a:ext>
-              </a:extLst>
-            </p:cNvPr>
-            <p:cNvPicPr>
-              <a:picLocks noChangeAspect="1"/>
-            </p:cNvPicPr>
-            <p:nvPr/>
-          </p:nvPicPr>
-          <p:blipFill>
-            <a:blip r:embed="rId6">
-              <a:extLst>
-                <a:ext uri="{28A0092B-C50C-407E-A947-70E740481C1C}">
-                  <a14:useLocalDpi xmlns:a14="http://schemas.microsoft.com/office/drawing/2010/main" val="0"/>
-                </a:ext>
-                <a:ext uri="{96DAC541-7B7A-43D3-8B79-37D633B846F1}">
-                  <asvg:svgBlip xmlns:asvg="http://schemas.microsoft.com/office/drawing/2016/SVG/main" r:embed="rId7"/>
-                </a:ext>
-              </a:extLst>
-            </a:blip>
-            <a:stretch>
-              <a:fillRect/>
-            </a:stretch>
-          </p:blipFill>
-          <p:spPr>
-            <a:xfrm>
-              <a:off x="9900193" y="3375461"/>
-              <a:ext cx="914400" cy="914400"/>
-            </a:xfrm>
-            <a:prstGeom prst="rect">
-              <a:avLst/>
-            </a:prstGeom>
-          </p:spPr>
-        </p:pic>
-        <p:pic>
-          <p:nvPicPr>
-            <p:cNvPr id="14" name="Grafik 13" descr="Einhorn">
-              <a:extLst>
-                <a:ext uri="{FF2B5EF4-FFF2-40B4-BE49-F238E27FC236}">
-                  <a16:creationId xmlns:a16="http://schemas.microsoft.com/office/drawing/2014/main" id="{793928EC-1DDB-471A-900C-D86B5DD996F2}"/>
-                </a:ext>
-              </a:extLst>
-            </p:cNvPr>
-            <p:cNvPicPr>
-              <a:picLocks noChangeAspect="1"/>
-            </p:cNvPicPr>
-            <p:nvPr/>
-          </p:nvPicPr>
-          <p:blipFill>
-            <a:blip r:embed="rId8">
-              <a:extLst>
-                <a:ext uri="{28A0092B-C50C-407E-A947-70E740481C1C}">
-                  <a14:useLocalDpi xmlns:a14="http://schemas.microsoft.com/office/drawing/2010/main" val="0"/>
-                </a:ext>
-                <a:ext uri="{96DAC541-7B7A-43D3-8B79-37D633B846F1}">
-                  <asvg:svgBlip xmlns:asvg="http://schemas.microsoft.com/office/drawing/2016/SVG/main" r:embed="rId9"/>
-                </a:ext>
-              </a:extLst>
-            </a:blip>
-            <a:stretch>
-              <a:fillRect/>
-            </a:stretch>
-          </p:blipFill>
-          <p:spPr>
-            <a:xfrm>
-              <a:off x="9900193" y="4298238"/>
-              <a:ext cx="914400" cy="914400"/>
-            </a:xfrm>
-            <a:prstGeom prst="rect">
-              <a:avLst/>
-            </a:prstGeom>
-          </p:spPr>
-        </p:pic>
-        <p:pic>
-          <p:nvPicPr>
-            <p:cNvPr id="15" name="Grafik 14" descr="Hierarchie">
-              <a:extLst>
-                <a:ext uri="{FF2B5EF4-FFF2-40B4-BE49-F238E27FC236}">
-                  <a16:creationId xmlns:a16="http://schemas.microsoft.com/office/drawing/2014/main" id="{C4E0777E-47E6-4E82-82B6-36FD53560989}"/>
-                </a:ext>
-              </a:extLst>
-            </p:cNvPr>
-            <p:cNvPicPr>
-              <a:picLocks noChangeAspect="1"/>
-            </p:cNvPicPr>
-            <p:nvPr/>
-          </p:nvPicPr>
-          <p:blipFill>
-            <a:blip r:embed="rId10">
-              <a:extLst>
-                <a:ext uri="{28A0092B-C50C-407E-A947-70E740481C1C}">
-                  <a14:useLocalDpi xmlns:a14="http://schemas.microsoft.com/office/drawing/2010/main" val="0"/>
-                </a:ext>
-                <a:ext uri="{96DAC541-7B7A-43D3-8B79-37D633B846F1}">
-                  <asvg:svgBlip xmlns:asvg="http://schemas.microsoft.com/office/drawing/2016/SVG/main" r:embed="rId11"/>
-                </a:ext>
-              </a:extLst>
-            </a:blip>
-            <a:stretch>
-              <a:fillRect/>
-            </a:stretch>
-          </p:blipFill>
-          <p:spPr>
-            <a:xfrm>
-              <a:off x="9900193" y="2464538"/>
-              <a:ext cx="914400" cy="914400"/>
-            </a:xfrm>
-            <a:prstGeom prst="rect">
-              <a:avLst/>
-            </a:prstGeom>
-          </p:spPr>
-        </p:pic>
-      </p:grpSp>
       <p:pic>
         <p:nvPicPr>
           <p:cNvPr id="5" name="Grafik 4" descr="Ein Bild, das Screenshot enthält.&#10;&#10;Automatisch generierte Beschreibung">
@@ -21794,7 +21715,7 @@
           <p:nvPr/>
         </p:nvPicPr>
         <p:blipFill>
-          <a:blip r:embed="rId12">
+          <a:blip r:embed="rId2">
             <a:extLst>
               <a:ext uri="{28A0092B-C50C-407E-A947-70E740481C1C}">
                 <a14:useLocalDpi xmlns:a14="http://schemas.microsoft.com/office/drawing/2010/main" val="0"/>
@@ -21815,6 +21736,224 @@
           </a:prstGeom>
         </p:spPr>
       </p:pic>
+      <p:grpSp>
+        <p:nvGrpSpPr>
+          <p:cNvPr id="28" name="Gruppieren 9">
+            <a:extLst>
+              <a:ext uri="{FF2B5EF4-FFF2-40B4-BE49-F238E27FC236}">
+                <a16:creationId xmlns:a16="http://schemas.microsoft.com/office/drawing/2014/main" id="{B64009B6-927D-4CFF-B66F-3C81508D13D6}"/>
+              </a:ext>
+            </a:extLst>
+          </p:cNvPr>
+          <p:cNvGrpSpPr>
+            <a:grpSpLocks noChangeAspect="1"/>
+          </p:cNvGrpSpPr>
+          <p:nvPr/>
+        </p:nvGrpSpPr>
+        <p:grpSpPr>
+          <a:xfrm>
+            <a:off x="11178553" y="2431373"/>
+            <a:ext cx="528293" cy="2645076"/>
+            <a:chOff x="9900193" y="1530836"/>
+            <a:chExt cx="920569" cy="4609143"/>
+          </a:xfrm>
+        </p:grpSpPr>
+        <p:pic>
+          <p:nvPicPr>
+            <p:cNvPr id="29" name="Grafik 10" descr="Klemmbrett abgehakt">
+              <a:extLst>
+                <a:ext uri="{FF2B5EF4-FFF2-40B4-BE49-F238E27FC236}">
+                  <a16:creationId xmlns:a16="http://schemas.microsoft.com/office/drawing/2014/main" id="{C175A6EE-96FB-44CE-8827-8DA3497667B3}"/>
+                </a:ext>
+              </a:extLst>
+            </p:cNvPr>
+            <p:cNvPicPr>
+              <a:picLocks noChangeAspect="1"/>
+            </p:cNvPicPr>
+            <p:nvPr/>
+          </p:nvPicPr>
+          <p:blipFill>
+            <a:blip r:embed="rId3">
+              <a:extLst>
+                <a:ext uri="{28A0092B-C50C-407E-A947-70E740481C1C}">
+                  <a14:useLocalDpi xmlns:a14="http://schemas.microsoft.com/office/drawing/2010/main" val="0"/>
+                </a:ext>
+                <a:ext uri="{96DAC541-7B7A-43D3-8B79-37D633B846F1}">
+                  <asvg:svgBlip xmlns:asvg="http://schemas.microsoft.com/office/drawing/2016/SVG/main" r:embed="rId4"/>
+                </a:ext>
+              </a:extLst>
+            </a:blip>
+            <a:stretch>
+              <a:fillRect/>
+            </a:stretch>
+          </p:blipFill>
+          <p:spPr>
+            <a:xfrm>
+              <a:off x="9900193" y="5225579"/>
+              <a:ext cx="914400" cy="914400"/>
+            </a:xfrm>
+            <a:prstGeom prst="rect">
+              <a:avLst/>
+            </a:prstGeom>
+          </p:spPr>
+        </p:pic>
+        <p:pic>
+          <p:nvPicPr>
+            <p:cNvPr id="30" name="Grafik 11" descr="Häkchen">
+              <a:extLst>
+                <a:ext uri="{FF2B5EF4-FFF2-40B4-BE49-F238E27FC236}">
+                  <a16:creationId xmlns:a16="http://schemas.microsoft.com/office/drawing/2014/main" id="{E5459BA7-5468-4CCA-8E8B-A0B2FD2670C5}"/>
+                </a:ext>
+              </a:extLst>
+            </p:cNvPr>
+            <p:cNvPicPr>
+              <a:picLocks noChangeAspect="1"/>
+            </p:cNvPicPr>
+            <p:nvPr/>
+          </p:nvPicPr>
+          <p:blipFill>
+            <a:blip r:embed="rId5">
+              <a:extLst>
+                <a:ext uri="{28A0092B-C50C-407E-A947-70E740481C1C}">
+                  <a14:useLocalDpi xmlns:a14="http://schemas.microsoft.com/office/drawing/2010/main" val="0"/>
+                </a:ext>
+                <a:ext uri="{96DAC541-7B7A-43D3-8B79-37D633B846F1}">
+                  <asvg:svgBlip xmlns:asvg="http://schemas.microsoft.com/office/drawing/2016/SVG/main" r:embed="rId6"/>
+                </a:ext>
+              </a:extLst>
+            </a:blip>
+            <a:stretch>
+              <a:fillRect/>
+            </a:stretch>
+          </p:blipFill>
+          <p:spPr>
+            <a:xfrm>
+              <a:off x="9906362" y="1530836"/>
+              <a:ext cx="914400" cy="914400"/>
+            </a:xfrm>
+            <a:prstGeom prst="rect">
+              <a:avLst/>
+            </a:prstGeom>
+          </p:spPr>
+        </p:pic>
+        <p:pic>
+          <p:nvPicPr>
+            <p:cNvPr id="31" name="Grafik 12" descr="Gehirn">
+              <a:extLst>
+                <a:ext uri="{FF2B5EF4-FFF2-40B4-BE49-F238E27FC236}">
+                  <a16:creationId xmlns:a16="http://schemas.microsoft.com/office/drawing/2014/main" id="{BA7F8711-8D84-4919-A1D8-37CE819B3E5E}"/>
+                </a:ext>
+              </a:extLst>
+            </p:cNvPr>
+            <p:cNvPicPr>
+              <a:picLocks noChangeAspect="1"/>
+            </p:cNvPicPr>
+            <p:nvPr/>
+          </p:nvPicPr>
+          <p:blipFill>
+            <a:blip r:embed="rId7">
+              <a:extLst>
+                <a:ext uri="{28A0092B-C50C-407E-A947-70E740481C1C}">
+                  <a14:useLocalDpi xmlns:a14="http://schemas.microsoft.com/office/drawing/2010/main" val="0"/>
+                </a:ext>
+                <a:ext uri="{96DAC541-7B7A-43D3-8B79-37D633B846F1}">
+                  <asvg:svgBlip xmlns:asvg="http://schemas.microsoft.com/office/drawing/2016/SVG/main" r:embed="rId8"/>
+                </a:ext>
+              </a:extLst>
+            </a:blip>
+            <a:stretch>
+              <a:fillRect/>
+            </a:stretch>
+          </p:blipFill>
+          <p:spPr>
+            <a:xfrm>
+              <a:off x="9900193" y="3375461"/>
+              <a:ext cx="914400" cy="914400"/>
+            </a:xfrm>
+            <a:prstGeom prst="rect">
+              <a:avLst/>
+            </a:prstGeom>
+          </p:spPr>
+        </p:pic>
+        <p:pic>
+          <p:nvPicPr>
+            <p:cNvPr id="33" name="Grafik 13" descr="Einhorn">
+              <a:extLst>
+                <a:ext uri="{FF2B5EF4-FFF2-40B4-BE49-F238E27FC236}">
+                  <a16:creationId xmlns:a16="http://schemas.microsoft.com/office/drawing/2014/main" id="{85E78965-F847-461D-9215-7C24813EE5A6}"/>
+                </a:ext>
+              </a:extLst>
+            </p:cNvPr>
+            <p:cNvPicPr>
+              <a:picLocks noChangeAspect="1"/>
+            </p:cNvPicPr>
+            <p:nvPr/>
+          </p:nvPicPr>
+          <p:blipFill>
+            <a:blip r:embed="rId9">
+              <a:extLst>
+                <a:ext uri="{28A0092B-C50C-407E-A947-70E740481C1C}">
+                  <a14:useLocalDpi xmlns:a14="http://schemas.microsoft.com/office/drawing/2010/main" val="0"/>
+                </a:ext>
+                <a:ext uri="{96DAC541-7B7A-43D3-8B79-37D633B846F1}">
+                  <asvg:svgBlip xmlns:asvg="http://schemas.microsoft.com/office/drawing/2016/SVG/main" r:embed="rId10"/>
+                </a:ext>
+              </a:extLst>
+            </a:blip>
+            <a:stretch>
+              <a:fillRect/>
+            </a:stretch>
+          </p:blipFill>
+          <p:spPr>
+            <a:xfrm>
+              <a:off x="9900193" y="4298238"/>
+              <a:ext cx="914400" cy="914400"/>
+            </a:xfrm>
+            <a:prstGeom prst="rect">
+              <a:avLst/>
+            </a:prstGeom>
+          </p:spPr>
+        </p:pic>
+        <p:pic>
+          <p:nvPicPr>
+            <p:cNvPr id="34" name="Grafik 14" descr="Hierarchie">
+              <a:extLst>
+                <a:ext uri="{FF2B5EF4-FFF2-40B4-BE49-F238E27FC236}">
+                  <a16:creationId xmlns:a16="http://schemas.microsoft.com/office/drawing/2014/main" id="{A0BC8D6C-5E14-4482-995D-4840406C92C6}"/>
+                </a:ext>
+              </a:extLst>
+            </p:cNvPr>
+            <p:cNvPicPr>
+              <a:picLocks noChangeAspect="1"/>
+            </p:cNvPicPr>
+            <p:nvPr/>
+          </p:nvPicPr>
+          <p:blipFill>
+            <a:blip r:embed="rId11">
+              <a:extLst>
+                <a:ext uri="{28A0092B-C50C-407E-A947-70E740481C1C}">
+                  <a14:useLocalDpi xmlns:a14="http://schemas.microsoft.com/office/drawing/2010/main" val="0"/>
+                </a:ext>
+                <a:ext uri="{96DAC541-7B7A-43D3-8B79-37D633B846F1}">
+                  <asvg:svgBlip xmlns:asvg="http://schemas.microsoft.com/office/drawing/2016/SVG/main" r:embed="rId12"/>
+                </a:ext>
+              </a:extLst>
+            </a:blip>
+            <a:stretch>
+              <a:fillRect/>
+            </a:stretch>
+          </p:blipFill>
+          <p:spPr>
+            <a:xfrm>
+              <a:off x="9900193" y="2464538"/>
+              <a:ext cx="914400" cy="914400"/>
+            </a:xfrm>
+            <a:prstGeom prst="rect">
+              <a:avLst/>
+            </a:prstGeom>
+          </p:spPr>
+        </p:pic>
+      </p:grpSp>
     </p:spTree>
     <p:extLst>
       <p:ext uri="{BB962C8B-B14F-4D97-AF65-F5344CB8AC3E}">
@@ -21942,224 +22081,6 @@
           </a:p>
         </p:txBody>
       </p:sp>
-      <p:grpSp>
-        <p:nvGrpSpPr>
-          <p:cNvPr id="10" name="Gruppieren 9">
-            <a:extLst>
-              <a:ext uri="{FF2B5EF4-FFF2-40B4-BE49-F238E27FC236}">
-                <a16:creationId xmlns:a16="http://schemas.microsoft.com/office/drawing/2014/main" id="{B7E1329A-6886-4A91-BB43-580F9668F6A8}"/>
-              </a:ext>
-            </a:extLst>
-          </p:cNvPr>
-          <p:cNvGrpSpPr>
-            <a:grpSpLocks noChangeAspect="1"/>
-          </p:cNvGrpSpPr>
-          <p:nvPr/>
-        </p:nvGrpSpPr>
-        <p:grpSpPr>
-          <a:xfrm>
-            <a:off x="11178553" y="2431373"/>
-            <a:ext cx="528293" cy="2645076"/>
-            <a:chOff x="9900193" y="1530836"/>
-            <a:chExt cx="920569" cy="4609143"/>
-          </a:xfrm>
-        </p:grpSpPr>
-        <p:pic>
-          <p:nvPicPr>
-            <p:cNvPr id="11" name="Grafik 10" descr="Klemmbrett abgehakt">
-              <a:extLst>
-                <a:ext uri="{FF2B5EF4-FFF2-40B4-BE49-F238E27FC236}">
-                  <a16:creationId xmlns:a16="http://schemas.microsoft.com/office/drawing/2014/main" id="{A9431254-D4B4-40B6-AE85-BCF49175275E}"/>
-                </a:ext>
-              </a:extLst>
-            </p:cNvPr>
-            <p:cNvPicPr>
-              <a:picLocks noChangeAspect="1"/>
-            </p:cNvPicPr>
-            <p:nvPr/>
-          </p:nvPicPr>
-          <p:blipFill>
-            <a:blip r:embed="rId2">
-              <a:extLst>
-                <a:ext uri="{28A0092B-C50C-407E-A947-70E740481C1C}">
-                  <a14:useLocalDpi xmlns:a14="http://schemas.microsoft.com/office/drawing/2010/main" val="0"/>
-                </a:ext>
-                <a:ext uri="{96DAC541-7B7A-43D3-8B79-37D633B846F1}">
-                  <asvg:svgBlip xmlns:asvg="http://schemas.microsoft.com/office/drawing/2016/SVG/main" r:embed="rId3"/>
-                </a:ext>
-              </a:extLst>
-            </a:blip>
-            <a:stretch>
-              <a:fillRect/>
-            </a:stretch>
-          </p:blipFill>
-          <p:spPr>
-            <a:xfrm>
-              <a:off x="9900193" y="5225579"/>
-              <a:ext cx="914400" cy="914400"/>
-            </a:xfrm>
-            <a:prstGeom prst="rect">
-              <a:avLst/>
-            </a:prstGeom>
-          </p:spPr>
-        </p:pic>
-        <p:pic>
-          <p:nvPicPr>
-            <p:cNvPr id="12" name="Grafik 11" descr="Häkchen">
-              <a:extLst>
-                <a:ext uri="{FF2B5EF4-FFF2-40B4-BE49-F238E27FC236}">
-                  <a16:creationId xmlns:a16="http://schemas.microsoft.com/office/drawing/2014/main" id="{5107806B-8F20-4BC6-9C0E-652D04F676AB}"/>
-                </a:ext>
-              </a:extLst>
-            </p:cNvPr>
-            <p:cNvPicPr>
-              <a:picLocks noChangeAspect="1"/>
-            </p:cNvPicPr>
-            <p:nvPr/>
-          </p:nvPicPr>
-          <p:blipFill>
-            <a:blip r:embed="rId4">
-              <a:extLst>
-                <a:ext uri="{28A0092B-C50C-407E-A947-70E740481C1C}">
-                  <a14:useLocalDpi xmlns:a14="http://schemas.microsoft.com/office/drawing/2010/main" val="0"/>
-                </a:ext>
-                <a:ext uri="{96DAC541-7B7A-43D3-8B79-37D633B846F1}">
-                  <asvg:svgBlip xmlns:asvg="http://schemas.microsoft.com/office/drawing/2016/SVG/main" r:embed="rId5"/>
-                </a:ext>
-              </a:extLst>
-            </a:blip>
-            <a:stretch>
-              <a:fillRect/>
-            </a:stretch>
-          </p:blipFill>
-          <p:spPr>
-            <a:xfrm>
-              <a:off x="9906362" y="1530836"/>
-              <a:ext cx="914400" cy="914400"/>
-            </a:xfrm>
-            <a:prstGeom prst="rect">
-              <a:avLst/>
-            </a:prstGeom>
-          </p:spPr>
-        </p:pic>
-        <p:pic>
-          <p:nvPicPr>
-            <p:cNvPr id="13" name="Grafik 12" descr="Gehirn">
-              <a:extLst>
-                <a:ext uri="{FF2B5EF4-FFF2-40B4-BE49-F238E27FC236}">
-                  <a16:creationId xmlns:a16="http://schemas.microsoft.com/office/drawing/2014/main" id="{63100608-3265-44B6-8F00-AB936254C45E}"/>
-                </a:ext>
-              </a:extLst>
-            </p:cNvPr>
-            <p:cNvPicPr>
-              <a:picLocks noChangeAspect="1"/>
-            </p:cNvPicPr>
-            <p:nvPr/>
-          </p:nvPicPr>
-          <p:blipFill>
-            <a:blip r:embed="rId6">
-              <a:extLst>
-                <a:ext uri="{28A0092B-C50C-407E-A947-70E740481C1C}">
-                  <a14:useLocalDpi xmlns:a14="http://schemas.microsoft.com/office/drawing/2010/main" val="0"/>
-                </a:ext>
-                <a:ext uri="{96DAC541-7B7A-43D3-8B79-37D633B846F1}">
-                  <asvg:svgBlip xmlns:asvg="http://schemas.microsoft.com/office/drawing/2016/SVG/main" r:embed="rId7"/>
-                </a:ext>
-              </a:extLst>
-            </a:blip>
-            <a:stretch>
-              <a:fillRect/>
-            </a:stretch>
-          </p:blipFill>
-          <p:spPr>
-            <a:xfrm>
-              <a:off x="9900193" y="3375461"/>
-              <a:ext cx="914400" cy="914400"/>
-            </a:xfrm>
-            <a:prstGeom prst="rect">
-              <a:avLst/>
-            </a:prstGeom>
-          </p:spPr>
-        </p:pic>
-        <p:pic>
-          <p:nvPicPr>
-            <p:cNvPr id="14" name="Grafik 13" descr="Einhorn">
-              <a:extLst>
-                <a:ext uri="{FF2B5EF4-FFF2-40B4-BE49-F238E27FC236}">
-                  <a16:creationId xmlns:a16="http://schemas.microsoft.com/office/drawing/2014/main" id="{793928EC-1DDB-471A-900C-D86B5DD996F2}"/>
-                </a:ext>
-              </a:extLst>
-            </p:cNvPr>
-            <p:cNvPicPr>
-              <a:picLocks noChangeAspect="1"/>
-            </p:cNvPicPr>
-            <p:nvPr/>
-          </p:nvPicPr>
-          <p:blipFill>
-            <a:blip r:embed="rId8">
-              <a:extLst>
-                <a:ext uri="{28A0092B-C50C-407E-A947-70E740481C1C}">
-                  <a14:useLocalDpi xmlns:a14="http://schemas.microsoft.com/office/drawing/2010/main" val="0"/>
-                </a:ext>
-                <a:ext uri="{96DAC541-7B7A-43D3-8B79-37D633B846F1}">
-                  <asvg:svgBlip xmlns:asvg="http://schemas.microsoft.com/office/drawing/2016/SVG/main" r:embed="rId9"/>
-                </a:ext>
-              </a:extLst>
-            </a:blip>
-            <a:stretch>
-              <a:fillRect/>
-            </a:stretch>
-          </p:blipFill>
-          <p:spPr>
-            <a:xfrm>
-              <a:off x="9900193" y="4298238"/>
-              <a:ext cx="914400" cy="914400"/>
-            </a:xfrm>
-            <a:prstGeom prst="rect">
-              <a:avLst/>
-            </a:prstGeom>
-          </p:spPr>
-        </p:pic>
-        <p:pic>
-          <p:nvPicPr>
-            <p:cNvPr id="15" name="Grafik 14" descr="Hierarchie">
-              <a:extLst>
-                <a:ext uri="{FF2B5EF4-FFF2-40B4-BE49-F238E27FC236}">
-                  <a16:creationId xmlns:a16="http://schemas.microsoft.com/office/drawing/2014/main" id="{C4E0777E-47E6-4E82-82B6-36FD53560989}"/>
-                </a:ext>
-              </a:extLst>
-            </p:cNvPr>
-            <p:cNvPicPr>
-              <a:picLocks noChangeAspect="1"/>
-            </p:cNvPicPr>
-            <p:nvPr/>
-          </p:nvPicPr>
-          <p:blipFill>
-            <a:blip r:embed="rId10">
-              <a:extLst>
-                <a:ext uri="{28A0092B-C50C-407E-A947-70E740481C1C}">
-                  <a14:useLocalDpi xmlns:a14="http://schemas.microsoft.com/office/drawing/2010/main" val="0"/>
-                </a:ext>
-                <a:ext uri="{96DAC541-7B7A-43D3-8B79-37D633B846F1}">
-                  <asvg:svgBlip xmlns:asvg="http://schemas.microsoft.com/office/drawing/2016/SVG/main" r:embed="rId11"/>
-                </a:ext>
-              </a:extLst>
-            </a:blip>
-            <a:stretch>
-              <a:fillRect/>
-            </a:stretch>
-          </p:blipFill>
-          <p:spPr>
-            <a:xfrm>
-              <a:off x="9900193" y="2464538"/>
-              <a:ext cx="914400" cy="914400"/>
-            </a:xfrm>
-            <a:prstGeom prst="rect">
-              <a:avLst/>
-            </a:prstGeom>
-          </p:spPr>
-        </p:pic>
-      </p:grpSp>
       <p:pic>
         <p:nvPicPr>
           <p:cNvPr id="3" name="Grafik 2" descr="Ein Bild, das Screenshot enthält.&#10;&#10;Automatisch generierte Beschreibung">
@@ -22175,7 +22096,7 @@
           <p:nvPr/>
         </p:nvPicPr>
         <p:blipFill>
-          <a:blip r:embed="rId12">
+          <a:blip r:embed="rId2">
             <a:extLst>
               <a:ext uri="{28A0092B-C50C-407E-A947-70E740481C1C}">
                 <a14:useLocalDpi xmlns:a14="http://schemas.microsoft.com/office/drawing/2010/main" val="0"/>
@@ -22196,6 +22117,224 @@
           </a:prstGeom>
         </p:spPr>
       </p:pic>
+      <p:grpSp>
+        <p:nvGrpSpPr>
+          <p:cNvPr id="40" name="Gruppieren 9">
+            <a:extLst>
+              <a:ext uri="{FF2B5EF4-FFF2-40B4-BE49-F238E27FC236}">
+                <a16:creationId xmlns:a16="http://schemas.microsoft.com/office/drawing/2014/main" id="{E2A9E512-7B94-4236-BF09-8D9F21496F83}"/>
+              </a:ext>
+            </a:extLst>
+          </p:cNvPr>
+          <p:cNvGrpSpPr>
+            <a:grpSpLocks noChangeAspect="1"/>
+          </p:cNvGrpSpPr>
+          <p:nvPr/>
+        </p:nvGrpSpPr>
+        <p:grpSpPr>
+          <a:xfrm>
+            <a:off x="11178553" y="2431373"/>
+            <a:ext cx="528293" cy="2645076"/>
+            <a:chOff x="9900193" y="1530836"/>
+            <a:chExt cx="920569" cy="4609143"/>
+          </a:xfrm>
+        </p:grpSpPr>
+        <p:pic>
+          <p:nvPicPr>
+            <p:cNvPr id="41" name="Grafik 10" descr="Klemmbrett abgehakt">
+              <a:extLst>
+                <a:ext uri="{FF2B5EF4-FFF2-40B4-BE49-F238E27FC236}">
+                  <a16:creationId xmlns:a16="http://schemas.microsoft.com/office/drawing/2014/main" id="{5BCC9467-4600-4714-A7E1-98C8566DBCC1}"/>
+                </a:ext>
+              </a:extLst>
+            </p:cNvPr>
+            <p:cNvPicPr>
+              <a:picLocks noChangeAspect="1"/>
+            </p:cNvPicPr>
+            <p:nvPr/>
+          </p:nvPicPr>
+          <p:blipFill>
+            <a:blip r:embed="rId3">
+              <a:extLst>
+                <a:ext uri="{28A0092B-C50C-407E-A947-70E740481C1C}">
+                  <a14:useLocalDpi xmlns:a14="http://schemas.microsoft.com/office/drawing/2010/main" val="0"/>
+                </a:ext>
+                <a:ext uri="{96DAC541-7B7A-43D3-8B79-37D633B846F1}">
+                  <asvg:svgBlip xmlns:asvg="http://schemas.microsoft.com/office/drawing/2016/SVG/main" r:embed="rId4"/>
+                </a:ext>
+              </a:extLst>
+            </a:blip>
+            <a:stretch>
+              <a:fillRect/>
+            </a:stretch>
+          </p:blipFill>
+          <p:spPr>
+            <a:xfrm>
+              <a:off x="9900193" y="5225579"/>
+              <a:ext cx="914400" cy="914400"/>
+            </a:xfrm>
+            <a:prstGeom prst="rect">
+              <a:avLst/>
+            </a:prstGeom>
+          </p:spPr>
+        </p:pic>
+        <p:pic>
+          <p:nvPicPr>
+            <p:cNvPr id="42" name="Grafik 11" descr="Häkchen">
+              <a:extLst>
+                <a:ext uri="{FF2B5EF4-FFF2-40B4-BE49-F238E27FC236}">
+                  <a16:creationId xmlns:a16="http://schemas.microsoft.com/office/drawing/2014/main" id="{40C99DEA-A598-42AC-8359-3196BBBFC23F}"/>
+                </a:ext>
+              </a:extLst>
+            </p:cNvPr>
+            <p:cNvPicPr>
+              <a:picLocks noChangeAspect="1"/>
+            </p:cNvPicPr>
+            <p:nvPr/>
+          </p:nvPicPr>
+          <p:blipFill>
+            <a:blip r:embed="rId5">
+              <a:extLst>
+                <a:ext uri="{28A0092B-C50C-407E-A947-70E740481C1C}">
+                  <a14:useLocalDpi xmlns:a14="http://schemas.microsoft.com/office/drawing/2010/main" val="0"/>
+                </a:ext>
+                <a:ext uri="{96DAC541-7B7A-43D3-8B79-37D633B846F1}">
+                  <asvg:svgBlip xmlns:asvg="http://schemas.microsoft.com/office/drawing/2016/SVG/main" r:embed="rId6"/>
+                </a:ext>
+              </a:extLst>
+            </a:blip>
+            <a:stretch>
+              <a:fillRect/>
+            </a:stretch>
+          </p:blipFill>
+          <p:spPr>
+            <a:xfrm>
+              <a:off x="9906362" y="1530836"/>
+              <a:ext cx="914400" cy="914400"/>
+            </a:xfrm>
+            <a:prstGeom prst="rect">
+              <a:avLst/>
+            </a:prstGeom>
+          </p:spPr>
+        </p:pic>
+        <p:pic>
+          <p:nvPicPr>
+            <p:cNvPr id="43" name="Grafik 12" descr="Gehirn">
+              <a:extLst>
+                <a:ext uri="{FF2B5EF4-FFF2-40B4-BE49-F238E27FC236}">
+                  <a16:creationId xmlns:a16="http://schemas.microsoft.com/office/drawing/2014/main" id="{3A6F27A6-290A-43AC-9381-13BE670A3CB3}"/>
+                </a:ext>
+              </a:extLst>
+            </p:cNvPr>
+            <p:cNvPicPr>
+              <a:picLocks noChangeAspect="1"/>
+            </p:cNvPicPr>
+            <p:nvPr/>
+          </p:nvPicPr>
+          <p:blipFill>
+            <a:blip r:embed="rId7">
+              <a:extLst>
+                <a:ext uri="{28A0092B-C50C-407E-A947-70E740481C1C}">
+                  <a14:useLocalDpi xmlns:a14="http://schemas.microsoft.com/office/drawing/2010/main" val="0"/>
+                </a:ext>
+                <a:ext uri="{96DAC541-7B7A-43D3-8B79-37D633B846F1}">
+                  <asvg:svgBlip xmlns:asvg="http://schemas.microsoft.com/office/drawing/2016/SVG/main" r:embed="rId8"/>
+                </a:ext>
+              </a:extLst>
+            </a:blip>
+            <a:stretch>
+              <a:fillRect/>
+            </a:stretch>
+          </p:blipFill>
+          <p:spPr>
+            <a:xfrm>
+              <a:off x="9900193" y="3375461"/>
+              <a:ext cx="914400" cy="914400"/>
+            </a:xfrm>
+            <a:prstGeom prst="rect">
+              <a:avLst/>
+            </a:prstGeom>
+          </p:spPr>
+        </p:pic>
+        <p:pic>
+          <p:nvPicPr>
+            <p:cNvPr id="44" name="Grafik 13" descr="Einhorn">
+              <a:extLst>
+                <a:ext uri="{FF2B5EF4-FFF2-40B4-BE49-F238E27FC236}">
+                  <a16:creationId xmlns:a16="http://schemas.microsoft.com/office/drawing/2014/main" id="{75B409DF-3F7E-400C-B7CA-C18001E7BCAB}"/>
+                </a:ext>
+              </a:extLst>
+            </p:cNvPr>
+            <p:cNvPicPr>
+              <a:picLocks noChangeAspect="1"/>
+            </p:cNvPicPr>
+            <p:nvPr/>
+          </p:nvPicPr>
+          <p:blipFill>
+            <a:blip r:embed="rId9">
+              <a:extLst>
+                <a:ext uri="{28A0092B-C50C-407E-A947-70E740481C1C}">
+                  <a14:useLocalDpi xmlns:a14="http://schemas.microsoft.com/office/drawing/2010/main" val="0"/>
+                </a:ext>
+                <a:ext uri="{96DAC541-7B7A-43D3-8B79-37D633B846F1}">
+                  <asvg:svgBlip xmlns:asvg="http://schemas.microsoft.com/office/drawing/2016/SVG/main" r:embed="rId10"/>
+                </a:ext>
+              </a:extLst>
+            </a:blip>
+            <a:stretch>
+              <a:fillRect/>
+            </a:stretch>
+          </p:blipFill>
+          <p:spPr>
+            <a:xfrm>
+              <a:off x="9900193" y="4298238"/>
+              <a:ext cx="914400" cy="914400"/>
+            </a:xfrm>
+            <a:prstGeom prst="rect">
+              <a:avLst/>
+            </a:prstGeom>
+          </p:spPr>
+        </p:pic>
+        <p:pic>
+          <p:nvPicPr>
+            <p:cNvPr id="45" name="Grafik 14" descr="Hierarchie">
+              <a:extLst>
+                <a:ext uri="{FF2B5EF4-FFF2-40B4-BE49-F238E27FC236}">
+                  <a16:creationId xmlns:a16="http://schemas.microsoft.com/office/drawing/2014/main" id="{AF44228F-2238-42DB-B5DE-611DA84F217D}"/>
+                </a:ext>
+              </a:extLst>
+            </p:cNvPr>
+            <p:cNvPicPr>
+              <a:picLocks noChangeAspect="1"/>
+            </p:cNvPicPr>
+            <p:nvPr/>
+          </p:nvPicPr>
+          <p:blipFill>
+            <a:blip r:embed="rId11">
+              <a:extLst>
+                <a:ext uri="{28A0092B-C50C-407E-A947-70E740481C1C}">
+                  <a14:useLocalDpi xmlns:a14="http://schemas.microsoft.com/office/drawing/2010/main" val="0"/>
+                </a:ext>
+                <a:ext uri="{96DAC541-7B7A-43D3-8B79-37D633B846F1}">
+                  <asvg:svgBlip xmlns:asvg="http://schemas.microsoft.com/office/drawing/2016/SVG/main" r:embed="rId12"/>
+                </a:ext>
+              </a:extLst>
+            </a:blip>
+            <a:stretch>
+              <a:fillRect/>
+            </a:stretch>
+          </p:blipFill>
+          <p:spPr>
+            <a:xfrm>
+              <a:off x="9900193" y="2464538"/>
+              <a:ext cx="914400" cy="914400"/>
+            </a:xfrm>
+            <a:prstGeom prst="rect">
+              <a:avLst/>
+            </a:prstGeom>
+          </p:spPr>
+        </p:pic>
+      </p:grpSp>
     </p:spTree>
     <p:extLst>
       <p:ext uri="{BB962C8B-B14F-4D97-AF65-F5344CB8AC3E}">
@@ -22323,224 +22462,6 @@
           </a:p>
         </p:txBody>
       </p:sp>
-      <p:grpSp>
-        <p:nvGrpSpPr>
-          <p:cNvPr id="10" name="Gruppieren 9">
-            <a:extLst>
-              <a:ext uri="{FF2B5EF4-FFF2-40B4-BE49-F238E27FC236}">
-                <a16:creationId xmlns:a16="http://schemas.microsoft.com/office/drawing/2014/main" id="{B7E1329A-6886-4A91-BB43-580F9668F6A8}"/>
-              </a:ext>
-            </a:extLst>
-          </p:cNvPr>
-          <p:cNvGrpSpPr>
-            <a:grpSpLocks noChangeAspect="1"/>
-          </p:cNvGrpSpPr>
-          <p:nvPr/>
-        </p:nvGrpSpPr>
-        <p:grpSpPr>
-          <a:xfrm>
-            <a:off x="11178553" y="2431373"/>
-            <a:ext cx="528293" cy="2645076"/>
-            <a:chOff x="9900193" y="1530836"/>
-            <a:chExt cx="920569" cy="4609143"/>
-          </a:xfrm>
-        </p:grpSpPr>
-        <p:pic>
-          <p:nvPicPr>
-            <p:cNvPr id="11" name="Grafik 10" descr="Klemmbrett abgehakt">
-              <a:extLst>
-                <a:ext uri="{FF2B5EF4-FFF2-40B4-BE49-F238E27FC236}">
-                  <a16:creationId xmlns:a16="http://schemas.microsoft.com/office/drawing/2014/main" id="{A9431254-D4B4-40B6-AE85-BCF49175275E}"/>
-                </a:ext>
-              </a:extLst>
-            </p:cNvPr>
-            <p:cNvPicPr>
-              <a:picLocks noChangeAspect="1"/>
-            </p:cNvPicPr>
-            <p:nvPr/>
-          </p:nvPicPr>
-          <p:blipFill>
-            <a:blip r:embed="rId2">
-              <a:extLst>
-                <a:ext uri="{28A0092B-C50C-407E-A947-70E740481C1C}">
-                  <a14:useLocalDpi xmlns:a14="http://schemas.microsoft.com/office/drawing/2010/main" val="0"/>
-                </a:ext>
-                <a:ext uri="{96DAC541-7B7A-43D3-8B79-37D633B846F1}">
-                  <asvg:svgBlip xmlns:asvg="http://schemas.microsoft.com/office/drawing/2016/SVG/main" r:embed="rId3"/>
-                </a:ext>
-              </a:extLst>
-            </a:blip>
-            <a:stretch>
-              <a:fillRect/>
-            </a:stretch>
-          </p:blipFill>
-          <p:spPr>
-            <a:xfrm>
-              <a:off x="9900193" y="5225579"/>
-              <a:ext cx="914400" cy="914400"/>
-            </a:xfrm>
-            <a:prstGeom prst="rect">
-              <a:avLst/>
-            </a:prstGeom>
-          </p:spPr>
-        </p:pic>
-        <p:pic>
-          <p:nvPicPr>
-            <p:cNvPr id="12" name="Grafik 11" descr="Häkchen">
-              <a:extLst>
-                <a:ext uri="{FF2B5EF4-FFF2-40B4-BE49-F238E27FC236}">
-                  <a16:creationId xmlns:a16="http://schemas.microsoft.com/office/drawing/2014/main" id="{5107806B-8F20-4BC6-9C0E-652D04F676AB}"/>
-                </a:ext>
-              </a:extLst>
-            </p:cNvPr>
-            <p:cNvPicPr>
-              <a:picLocks noChangeAspect="1"/>
-            </p:cNvPicPr>
-            <p:nvPr/>
-          </p:nvPicPr>
-          <p:blipFill>
-            <a:blip r:embed="rId4">
-              <a:extLst>
-                <a:ext uri="{28A0092B-C50C-407E-A947-70E740481C1C}">
-                  <a14:useLocalDpi xmlns:a14="http://schemas.microsoft.com/office/drawing/2010/main" val="0"/>
-                </a:ext>
-                <a:ext uri="{96DAC541-7B7A-43D3-8B79-37D633B846F1}">
-                  <asvg:svgBlip xmlns:asvg="http://schemas.microsoft.com/office/drawing/2016/SVG/main" r:embed="rId5"/>
-                </a:ext>
-              </a:extLst>
-            </a:blip>
-            <a:stretch>
-              <a:fillRect/>
-            </a:stretch>
-          </p:blipFill>
-          <p:spPr>
-            <a:xfrm>
-              <a:off x="9906362" y="1530836"/>
-              <a:ext cx="914400" cy="914400"/>
-            </a:xfrm>
-            <a:prstGeom prst="rect">
-              <a:avLst/>
-            </a:prstGeom>
-          </p:spPr>
-        </p:pic>
-        <p:pic>
-          <p:nvPicPr>
-            <p:cNvPr id="13" name="Grafik 12" descr="Gehirn">
-              <a:extLst>
-                <a:ext uri="{FF2B5EF4-FFF2-40B4-BE49-F238E27FC236}">
-                  <a16:creationId xmlns:a16="http://schemas.microsoft.com/office/drawing/2014/main" id="{63100608-3265-44B6-8F00-AB936254C45E}"/>
-                </a:ext>
-              </a:extLst>
-            </p:cNvPr>
-            <p:cNvPicPr>
-              <a:picLocks noChangeAspect="1"/>
-            </p:cNvPicPr>
-            <p:nvPr/>
-          </p:nvPicPr>
-          <p:blipFill>
-            <a:blip r:embed="rId6">
-              <a:extLst>
-                <a:ext uri="{28A0092B-C50C-407E-A947-70E740481C1C}">
-                  <a14:useLocalDpi xmlns:a14="http://schemas.microsoft.com/office/drawing/2010/main" val="0"/>
-                </a:ext>
-                <a:ext uri="{96DAC541-7B7A-43D3-8B79-37D633B846F1}">
-                  <asvg:svgBlip xmlns:asvg="http://schemas.microsoft.com/office/drawing/2016/SVG/main" r:embed="rId7"/>
-                </a:ext>
-              </a:extLst>
-            </a:blip>
-            <a:stretch>
-              <a:fillRect/>
-            </a:stretch>
-          </p:blipFill>
-          <p:spPr>
-            <a:xfrm>
-              <a:off x="9900193" y="3375461"/>
-              <a:ext cx="914400" cy="914400"/>
-            </a:xfrm>
-            <a:prstGeom prst="rect">
-              <a:avLst/>
-            </a:prstGeom>
-          </p:spPr>
-        </p:pic>
-        <p:pic>
-          <p:nvPicPr>
-            <p:cNvPr id="14" name="Grafik 13" descr="Einhorn">
-              <a:extLst>
-                <a:ext uri="{FF2B5EF4-FFF2-40B4-BE49-F238E27FC236}">
-                  <a16:creationId xmlns:a16="http://schemas.microsoft.com/office/drawing/2014/main" id="{793928EC-1DDB-471A-900C-D86B5DD996F2}"/>
-                </a:ext>
-              </a:extLst>
-            </p:cNvPr>
-            <p:cNvPicPr>
-              <a:picLocks noChangeAspect="1"/>
-            </p:cNvPicPr>
-            <p:nvPr/>
-          </p:nvPicPr>
-          <p:blipFill>
-            <a:blip r:embed="rId8">
-              <a:extLst>
-                <a:ext uri="{28A0092B-C50C-407E-A947-70E740481C1C}">
-                  <a14:useLocalDpi xmlns:a14="http://schemas.microsoft.com/office/drawing/2010/main" val="0"/>
-                </a:ext>
-                <a:ext uri="{96DAC541-7B7A-43D3-8B79-37D633B846F1}">
-                  <asvg:svgBlip xmlns:asvg="http://schemas.microsoft.com/office/drawing/2016/SVG/main" r:embed="rId9"/>
-                </a:ext>
-              </a:extLst>
-            </a:blip>
-            <a:stretch>
-              <a:fillRect/>
-            </a:stretch>
-          </p:blipFill>
-          <p:spPr>
-            <a:xfrm>
-              <a:off x="9900193" y="4298238"/>
-              <a:ext cx="914400" cy="914400"/>
-            </a:xfrm>
-            <a:prstGeom prst="rect">
-              <a:avLst/>
-            </a:prstGeom>
-          </p:spPr>
-        </p:pic>
-        <p:pic>
-          <p:nvPicPr>
-            <p:cNvPr id="15" name="Grafik 14" descr="Hierarchie">
-              <a:extLst>
-                <a:ext uri="{FF2B5EF4-FFF2-40B4-BE49-F238E27FC236}">
-                  <a16:creationId xmlns:a16="http://schemas.microsoft.com/office/drawing/2014/main" id="{C4E0777E-47E6-4E82-82B6-36FD53560989}"/>
-                </a:ext>
-              </a:extLst>
-            </p:cNvPr>
-            <p:cNvPicPr>
-              <a:picLocks noChangeAspect="1"/>
-            </p:cNvPicPr>
-            <p:nvPr/>
-          </p:nvPicPr>
-          <p:blipFill>
-            <a:blip r:embed="rId10">
-              <a:extLst>
-                <a:ext uri="{28A0092B-C50C-407E-A947-70E740481C1C}">
-                  <a14:useLocalDpi xmlns:a14="http://schemas.microsoft.com/office/drawing/2010/main" val="0"/>
-                </a:ext>
-                <a:ext uri="{96DAC541-7B7A-43D3-8B79-37D633B846F1}">
-                  <asvg:svgBlip xmlns:asvg="http://schemas.microsoft.com/office/drawing/2016/SVG/main" r:embed="rId11"/>
-                </a:ext>
-              </a:extLst>
-            </a:blip>
-            <a:stretch>
-              <a:fillRect/>
-            </a:stretch>
-          </p:blipFill>
-          <p:spPr>
-            <a:xfrm>
-              <a:off x="9900193" y="2464538"/>
-              <a:ext cx="914400" cy="914400"/>
-            </a:xfrm>
-            <a:prstGeom prst="rect">
-              <a:avLst/>
-            </a:prstGeom>
-          </p:spPr>
-        </p:pic>
-      </p:grpSp>
       <p:pic>
         <p:nvPicPr>
           <p:cNvPr id="3" name="Grafik 2" descr="Ein Bild, das Screenshot enthält.&#10;&#10;Automatisch generierte Beschreibung">
@@ -22556,7 +22477,7 @@
           <p:nvPr/>
         </p:nvPicPr>
         <p:blipFill>
-          <a:blip r:embed="rId12">
+          <a:blip r:embed="rId2">
             <a:extLst>
               <a:ext uri="{28A0092B-C50C-407E-A947-70E740481C1C}">
                 <a14:useLocalDpi xmlns:a14="http://schemas.microsoft.com/office/drawing/2010/main" val="0"/>
@@ -22592,7 +22513,7 @@
           <p:nvPr/>
         </p:nvPicPr>
         <p:blipFill rotWithShape="1">
-          <a:blip r:embed="rId13">
+          <a:blip r:embed="rId3">
             <a:extLst>
               <a:ext uri="{28A0092B-C50C-407E-A947-70E740481C1C}">
                 <a14:useLocalDpi xmlns:a14="http://schemas.microsoft.com/office/drawing/2010/main" val="0"/>
@@ -22612,6 +22533,224 @@
           </a:prstGeom>
         </p:spPr>
       </p:pic>
+      <p:grpSp>
+        <p:nvGrpSpPr>
+          <p:cNvPr id="28" name="Gruppieren 9">
+            <a:extLst>
+              <a:ext uri="{FF2B5EF4-FFF2-40B4-BE49-F238E27FC236}">
+                <a16:creationId xmlns:a16="http://schemas.microsoft.com/office/drawing/2014/main" id="{7D658E93-554E-4ED7-993C-3489184DD127}"/>
+              </a:ext>
+            </a:extLst>
+          </p:cNvPr>
+          <p:cNvGrpSpPr>
+            <a:grpSpLocks noChangeAspect="1"/>
+          </p:cNvGrpSpPr>
+          <p:nvPr/>
+        </p:nvGrpSpPr>
+        <p:grpSpPr>
+          <a:xfrm>
+            <a:off x="11178553" y="2431373"/>
+            <a:ext cx="528293" cy="2645076"/>
+            <a:chOff x="9900193" y="1530836"/>
+            <a:chExt cx="920569" cy="4609143"/>
+          </a:xfrm>
+        </p:grpSpPr>
+        <p:pic>
+          <p:nvPicPr>
+            <p:cNvPr id="29" name="Grafik 10" descr="Klemmbrett abgehakt">
+              <a:extLst>
+                <a:ext uri="{FF2B5EF4-FFF2-40B4-BE49-F238E27FC236}">
+                  <a16:creationId xmlns:a16="http://schemas.microsoft.com/office/drawing/2014/main" id="{DE7E384C-010C-4FD0-B1B0-8AB276D9B30E}"/>
+                </a:ext>
+              </a:extLst>
+            </p:cNvPr>
+            <p:cNvPicPr>
+              <a:picLocks noChangeAspect="1"/>
+            </p:cNvPicPr>
+            <p:nvPr/>
+          </p:nvPicPr>
+          <p:blipFill>
+            <a:blip r:embed="rId4">
+              <a:extLst>
+                <a:ext uri="{28A0092B-C50C-407E-A947-70E740481C1C}">
+                  <a14:useLocalDpi xmlns:a14="http://schemas.microsoft.com/office/drawing/2010/main" val="0"/>
+                </a:ext>
+                <a:ext uri="{96DAC541-7B7A-43D3-8B79-37D633B846F1}">
+                  <asvg:svgBlip xmlns:asvg="http://schemas.microsoft.com/office/drawing/2016/SVG/main" r:embed="rId5"/>
+                </a:ext>
+              </a:extLst>
+            </a:blip>
+            <a:stretch>
+              <a:fillRect/>
+            </a:stretch>
+          </p:blipFill>
+          <p:spPr>
+            <a:xfrm>
+              <a:off x="9900193" y="5225579"/>
+              <a:ext cx="914400" cy="914400"/>
+            </a:xfrm>
+            <a:prstGeom prst="rect">
+              <a:avLst/>
+            </a:prstGeom>
+          </p:spPr>
+        </p:pic>
+        <p:pic>
+          <p:nvPicPr>
+            <p:cNvPr id="30" name="Grafik 11" descr="Häkchen">
+              <a:extLst>
+                <a:ext uri="{FF2B5EF4-FFF2-40B4-BE49-F238E27FC236}">
+                  <a16:creationId xmlns:a16="http://schemas.microsoft.com/office/drawing/2014/main" id="{D32B0B35-5755-42C7-A704-45F6E768178E}"/>
+                </a:ext>
+              </a:extLst>
+            </p:cNvPr>
+            <p:cNvPicPr>
+              <a:picLocks noChangeAspect="1"/>
+            </p:cNvPicPr>
+            <p:nvPr/>
+          </p:nvPicPr>
+          <p:blipFill>
+            <a:blip r:embed="rId6">
+              <a:extLst>
+                <a:ext uri="{28A0092B-C50C-407E-A947-70E740481C1C}">
+                  <a14:useLocalDpi xmlns:a14="http://schemas.microsoft.com/office/drawing/2010/main" val="0"/>
+                </a:ext>
+                <a:ext uri="{96DAC541-7B7A-43D3-8B79-37D633B846F1}">
+                  <asvg:svgBlip xmlns:asvg="http://schemas.microsoft.com/office/drawing/2016/SVG/main" r:embed="rId7"/>
+                </a:ext>
+              </a:extLst>
+            </a:blip>
+            <a:stretch>
+              <a:fillRect/>
+            </a:stretch>
+          </p:blipFill>
+          <p:spPr>
+            <a:xfrm>
+              <a:off x="9906362" y="1530836"/>
+              <a:ext cx="914400" cy="914400"/>
+            </a:xfrm>
+            <a:prstGeom prst="rect">
+              <a:avLst/>
+            </a:prstGeom>
+          </p:spPr>
+        </p:pic>
+        <p:pic>
+          <p:nvPicPr>
+            <p:cNvPr id="31" name="Grafik 12" descr="Gehirn">
+              <a:extLst>
+                <a:ext uri="{FF2B5EF4-FFF2-40B4-BE49-F238E27FC236}">
+                  <a16:creationId xmlns:a16="http://schemas.microsoft.com/office/drawing/2014/main" id="{DC326B20-ACCF-486E-8EFD-E172BB01B462}"/>
+                </a:ext>
+              </a:extLst>
+            </p:cNvPr>
+            <p:cNvPicPr>
+              <a:picLocks noChangeAspect="1"/>
+            </p:cNvPicPr>
+            <p:nvPr/>
+          </p:nvPicPr>
+          <p:blipFill>
+            <a:blip r:embed="rId8">
+              <a:extLst>
+                <a:ext uri="{28A0092B-C50C-407E-A947-70E740481C1C}">
+                  <a14:useLocalDpi xmlns:a14="http://schemas.microsoft.com/office/drawing/2010/main" val="0"/>
+                </a:ext>
+                <a:ext uri="{96DAC541-7B7A-43D3-8B79-37D633B846F1}">
+                  <asvg:svgBlip xmlns:asvg="http://schemas.microsoft.com/office/drawing/2016/SVG/main" r:embed="rId9"/>
+                </a:ext>
+              </a:extLst>
+            </a:blip>
+            <a:stretch>
+              <a:fillRect/>
+            </a:stretch>
+          </p:blipFill>
+          <p:spPr>
+            <a:xfrm>
+              <a:off x="9900193" y="3375461"/>
+              <a:ext cx="914400" cy="914400"/>
+            </a:xfrm>
+            <a:prstGeom prst="rect">
+              <a:avLst/>
+            </a:prstGeom>
+          </p:spPr>
+        </p:pic>
+        <p:pic>
+          <p:nvPicPr>
+            <p:cNvPr id="33" name="Grafik 13" descr="Einhorn">
+              <a:extLst>
+                <a:ext uri="{FF2B5EF4-FFF2-40B4-BE49-F238E27FC236}">
+                  <a16:creationId xmlns:a16="http://schemas.microsoft.com/office/drawing/2014/main" id="{D01A840F-52B3-459C-A91B-A2CE097B62EE}"/>
+                </a:ext>
+              </a:extLst>
+            </p:cNvPr>
+            <p:cNvPicPr>
+              <a:picLocks noChangeAspect="1"/>
+            </p:cNvPicPr>
+            <p:nvPr/>
+          </p:nvPicPr>
+          <p:blipFill>
+            <a:blip r:embed="rId10">
+              <a:extLst>
+                <a:ext uri="{28A0092B-C50C-407E-A947-70E740481C1C}">
+                  <a14:useLocalDpi xmlns:a14="http://schemas.microsoft.com/office/drawing/2010/main" val="0"/>
+                </a:ext>
+                <a:ext uri="{96DAC541-7B7A-43D3-8B79-37D633B846F1}">
+                  <asvg:svgBlip xmlns:asvg="http://schemas.microsoft.com/office/drawing/2016/SVG/main" r:embed="rId11"/>
+                </a:ext>
+              </a:extLst>
+            </a:blip>
+            <a:stretch>
+              <a:fillRect/>
+            </a:stretch>
+          </p:blipFill>
+          <p:spPr>
+            <a:xfrm>
+              <a:off x="9900193" y="4298238"/>
+              <a:ext cx="914400" cy="914400"/>
+            </a:xfrm>
+            <a:prstGeom prst="rect">
+              <a:avLst/>
+            </a:prstGeom>
+          </p:spPr>
+        </p:pic>
+        <p:pic>
+          <p:nvPicPr>
+            <p:cNvPr id="34" name="Grafik 14" descr="Hierarchie">
+              <a:extLst>
+                <a:ext uri="{FF2B5EF4-FFF2-40B4-BE49-F238E27FC236}">
+                  <a16:creationId xmlns:a16="http://schemas.microsoft.com/office/drawing/2014/main" id="{2ECDC233-8E88-4E24-817B-F581ABBA1DFC}"/>
+                </a:ext>
+              </a:extLst>
+            </p:cNvPr>
+            <p:cNvPicPr>
+              <a:picLocks noChangeAspect="1"/>
+            </p:cNvPicPr>
+            <p:nvPr/>
+          </p:nvPicPr>
+          <p:blipFill>
+            <a:blip r:embed="rId12">
+              <a:extLst>
+                <a:ext uri="{28A0092B-C50C-407E-A947-70E740481C1C}">
+                  <a14:useLocalDpi xmlns:a14="http://schemas.microsoft.com/office/drawing/2010/main" val="0"/>
+                </a:ext>
+                <a:ext uri="{96DAC541-7B7A-43D3-8B79-37D633B846F1}">
+                  <asvg:svgBlip xmlns:asvg="http://schemas.microsoft.com/office/drawing/2016/SVG/main" r:embed="rId13"/>
+                </a:ext>
+              </a:extLst>
+            </a:blip>
+            <a:stretch>
+              <a:fillRect/>
+            </a:stretch>
+          </p:blipFill>
+          <p:spPr>
+            <a:xfrm>
+              <a:off x="9900193" y="2464538"/>
+              <a:ext cx="914400" cy="914400"/>
+            </a:xfrm>
+            <a:prstGeom prst="rect">
+              <a:avLst/>
+            </a:prstGeom>
+          </p:spPr>
+        </p:pic>
+      </p:grpSp>
     </p:spTree>
     <p:extLst>
       <p:ext uri="{BB962C8B-B14F-4D97-AF65-F5344CB8AC3E}">
@@ -22739,224 +22878,6 @@
           </a:p>
         </p:txBody>
       </p:sp>
-      <p:grpSp>
-        <p:nvGrpSpPr>
-          <p:cNvPr id="10" name="Gruppieren 9">
-            <a:extLst>
-              <a:ext uri="{FF2B5EF4-FFF2-40B4-BE49-F238E27FC236}">
-                <a16:creationId xmlns:a16="http://schemas.microsoft.com/office/drawing/2014/main" id="{B7E1329A-6886-4A91-BB43-580F9668F6A8}"/>
-              </a:ext>
-            </a:extLst>
-          </p:cNvPr>
-          <p:cNvGrpSpPr>
-            <a:grpSpLocks noChangeAspect="1"/>
-          </p:cNvGrpSpPr>
-          <p:nvPr/>
-        </p:nvGrpSpPr>
-        <p:grpSpPr>
-          <a:xfrm>
-            <a:off x="11178553" y="2431373"/>
-            <a:ext cx="528293" cy="2645076"/>
-            <a:chOff x="9900193" y="1530836"/>
-            <a:chExt cx="920569" cy="4609143"/>
-          </a:xfrm>
-        </p:grpSpPr>
-        <p:pic>
-          <p:nvPicPr>
-            <p:cNvPr id="11" name="Grafik 10" descr="Klemmbrett abgehakt">
-              <a:extLst>
-                <a:ext uri="{FF2B5EF4-FFF2-40B4-BE49-F238E27FC236}">
-                  <a16:creationId xmlns:a16="http://schemas.microsoft.com/office/drawing/2014/main" id="{A9431254-D4B4-40B6-AE85-BCF49175275E}"/>
-                </a:ext>
-              </a:extLst>
-            </p:cNvPr>
-            <p:cNvPicPr>
-              <a:picLocks noChangeAspect="1"/>
-            </p:cNvPicPr>
-            <p:nvPr/>
-          </p:nvPicPr>
-          <p:blipFill>
-            <a:blip r:embed="rId2">
-              <a:extLst>
-                <a:ext uri="{28A0092B-C50C-407E-A947-70E740481C1C}">
-                  <a14:useLocalDpi xmlns:a14="http://schemas.microsoft.com/office/drawing/2010/main" val="0"/>
-                </a:ext>
-                <a:ext uri="{96DAC541-7B7A-43D3-8B79-37D633B846F1}">
-                  <asvg:svgBlip xmlns:asvg="http://schemas.microsoft.com/office/drawing/2016/SVG/main" r:embed="rId3"/>
-                </a:ext>
-              </a:extLst>
-            </a:blip>
-            <a:stretch>
-              <a:fillRect/>
-            </a:stretch>
-          </p:blipFill>
-          <p:spPr>
-            <a:xfrm>
-              <a:off x="9900193" y="5225579"/>
-              <a:ext cx="914400" cy="914400"/>
-            </a:xfrm>
-            <a:prstGeom prst="rect">
-              <a:avLst/>
-            </a:prstGeom>
-          </p:spPr>
-        </p:pic>
-        <p:pic>
-          <p:nvPicPr>
-            <p:cNvPr id="12" name="Grafik 11" descr="Häkchen">
-              <a:extLst>
-                <a:ext uri="{FF2B5EF4-FFF2-40B4-BE49-F238E27FC236}">
-                  <a16:creationId xmlns:a16="http://schemas.microsoft.com/office/drawing/2014/main" id="{5107806B-8F20-4BC6-9C0E-652D04F676AB}"/>
-                </a:ext>
-              </a:extLst>
-            </p:cNvPr>
-            <p:cNvPicPr>
-              <a:picLocks noChangeAspect="1"/>
-            </p:cNvPicPr>
-            <p:nvPr/>
-          </p:nvPicPr>
-          <p:blipFill>
-            <a:blip r:embed="rId4">
-              <a:extLst>
-                <a:ext uri="{28A0092B-C50C-407E-A947-70E740481C1C}">
-                  <a14:useLocalDpi xmlns:a14="http://schemas.microsoft.com/office/drawing/2010/main" val="0"/>
-                </a:ext>
-                <a:ext uri="{96DAC541-7B7A-43D3-8B79-37D633B846F1}">
-                  <asvg:svgBlip xmlns:asvg="http://schemas.microsoft.com/office/drawing/2016/SVG/main" r:embed="rId5"/>
-                </a:ext>
-              </a:extLst>
-            </a:blip>
-            <a:stretch>
-              <a:fillRect/>
-            </a:stretch>
-          </p:blipFill>
-          <p:spPr>
-            <a:xfrm>
-              <a:off x="9906362" y="1530836"/>
-              <a:ext cx="914400" cy="914400"/>
-            </a:xfrm>
-            <a:prstGeom prst="rect">
-              <a:avLst/>
-            </a:prstGeom>
-          </p:spPr>
-        </p:pic>
-        <p:pic>
-          <p:nvPicPr>
-            <p:cNvPr id="13" name="Grafik 12" descr="Gehirn">
-              <a:extLst>
-                <a:ext uri="{FF2B5EF4-FFF2-40B4-BE49-F238E27FC236}">
-                  <a16:creationId xmlns:a16="http://schemas.microsoft.com/office/drawing/2014/main" id="{63100608-3265-44B6-8F00-AB936254C45E}"/>
-                </a:ext>
-              </a:extLst>
-            </p:cNvPr>
-            <p:cNvPicPr>
-              <a:picLocks noChangeAspect="1"/>
-            </p:cNvPicPr>
-            <p:nvPr/>
-          </p:nvPicPr>
-          <p:blipFill>
-            <a:blip r:embed="rId6">
-              <a:extLst>
-                <a:ext uri="{28A0092B-C50C-407E-A947-70E740481C1C}">
-                  <a14:useLocalDpi xmlns:a14="http://schemas.microsoft.com/office/drawing/2010/main" val="0"/>
-                </a:ext>
-                <a:ext uri="{96DAC541-7B7A-43D3-8B79-37D633B846F1}">
-                  <asvg:svgBlip xmlns:asvg="http://schemas.microsoft.com/office/drawing/2016/SVG/main" r:embed="rId7"/>
-                </a:ext>
-              </a:extLst>
-            </a:blip>
-            <a:stretch>
-              <a:fillRect/>
-            </a:stretch>
-          </p:blipFill>
-          <p:spPr>
-            <a:xfrm>
-              <a:off x="9900193" y="3375461"/>
-              <a:ext cx="914400" cy="914400"/>
-            </a:xfrm>
-            <a:prstGeom prst="rect">
-              <a:avLst/>
-            </a:prstGeom>
-          </p:spPr>
-        </p:pic>
-        <p:pic>
-          <p:nvPicPr>
-            <p:cNvPr id="14" name="Grafik 13" descr="Einhorn">
-              <a:extLst>
-                <a:ext uri="{FF2B5EF4-FFF2-40B4-BE49-F238E27FC236}">
-                  <a16:creationId xmlns:a16="http://schemas.microsoft.com/office/drawing/2014/main" id="{793928EC-1DDB-471A-900C-D86B5DD996F2}"/>
-                </a:ext>
-              </a:extLst>
-            </p:cNvPr>
-            <p:cNvPicPr>
-              <a:picLocks noChangeAspect="1"/>
-            </p:cNvPicPr>
-            <p:nvPr/>
-          </p:nvPicPr>
-          <p:blipFill>
-            <a:blip r:embed="rId8">
-              <a:extLst>
-                <a:ext uri="{28A0092B-C50C-407E-A947-70E740481C1C}">
-                  <a14:useLocalDpi xmlns:a14="http://schemas.microsoft.com/office/drawing/2010/main" val="0"/>
-                </a:ext>
-                <a:ext uri="{96DAC541-7B7A-43D3-8B79-37D633B846F1}">
-                  <asvg:svgBlip xmlns:asvg="http://schemas.microsoft.com/office/drawing/2016/SVG/main" r:embed="rId9"/>
-                </a:ext>
-              </a:extLst>
-            </a:blip>
-            <a:stretch>
-              <a:fillRect/>
-            </a:stretch>
-          </p:blipFill>
-          <p:spPr>
-            <a:xfrm>
-              <a:off x="9900193" y="4298238"/>
-              <a:ext cx="914400" cy="914400"/>
-            </a:xfrm>
-            <a:prstGeom prst="rect">
-              <a:avLst/>
-            </a:prstGeom>
-          </p:spPr>
-        </p:pic>
-        <p:pic>
-          <p:nvPicPr>
-            <p:cNvPr id="15" name="Grafik 14" descr="Hierarchie">
-              <a:extLst>
-                <a:ext uri="{FF2B5EF4-FFF2-40B4-BE49-F238E27FC236}">
-                  <a16:creationId xmlns:a16="http://schemas.microsoft.com/office/drawing/2014/main" id="{C4E0777E-47E6-4E82-82B6-36FD53560989}"/>
-                </a:ext>
-              </a:extLst>
-            </p:cNvPr>
-            <p:cNvPicPr>
-              <a:picLocks noChangeAspect="1"/>
-            </p:cNvPicPr>
-            <p:nvPr/>
-          </p:nvPicPr>
-          <p:blipFill>
-            <a:blip r:embed="rId10">
-              <a:extLst>
-                <a:ext uri="{28A0092B-C50C-407E-A947-70E740481C1C}">
-                  <a14:useLocalDpi xmlns:a14="http://schemas.microsoft.com/office/drawing/2010/main" val="0"/>
-                </a:ext>
-                <a:ext uri="{96DAC541-7B7A-43D3-8B79-37D633B846F1}">
-                  <asvg:svgBlip xmlns:asvg="http://schemas.microsoft.com/office/drawing/2016/SVG/main" r:embed="rId11"/>
-                </a:ext>
-              </a:extLst>
-            </a:blip>
-            <a:stretch>
-              <a:fillRect/>
-            </a:stretch>
-          </p:blipFill>
-          <p:spPr>
-            <a:xfrm>
-              <a:off x="9900193" y="2464538"/>
-              <a:ext cx="914400" cy="914400"/>
-            </a:xfrm>
-            <a:prstGeom prst="rect">
-              <a:avLst/>
-            </a:prstGeom>
-          </p:spPr>
-        </p:pic>
-      </p:grpSp>
       <p:pic>
         <p:nvPicPr>
           <p:cNvPr id="3" name="Grafik 2" descr="Ein Bild, das Screenshot enthält.&#10;&#10;Automatisch generierte Beschreibung">
@@ -22972,7 +22893,7 @@
           <p:nvPr/>
         </p:nvPicPr>
         <p:blipFill>
-          <a:blip r:embed="rId12">
+          <a:blip r:embed="rId2">
             <a:extLst>
               <a:ext uri="{28A0092B-C50C-407E-A947-70E740481C1C}">
                 <a14:useLocalDpi xmlns:a14="http://schemas.microsoft.com/office/drawing/2010/main" val="0"/>
@@ -23008,7 +22929,7 @@
           <p:nvPr/>
         </p:nvPicPr>
         <p:blipFill rotWithShape="1">
-          <a:blip r:embed="rId13">
+          <a:blip r:embed="rId3">
             <a:extLst>
               <a:ext uri="{28A0092B-C50C-407E-A947-70E740481C1C}">
                 <a14:useLocalDpi xmlns:a14="http://schemas.microsoft.com/office/drawing/2010/main" val="0"/>
@@ -23043,7 +22964,7 @@
           <p:nvPr/>
         </p:nvPicPr>
         <p:blipFill rotWithShape="1">
-          <a:blip r:embed="rId14">
+          <a:blip r:embed="rId4">
             <a:extLst>
               <a:ext uri="{28A0092B-C50C-407E-A947-70E740481C1C}">
                 <a14:useLocalDpi xmlns:a14="http://schemas.microsoft.com/office/drawing/2010/main" val="0"/>
@@ -23063,6 +22984,224 @@
           </a:prstGeom>
         </p:spPr>
       </p:pic>
+      <p:grpSp>
+        <p:nvGrpSpPr>
+          <p:cNvPr id="22" name="Gruppieren 9">
+            <a:extLst>
+              <a:ext uri="{FF2B5EF4-FFF2-40B4-BE49-F238E27FC236}">
+                <a16:creationId xmlns:a16="http://schemas.microsoft.com/office/drawing/2014/main" id="{671DEE4F-3245-4849-8238-9C40C681531E}"/>
+              </a:ext>
+            </a:extLst>
+          </p:cNvPr>
+          <p:cNvGrpSpPr>
+            <a:grpSpLocks noChangeAspect="1"/>
+          </p:cNvGrpSpPr>
+          <p:nvPr/>
+        </p:nvGrpSpPr>
+        <p:grpSpPr>
+          <a:xfrm>
+            <a:off x="11178553" y="2431373"/>
+            <a:ext cx="528293" cy="2645076"/>
+            <a:chOff x="9900193" y="1530836"/>
+            <a:chExt cx="920569" cy="4609143"/>
+          </a:xfrm>
+        </p:grpSpPr>
+        <p:pic>
+          <p:nvPicPr>
+            <p:cNvPr id="23" name="Grafik 10" descr="Klemmbrett abgehakt">
+              <a:extLst>
+                <a:ext uri="{FF2B5EF4-FFF2-40B4-BE49-F238E27FC236}">
+                  <a16:creationId xmlns:a16="http://schemas.microsoft.com/office/drawing/2014/main" id="{D38C2A1D-0C34-4D85-9A5E-01D4CED5B31F}"/>
+                </a:ext>
+              </a:extLst>
+            </p:cNvPr>
+            <p:cNvPicPr>
+              <a:picLocks noChangeAspect="1"/>
+            </p:cNvPicPr>
+            <p:nvPr/>
+          </p:nvPicPr>
+          <p:blipFill>
+            <a:blip r:embed="rId5">
+              <a:extLst>
+                <a:ext uri="{28A0092B-C50C-407E-A947-70E740481C1C}">
+                  <a14:useLocalDpi xmlns:a14="http://schemas.microsoft.com/office/drawing/2010/main" val="0"/>
+                </a:ext>
+                <a:ext uri="{96DAC541-7B7A-43D3-8B79-37D633B846F1}">
+                  <asvg:svgBlip xmlns:asvg="http://schemas.microsoft.com/office/drawing/2016/SVG/main" r:embed="rId6"/>
+                </a:ext>
+              </a:extLst>
+            </a:blip>
+            <a:stretch>
+              <a:fillRect/>
+            </a:stretch>
+          </p:blipFill>
+          <p:spPr>
+            <a:xfrm>
+              <a:off x="9900193" y="5225579"/>
+              <a:ext cx="914400" cy="914400"/>
+            </a:xfrm>
+            <a:prstGeom prst="rect">
+              <a:avLst/>
+            </a:prstGeom>
+          </p:spPr>
+        </p:pic>
+        <p:pic>
+          <p:nvPicPr>
+            <p:cNvPr id="24" name="Grafik 11" descr="Häkchen">
+              <a:extLst>
+                <a:ext uri="{FF2B5EF4-FFF2-40B4-BE49-F238E27FC236}">
+                  <a16:creationId xmlns:a16="http://schemas.microsoft.com/office/drawing/2014/main" id="{2F45DAD7-51AD-44D7-98EE-95105F2DD89F}"/>
+                </a:ext>
+              </a:extLst>
+            </p:cNvPr>
+            <p:cNvPicPr>
+              <a:picLocks noChangeAspect="1"/>
+            </p:cNvPicPr>
+            <p:nvPr/>
+          </p:nvPicPr>
+          <p:blipFill>
+            <a:blip r:embed="rId7">
+              <a:extLst>
+                <a:ext uri="{28A0092B-C50C-407E-A947-70E740481C1C}">
+                  <a14:useLocalDpi xmlns:a14="http://schemas.microsoft.com/office/drawing/2010/main" val="0"/>
+                </a:ext>
+                <a:ext uri="{96DAC541-7B7A-43D3-8B79-37D633B846F1}">
+                  <asvg:svgBlip xmlns:asvg="http://schemas.microsoft.com/office/drawing/2016/SVG/main" r:embed="rId8"/>
+                </a:ext>
+              </a:extLst>
+            </a:blip>
+            <a:stretch>
+              <a:fillRect/>
+            </a:stretch>
+          </p:blipFill>
+          <p:spPr>
+            <a:xfrm>
+              <a:off x="9906362" y="1530836"/>
+              <a:ext cx="914400" cy="914400"/>
+            </a:xfrm>
+            <a:prstGeom prst="rect">
+              <a:avLst/>
+            </a:prstGeom>
+          </p:spPr>
+        </p:pic>
+        <p:pic>
+          <p:nvPicPr>
+            <p:cNvPr id="25" name="Grafik 12" descr="Gehirn">
+              <a:extLst>
+                <a:ext uri="{FF2B5EF4-FFF2-40B4-BE49-F238E27FC236}">
+                  <a16:creationId xmlns:a16="http://schemas.microsoft.com/office/drawing/2014/main" id="{992A8EDC-67F9-4B6F-B028-18F17DFAF84F}"/>
+                </a:ext>
+              </a:extLst>
+            </p:cNvPr>
+            <p:cNvPicPr>
+              <a:picLocks noChangeAspect="1"/>
+            </p:cNvPicPr>
+            <p:nvPr/>
+          </p:nvPicPr>
+          <p:blipFill>
+            <a:blip r:embed="rId9">
+              <a:extLst>
+                <a:ext uri="{28A0092B-C50C-407E-A947-70E740481C1C}">
+                  <a14:useLocalDpi xmlns:a14="http://schemas.microsoft.com/office/drawing/2010/main" val="0"/>
+                </a:ext>
+                <a:ext uri="{96DAC541-7B7A-43D3-8B79-37D633B846F1}">
+                  <asvg:svgBlip xmlns:asvg="http://schemas.microsoft.com/office/drawing/2016/SVG/main" r:embed="rId10"/>
+                </a:ext>
+              </a:extLst>
+            </a:blip>
+            <a:stretch>
+              <a:fillRect/>
+            </a:stretch>
+          </p:blipFill>
+          <p:spPr>
+            <a:xfrm>
+              <a:off x="9900193" y="3375461"/>
+              <a:ext cx="914400" cy="914400"/>
+            </a:xfrm>
+            <a:prstGeom prst="rect">
+              <a:avLst/>
+            </a:prstGeom>
+          </p:spPr>
+        </p:pic>
+        <p:pic>
+          <p:nvPicPr>
+            <p:cNvPr id="26" name="Grafik 13" descr="Einhorn">
+              <a:extLst>
+                <a:ext uri="{FF2B5EF4-FFF2-40B4-BE49-F238E27FC236}">
+                  <a16:creationId xmlns:a16="http://schemas.microsoft.com/office/drawing/2014/main" id="{2BF6EBC6-F61C-4657-9973-41FC1F05A0CB}"/>
+                </a:ext>
+              </a:extLst>
+            </p:cNvPr>
+            <p:cNvPicPr>
+              <a:picLocks noChangeAspect="1"/>
+            </p:cNvPicPr>
+            <p:nvPr/>
+          </p:nvPicPr>
+          <p:blipFill>
+            <a:blip r:embed="rId11">
+              <a:extLst>
+                <a:ext uri="{28A0092B-C50C-407E-A947-70E740481C1C}">
+                  <a14:useLocalDpi xmlns:a14="http://schemas.microsoft.com/office/drawing/2010/main" val="0"/>
+                </a:ext>
+                <a:ext uri="{96DAC541-7B7A-43D3-8B79-37D633B846F1}">
+                  <asvg:svgBlip xmlns:asvg="http://schemas.microsoft.com/office/drawing/2016/SVG/main" r:embed="rId12"/>
+                </a:ext>
+              </a:extLst>
+            </a:blip>
+            <a:stretch>
+              <a:fillRect/>
+            </a:stretch>
+          </p:blipFill>
+          <p:spPr>
+            <a:xfrm>
+              <a:off x="9900193" y="4298238"/>
+              <a:ext cx="914400" cy="914400"/>
+            </a:xfrm>
+            <a:prstGeom prst="rect">
+              <a:avLst/>
+            </a:prstGeom>
+          </p:spPr>
+        </p:pic>
+        <p:pic>
+          <p:nvPicPr>
+            <p:cNvPr id="27" name="Grafik 14" descr="Hierarchie">
+              <a:extLst>
+                <a:ext uri="{FF2B5EF4-FFF2-40B4-BE49-F238E27FC236}">
+                  <a16:creationId xmlns:a16="http://schemas.microsoft.com/office/drawing/2014/main" id="{0CD23FD9-060D-4BF4-9D4E-A647BCFDE942}"/>
+                </a:ext>
+              </a:extLst>
+            </p:cNvPr>
+            <p:cNvPicPr>
+              <a:picLocks noChangeAspect="1"/>
+            </p:cNvPicPr>
+            <p:nvPr/>
+          </p:nvPicPr>
+          <p:blipFill>
+            <a:blip r:embed="rId13">
+              <a:extLst>
+                <a:ext uri="{28A0092B-C50C-407E-A947-70E740481C1C}">
+                  <a14:useLocalDpi xmlns:a14="http://schemas.microsoft.com/office/drawing/2010/main" val="0"/>
+                </a:ext>
+                <a:ext uri="{96DAC541-7B7A-43D3-8B79-37D633B846F1}">
+                  <asvg:svgBlip xmlns:asvg="http://schemas.microsoft.com/office/drawing/2016/SVG/main" r:embed="rId14"/>
+                </a:ext>
+              </a:extLst>
+            </a:blip>
+            <a:stretch>
+              <a:fillRect/>
+            </a:stretch>
+          </p:blipFill>
+          <p:spPr>
+            <a:xfrm>
+              <a:off x="9900193" y="2464538"/>
+              <a:ext cx="914400" cy="914400"/>
+            </a:xfrm>
+            <a:prstGeom prst="rect">
+              <a:avLst/>
+            </a:prstGeom>
+          </p:spPr>
+        </p:pic>
+      </p:grpSp>
     </p:spTree>
     <p:extLst>
       <p:ext uri="{BB962C8B-B14F-4D97-AF65-F5344CB8AC3E}">
@@ -23190,224 +23329,6 @@
           </a:p>
         </p:txBody>
       </p:sp>
-      <p:grpSp>
-        <p:nvGrpSpPr>
-          <p:cNvPr id="10" name="Gruppieren 9">
-            <a:extLst>
-              <a:ext uri="{FF2B5EF4-FFF2-40B4-BE49-F238E27FC236}">
-                <a16:creationId xmlns:a16="http://schemas.microsoft.com/office/drawing/2014/main" id="{B7E1329A-6886-4A91-BB43-580F9668F6A8}"/>
-              </a:ext>
-            </a:extLst>
-          </p:cNvPr>
-          <p:cNvGrpSpPr>
-            <a:grpSpLocks noChangeAspect="1"/>
-          </p:cNvGrpSpPr>
-          <p:nvPr/>
-        </p:nvGrpSpPr>
-        <p:grpSpPr>
-          <a:xfrm>
-            <a:off x="11178553" y="2431373"/>
-            <a:ext cx="528293" cy="2645076"/>
-            <a:chOff x="9900193" y="1530836"/>
-            <a:chExt cx="920569" cy="4609143"/>
-          </a:xfrm>
-        </p:grpSpPr>
-        <p:pic>
-          <p:nvPicPr>
-            <p:cNvPr id="11" name="Grafik 10" descr="Klemmbrett abgehakt">
-              <a:extLst>
-                <a:ext uri="{FF2B5EF4-FFF2-40B4-BE49-F238E27FC236}">
-                  <a16:creationId xmlns:a16="http://schemas.microsoft.com/office/drawing/2014/main" id="{A9431254-D4B4-40B6-AE85-BCF49175275E}"/>
-                </a:ext>
-              </a:extLst>
-            </p:cNvPr>
-            <p:cNvPicPr>
-              <a:picLocks noChangeAspect="1"/>
-            </p:cNvPicPr>
-            <p:nvPr/>
-          </p:nvPicPr>
-          <p:blipFill>
-            <a:blip r:embed="rId2">
-              <a:extLst>
-                <a:ext uri="{28A0092B-C50C-407E-A947-70E740481C1C}">
-                  <a14:useLocalDpi xmlns:a14="http://schemas.microsoft.com/office/drawing/2010/main" val="0"/>
-                </a:ext>
-                <a:ext uri="{96DAC541-7B7A-43D3-8B79-37D633B846F1}">
-                  <asvg:svgBlip xmlns:asvg="http://schemas.microsoft.com/office/drawing/2016/SVG/main" r:embed="rId3"/>
-                </a:ext>
-              </a:extLst>
-            </a:blip>
-            <a:stretch>
-              <a:fillRect/>
-            </a:stretch>
-          </p:blipFill>
-          <p:spPr>
-            <a:xfrm>
-              <a:off x="9900193" y="5225579"/>
-              <a:ext cx="914400" cy="914400"/>
-            </a:xfrm>
-            <a:prstGeom prst="rect">
-              <a:avLst/>
-            </a:prstGeom>
-          </p:spPr>
-        </p:pic>
-        <p:pic>
-          <p:nvPicPr>
-            <p:cNvPr id="12" name="Grafik 11" descr="Häkchen">
-              <a:extLst>
-                <a:ext uri="{FF2B5EF4-FFF2-40B4-BE49-F238E27FC236}">
-                  <a16:creationId xmlns:a16="http://schemas.microsoft.com/office/drawing/2014/main" id="{5107806B-8F20-4BC6-9C0E-652D04F676AB}"/>
-                </a:ext>
-              </a:extLst>
-            </p:cNvPr>
-            <p:cNvPicPr>
-              <a:picLocks noChangeAspect="1"/>
-            </p:cNvPicPr>
-            <p:nvPr/>
-          </p:nvPicPr>
-          <p:blipFill>
-            <a:blip r:embed="rId4">
-              <a:extLst>
-                <a:ext uri="{28A0092B-C50C-407E-A947-70E740481C1C}">
-                  <a14:useLocalDpi xmlns:a14="http://schemas.microsoft.com/office/drawing/2010/main" val="0"/>
-                </a:ext>
-                <a:ext uri="{96DAC541-7B7A-43D3-8B79-37D633B846F1}">
-                  <asvg:svgBlip xmlns:asvg="http://schemas.microsoft.com/office/drawing/2016/SVG/main" r:embed="rId5"/>
-                </a:ext>
-              </a:extLst>
-            </a:blip>
-            <a:stretch>
-              <a:fillRect/>
-            </a:stretch>
-          </p:blipFill>
-          <p:spPr>
-            <a:xfrm>
-              <a:off x="9906362" y="1530836"/>
-              <a:ext cx="914400" cy="914400"/>
-            </a:xfrm>
-            <a:prstGeom prst="rect">
-              <a:avLst/>
-            </a:prstGeom>
-          </p:spPr>
-        </p:pic>
-        <p:pic>
-          <p:nvPicPr>
-            <p:cNvPr id="13" name="Grafik 12" descr="Gehirn">
-              <a:extLst>
-                <a:ext uri="{FF2B5EF4-FFF2-40B4-BE49-F238E27FC236}">
-                  <a16:creationId xmlns:a16="http://schemas.microsoft.com/office/drawing/2014/main" id="{63100608-3265-44B6-8F00-AB936254C45E}"/>
-                </a:ext>
-              </a:extLst>
-            </p:cNvPr>
-            <p:cNvPicPr>
-              <a:picLocks noChangeAspect="1"/>
-            </p:cNvPicPr>
-            <p:nvPr/>
-          </p:nvPicPr>
-          <p:blipFill>
-            <a:blip r:embed="rId6">
-              <a:extLst>
-                <a:ext uri="{28A0092B-C50C-407E-A947-70E740481C1C}">
-                  <a14:useLocalDpi xmlns:a14="http://schemas.microsoft.com/office/drawing/2010/main" val="0"/>
-                </a:ext>
-                <a:ext uri="{96DAC541-7B7A-43D3-8B79-37D633B846F1}">
-                  <asvg:svgBlip xmlns:asvg="http://schemas.microsoft.com/office/drawing/2016/SVG/main" r:embed="rId7"/>
-                </a:ext>
-              </a:extLst>
-            </a:blip>
-            <a:stretch>
-              <a:fillRect/>
-            </a:stretch>
-          </p:blipFill>
-          <p:spPr>
-            <a:xfrm>
-              <a:off x="9900193" y="3375461"/>
-              <a:ext cx="914400" cy="914400"/>
-            </a:xfrm>
-            <a:prstGeom prst="rect">
-              <a:avLst/>
-            </a:prstGeom>
-          </p:spPr>
-        </p:pic>
-        <p:pic>
-          <p:nvPicPr>
-            <p:cNvPr id="14" name="Grafik 13" descr="Einhorn">
-              <a:extLst>
-                <a:ext uri="{FF2B5EF4-FFF2-40B4-BE49-F238E27FC236}">
-                  <a16:creationId xmlns:a16="http://schemas.microsoft.com/office/drawing/2014/main" id="{793928EC-1DDB-471A-900C-D86B5DD996F2}"/>
-                </a:ext>
-              </a:extLst>
-            </p:cNvPr>
-            <p:cNvPicPr>
-              <a:picLocks noChangeAspect="1"/>
-            </p:cNvPicPr>
-            <p:nvPr/>
-          </p:nvPicPr>
-          <p:blipFill>
-            <a:blip r:embed="rId8">
-              <a:extLst>
-                <a:ext uri="{28A0092B-C50C-407E-A947-70E740481C1C}">
-                  <a14:useLocalDpi xmlns:a14="http://schemas.microsoft.com/office/drawing/2010/main" val="0"/>
-                </a:ext>
-                <a:ext uri="{96DAC541-7B7A-43D3-8B79-37D633B846F1}">
-                  <asvg:svgBlip xmlns:asvg="http://schemas.microsoft.com/office/drawing/2016/SVG/main" r:embed="rId9"/>
-                </a:ext>
-              </a:extLst>
-            </a:blip>
-            <a:stretch>
-              <a:fillRect/>
-            </a:stretch>
-          </p:blipFill>
-          <p:spPr>
-            <a:xfrm>
-              <a:off x="9900193" y="4298238"/>
-              <a:ext cx="914400" cy="914400"/>
-            </a:xfrm>
-            <a:prstGeom prst="rect">
-              <a:avLst/>
-            </a:prstGeom>
-          </p:spPr>
-        </p:pic>
-        <p:pic>
-          <p:nvPicPr>
-            <p:cNvPr id="15" name="Grafik 14" descr="Hierarchie">
-              <a:extLst>
-                <a:ext uri="{FF2B5EF4-FFF2-40B4-BE49-F238E27FC236}">
-                  <a16:creationId xmlns:a16="http://schemas.microsoft.com/office/drawing/2014/main" id="{C4E0777E-47E6-4E82-82B6-36FD53560989}"/>
-                </a:ext>
-              </a:extLst>
-            </p:cNvPr>
-            <p:cNvPicPr>
-              <a:picLocks noChangeAspect="1"/>
-            </p:cNvPicPr>
-            <p:nvPr/>
-          </p:nvPicPr>
-          <p:blipFill>
-            <a:blip r:embed="rId10">
-              <a:extLst>
-                <a:ext uri="{28A0092B-C50C-407E-A947-70E740481C1C}">
-                  <a14:useLocalDpi xmlns:a14="http://schemas.microsoft.com/office/drawing/2010/main" val="0"/>
-                </a:ext>
-                <a:ext uri="{96DAC541-7B7A-43D3-8B79-37D633B846F1}">
-                  <asvg:svgBlip xmlns:asvg="http://schemas.microsoft.com/office/drawing/2016/SVG/main" r:embed="rId11"/>
-                </a:ext>
-              </a:extLst>
-            </a:blip>
-            <a:stretch>
-              <a:fillRect/>
-            </a:stretch>
-          </p:blipFill>
-          <p:spPr>
-            <a:xfrm>
-              <a:off x="9900193" y="2464538"/>
-              <a:ext cx="914400" cy="914400"/>
-            </a:xfrm>
-            <a:prstGeom prst="rect">
-              <a:avLst/>
-            </a:prstGeom>
-          </p:spPr>
-        </p:pic>
-      </p:grpSp>
       <p:pic>
         <p:nvPicPr>
           <p:cNvPr id="3" name="Grafik 2" descr="Ein Bild, das Screenshot enthält.&#10;&#10;Automatisch generierte Beschreibung">
@@ -23423,7 +23344,7 @@
           <p:nvPr/>
         </p:nvPicPr>
         <p:blipFill>
-          <a:blip r:embed="rId12">
+          <a:blip r:embed="rId2">
             <a:extLst>
               <a:ext uri="{28A0092B-C50C-407E-A947-70E740481C1C}">
                 <a14:useLocalDpi xmlns:a14="http://schemas.microsoft.com/office/drawing/2010/main" val="0"/>
@@ -23459,7 +23380,7 @@
           <p:nvPr/>
         </p:nvPicPr>
         <p:blipFill rotWithShape="1">
-          <a:blip r:embed="rId13">
+          <a:blip r:embed="rId3">
             <a:extLst>
               <a:ext uri="{28A0092B-C50C-407E-A947-70E740481C1C}">
                 <a14:useLocalDpi xmlns:a14="http://schemas.microsoft.com/office/drawing/2010/main" val="0"/>
@@ -23494,7 +23415,7 @@
           <p:nvPr/>
         </p:nvPicPr>
         <p:blipFill rotWithShape="1">
-          <a:blip r:embed="rId14">
+          <a:blip r:embed="rId4">
             <a:extLst>
               <a:ext uri="{28A0092B-C50C-407E-A947-70E740481C1C}">
                 <a14:useLocalDpi xmlns:a14="http://schemas.microsoft.com/office/drawing/2010/main" val="0"/>
@@ -23529,7 +23450,7 @@
           <p:nvPr/>
         </p:nvPicPr>
         <p:blipFill rotWithShape="1">
-          <a:blip r:embed="rId15">
+          <a:blip r:embed="rId5">
             <a:extLst>
               <a:ext uri="{28A0092B-C50C-407E-A947-70E740481C1C}">
                 <a14:useLocalDpi xmlns:a14="http://schemas.microsoft.com/office/drawing/2010/main" val="0"/>
@@ -23549,6 +23470,224 @@
           </a:prstGeom>
         </p:spPr>
       </p:pic>
+      <p:grpSp>
+        <p:nvGrpSpPr>
+          <p:cNvPr id="22" name="Gruppieren 9">
+            <a:extLst>
+              <a:ext uri="{FF2B5EF4-FFF2-40B4-BE49-F238E27FC236}">
+                <a16:creationId xmlns:a16="http://schemas.microsoft.com/office/drawing/2014/main" id="{98E7B895-44F9-40FB-A6D7-6333DE308399}"/>
+              </a:ext>
+            </a:extLst>
+          </p:cNvPr>
+          <p:cNvGrpSpPr>
+            <a:grpSpLocks noChangeAspect="1"/>
+          </p:cNvGrpSpPr>
+          <p:nvPr/>
+        </p:nvGrpSpPr>
+        <p:grpSpPr>
+          <a:xfrm>
+            <a:off x="11178553" y="2431373"/>
+            <a:ext cx="528293" cy="2645076"/>
+            <a:chOff x="9900193" y="1530836"/>
+            <a:chExt cx="920569" cy="4609143"/>
+          </a:xfrm>
+        </p:grpSpPr>
+        <p:pic>
+          <p:nvPicPr>
+            <p:cNvPr id="23" name="Grafik 10" descr="Klemmbrett abgehakt">
+              <a:extLst>
+                <a:ext uri="{FF2B5EF4-FFF2-40B4-BE49-F238E27FC236}">
+                  <a16:creationId xmlns:a16="http://schemas.microsoft.com/office/drawing/2014/main" id="{7BACA552-A251-4E0E-9F45-5FAC201F2B6B}"/>
+                </a:ext>
+              </a:extLst>
+            </p:cNvPr>
+            <p:cNvPicPr>
+              <a:picLocks noChangeAspect="1"/>
+            </p:cNvPicPr>
+            <p:nvPr/>
+          </p:nvPicPr>
+          <p:blipFill>
+            <a:blip r:embed="rId6">
+              <a:extLst>
+                <a:ext uri="{28A0092B-C50C-407E-A947-70E740481C1C}">
+                  <a14:useLocalDpi xmlns:a14="http://schemas.microsoft.com/office/drawing/2010/main" val="0"/>
+                </a:ext>
+                <a:ext uri="{96DAC541-7B7A-43D3-8B79-37D633B846F1}">
+                  <asvg:svgBlip xmlns:asvg="http://schemas.microsoft.com/office/drawing/2016/SVG/main" r:embed="rId7"/>
+                </a:ext>
+              </a:extLst>
+            </a:blip>
+            <a:stretch>
+              <a:fillRect/>
+            </a:stretch>
+          </p:blipFill>
+          <p:spPr>
+            <a:xfrm>
+              <a:off x="9900193" y="5225579"/>
+              <a:ext cx="914400" cy="914400"/>
+            </a:xfrm>
+            <a:prstGeom prst="rect">
+              <a:avLst/>
+            </a:prstGeom>
+          </p:spPr>
+        </p:pic>
+        <p:pic>
+          <p:nvPicPr>
+            <p:cNvPr id="24" name="Grafik 11" descr="Häkchen">
+              <a:extLst>
+                <a:ext uri="{FF2B5EF4-FFF2-40B4-BE49-F238E27FC236}">
+                  <a16:creationId xmlns:a16="http://schemas.microsoft.com/office/drawing/2014/main" id="{966EBBC9-BE62-43F0-BA0D-3F8501CA2F34}"/>
+                </a:ext>
+              </a:extLst>
+            </p:cNvPr>
+            <p:cNvPicPr>
+              <a:picLocks noChangeAspect="1"/>
+            </p:cNvPicPr>
+            <p:nvPr/>
+          </p:nvPicPr>
+          <p:blipFill>
+            <a:blip r:embed="rId8">
+              <a:extLst>
+                <a:ext uri="{28A0092B-C50C-407E-A947-70E740481C1C}">
+                  <a14:useLocalDpi xmlns:a14="http://schemas.microsoft.com/office/drawing/2010/main" val="0"/>
+                </a:ext>
+                <a:ext uri="{96DAC541-7B7A-43D3-8B79-37D633B846F1}">
+                  <asvg:svgBlip xmlns:asvg="http://schemas.microsoft.com/office/drawing/2016/SVG/main" r:embed="rId9"/>
+                </a:ext>
+              </a:extLst>
+            </a:blip>
+            <a:stretch>
+              <a:fillRect/>
+            </a:stretch>
+          </p:blipFill>
+          <p:spPr>
+            <a:xfrm>
+              <a:off x="9906362" y="1530836"/>
+              <a:ext cx="914400" cy="914400"/>
+            </a:xfrm>
+            <a:prstGeom prst="rect">
+              <a:avLst/>
+            </a:prstGeom>
+          </p:spPr>
+        </p:pic>
+        <p:pic>
+          <p:nvPicPr>
+            <p:cNvPr id="25" name="Grafik 12" descr="Gehirn">
+              <a:extLst>
+                <a:ext uri="{FF2B5EF4-FFF2-40B4-BE49-F238E27FC236}">
+                  <a16:creationId xmlns:a16="http://schemas.microsoft.com/office/drawing/2014/main" id="{39424F8E-8A20-4334-9A5A-179D5AD1DB84}"/>
+                </a:ext>
+              </a:extLst>
+            </p:cNvPr>
+            <p:cNvPicPr>
+              <a:picLocks noChangeAspect="1"/>
+            </p:cNvPicPr>
+            <p:nvPr/>
+          </p:nvPicPr>
+          <p:blipFill>
+            <a:blip r:embed="rId10">
+              <a:extLst>
+                <a:ext uri="{28A0092B-C50C-407E-A947-70E740481C1C}">
+                  <a14:useLocalDpi xmlns:a14="http://schemas.microsoft.com/office/drawing/2010/main" val="0"/>
+                </a:ext>
+                <a:ext uri="{96DAC541-7B7A-43D3-8B79-37D633B846F1}">
+                  <asvg:svgBlip xmlns:asvg="http://schemas.microsoft.com/office/drawing/2016/SVG/main" r:embed="rId11"/>
+                </a:ext>
+              </a:extLst>
+            </a:blip>
+            <a:stretch>
+              <a:fillRect/>
+            </a:stretch>
+          </p:blipFill>
+          <p:spPr>
+            <a:xfrm>
+              <a:off x="9900193" y="3375461"/>
+              <a:ext cx="914400" cy="914400"/>
+            </a:xfrm>
+            <a:prstGeom prst="rect">
+              <a:avLst/>
+            </a:prstGeom>
+          </p:spPr>
+        </p:pic>
+        <p:pic>
+          <p:nvPicPr>
+            <p:cNvPr id="26" name="Grafik 13" descr="Einhorn">
+              <a:extLst>
+                <a:ext uri="{FF2B5EF4-FFF2-40B4-BE49-F238E27FC236}">
+                  <a16:creationId xmlns:a16="http://schemas.microsoft.com/office/drawing/2014/main" id="{4F21033C-C17F-419C-8BCB-3E4522D46FAB}"/>
+                </a:ext>
+              </a:extLst>
+            </p:cNvPr>
+            <p:cNvPicPr>
+              <a:picLocks noChangeAspect="1"/>
+            </p:cNvPicPr>
+            <p:nvPr/>
+          </p:nvPicPr>
+          <p:blipFill>
+            <a:blip r:embed="rId12">
+              <a:extLst>
+                <a:ext uri="{28A0092B-C50C-407E-A947-70E740481C1C}">
+                  <a14:useLocalDpi xmlns:a14="http://schemas.microsoft.com/office/drawing/2010/main" val="0"/>
+                </a:ext>
+                <a:ext uri="{96DAC541-7B7A-43D3-8B79-37D633B846F1}">
+                  <asvg:svgBlip xmlns:asvg="http://schemas.microsoft.com/office/drawing/2016/SVG/main" r:embed="rId13"/>
+                </a:ext>
+              </a:extLst>
+            </a:blip>
+            <a:stretch>
+              <a:fillRect/>
+            </a:stretch>
+          </p:blipFill>
+          <p:spPr>
+            <a:xfrm>
+              <a:off x="9900193" y="4298238"/>
+              <a:ext cx="914400" cy="914400"/>
+            </a:xfrm>
+            <a:prstGeom prst="rect">
+              <a:avLst/>
+            </a:prstGeom>
+          </p:spPr>
+        </p:pic>
+        <p:pic>
+          <p:nvPicPr>
+            <p:cNvPr id="27" name="Grafik 14" descr="Hierarchie">
+              <a:extLst>
+                <a:ext uri="{FF2B5EF4-FFF2-40B4-BE49-F238E27FC236}">
+                  <a16:creationId xmlns:a16="http://schemas.microsoft.com/office/drawing/2014/main" id="{CC85F530-117D-46CF-B426-AAA479CD2515}"/>
+                </a:ext>
+              </a:extLst>
+            </p:cNvPr>
+            <p:cNvPicPr>
+              <a:picLocks noChangeAspect="1"/>
+            </p:cNvPicPr>
+            <p:nvPr/>
+          </p:nvPicPr>
+          <p:blipFill>
+            <a:blip r:embed="rId14">
+              <a:extLst>
+                <a:ext uri="{28A0092B-C50C-407E-A947-70E740481C1C}">
+                  <a14:useLocalDpi xmlns:a14="http://schemas.microsoft.com/office/drawing/2010/main" val="0"/>
+                </a:ext>
+                <a:ext uri="{96DAC541-7B7A-43D3-8B79-37D633B846F1}">
+                  <asvg:svgBlip xmlns:asvg="http://schemas.microsoft.com/office/drawing/2016/SVG/main" r:embed="rId15"/>
+                </a:ext>
+              </a:extLst>
+            </a:blip>
+            <a:stretch>
+              <a:fillRect/>
+            </a:stretch>
+          </p:blipFill>
+          <p:spPr>
+            <a:xfrm>
+              <a:off x="9900193" y="2464538"/>
+              <a:ext cx="914400" cy="914400"/>
+            </a:xfrm>
+            <a:prstGeom prst="rect">
+              <a:avLst/>
+            </a:prstGeom>
+          </p:spPr>
+        </p:pic>
+      </p:grpSp>
     </p:spTree>
     <p:extLst>
       <p:ext uri="{BB962C8B-B14F-4D97-AF65-F5344CB8AC3E}">

--- a/orga/milestone_presentations/MP2.pptx
+++ b/orga/milestone_presentations/MP2.pptx
@@ -5,7 +5,7 @@
     <p:sldMasterId id="2147483648" r:id="rId1"/>
   </p:sldMasterIdLst>
   <p:notesMasterIdLst>
-    <p:notesMasterId r:id="rId23"/>
+    <p:notesMasterId r:id="rId24"/>
   </p:notesMasterIdLst>
   <p:sldIdLst>
     <p:sldId id="256" r:id="rId2"/>
@@ -22,13 +22,14 @@
     <p:sldId id="268" r:id="rId13"/>
     <p:sldId id="274" r:id="rId14"/>
     <p:sldId id="276" r:id="rId15"/>
-    <p:sldId id="277" r:id="rId16"/>
-    <p:sldId id="278" r:id="rId17"/>
-    <p:sldId id="279" r:id="rId18"/>
-    <p:sldId id="280" r:id="rId19"/>
-    <p:sldId id="281" r:id="rId20"/>
-    <p:sldId id="282" r:id="rId21"/>
-    <p:sldId id="283" r:id="rId22"/>
+    <p:sldId id="284" r:id="rId16"/>
+    <p:sldId id="277" r:id="rId17"/>
+    <p:sldId id="278" r:id="rId18"/>
+    <p:sldId id="279" r:id="rId19"/>
+    <p:sldId id="280" r:id="rId20"/>
+    <p:sldId id="281" r:id="rId21"/>
+    <p:sldId id="282" r:id="rId22"/>
+    <p:sldId id="283" r:id="rId23"/>
   </p:sldIdLst>
   <p:sldSz cx="12192000" cy="6858000"/>
   <p:notesSz cx="6858000" cy="9144000"/>
@@ -15459,7 +15460,7 @@
         <p:spPr>
           <a:xfrm>
             <a:off x="852176" y="1470991"/>
-            <a:ext cx="7089189" cy="2308324"/>
+            <a:ext cx="7089189" cy="3416320"/>
           </a:xfrm>
           <a:prstGeom prst="rect">
             <a:avLst/>
@@ -15488,7 +15489,7 @@
               <a:rPr lang="en-US" altLang="zh-CN" dirty="0">
                 <a:latin typeface="Noto Sans" panose="020B0502040504020204"/>
               </a:rPr>
-              <a:t>RL agent need a standard environment for training</a:t>
+              <a:t>to use the RL baselines with custom environments, they need to follow the gym interface</a:t>
             </a:r>
           </a:p>
           <a:p>
@@ -15501,7 +15502,7 @@
               <a:rPr lang="en-US" altLang="zh-CN" b="1" i="1" dirty="0">
                 <a:latin typeface="Noto Sans" panose="020B0502040504020204"/>
               </a:rPr>
-              <a:t>What is the environment for?</a:t>
+              <a:t>What is the environment?</a:t>
             </a:r>
           </a:p>
           <a:p>
@@ -15539,6 +15540,59 @@
               </a:rPr>
               <a:t> algorithms</a:t>
             </a:r>
+          </a:p>
+          <a:p>
+            <a:pPr marL="285750" indent="-285750">
+              <a:buFontTx/>
+              <a:buChar char="-"/>
+            </a:pPr>
+            <a:r>
+              <a:rPr lang="en-US" altLang="zh-CN" dirty="0">
+                <a:latin typeface="Noto Sans" panose="020B0502040504020204"/>
+              </a:rPr>
+              <a:t>inherits from </a:t>
+            </a:r>
+            <a:r>
+              <a:rPr lang="en-US" altLang="zh-CN" dirty="0" err="1">
+                <a:latin typeface="Noto Sans" panose="020B0502040504020204"/>
+              </a:rPr>
+              <a:t>OpenAI</a:t>
+            </a:r>
+            <a:r>
+              <a:rPr lang="en-US" altLang="zh-CN" dirty="0">
+                <a:latin typeface="Noto Sans" panose="020B0502040504020204"/>
+              </a:rPr>
+              <a:t> Gym Class</a:t>
+            </a:r>
+          </a:p>
+          <a:p>
+            <a:pPr marL="285750" indent="-285750">
+              <a:buFontTx/>
+              <a:buChar char="-"/>
+            </a:pPr>
+            <a:r>
+              <a:rPr lang="en-US" altLang="zh-CN" dirty="0">
+                <a:latin typeface="Noto Sans" panose="020B0502040504020204"/>
+              </a:rPr>
+              <a:t>implement the necessary methods, such as </a:t>
+            </a:r>
+            <a:r>
+              <a:rPr lang="en-US" altLang="zh-CN" dirty="0" err="1">
+                <a:latin typeface="Noto Sans" panose="020B0502040504020204"/>
+              </a:rPr>
+              <a:t>init</a:t>
+            </a:r>
+            <a:r>
+              <a:rPr lang="en-US" altLang="zh-CN" dirty="0">
+                <a:latin typeface="Noto Sans" panose="020B0502040504020204"/>
+              </a:rPr>
+              <a:t>(), step(), reset(), etc.</a:t>
+            </a:r>
+          </a:p>
+          <a:p>
+            <a:endParaRPr lang="en-US" altLang="zh-CN" dirty="0">
+              <a:latin typeface="Noto Sans" panose="020B0502040504020204"/>
+            </a:endParaRPr>
           </a:p>
           <a:p>
             <a:endParaRPr lang="en-US" altLang="zh-CN" dirty="0">
@@ -15848,7 +15902,7 @@
                 <a:latin typeface="Noto Sans" panose="020B0502040504020204"/>
                 <a:cs typeface="Nirmala UI Semilight" panose="020B0402040204020203" pitchFamily="34" charset="0"/>
               </a:rPr>
-              <a:t>RL Agent</a:t>
+              <a:t>Environment</a:t>
             </a:r>
             <a:endParaRPr lang="de-DE" sz="2800" dirty="0">
               <a:solidFill>
@@ -15884,6 +15938,498 @@
             <a:fld id="{134A3753-02B0-455D-8D9D-D71845697F25}" type="slidenum">
               <a:rPr lang="de-DE" smtClean="0"/>
               <a:t>15</a:t>
+            </a:fld>
+            <a:endParaRPr lang="de-DE"/>
+          </a:p>
+        </p:txBody>
+      </p:sp>
+      <p:sp>
+        <p:nvSpPr>
+          <p:cNvPr id="18" name="文本框 17">
+            <a:extLst>
+              <a:ext uri="{FF2B5EF4-FFF2-40B4-BE49-F238E27FC236}">
+                <a16:creationId xmlns:a16="http://schemas.microsoft.com/office/drawing/2014/main" id="{C7208BA5-F072-4E31-959C-EDA4B6B8D247}"/>
+              </a:ext>
+            </a:extLst>
+          </p:cNvPr>
+          <p:cNvSpPr txBox="1"/>
+          <p:nvPr/>
+        </p:nvSpPr>
+        <p:spPr>
+          <a:xfrm>
+            <a:off x="852176" y="1470991"/>
+            <a:ext cx="7089189" cy="4801314"/>
+          </a:xfrm>
+          <a:prstGeom prst="rect">
+            <a:avLst/>
+          </a:prstGeom>
+          <a:noFill/>
+        </p:spPr>
+        <p:txBody>
+          <a:bodyPr wrap="square" rtlCol="0">
+            <a:spAutoFit/>
+          </a:bodyPr>
+          <a:lstStyle/>
+          <a:p>
+            <a:r>
+              <a:rPr lang="en-US" altLang="zh-CN" b="1" i="1" dirty="0">
+                <a:latin typeface="Noto Sans" panose="020B0502040504020204"/>
+              </a:rPr>
+              <a:t>Current environment</a:t>
+            </a:r>
+          </a:p>
+          <a:p>
+            <a:pPr marL="285750" indent="-285750">
+              <a:buFontTx/>
+              <a:buChar char="-"/>
+            </a:pPr>
+            <a:r>
+              <a:rPr lang="en-US" altLang="zh-CN" dirty="0">
+                <a:latin typeface="Noto Sans" panose="020B0502040504020204"/>
+              </a:rPr>
+              <a:t>observation function, uses the environment to setup an observation to be fed to RL agent</a:t>
+            </a:r>
+          </a:p>
+          <a:p>
+            <a:pPr marL="285750" indent="-285750">
+              <a:buFontTx/>
+              <a:buChar char="-"/>
+            </a:pPr>
+            <a:r>
+              <a:rPr lang="en-US" altLang="zh-CN" dirty="0">
+                <a:latin typeface="Noto Sans" panose="020B0502040504020204"/>
+              </a:rPr>
+              <a:t>discrete action space, includes 3 speed options (speed up, maintain speed, speed down) and 3 direction options (turn left, go straight, turn right)</a:t>
+            </a:r>
+          </a:p>
+          <a:p>
+            <a:pPr marL="285750" indent="-285750">
+              <a:buFontTx/>
+              <a:buChar char="-"/>
+            </a:pPr>
+            <a:r>
+              <a:rPr lang="en-US" altLang="zh-CN" dirty="0">
+                <a:latin typeface="Noto Sans" panose="020B0502040504020204"/>
+              </a:rPr>
+              <a:t>reward class, includes several reward functions </a:t>
+            </a:r>
+          </a:p>
+          <a:p>
+            <a:pPr marL="285750" indent="-285750">
+              <a:buFontTx/>
+              <a:buChar char="-"/>
+            </a:pPr>
+            <a:r>
+              <a:rPr lang="en-US" altLang="zh-CN" dirty="0">
+                <a:latin typeface="Noto Sans" panose="020B0502040504020204"/>
+              </a:rPr>
+              <a:t>step function, gets the current state from the external controller and sends action back</a:t>
+            </a:r>
+          </a:p>
+          <a:p>
+            <a:pPr marL="285750" indent="-285750">
+              <a:buFontTx/>
+              <a:buChar char="-"/>
+            </a:pPr>
+            <a:endParaRPr lang="en-US" altLang="zh-CN" dirty="0">
+              <a:latin typeface="Noto Sans" panose="020B0502040504020204"/>
+            </a:endParaRPr>
+          </a:p>
+          <a:p>
+            <a:endParaRPr lang="en-US" altLang="zh-CN" dirty="0">
+              <a:latin typeface="Noto Sans" panose="020B0502040504020204"/>
+            </a:endParaRPr>
+          </a:p>
+          <a:p>
+            <a:r>
+              <a:rPr lang="en-US" altLang="zh-CN" b="1" i="1" dirty="0">
+                <a:latin typeface="Noto Sans" panose="020B0502040504020204"/>
+              </a:rPr>
+              <a:t>Goals</a:t>
+            </a:r>
+          </a:p>
+          <a:p>
+            <a:pPr marL="285750" indent="-285750">
+              <a:buFontTx/>
+              <a:buChar char="-"/>
+            </a:pPr>
+            <a:r>
+              <a:rPr lang="en-US" altLang="zh-CN" dirty="0">
+                <a:latin typeface="Noto Sans" panose="020B0502040504020204"/>
+              </a:rPr>
+              <a:t>continuous action space</a:t>
+            </a:r>
+          </a:p>
+          <a:p>
+            <a:pPr marL="285750" indent="-285750">
+              <a:buFontTx/>
+              <a:buChar char="-"/>
+            </a:pPr>
+            <a:r>
+              <a:rPr lang="en-US" altLang="zh-CN" dirty="0">
+                <a:latin typeface="Noto Sans" panose="020B0502040504020204"/>
+              </a:rPr>
+              <a:t>optimize reward functions</a:t>
+            </a:r>
+          </a:p>
+          <a:p>
+            <a:pPr marL="285750" indent="-285750">
+              <a:buFontTx/>
+              <a:buChar char="-"/>
+            </a:pPr>
+            <a:endParaRPr lang="en-US" altLang="zh-CN" dirty="0">
+              <a:latin typeface="Noto Sans" panose="020B0502040504020204"/>
+            </a:endParaRPr>
+          </a:p>
+          <a:p>
+            <a:endParaRPr lang="en-US" altLang="zh-CN" dirty="0">
+              <a:latin typeface="Noto Sans" panose="020B0502040504020204"/>
+            </a:endParaRPr>
+          </a:p>
+          <a:p>
+            <a:endParaRPr lang="en-US" altLang="zh-CN" dirty="0">
+              <a:latin typeface="Noto Sans" panose="020B0502040504020204"/>
+            </a:endParaRPr>
+          </a:p>
+        </p:txBody>
+      </p:sp>
+      <p:grpSp>
+        <p:nvGrpSpPr>
+          <p:cNvPr id="23" name="Gruppieren 9">
+            <a:extLst>
+              <a:ext uri="{FF2B5EF4-FFF2-40B4-BE49-F238E27FC236}">
+                <a16:creationId xmlns:a16="http://schemas.microsoft.com/office/drawing/2014/main" id="{7214098B-7BB0-4699-BBB9-0747E5226DB2}"/>
+              </a:ext>
+            </a:extLst>
+          </p:cNvPr>
+          <p:cNvGrpSpPr>
+            <a:grpSpLocks noChangeAspect="1"/>
+          </p:cNvGrpSpPr>
+          <p:nvPr/>
+        </p:nvGrpSpPr>
+        <p:grpSpPr>
+          <a:xfrm>
+            <a:off x="11178553" y="2431373"/>
+            <a:ext cx="528293" cy="2645076"/>
+            <a:chOff x="9900193" y="1530836"/>
+            <a:chExt cx="920569" cy="4609143"/>
+          </a:xfrm>
+        </p:grpSpPr>
+        <p:pic>
+          <p:nvPicPr>
+            <p:cNvPr id="24" name="Grafik 10" descr="Klemmbrett abgehakt">
+              <a:extLst>
+                <a:ext uri="{FF2B5EF4-FFF2-40B4-BE49-F238E27FC236}">
+                  <a16:creationId xmlns:a16="http://schemas.microsoft.com/office/drawing/2014/main" id="{C7713B9F-B28D-4E8B-8E64-BE34DCE3D64D}"/>
+                </a:ext>
+              </a:extLst>
+            </p:cNvPr>
+            <p:cNvPicPr>
+              <a:picLocks noChangeAspect="1"/>
+            </p:cNvPicPr>
+            <p:nvPr/>
+          </p:nvPicPr>
+          <p:blipFill>
+            <a:blip r:embed="rId2">
+              <a:extLst>
+                <a:ext uri="{28A0092B-C50C-407E-A947-70E740481C1C}">
+                  <a14:useLocalDpi xmlns:a14="http://schemas.microsoft.com/office/drawing/2010/main" val="0"/>
+                </a:ext>
+                <a:ext uri="{96DAC541-7B7A-43D3-8B79-37D633B846F1}">
+                  <asvg:svgBlip xmlns:asvg="http://schemas.microsoft.com/office/drawing/2016/SVG/main" r:embed="rId3"/>
+                </a:ext>
+              </a:extLst>
+            </a:blip>
+            <a:stretch>
+              <a:fillRect/>
+            </a:stretch>
+          </p:blipFill>
+          <p:spPr>
+            <a:xfrm>
+              <a:off x="9900193" y="5225579"/>
+              <a:ext cx="914400" cy="914400"/>
+            </a:xfrm>
+            <a:prstGeom prst="rect">
+              <a:avLst/>
+            </a:prstGeom>
+          </p:spPr>
+        </p:pic>
+        <p:pic>
+          <p:nvPicPr>
+            <p:cNvPr id="25" name="Grafik 11" descr="Häkchen">
+              <a:extLst>
+                <a:ext uri="{FF2B5EF4-FFF2-40B4-BE49-F238E27FC236}">
+                  <a16:creationId xmlns:a16="http://schemas.microsoft.com/office/drawing/2014/main" id="{29E8E809-2019-46B4-8E4A-E78B22674668}"/>
+                </a:ext>
+              </a:extLst>
+            </p:cNvPr>
+            <p:cNvPicPr>
+              <a:picLocks noChangeAspect="1"/>
+            </p:cNvPicPr>
+            <p:nvPr/>
+          </p:nvPicPr>
+          <p:blipFill>
+            <a:blip r:embed="rId4">
+              <a:extLst>
+                <a:ext uri="{28A0092B-C50C-407E-A947-70E740481C1C}">
+                  <a14:useLocalDpi xmlns:a14="http://schemas.microsoft.com/office/drawing/2010/main" val="0"/>
+                </a:ext>
+                <a:ext uri="{96DAC541-7B7A-43D3-8B79-37D633B846F1}">
+                  <asvg:svgBlip xmlns:asvg="http://schemas.microsoft.com/office/drawing/2016/SVG/main" r:embed="rId5"/>
+                </a:ext>
+              </a:extLst>
+            </a:blip>
+            <a:stretch>
+              <a:fillRect/>
+            </a:stretch>
+          </p:blipFill>
+          <p:spPr>
+            <a:xfrm>
+              <a:off x="9906362" y="1530836"/>
+              <a:ext cx="914400" cy="914400"/>
+            </a:xfrm>
+            <a:prstGeom prst="rect">
+              <a:avLst/>
+            </a:prstGeom>
+          </p:spPr>
+        </p:pic>
+        <p:pic>
+          <p:nvPicPr>
+            <p:cNvPr id="26" name="Grafik 12" descr="Gehirn">
+              <a:extLst>
+                <a:ext uri="{FF2B5EF4-FFF2-40B4-BE49-F238E27FC236}">
+                  <a16:creationId xmlns:a16="http://schemas.microsoft.com/office/drawing/2014/main" id="{C85B0726-B1DF-422E-9FD4-13E300693BD4}"/>
+                </a:ext>
+              </a:extLst>
+            </p:cNvPr>
+            <p:cNvPicPr>
+              <a:picLocks noChangeAspect="1"/>
+            </p:cNvPicPr>
+            <p:nvPr/>
+          </p:nvPicPr>
+          <p:blipFill>
+            <a:blip r:embed="rId6">
+              <a:extLst>
+                <a:ext uri="{28A0092B-C50C-407E-A947-70E740481C1C}">
+                  <a14:useLocalDpi xmlns:a14="http://schemas.microsoft.com/office/drawing/2010/main" val="0"/>
+                </a:ext>
+                <a:ext uri="{96DAC541-7B7A-43D3-8B79-37D633B846F1}">
+                  <asvg:svgBlip xmlns:asvg="http://schemas.microsoft.com/office/drawing/2016/SVG/main" r:embed="rId7"/>
+                </a:ext>
+              </a:extLst>
+            </a:blip>
+            <a:stretch>
+              <a:fillRect/>
+            </a:stretch>
+          </p:blipFill>
+          <p:spPr>
+            <a:xfrm>
+              <a:off x="9900193" y="3375461"/>
+              <a:ext cx="914400" cy="914400"/>
+            </a:xfrm>
+            <a:prstGeom prst="rect">
+              <a:avLst/>
+            </a:prstGeom>
+          </p:spPr>
+        </p:pic>
+        <p:pic>
+          <p:nvPicPr>
+            <p:cNvPr id="27" name="Grafik 13" descr="Einhorn">
+              <a:extLst>
+                <a:ext uri="{FF2B5EF4-FFF2-40B4-BE49-F238E27FC236}">
+                  <a16:creationId xmlns:a16="http://schemas.microsoft.com/office/drawing/2014/main" id="{71FFD94C-9A42-42BB-98E5-52EF9E66A50D}"/>
+                </a:ext>
+              </a:extLst>
+            </p:cNvPr>
+            <p:cNvPicPr>
+              <a:picLocks noChangeAspect="1"/>
+            </p:cNvPicPr>
+            <p:nvPr/>
+          </p:nvPicPr>
+          <p:blipFill>
+            <a:blip r:embed="rId8">
+              <a:extLst>
+                <a:ext uri="{28A0092B-C50C-407E-A947-70E740481C1C}">
+                  <a14:useLocalDpi xmlns:a14="http://schemas.microsoft.com/office/drawing/2010/main" val="0"/>
+                </a:ext>
+                <a:ext uri="{96DAC541-7B7A-43D3-8B79-37D633B846F1}">
+                  <asvg:svgBlip xmlns:asvg="http://schemas.microsoft.com/office/drawing/2016/SVG/main" r:embed="rId9"/>
+                </a:ext>
+              </a:extLst>
+            </a:blip>
+            <a:stretch>
+              <a:fillRect/>
+            </a:stretch>
+          </p:blipFill>
+          <p:spPr>
+            <a:xfrm>
+              <a:off x="9900193" y="4298238"/>
+              <a:ext cx="914400" cy="914400"/>
+            </a:xfrm>
+            <a:prstGeom prst="rect">
+              <a:avLst/>
+            </a:prstGeom>
+          </p:spPr>
+        </p:pic>
+        <p:pic>
+          <p:nvPicPr>
+            <p:cNvPr id="28" name="Grafik 14" descr="Hierarchie">
+              <a:extLst>
+                <a:ext uri="{FF2B5EF4-FFF2-40B4-BE49-F238E27FC236}">
+                  <a16:creationId xmlns:a16="http://schemas.microsoft.com/office/drawing/2014/main" id="{AF791CCA-26D3-4265-B5DE-FFD9FFBEE78F}"/>
+                </a:ext>
+              </a:extLst>
+            </p:cNvPr>
+            <p:cNvPicPr>
+              <a:picLocks noChangeAspect="1"/>
+            </p:cNvPicPr>
+            <p:nvPr/>
+          </p:nvPicPr>
+          <p:blipFill>
+            <a:blip r:embed="rId10">
+              <a:extLst>
+                <a:ext uri="{28A0092B-C50C-407E-A947-70E740481C1C}">
+                  <a14:useLocalDpi xmlns:a14="http://schemas.microsoft.com/office/drawing/2010/main" val="0"/>
+                </a:ext>
+                <a:ext uri="{96DAC541-7B7A-43D3-8B79-37D633B846F1}">
+                  <asvg:svgBlip xmlns:asvg="http://schemas.microsoft.com/office/drawing/2016/SVG/main" r:embed="rId11"/>
+                </a:ext>
+              </a:extLst>
+            </a:blip>
+            <a:stretch>
+              <a:fillRect/>
+            </a:stretch>
+          </p:blipFill>
+          <p:spPr>
+            <a:xfrm>
+              <a:off x="9900193" y="2464538"/>
+              <a:ext cx="914400" cy="914400"/>
+            </a:xfrm>
+            <a:prstGeom prst="rect">
+              <a:avLst/>
+            </a:prstGeom>
+          </p:spPr>
+        </p:pic>
+      </p:grpSp>
+    </p:spTree>
+    <p:extLst>
+      <p:ext uri="{BB962C8B-B14F-4D97-AF65-F5344CB8AC3E}">
+        <p14:creationId xmlns:p14="http://schemas.microsoft.com/office/powerpoint/2010/main" val="3828108210"/>
+      </p:ext>
+    </p:extLst>
+  </p:cSld>
+  <p:clrMapOvr>
+    <a:masterClrMapping/>
+  </p:clrMapOvr>
+</p:sld>
+</file>
+
+<file path=ppt/slides/slide16.xml><?xml version="1.0" encoding="utf-8"?>
+<p:sld xmlns:a="http://schemas.openxmlformats.org/drawingml/2006/main" xmlns:r="http://schemas.openxmlformats.org/officeDocument/2006/relationships" xmlns:p="http://schemas.openxmlformats.org/presentationml/2006/main">
+  <p:cSld>
+    <p:spTree>
+      <p:nvGrpSpPr>
+        <p:cNvPr id="1" name=""/>
+        <p:cNvGrpSpPr/>
+        <p:nvPr/>
+      </p:nvGrpSpPr>
+      <p:grpSpPr>
+        <a:xfrm>
+          <a:off x="0" y="0"/>
+          <a:ext cx="0" cy="0"/>
+          <a:chOff x="0" y="0"/>
+          <a:chExt cx="0" cy="0"/>
+        </a:xfrm>
+      </p:grpSpPr>
+      <p:sp>
+        <p:nvSpPr>
+          <p:cNvPr id="4" name="Rechteck 3">
+            <a:extLst>
+              <a:ext uri="{FF2B5EF4-FFF2-40B4-BE49-F238E27FC236}">
+                <a16:creationId xmlns:a16="http://schemas.microsoft.com/office/drawing/2014/main" id="{45600459-0D9D-4085-A38F-148B2CF7DEF5}"/>
+              </a:ext>
+            </a:extLst>
+          </p:cNvPr>
+          <p:cNvSpPr/>
+          <p:nvPr/>
+        </p:nvSpPr>
+        <p:spPr>
+          <a:xfrm>
+            <a:off x="852176" y="583064"/>
+            <a:ext cx="10590524" cy="540689"/>
+          </a:xfrm>
+          <a:prstGeom prst="rect">
+            <a:avLst/>
+          </a:prstGeom>
+          <a:noFill/>
+          <a:ln>
+            <a:noFill/>
+          </a:ln>
+        </p:spPr>
+        <p:style>
+          <a:lnRef idx="2">
+            <a:schemeClr val="accent1">
+              <a:shade val="50000"/>
+            </a:schemeClr>
+          </a:lnRef>
+          <a:fillRef idx="1">
+            <a:schemeClr val="accent1"/>
+          </a:fillRef>
+          <a:effectRef idx="0">
+            <a:schemeClr val="accent1"/>
+          </a:effectRef>
+          <a:fontRef idx="minor">
+            <a:schemeClr val="lt1"/>
+          </a:fontRef>
+        </p:style>
+        <p:txBody>
+          <a:bodyPr rtlCol="0" anchor="ctr"/>
+          <a:lstStyle/>
+          <a:p>
+            <a:r>
+              <a:rPr lang="en-US" sz="2800" dirty="0">
+                <a:solidFill>
+                  <a:schemeClr val="tx1"/>
+                </a:solidFill>
+                <a:latin typeface="Noto Sans" panose="020B0502040504020204"/>
+                <a:cs typeface="Nirmala UI Semilight" panose="020B0402040204020203" pitchFamily="34" charset="0"/>
+              </a:rPr>
+              <a:t>RL Agent</a:t>
+            </a:r>
+            <a:endParaRPr lang="de-DE" sz="2800" dirty="0">
+              <a:solidFill>
+                <a:schemeClr val="tx1"/>
+              </a:solidFill>
+              <a:latin typeface="Noto Sans" panose="020B0502040504020204"/>
+              <a:cs typeface="Nirmala UI Semilight" panose="020B0402040204020203" pitchFamily="34" charset="0"/>
+            </a:endParaRPr>
+          </a:p>
+        </p:txBody>
+      </p:sp>
+      <p:sp>
+        <p:nvSpPr>
+          <p:cNvPr id="32" name="Foliennummernplatzhalter 31">
+            <a:extLst>
+              <a:ext uri="{FF2B5EF4-FFF2-40B4-BE49-F238E27FC236}">
+                <a16:creationId xmlns:a16="http://schemas.microsoft.com/office/drawing/2014/main" id="{C41D527C-B21D-4D92-8063-27F2C398946C}"/>
+              </a:ext>
+            </a:extLst>
+          </p:cNvPr>
+          <p:cNvSpPr>
+            <a:spLocks noGrp="1"/>
+          </p:cNvSpPr>
+          <p:nvPr>
+            <p:ph type="sldNum" sz="quarter" idx="12"/>
+          </p:nvPr>
+        </p:nvSpPr>
+        <p:spPr/>
+        <p:txBody>
+          <a:bodyPr/>
+          <a:lstStyle/>
+          <a:p>
+            <a:fld id="{134A3753-02B0-455D-8D9D-D71845697F25}" type="slidenum">
+              <a:rPr lang="de-DE" smtClean="0"/>
+              <a:t>16</a:t>
             </a:fld>
             <a:endParaRPr lang="de-DE"/>
           </a:p>
@@ -16356,531 +16902,6 @@
 </p:sld>
 </file>
 
-<file path=ppt/slides/slide16.xml><?xml version="1.0" encoding="utf-8"?>
-<p:sld xmlns:a="http://schemas.openxmlformats.org/drawingml/2006/main" xmlns:r="http://schemas.openxmlformats.org/officeDocument/2006/relationships" xmlns:p="http://schemas.openxmlformats.org/presentationml/2006/main">
-  <p:cSld>
-    <p:spTree>
-      <p:nvGrpSpPr>
-        <p:cNvPr id="1" name=""/>
-        <p:cNvGrpSpPr/>
-        <p:nvPr/>
-      </p:nvGrpSpPr>
-      <p:grpSpPr>
-        <a:xfrm>
-          <a:off x="0" y="0"/>
-          <a:ext cx="0" cy="0"/>
-          <a:chOff x="0" y="0"/>
-          <a:chExt cx="0" cy="0"/>
-        </a:xfrm>
-      </p:grpSpPr>
-      <p:sp>
-        <p:nvSpPr>
-          <p:cNvPr id="4" name="Rechteck 3">
-            <a:extLst>
-              <a:ext uri="{FF2B5EF4-FFF2-40B4-BE49-F238E27FC236}">
-                <a16:creationId xmlns:a16="http://schemas.microsoft.com/office/drawing/2014/main" id="{45600459-0D9D-4085-A38F-148B2CF7DEF5}"/>
-              </a:ext>
-            </a:extLst>
-          </p:cNvPr>
-          <p:cNvSpPr/>
-          <p:nvPr/>
-        </p:nvSpPr>
-        <p:spPr>
-          <a:xfrm>
-            <a:off x="852176" y="583064"/>
-            <a:ext cx="10590524" cy="540689"/>
-          </a:xfrm>
-          <a:prstGeom prst="rect">
-            <a:avLst/>
-          </a:prstGeom>
-          <a:noFill/>
-          <a:ln>
-            <a:noFill/>
-          </a:ln>
-        </p:spPr>
-        <p:style>
-          <a:lnRef idx="2">
-            <a:schemeClr val="accent1">
-              <a:shade val="50000"/>
-            </a:schemeClr>
-          </a:lnRef>
-          <a:fillRef idx="1">
-            <a:schemeClr val="accent1"/>
-          </a:fillRef>
-          <a:effectRef idx="0">
-            <a:schemeClr val="accent1"/>
-          </a:effectRef>
-          <a:fontRef idx="minor">
-            <a:schemeClr val="lt1"/>
-          </a:fontRef>
-        </p:style>
-        <p:txBody>
-          <a:bodyPr rtlCol="0" anchor="ctr"/>
-          <a:lstStyle/>
-          <a:p>
-            <a:r>
-              <a:rPr lang="en-US" altLang="zh-CN" sz="2800" dirty="0">
-                <a:solidFill>
-                  <a:schemeClr val="tx1"/>
-                </a:solidFill>
-                <a:latin typeface="Noto Sans" panose="020B0502040504020204"/>
-                <a:cs typeface="Nirmala UI Semilight" panose="020B0402040204020203" pitchFamily="34" charset="0"/>
-              </a:rPr>
-              <a:t>Fake Environment</a:t>
-            </a:r>
-            <a:endParaRPr lang="de-DE" sz="2800" dirty="0">
-              <a:solidFill>
-                <a:schemeClr val="tx1"/>
-              </a:solidFill>
-              <a:latin typeface="Noto Sans" panose="020B0502040504020204"/>
-              <a:cs typeface="Nirmala UI Semilight" panose="020B0402040204020203" pitchFamily="34" charset="0"/>
-            </a:endParaRPr>
-          </a:p>
-        </p:txBody>
-      </p:sp>
-      <p:sp>
-        <p:nvSpPr>
-          <p:cNvPr id="32" name="Foliennummernplatzhalter 31">
-            <a:extLst>
-              <a:ext uri="{FF2B5EF4-FFF2-40B4-BE49-F238E27FC236}">
-                <a16:creationId xmlns:a16="http://schemas.microsoft.com/office/drawing/2014/main" id="{C41D527C-B21D-4D92-8063-27F2C398946C}"/>
-              </a:ext>
-            </a:extLst>
-          </p:cNvPr>
-          <p:cNvSpPr>
-            <a:spLocks noGrp="1"/>
-          </p:cNvSpPr>
-          <p:nvPr>
-            <p:ph type="sldNum" sz="quarter" idx="12"/>
-          </p:nvPr>
-        </p:nvSpPr>
-        <p:spPr/>
-        <p:txBody>
-          <a:bodyPr/>
-          <a:lstStyle/>
-          <a:p>
-            <a:fld id="{134A3753-02B0-455D-8D9D-D71845697F25}" type="slidenum">
-              <a:rPr lang="de-DE" smtClean="0"/>
-              <a:t>16</a:t>
-            </a:fld>
-            <a:endParaRPr lang="de-DE"/>
-          </a:p>
-        </p:txBody>
-      </p:sp>
-      <p:sp>
-        <p:nvSpPr>
-          <p:cNvPr id="17" name="文本框 16">
-            <a:extLst>
-              <a:ext uri="{FF2B5EF4-FFF2-40B4-BE49-F238E27FC236}">
-                <a16:creationId xmlns:a16="http://schemas.microsoft.com/office/drawing/2014/main" id="{2A8F2878-3377-4055-A68E-A2E9443EB18D}"/>
-              </a:ext>
-            </a:extLst>
-          </p:cNvPr>
-          <p:cNvSpPr txBox="1"/>
-          <p:nvPr/>
-        </p:nvSpPr>
-        <p:spPr>
-          <a:xfrm>
-            <a:off x="852176" y="1470991"/>
-            <a:ext cx="7089189" cy="3693319"/>
-          </a:xfrm>
-          <a:prstGeom prst="rect">
-            <a:avLst/>
-          </a:prstGeom>
-          <a:noFill/>
-        </p:spPr>
-        <p:txBody>
-          <a:bodyPr wrap="square" rtlCol="0">
-            <a:spAutoFit/>
-          </a:bodyPr>
-          <a:lstStyle/>
-          <a:p>
-            <a:r>
-              <a:rPr lang="en-US" altLang="zh-CN" b="1" i="1" dirty="0">
-                <a:latin typeface="Noto Sans" panose="020B0502040504020204"/>
-              </a:rPr>
-              <a:t>State space</a:t>
-            </a:r>
-          </a:p>
-          <a:p>
-            <a:pPr marL="285750" indent="-285750">
-              <a:buFontTx/>
-              <a:buChar char="-"/>
-            </a:pPr>
-            <a:r>
-              <a:rPr lang="en-US" altLang="zh-CN" dirty="0">
-                <a:latin typeface="Noto Sans" panose="020B0502040504020204"/>
-              </a:rPr>
-              <a:t>Current GPS location</a:t>
-            </a:r>
-          </a:p>
-          <a:p>
-            <a:pPr marL="285750" indent="-285750">
-              <a:buFontTx/>
-              <a:buChar char="-"/>
-            </a:pPr>
-            <a:r>
-              <a:rPr lang="en-US" altLang="zh-CN" dirty="0">
-                <a:latin typeface="Noto Sans" panose="020B0502040504020204"/>
-              </a:rPr>
-              <a:t>Target GPS location</a:t>
-            </a:r>
-          </a:p>
-          <a:p>
-            <a:pPr marL="285750" indent="-285750">
-              <a:buFontTx/>
-              <a:buChar char="-"/>
-            </a:pPr>
-            <a:r>
-              <a:rPr lang="en-US" altLang="zh-CN" dirty="0">
-                <a:latin typeface="Noto Sans" panose="020B0502040504020204"/>
-              </a:rPr>
-              <a:t>Distance sensors</a:t>
-            </a:r>
-          </a:p>
-          <a:p>
-            <a:pPr marL="285750" indent="-285750">
-              <a:buFontTx/>
-              <a:buChar char="-"/>
-            </a:pPr>
-            <a:r>
-              <a:rPr lang="en-US" altLang="zh-CN" dirty="0">
-                <a:latin typeface="Noto Sans" panose="020B0502040504020204"/>
-              </a:rPr>
-              <a:t>Touching obstacle</a:t>
-            </a:r>
-          </a:p>
-          <a:p>
-            <a:pPr marL="285750" indent="-285750">
-              <a:buFontTx/>
-              <a:buChar char="-"/>
-            </a:pPr>
-            <a:endParaRPr lang="en-US" altLang="zh-CN" dirty="0">
-              <a:latin typeface="Noto Sans" panose="020B0502040504020204"/>
-            </a:endParaRPr>
-          </a:p>
-          <a:p>
-            <a:r>
-              <a:rPr lang="en-US" altLang="zh-CN" b="1" i="1" dirty="0">
-                <a:latin typeface="Noto Sans" panose="020B0502040504020204"/>
-              </a:rPr>
-              <a:t>Action space</a:t>
-            </a:r>
-          </a:p>
-          <a:p>
-            <a:pPr marL="285750" indent="-285750">
-              <a:buFontTx/>
-              <a:buChar char="-"/>
-            </a:pPr>
-            <a:r>
-              <a:rPr lang="en-US" altLang="zh-CN" dirty="0">
-                <a:latin typeface="Noto Sans" panose="020B0502040504020204"/>
-              </a:rPr>
-              <a:t>4 directions(N, E, S, W)</a:t>
-            </a:r>
-          </a:p>
-          <a:p>
-            <a:pPr marL="285750" indent="-285750">
-              <a:buFontTx/>
-              <a:buChar char="-"/>
-            </a:pPr>
-            <a:r>
-              <a:rPr lang="en-US" altLang="zh-CN" dirty="0">
-                <a:latin typeface="Noto Sans" panose="020B0502040504020204"/>
-              </a:rPr>
-              <a:t>Fixed step size</a:t>
-            </a:r>
-          </a:p>
-          <a:p>
-            <a:pPr marL="285750" indent="-285750">
-              <a:buFontTx/>
-              <a:buChar char="-"/>
-            </a:pPr>
-            <a:endParaRPr lang="en-US" altLang="zh-CN" dirty="0">
-              <a:latin typeface="Noto Sans" panose="020B0502040504020204"/>
-            </a:endParaRPr>
-          </a:p>
-          <a:p>
-            <a:r>
-              <a:rPr lang="en-US" altLang="zh-CN" b="1" i="1" dirty="0">
-                <a:latin typeface="Noto Sans" panose="020B0502040504020204"/>
-              </a:rPr>
-              <a:t>Reward function</a:t>
-            </a:r>
-          </a:p>
-          <a:p>
-            <a:endParaRPr lang="en-US" altLang="zh-CN" dirty="0">
-              <a:latin typeface="Noto Sans" panose="020B0502040504020204"/>
-            </a:endParaRPr>
-          </a:p>
-          <a:p>
-            <a:endParaRPr lang="en-US" altLang="zh-CN" dirty="0">
-              <a:latin typeface="Noto Sans" panose="020B0502040504020204"/>
-            </a:endParaRPr>
-          </a:p>
-        </p:txBody>
-      </p:sp>
-      <p:pic>
-        <p:nvPicPr>
-          <p:cNvPr id="2" name="图片 1">
-            <a:extLst>
-              <a:ext uri="{FF2B5EF4-FFF2-40B4-BE49-F238E27FC236}">
-                <a16:creationId xmlns:a16="http://schemas.microsoft.com/office/drawing/2014/main" id="{1843A744-B46C-4266-8BB3-978020526B8E}"/>
-              </a:ext>
-            </a:extLst>
-          </p:cNvPr>
-          <p:cNvPicPr>
-            <a:picLocks noChangeAspect="1"/>
-          </p:cNvPicPr>
-          <p:nvPr/>
-        </p:nvPicPr>
-        <p:blipFill>
-          <a:blip r:embed="rId2"/>
-          <a:stretch>
-            <a:fillRect/>
-          </a:stretch>
-        </p:blipFill>
-        <p:spPr>
-          <a:xfrm>
-            <a:off x="5371315" y="1693690"/>
-            <a:ext cx="4186874" cy="2671120"/>
-          </a:xfrm>
-          <a:prstGeom prst="rect">
-            <a:avLst/>
-          </a:prstGeom>
-        </p:spPr>
-      </p:pic>
-      <p:grpSp>
-        <p:nvGrpSpPr>
-          <p:cNvPr id="23" name="Gruppieren 9">
-            <a:extLst>
-              <a:ext uri="{FF2B5EF4-FFF2-40B4-BE49-F238E27FC236}">
-                <a16:creationId xmlns:a16="http://schemas.microsoft.com/office/drawing/2014/main" id="{F06EA299-5A5C-423E-99D4-895E54047BB7}"/>
-              </a:ext>
-            </a:extLst>
-          </p:cNvPr>
-          <p:cNvGrpSpPr>
-            <a:grpSpLocks noChangeAspect="1"/>
-          </p:cNvGrpSpPr>
-          <p:nvPr/>
-        </p:nvGrpSpPr>
-        <p:grpSpPr>
-          <a:xfrm>
-            <a:off x="11178553" y="2431373"/>
-            <a:ext cx="528293" cy="2645076"/>
-            <a:chOff x="9900193" y="1530836"/>
-            <a:chExt cx="920569" cy="4609143"/>
-          </a:xfrm>
-        </p:grpSpPr>
-        <p:pic>
-          <p:nvPicPr>
-            <p:cNvPr id="24" name="Grafik 10" descr="Klemmbrett abgehakt">
-              <a:extLst>
-                <a:ext uri="{FF2B5EF4-FFF2-40B4-BE49-F238E27FC236}">
-                  <a16:creationId xmlns:a16="http://schemas.microsoft.com/office/drawing/2014/main" id="{70EF96F5-B270-4A90-886A-9530041A9FE4}"/>
-                </a:ext>
-              </a:extLst>
-            </p:cNvPr>
-            <p:cNvPicPr>
-              <a:picLocks noChangeAspect="1"/>
-            </p:cNvPicPr>
-            <p:nvPr/>
-          </p:nvPicPr>
-          <p:blipFill>
-            <a:blip r:embed="rId3">
-              <a:extLst>
-                <a:ext uri="{28A0092B-C50C-407E-A947-70E740481C1C}">
-                  <a14:useLocalDpi xmlns:a14="http://schemas.microsoft.com/office/drawing/2010/main" val="0"/>
-                </a:ext>
-                <a:ext uri="{96DAC541-7B7A-43D3-8B79-37D633B846F1}">
-                  <asvg:svgBlip xmlns:asvg="http://schemas.microsoft.com/office/drawing/2016/SVG/main" r:embed="rId4"/>
-                </a:ext>
-              </a:extLst>
-            </a:blip>
-            <a:stretch>
-              <a:fillRect/>
-            </a:stretch>
-          </p:blipFill>
-          <p:spPr>
-            <a:xfrm>
-              <a:off x="9900193" y="5225579"/>
-              <a:ext cx="914400" cy="914400"/>
-            </a:xfrm>
-            <a:prstGeom prst="rect">
-              <a:avLst/>
-            </a:prstGeom>
-          </p:spPr>
-        </p:pic>
-        <p:pic>
-          <p:nvPicPr>
-            <p:cNvPr id="25" name="Grafik 11" descr="Häkchen">
-              <a:extLst>
-                <a:ext uri="{FF2B5EF4-FFF2-40B4-BE49-F238E27FC236}">
-                  <a16:creationId xmlns:a16="http://schemas.microsoft.com/office/drawing/2014/main" id="{3B571315-4843-4DDE-836D-A69452D51FDF}"/>
-                </a:ext>
-              </a:extLst>
-            </p:cNvPr>
-            <p:cNvPicPr>
-              <a:picLocks noChangeAspect="1"/>
-            </p:cNvPicPr>
-            <p:nvPr/>
-          </p:nvPicPr>
-          <p:blipFill>
-            <a:blip r:embed="rId5">
-              <a:extLst>
-                <a:ext uri="{28A0092B-C50C-407E-A947-70E740481C1C}">
-                  <a14:useLocalDpi xmlns:a14="http://schemas.microsoft.com/office/drawing/2010/main" val="0"/>
-                </a:ext>
-                <a:ext uri="{96DAC541-7B7A-43D3-8B79-37D633B846F1}">
-                  <asvg:svgBlip xmlns:asvg="http://schemas.microsoft.com/office/drawing/2016/SVG/main" r:embed="rId6"/>
-                </a:ext>
-              </a:extLst>
-            </a:blip>
-            <a:stretch>
-              <a:fillRect/>
-            </a:stretch>
-          </p:blipFill>
-          <p:spPr>
-            <a:xfrm>
-              <a:off x="9906362" y="1530836"/>
-              <a:ext cx="914400" cy="914400"/>
-            </a:xfrm>
-            <a:prstGeom prst="rect">
-              <a:avLst/>
-            </a:prstGeom>
-          </p:spPr>
-        </p:pic>
-        <p:pic>
-          <p:nvPicPr>
-            <p:cNvPr id="26" name="Grafik 12" descr="Gehirn">
-              <a:extLst>
-                <a:ext uri="{FF2B5EF4-FFF2-40B4-BE49-F238E27FC236}">
-                  <a16:creationId xmlns:a16="http://schemas.microsoft.com/office/drawing/2014/main" id="{0082EDCC-0B24-43B7-B680-0EC2A753EA7B}"/>
-                </a:ext>
-              </a:extLst>
-            </p:cNvPr>
-            <p:cNvPicPr>
-              <a:picLocks noChangeAspect="1"/>
-            </p:cNvPicPr>
-            <p:nvPr/>
-          </p:nvPicPr>
-          <p:blipFill>
-            <a:blip r:embed="rId7">
-              <a:extLst>
-                <a:ext uri="{28A0092B-C50C-407E-A947-70E740481C1C}">
-                  <a14:useLocalDpi xmlns:a14="http://schemas.microsoft.com/office/drawing/2010/main" val="0"/>
-                </a:ext>
-                <a:ext uri="{96DAC541-7B7A-43D3-8B79-37D633B846F1}">
-                  <asvg:svgBlip xmlns:asvg="http://schemas.microsoft.com/office/drawing/2016/SVG/main" r:embed="rId8"/>
-                </a:ext>
-              </a:extLst>
-            </a:blip>
-            <a:stretch>
-              <a:fillRect/>
-            </a:stretch>
-          </p:blipFill>
-          <p:spPr>
-            <a:xfrm>
-              <a:off x="9900193" y="3375461"/>
-              <a:ext cx="914400" cy="914400"/>
-            </a:xfrm>
-            <a:prstGeom prst="rect">
-              <a:avLst/>
-            </a:prstGeom>
-          </p:spPr>
-        </p:pic>
-        <p:pic>
-          <p:nvPicPr>
-            <p:cNvPr id="27" name="Grafik 13" descr="Einhorn">
-              <a:extLst>
-                <a:ext uri="{FF2B5EF4-FFF2-40B4-BE49-F238E27FC236}">
-                  <a16:creationId xmlns:a16="http://schemas.microsoft.com/office/drawing/2014/main" id="{E184F329-CDE2-4285-882E-AA3D55B498AF}"/>
-                </a:ext>
-              </a:extLst>
-            </p:cNvPr>
-            <p:cNvPicPr>
-              <a:picLocks noChangeAspect="1"/>
-            </p:cNvPicPr>
-            <p:nvPr/>
-          </p:nvPicPr>
-          <p:blipFill>
-            <a:blip r:embed="rId9">
-              <a:extLst>
-                <a:ext uri="{28A0092B-C50C-407E-A947-70E740481C1C}">
-                  <a14:useLocalDpi xmlns:a14="http://schemas.microsoft.com/office/drawing/2010/main" val="0"/>
-                </a:ext>
-                <a:ext uri="{96DAC541-7B7A-43D3-8B79-37D633B846F1}">
-                  <asvg:svgBlip xmlns:asvg="http://schemas.microsoft.com/office/drawing/2016/SVG/main" r:embed="rId10"/>
-                </a:ext>
-              </a:extLst>
-            </a:blip>
-            <a:stretch>
-              <a:fillRect/>
-            </a:stretch>
-          </p:blipFill>
-          <p:spPr>
-            <a:xfrm>
-              <a:off x="9900193" y="4298238"/>
-              <a:ext cx="914400" cy="914400"/>
-            </a:xfrm>
-            <a:prstGeom prst="rect">
-              <a:avLst/>
-            </a:prstGeom>
-          </p:spPr>
-        </p:pic>
-        <p:pic>
-          <p:nvPicPr>
-            <p:cNvPr id="28" name="Grafik 14" descr="Hierarchie">
-              <a:extLst>
-                <a:ext uri="{FF2B5EF4-FFF2-40B4-BE49-F238E27FC236}">
-                  <a16:creationId xmlns:a16="http://schemas.microsoft.com/office/drawing/2014/main" id="{86AF3BF5-518C-4417-B25B-5FD220B16A36}"/>
-                </a:ext>
-              </a:extLst>
-            </p:cNvPr>
-            <p:cNvPicPr>
-              <a:picLocks noChangeAspect="1"/>
-            </p:cNvPicPr>
-            <p:nvPr/>
-          </p:nvPicPr>
-          <p:blipFill>
-            <a:blip r:embed="rId11">
-              <a:extLst>
-                <a:ext uri="{28A0092B-C50C-407E-A947-70E740481C1C}">
-                  <a14:useLocalDpi xmlns:a14="http://schemas.microsoft.com/office/drawing/2010/main" val="0"/>
-                </a:ext>
-                <a:ext uri="{96DAC541-7B7A-43D3-8B79-37D633B846F1}">
-                  <asvg:svgBlip xmlns:asvg="http://schemas.microsoft.com/office/drawing/2016/SVG/main" r:embed="rId12"/>
-                </a:ext>
-              </a:extLst>
-            </a:blip>
-            <a:stretch>
-              <a:fillRect/>
-            </a:stretch>
-          </p:blipFill>
-          <p:spPr>
-            <a:xfrm>
-              <a:off x="9900193" y="2464538"/>
-              <a:ext cx="914400" cy="914400"/>
-            </a:xfrm>
-            <a:prstGeom prst="rect">
-              <a:avLst/>
-            </a:prstGeom>
-          </p:spPr>
-        </p:pic>
-      </p:grpSp>
-    </p:spTree>
-    <p:extLst>
-      <p:ext uri="{BB962C8B-B14F-4D97-AF65-F5344CB8AC3E}">
-        <p14:creationId xmlns:p14="http://schemas.microsoft.com/office/powerpoint/2010/main" val="1002142718"/>
-      </p:ext>
-    </p:extLst>
-  </p:cSld>
-  <p:clrMapOvr>
-    <a:masterClrMapping/>
-  </p:clrMapOvr>
-</p:sld>
-</file>
-
 <file path=ppt/slides/slide17.xml><?xml version="1.0" encoding="utf-8"?>
 <p:sld xmlns:a="http://schemas.openxmlformats.org/drawingml/2006/main" xmlns:r="http://schemas.openxmlformats.org/officeDocument/2006/relationships" xmlns:p="http://schemas.openxmlformats.org/presentationml/2006/main">
   <p:cSld>
@@ -16951,7 +16972,7 @@
                 <a:latin typeface="Noto Sans" panose="020B0502040504020204"/>
                 <a:cs typeface="Nirmala UI Semilight" panose="020B0402040204020203" pitchFamily="34" charset="0"/>
               </a:rPr>
-              <a:t>Reward</a:t>
+              <a:t>Fake Environment</a:t>
             </a:r>
             <a:endParaRPr lang="de-DE" sz="2800" dirty="0">
               <a:solidFill>
@@ -16987,6 +17008,531 @@
             <a:fld id="{134A3753-02B0-455D-8D9D-D71845697F25}" type="slidenum">
               <a:rPr lang="de-DE" smtClean="0"/>
               <a:t>17</a:t>
+            </a:fld>
+            <a:endParaRPr lang="de-DE"/>
+          </a:p>
+        </p:txBody>
+      </p:sp>
+      <p:sp>
+        <p:nvSpPr>
+          <p:cNvPr id="17" name="文本框 16">
+            <a:extLst>
+              <a:ext uri="{FF2B5EF4-FFF2-40B4-BE49-F238E27FC236}">
+                <a16:creationId xmlns:a16="http://schemas.microsoft.com/office/drawing/2014/main" id="{2A8F2878-3377-4055-A68E-A2E9443EB18D}"/>
+              </a:ext>
+            </a:extLst>
+          </p:cNvPr>
+          <p:cNvSpPr txBox="1"/>
+          <p:nvPr/>
+        </p:nvSpPr>
+        <p:spPr>
+          <a:xfrm>
+            <a:off x="852176" y="1470991"/>
+            <a:ext cx="7089189" cy="3693319"/>
+          </a:xfrm>
+          <a:prstGeom prst="rect">
+            <a:avLst/>
+          </a:prstGeom>
+          <a:noFill/>
+        </p:spPr>
+        <p:txBody>
+          <a:bodyPr wrap="square" rtlCol="0">
+            <a:spAutoFit/>
+          </a:bodyPr>
+          <a:lstStyle/>
+          <a:p>
+            <a:r>
+              <a:rPr lang="en-US" altLang="zh-CN" b="1" i="1" dirty="0">
+                <a:latin typeface="Noto Sans" panose="020B0502040504020204"/>
+              </a:rPr>
+              <a:t>State space</a:t>
+            </a:r>
+          </a:p>
+          <a:p>
+            <a:pPr marL="285750" indent="-285750">
+              <a:buFontTx/>
+              <a:buChar char="-"/>
+            </a:pPr>
+            <a:r>
+              <a:rPr lang="en-US" altLang="zh-CN" dirty="0">
+                <a:latin typeface="Noto Sans" panose="020B0502040504020204"/>
+              </a:rPr>
+              <a:t>Current GPS location</a:t>
+            </a:r>
+          </a:p>
+          <a:p>
+            <a:pPr marL="285750" indent="-285750">
+              <a:buFontTx/>
+              <a:buChar char="-"/>
+            </a:pPr>
+            <a:r>
+              <a:rPr lang="en-US" altLang="zh-CN" dirty="0">
+                <a:latin typeface="Noto Sans" panose="020B0502040504020204"/>
+              </a:rPr>
+              <a:t>Target GPS location</a:t>
+            </a:r>
+          </a:p>
+          <a:p>
+            <a:pPr marL="285750" indent="-285750">
+              <a:buFontTx/>
+              <a:buChar char="-"/>
+            </a:pPr>
+            <a:r>
+              <a:rPr lang="en-US" altLang="zh-CN" dirty="0">
+                <a:latin typeface="Noto Sans" panose="020B0502040504020204"/>
+              </a:rPr>
+              <a:t>Distance sensors</a:t>
+            </a:r>
+          </a:p>
+          <a:p>
+            <a:pPr marL="285750" indent="-285750">
+              <a:buFontTx/>
+              <a:buChar char="-"/>
+            </a:pPr>
+            <a:r>
+              <a:rPr lang="en-US" altLang="zh-CN" dirty="0">
+                <a:latin typeface="Noto Sans" panose="020B0502040504020204"/>
+              </a:rPr>
+              <a:t>Touching obstacle</a:t>
+            </a:r>
+          </a:p>
+          <a:p>
+            <a:pPr marL="285750" indent="-285750">
+              <a:buFontTx/>
+              <a:buChar char="-"/>
+            </a:pPr>
+            <a:endParaRPr lang="en-US" altLang="zh-CN" dirty="0">
+              <a:latin typeface="Noto Sans" panose="020B0502040504020204"/>
+            </a:endParaRPr>
+          </a:p>
+          <a:p>
+            <a:r>
+              <a:rPr lang="en-US" altLang="zh-CN" b="1" i="1" dirty="0">
+                <a:latin typeface="Noto Sans" panose="020B0502040504020204"/>
+              </a:rPr>
+              <a:t>Action space</a:t>
+            </a:r>
+          </a:p>
+          <a:p>
+            <a:pPr marL="285750" indent="-285750">
+              <a:buFontTx/>
+              <a:buChar char="-"/>
+            </a:pPr>
+            <a:r>
+              <a:rPr lang="en-US" altLang="zh-CN" dirty="0">
+                <a:latin typeface="Noto Sans" panose="020B0502040504020204"/>
+              </a:rPr>
+              <a:t>4 directions(N, E, S, W)</a:t>
+            </a:r>
+          </a:p>
+          <a:p>
+            <a:pPr marL="285750" indent="-285750">
+              <a:buFontTx/>
+              <a:buChar char="-"/>
+            </a:pPr>
+            <a:r>
+              <a:rPr lang="en-US" altLang="zh-CN" dirty="0">
+                <a:latin typeface="Noto Sans" panose="020B0502040504020204"/>
+              </a:rPr>
+              <a:t>Fixed step size</a:t>
+            </a:r>
+          </a:p>
+          <a:p>
+            <a:pPr marL="285750" indent="-285750">
+              <a:buFontTx/>
+              <a:buChar char="-"/>
+            </a:pPr>
+            <a:endParaRPr lang="en-US" altLang="zh-CN" dirty="0">
+              <a:latin typeface="Noto Sans" panose="020B0502040504020204"/>
+            </a:endParaRPr>
+          </a:p>
+          <a:p>
+            <a:r>
+              <a:rPr lang="en-US" altLang="zh-CN" b="1" i="1" dirty="0">
+                <a:latin typeface="Noto Sans" panose="020B0502040504020204"/>
+              </a:rPr>
+              <a:t>Reward function</a:t>
+            </a:r>
+          </a:p>
+          <a:p>
+            <a:endParaRPr lang="en-US" altLang="zh-CN" dirty="0">
+              <a:latin typeface="Noto Sans" panose="020B0502040504020204"/>
+            </a:endParaRPr>
+          </a:p>
+          <a:p>
+            <a:endParaRPr lang="en-US" altLang="zh-CN" dirty="0">
+              <a:latin typeface="Noto Sans" panose="020B0502040504020204"/>
+            </a:endParaRPr>
+          </a:p>
+        </p:txBody>
+      </p:sp>
+      <p:pic>
+        <p:nvPicPr>
+          <p:cNvPr id="2" name="图片 1">
+            <a:extLst>
+              <a:ext uri="{FF2B5EF4-FFF2-40B4-BE49-F238E27FC236}">
+                <a16:creationId xmlns:a16="http://schemas.microsoft.com/office/drawing/2014/main" id="{1843A744-B46C-4266-8BB3-978020526B8E}"/>
+              </a:ext>
+            </a:extLst>
+          </p:cNvPr>
+          <p:cNvPicPr>
+            <a:picLocks noChangeAspect="1"/>
+          </p:cNvPicPr>
+          <p:nvPr/>
+        </p:nvPicPr>
+        <p:blipFill>
+          <a:blip r:embed="rId2"/>
+          <a:stretch>
+            <a:fillRect/>
+          </a:stretch>
+        </p:blipFill>
+        <p:spPr>
+          <a:xfrm>
+            <a:off x="5371315" y="1693690"/>
+            <a:ext cx="4186874" cy="2671120"/>
+          </a:xfrm>
+          <a:prstGeom prst="rect">
+            <a:avLst/>
+          </a:prstGeom>
+        </p:spPr>
+      </p:pic>
+      <p:grpSp>
+        <p:nvGrpSpPr>
+          <p:cNvPr id="23" name="Gruppieren 9">
+            <a:extLst>
+              <a:ext uri="{FF2B5EF4-FFF2-40B4-BE49-F238E27FC236}">
+                <a16:creationId xmlns:a16="http://schemas.microsoft.com/office/drawing/2014/main" id="{F06EA299-5A5C-423E-99D4-895E54047BB7}"/>
+              </a:ext>
+            </a:extLst>
+          </p:cNvPr>
+          <p:cNvGrpSpPr>
+            <a:grpSpLocks noChangeAspect="1"/>
+          </p:cNvGrpSpPr>
+          <p:nvPr/>
+        </p:nvGrpSpPr>
+        <p:grpSpPr>
+          <a:xfrm>
+            <a:off x="11178553" y="2431373"/>
+            <a:ext cx="528293" cy="2645076"/>
+            <a:chOff x="9900193" y="1530836"/>
+            <a:chExt cx="920569" cy="4609143"/>
+          </a:xfrm>
+        </p:grpSpPr>
+        <p:pic>
+          <p:nvPicPr>
+            <p:cNvPr id="24" name="Grafik 10" descr="Klemmbrett abgehakt">
+              <a:extLst>
+                <a:ext uri="{FF2B5EF4-FFF2-40B4-BE49-F238E27FC236}">
+                  <a16:creationId xmlns:a16="http://schemas.microsoft.com/office/drawing/2014/main" id="{70EF96F5-B270-4A90-886A-9530041A9FE4}"/>
+                </a:ext>
+              </a:extLst>
+            </p:cNvPr>
+            <p:cNvPicPr>
+              <a:picLocks noChangeAspect="1"/>
+            </p:cNvPicPr>
+            <p:nvPr/>
+          </p:nvPicPr>
+          <p:blipFill>
+            <a:blip r:embed="rId3">
+              <a:extLst>
+                <a:ext uri="{28A0092B-C50C-407E-A947-70E740481C1C}">
+                  <a14:useLocalDpi xmlns:a14="http://schemas.microsoft.com/office/drawing/2010/main" val="0"/>
+                </a:ext>
+                <a:ext uri="{96DAC541-7B7A-43D3-8B79-37D633B846F1}">
+                  <asvg:svgBlip xmlns:asvg="http://schemas.microsoft.com/office/drawing/2016/SVG/main" r:embed="rId4"/>
+                </a:ext>
+              </a:extLst>
+            </a:blip>
+            <a:stretch>
+              <a:fillRect/>
+            </a:stretch>
+          </p:blipFill>
+          <p:spPr>
+            <a:xfrm>
+              <a:off x="9900193" y="5225579"/>
+              <a:ext cx="914400" cy="914400"/>
+            </a:xfrm>
+            <a:prstGeom prst="rect">
+              <a:avLst/>
+            </a:prstGeom>
+          </p:spPr>
+        </p:pic>
+        <p:pic>
+          <p:nvPicPr>
+            <p:cNvPr id="25" name="Grafik 11" descr="Häkchen">
+              <a:extLst>
+                <a:ext uri="{FF2B5EF4-FFF2-40B4-BE49-F238E27FC236}">
+                  <a16:creationId xmlns:a16="http://schemas.microsoft.com/office/drawing/2014/main" id="{3B571315-4843-4DDE-836D-A69452D51FDF}"/>
+                </a:ext>
+              </a:extLst>
+            </p:cNvPr>
+            <p:cNvPicPr>
+              <a:picLocks noChangeAspect="1"/>
+            </p:cNvPicPr>
+            <p:nvPr/>
+          </p:nvPicPr>
+          <p:blipFill>
+            <a:blip r:embed="rId5">
+              <a:extLst>
+                <a:ext uri="{28A0092B-C50C-407E-A947-70E740481C1C}">
+                  <a14:useLocalDpi xmlns:a14="http://schemas.microsoft.com/office/drawing/2010/main" val="0"/>
+                </a:ext>
+                <a:ext uri="{96DAC541-7B7A-43D3-8B79-37D633B846F1}">
+                  <asvg:svgBlip xmlns:asvg="http://schemas.microsoft.com/office/drawing/2016/SVG/main" r:embed="rId6"/>
+                </a:ext>
+              </a:extLst>
+            </a:blip>
+            <a:stretch>
+              <a:fillRect/>
+            </a:stretch>
+          </p:blipFill>
+          <p:spPr>
+            <a:xfrm>
+              <a:off x="9906362" y="1530836"/>
+              <a:ext cx="914400" cy="914400"/>
+            </a:xfrm>
+            <a:prstGeom prst="rect">
+              <a:avLst/>
+            </a:prstGeom>
+          </p:spPr>
+        </p:pic>
+        <p:pic>
+          <p:nvPicPr>
+            <p:cNvPr id="26" name="Grafik 12" descr="Gehirn">
+              <a:extLst>
+                <a:ext uri="{FF2B5EF4-FFF2-40B4-BE49-F238E27FC236}">
+                  <a16:creationId xmlns:a16="http://schemas.microsoft.com/office/drawing/2014/main" id="{0082EDCC-0B24-43B7-B680-0EC2A753EA7B}"/>
+                </a:ext>
+              </a:extLst>
+            </p:cNvPr>
+            <p:cNvPicPr>
+              <a:picLocks noChangeAspect="1"/>
+            </p:cNvPicPr>
+            <p:nvPr/>
+          </p:nvPicPr>
+          <p:blipFill>
+            <a:blip r:embed="rId7">
+              <a:extLst>
+                <a:ext uri="{28A0092B-C50C-407E-A947-70E740481C1C}">
+                  <a14:useLocalDpi xmlns:a14="http://schemas.microsoft.com/office/drawing/2010/main" val="0"/>
+                </a:ext>
+                <a:ext uri="{96DAC541-7B7A-43D3-8B79-37D633B846F1}">
+                  <asvg:svgBlip xmlns:asvg="http://schemas.microsoft.com/office/drawing/2016/SVG/main" r:embed="rId8"/>
+                </a:ext>
+              </a:extLst>
+            </a:blip>
+            <a:stretch>
+              <a:fillRect/>
+            </a:stretch>
+          </p:blipFill>
+          <p:spPr>
+            <a:xfrm>
+              <a:off x="9900193" y="3375461"/>
+              <a:ext cx="914400" cy="914400"/>
+            </a:xfrm>
+            <a:prstGeom prst="rect">
+              <a:avLst/>
+            </a:prstGeom>
+          </p:spPr>
+        </p:pic>
+        <p:pic>
+          <p:nvPicPr>
+            <p:cNvPr id="27" name="Grafik 13" descr="Einhorn">
+              <a:extLst>
+                <a:ext uri="{FF2B5EF4-FFF2-40B4-BE49-F238E27FC236}">
+                  <a16:creationId xmlns:a16="http://schemas.microsoft.com/office/drawing/2014/main" id="{E184F329-CDE2-4285-882E-AA3D55B498AF}"/>
+                </a:ext>
+              </a:extLst>
+            </p:cNvPr>
+            <p:cNvPicPr>
+              <a:picLocks noChangeAspect="1"/>
+            </p:cNvPicPr>
+            <p:nvPr/>
+          </p:nvPicPr>
+          <p:blipFill>
+            <a:blip r:embed="rId9">
+              <a:extLst>
+                <a:ext uri="{28A0092B-C50C-407E-A947-70E740481C1C}">
+                  <a14:useLocalDpi xmlns:a14="http://schemas.microsoft.com/office/drawing/2010/main" val="0"/>
+                </a:ext>
+                <a:ext uri="{96DAC541-7B7A-43D3-8B79-37D633B846F1}">
+                  <asvg:svgBlip xmlns:asvg="http://schemas.microsoft.com/office/drawing/2016/SVG/main" r:embed="rId10"/>
+                </a:ext>
+              </a:extLst>
+            </a:blip>
+            <a:stretch>
+              <a:fillRect/>
+            </a:stretch>
+          </p:blipFill>
+          <p:spPr>
+            <a:xfrm>
+              <a:off x="9900193" y="4298238"/>
+              <a:ext cx="914400" cy="914400"/>
+            </a:xfrm>
+            <a:prstGeom prst="rect">
+              <a:avLst/>
+            </a:prstGeom>
+          </p:spPr>
+        </p:pic>
+        <p:pic>
+          <p:nvPicPr>
+            <p:cNvPr id="28" name="Grafik 14" descr="Hierarchie">
+              <a:extLst>
+                <a:ext uri="{FF2B5EF4-FFF2-40B4-BE49-F238E27FC236}">
+                  <a16:creationId xmlns:a16="http://schemas.microsoft.com/office/drawing/2014/main" id="{86AF3BF5-518C-4417-B25B-5FD220B16A36}"/>
+                </a:ext>
+              </a:extLst>
+            </p:cNvPr>
+            <p:cNvPicPr>
+              <a:picLocks noChangeAspect="1"/>
+            </p:cNvPicPr>
+            <p:nvPr/>
+          </p:nvPicPr>
+          <p:blipFill>
+            <a:blip r:embed="rId11">
+              <a:extLst>
+                <a:ext uri="{28A0092B-C50C-407E-A947-70E740481C1C}">
+                  <a14:useLocalDpi xmlns:a14="http://schemas.microsoft.com/office/drawing/2010/main" val="0"/>
+                </a:ext>
+                <a:ext uri="{96DAC541-7B7A-43D3-8B79-37D633B846F1}">
+                  <asvg:svgBlip xmlns:asvg="http://schemas.microsoft.com/office/drawing/2016/SVG/main" r:embed="rId12"/>
+                </a:ext>
+              </a:extLst>
+            </a:blip>
+            <a:stretch>
+              <a:fillRect/>
+            </a:stretch>
+          </p:blipFill>
+          <p:spPr>
+            <a:xfrm>
+              <a:off x="9900193" y="2464538"/>
+              <a:ext cx="914400" cy="914400"/>
+            </a:xfrm>
+            <a:prstGeom prst="rect">
+              <a:avLst/>
+            </a:prstGeom>
+          </p:spPr>
+        </p:pic>
+      </p:grpSp>
+    </p:spTree>
+    <p:extLst>
+      <p:ext uri="{BB962C8B-B14F-4D97-AF65-F5344CB8AC3E}">
+        <p14:creationId xmlns:p14="http://schemas.microsoft.com/office/powerpoint/2010/main" val="1002142718"/>
+      </p:ext>
+    </p:extLst>
+  </p:cSld>
+  <p:clrMapOvr>
+    <a:masterClrMapping/>
+  </p:clrMapOvr>
+</p:sld>
+</file>
+
+<file path=ppt/slides/slide18.xml><?xml version="1.0" encoding="utf-8"?>
+<p:sld xmlns:a="http://schemas.openxmlformats.org/drawingml/2006/main" xmlns:r="http://schemas.openxmlformats.org/officeDocument/2006/relationships" xmlns:p="http://schemas.openxmlformats.org/presentationml/2006/main">
+  <p:cSld>
+    <p:spTree>
+      <p:nvGrpSpPr>
+        <p:cNvPr id="1" name=""/>
+        <p:cNvGrpSpPr/>
+        <p:nvPr/>
+      </p:nvGrpSpPr>
+      <p:grpSpPr>
+        <a:xfrm>
+          <a:off x="0" y="0"/>
+          <a:ext cx="0" cy="0"/>
+          <a:chOff x="0" y="0"/>
+          <a:chExt cx="0" cy="0"/>
+        </a:xfrm>
+      </p:grpSpPr>
+      <p:sp>
+        <p:nvSpPr>
+          <p:cNvPr id="4" name="Rechteck 3">
+            <a:extLst>
+              <a:ext uri="{FF2B5EF4-FFF2-40B4-BE49-F238E27FC236}">
+                <a16:creationId xmlns:a16="http://schemas.microsoft.com/office/drawing/2014/main" id="{45600459-0D9D-4085-A38F-148B2CF7DEF5}"/>
+              </a:ext>
+            </a:extLst>
+          </p:cNvPr>
+          <p:cNvSpPr/>
+          <p:nvPr/>
+        </p:nvSpPr>
+        <p:spPr>
+          <a:xfrm>
+            <a:off x="852176" y="583064"/>
+            <a:ext cx="10590524" cy="540689"/>
+          </a:xfrm>
+          <a:prstGeom prst="rect">
+            <a:avLst/>
+          </a:prstGeom>
+          <a:noFill/>
+          <a:ln>
+            <a:noFill/>
+          </a:ln>
+        </p:spPr>
+        <p:style>
+          <a:lnRef idx="2">
+            <a:schemeClr val="accent1">
+              <a:shade val="50000"/>
+            </a:schemeClr>
+          </a:lnRef>
+          <a:fillRef idx="1">
+            <a:schemeClr val="accent1"/>
+          </a:fillRef>
+          <a:effectRef idx="0">
+            <a:schemeClr val="accent1"/>
+          </a:effectRef>
+          <a:fontRef idx="minor">
+            <a:schemeClr val="lt1"/>
+          </a:fontRef>
+        </p:style>
+        <p:txBody>
+          <a:bodyPr rtlCol="0" anchor="ctr"/>
+          <a:lstStyle/>
+          <a:p>
+            <a:r>
+              <a:rPr lang="en-US" altLang="zh-CN" sz="2800" dirty="0">
+                <a:solidFill>
+                  <a:schemeClr val="tx1"/>
+                </a:solidFill>
+                <a:latin typeface="Noto Sans" panose="020B0502040504020204"/>
+                <a:cs typeface="Nirmala UI Semilight" panose="020B0402040204020203" pitchFamily="34" charset="0"/>
+              </a:rPr>
+              <a:t>Reward</a:t>
+            </a:r>
+            <a:endParaRPr lang="de-DE" sz="2800" dirty="0">
+              <a:solidFill>
+                <a:schemeClr val="tx1"/>
+              </a:solidFill>
+              <a:latin typeface="Noto Sans" panose="020B0502040504020204"/>
+              <a:cs typeface="Nirmala UI Semilight" panose="020B0402040204020203" pitchFamily="34" charset="0"/>
+            </a:endParaRPr>
+          </a:p>
+        </p:txBody>
+      </p:sp>
+      <p:sp>
+        <p:nvSpPr>
+          <p:cNvPr id="32" name="Foliennummernplatzhalter 31">
+            <a:extLst>
+              <a:ext uri="{FF2B5EF4-FFF2-40B4-BE49-F238E27FC236}">
+                <a16:creationId xmlns:a16="http://schemas.microsoft.com/office/drawing/2014/main" id="{C41D527C-B21D-4D92-8063-27F2C398946C}"/>
+              </a:ext>
+            </a:extLst>
+          </p:cNvPr>
+          <p:cNvSpPr>
+            <a:spLocks noGrp="1"/>
+          </p:cNvSpPr>
+          <p:nvPr>
+            <p:ph type="sldNum" sz="quarter" idx="12"/>
+          </p:nvPr>
+        </p:nvSpPr>
+        <p:spPr/>
+        <p:txBody>
+          <a:bodyPr/>
+          <a:lstStyle/>
+          <a:p>
+            <a:fld id="{134A3753-02B0-455D-8D9D-D71845697F25}" type="slidenum">
+              <a:rPr lang="de-DE" smtClean="0"/>
+              <a:t>18</a:t>
             </a:fld>
             <a:endParaRPr lang="de-DE"/>
           </a:p>
@@ -17454,7 +18000,7 @@
 </p:sld>
 </file>
 
-<file path=ppt/slides/slide18.xml><?xml version="1.0" encoding="utf-8"?>
+<file path=ppt/slides/slide19.xml><?xml version="1.0" encoding="utf-8"?>
 <p:sld xmlns:a="http://schemas.openxmlformats.org/drawingml/2006/main" xmlns:r="http://schemas.openxmlformats.org/officeDocument/2006/relationships" xmlns:p="http://schemas.openxmlformats.org/presentationml/2006/main">
   <p:cSld>
     <p:spTree>
@@ -17603,7 +18149,7 @@
           <a:p>
             <a:fld id="{134A3753-02B0-455D-8D9D-D71845697F25}" type="slidenum">
               <a:rPr lang="de-DE" smtClean="0"/>
-              <a:t>18</a:t>
+              <a:t>19</a:t>
             </a:fld>
             <a:endParaRPr lang="de-DE"/>
           </a:p>
@@ -18286,469 +18832,6 @@
     <p:extLst>
       <p:ext uri="{BB962C8B-B14F-4D97-AF65-F5344CB8AC3E}">
         <p14:creationId xmlns:p14="http://schemas.microsoft.com/office/powerpoint/2010/main" val="1035206212"/>
-      </p:ext>
-    </p:extLst>
-  </p:cSld>
-  <p:clrMapOvr>
-    <a:masterClrMapping/>
-  </p:clrMapOvr>
-</p:sld>
-</file>
-
-<file path=ppt/slides/slide19.xml><?xml version="1.0" encoding="utf-8"?>
-<p:sld xmlns:a="http://schemas.openxmlformats.org/drawingml/2006/main" xmlns:r="http://schemas.openxmlformats.org/officeDocument/2006/relationships" xmlns:p="http://schemas.openxmlformats.org/presentationml/2006/main">
-  <p:cSld>
-    <p:spTree>
-      <p:nvGrpSpPr>
-        <p:cNvPr id="1" name=""/>
-        <p:cNvGrpSpPr/>
-        <p:nvPr/>
-      </p:nvGrpSpPr>
-      <p:grpSpPr>
-        <a:xfrm>
-          <a:off x="0" y="0"/>
-          <a:ext cx="0" cy="0"/>
-          <a:chOff x="0" y="0"/>
-          <a:chExt cx="0" cy="0"/>
-        </a:xfrm>
-      </p:grpSpPr>
-      <p:sp>
-        <p:nvSpPr>
-          <p:cNvPr id="4" name="Rechteck 3">
-            <a:extLst>
-              <a:ext uri="{FF2B5EF4-FFF2-40B4-BE49-F238E27FC236}">
-                <a16:creationId xmlns:a16="http://schemas.microsoft.com/office/drawing/2014/main" id="{45600459-0D9D-4085-A38F-148B2CF7DEF5}"/>
-              </a:ext>
-            </a:extLst>
-          </p:cNvPr>
-          <p:cNvSpPr/>
-          <p:nvPr/>
-        </p:nvSpPr>
-        <p:spPr>
-          <a:xfrm>
-            <a:off x="852176" y="583064"/>
-            <a:ext cx="10590524" cy="540689"/>
-          </a:xfrm>
-          <a:prstGeom prst="rect">
-            <a:avLst/>
-          </a:prstGeom>
-          <a:noFill/>
-          <a:ln>
-            <a:noFill/>
-          </a:ln>
-        </p:spPr>
-        <p:style>
-          <a:lnRef idx="2">
-            <a:schemeClr val="accent1">
-              <a:shade val="50000"/>
-            </a:schemeClr>
-          </a:lnRef>
-          <a:fillRef idx="1">
-            <a:schemeClr val="accent1"/>
-          </a:fillRef>
-          <a:effectRef idx="0">
-            <a:schemeClr val="accent1"/>
-          </a:effectRef>
-          <a:fontRef idx="minor">
-            <a:schemeClr val="lt1"/>
-          </a:fontRef>
-        </p:style>
-        <p:txBody>
-          <a:bodyPr rtlCol="0" anchor="ctr"/>
-          <a:lstStyle/>
-          <a:p>
-            <a:r>
-              <a:rPr lang="de-DE" sz="2800" dirty="0">
-                <a:solidFill>
-                  <a:schemeClr val="tx1"/>
-                </a:solidFill>
-                <a:latin typeface="Noto Sans" panose="020B0502040504020204"/>
-                <a:cs typeface="Nirmala UI Semilight" panose="020B0402040204020203" pitchFamily="34" charset="0"/>
-              </a:rPr>
-              <a:t>Quality Assurance: Coding Guideline </a:t>
-            </a:r>
-          </a:p>
-        </p:txBody>
-      </p:sp>
-      <p:sp>
-        <p:nvSpPr>
-          <p:cNvPr id="32" name="Foliennummernplatzhalter 31">
-            <a:extLst>
-              <a:ext uri="{FF2B5EF4-FFF2-40B4-BE49-F238E27FC236}">
-                <a16:creationId xmlns:a16="http://schemas.microsoft.com/office/drawing/2014/main" id="{C41D527C-B21D-4D92-8063-27F2C398946C}"/>
-              </a:ext>
-            </a:extLst>
-          </p:cNvPr>
-          <p:cNvSpPr>
-            <a:spLocks noGrp="1"/>
-          </p:cNvSpPr>
-          <p:nvPr>
-            <p:ph type="sldNum" sz="quarter" idx="12"/>
-          </p:nvPr>
-        </p:nvSpPr>
-        <p:spPr/>
-        <p:txBody>
-          <a:bodyPr/>
-          <a:lstStyle/>
-          <a:p>
-            <a:fld id="{134A3753-02B0-455D-8D9D-D71845697F25}" type="slidenum">
-              <a:rPr lang="de-DE" smtClean="0"/>
-              <a:t>19</a:t>
-            </a:fld>
-            <a:endParaRPr lang="de-DE"/>
-          </a:p>
-        </p:txBody>
-      </p:sp>
-      <p:sp>
-        <p:nvSpPr>
-          <p:cNvPr id="3" name="文本框 2">
-            <a:extLst>
-              <a:ext uri="{FF2B5EF4-FFF2-40B4-BE49-F238E27FC236}">
-                <a16:creationId xmlns:a16="http://schemas.microsoft.com/office/drawing/2014/main" id="{5D742482-B15D-4B2A-AD07-7E59DD43946D}"/>
-              </a:ext>
-            </a:extLst>
-          </p:cNvPr>
-          <p:cNvSpPr txBox="1"/>
-          <p:nvPr/>
-        </p:nvSpPr>
-        <p:spPr>
-          <a:xfrm>
-            <a:off x="852176" y="1470991"/>
-            <a:ext cx="7089189" cy="369332"/>
-          </a:xfrm>
-          <a:prstGeom prst="rect">
-            <a:avLst/>
-          </a:prstGeom>
-          <a:noFill/>
-        </p:spPr>
-        <p:txBody>
-          <a:bodyPr wrap="square" rtlCol="0">
-            <a:spAutoFit/>
-          </a:bodyPr>
-          <a:lstStyle/>
-          <a:p>
-            <a:endParaRPr lang="en-US" altLang="zh-CN" dirty="0">
-              <a:solidFill>
-                <a:schemeClr val="bg1">
-                  <a:lumMod val="85000"/>
-                </a:schemeClr>
-              </a:solidFill>
-              <a:latin typeface="Noto Sans" panose="020B0502040504020204"/>
-            </a:endParaRPr>
-          </a:p>
-        </p:txBody>
-      </p:sp>
-      <p:sp>
-        <p:nvSpPr>
-          <p:cNvPr id="16" name="文本框 15">
-            <a:extLst>
-              <a:ext uri="{FF2B5EF4-FFF2-40B4-BE49-F238E27FC236}">
-                <a16:creationId xmlns:a16="http://schemas.microsoft.com/office/drawing/2014/main" id="{7FCA585A-45CB-4A7F-A9CA-A577D070035D}"/>
-              </a:ext>
-            </a:extLst>
-          </p:cNvPr>
-          <p:cNvSpPr txBox="1"/>
-          <p:nvPr/>
-        </p:nvSpPr>
-        <p:spPr>
-          <a:xfrm>
-            <a:off x="852176" y="1470991"/>
-            <a:ext cx="7089189" cy="2031325"/>
-          </a:xfrm>
-          <a:prstGeom prst="rect">
-            <a:avLst/>
-          </a:prstGeom>
-          <a:noFill/>
-        </p:spPr>
-        <p:txBody>
-          <a:bodyPr wrap="square" rtlCol="0">
-            <a:spAutoFit/>
-          </a:bodyPr>
-          <a:lstStyle/>
-          <a:p>
-            <a:r>
-              <a:rPr lang="en-US" altLang="zh-CN" b="1" i="1" dirty="0">
-                <a:latin typeface="Noto Sans" panose="020B0502040504020204"/>
-              </a:rPr>
-              <a:t>C/C++ Coding Guide</a:t>
-            </a:r>
-          </a:p>
-          <a:p>
-            <a:pPr marL="285750" indent="-285750">
-              <a:buFontTx/>
-              <a:buChar char="-"/>
-            </a:pPr>
-            <a:r>
-              <a:rPr lang="en-US" altLang="zh-CN" dirty="0">
-                <a:latin typeface="Noto Sans" panose="020B0502040504020204"/>
-              </a:rPr>
-              <a:t>follow self-defined coding guidelines, includes naming conventions, file structure, etc. </a:t>
-            </a:r>
-          </a:p>
-          <a:p>
-            <a:pPr marL="285750" indent="-285750">
-              <a:buFontTx/>
-              <a:buChar char="-"/>
-            </a:pPr>
-            <a:endParaRPr lang="en-US" altLang="zh-CN" dirty="0">
-              <a:latin typeface="Noto Sans" panose="020B0502040504020204"/>
-            </a:endParaRPr>
-          </a:p>
-          <a:p>
-            <a:r>
-              <a:rPr lang="en-US" altLang="zh-CN" b="1" i="1" dirty="0">
-                <a:latin typeface="Noto Sans" panose="020B0502040504020204"/>
-              </a:rPr>
-              <a:t>Python Coding Guide</a:t>
-            </a:r>
-          </a:p>
-          <a:p>
-            <a:pPr marL="285750" indent="-285750">
-              <a:buFontTx/>
-              <a:buChar char="-"/>
-            </a:pPr>
-            <a:r>
-              <a:rPr lang="en-US" altLang="zh-CN" dirty="0">
-                <a:solidFill>
-                  <a:schemeClr val="tx1">
-                    <a:lumMod val="95000"/>
-                    <a:lumOff val="5000"/>
-                  </a:schemeClr>
-                </a:solidFill>
-                <a:latin typeface="Noto Sans" panose="020B0502040504020204"/>
-              </a:rPr>
-              <a:t>follow PEP 8 coding guidelines</a:t>
-            </a:r>
-          </a:p>
-          <a:p>
-            <a:endParaRPr lang="en-US" altLang="zh-CN" dirty="0">
-              <a:latin typeface="Noto Sans" panose="020B0502040504020204"/>
-            </a:endParaRPr>
-          </a:p>
-        </p:txBody>
-      </p:sp>
-      <p:grpSp>
-        <p:nvGrpSpPr>
-          <p:cNvPr id="23" name="Gruppieren 9">
-            <a:extLst>
-              <a:ext uri="{FF2B5EF4-FFF2-40B4-BE49-F238E27FC236}">
-                <a16:creationId xmlns:a16="http://schemas.microsoft.com/office/drawing/2014/main" id="{AC82DE7A-DD63-4AEA-A66A-0589AA26E629}"/>
-              </a:ext>
-            </a:extLst>
-          </p:cNvPr>
-          <p:cNvGrpSpPr>
-            <a:grpSpLocks noChangeAspect="1"/>
-          </p:cNvGrpSpPr>
-          <p:nvPr/>
-        </p:nvGrpSpPr>
-        <p:grpSpPr>
-          <a:xfrm>
-            <a:off x="11178553" y="2431373"/>
-            <a:ext cx="528293" cy="2645076"/>
-            <a:chOff x="9900193" y="1530836"/>
-            <a:chExt cx="920569" cy="4609143"/>
-          </a:xfrm>
-        </p:grpSpPr>
-        <p:pic>
-          <p:nvPicPr>
-            <p:cNvPr id="24" name="Grafik 10" descr="Klemmbrett abgehakt">
-              <a:extLst>
-                <a:ext uri="{FF2B5EF4-FFF2-40B4-BE49-F238E27FC236}">
-                  <a16:creationId xmlns:a16="http://schemas.microsoft.com/office/drawing/2014/main" id="{6D90B3A4-85DB-494C-A40D-C4F8D1EDFD24}"/>
-                </a:ext>
-              </a:extLst>
-            </p:cNvPr>
-            <p:cNvPicPr>
-              <a:picLocks noChangeAspect="1"/>
-            </p:cNvPicPr>
-            <p:nvPr/>
-          </p:nvPicPr>
-          <p:blipFill>
-            <a:blip r:embed="rId2">
-              <a:extLst>
-                <a:ext uri="{28A0092B-C50C-407E-A947-70E740481C1C}">
-                  <a14:useLocalDpi xmlns:a14="http://schemas.microsoft.com/office/drawing/2010/main" val="0"/>
-                </a:ext>
-                <a:ext uri="{96DAC541-7B7A-43D3-8B79-37D633B846F1}">
-                  <asvg:svgBlip xmlns:asvg="http://schemas.microsoft.com/office/drawing/2016/SVG/main" r:embed="rId3"/>
-                </a:ext>
-              </a:extLst>
-            </a:blip>
-            <a:stretch>
-              <a:fillRect/>
-            </a:stretch>
-          </p:blipFill>
-          <p:spPr>
-            <a:xfrm>
-              <a:off x="9900193" y="5225579"/>
-              <a:ext cx="914400" cy="914400"/>
-            </a:xfrm>
-            <a:prstGeom prst="rect">
-              <a:avLst/>
-            </a:prstGeom>
-          </p:spPr>
-        </p:pic>
-        <p:pic>
-          <p:nvPicPr>
-            <p:cNvPr id="25" name="Grafik 11" descr="Häkchen">
-              <a:extLst>
-                <a:ext uri="{FF2B5EF4-FFF2-40B4-BE49-F238E27FC236}">
-                  <a16:creationId xmlns:a16="http://schemas.microsoft.com/office/drawing/2014/main" id="{4A9C495D-BA9B-44F2-8156-A0CC9645CEBC}"/>
-                </a:ext>
-              </a:extLst>
-            </p:cNvPr>
-            <p:cNvPicPr>
-              <a:picLocks noChangeAspect="1"/>
-            </p:cNvPicPr>
-            <p:nvPr/>
-          </p:nvPicPr>
-          <p:blipFill>
-            <a:blip r:embed="rId4">
-              <a:extLst>
-                <a:ext uri="{28A0092B-C50C-407E-A947-70E740481C1C}">
-                  <a14:useLocalDpi xmlns:a14="http://schemas.microsoft.com/office/drawing/2010/main" val="0"/>
-                </a:ext>
-                <a:ext uri="{96DAC541-7B7A-43D3-8B79-37D633B846F1}">
-                  <asvg:svgBlip xmlns:asvg="http://schemas.microsoft.com/office/drawing/2016/SVG/main" r:embed="rId5"/>
-                </a:ext>
-              </a:extLst>
-            </a:blip>
-            <a:stretch>
-              <a:fillRect/>
-            </a:stretch>
-          </p:blipFill>
-          <p:spPr>
-            <a:xfrm>
-              <a:off x="9906362" y="1530836"/>
-              <a:ext cx="914400" cy="914400"/>
-            </a:xfrm>
-            <a:prstGeom prst="rect">
-              <a:avLst/>
-            </a:prstGeom>
-          </p:spPr>
-        </p:pic>
-        <p:pic>
-          <p:nvPicPr>
-            <p:cNvPr id="26" name="Grafik 12" descr="Gehirn">
-              <a:extLst>
-                <a:ext uri="{FF2B5EF4-FFF2-40B4-BE49-F238E27FC236}">
-                  <a16:creationId xmlns:a16="http://schemas.microsoft.com/office/drawing/2014/main" id="{90A9E09A-AA44-478B-95B4-5345BBDD3366}"/>
-                </a:ext>
-              </a:extLst>
-            </p:cNvPr>
-            <p:cNvPicPr>
-              <a:picLocks noChangeAspect="1"/>
-            </p:cNvPicPr>
-            <p:nvPr/>
-          </p:nvPicPr>
-          <p:blipFill>
-            <a:blip r:embed="rId6">
-              <a:extLst>
-                <a:ext uri="{28A0092B-C50C-407E-A947-70E740481C1C}">
-                  <a14:useLocalDpi xmlns:a14="http://schemas.microsoft.com/office/drawing/2010/main" val="0"/>
-                </a:ext>
-                <a:ext uri="{96DAC541-7B7A-43D3-8B79-37D633B846F1}">
-                  <asvg:svgBlip xmlns:asvg="http://schemas.microsoft.com/office/drawing/2016/SVG/main" r:embed="rId7"/>
-                </a:ext>
-              </a:extLst>
-            </a:blip>
-            <a:stretch>
-              <a:fillRect/>
-            </a:stretch>
-          </p:blipFill>
-          <p:spPr>
-            <a:xfrm>
-              <a:off x="9900193" y="3375461"/>
-              <a:ext cx="914400" cy="914400"/>
-            </a:xfrm>
-            <a:prstGeom prst="rect">
-              <a:avLst/>
-            </a:prstGeom>
-          </p:spPr>
-        </p:pic>
-        <p:pic>
-          <p:nvPicPr>
-            <p:cNvPr id="27" name="Grafik 13" descr="Einhorn">
-              <a:extLst>
-                <a:ext uri="{FF2B5EF4-FFF2-40B4-BE49-F238E27FC236}">
-                  <a16:creationId xmlns:a16="http://schemas.microsoft.com/office/drawing/2014/main" id="{E14CF96E-679B-4670-85C8-4454F8649748}"/>
-                </a:ext>
-              </a:extLst>
-            </p:cNvPr>
-            <p:cNvPicPr>
-              <a:picLocks noChangeAspect="1"/>
-            </p:cNvPicPr>
-            <p:nvPr/>
-          </p:nvPicPr>
-          <p:blipFill>
-            <a:blip r:embed="rId8">
-              <a:extLst>
-                <a:ext uri="{28A0092B-C50C-407E-A947-70E740481C1C}">
-                  <a14:useLocalDpi xmlns:a14="http://schemas.microsoft.com/office/drawing/2010/main" val="0"/>
-                </a:ext>
-                <a:ext uri="{96DAC541-7B7A-43D3-8B79-37D633B846F1}">
-                  <asvg:svgBlip xmlns:asvg="http://schemas.microsoft.com/office/drawing/2016/SVG/main" r:embed="rId9"/>
-                </a:ext>
-              </a:extLst>
-            </a:blip>
-            <a:stretch>
-              <a:fillRect/>
-            </a:stretch>
-          </p:blipFill>
-          <p:spPr>
-            <a:xfrm>
-              <a:off x="9900193" y="4298238"/>
-              <a:ext cx="914400" cy="914400"/>
-            </a:xfrm>
-            <a:prstGeom prst="rect">
-              <a:avLst/>
-            </a:prstGeom>
-          </p:spPr>
-        </p:pic>
-        <p:pic>
-          <p:nvPicPr>
-            <p:cNvPr id="28" name="Grafik 14" descr="Hierarchie">
-              <a:extLst>
-                <a:ext uri="{FF2B5EF4-FFF2-40B4-BE49-F238E27FC236}">
-                  <a16:creationId xmlns:a16="http://schemas.microsoft.com/office/drawing/2014/main" id="{69743DDA-47FA-4E30-B8AB-649455E9F051}"/>
-                </a:ext>
-              </a:extLst>
-            </p:cNvPr>
-            <p:cNvPicPr>
-              <a:picLocks noChangeAspect="1"/>
-            </p:cNvPicPr>
-            <p:nvPr/>
-          </p:nvPicPr>
-          <p:blipFill>
-            <a:blip r:embed="rId10">
-              <a:extLst>
-                <a:ext uri="{28A0092B-C50C-407E-A947-70E740481C1C}">
-                  <a14:useLocalDpi xmlns:a14="http://schemas.microsoft.com/office/drawing/2010/main" val="0"/>
-                </a:ext>
-                <a:ext uri="{96DAC541-7B7A-43D3-8B79-37D633B846F1}">
-                  <asvg:svgBlip xmlns:asvg="http://schemas.microsoft.com/office/drawing/2016/SVG/main" r:embed="rId11"/>
-                </a:ext>
-              </a:extLst>
-            </a:blip>
-            <a:stretch>
-              <a:fillRect/>
-            </a:stretch>
-          </p:blipFill>
-          <p:spPr>
-            <a:xfrm>
-              <a:off x="9900193" y="2464538"/>
-              <a:ext cx="914400" cy="914400"/>
-            </a:xfrm>
-            <a:prstGeom prst="rect">
-              <a:avLst/>
-            </a:prstGeom>
-          </p:spPr>
-        </p:pic>
-      </p:grpSp>
-    </p:spTree>
-    <p:extLst>
-      <p:ext uri="{BB962C8B-B14F-4D97-AF65-F5344CB8AC3E}">
-        <p14:creationId xmlns:p14="http://schemas.microsoft.com/office/powerpoint/2010/main" val="2553974341"/>
       </p:ext>
     </p:extLst>
   </p:cSld>
@@ -19759,7 +19842,7 @@
                 <a:latin typeface="Noto Sans" panose="020B0502040504020204"/>
                 <a:cs typeface="Nirmala UI Semilight" panose="020B0402040204020203" pitchFamily="34" charset="0"/>
               </a:rPr>
-              <a:t>Quality Assurance: Code Review</a:t>
+              <a:t>Quality Assurance: Coding Guideline </a:t>
             </a:r>
           </a:p>
         </p:txBody>
@@ -19788,6 +19871,540 @@
             <a:fld id="{134A3753-02B0-455D-8D9D-D71845697F25}" type="slidenum">
               <a:rPr lang="de-DE" smtClean="0"/>
               <a:t>20</a:t>
+            </a:fld>
+            <a:endParaRPr lang="de-DE"/>
+          </a:p>
+        </p:txBody>
+      </p:sp>
+      <p:sp>
+        <p:nvSpPr>
+          <p:cNvPr id="3" name="文本框 2">
+            <a:extLst>
+              <a:ext uri="{FF2B5EF4-FFF2-40B4-BE49-F238E27FC236}">
+                <a16:creationId xmlns:a16="http://schemas.microsoft.com/office/drawing/2014/main" id="{5D742482-B15D-4B2A-AD07-7E59DD43946D}"/>
+              </a:ext>
+            </a:extLst>
+          </p:cNvPr>
+          <p:cNvSpPr txBox="1"/>
+          <p:nvPr/>
+        </p:nvSpPr>
+        <p:spPr>
+          <a:xfrm>
+            <a:off x="852176" y="1470991"/>
+            <a:ext cx="7089189" cy="369332"/>
+          </a:xfrm>
+          <a:prstGeom prst="rect">
+            <a:avLst/>
+          </a:prstGeom>
+          <a:noFill/>
+        </p:spPr>
+        <p:txBody>
+          <a:bodyPr wrap="square" rtlCol="0">
+            <a:spAutoFit/>
+          </a:bodyPr>
+          <a:lstStyle/>
+          <a:p>
+            <a:endParaRPr lang="en-US" altLang="zh-CN" dirty="0">
+              <a:solidFill>
+                <a:schemeClr val="bg1">
+                  <a:lumMod val="85000"/>
+                </a:schemeClr>
+              </a:solidFill>
+              <a:latin typeface="Noto Sans" panose="020B0502040504020204"/>
+            </a:endParaRPr>
+          </a:p>
+        </p:txBody>
+      </p:sp>
+      <p:sp>
+        <p:nvSpPr>
+          <p:cNvPr id="16" name="文本框 15">
+            <a:extLst>
+              <a:ext uri="{FF2B5EF4-FFF2-40B4-BE49-F238E27FC236}">
+                <a16:creationId xmlns:a16="http://schemas.microsoft.com/office/drawing/2014/main" id="{7FCA585A-45CB-4A7F-A9CA-A577D070035D}"/>
+              </a:ext>
+            </a:extLst>
+          </p:cNvPr>
+          <p:cNvSpPr txBox="1"/>
+          <p:nvPr/>
+        </p:nvSpPr>
+        <p:spPr>
+          <a:xfrm>
+            <a:off x="852176" y="1470991"/>
+            <a:ext cx="7089189" cy="2031325"/>
+          </a:xfrm>
+          <a:prstGeom prst="rect">
+            <a:avLst/>
+          </a:prstGeom>
+          <a:noFill/>
+        </p:spPr>
+        <p:txBody>
+          <a:bodyPr wrap="square" rtlCol="0">
+            <a:spAutoFit/>
+          </a:bodyPr>
+          <a:lstStyle/>
+          <a:p>
+            <a:r>
+              <a:rPr lang="en-US" altLang="zh-CN" b="1" i="1" dirty="0">
+                <a:latin typeface="Noto Sans" panose="020B0502040504020204"/>
+              </a:rPr>
+              <a:t>C/C++ Coding Guide</a:t>
+            </a:r>
+          </a:p>
+          <a:p>
+            <a:pPr marL="285750" indent="-285750">
+              <a:buFontTx/>
+              <a:buChar char="-"/>
+            </a:pPr>
+            <a:r>
+              <a:rPr lang="en-US" altLang="zh-CN" dirty="0">
+                <a:latin typeface="Noto Sans" panose="020B0502040504020204"/>
+              </a:rPr>
+              <a:t>follow self-defined coding guidelines, includes naming conventions, file structure, etc. </a:t>
+            </a:r>
+          </a:p>
+          <a:p>
+            <a:pPr marL="285750" indent="-285750">
+              <a:buFontTx/>
+              <a:buChar char="-"/>
+            </a:pPr>
+            <a:endParaRPr lang="en-US" altLang="zh-CN" dirty="0">
+              <a:latin typeface="Noto Sans" panose="020B0502040504020204"/>
+            </a:endParaRPr>
+          </a:p>
+          <a:p>
+            <a:r>
+              <a:rPr lang="en-US" altLang="zh-CN" b="1" i="1" dirty="0">
+                <a:latin typeface="Noto Sans" panose="020B0502040504020204"/>
+              </a:rPr>
+              <a:t>Python Coding Guide</a:t>
+            </a:r>
+          </a:p>
+          <a:p>
+            <a:pPr marL="285750" indent="-285750">
+              <a:buFontTx/>
+              <a:buChar char="-"/>
+            </a:pPr>
+            <a:r>
+              <a:rPr lang="en-US" altLang="zh-CN" dirty="0">
+                <a:solidFill>
+                  <a:schemeClr val="tx1">
+                    <a:lumMod val="95000"/>
+                    <a:lumOff val="5000"/>
+                  </a:schemeClr>
+                </a:solidFill>
+                <a:latin typeface="Noto Sans" panose="020B0502040504020204"/>
+              </a:rPr>
+              <a:t>follow PEP 8 coding guidelines, use </a:t>
+            </a:r>
+            <a:r>
+              <a:rPr lang="en-US" altLang="zh-CN" dirty="0" err="1">
+                <a:solidFill>
+                  <a:schemeClr val="tx1">
+                    <a:lumMod val="95000"/>
+                    <a:lumOff val="5000"/>
+                  </a:schemeClr>
+                </a:solidFill>
+                <a:latin typeface="Noto Sans" panose="020B0502040504020204"/>
+              </a:rPr>
+              <a:t>Pylint</a:t>
+            </a:r>
+            <a:r>
+              <a:rPr lang="en-US" altLang="zh-CN" dirty="0">
+                <a:solidFill>
+                  <a:schemeClr val="tx1">
+                    <a:lumMod val="95000"/>
+                    <a:lumOff val="5000"/>
+                  </a:schemeClr>
+                </a:solidFill>
+                <a:latin typeface="Noto Sans" panose="020B0502040504020204"/>
+              </a:rPr>
+              <a:t> for checking</a:t>
+            </a:r>
+          </a:p>
+          <a:p>
+            <a:endParaRPr lang="en-US" altLang="zh-CN" dirty="0">
+              <a:latin typeface="Noto Sans" panose="020B0502040504020204"/>
+            </a:endParaRPr>
+          </a:p>
+        </p:txBody>
+      </p:sp>
+      <p:grpSp>
+        <p:nvGrpSpPr>
+          <p:cNvPr id="23" name="Gruppieren 9">
+            <a:extLst>
+              <a:ext uri="{FF2B5EF4-FFF2-40B4-BE49-F238E27FC236}">
+                <a16:creationId xmlns:a16="http://schemas.microsoft.com/office/drawing/2014/main" id="{AC82DE7A-DD63-4AEA-A66A-0589AA26E629}"/>
+              </a:ext>
+            </a:extLst>
+          </p:cNvPr>
+          <p:cNvGrpSpPr>
+            <a:grpSpLocks noChangeAspect="1"/>
+          </p:cNvGrpSpPr>
+          <p:nvPr/>
+        </p:nvGrpSpPr>
+        <p:grpSpPr>
+          <a:xfrm>
+            <a:off x="11178553" y="2431373"/>
+            <a:ext cx="528293" cy="2645076"/>
+            <a:chOff x="9900193" y="1530836"/>
+            <a:chExt cx="920569" cy="4609143"/>
+          </a:xfrm>
+        </p:grpSpPr>
+        <p:pic>
+          <p:nvPicPr>
+            <p:cNvPr id="24" name="Grafik 10" descr="Klemmbrett abgehakt">
+              <a:extLst>
+                <a:ext uri="{FF2B5EF4-FFF2-40B4-BE49-F238E27FC236}">
+                  <a16:creationId xmlns:a16="http://schemas.microsoft.com/office/drawing/2014/main" id="{6D90B3A4-85DB-494C-A40D-C4F8D1EDFD24}"/>
+                </a:ext>
+              </a:extLst>
+            </p:cNvPr>
+            <p:cNvPicPr>
+              <a:picLocks noChangeAspect="1"/>
+            </p:cNvPicPr>
+            <p:nvPr/>
+          </p:nvPicPr>
+          <p:blipFill>
+            <a:blip r:embed="rId2">
+              <a:extLst>
+                <a:ext uri="{28A0092B-C50C-407E-A947-70E740481C1C}">
+                  <a14:useLocalDpi xmlns:a14="http://schemas.microsoft.com/office/drawing/2010/main" val="0"/>
+                </a:ext>
+                <a:ext uri="{96DAC541-7B7A-43D3-8B79-37D633B846F1}">
+                  <asvg:svgBlip xmlns:asvg="http://schemas.microsoft.com/office/drawing/2016/SVG/main" r:embed="rId3"/>
+                </a:ext>
+              </a:extLst>
+            </a:blip>
+            <a:stretch>
+              <a:fillRect/>
+            </a:stretch>
+          </p:blipFill>
+          <p:spPr>
+            <a:xfrm>
+              <a:off x="9900193" y="5225579"/>
+              <a:ext cx="914400" cy="914400"/>
+            </a:xfrm>
+            <a:prstGeom prst="rect">
+              <a:avLst/>
+            </a:prstGeom>
+          </p:spPr>
+        </p:pic>
+        <p:pic>
+          <p:nvPicPr>
+            <p:cNvPr id="25" name="Grafik 11" descr="Häkchen">
+              <a:extLst>
+                <a:ext uri="{FF2B5EF4-FFF2-40B4-BE49-F238E27FC236}">
+                  <a16:creationId xmlns:a16="http://schemas.microsoft.com/office/drawing/2014/main" id="{4A9C495D-BA9B-44F2-8156-A0CC9645CEBC}"/>
+                </a:ext>
+              </a:extLst>
+            </p:cNvPr>
+            <p:cNvPicPr>
+              <a:picLocks noChangeAspect="1"/>
+            </p:cNvPicPr>
+            <p:nvPr/>
+          </p:nvPicPr>
+          <p:blipFill>
+            <a:blip r:embed="rId4">
+              <a:extLst>
+                <a:ext uri="{28A0092B-C50C-407E-A947-70E740481C1C}">
+                  <a14:useLocalDpi xmlns:a14="http://schemas.microsoft.com/office/drawing/2010/main" val="0"/>
+                </a:ext>
+                <a:ext uri="{96DAC541-7B7A-43D3-8B79-37D633B846F1}">
+                  <asvg:svgBlip xmlns:asvg="http://schemas.microsoft.com/office/drawing/2016/SVG/main" r:embed="rId5"/>
+                </a:ext>
+              </a:extLst>
+            </a:blip>
+            <a:stretch>
+              <a:fillRect/>
+            </a:stretch>
+          </p:blipFill>
+          <p:spPr>
+            <a:xfrm>
+              <a:off x="9906362" y="1530836"/>
+              <a:ext cx="914400" cy="914400"/>
+            </a:xfrm>
+            <a:prstGeom prst="rect">
+              <a:avLst/>
+            </a:prstGeom>
+          </p:spPr>
+        </p:pic>
+        <p:pic>
+          <p:nvPicPr>
+            <p:cNvPr id="26" name="Grafik 12" descr="Gehirn">
+              <a:extLst>
+                <a:ext uri="{FF2B5EF4-FFF2-40B4-BE49-F238E27FC236}">
+                  <a16:creationId xmlns:a16="http://schemas.microsoft.com/office/drawing/2014/main" id="{90A9E09A-AA44-478B-95B4-5345BBDD3366}"/>
+                </a:ext>
+              </a:extLst>
+            </p:cNvPr>
+            <p:cNvPicPr>
+              <a:picLocks noChangeAspect="1"/>
+            </p:cNvPicPr>
+            <p:nvPr/>
+          </p:nvPicPr>
+          <p:blipFill>
+            <a:blip r:embed="rId6">
+              <a:extLst>
+                <a:ext uri="{28A0092B-C50C-407E-A947-70E740481C1C}">
+                  <a14:useLocalDpi xmlns:a14="http://schemas.microsoft.com/office/drawing/2010/main" val="0"/>
+                </a:ext>
+                <a:ext uri="{96DAC541-7B7A-43D3-8B79-37D633B846F1}">
+                  <asvg:svgBlip xmlns:asvg="http://schemas.microsoft.com/office/drawing/2016/SVG/main" r:embed="rId7"/>
+                </a:ext>
+              </a:extLst>
+            </a:blip>
+            <a:stretch>
+              <a:fillRect/>
+            </a:stretch>
+          </p:blipFill>
+          <p:spPr>
+            <a:xfrm>
+              <a:off x="9900193" y="3375461"/>
+              <a:ext cx="914400" cy="914400"/>
+            </a:xfrm>
+            <a:prstGeom prst="rect">
+              <a:avLst/>
+            </a:prstGeom>
+          </p:spPr>
+        </p:pic>
+        <p:pic>
+          <p:nvPicPr>
+            <p:cNvPr id="27" name="Grafik 13" descr="Einhorn">
+              <a:extLst>
+                <a:ext uri="{FF2B5EF4-FFF2-40B4-BE49-F238E27FC236}">
+                  <a16:creationId xmlns:a16="http://schemas.microsoft.com/office/drawing/2014/main" id="{E14CF96E-679B-4670-85C8-4454F8649748}"/>
+                </a:ext>
+              </a:extLst>
+            </p:cNvPr>
+            <p:cNvPicPr>
+              <a:picLocks noChangeAspect="1"/>
+            </p:cNvPicPr>
+            <p:nvPr/>
+          </p:nvPicPr>
+          <p:blipFill>
+            <a:blip r:embed="rId8">
+              <a:extLst>
+                <a:ext uri="{28A0092B-C50C-407E-A947-70E740481C1C}">
+                  <a14:useLocalDpi xmlns:a14="http://schemas.microsoft.com/office/drawing/2010/main" val="0"/>
+                </a:ext>
+                <a:ext uri="{96DAC541-7B7A-43D3-8B79-37D633B846F1}">
+                  <asvg:svgBlip xmlns:asvg="http://schemas.microsoft.com/office/drawing/2016/SVG/main" r:embed="rId9"/>
+                </a:ext>
+              </a:extLst>
+            </a:blip>
+            <a:stretch>
+              <a:fillRect/>
+            </a:stretch>
+          </p:blipFill>
+          <p:spPr>
+            <a:xfrm>
+              <a:off x="9900193" y="4298238"/>
+              <a:ext cx="914400" cy="914400"/>
+            </a:xfrm>
+            <a:prstGeom prst="rect">
+              <a:avLst/>
+            </a:prstGeom>
+          </p:spPr>
+        </p:pic>
+        <p:pic>
+          <p:nvPicPr>
+            <p:cNvPr id="28" name="Grafik 14" descr="Hierarchie">
+              <a:extLst>
+                <a:ext uri="{FF2B5EF4-FFF2-40B4-BE49-F238E27FC236}">
+                  <a16:creationId xmlns:a16="http://schemas.microsoft.com/office/drawing/2014/main" id="{69743DDA-47FA-4E30-B8AB-649455E9F051}"/>
+                </a:ext>
+              </a:extLst>
+            </p:cNvPr>
+            <p:cNvPicPr>
+              <a:picLocks noChangeAspect="1"/>
+            </p:cNvPicPr>
+            <p:nvPr/>
+          </p:nvPicPr>
+          <p:blipFill>
+            <a:blip r:embed="rId10">
+              <a:extLst>
+                <a:ext uri="{28A0092B-C50C-407E-A947-70E740481C1C}">
+                  <a14:useLocalDpi xmlns:a14="http://schemas.microsoft.com/office/drawing/2010/main" val="0"/>
+                </a:ext>
+                <a:ext uri="{96DAC541-7B7A-43D3-8B79-37D633B846F1}">
+                  <asvg:svgBlip xmlns:asvg="http://schemas.microsoft.com/office/drawing/2016/SVG/main" r:embed="rId11"/>
+                </a:ext>
+              </a:extLst>
+            </a:blip>
+            <a:stretch>
+              <a:fillRect/>
+            </a:stretch>
+          </p:blipFill>
+          <p:spPr>
+            <a:xfrm>
+              <a:off x="9900193" y="2464538"/>
+              <a:ext cx="914400" cy="914400"/>
+            </a:xfrm>
+            <a:prstGeom prst="rect">
+              <a:avLst/>
+            </a:prstGeom>
+          </p:spPr>
+        </p:pic>
+      </p:grpSp>
+      <p:pic>
+        <p:nvPicPr>
+          <p:cNvPr id="1026" name="Picture 2" descr="Overview | Improve Your Code with Pylint and Black | Adafruit ...">
+            <a:extLst>
+              <a:ext uri="{FF2B5EF4-FFF2-40B4-BE49-F238E27FC236}">
+                <a16:creationId xmlns:a16="http://schemas.microsoft.com/office/drawing/2014/main" id="{7CF3D62F-1B55-4B00-93E9-B1AB8EACFBCB}"/>
+              </a:ext>
+            </a:extLst>
+          </p:cNvPr>
+          <p:cNvPicPr>
+            <a:picLocks noChangeAspect="1" noChangeArrowheads="1"/>
+          </p:cNvPicPr>
+          <p:nvPr/>
+        </p:nvPicPr>
+        <p:blipFill>
+          <a:blip r:embed="rId12">
+            <a:extLst>
+              <a:ext uri="{28A0092B-C50C-407E-A947-70E740481C1C}">
+                <a14:useLocalDpi xmlns:a14="http://schemas.microsoft.com/office/drawing/2010/main" val="0"/>
+              </a:ext>
+            </a:extLst>
+          </a:blip>
+          <a:srcRect/>
+          <a:stretch>
+            <a:fillRect/>
+          </a:stretch>
+        </p:blipFill>
+        <p:spPr bwMode="auto">
+          <a:xfrm>
+            <a:off x="5840715" y="3973887"/>
+            <a:ext cx="4201300" cy="1344416"/>
+          </a:xfrm>
+          <a:prstGeom prst="rect">
+            <a:avLst/>
+          </a:prstGeom>
+          <a:noFill/>
+          <a:extLst>
+            <a:ext uri="{909E8E84-426E-40DD-AFC4-6F175D3DCCD1}">
+              <a14:hiddenFill xmlns:a14="http://schemas.microsoft.com/office/drawing/2010/main">
+                <a:solidFill>
+                  <a:srgbClr val="FFFFFF"/>
+                </a:solidFill>
+              </a14:hiddenFill>
+            </a:ext>
+          </a:extLst>
+        </p:spPr>
+      </p:pic>
+    </p:spTree>
+    <p:extLst>
+      <p:ext uri="{BB962C8B-B14F-4D97-AF65-F5344CB8AC3E}">
+        <p14:creationId xmlns:p14="http://schemas.microsoft.com/office/powerpoint/2010/main" val="2553974341"/>
+      </p:ext>
+    </p:extLst>
+  </p:cSld>
+  <p:clrMapOvr>
+    <a:masterClrMapping/>
+  </p:clrMapOvr>
+</p:sld>
+</file>
+
+<file path=ppt/slides/slide21.xml><?xml version="1.0" encoding="utf-8"?>
+<p:sld xmlns:a="http://schemas.openxmlformats.org/drawingml/2006/main" xmlns:r="http://schemas.openxmlformats.org/officeDocument/2006/relationships" xmlns:p="http://schemas.openxmlformats.org/presentationml/2006/main">
+  <p:cSld>
+    <p:spTree>
+      <p:nvGrpSpPr>
+        <p:cNvPr id="1" name=""/>
+        <p:cNvGrpSpPr/>
+        <p:nvPr/>
+      </p:nvGrpSpPr>
+      <p:grpSpPr>
+        <a:xfrm>
+          <a:off x="0" y="0"/>
+          <a:ext cx="0" cy="0"/>
+          <a:chOff x="0" y="0"/>
+          <a:chExt cx="0" cy="0"/>
+        </a:xfrm>
+      </p:grpSpPr>
+      <p:sp>
+        <p:nvSpPr>
+          <p:cNvPr id="4" name="Rechteck 3">
+            <a:extLst>
+              <a:ext uri="{FF2B5EF4-FFF2-40B4-BE49-F238E27FC236}">
+                <a16:creationId xmlns:a16="http://schemas.microsoft.com/office/drawing/2014/main" id="{45600459-0D9D-4085-A38F-148B2CF7DEF5}"/>
+              </a:ext>
+            </a:extLst>
+          </p:cNvPr>
+          <p:cNvSpPr/>
+          <p:nvPr/>
+        </p:nvSpPr>
+        <p:spPr>
+          <a:xfrm>
+            <a:off x="852176" y="583064"/>
+            <a:ext cx="10590524" cy="540689"/>
+          </a:xfrm>
+          <a:prstGeom prst="rect">
+            <a:avLst/>
+          </a:prstGeom>
+          <a:noFill/>
+          <a:ln>
+            <a:noFill/>
+          </a:ln>
+        </p:spPr>
+        <p:style>
+          <a:lnRef idx="2">
+            <a:schemeClr val="accent1">
+              <a:shade val="50000"/>
+            </a:schemeClr>
+          </a:lnRef>
+          <a:fillRef idx="1">
+            <a:schemeClr val="accent1"/>
+          </a:fillRef>
+          <a:effectRef idx="0">
+            <a:schemeClr val="accent1"/>
+          </a:effectRef>
+          <a:fontRef idx="minor">
+            <a:schemeClr val="lt1"/>
+          </a:fontRef>
+        </p:style>
+        <p:txBody>
+          <a:bodyPr rtlCol="0" anchor="ctr"/>
+          <a:lstStyle/>
+          <a:p>
+            <a:r>
+              <a:rPr lang="de-DE" sz="2800" dirty="0">
+                <a:solidFill>
+                  <a:schemeClr val="tx1"/>
+                </a:solidFill>
+                <a:latin typeface="Noto Sans" panose="020B0502040504020204"/>
+                <a:cs typeface="Nirmala UI Semilight" panose="020B0402040204020203" pitchFamily="34" charset="0"/>
+              </a:rPr>
+              <a:t>Quality Assurance: Code Review</a:t>
+            </a:r>
+          </a:p>
+        </p:txBody>
+      </p:sp>
+      <p:sp>
+        <p:nvSpPr>
+          <p:cNvPr id="32" name="Foliennummernplatzhalter 31">
+            <a:extLst>
+              <a:ext uri="{FF2B5EF4-FFF2-40B4-BE49-F238E27FC236}">
+                <a16:creationId xmlns:a16="http://schemas.microsoft.com/office/drawing/2014/main" id="{C41D527C-B21D-4D92-8063-27F2C398946C}"/>
+              </a:ext>
+            </a:extLst>
+          </p:cNvPr>
+          <p:cNvSpPr>
+            <a:spLocks noGrp="1"/>
+          </p:cNvSpPr>
+          <p:nvPr>
+            <p:ph type="sldNum" sz="quarter" idx="12"/>
+          </p:nvPr>
+        </p:nvSpPr>
+        <p:spPr/>
+        <p:txBody>
+          <a:bodyPr/>
+          <a:lstStyle/>
+          <a:p>
+            <a:fld id="{134A3753-02B0-455D-8D9D-D71845697F25}" type="slidenum">
+              <a:rPr lang="de-DE" smtClean="0"/>
+              <a:t>21</a:t>
             </a:fld>
             <a:endParaRPr lang="de-DE"/>
           </a:p>
@@ -20227,7 +20844,7 @@
 </p:sld>
 </file>
 
-<file path=ppt/slides/slide21.xml><?xml version="1.0" encoding="utf-8"?>
+<file path=ppt/slides/slide22.xml><?xml version="1.0" encoding="utf-8"?>
 <p:sld xmlns:a="http://schemas.openxmlformats.org/drawingml/2006/main" xmlns:r="http://schemas.openxmlformats.org/officeDocument/2006/relationships" xmlns:p="http://schemas.openxmlformats.org/presentationml/2006/main">
   <p:cSld>
     <p:spTree>
@@ -20362,7 +20979,7 @@
           <a:p>
             <a:fld id="{134A3753-02B0-455D-8D9D-D71845697F25}" type="slidenum">
               <a:rPr lang="de-DE" smtClean="0"/>
-              <a:t>21</a:t>
+              <a:t>22</a:t>
             </a:fld>
             <a:endParaRPr lang="de-DE"/>
           </a:p>

--- a/orga/milestone_presentations/MP2.pptx
+++ b/orga/milestone_presentations/MP2.pptx
@@ -9685,7 +9685,7 @@
           <a:p>
             <a:fld id="{ECC7CCBA-594E-45B8-8FEA-2612E62C6221}" type="datetimeFigureOut">
               <a:rPr lang="de-DE" smtClean="0"/>
-              <a:t>04.06.2020</a:t>
+              <a:t>05.06.2020</a:t>
             </a:fld>
             <a:endParaRPr lang="de-DE"/>
           </a:p>

--- a/orga/milestone_presentations/MP2.pptx
+++ b/orga/milestone_presentations/MP2.pptx
@@ -5,7 +5,7 @@
     <p:sldMasterId id="2147483648" r:id="rId1"/>
   </p:sldMasterIdLst>
   <p:notesMasterIdLst>
-    <p:notesMasterId r:id="rId24"/>
+    <p:notesMasterId r:id="rId25"/>
   </p:notesMasterIdLst>
   <p:sldIdLst>
     <p:sldId id="256" r:id="rId2"/>
@@ -23,13 +23,14 @@
     <p:sldId id="274" r:id="rId14"/>
     <p:sldId id="276" r:id="rId15"/>
     <p:sldId id="284" r:id="rId16"/>
-    <p:sldId id="277" r:id="rId17"/>
-    <p:sldId id="278" r:id="rId18"/>
-    <p:sldId id="279" r:id="rId19"/>
-    <p:sldId id="280" r:id="rId20"/>
-    <p:sldId id="281" r:id="rId21"/>
-    <p:sldId id="282" r:id="rId22"/>
-    <p:sldId id="283" r:id="rId23"/>
+    <p:sldId id="285" r:id="rId17"/>
+    <p:sldId id="277" r:id="rId18"/>
+    <p:sldId id="278" r:id="rId19"/>
+    <p:sldId id="279" r:id="rId20"/>
+    <p:sldId id="280" r:id="rId21"/>
+    <p:sldId id="281" r:id="rId22"/>
+    <p:sldId id="282" r:id="rId23"/>
+    <p:sldId id="283" r:id="rId24"/>
   </p:sldIdLst>
   <p:sldSz cx="12192000" cy="6858000"/>
   <p:notesSz cx="6858000" cy="9144000"/>
@@ -15958,7 +15959,7 @@
         <p:spPr>
           <a:xfrm>
             <a:off x="852176" y="1470991"/>
-            <a:ext cx="7089189" cy="4801314"/>
+            <a:ext cx="7089189" cy="2862322"/>
           </a:xfrm>
           <a:prstGeom prst="rect">
             <a:avLst/>
@@ -15977,6 +15978,9 @@
               </a:rPr>
               <a:t>Current environment</a:t>
             </a:r>
+            <a:endParaRPr lang="en-US" altLang="zh-CN" dirty="0">
+              <a:latin typeface="Noto Sans" panose="020B0502040504020204"/>
+            </a:endParaRPr>
           </a:p>
           <a:p>
             <a:pPr marL="285750" indent="-285750">
@@ -15987,7 +15991,7 @@
               <a:rPr lang="en-US" altLang="zh-CN" dirty="0">
                 <a:latin typeface="Noto Sans" panose="020B0502040504020204"/>
               </a:rPr>
-              <a:t>observation function, uses the environment to setup an observation to be fed to RL agent</a:t>
+              <a:t>reset function, used to create a new environment for training</a:t>
             </a:r>
           </a:p>
           <a:p>
@@ -15999,7 +16003,31 @@
               <a:rPr lang="en-US" altLang="zh-CN" dirty="0">
                 <a:latin typeface="Noto Sans" panose="020B0502040504020204"/>
               </a:rPr>
-              <a:t>discrete action space, includes 3 speed options (speed up, maintain speed, speed down) and 3 direction options (turn left, go straight, turn right)</a:t>
+              <a:t>observation function, uses the states from </a:t>
+            </a:r>
+            <a:r>
+              <a:rPr lang="en-US" altLang="zh-CN" dirty="0" err="1">
+                <a:latin typeface="Noto Sans" panose="020B0502040504020204"/>
+              </a:rPr>
+              <a:t>webots</a:t>
+            </a:r>
+            <a:r>
+              <a:rPr lang="en-US" altLang="zh-CN" dirty="0">
+                <a:latin typeface="Noto Sans" panose="020B0502040504020204"/>
+              </a:rPr>
+              <a:t> to setup an observation to be fed to RL agent</a:t>
+            </a:r>
+          </a:p>
+          <a:p>
+            <a:pPr marL="285750" indent="-285750">
+              <a:buFontTx/>
+              <a:buChar char="-"/>
+            </a:pPr>
+            <a:r>
+              <a:rPr lang="en-US" altLang="zh-CN" dirty="0">
+                <a:latin typeface="Noto Sans" panose="020B0502040504020204"/>
+              </a:rPr>
+              <a:t>action space, includes speed commends and direction commends</a:t>
             </a:r>
           </a:p>
           <a:p>
@@ -16031,57 +16059,6 @@
               <a:buFontTx/>
               <a:buChar char="-"/>
             </a:pPr>
-            <a:endParaRPr lang="en-US" altLang="zh-CN" dirty="0">
-              <a:latin typeface="Noto Sans" panose="020B0502040504020204"/>
-            </a:endParaRPr>
-          </a:p>
-          <a:p>
-            <a:endParaRPr lang="en-US" altLang="zh-CN" dirty="0">
-              <a:latin typeface="Noto Sans" panose="020B0502040504020204"/>
-            </a:endParaRPr>
-          </a:p>
-          <a:p>
-            <a:r>
-              <a:rPr lang="en-US" altLang="zh-CN" b="1" i="1" dirty="0">
-                <a:latin typeface="Noto Sans" panose="020B0502040504020204"/>
-              </a:rPr>
-              <a:t>Goals</a:t>
-            </a:r>
-          </a:p>
-          <a:p>
-            <a:pPr marL="285750" indent="-285750">
-              <a:buFontTx/>
-              <a:buChar char="-"/>
-            </a:pPr>
-            <a:r>
-              <a:rPr lang="en-US" altLang="zh-CN" dirty="0">
-                <a:latin typeface="Noto Sans" panose="020B0502040504020204"/>
-              </a:rPr>
-              <a:t>continuous action space</a:t>
-            </a:r>
-          </a:p>
-          <a:p>
-            <a:pPr marL="285750" indent="-285750">
-              <a:buFontTx/>
-              <a:buChar char="-"/>
-            </a:pPr>
-            <a:r>
-              <a:rPr lang="en-US" altLang="zh-CN" dirty="0">
-                <a:latin typeface="Noto Sans" panose="020B0502040504020204"/>
-              </a:rPr>
-              <a:t>optimize reward functions</a:t>
-            </a:r>
-          </a:p>
-          <a:p>
-            <a:pPr marL="285750" indent="-285750">
-              <a:buFontTx/>
-              <a:buChar char="-"/>
-            </a:pPr>
-            <a:endParaRPr lang="en-US" altLang="zh-CN" dirty="0">
-              <a:latin typeface="Noto Sans" panose="020B0502040504020204"/>
-            </a:endParaRPr>
-          </a:p>
-          <a:p>
             <a:endParaRPr lang="en-US" altLang="zh-CN" dirty="0">
               <a:latin typeface="Noto Sans" panose="020B0502040504020204"/>
             </a:endParaRPr>
@@ -16394,7 +16371,7 @@
                 <a:latin typeface="Noto Sans" panose="020B0502040504020204"/>
                 <a:cs typeface="Nirmala UI Semilight" panose="020B0402040204020203" pitchFamily="34" charset="0"/>
               </a:rPr>
-              <a:t>RL Agent</a:t>
+              <a:t>Environment</a:t>
             </a:r>
             <a:endParaRPr lang="de-DE" sz="2800" dirty="0">
               <a:solidFill>
@@ -16430,6 +16407,523 @@
             <a:fld id="{134A3753-02B0-455D-8D9D-D71845697F25}" type="slidenum">
               <a:rPr lang="de-DE" smtClean="0"/>
               <a:t>16</a:t>
+            </a:fld>
+            <a:endParaRPr lang="de-DE"/>
+          </a:p>
+        </p:txBody>
+      </p:sp>
+      <p:sp>
+        <p:nvSpPr>
+          <p:cNvPr id="18" name="文本框 17">
+            <a:extLst>
+              <a:ext uri="{FF2B5EF4-FFF2-40B4-BE49-F238E27FC236}">
+                <a16:creationId xmlns:a16="http://schemas.microsoft.com/office/drawing/2014/main" id="{C7208BA5-F072-4E31-959C-EDA4B6B8D247}"/>
+              </a:ext>
+            </a:extLst>
+          </p:cNvPr>
+          <p:cNvSpPr txBox="1"/>
+          <p:nvPr/>
+        </p:nvSpPr>
+        <p:spPr>
+          <a:xfrm>
+            <a:off x="852176" y="1470991"/>
+            <a:ext cx="7089189" cy="4247317"/>
+          </a:xfrm>
+          <a:prstGeom prst="rect">
+            <a:avLst/>
+          </a:prstGeom>
+          <a:noFill/>
+        </p:spPr>
+        <p:txBody>
+          <a:bodyPr wrap="square" rtlCol="0">
+            <a:spAutoFit/>
+          </a:bodyPr>
+          <a:lstStyle/>
+          <a:p>
+            <a:r>
+              <a:rPr lang="en-US" altLang="zh-CN" b="1" i="1" dirty="0">
+                <a:latin typeface="Noto Sans" panose="020B0502040504020204"/>
+              </a:rPr>
+              <a:t>Current environment</a:t>
+            </a:r>
+            <a:endParaRPr lang="en-US" altLang="zh-CN" dirty="0">
+              <a:latin typeface="Noto Sans" panose="020B0502040504020204"/>
+            </a:endParaRPr>
+          </a:p>
+          <a:p>
+            <a:pPr marL="285750" indent="-285750">
+              <a:buFontTx/>
+              <a:buChar char="-"/>
+            </a:pPr>
+            <a:r>
+              <a:rPr lang="en-US" altLang="zh-CN" dirty="0">
+                <a:latin typeface="Noto Sans" panose="020B0502040504020204"/>
+              </a:rPr>
+              <a:t>reset function, used to create a new environment for training</a:t>
+            </a:r>
+          </a:p>
+          <a:p>
+            <a:pPr marL="285750" indent="-285750">
+              <a:buFontTx/>
+              <a:buChar char="-"/>
+            </a:pPr>
+            <a:r>
+              <a:rPr lang="en-US" altLang="zh-CN" dirty="0">
+                <a:latin typeface="Noto Sans" panose="020B0502040504020204"/>
+              </a:rPr>
+              <a:t>observation function, uses the states from </a:t>
+            </a:r>
+            <a:r>
+              <a:rPr lang="en-US" altLang="zh-CN" dirty="0" err="1">
+                <a:latin typeface="Noto Sans" panose="020B0502040504020204"/>
+              </a:rPr>
+              <a:t>webots</a:t>
+            </a:r>
+            <a:r>
+              <a:rPr lang="en-US" altLang="zh-CN" dirty="0">
+                <a:latin typeface="Noto Sans" panose="020B0502040504020204"/>
+              </a:rPr>
+              <a:t> to setup an observation to be fed to RL agent</a:t>
+            </a:r>
+          </a:p>
+          <a:p>
+            <a:pPr marL="285750" indent="-285750">
+              <a:buFontTx/>
+              <a:buChar char="-"/>
+            </a:pPr>
+            <a:r>
+              <a:rPr lang="en-US" altLang="zh-CN" dirty="0">
+                <a:latin typeface="Noto Sans" panose="020B0502040504020204"/>
+              </a:rPr>
+              <a:t>action space, includes speed commends and direction commends</a:t>
+            </a:r>
+          </a:p>
+          <a:p>
+            <a:pPr marL="285750" indent="-285750">
+              <a:buFontTx/>
+              <a:buChar char="-"/>
+            </a:pPr>
+            <a:r>
+              <a:rPr lang="en-US" altLang="zh-CN" dirty="0">
+                <a:latin typeface="Noto Sans" panose="020B0502040504020204"/>
+              </a:rPr>
+              <a:t>reward class, includes several reward functions </a:t>
+            </a:r>
+          </a:p>
+          <a:p>
+            <a:pPr marL="285750" indent="-285750">
+              <a:buFontTx/>
+              <a:buChar char="-"/>
+            </a:pPr>
+            <a:r>
+              <a:rPr lang="en-US" altLang="zh-CN" dirty="0">
+                <a:latin typeface="Noto Sans" panose="020B0502040504020204"/>
+              </a:rPr>
+              <a:t>step function, gets the current state from the external controller and sends action back</a:t>
+            </a:r>
+          </a:p>
+          <a:p>
+            <a:pPr marL="285750" indent="-285750">
+              <a:buFontTx/>
+              <a:buChar char="-"/>
+            </a:pPr>
+            <a:endParaRPr lang="en-US" altLang="zh-CN" dirty="0">
+              <a:latin typeface="Noto Sans" panose="020B0502040504020204"/>
+            </a:endParaRPr>
+          </a:p>
+          <a:p>
+            <a:endParaRPr lang="en-US" altLang="zh-CN" dirty="0">
+              <a:latin typeface="Noto Sans" panose="020B0502040504020204"/>
+            </a:endParaRPr>
+          </a:p>
+          <a:p>
+            <a:r>
+              <a:rPr lang="en-US" altLang="zh-CN" b="1" i="1" dirty="0">
+                <a:latin typeface="Noto Sans" panose="020B0502040504020204"/>
+              </a:rPr>
+              <a:t>Goals</a:t>
+            </a:r>
+          </a:p>
+          <a:p>
+            <a:pPr marL="285750" indent="-285750">
+              <a:buFontTx/>
+              <a:buChar char="-"/>
+            </a:pPr>
+            <a:r>
+              <a:rPr lang="en-US" altLang="zh-CN" dirty="0">
+                <a:latin typeface="Noto Sans" panose="020B0502040504020204"/>
+              </a:rPr>
+              <a:t>test reward function and optimize it</a:t>
+            </a:r>
+          </a:p>
+          <a:p>
+            <a:pPr marL="285750" indent="-285750">
+              <a:buFontTx/>
+              <a:buChar char="-"/>
+            </a:pPr>
+            <a:r>
+              <a:rPr lang="en-US" altLang="zh-CN" dirty="0">
+                <a:latin typeface="Noto Sans" panose="020B0502040504020204"/>
+              </a:rPr>
+              <a:t>complete automated training</a:t>
+            </a:r>
+          </a:p>
+          <a:p>
+            <a:pPr marL="285750" indent="-285750">
+              <a:buFontTx/>
+              <a:buChar char="-"/>
+            </a:pPr>
+            <a:r>
+              <a:rPr lang="en-US" altLang="zh-CN" dirty="0">
+                <a:latin typeface="Noto Sans" panose="020B0502040504020204"/>
+              </a:rPr>
+              <a:t>add more info to observation (optional)</a:t>
+            </a:r>
+          </a:p>
+          <a:p>
+            <a:endParaRPr lang="en-US" altLang="zh-CN" dirty="0">
+              <a:latin typeface="Noto Sans" panose="020B0502040504020204"/>
+            </a:endParaRPr>
+          </a:p>
+        </p:txBody>
+      </p:sp>
+      <p:grpSp>
+        <p:nvGrpSpPr>
+          <p:cNvPr id="23" name="Gruppieren 9">
+            <a:extLst>
+              <a:ext uri="{FF2B5EF4-FFF2-40B4-BE49-F238E27FC236}">
+                <a16:creationId xmlns:a16="http://schemas.microsoft.com/office/drawing/2014/main" id="{7214098B-7BB0-4699-BBB9-0747E5226DB2}"/>
+              </a:ext>
+            </a:extLst>
+          </p:cNvPr>
+          <p:cNvGrpSpPr>
+            <a:grpSpLocks noChangeAspect="1"/>
+          </p:cNvGrpSpPr>
+          <p:nvPr/>
+        </p:nvGrpSpPr>
+        <p:grpSpPr>
+          <a:xfrm>
+            <a:off x="11178553" y="2431373"/>
+            <a:ext cx="528293" cy="2645076"/>
+            <a:chOff x="9900193" y="1530836"/>
+            <a:chExt cx="920569" cy="4609143"/>
+          </a:xfrm>
+        </p:grpSpPr>
+        <p:pic>
+          <p:nvPicPr>
+            <p:cNvPr id="24" name="Grafik 10" descr="Klemmbrett abgehakt">
+              <a:extLst>
+                <a:ext uri="{FF2B5EF4-FFF2-40B4-BE49-F238E27FC236}">
+                  <a16:creationId xmlns:a16="http://schemas.microsoft.com/office/drawing/2014/main" id="{C7713B9F-B28D-4E8B-8E64-BE34DCE3D64D}"/>
+                </a:ext>
+              </a:extLst>
+            </p:cNvPr>
+            <p:cNvPicPr>
+              <a:picLocks noChangeAspect="1"/>
+            </p:cNvPicPr>
+            <p:nvPr/>
+          </p:nvPicPr>
+          <p:blipFill>
+            <a:blip r:embed="rId2">
+              <a:extLst>
+                <a:ext uri="{28A0092B-C50C-407E-A947-70E740481C1C}">
+                  <a14:useLocalDpi xmlns:a14="http://schemas.microsoft.com/office/drawing/2010/main" val="0"/>
+                </a:ext>
+                <a:ext uri="{96DAC541-7B7A-43D3-8B79-37D633B846F1}">
+                  <asvg:svgBlip xmlns:asvg="http://schemas.microsoft.com/office/drawing/2016/SVG/main" r:embed="rId3"/>
+                </a:ext>
+              </a:extLst>
+            </a:blip>
+            <a:stretch>
+              <a:fillRect/>
+            </a:stretch>
+          </p:blipFill>
+          <p:spPr>
+            <a:xfrm>
+              <a:off x="9900193" y="5225579"/>
+              <a:ext cx="914400" cy="914400"/>
+            </a:xfrm>
+            <a:prstGeom prst="rect">
+              <a:avLst/>
+            </a:prstGeom>
+          </p:spPr>
+        </p:pic>
+        <p:pic>
+          <p:nvPicPr>
+            <p:cNvPr id="25" name="Grafik 11" descr="Häkchen">
+              <a:extLst>
+                <a:ext uri="{FF2B5EF4-FFF2-40B4-BE49-F238E27FC236}">
+                  <a16:creationId xmlns:a16="http://schemas.microsoft.com/office/drawing/2014/main" id="{29E8E809-2019-46B4-8E4A-E78B22674668}"/>
+                </a:ext>
+              </a:extLst>
+            </p:cNvPr>
+            <p:cNvPicPr>
+              <a:picLocks noChangeAspect="1"/>
+            </p:cNvPicPr>
+            <p:nvPr/>
+          </p:nvPicPr>
+          <p:blipFill>
+            <a:blip r:embed="rId4">
+              <a:extLst>
+                <a:ext uri="{28A0092B-C50C-407E-A947-70E740481C1C}">
+                  <a14:useLocalDpi xmlns:a14="http://schemas.microsoft.com/office/drawing/2010/main" val="0"/>
+                </a:ext>
+                <a:ext uri="{96DAC541-7B7A-43D3-8B79-37D633B846F1}">
+                  <asvg:svgBlip xmlns:asvg="http://schemas.microsoft.com/office/drawing/2016/SVG/main" r:embed="rId5"/>
+                </a:ext>
+              </a:extLst>
+            </a:blip>
+            <a:stretch>
+              <a:fillRect/>
+            </a:stretch>
+          </p:blipFill>
+          <p:spPr>
+            <a:xfrm>
+              <a:off x="9906362" y="1530836"/>
+              <a:ext cx="914400" cy="914400"/>
+            </a:xfrm>
+            <a:prstGeom prst="rect">
+              <a:avLst/>
+            </a:prstGeom>
+          </p:spPr>
+        </p:pic>
+        <p:pic>
+          <p:nvPicPr>
+            <p:cNvPr id="26" name="Grafik 12" descr="Gehirn">
+              <a:extLst>
+                <a:ext uri="{FF2B5EF4-FFF2-40B4-BE49-F238E27FC236}">
+                  <a16:creationId xmlns:a16="http://schemas.microsoft.com/office/drawing/2014/main" id="{C85B0726-B1DF-422E-9FD4-13E300693BD4}"/>
+                </a:ext>
+              </a:extLst>
+            </p:cNvPr>
+            <p:cNvPicPr>
+              <a:picLocks noChangeAspect="1"/>
+            </p:cNvPicPr>
+            <p:nvPr/>
+          </p:nvPicPr>
+          <p:blipFill>
+            <a:blip r:embed="rId6">
+              <a:extLst>
+                <a:ext uri="{28A0092B-C50C-407E-A947-70E740481C1C}">
+                  <a14:useLocalDpi xmlns:a14="http://schemas.microsoft.com/office/drawing/2010/main" val="0"/>
+                </a:ext>
+                <a:ext uri="{96DAC541-7B7A-43D3-8B79-37D633B846F1}">
+                  <asvg:svgBlip xmlns:asvg="http://schemas.microsoft.com/office/drawing/2016/SVG/main" r:embed="rId7"/>
+                </a:ext>
+              </a:extLst>
+            </a:blip>
+            <a:stretch>
+              <a:fillRect/>
+            </a:stretch>
+          </p:blipFill>
+          <p:spPr>
+            <a:xfrm>
+              <a:off x="9900193" y="3375461"/>
+              <a:ext cx="914400" cy="914400"/>
+            </a:xfrm>
+            <a:prstGeom prst="rect">
+              <a:avLst/>
+            </a:prstGeom>
+          </p:spPr>
+        </p:pic>
+        <p:pic>
+          <p:nvPicPr>
+            <p:cNvPr id="27" name="Grafik 13" descr="Einhorn">
+              <a:extLst>
+                <a:ext uri="{FF2B5EF4-FFF2-40B4-BE49-F238E27FC236}">
+                  <a16:creationId xmlns:a16="http://schemas.microsoft.com/office/drawing/2014/main" id="{71FFD94C-9A42-42BB-98E5-52EF9E66A50D}"/>
+                </a:ext>
+              </a:extLst>
+            </p:cNvPr>
+            <p:cNvPicPr>
+              <a:picLocks noChangeAspect="1"/>
+            </p:cNvPicPr>
+            <p:nvPr/>
+          </p:nvPicPr>
+          <p:blipFill>
+            <a:blip r:embed="rId8">
+              <a:extLst>
+                <a:ext uri="{28A0092B-C50C-407E-A947-70E740481C1C}">
+                  <a14:useLocalDpi xmlns:a14="http://schemas.microsoft.com/office/drawing/2010/main" val="0"/>
+                </a:ext>
+                <a:ext uri="{96DAC541-7B7A-43D3-8B79-37D633B846F1}">
+                  <asvg:svgBlip xmlns:asvg="http://schemas.microsoft.com/office/drawing/2016/SVG/main" r:embed="rId9"/>
+                </a:ext>
+              </a:extLst>
+            </a:blip>
+            <a:stretch>
+              <a:fillRect/>
+            </a:stretch>
+          </p:blipFill>
+          <p:spPr>
+            <a:xfrm>
+              <a:off x="9900193" y="4298238"/>
+              <a:ext cx="914400" cy="914400"/>
+            </a:xfrm>
+            <a:prstGeom prst="rect">
+              <a:avLst/>
+            </a:prstGeom>
+          </p:spPr>
+        </p:pic>
+        <p:pic>
+          <p:nvPicPr>
+            <p:cNvPr id="28" name="Grafik 14" descr="Hierarchie">
+              <a:extLst>
+                <a:ext uri="{FF2B5EF4-FFF2-40B4-BE49-F238E27FC236}">
+                  <a16:creationId xmlns:a16="http://schemas.microsoft.com/office/drawing/2014/main" id="{AF791CCA-26D3-4265-B5DE-FFD9FFBEE78F}"/>
+                </a:ext>
+              </a:extLst>
+            </p:cNvPr>
+            <p:cNvPicPr>
+              <a:picLocks noChangeAspect="1"/>
+            </p:cNvPicPr>
+            <p:nvPr/>
+          </p:nvPicPr>
+          <p:blipFill>
+            <a:blip r:embed="rId10">
+              <a:extLst>
+                <a:ext uri="{28A0092B-C50C-407E-A947-70E740481C1C}">
+                  <a14:useLocalDpi xmlns:a14="http://schemas.microsoft.com/office/drawing/2010/main" val="0"/>
+                </a:ext>
+                <a:ext uri="{96DAC541-7B7A-43D3-8B79-37D633B846F1}">
+                  <asvg:svgBlip xmlns:asvg="http://schemas.microsoft.com/office/drawing/2016/SVG/main" r:embed="rId11"/>
+                </a:ext>
+              </a:extLst>
+            </a:blip>
+            <a:stretch>
+              <a:fillRect/>
+            </a:stretch>
+          </p:blipFill>
+          <p:spPr>
+            <a:xfrm>
+              <a:off x="9900193" y="2464538"/>
+              <a:ext cx="914400" cy="914400"/>
+            </a:xfrm>
+            <a:prstGeom prst="rect">
+              <a:avLst/>
+            </a:prstGeom>
+          </p:spPr>
+        </p:pic>
+      </p:grpSp>
+    </p:spTree>
+    <p:extLst>
+      <p:ext uri="{BB962C8B-B14F-4D97-AF65-F5344CB8AC3E}">
+        <p14:creationId xmlns:p14="http://schemas.microsoft.com/office/powerpoint/2010/main" val="909834108"/>
+      </p:ext>
+    </p:extLst>
+  </p:cSld>
+  <p:clrMapOvr>
+    <a:masterClrMapping/>
+  </p:clrMapOvr>
+</p:sld>
+</file>
+
+<file path=ppt/slides/slide17.xml><?xml version="1.0" encoding="utf-8"?>
+<p:sld xmlns:a="http://schemas.openxmlformats.org/drawingml/2006/main" xmlns:r="http://schemas.openxmlformats.org/officeDocument/2006/relationships" xmlns:p="http://schemas.openxmlformats.org/presentationml/2006/main">
+  <p:cSld>
+    <p:spTree>
+      <p:nvGrpSpPr>
+        <p:cNvPr id="1" name=""/>
+        <p:cNvGrpSpPr/>
+        <p:nvPr/>
+      </p:nvGrpSpPr>
+      <p:grpSpPr>
+        <a:xfrm>
+          <a:off x="0" y="0"/>
+          <a:ext cx="0" cy="0"/>
+          <a:chOff x="0" y="0"/>
+          <a:chExt cx="0" cy="0"/>
+        </a:xfrm>
+      </p:grpSpPr>
+      <p:sp>
+        <p:nvSpPr>
+          <p:cNvPr id="4" name="Rechteck 3">
+            <a:extLst>
+              <a:ext uri="{FF2B5EF4-FFF2-40B4-BE49-F238E27FC236}">
+                <a16:creationId xmlns:a16="http://schemas.microsoft.com/office/drawing/2014/main" id="{45600459-0D9D-4085-A38F-148B2CF7DEF5}"/>
+              </a:ext>
+            </a:extLst>
+          </p:cNvPr>
+          <p:cNvSpPr/>
+          <p:nvPr/>
+        </p:nvSpPr>
+        <p:spPr>
+          <a:xfrm>
+            <a:off x="852176" y="583064"/>
+            <a:ext cx="10590524" cy="540689"/>
+          </a:xfrm>
+          <a:prstGeom prst="rect">
+            <a:avLst/>
+          </a:prstGeom>
+          <a:noFill/>
+          <a:ln>
+            <a:noFill/>
+          </a:ln>
+        </p:spPr>
+        <p:style>
+          <a:lnRef idx="2">
+            <a:schemeClr val="accent1">
+              <a:shade val="50000"/>
+            </a:schemeClr>
+          </a:lnRef>
+          <a:fillRef idx="1">
+            <a:schemeClr val="accent1"/>
+          </a:fillRef>
+          <a:effectRef idx="0">
+            <a:schemeClr val="accent1"/>
+          </a:effectRef>
+          <a:fontRef idx="minor">
+            <a:schemeClr val="lt1"/>
+          </a:fontRef>
+        </p:style>
+        <p:txBody>
+          <a:bodyPr rtlCol="0" anchor="ctr"/>
+          <a:lstStyle/>
+          <a:p>
+            <a:r>
+              <a:rPr lang="en-US" sz="2800" dirty="0">
+                <a:solidFill>
+                  <a:schemeClr val="tx1"/>
+                </a:solidFill>
+                <a:latin typeface="Noto Sans" panose="020B0502040504020204"/>
+                <a:cs typeface="Nirmala UI Semilight" panose="020B0402040204020203" pitchFamily="34" charset="0"/>
+              </a:rPr>
+              <a:t>RL Agent</a:t>
+            </a:r>
+            <a:endParaRPr lang="de-DE" sz="2800" dirty="0">
+              <a:solidFill>
+                <a:schemeClr val="tx1"/>
+              </a:solidFill>
+              <a:latin typeface="Noto Sans" panose="020B0502040504020204"/>
+              <a:cs typeface="Nirmala UI Semilight" panose="020B0402040204020203" pitchFamily="34" charset="0"/>
+            </a:endParaRPr>
+          </a:p>
+        </p:txBody>
+      </p:sp>
+      <p:sp>
+        <p:nvSpPr>
+          <p:cNvPr id="32" name="Foliennummernplatzhalter 31">
+            <a:extLst>
+              <a:ext uri="{FF2B5EF4-FFF2-40B4-BE49-F238E27FC236}">
+                <a16:creationId xmlns:a16="http://schemas.microsoft.com/office/drawing/2014/main" id="{C41D527C-B21D-4D92-8063-27F2C398946C}"/>
+              </a:ext>
+            </a:extLst>
+          </p:cNvPr>
+          <p:cNvSpPr>
+            <a:spLocks noGrp="1"/>
+          </p:cNvSpPr>
+          <p:nvPr>
+            <p:ph type="sldNum" sz="quarter" idx="12"/>
+          </p:nvPr>
+        </p:nvSpPr>
+        <p:spPr/>
+        <p:txBody>
+          <a:bodyPr/>
+          <a:lstStyle/>
+          <a:p>
+            <a:fld id="{134A3753-02B0-455D-8D9D-D71845697F25}" type="slidenum">
+              <a:rPr lang="de-DE" smtClean="0"/>
+              <a:t>17</a:t>
             </a:fld>
             <a:endParaRPr lang="de-DE"/>
           </a:p>
@@ -16902,531 +17396,6 @@
 </p:sld>
 </file>
 
-<file path=ppt/slides/slide17.xml><?xml version="1.0" encoding="utf-8"?>
-<p:sld xmlns:a="http://schemas.openxmlformats.org/drawingml/2006/main" xmlns:r="http://schemas.openxmlformats.org/officeDocument/2006/relationships" xmlns:p="http://schemas.openxmlformats.org/presentationml/2006/main">
-  <p:cSld>
-    <p:spTree>
-      <p:nvGrpSpPr>
-        <p:cNvPr id="1" name=""/>
-        <p:cNvGrpSpPr/>
-        <p:nvPr/>
-      </p:nvGrpSpPr>
-      <p:grpSpPr>
-        <a:xfrm>
-          <a:off x="0" y="0"/>
-          <a:ext cx="0" cy="0"/>
-          <a:chOff x="0" y="0"/>
-          <a:chExt cx="0" cy="0"/>
-        </a:xfrm>
-      </p:grpSpPr>
-      <p:sp>
-        <p:nvSpPr>
-          <p:cNvPr id="4" name="Rechteck 3">
-            <a:extLst>
-              <a:ext uri="{FF2B5EF4-FFF2-40B4-BE49-F238E27FC236}">
-                <a16:creationId xmlns:a16="http://schemas.microsoft.com/office/drawing/2014/main" id="{45600459-0D9D-4085-A38F-148B2CF7DEF5}"/>
-              </a:ext>
-            </a:extLst>
-          </p:cNvPr>
-          <p:cNvSpPr/>
-          <p:nvPr/>
-        </p:nvSpPr>
-        <p:spPr>
-          <a:xfrm>
-            <a:off x="852176" y="583064"/>
-            <a:ext cx="10590524" cy="540689"/>
-          </a:xfrm>
-          <a:prstGeom prst="rect">
-            <a:avLst/>
-          </a:prstGeom>
-          <a:noFill/>
-          <a:ln>
-            <a:noFill/>
-          </a:ln>
-        </p:spPr>
-        <p:style>
-          <a:lnRef idx="2">
-            <a:schemeClr val="accent1">
-              <a:shade val="50000"/>
-            </a:schemeClr>
-          </a:lnRef>
-          <a:fillRef idx="1">
-            <a:schemeClr val="accent1"/>
-          </a:fillRef>
-          <a:effectRef idx="0">
-            <a:schemeClr val="accent1"/>
-          </a:effectRef>
-          <a:fontRef idx="minor">
-            <a:schemeClr val="lt1"/>
-          </a:fontRef>
-        </p:style>
-        <p:txBody>
-          <a:bodyPr rtlCol="0" anchor="ctr"/>
-          <a:lstStyle/>
-          <a:p>
-            <a:r>
-              <a:rPr lang="en-US" altLang="zh-CN" sz="2800" dirty="0">
-                <a:solidFill>
-                  <a:schemeClr val="tx1"/>
-                </a:solidFill>
-                <a:latin typeface="Noto Sans" panose="020B0502040504020204"/>
-                <a:cs typeface="Nirmala UI Semilight" panose="020B0402040204020203" pitchFamily="34" charset="0"/>
-              </a:rPr>
-              <a:t>Fake Environment</a:t>
-            </a:r>
-            <a:endParaRPr lang="de-DE" sz="2800" dirty="0">
-              <a:solidFill>
-                <a:schemeClr val="tx1"/>
-              </a:solidFill>
-              <a:latin typeface="Noto Sans" panose="020B0502040504020204"/>
-              <a:cs typeface="Nirmala UI Semilight" panose="020B0402040204020203" pitchFamily="34" charset="0"/>
-            </a:endParaRPr>
-          </a:p>
-        </p:txBody>
-      </p:sp>
-      <p:sp>
-        <p:nvSpPr>
-          <p:cNvPr id="32" name="Foliennummernplatzhalter 31">
-            <a:extLst>
-              <a:ext uri="{FF2B5EF4-FFF2-40B4-BE49-F238E27FC236}">
-                <a16:creationId xmlns:a16="http://schemas.microsoft.com/office/drawing/2014/main" id="{C41D527C-B21D-4D92-8063-27F2C398946C}"/>
-              </a:ext>
-            </a:extLst>
-          </p:cNvPr>
-          <p:cNvSpPr>
-            <a:spLocks noGrp="1"/>
-          </p:cNvSpPr>
-          <p:nvPr>
-            <p:ph type="sldNum" sz="quarter" idx="12"/>
-          </p:nvPr>
-        </p:nvSpPr>
-        <p:spPr/>
-        <p:txBody>
-          <a:bodyPr/>
-          <a:lstStyle/>
-          <a:p>
-            <a:fld id="{134A3753-02B0-455D-8D9D-D71845697F25}" type="slidenum">
-              <a:rPr lang="de-DE" smtClean="0"/>
-              <a:t>17</a:t>
-            </a:fld>
-            <a:endParaRPr lang="de-DE"/>
-          </a:p>
-        </p:txBody>
-      </p:sp>
-      <p:sp>
-        <p:nvSpPr>
-          <p:cNvPr id="17" name="文本框 16">
-            <a:extLst>
-              <a:ext uri="{FF2B5EF4-FFF2-40B4-BE49-F238E27FC236}">
-                <a16:creationId xmlns:a16="http://schemas.microsoft.com/office/drawing/2014/main" id="{2A8F2878-3377-4055-A68E-A2E9443EB18D}"/>
-              </a:ext>
-            </a:extLst>
-          </p:cNvPr>
-          <p:cNvSpPr txBox="1"/>
-          <p:nvPr/>
-        </p:nvSpPr>
-        <p:spPr>
-          <a:xfrm>
-            <a:off x="852176" y="1470991"/>
-            <a:ext cx="7089189" cy="3693319"/>
-          </a:xfrm>
-          <a:prstGeom prst="rect">
-            <a:avLst/>
-          </a:prstGeom>
-          <a:noFill/>
-        </p:spPr>
-        <p:txBody>
-          <a:bodyPr wrap="square" rtlCol="0">
-            <a:spAutoFit/>
-          </a:bodyPr>
-          <a:lstStyle/>
-          <a:p>
-            <a:r>
-              <a:rPr lang="en-US" altLang="zh-CN" b="1" i="1" dirty="0">
-                <a:latin typeface="Noto Sans" panose="020B0502040504020204"/>
-              </a:rPr>
-              <a:t>State space</a:t>
-            </a:r>
-          </a:p>
-          <a:p>
-            <a:pPr marL="285750" indent="-285750">
-              <a:buFontTx/>
-              <a:buChar char="-"/>
-            </a:pPr>
-            <a:r>
-              <a:rPr lang="en-US" altLang="zh-CN" dirty="0">
-                <a:latin typeface="Noto Sans" panose="020B0502040504020204"/>
-              </a:rPr>
-              <a:t>Current GPS location</a:t>
-            </a:r>
-          </a:p>
-          <a:p>
-            <a:pPr marL="285750" indent="-285750">
-              <a:buFontTx/>
-              <a:buChar char="-"/>
-            </a:pPr>
-            <a:r>
-              <a:rPr lang="en-US" altLang="zh-CN" dirty="0">
-                <a:latin typeface="Noto Sans" panose="020B0502040504020204"/>
-              </a:rPr>
-              <a:t>Target GPS location</a:t>
-            </a:r>
-          </a:p>
-          <a:p>
-            <a:pPr marL="285750" indent="-285750">
-              <a:buFontTx/>
-              <a:buChar char="-"/>
-            </a:pPr>
-            <a:r>
-              <a:rPr lang="en-US" altLang="zh-CN" dirty="0">
-                <a:latin typeface="Noto Sans" panose="020B0502040504020204"/>
-              </a:rPr>
-              <a:t>Distance sensors</a:t>
-            </a:r>
-          </a:p>
-          <a:p>
-            <a:pPr marL="285750" indent="-285750">
-              <a:buFontTx/>
-              <a:buChar char="-"/>
-            </a:pPr>
-            <a:r>
-              <a:rPr lang="en-US" altLang="zh-CN" dirty="0">
-                <a:latin typeface="Noto Sans" panose="020B0502040504020204"/>
-              </a:rPr>
-              <a:t>Touching obstacle</a:t>
-            </a:r>
-          </a:p>
-          <a:p>
-            <a:pPr marL="285750" indent="-285750">
-              <a:buFontTx/>
-              <a:buChar char="-"/>
-            </a:pPr>
-            <a:endParaRPr lang="en-US" altLang="zh-CN" dirty="0">
-              <a:latin typeface="Noto Sans" panose="020B0502040504020204"/>
-            </a:endParaRPr>
-          </a:p>
-          <a:p>
-            <a:r>
-              <a:rPr lang="en-US" altLang="zh-CN" b="1" i="1" dirty="0">
-                <a:latin typeface="Noto Sans" panose="020B0502040504020204"/>
-              </a:rPr>
-              <a:t>Action space</a:t>
-            </a:r>
-          </a:p>
-          <a:p>
-            <a:pPr marL="285750" indent="-285750">
-              <a:buFontTx/>
-              <a:buChar char="-"/>
-            </a:pPr>
-            <a:r>
-              <a:rPr lang="en-US" altLang="zh-CN" dirty="0">
-                <a:latin typeface="Noto Sans" panose="020B0502040504020204"/>
-              </a:rPr>
-              <a:t>4 directions(N, E, S, W)</a:t>
-            </a:r>
-          </a:p>
-          <a:p>
-            <a:pPr marL="285750" indent="-285750">
-              <a:buFontTx/>
-              <a:buChar char="-"/>
-            </a:pPr>
-            <a:r>
-              <a:rPr lang="en-US" altLang="zh-CN" dirty="0">
-                <a:latin typeface="Noto Sans" panose="020B0502040504020204"/>
-              </a:rPr>
-              <a:t>Fixed step size</a:t>
-            </a:r>
-          </a:p>
-          <a:p>
-            <a:pPr marL="285750" indent="-285750">
-              <a:buFontTx/>
-              <a:buChar char="-"/>
-            </a:pPr>
-            <a:endParaRPr lang="en-US" altLang="zh-CN" dirty="0">
-              <a:latin typeface="Noto Sans" panose="020B0502040504020204"/>
-            </a:endParaRPr>
-          </a:p>
-          <a:p>
-            <a:r>
-              <a:rPr lang="en-US" altLang="zh-CN" b="1" i="1" dirty="0">
-                <a:latin typeface="Noto Sans" panose="020B0502040504020204"/>
-              </a:rPr>
-              <a:t>Reward function</a:t>
-            </a:r>
-          </a:p>
-          <a:p>
-            <a:endParaRPr lang="en-US" altLang="zh-CN" dirty="0">
-              <a:latin typeface="Noto Sans" panose="020B0502040504020204"/>
-            </a:endParaRPr>
-          </a:p>
-          <a:p>
-            <a:endParaRPr lang="en-US" altLang="zh-CN" dirty="0">
-              <a:latin typeface="Noto Sans" panose="020B0502040504020204"/>
-            </a:endParaRPr>
-          </a:p>
-        </p:txBody>
-      </p:sp>
-      <p:pic>
-        <p:nvPicPr>
-          <p:cNvPr id="2" name="图片 1">
-            <a:extLst>
-              <a:ext uri="{FF2B5EF4-FFF2-40B4-BE49-F238E27FC236}">
-                <a16:creationId xmlns:a16="http://schemas.microsoft.com/office/drawing/2014/main" id="{1843A744-B46C-4266-8BB3-978020526B8E}"/>
-              </a:ext>
-            </a:extLst>
-          </p:cNvPr>
-          <p:cNvPicPr>
-            <a:picLocks noChangeAspect="1"/>
-          </p:cNvPicPr>
-          <p:nvPr/>
-        </p:nvPicPr>
-        <p:blipFill>
-          <a:blip r:embed="rId2"/>
-          <a:stretch>
-            <a:fillRect/>
-          </a:stretch>
-        </p:blipFill>
-        <p:spPr>
-          <a:xfrm>
-            <a:off x="5371315" y="1693690"/>
-            <a:ext cx="4186874" cy="2671120"/>
-          </a:xfrm>
-          <a:prstGeom prst="rect">
-            <a:avLst/>
-          </a:prstGeom>
-        </p:spPr>
-      </p:pic>
-      <p:grpSp>
-        <p:nvGrpSpPr>
-          <p:cNvPr id="23" name="Gruppieren 9">
-            <a:extLst>
-              <a:ext uri="{FF2B5EF4-FFF2-40B4-BE49-F238E27FC236}">
-                <a16:creationId xmlns:a16="http://schemas.microsoft.com/office/drawing/2014/main" id="{F06EA299-5A5C-423E-99D4-895E54047BB7}"/>
-              </a:ext>
-            </a:extLst>
-          </p:cNvPr>
-          <p:cNvGrpSpPr>
-            <a:grpSpLocks noChangeAspect="1"/>
-          </p:cNvGrpSpPr>
-          <p:nvPr/>
-        </p:nvGrpSpPr>
-        <p:grpSpPr>
-          <a:xfrm>
-            <a:off x="11178553" y="2431373"/>
-            <a:ext cx="528293" cy="2645076"/>
-            <a:chOff x="9900193" y="1530836"/>
-            <a:chExt cx="920569" cy="4609143"/>
-          </a:xfrm>
-        </p:grpSpPr>
-        <p:pic>
-          <p:nvPicPr>
-            <p:cNvPr id="24" name="Grafik 10" descr="Klemmbrett abgehakt">
-              <a:extLst>
-                <a:ext uri="{FF2B5EF4-FFF2-40B4-BE49-F238E27FC236}">
-                  <a16:creationId xmlns:a16="http://schemas.microsoft.com/office/drawing/2014/main" id="{70EF96F5-B270-4A90-886A-9530041A9FE4}"/>
-                </a:ext>
-              </a:extLst>
-            </p:cNvPr>
-            <p:cNvPicPr>
-              <a:picLocks noChangeAspect="1"/>
-            </p:cNvPicPr>
-            <p:nvPr/>
-          </p:nvPicPr>
-          <p:blipFill>
-            <a:blip r:embed="rId3">
-              <a:extLst>
-                <a:ext uri="{28A0092B-C50C-407E-A947-70E740481C1C}">
-                  <a14:useLocalDpi xmlns:a14="http://schemas.microsoft.com/office/drawing/2010/main" val="0"/>
-                </a:ext>
-                <a:ext uri="{96DAC541-7B7A-43D3-8B79-37D633B846F1}">
-                  <asvg:svgBlip xmlns:asvg="http://schemas.microsoft.com/office/drawing/2016/SVG/main" r:embed="rId4"/>
-                </a:ext>
-              </a:extLst>
-            </a:blip>
-            <a:stretch>
-              <a:fillRect/>
-            </a:stretch>
-          </p:blipFill>
-          <p:spPr>
-            <a:xfrm>
-              <a:off x="9900193" y="5225579"/>
-              <a:ext cx="914400" cy="914400"/>
-            </a:xfrm>
-            <a:prstGeom prst="rect">
-              <a:avLst/>
-            </a:prstGeom>
-          </p:spPr>
-        </p:pic>
-        <p:pic>
-          <p:nvPicPr>
-            <p:cNvPr id="25" name="Grafik 11" descr="Häkchen">
-              <a:extLst>
-                <a:ext uri="{FF2B5EF4-FFF2-40B4-BE49-F238E27FC236}">
-                  <a16:creationId xmlns:a16="http://schemas.microsoft.com/office/drawing/2014/main" id="{3B571315-4843-4DDE-836D-A69452D51FDF}"/>
-                </a:ext>
-              </a:extLst>
-            </p:cNvPr>
-            <p:cNvPicPr>
-              <a:picLocks noChangeAspect="1"/>
-            </p:cNvPicPr>
-            <p:nvPr/>
-          </p:nvPicPr>
-          <p:blipFill>
-            <a:blip r:embed="rId5">
-              <a:extLst>
-                <a:ext uri="{28A0092B-C50C-407E-A947-70E740481C1C}">
-                  <a14:useLocalDpi xmlns:a14="http://schemas.microsoft.com/office/drawing/2010/main" val="0"/>
-                </a:ext>
-                <a:ext uri="{96DAC541-7B7A-43D3-8B79-37D633B846F1}">
-                  <asvg:svgBlip xmlns:asvg="http://schemas.microsoft.com/office/drawing/2016/SVG/main" r:embed="rId6"/>
-                </a:ext>
-              </a:extLst>
-            </a:blip>
-            <a:stretch>
-              <a:fillRect/>
-            </a:stretch>
-          </p:blipFill>
-          <p:spPr>
-            <a:xfrm>
-              <a:off x="9906362" y="1530836"/>
-              <a:ext cx="914400" cy="914400"/>
-            </a:xfrm>
-            <a:prstGeom prst="rect">
-              <a:avLst/>
-            </a:prstGeom>
-          </p:spPr>
-        </p:pic>
-        <p:pic>
-          <p:nvPicPr>
-            <p:cNvPr id="26" name="Grafik 12" descr="Gehirn">
-              <a:extLst>
-                <a:ext uri="{FF2B5EF4-FFF2-40B4-BE49-F238E27FC236}">
-                  <a16:creationId xmlns:a16="http://schemas.microsoft.com/office/drawing/2014/main" id="{0082EDCC-0B24-43B7-B680-0EC2A753EA7B}"/>
-                </a:ext>
-              </a:extLst>
-            </p:cNvPr>
-            <p:cNvPicPr>
-              <a:picLocks noChangeAspect="1"/>
-            </p:cNvPicPr>
-            <p:nvPr/>
-          </p:nvPicPr>
-          <p:blipFill>
-            <a:blip r:embed="rId7">
-              <a:extLst>
-                <a:ext uri="{28A0092B-C50C-407E-A947-70E740481C1C}">
-                  <a14:useLocalDpi xmlns:a14="http://schemas.microsoft.com/office/drawing/2010/main" val="0"/>
-                </a:ext>
-                <a:ext uri="{96DAC541-7B7A-43D3-8B79-37D633B846F1}">
-                  <asvg:svgBlip xmlns:asvg="http://schemas.microsoft.com/office/drawing/2016/SVG/main" r:embed="rId8"/>
-                </a:ext>
-              </a:extLst>
-            </a:blip>
-            <a:stretch>
-              <a:fillRect/>
-            </a:stretch>
-          </p:blipFill>
-          <p:spPr>
-            <a:xfrm>
-              <a:off x="9900193" y="3375461"/>
-              <a:ext cx="914400" cy="914400"/>
-            </a:xfrm>
-            <a:prstGeom prst="rect">
-              <a:avLst/>
-            </a:prstGeom>
-          </p:spPr>
-        </p:pic>
-        <p:pic>
-          <p:nvPicPr>
-            <p:cNvPr id="27" name="Grafik 13" descr="Einhorn">
-              <a:extLst>
-                <a:ext uri="{FF2B5EF4-FFF2-40B4-BE49-F238E27FC236}">
-                  <a16:creationId xmlns:a16="http://schemas.microsoft.com/office/drawing/2014/main" id="{E184F329-CDE2-4285-882E-AA3D55B498AF}"/>
-                </a:ext>
-              </a:extLst>
-            </p:cNvPr>
-            <p:cNvPicPr>
-              <a:picLocks noChangeAspect="1"/>
-            </p:cNvPicPr>
-            <p:nvPr/>
-          </p:nvPicPr>
-          <p:blipFill>
-            <a:blip r:embed="rId9">
-              <a:extLst>
-                <a:ext uri="{28A0092B-C50C-407E-A947-70E740481C1C}">
-                  <a14:useLocalDpi xmlns:a14="http://schemas.microsoft.com/office/drawing/2010/main" val="0"/>
-                </a:ext>
-                <a:ext uri="{96DAC541-7B7A-43D3-8B79-37D633B846F1}">
-                  <asvg:svgBlip xmlns:asvg="http://schemas.microsoft.com/office/drawing/2016/SVG/main" r:embed="rId10"/>
-                </a:ext>
-              </a:extLst>
-            </a:blip>
-            <a:stretch>
-              <a:fillRect/>
-            </a:stretch>
-          </p:blipFill>
-          <p:spPr>
-            <a:xfrm>
-              <a:off x="9900193" y="4298238"/>
-              <a:ext cx="914400" cy="914400"/>
-            </a:xfrm>
-            <a:prstGeom prst="rect">
-              <a:avLst/>
-            </a:prstGeom>
-          </p:spPr>
-        </p:pic>
-        <p:pic>
-          <p:nvPicPr>
-            <p:cNvPr id="28" name="Grafik 14" descr="Hierarchie">
-              <a:extLst>
-                <a:ext uri="{FF2B5EF4-FFF2-40B4-BE49-F238E27FC236}">
-                  <a16:creationId xmlns:a16="http://schemas.microsoft.com/office/drawing/2014/main" id="{86AF3BF5-518C-4417-B25B-5FD220B16A36}"/>
-                </a:ext>
-              </a:extLst>
-            </p:cNvPr>
-            <p:cNvPicPr>
-              <a:picLocks noChangeAspect="1"/>
-            </p:cNvPicPr>
-            <p:nvPr/>
-          </p:nvPicPr>
-          <p:blipFill>
-            <a:blip r:embed="rId11">
-              <a:extLst>
-                <a:ext uri="{28A0092B-C50C-407E-A947-70E740481C1C}">
-                  <a14:useLocalDpi xmlns:a14="http://schemas.microsoft.com/office/drawing/2010/main" val="0"/>
-                </a:ext>
-                <a:ext uri="{96DAC541-7B7A-43D3-8B79-37D633B846F1}">
-                  <asvg:svgBlip xmlns:asvg="http://schemas.microsoft.com/office/drawing/2016/SVG/main" r:embed="rId12"/>
-                </a:ext>
-              </a:extLst>
-            </a:blip>
-            <a:stretch>
-              <a:fillRect/>
-            </a:stretch>
-          </p:blipFill>
-          <p:spPr>
-            <a:xfrm>
-              <a:off x="9900193" y="2464538"/>
-              <a:ext cx="914400" cy="914400"/>
-            </a:xfrm>
-            <a:prstGeom prst="rect">
-              <a:avLst/>
-            </a:prstGeom>
-          </p:spPr>
-        </p:pic>
-      </p:grpSp>
-    </p:spTree>
-    <p:extLst>
-      <p:ext uri="{BB962C8B-B14F-4D97-AF65-F5344CB8AC3E}">
-        <p14:creationId xmlns:p14="http://schemas.microsoft.com/office/powerpoint/2010/main" val="1002142718"/>
-      </p:ext>
-    </p:extLst>
-  </p:cSld>
-  <p:clrMapOvr>
-    <a:masterClrMapping/>
-  </p:clrMapOvr>
-</p:sld>
-</file>
-
 <file path=ppt/slides/slide18.xml><?xml version="1.0" encoding="utf-8"?>
 <p:sld xmlns:a="http://schemas.openxmlformats.org/drawingml/2006/main" xmlns:r="http://schemas.openxmlformats.org/officeDocument/2006/relationships" xmlns:p="http://schemas.openxmlformats.org/presentationml/2006/main">
   <p:cSld>
@@ -17497,7 +17466,7 @@
                 <a:latin typeface="Noto Sans" panose="020B0502040504020204"/>
                 <a:cs typeface="Nirmala UI Semilight" panose="020B0402040204020203" pitchFamily="34" charset="0"/>
               </a:rPr>
-              <a:t>Reward</a:t>
+              <a:t>Fake Environment</a:t>
             </a:r>
             <a:endParaRPr lang="de-DE" sz="2800" dirty="0">
               <a:solidFill>
@@ -17540,10 +17509,10 @@
       </p:sp>
       <p:sp>
         <p:nvSpPr>
-          <p:cNvPr id="16" name="文本框 15">
+          <p:cNvPr id="17" name="文本框 16">
             <a:extLst>
               <a:ext uri="{FF2B5EF4-FFF2-40B4-BE49-F238E27FC236}">
-                <a16:creationId xmlns:a16="http://schemas.microsoft.com/office/drawing/2014/main" id="{D09EA621-B338-422A-A4BF-059862EDC056}"/>
+                <a16:creationId xmlns:a16="http://schemas.microsoft.com/office/drawing/2014/main" id="{2A8F2878-3377-4055-A68E-A2E9443EB18D}"/>
               </a:ext>
             </a:extLst>
           </p:cNvPr>
@@ -17570,7 +17539,7 @@
               <a:rPr lang="en-US" altLang="zh-CN" b="1" i="1" dirty="0">
                 <a:latin typeface="Noto Sans" panose="020B0502040504020204"/>
               </a:rPr>
-              <a:t>Time Limits</a:t>
+              <a:t>State space</a:t>
             </a:r>
           </a:p>
           <a:p>
@@ -17580,39 +17549,9 @@
             </a:pPr>
             <a:r>
               <a:rPr lang="en-US" altLang="zh-CN" dirty="0">
-                <a:solidFill>
-                  <a:schemeClr val="tx1">
-                    <a:lumMod val="95000"/>
-                    <a:lumOff val="5000"/>
-                  </a:schemeClr>
-                </a:solidFill>
                 <a:latin typeface="Noto Sans" panose="020B0502040504020204"/>
               </a:rPr>
-              <a:t>number of steps or time available in the </a:t>
-            </a:r>
-            <a:r>
-              <a:rPr lang="en-US" altLang="zh-CN" dirty="0" err="1">
-                <a:solidFill>
-                  <a:schemeClr val="tx1">
-                    <a:lumMod val="95000"/>
-                    <a:lumOff val="5000"/>
-                  </a:schemeClr>
-                </a:solidFill>
-                <a:latin typeface="Noto Sans" panose="020B0502040504020204"/>
-              </a:rPr>
-              <a:t>webots</a:t>
-            </a:r>
-            <a:r>
-              <a:rPr lang="en-US" altLang="zh-CN" dirty="0">
-                <a:solidFill>
-                  <a:schemeClr val="tx1">
-                    <a:lumMod val="95000"/>
-                    <a:lumOff val="5000"/>
-                  </a:schemeClr>
-                </a:solidFill>
-                <a:latin typeface="Noto Sans" panose="020B0502040504020204"/>
-              </a:rPr>
-              <a:t> environment</a:t>
+              <a:t>Current GPS location</a:t>
             </a:r>
           </a:p>
           <a:p>
@@ -17622,28 +17561,9 @@
             </a:pPr>
             <a:r>
               <a:rPr lang="en-US" altLang="zh-CN" dirty="0">
-                <a:solidFill>
-                  <a:schemeClr val="tx1">
-                    <a:lumMod val="95000"/>
-                    <a:lumOff val="5000"/>
-                  </a:schemeClr>
-                </a:solidFill>
                 <a:latin typeface="Noto Sans" panose="020B0502040504020204"/>
               </a:rPr>
-              <a:t>number of requests from backend to controller for observation space</a:t>
-            </a:r>
-          </a:p>
-          <a:p>
-            <a:endParaRPr lang="en-US" altLang="zh-CN" dirty="0">
-              <a:latin typeface="Noto Sans" panose="020B0502040504020204"/>
-            </a:endParaRPr>
-          </a:p>
-          <a:p>
-            <a:r>
-              <a:rPr lang="en-US" altLang="zh-CN" b="1" i="1" dirty="0">
-                <a:latin typeface="Noto Sans" panose="020B0502040504020204"/>
-              </a:rPr>
-              <a:t>Positive Rewards</a:t>
+              <a:t>Target GPS location</a:t>
             </a:r>
           </a:p>
           <a:p>
@@ -17653,15 +17573,9 @@
             </a:pPr>
             <a:r>
               <a:rPr lang="en-US" altLang="zh-CN" dirty="0">
-                <a:solidFill>
-                  <a:schemeClr val="tx1">
-                    <a:lumMod val="95000"/>
-                    <a:lumOff val="5000"/>
-                  </a:schemeClr>
-                </a:solidFill>
                 <a:latin typeface="Noto Sans" panose="020B0502040504020204"/>
               </a:rPr>
-              <a:t>going closer to the goal</a:t>
+              <a:t>Distance sensors</a:t>
             </a:r>
           </a:p>
           <a:p>
@@ -17671,15 +17585,26 @@
             </a:pPr>
             <a:r>
               <a:rPr lang="en-US" altLang="zh-CN" dirty="0">
-                <a:solidFill>
-                  <a:schemeClr val="tx1">
-                    <a:lumMod val="95000"/>
-                    <a:lumOff val="5000"/>
-                  </a:schemeClr>
-                </a:solidFill>
                 <a:latin typeface="Noto Sans" panose="020B0502040504020204"/>
               </a:rPr>
-              <a:t>staying away from obstacles</a:t>
+              <a:t>Touching obstacle</a:t>
+            </a:r>
+          </a:p>
+          <a:p>
+            <a:pPr marL="285750" indent="-285750">
+              <a:buFontTx/>
+              <a:buChar char="-"/>
+            </a:pPr>
+            <a:endParaRPr lang="en-US" altLang="zh-CN" dirty="0">
+              <a:latin typeface="Noto Sans" panose="020B0502040504020204"/>
+            </a:endParaRPr>
+          </a:p>
+          <a:p>
+            <a:r>
+              <a:rPr lang="en-US" altLang="zh-CN" b="1" i="1" dirty="0">
+                <a:latin typeface="Noto Sans" panose="020B0502040504020204"/>
+              </a:rPr>
+              <a:t>Action space</a:t>
             </a:r>
           </a:p>
           <a:p>
@@ -17689,28 +17614,9 @@
             </a:pPr>
             <a:r>
               <a:rPr lang="en-US" altLang="zh-CN" dirty="0">
-                <a:solidFill>
-                  <a:schemeClr val="tx1">
-                    <a:lumMod val="95000"/>
-                    <a:lumOff val="5000"/>
-                  </a:schemeClr>
-                </a:solidFill>
                 <a:latin typeface="Noto Sans" panose="020B0502040504020204"/>
               </a:rPr>
-              <a:t>entering the goal</a:t>
-            </a:r>
-          </a:p>
-          <a:p>
-            <a:endParaRPr lang="en-US" altLang="zh-CN" dirty="0">
-              <a:latin typeface="Noto Sans" panose="020B0502040504020204"/>
-            </a:endParaRPr>
-          </a:p>
-          <a:p>
-            <a:r>
-              <a:rPr lang="en-US" altLang="zh-CN" b="1" i="1" dirty="0">
-                <a:latin typeface="Noto Sans" panose="020B0502040504020204"/>
-              </a:rPr>
-              <a:t>Negative Rewards</a:t>
+              <a:t>4 directions(N, E, S, W)</a:t>
             </a:r>
           </a:p>
           <a:p>
@@ -17720,15 +17626,9 @@
             </a:pPr>
             <a:r>
               <a:rPr lang="en-US" altLang="zh-CN" dirty="0">
-                <a:solidFill>
-                  <a:schemeClr val="tx1">
-                    <a:lumMod val="95000"/>
-                    <a:lumOff val="5000"/>
-                  </a:schemeClr>
-                </a:solidFill>
                 <a:latin typeface="Noto Sans" panose="020B0502040504020204"/>
               </a:rPr>
-              <a:t>for each step used to achieve the goal</a:t>
+              <a:t>Fixed step size</a:t>
             </a:r>
           </a:p>
           <a:p>
@@ -17736,45 +17636,66 @@
               <a:buFontTx/>
               <a:buChar char="-"/>
             </a:pPr>
+            <a:endParaRPr lang="en-US" altLang="zh-CN" dirty="0">
+              <a:latin typeface="Noto Sans" panose="020B0502040504020204"/>
+            </a:endParaRPr>
+          </a:p>
+          <a:p>
             <a:r>
-              <a:rPr lang="en-US" altLang="zh-CN" dirty="0">
-                <a:solidFill>
-                  <a:schemeClr val="tx1">
-                    <a:lumMod val="95000"/>
-                    <a:lumOff val="5000"/>
-                  </a:schemeClr>
-                </a:solidFill>
+              <a:rPr lang="en-US" altLang="zh-CN" b="1" i="1" dirty="0">
                 <a:latin typeface="Noto Sans" panose="020B0502040504020204"/>
               </a:rPr>
-              <a:t>crashing or hitting an obstacle</a:t>
+              <a:t>Reward function</a:t>
             </a:r>
           </a:p>
           <a:p>
-            <a:pPr marL="285750" indent="-285750">
-              <a:buFontTx/>
-              <a:buChar char="-"/>
-            </a:pPr>
-            <a:r>
-              <a:rPr lang="en-US" altLang="zh-CN" dirty="0">
-                <a:solidFill>
-                  <a:schemeClr val="tx1">
-                    <a:lumMod val="95000"/>
-                    <a:lumOff val="5000"/>
-                  </a:schemeClr>
-                </a:solidFill>
-                <a:latin typeface="Noto Sans" panose="020B0502040504020204"/>
-              </a:rPr>
-              <a:t>get too close to an obstacle</a:t>
-            </a:r>
+            <a:endParaRPr lang="en-US" altLang="zh-CN" dirty="0">
+              <a:latin typeface="Noto Sans" panose="020B0502040504020204"/>
+            </a:endParaRPr>
+          </a:p>
+          <a:p>
+            <a:endParaRPr lang="en-US" altLang="zh-CN" dirty="0">
+              <a:latin typeface="Noto Sans" panose="020B0502040504020204"/>
+            </a:endParaRPr>
           </a:p>
         </p:txBody>
       </p:sp>
+      <p:pic>
+        <p:nvPicPr>
+          <p:cNvPr id="2" name="图片 1">
+            <a:extLst>
+              <a:ext uri="{FF2B5EF4-FFF2-40B4-BE49-F238E27FC236}">
+                <a16:creationId xmlns:a16="http://schemas.microsoft.com/office/drawing/2014/main" id="{1843A744-B46C-4266-8BB3-978020526B8E}"/>
+              </a:ext>
+            </a:extLst>
+          </p:cNvPr>
+          <p:cNvPicPr>
+            <a:picLocks noChangeAspect="1"/>
+          </p:cNvPicPr>
+          <p:nvPr/>
+        </p:nvPicPr>
+        <p:blipFill>
+          <a:blip r:embed="rId2"/>
+          <a:stretch>
+            <a:fillRect/>
+          </a:stretch>
+        </p:blipFill>
+        <p:spPr>
+          <a:xfrm>
+            <a:off x="5371315" y="1693690"/>
+            <a:ext cx="4186874" cy="2671120"/>
+          </a:xfrm>
+          <a:prstGeom prst="rect">
+            <a:avLst/>
+          </a:prstGeom>
+        </p:spPr>
+      </p:pic>
       <p:grpSp>
         <p:nvGrpSpPr>
           <p:cNvPr id="23" name="Gruppieren 9">
             <a:extLst>
               <a:ext uri="{FF2B5EF4-FFF2-40B4-BE49-F238E27FC236}">
-                <a16:creationId xmlns:a16="http://schemas.microsoft.com/office/drawing/2014/main" id="{A08F827B-1C25-4510-AEB2-332F7D0D849E}"/>
+                <a16:creationId xmlns:a16="http://schemas.microsoft.com/office/drawing/2014/main" id="{F06EA299-5A5C-423E-99D4-895E54047BB7}"/>
               </a:ext>
             </a:extLst>
           </p:cNvPr>
@@ -17796,7 +17717,7 @@
             <p:cNvPr id="24" name="Grafik 10" descr="Klemmbrett abgehakt">
               <a:extLst>
                 <a:ext uri="{FF2B5EF4-FFF2-40B4-BE49-F238E27FC236}">
-                  <a16:creationId xmlns:a16="http://schemas.microsoft.com/office/drawing/2014/main" id="{11BB9EC4-5E92-4193-880E-E4279D4AC21C}"/>
+                  <a16:creationId xmlns:a16="http://schemas.microsoft.com/office/drawing/2014/main" id="{70EF96F5-B270-4A90-886A-9530041A9FE4}"/>
                 </a:ext>
               </a:extLst>
             </p:cNvPr>
@@ -17806,13 +17727,13 @@
             <p:nvPr/>
           </p:nvPicPr>
           <p:blipFill>
-            <a:blip r:embed="rId2">
+            <a:blip r:embed="rId3">
               <a:extLst>
                 <a:ext uri="{28A0092B-C50C-407E-A947-70E740481C1C}">
                   <a14:useLocalDpi xmlns:a14="http://schemas.microsoft.com/office/drawing/2010/main" val="0"/>
                 </a:ext>
                 <a:ext uri="{96DAC541-7B7A-43D3-8B79-37D633B846F1}">
-                  <asvg:svgBlip xmlns:asvg="http://schemas.microsoft.com/office/drawing/2016/SVG/main" r:embed="rId3"/>
+                  <asvg:svgBlip xmlns:asvg="http://schemas.microsoft.com/office/drawing/2016/SVG/main" r:embed="rId4"/>
                 </a:ext>
               </a:extLst>
             </a:blip>
@@ -17835,7 +17756,7 @@
             <p:cNvPr id="25" name="Grafik 11" descr="Häkchen">
               <a:extLst>
                 <a:ext uri="{FF2B5EF4-FFF2-40B4-BE49-F238E27FC236}">
-                  <a16:creationId xmlns:a16="http://schemas.microsoft.com/office/drawing/2014/main" id="{025D6E93-DDF0-42A9-8BED-DD449AB446C7}"/>
+                  <a16:creationId xmlns:a16="http://schemas.microsoft.com/office/drawing/2014/main" id="{3B571315-4843-4DDE-836D-A69452D51FDF}"/>
                 </a:ext>
               </a:extLst>
             </p:cNvPr>
@@ -17845,13 +17766,13 @@
             <p:nvPr/>
           </p:nvPicPr>
           <p:blipFill>
-            <a:blip r:embed="rId4">
+            <a:blip r:embed="rId5">
               <a:extLst>
                 <a:ext uri="{28A0092B-C50C-407E-A947-70E740481C1C}">
                   <a14:useLocalDpi xmlns:a14="http://schemas.microsoft.com/office/drawing/2010/main" val="0"/>
                 </a:ext>
                 <a:ext uri="{96DAC541-7B7A-43D3-8B79-37D633B846F1}">
-                  <asvg:svgBlip xmlns:asvg="http://schemas.microsoft.com/office/drawing/2016/SVG/main" r:embed="rId5"/>
+                  <asvg:svgBlip xmlns:asvg="http://schemas.microsoft.com/office/drawing/2016/SVG/main" r:embed="rId6"/>
                 </a:ext>
               </a:extLst>
             </a:blip>
@@ -17874,7 +17795,7 @@
             <p:cNvPr id="26" name="Grafik 12" descr="Gehirn">
               <a:extLst>
                 <a:ext uri="{FF2B5EF4-FFF2-40B4-BE49-F238E27FC236}">
-                  <a16:creationId xmlns:a16="http://schemas.microsoft.com/office/drawing/2014/main" id="{0B5CB774-262B-46F4-8FA8-8A4883BAF709}"/>
+                  <a16:creationId xmlns:a16="http://schemas.microsoft.com/office/drawing/2014/main" id="{0082EDCC-0B24-43B7-B680-0EC2A753EA7B}"/>
                 </a:ext>
               </a:extLst>
             </p:cNvPr>
@@ -17884,13 +17805,13 @@
             <p:nvPr/>
           </p:nvPicPr>
           <p:blipFill>
-            <a:blip r:embed="rId6">
+            <a:blip r:embed="rId7">
               <a:extLst>
                 <a:ext uri="{28A0092B-C50C-407E-A947-70E740481C1C}">
                   <a14:useLocalDpi xmlns:a14="http://schemas.microsoft.com/office/drawing/2010/main" val="0"/>
                 </a:ext>
                 <a:ext uri="{96DAC541-7B7A-43D3-8B79-37D633B846F1}">
-                  <asvg:svgBlip xmlns:asvg="http://schemas.microsoft.com/office/drawing/2016/SVG/main" r:embed="rId7"/>
+                  <asvg:svgBlip xmlns:asvg="http://schemas.microsoft.com/office/drawing/2016/SVG/main" r:embed="rId8"/>
                 </a:ext>
               </a:extLst>
             </a:blip>
@@ -17913,7 +17834,7 @@
             <p:cNvPr id="27" name="Grafik 13" descr="Einhorn">
               <a:extLst>
                 <a:ext uri="{FF2B5EF4-FFF2-40B4-BE49-F238E27FC236}">
-                  <a16:creationId xmlns:a16="http://schemas.microsoft.com/office/drawing/2014/main" id="{12A146F8-CC8A-4391-B17B-AE600B8FCC15}"/>
+                  <a16:creationId xmlns:a16="http://schemas.microsoft.com/office/drawing/2014/main" id="{E184F329-CDE2-4285-882E-AA3D55B498AF}"/>
                 </a:ext>
               </a:extLst>
             </p:cNvPr>
@@ -17923,13 +17844,13 @@
             <p:nvPr/>
           </p:nvPicPr>
           <p:blipFill>
-            <a:blip r:embed="rId8">
+            <a:blip r:embed="rId9">
               <a:extLst>
                 <a:ext uri="{28A0092B-C50C-407E-A947-70E740481C1C}">
                   <a14:useLocalDpi xmlns:a14="http://schemas.microsoft.com/office/drawing/2010/main" val="0"/>
                 </a:ext>
                 <a:ext uri="{96DAC541-7B7A-43D3-8B79-37D633B846F1}">
-                  <asvg:svgBlip xmlns:asvg="http://schemas.microsoft.com/office/drawing/2016/SVG/main" r:embed="rId9"/>
+                  <asvg:svgBlip xmlns:asvg="http://schemas.microsoft.com/office/drawing/2016/SVG/main" r:embed="rId10"/>
                 </a:ext>
               </a:extLst>
             </a:blip>
@@ -17952,7 +17873,7 @@
             <p:cNvPr id="28" name="Grafik 14" descr="Hierarchie">
               <a:extLst>
                 <a:ext uri="{FF2B5EF4-FFF2-40B4-BE49-F238E27FC236}">
-                  <a16:creationId xmlns:a16="http://schemas.microsoft.com/office/drawing/2014/main" id="{DB6D7A5A-D801-4BDC-AA75-135F4B3BD15C}"/>
+                  <a16:creationId xmlns:a16="http://schemas.microsoft.com/office/drawing/2014/main" id="{86AF3BF5-518C-4417-B25B-5FD220B16A36}"/>
                 </a:ext>
               </a:extLst>
             </p:cNvPr>
@@ -17962,13 +17883,13 @@
             <p:nvPr/>
           </p:nvPicPr>
           <p:blipFill>
-            <a:blip r:embed="rId10">
+            <a:blip r:embed="rId11">
               <a:extLst>
                 <a:ext uri="{28A0092B-C50C-407E-A947-70E740481C1C}">
                   <a14:useLocalDpi xmlns:a14="http://schemas.microsoft.com/office/drawing/2010/main" val="0"/>
                 </a:ext>
                 <a:ext uri="{96DAC541-7B7A-43D3-8B79-37D633B846F1}">
-                  <asvg:svgBlip xmlns:asvg="http://schemas.microsoft.com/office/drawing/2016/SVG/main" r:embed="rId11"/>
+                  <asvg:svgBlip xmlns:asvg="http://schemas.microsoft.com/office/drawing/2016/SVG/main" r:embed="rId12"/>
                 </a:ext>
               </a:extLst>
             </a:blip>
@@ -17990,7 +17911,7 @@
     </p:spTree>
     <p:extLst>
       <p:ext uri="{BB962C8B-B14F-4D97-AF65-F5344CB8AC3E}">
-        <p14:creationId xmlns:p14="http://schemas.microsoft.com/office/powerpoint/2010/main" val="3973173083"/>
+        <p14:creationId xmlns:p14="http://schemas.microsoft.com/office/powerpoint/2010/main" val="1002142718"/>
       </p:ext>
     </p:extLst>
   </p:cSld>
@@ -18017,50 +17938,6 @@
           <a:chExt cx="0" cy="0"/>
         </a:xfrm>
       </p:grpSpPr>
-      <p:sp>
-        <p:nvSpPr>
-          <p:cNvPr id="7" name="矩形 6">
-            <a:extLst>
-              <a:ext uri="{FF2B5EF4-FFF2-40B4-BE49-F238E27FC236}">
-                <a16:creationId xmlns:a16="http://schemas.microsoft.com/office/drawing/2014/main" id="{238A16E4-C3DB-4F32-83F1-E1F49887BBF1}"/>
-              </a:ext>
-            </a:extLst>
-          </p:cNvPr>
-          <p:cNvSpPr/>
-          <p:nvPr/>
-        </p:nvSpPr>
-        <p:spPr>
-          <a:xfrm>
-            <a:off x="8183880" y="2480931"/>
-            <a:ext cx="2178620" cy="365125"/>
-          </a:xfrm>
-          <a:prstGeom prst="rect">
-            <a:avLst/>
-          </a:prstGeom>
-        </p:spPr>
-        <p:style>
-          <a:lnRef idx="3">
-            <a:schemeClr val="lt1"/>
-          </a:lnRef>
-          <a:fillRef idx="1">
-            <a:schemeClr val="accent2"/>
-          </a:fillRef>
-          <a:effectRef idx="1">
-            <a:schemeClr val="accent2"/>
-          </a:effectRef>
-          <a:fontRef idx="minor">
-            <a:schemeClr val="lt1"/>
-          </a:fontRef>
-        </p:style>
-        <p:txBody>
-          <a:bodyPr rtlCol="0" anchor="ctr"/>
-          <a:lstStyle/>
-          <a:p>
-            <a:pPr algn="ctr"/>
-            <a:endParaRPr lang="zh-CN" altLang="en-US"/>
-          </a:p>
-        </p:txBody>
-      </p:sp>
       <p:sp>
         <p:nvSpPr>
           <p:cNvPr id="4" name="Rechteck 3">
@@ -18157,234 +18034,10 @@
       </p:sp>
       <p:sp>
         <p:nvSpPr>
-          <p:cNvPr id="5" name="文本框 4">
+          <p:cNvPr id="16" name="文本框 15">
             <a:extLst>
               <a:ext uri="{FF2B5EF4-FFF2-40B4-BE49-F238E27FC236}">
-                <a16:creationId xmlns:a16="http://schemas.microsoft.com/office/drawing/2014/main" id="{72CE3B39-B466-4A42-8544-9A7CCE451C98}"/>
-              </a:ext>
-            </a:extLst>
-          </p:cNvPr>
-          <p:cNvSpPr txBox="1"/>
-          <p:nvPr/>
-        </p:nvSpPr>
-        <p:spPr>
-          <a:xfrm>
-            <a:off x="8189976" y="2487027"/>
-            <a:ext cx="2172524" cy="1754326"/>
-          </a:xfrm>
-          <a:prstGeom prst="rect">
-            <a:avLst/>
-          </a:prstGeom>
-          <a:noFill/>
-          <a:ln w="9525" cap="flat" cmpd="sng" algn="ctr">
-            <a:solidFill>
-              <a:schemeClr val="accent2"/>
-            </a:solidFill>
-            <a:prstDash val="solid"/>
-            <a:round/>
-            <a:headEnd type="none" w="med" len="med"/>
-            <a:tailEnd type="none" w="med" len="med"/>
-          </a:ln>
-        </p:spPr>
-        <p:style>
-          <a:lnRef idx="0">
-            <a:scrgbClr r="0" g="0" b="0"/>
-          </a:lnRef>
-          <a:fillRef idx="0">
-            <a:scrgbClr r="0" g="0" b="0"/>
-          </a:fillRef>
-          <a:effectRef idx="0">
-            <a:scrgbClr r="0" g="0" b="0"/>
-          </a:effectRef>
-          <a:fontRef idx="minor">
-            <a:schemeClr val="accent2"/>
-          </a:fontRef>
-        </p:style>
-        <p:txBody>
-          <a:bodyPr wrap="square" rtlCol="0">
-            <a:spAutoFit/>
-          </a:bodyPr>
-          <a:lstStyle/>
-          <a:p>
-            <a:pPr algn="ctr"/>
-            <a:r>
-              <a:rPr lang="en-US" altLang="zh-CN" dirty="0">
-                <a:solidFill>
-                  <a:schemeClr val="bg1"/>
-                </a:solidFill>
-                <a:latin typeface="Noto Sans" panose="020B0502040504020204"/>
-              </a:rPr>
-              <a:t>Reward</a:t>
-            </a:r>
-          </a:p>
-          <a:p>
-            <a:r>
-              <a:rPr lang="en-US" altLang="zh-CN" dirty="0" err="1">
-                <a:solidFill>
-                  <a:schemeClr val="tx1">
-                    <a:lumMod val="95000"/>
-                    <a:lumOff val="5000"/>
-                  </a:schemeClr>
-                </a:solidFill>
-                <a:latin typeface="Noto Sans" panose="020B0502040504020204"/>
-              </a:rPr>
-              <a:t>reward_time</a:t>
-            </a:r>
-            <a:r>
-              <a:rPr lang="en-US" altLang="zh-CN" dirty="0">
-                <a:solidFill>
-                  <a:schemeClr val="tx1">
-                    <a:lumMod val="95000"/>
-                    <a:lumOff val="5000"/>
-                  </a:schemeClr>
-                </a:solidFill>
-                <a:latin typeface="Noto Sans" panose="020B0502040504020204"/>
-              </a:rPr>
-              <a:t> </a:t>
-            </a:r>
-          </a:p>
-          <a:p>
-            <a:r>
-              <a:rPr lang="en-US" altLang="zh-CN" dirty="0" err="1">
-                <a:solidFill>
-                  <a:schemeClr val="tx1">
-                    <a:lumMod val="95000"/>
-                    <a:lumOff val="5000"/>
-                  </a:schemeClr>
-                </a:solidFill>
-                <a:latin typeface="Noto Sans" panose="020B0502040504020204"/>
-              </a:rPr>
-              <a:t>reward_distance</a:t>
-            </a:r>
-            <a:endParaRPr lang="en-US" altLang="zh-CN" dirty="0">
-              <a:solidFill>
-                <a:schemeClr val="tx1">
-                  <a:lumMod val="95000"/>
-                  <a:lumOff val="5000"/>
-                </a:schemeClr>
-              </a:solidFill>
-              <a:latin typeface="Noto Sans" panose="020B0502040504020204"/>
-            </a:endParaRPr>
-          </a:p>
-          <a:p>
-            <a:r>
-              <a:rPr lang="en-US" altLang="zh-CN" dirty="0" err="1">
-                <a:solidFill>
-                  <a:schemeClr val="tx1">
-                    <a:lumMod val="95000"/>
-                    <a:lumOff val="5000"/>
-                  </a:schemeClr>
-                </a:solidFill>
-                <a:latin typeface="Noto Sans" panose="020B0502040504020204"/>
-              </a:rPr>
-              <a:t>reward_goal</a:t>
-            </a:r>
-            <a:r>
-              <a:rPr lang="en-US" altLang="zh-CN" dirty="0">
-                <a:solidFill>
-                  <a:schemeClr val="tx1">
-                    <a:lumMod val="95000"/>
-                    <a:lumOff val="5000"/>
-                  </a:schemeClr>
-                </a:solidFill>
-                <a:latin typeface="Noto Sans" panose="020B0502040504020204"/>
-              </a:rPr>
-              <a:t> </a:t>
-            </a:r>
-          </a:p>
-          <a:p>
-            <a:r>
-              <a:rPr lang="en-US" altLang="zh-CN" dirty="0" err="1">
-                <a:solidFill>
-                  <a:schemeClr val="tx1">
-                    <a:lumMod val="95000"/>
-                    <a:lumOff val="5000"/>
-                  </a:schemeClr>
-                </a:solidFill>
-                <a:latin typeface="Noto Sans" panose="020B0502040504020204"/>
-              </a:rPr>
-              <a:t>reward_obstacle</a:t>
-            </a:r>
-            <a:r>
-              <a:rPr lang="en-US" altLang="zh-CN" dirty="0">
-                <a:solidFill>
-                  <a:schemeClr val="tx1">
-                    <a:lumMod val="95000"/>
-                    <a:lumOff val="5000"/>
-                  </a:schemeClr>
-                </a:solidFill>
-                <a:latin typeface="Noto Sans" panose="020B0502040504020204"/>
-              </a:rPr>
-              <a:t> </a:t>
-            </a:r>
-          </a:p>
-          <a:p>
-            <a:r>
-              <a:rPr lang="en-US" altLang="zh-CN" dirty="0" err="1">
-                <a:solidFill>
-                  <a:schemeClr val="tx1">
-                    <a:lumMod val="95000"/>
-                    <a:lumOff val="5000"/>
-                  </a:schemeClr>
-                </a:solidFill>
-                <a:latin typeface="Noto Sans" panose="020B0502040504020204"/>
-              </a:rPr>
-              <a:t>reward_steps</a:t>
-            </a:r>
-            <a:endParaRPr lang="zh-CN" altLang="en-US" dirty="0">
-              <a:solidFill>
-                <a:schemeClr val="tx1">
-                  <a:lumMod val="95000"/>
-                  <a:lumOff val="5000"/>
-                </a:schemeClr>
-              </a:solidFill>
-              <a:latin typeface="Noto Sans" panose="020B0502040504020204"/>
-            </a:endParaRPr>
-          </a:p>
-        </p:txBody>
-      </p:sp>
-      <p:cxnSp>
-        <p:nvCxnSpPr>
-          <p:cNvPr id="9" name="直接连接符 8">
-            <a:extLst>
-              <a:ext uri="{FF2B5EF4-FFF2-40B4-BE49-F238E27FC236}">
-                <a16:creationId xmlns:a16="http://schemas.microsoft.com/office/drawing/2014/main" id="{028C32FE-153E-4BEC-B087-696A34DC0D69}"/>
-              </a:ext>
-            </a:extLst>
-          </p:cNvPr>
-          <p:cNvCxnSpPr/>
-          <p:nvPr/>
-        </p:nvCxnSpPr>
-        <p:spPr>
-          <a:xfrm>
-            <a:off x="7837071" y="1627631"/>
-            <a:ext cx="0" cy="3724656"/>
-          </a:xfrm>
-          <a:prstGeom prst="line">
-            <a:avLst/>
-          </a:prstGeom>
-        </p:spPr>
-        <p:style>
-          <a:lnRef idx="1">
-            <a:schemeClr val="dk1"/>
-          </a:lnRef>
-          <a:fillRef idx="0">
-            <a:schemeClr val="dk1"/>
-          </a:fillRef>
-          <a:effectRef idx="0">
-            <a:schemeClr val="dk1"/>
-          </a:effectRef>
-          <a:fontRef idx="minor">
-            <a:schemeClr val="tx1"/>
-          </a:fontRef>
-        </p:style>
-      </p:cxnSp>
-      <p:sp>
-        <p:nvSpPr>
-          <p:cNvPr id="17" name="文本框 16">
-            <a:extLst>
-              <a:ext uri="{FF2B5EF4-FFF2-40B4-BE49-F238E27FC236}">
-                <a16:creationId xmlns:a16="http://schemas.microsoft.com/office/drawing/2014/main" id="{EF885E02-B873-4BAD-9CA4-509194DAEDF4}"/>
+                <a16:creationId xmlns:a16="http://schemas.microsoft.com/office/drawing/2014/main" id="{D09EA621-B338-422A-A4BF-059862EDC056}"/>
               </a:ext>
             </a:extLst>
           </p:cNvPr>
@@ -18411,7 +18064,7 @@
               <a:rPr lang="en-US" altLang="zh-CN" b="1" i="1" dirty="0">
                 <a:latin typeface="Noto Sans" panose="020B0502040504020204"/>
               </a:rPr>
-              <a:t>Time Limits</a:t>
+              <a:t>Time Limit</a:t>
             </a:r>
           </a:p>
           <a:p>
@@ -18484,7 +18137,7 @@
               <a:rPr lang="en-US" altLang="zh-CN" b="1" i="1" dirty="0">
                 <a:latin typeface="Noto Sans" panose="020B0502040504020204"/>
               </a:rPr>
-              <a:t>Positive Rewards</a:t>
+              <a:t>Positive Reward</a:t>
             </a:r>
           </a:p>
           <a:p>
@@ -18548,11 +18201,14 @@
           </a:p>
           <a:p>
             <a:r>
-              <a:rPr lang="en-US" altLang="zh-CN" b="1" i="1" dirty="0">
+              <a:rPr lang="en-US" altLang="zh-CN" b="1" i="1">
                 <a:latin typeface="Noto Sans" panose="020B0502040504020204"/>
               </a:rPr>
-              <a:t>Negative Rewards</a:t>
+              <a:t>Negative Reward</a:t>
             </a:r>
+            <a:endParaRPr lang="en-US" altLang="zh-CN" b="1" i="1" dirty="0">
+              <a:latin typeface="Noto Sans" panose="020B0502040504020204"/>
+            </a:endParaRPr>
           </a:p>
           <a:p>
             <a:pPr marL="285750" indent="-285750">
@@ -18612,10 +18268,10 @@
       </p:sp>
       <p:grpSp>
         <p:nvGrpSpPr>
-          <p:cNvPr id="24" name="Gruppieren 9">
+          <p:cNvPr id="23" name="Gruppieren 9">
             <a:extLst>
               <a:ext uri="{FF2B5EF4-FFF2-40B4-BE49-F238E27FC236}">
-                <a16:creationId xmlns:a16="http://schemas.microsoft.com/office/drawing/2014/main" id="{0D24CCD7-201E-4FB5-B781-69722495810C}"/>
+                <a16:creationId xmlns:a16="http://schemas.microsoft.com/office/drawing/2014/main" id="{A08F827B-1C25-4510-AEB2-332F7D0D849E}"/>
               </a:ext>
             </a:extLst>
           </p:cNvPr>
@@ -18634,10 +18290,10 @@
         </p:grpSpPr>
         <p:pic>
           <p:nvPicPr>
-            <p:cNvPr id="25" name="Grafik 10" descr="Klemmbrett abgehakt">
+            <p:cNvPr id="24" name="Grafik 10" descr="Klemmbrett abgehakt">
               <a:extLst>
                 <a:ext uri="{FF2B5EF4-FFF2-40B4-BE49-F238E27FC236}">
-                  <a16:creationId xmlns:a16="http://schemas.microsoft.com/office/drawing/2014/main" id="{8948CD3F-42CC-4A39-9696-2F7845A95319}"/>
+                  <a16:creationId xmlns:a16="http://schemas.microsoft.com/office/drawing/2014/main" id="{11BB9EC4-5E92-4193-880E-E4279D4AC21C}"/>
                 </a:ext>
               </a:extLst>
             </p:cNvPr>
@@ -18673,10 +18329,10 @@
         </p:pic>
         <p:pic>
           <p:nvPicPr>
-            <p:cNvPr id="26" name="Grafik 11" descr="Häkchen">
+            <p:cNvPr id="25" name="Grafik 11" descr="Häkchen">
               <a:extLst>
                 <a:ext uri="{FF2B5EF4-FFF2-40B4-BE49-F238E27FC236}">
-                  <a16:creationId xmlns:a16="http://schemas.microsoft.com/office/drawing/2014/main" id="{01214C2B-3D3C-45B6-8F78-E106EC5B3F48}"/>
+                  <a16:creationId xmlns:a16="http://schemas.microsoft.com/office/drawing/2014/main" id="{025D6E93-DDF0-42A9-8BED-DD449AB446C7}"/>
                 </a:ext>
               </a:extLst>
             </p:cNvPr>
@@ -18712,10 +18368,10 @@
         </p:pic>
         <p:pic>
           <p:nvPicPr>
-            <p:cNvPr id="27" name="Grafik 12" descr="Gehirn">
+            <p:cNvPr id="26" name="Grafik 12" descr="Gehirn">
               <a:extLst>
                 <a:ext uri="{FF2B5EF4-FFF2-40B4-BE49-F238E27FC236}">
-                  <a16:creationId xmlns:a16="http://schemas.microsoft.com/office/drawing/2014/main" id="{7541210B-6485-47E1-A242-F9BFCABE78CD}"/>
+                  <a16:creationId xmlns:a16="http://schemas.microsoft.com/office/drawing/2014/main" id="{0B5CB774-262B-46F4-8FA8-8A4883BAF709}"/>
                 </a:ext>
               </a:extLst>
             </p:cNvPr>
@@ -18751,10 +18407,10 @@
         </p:pic>
         <p:pic>
           <p:nvPicPr>
-            <p:cNvPr id="28" name="Grafik 13" descr="Einhorn">
+            <p:cNvPr id="27" name="Grafik 13" descr="Einhorn">
               <a:extLst>
                 <a:ext uri="{FF2B5EF4-FFF2-40B4-BE49-F238E27FC236}">
-                  <a16:creationId xmlns:a16="http://schemas.microsoft.com/office/drawing/2014/main" id="{173B584E-3600-4BBB-846C-4436FFE0537B}"/>
+                  <a16:creationId xmlns:a16="http://schemas.microsoft.com/office/drawing/2014/main" id="{12A146F8-CC8A-4391-B17B-AE600B8FCC15}"/>
                 </a:ext>
               </a:extLst>
             </p:cNvPr>
@@ -18790,10 +18446,10 @@
         </p:pic>
         <p:pic>
           <p:nvPicPr>
-            <p:cNvPr id="29" name="Grafik 14" descr="Hierarchie">
+            <p:cNvPr id="28" name="Grafik 14" descr="Hierarchie">
               <a:extLst>
                 <a:ext uri="{FF2B5EF4-FFF2-40B4-BE49-F238E27FC236}">
-                  <a16:creationId xmlns:a16="http://schemas.microsoft.com/office/drawing/2014/main" id="{9F6B23CF-0E5B-41EF-81CA-F54B8DA8E4F0}"/>
+                  <a16:creationId xmlns:a16="http://schemas.microsoft.com/office/drawing/2014/main" id="{DB6D7A5A-D801-4BDC-AA75-135F4B3BD15C}"/>
                 </a:ext>
               </a:extLst>
             </p:cNvPr>
@@ -18831,7 +18487,7 @@
     </p:spTree>
     <p:extLst>
       <p:ext uri="{BB962C8B-B14F-4D97-AF65-F5344CB8AC3E}">
-        <p14:creationId xmlns:p14="http://schemas.microsoft.com/office/powerpoint/2010/main" val="1035206212"/>
+        <p14:creationId xmlns:p14="http://schemas.microsoft.com/office/powerpoint/2010/main" val="3973173083"/>
       </p:ext>
     </p:extLst>
   </p:cSld>
@@ -19791,6 +19447,50 @@
       </p:grpSpPr>
       <p:sp>
         <p:nvSpPr>
+          <p:cNvPr id="7" name="矩形 6">
+            <a:extLst>
+              <a:ext uri="{FF2B5EF4-FFF2-40B4-BE49-F238E27FC236}">
+                <a16:creationId xmlns:a16="http://schemas.microsoft.com/office/drawing/2014/main" id="{238A16E4-C3DB-4F32-83F1-E1F49887BBF1}"/>
+              </a:ext>
+            </a:extLst>
+          </p:cNvPr>
+          <p:cNvSpPr/>
+          <p:nvPr/>
+        </p:nvSpPr>
+        <p:spPr>
+          <a:xfrm>
+            <a:off x="8183880" y="2480931"/>
+            <a:ext cx="2178620" cy="365125"/>
+          </a:xfrm>
+          <a:prstGeom prst="rect">
+            <a:avLst/>
+          </a:prstGeom>
+        </p:spPr>
+        <p:style>
+          <a:lnRef idx="3">
+            <a:schemeClr val="lt1"/>
+          </a:lnRef>
+          <a:fillRef idx="1">
+            <a:schemeClr val="accent2"/>
+          </a:fillRef>
+          <a:effectRef idx="1">
+            <a:schemeClr val="accent2"/>
+          </a:effectRef>
+          <a:fontRef idx="minor">
+            <a:schemeClr val="lt1"/>
+          </a:fontRef>
+        </p:style>
+        <p:txBody>
+          <a:bodyPr rtlCol="0" anchor="ctr"/>
+          <a:lstStyle/>
+          <a:p>
+            <a:pPr algn="ctr"/>
+            <a:endParaRPr lang="zh-CN" altLang="en-US"/>
+          </a:p>
+        </p:txBody>
+      </p:sp>
+      <p:sp>
+        <p:nvSpPr>
           <p:cNvPr id="4" name="Rechteck 3">
             <a:extLst>
               <a:ext uri="{FF2B5EF4-FFF2-40B4-BE49-F238E27FC236}">
@@ -19835,15 +19535,22 @@
           <a:lstStyle/>
           <a:p>
             <a:r>
-              <a:rPr lang="de-DE" sz="2800" dirty="0">
+              <a:rPr lang="en-US" altLang="zh-CN" sz="2800" dirty="0">
                 <a:solidFill>
                   <a:schemeClr val="tx1"/>
                 </a:solidFill>
                 <a:latin typeface="Noto Sans" panose="020B0502040504020204"/>
                 <a:cs typeface="Nirmala UI Semilight" panose="020B0402040204020203" pitchFamily="34" charset="0"/>
               </a:rPr>
-              <a:t>Quality Assurance: Coding Guideline </a:t>
+              <a:t>Reward</a:t>
             </a:r>
+            <a:endParaRPr lang="de-DE" sz="2800" dirty="0">
+              <a:solidFill>
+                <a:schemeClr val="tx1"/>
+              </a:solidFill>
+              <a:latin typeface="Noto Sans" panose="020B0502040504020204"/>
+              <a:cs typeface="Nirmala UI Semilight" panose="020B0402040204020203" pitchFamily="34" charset="0"/>
+            </a:endParaRPr>
           </a:p>
         </p:txBody>
       </p:sp>
@@ -19871,6 +19578,796 @@
             <a:fld id="{134A3753-02B0-455D-8D9D-D71845697F25}" type="slidenum">
               <a:rPr lang="de-DE" smtClean="0"/>
               <a:t>20</a:t>
+            </a:fld>
+            <a:endParaRPr lang="de-DE"/>
+          </a:p>
+        </p:txBody>
+      </p:sp>
+      <p:sp>
+        <p:nvSpPr>
+          <p:cNvPr id="5" name="文本框 4">
+            <a:extLst>
+              <a:ext uri="{FF2B5EF4-FFF2-40B4-BE49-F238E27FC236}">
+                <a16:creationId xmlns:a16="http://schemas.microsoft.com/office/drawing/2014/main" id="{72CE3B39-B466-4A42-8544-9A7CCE451C98}"/>
+              </a:ext>
+            </a:extLst>
+          </p:cNvPr>
+          <p:cNvSpPr txBox="1"/>
+          <p:nvPr/>
+        </p:nvSpPr>
+        <p:spPr>
+          <a:xfrm>
+            <a:off x="8189976" y="2487027"/>
+            <a:ext cx="2172524" cy="1754326"/>
+          </a:xfrm>
+          <a:prstGeom prst="rect">
+            <a:avLst/>
+          </a:prstGeom>
+          <a:noFill/>
+          <a:ln w="9525" cap="flat" cmpd="sng" algn="ctr">
+            <a:solidFill>
+              <a:schemeClr val="accent2"/>
+            </a:solidFill>
+            <a:prstDash val="solid"/>
+            <a:round/>
+            <a:headEnd type="none" w="med" len="med"/>
+            <a:tailEnd type="none" w="med" len="med"/>
+          </a:ln>
+        </p:spPr>
+        <p:style>
+          <a:lnRef idx="0">
+            <a:scrgbClr r="0" g="0" b="0"/>
+          </a:lnRef>
+          <a:fillRef idx="0">
+            <a:scrgbClr r="0" g="0" b="0"/>
+          </a:fillRef>
+          <a:effectRef idx="0">
+            <a:scrgbClr r="0" g="0" b="0"/>
+          </a:effectRef>
+          <a:fontRef idx="minor">
+            <a:schemeClr val="accent2"/>
+          </a:fontRef>
+        </p:style>
+        <p:txBody>
+          <a:bodyPr wrap="square" rtlCol="0">
+            <a:spAutoFit/>
+          </a:bodyPr>
+          <a:lstStyle/>
+          <a:p>
+            <a:pPr algn="ctr"/>
+            <a:r>
+              <a:rPr lang="en-US" altLang="zh-CN" dirty="0">
+                <a:solidFill>
+                  <a:schemeClr val="bg1"/>
+                </a:solidFill>
+                <a:latin typeface="Noto Sans" panose="020B0502040504020204"/>
+              </a:rPr>
+              <a:t>Reward</a:t>
+            </a:r>
+          </a:p>
+          <a:p>
+            <a:r>
+              <a:rPr lang="en-US" altLang="zh-CN" dirty="0" err="1">
+                <a:solidFill>
+                  <a:schemeClr val="tx1">
+                    <a:lumMod val="95000"/>
+                    <a:lumOff val="5000"/>
+                  </a:schemeClr>
+                </a:solidFill>
+                <a:latin typeface="Noto Sans" panose="020B0502040504020204"/>
+              </a:rPr>
+              <a:t>reward_time</a:t>
+            </a:r>
+            <a:r>
+              <a:rPr lang="en-US" altLang="zh-CN" dirty="0">
+                <a:solidFill>
+                  <a:schemeClr val="tx1">
+                    <a:lumMod val="95000"/>
+                    <a:lumOff val="5000"/>
+                  </a:schemeClr>
+                </a:solidFill>
+                <a:latin typeface="Noto Sans" panose="020B0502040504020204"/>
+              </a:rPr>
+              <a:t> </a:t>
+            </a:r>
+          </a:p>
+          <a:p>
+            <a:r>
+              <a:rPr lang="en-US" altLang="zh-CN" dirty="0" err="1">
+                <a:solidFill>
+                  <a:schemeClr val="tx1">
+                    <a:lumMod val="95000"/>
+                    <a:lumOff val="5000"/>
+                  </a:schemeClr>
+                </a:solidFill>
+                <a:latin typeface="Noto Sans" panose="020B0502040504020204"/>
+              </a:rPr>
+              <a:t>reward_distance</a:t>
+            </a:r>
+            <a:endParaRPr lang="en-US" altLang="zh-CN" dirty="0">
+              <a:solidFill>
+                <a:schemeClr val="tx1">
+                  <a:lumMod val="95000"/>
+                  <a:lumOff val="5000"/>
+                </a:schemeClr>
+              </a:solidFill>
+              <a:latin typeface="Noto Sans" panose="020B0502040504020204"/>
+            </a:endParaRPr>
+          </a:p>
+          <a:p>
+            <a:r>
+              <a:rPr lang="en-US" altLang="zh-CN" dirty="0" err="1">
+                <a:solidFill>
+                  <a:schemeClr val="tx1">
+                    <a:lumMod val="95000"/>
+                    <a:lumOff val="5000"/>
+                  </a:schemeClr>
+                </a:solidFill>
+                <a:latin typeface="Noto Sans" panose="020B0502040504020204"/>
+              </a:rPr>
+              <a:t>reward_goal</a:t>
+            </a:r>
+            <a:r>
+              <a:rPr lang="en-US" altLang="zh-CN" dirty="0">
+                <a:solidFill>
+                  <a:schemeClr val="tx1">
+                    <a:lumMod val="95000"/>
+                    <a:lumOff val="5000"/>
+                  </a:schemeClr>
+                </a:solidFill>
+                <a:latin typeface="Noto Sans" panose="020B0502040504020204"/>
+              </a:rPr>
+              <a:t> </a:t>
+            </a:r>
+          </a:p>
+          <a:p>
+            <a:r>
+              <a:rPr lang="en-US" altLang="zh-CN" dirty="0" err="1">
+                <a:solidFill>
+                  <a:schemeClr val="tx1">
+                    <a:lumMod val="95000"/>
+                    <a:lumOff val="5000"/>
+                  </a:schemeClr>
+                </a:solidFill>
+                <a:latin typeface="Noto Sans" panose="020B0502040504020204"/>
+              </a:rPr>
+              <a:t>reward_obstacle</a:t>
+            </a:r>
+            <a:r>
+              <a:rPr lang="en-US" altLang="zh-CN" dirty="0">
+                <a:solidFill>
+                  <a:schemeClr val="tx1">
+                    <a:lumMod val="95000"/>
+                    <a:lumOff val="5000"/>
+                  </a:schemeClr>
+                </a:solidFill>
+                <a:latin typeface="Noto Sans" panose="020B0502040504020204"/>
+              </a:rPr>
+              <a:t> </a:t>
+            </a:r>
+          </a:p>
+          <a:p>
+            <a:r>
+              <a:rPr lang="en-US" altLang="zh-CN" dirty="0" err="1">
+                <a:solidFill>
+                  <a:schemeClr val="tx1">
+                    <a:lumMod val="95000"/>
+                    <a:lumOff val="5000"/>
+                  </a:schemeClr>
+                </a:solidFill>
+                <a:latin typeface="Noto Sans" panose="020B0502040504020204"/>
+              </a:rPr>
+              <a:t>reward_steps</a:t>
+            </a:r>
+            <a:endParaRPr lang="zh-CN" altLang="en-US" dirty="0">
+              <a:solidFill>
+                <a:schemeClr val="tx1">
+                  <a:lumMod val="95000"/>
+                  <a:lumOff val="5000"/>
+                </a:schemeClr>
+              </a:solidFill>
+              <a:latin typeface="Noto Sans" panose="020B0502040504020204"/>
+            </a:endParaRPr>
+          </a:p>
+        </p:txBody>
+      </p:sp>
+      <p:cxnSp>
+        <p:nvCxnSpPr>
+          <p:cNvPr id="9" name="直接连接符 8">
+            <a:extLst>
+              <a:ext uri="{FF2B5EF4-FFF2-40B4-BE49-F238E27FC236}">
+                <a16:creationId xmlns:a16="http://schemas.microsoft.com/office/drawing/2014/main" id="{028C32FE-153E-4BEC-B087-696A34DC0D69}"/>
+              </a:ext>
+            </a:extLst>
+          </p:cNvPr>
+          <p:cNvCxnSpPr/>
+          <p:nvPr/>
+        </p:nvCxnSpPr>
+        <p:spPr>
+          <a:xfrm>
+            <a:off x="7837071" y="1627631"/>
+            <a:ext cx="0" cy="3724656"/>
+          </a:xfrm>
+          <a:prstGeom prst="line">
+            <a:avLst/>
+          </a:prstGeom>
+        </p:spPr>
+        <p:style>
+          <a:lnRef idx="1">
+            <a:schemeClr val="dk1"/>
+          </a:lnRef>
+          <a:fillRef idx="0">
+            <a:schemeClr val="dk1"/>
+          </a:fillRef>
+          <a:effectRef idx="0">
+            <a:schemeClr val="dk1"/>
+          </a:effectRef>
+          <a:fontRef idx="minor">
+            <a:schemeClr val="tx1"/>
+          </a:fontRef>
+        </p:style>
+      </p:cxnSp>
+      <p:sp>
+        <p:nvSpPr>
+          <p:cNvPr id="17" name="文本框 16">
+            <a:extLst>
+              <a:ext uri="{FF2B5EF4-FFF2-40B4-BE49-F238E27FC236}">
+                <a16:creationId xmlns:a16="http://schemas.microsoft.com/office/drawing/2014/main" id="{EF885E02-B873-4BAD-9CA4-509194DAEDF4}"/>
+              </a:ext>
+            </a:extLst>
+          </p:cNvPr>
+          <p:cNvSpPr txBox="1"/>
+          <p:nvPr/>
+        </p:nvSpPr>
+        <p:spPr>
+          <a:xfrm>
+            <a:off x="852176" y="1470991"/>
+            <a:ext cx="7089189" cy="3693319"/>
+          </a:xfrm>
+          <a:prstGeom prst="rect">
+            <a:avLst/>
+          </a:prstGeom>
+          <a:noFill/>
+        </p:spPr>
+        <p:txBody>
+          <a:bodyPr wrap="square" rtlCol="0">
+            <a:spAutoFit/>
+          </a:bodyPr>
+          <a:lstStyle/>
+          <a:p>
+            <a:r>
+              <a:rPr lang="en-US" altLang="zh-CN" b="1" i="1" dirty="0">
+                <a:latin typeface="Noto Sans" panose="020B0502040504020204"/>
+              </a:rPr>
+              <a:t>Time Limits</a:t>
+            </a:r>
+          </a:p>
+          <a:p>
+            <a:pPr marL="285750" indent="-285750">
+              <a:buFontTx/>
+              <a:buChar char="-"/>
+            </a:pPr>
+            <a:r>
+              <a:rPr lang="en-US" altLang="zh-CN" dirty="0">
+                <a:solidFill>
+                  <a:schemeClr val="tx1">
+                    <a:lumMod val="95000"/>
+                    <a:lumOff val="5000"/>
+                  </a:schemeClr>
+                </a:solidFill>
+                <a:latin typeface="Noto Sans" panose="020B0502040504020204"/>
+              </a:rPr>
+              <a:t>number of steps or time available in the </a:t>
+            </a:r>
+            <a:r>
+              <a:rPr lang="en-US" altLang="zh-CN" dirty="0" err="1">
+                <a:solidFill>
+                  <a:schemeClr val="tx1">
+                    <a:lumMod val="95000"/>
+                    <a:lumOff val="5000"/>
+                  </a:schemeClr>
+                </a:solidFill>
+                <a:latin typeface="Noto Sans" panose="020B0502040504020204"/>
+              </a:rPr>
+              <a:t>webots</a:t>
+            </a:r>
+            <a:r>
+              <a:rPr lang="en-US" altLang="zh-CN" dirty="0">
+                <a:solidFill>
+                  <a:schemeClr val="tx1">
+                    <a:lumMod val="95000"/>
+                    <a:lumOff val="5000"/>
+                  </a:schemeClr>
+                </a:solidFill>
+                <a:latin typeface="Noto Sans" panose="020B0502040504020204"/>
+              </a:rPr>
+              <a:t> environment</a:t>
+            </a:r>
+          </a:p>
+          <a:p>
+            <a:pPr marL="285750" indent="-285750">
+              <a:buFontTx/>
+              <a:buChar char="-"/>
+            </a:pPr>
+            <a:r>
+              <a:rPr lang="en-US" altLang="zh-CN" dirty="0">
+                <a:solidFill>
+                  <a:schemeClr val="tx1">
+                    <a:lumMod val="95000"/>
+                    <a:lumOff val="5000"/>
+                  </a:schemeClr>
+                </a:solidFill>
+                <a:latin typeface="Noto Sans" panose="020B0502040504020204"/>
+              </a:rPr>
+              <a:t>number of requests from backend to controller for observation space</a:t>
+            </a:r>
+          </a:p>
+          <a:p>
+            <a:endParaRPr lang="en-US" altLang="zh-CN" dirty="0">
+              <a:latin typeface="Noto Sans" panose="020B0502040504020204"/>
+            </a:endParaRPr>
+          </a:p>
+          <a:p>
+            <a:r>
+              <a:rPr lang="en-US" altLang="zh-CN" b="1" i="1" dirty="0">
+                <a:latin typeface="Noto Sans" panose="020B0502040504020204"/>
+              </a:rPr>
+              <a:t>Positive Rewards</a:t>
+            </a:r>
+          </a:p>
+          <a:p>
+            <a:pPr marL="285750" indent="-285750">
+              <a:buFontTx/>
+              <a:buChar char="-"/>
+            </a:pPr>
+            <a:r>
+              <a:rPr lang="en-US" altLang="zh-CN" dirty="0">
+                <a:solidFill>
+                  <a:schemeClr val="tx1">
+                    <a:lumMod val="95000"/>
+                    <a:lumOff val="5000"/>
+                  </a:schemeClr>
+                </a:solidFill>
+                <a:latin typeface="Noto Sans" panose="020B0502040504020204"/>
+              </a:rPr>
+              <a:t>going closer to the goal</a:t>
+            </a:r>
+          </a:p>
+          <a:p>
+            <a:pPr marL="285750" indent="-285750">
+              <a:buFontTx/>
+              <a:buChar char="-"/>
+            </a:pPr>
+            <a:r>
+              <a:rPr lang="en-US" altLang="zh-CN" dirty="0">
+                <a:solidFill>
+                  <a:schemeClr val="tx1">
+                    <a:lumMod val="95000"/>
+                    <a:lumOff val="5000"/>
+                  </a:schemeClr>
+                </a:solidFill>
+                <a:latin typeface="Noto Sans" panose="020B0502040504020204"/>
+              </a:rPr>
+              <a:t>staying away from obstacles</a:t>
+            </a:r>
+          </a:p>
+          <a:p>
+            <a:pPr marL="285750" indent="-285750">
+              <a:buFontTx/>
+              <a:buChar char="-"/>
+            </a:pPr>
+            <a:r>
+              <a:rPr lang="en-US" altLang="zh-CN" dirty="0">
+                <a:solidFill>
+                  <a:schemeClr val="tx1">
+                    <a:lumMod val="95000"/>
+                    <a:lumOff val="5000"/>
+                  </a:schemeClr>
+                </a:solidFill>
+                <a:latin typeface="Noto Sans" panose="020B0502040504020204"/>
+              </a:rPr>
+              <a:t>entering the goal</a:t>
+            </a:r>
+          </a:p>
+          <a:p>
+            <a:endParaRPr lang="en-US" altLang="zh-CN" dirty="0">
+              <a:latin typeface="Noto Sans" panose="020B0502040504020204"/>
+            </a:endParaRPr>
+          </a:p>
+          <a:p>
+            <a:r>
+              <a:rPr lang="en-US" altLang="zh-CN" b="1" i="1" dirty="0">
+                <a:latin typeface="Noto Sans" panose="020B0502040504020204"/>
+              </a:rPr>
+              <a:t>Negative Rewards</a:t>
+            </a:r>
+          </a:p>
+          <a:p>
+            <a:pPr marL="285750" indent="-285750">
+              <a:buFontTx/>
+              <a:buChar char="-"/>
+            </a:pPr>
+            <a:r>
+              <a:rPr lang="en-US" altLang="zh-CN" dirty="0">
+                <a:solidFill>
+                  <a:schemeClr val="tx1">
+                    <a:lumMod val="95000"/>
+                    <a:lumOff val="5000"/>
+                  </a:schemeClr>
+                </a:solidFill>
+                <a:latin typeface="Noto Sans" panose="020B0502040504020204"/>
+              </a:rPr>
+              <a:t>for each step used to achieve the goal</a:t>
+            </a:r>
+          </a:p>
+          <a:p>
+            <a:pPr marL="285750" indent="-285750">
+              <a:buFontTx/>
+              <a:buChar char="-"/>
+            </a:pPr>
+            <a:r>
+              <a:rPr lang="en-US" altLang="zh-CN" dirty="0">
+                <a:solidFill>
+                  <a:schemeClr val="tx1">
+                    <a:lumMod val="95000"/>
+                    <a:lumOff val="5000"/>
+                  </a:schemeClr>
+                </a:solidFill>
+                <a:latin typeface="Noto Sans" panose="020B0502040504020204"/>
+              </a:rPr>
+              <a:t>crashing or hitting an obstacle</a:t>
+            </a:r>
+          </a:p>
+          <a:p>
+            <a:pPr marL="285750" indent="-285750">
+              <a:buFontTx/>
+              <a:buChar char="-"/>
+            </a:pPr>
+            <a:r>
+              <a:rPr lang="en-US" altLang="zh-CN" dirty="0">
+                <a:solidFill>
+                  <a:schemeClr val="tx1">
+                    <a:lumMod val="95000"/>
+                    <a:lumOff val="5000"/>
+                  </a:schemeClr>
+                </a:solidFill>
+                <a:latin typeface="Noto Sans" panose="020B0502040504020204"/>
+              </a:rPr>
+              <a:t>get too close to an obstacle</a:t>
+            </a:r>
+          </a:p>
+        </p:txBody>
+      </p:sp>
+      <p:grpSp>
+        <p:nvGrpSpPr>
+          <p:cNvPr id="24" name="Gruppieren 9">
+            <a:extLst>
+              <a:ext uri="{FF2B5EF4-FFF2-40B4-BE49-F238E27FC236}">
+                <a16:creationId xmlns:a16="http://schemas.microsoft.com/office/drawing/2014/main" id="{0D24CCD7-201E-4FB5-B781-69722495810C}"/>
+              </a:ext>
+            </a:extLst>
+          </p:cNvPr>
+          <p:cNvGrpSpPr>
+            <a:grpSpLocks noChangeAspect="1"/>
+          </p:cNvGrpSpPr>
+          <p:nvPr/>
+        </p:nvGrpSpPr>
+        <p:grpSpPr>
+          <a:xfrm>
+            <a:off x="11178553" y="2431373"/>
+            <a:ext cx="528293" cy="2645076"/>
+            <a:chOff x="9900193" y="1530836"/>
+            <a:chExt cx="920569" cy="4609143"/>
+          </a:xfrm>
+        </p:grpSpPr>
+        <p:pic>
+          <p:nvPicPr>
+            <p:cNvPr id="25" name="Grafik 10" descr="Klemmbrett abgehakt">
+              <a:extLst>
+                <a:ext uri="{FF2B5EF4-FFF2-40B4-BE49-F238E27FC236}">
+                  <a16:creationId xmlns:a16="http://schemas.microsoft.com/office/drawing/2014/main" id="{8948CD3F-42CC-4A39-9696-2F7845A95319}"/>
+                </a:ext>
+              </a:extLst>
+            </p:cNvPr>
+            <p:cNvPicPr>
+              <a:picLocks noChangeAspect="1"/>
+            </p:cNvPicPr>
+            <p:nvPr/>
+          </p:nvPicPr>
+          <p:blipFill>
+            <a:blip r:embed="rId2">
+              <a:extLst>
+                <a:ext uri="{28A0092B-C50C-407E-A947-70E740481C1C}">
+                  <a14:useLocalDpi xmlns:a14="http://schemas.microsoft.com/office/drawing/2010/main" val="0"/>
+                </a:ext>
+                <a:ext uri="{96DAC541-7B7A-43D3-8B79-37D633B846F1}">
+                  <asvg:svgBlip xmlns:asvg="http://schemas.microsoft.com/office/drawing/2016/SVG/main" r:embed="rId3"/>
+                </a:ext>
+              </a:extLst>
+            </a:blip>
+            <a:stretch>
+              <a:fillRect/>
+            </a:stretch>
+          </p:blipFill>
+          <p:spPr>
+            <a:xfrm>
+              <a:off x="9900193" y="5225579"/>
+              <a:ext cx="914400" cy="914400"/>
+            </a:xfrm>
+            <a:prstGeom prst="rect">
+              <a:avLst/>
+            </a:prstGeom>
+          </p:spPr>
+        </p:pic>
+        <p:pic>
+          <p:nvPicPr>
+            <p:cNvPr id="26" name="Grafik 11" descr="Häkchen">
+              <a:extLst>
+                <a:ext uri="{FF2B5EF4-FFF2-40B4-BE49-F238E27FC236}">
+                  <a16:creationId xmlns:a16="http://schemas.microsoft.com/office/drawing/2014/main" id="{01214C2B-3D3C-45B6-8F78-E106EC5B3F48}"/>
+                </a:ext>
+              </a:extLst>
+            </p:cNvPr>
+            <p:cNvPicPr>
+              <a:picLocks noChangeAspect="1"/>
+            </p:cNvPicPr>
+            <p:nvPr/>
+          </p:nvPicPr>
+          <p:blipFill>
+            <a:blip r:embed="rId4">
+              <a:extLst>
+                <a:ext uri="{28A0092B-C50C-407E-A947-70E740481C1C}">
+                  <a14:useLocalDpi xmlns:a14="http://schemas.microsoft.com/office/drawing/2010/main" val="0"/>
+                </a:ext>
+                <a:ext uri="{96DAC541-7B7A-43D3-8B79-37D633B846F1}">
+                  <asvg:svgBlip xmlns:asvg="http://schemas.microsoft.com/office/drawing/2016/SVG/main" r:embed="rId5"/>
+                </a:ext>
+              </a:extLst>
+            </a:blip>
+            <a:stretch>
+              <a:fillRect/>
+            </a:stretch>
+          </p:blipFill>
+          <p:spPr>
+            <a:xfrm>
+              <a:off x="9906362" y="1530836"/>
+              <a:ext cx="914400" cy="914400"/>
+            </a:xfrm>
+            <a:prstGeom prst="rect">
+              <a:avLst/>
+            </a:prstGeom>
+          </p:spPr>
+        </p:pic>
+        <p:pic>
+          <p:nvPicPr>
+            <p:cNvPr id="27" name="Grafik 12" descr="Gehirn">
+              <a:extLst>
+                <a:ext uri="{FF2B5EF4-FFF2-40B4-BE49-F238E27FC236}">
+                  <a16:creationId xmlns:a16="http://schemas.microsoft.com/office/drawing/2014/main" id="{7541210B-6485-47E1-A242-F9BFCABE78CD}"/>
+                </a:ext>
+              </a:extLst>
+            </p:cNvPr>
+            <p:cNvPicPr>
+              <a:picLocks noChangeAspect="1"/>
+            </p:cNvPicPr>
+            <p:nvPr/>
+          </p:nvPicPr>
+          <p:blipFill>
+            <a:blip r:embed="rId6">
+              <a:extLst>
+                <a:ext uri="{28A0092B-C50C-407E-A947-70E740481C1C}">
+                  <a14:useLocalDpi xmlns:a14="http://schemas.microsoft.com/office/drawing/2010/main" val="0"/>
+                </a:ext>
+                <a:ext uri="{96DAC541-7B7A-43D3-8B79-37D633B846F1}">
+                  <asvg:svgBlip xmlns:asvg="http://schemas.microsoft.com/office/drawing/2016/SVG/main" r:embed="rId7"/>
+                </a:ext>
+              </a:extLst>
+            </a:blip>
+            <a:stretch>
+              <a:fillRect/>
+            </a:stretch>
+          </p:blipFill>
+          <p:spPr>
+            <a:xfrm>
+              <a:off x="9900193" y="3375461"/>
+              <a:ext cx="914400" cy="914400"/>
+            </a:xfrm>
+            <a:prstGeom prst="rect">
+              <a:avLst/>
+            </a:prstGeom>
+          </p:spPr>
+        </p:pic>
+        <p:pic>
+          <p:nvPicPr>
+            <p:cNvPr id="28" name="Grafik 13" descr="Einhorn">
+              <a:extLst>
+                <a:ext uri="{FF2B5EF4-FFF2-40B4-BE49-F238E27FC236}">
+                  <a16:creationId xmlns:a16="http://schemas.microsoft.com/office/drawing/2014/main" id="{173B584E-3600-4BBB-846C-4436FFE0537B}"/>
+                </a:ext>
+              </a:extLst>
+            </p:cNvPr>
+            <p:cNvPicPr>
+              <a:picLocks noChangeAspect="1"/>
+            </p:cNvPicPr>
+            <p:nvPr/>
+          </p:nvPicPr>
+          <p:blipFill>
+            <a:blip r:embed="rId8">
+              <a:extLst>
+                <a:ext uri="{28A0092B-C50C-407E-A947-70E740481C1C}">
+                  <a14:useLocalDpi xmlns:a14="http://schemas.microsoft.com/office/drawing/2010/main" val="0"/>
+                </a:ext>
+                <a:ext uri="{96DAC541-7B7A-43D3-8B79-37D633B846F1}">
+                  <asvg:svgBlip xmlns:asvg="http://schemas.microsoft.com/office/drawing/2016/SVG/main" r:embed="rId9"/>
+                </a:ext>
+              </a:extLst>
+            </a:blip>
+            <a:stretch>
+              <a:fillRect/>
+            </a:stretch>
+          </p:blipFill>
+          <p:spPr>
+            <a:xfrm>
+              <a:off x="9900193" y="4298238"/>
+              <a:ext cx="914400" cy="914400"/>
+            </a:xfrm>
+            <a:prstGeom prst="rect">
+              <a:avLst/>
+            </a:prstGeom>
+          </p:spPr>
+        </p:pic>
+        <p:pic>
+          <p:nvPicPr>
+            <p:cNvPr id="29" name="Grafik 14" descr="Hierarchie">
+              <a:extLst>
+                <a:ext uri="{FF2B5EF4-FFF2-40B4-BE49-F238E27FC236}">
+                  <a16:creationId xmlns:a16="http://schemas.microsoft.com/office/drawing/2014/main" id="{9F6B23CF-0E5B-41EF-81CA-F54B8DA8E4F0}"/>
+                </a:ext>
+              </a:extLst>
+            </p:cNvPr>
+            <p:cNvPicPr>
+              <a:picLocks noChangeAspect="1"/>
+            </p:cNvPicPr>
+            <p:nvPr/>
+          </p:nvPicPr>
+          <p:blipFill>
+            <a:blip r:embed="rId10">
+              <a:extLst>
+                <a:ext uri="{28A0092B-C50C-407E-A947-70E740481C1C}">
+                  <a14:useLocalDpi xmlns:a14="http://schemas.microsoft.com/office/drawing/2010/main" val="0"/>
+                </a:ext>
+                <a:ext uri="{96DAC541-7B7A-43D3-8B79-37D633B846F1}">
+                  <asvg:svgBlip xmlns:asvg="http://schemas.microsoft.com/office/drawing/2016/SVG/main" r:embed="rId11"/>
+                </a:ext>
+              </a:extLst>
+            </a:blip>
+            <a:stretch>
+              <a:fillRect/>
+            </a:stretch>
+          </p:blipFill>
+          <p:spPr>
+            <a:xfrm>
+              <a:off x="9900193" y="2464538"/>
+              <a:ext cx="914400" cy="914400"/>
+            </a:xfrm>
+            <a:prstGeom prst="rect">
+              <a:avLst/>
+            </a:prstGeom>
+          </p:spPr>
+        </p:pic>
+      </p:grpSp>
+    </p:spTree>
+    <p:extLst>
+      <p:ext uri="{BB962C8B-B14F-4D97-AF65-F5344CB8AC3E}">
+        <p14:creationId xmlns:p14="http://schemas.microsoft.com/office/powerpoint/2010/main" val="1035206212"/>
+      </p:ext>
+    </p:extLst>
+  </p:cSld>
+  <p:clrMapOvr>
+    <a:masterClrMapping/>
+  </p:clrMapOvr>
+</p:sld>
+</file>
+
+<file path=ppt/slides/slide21.xml><?xml version="1.0" encoding="utf-8"?>
+<p:sld xmlns:a="http://schemas.openxmlformats.org/drawingml/2006/main" xmlns:r="http://schemas.openxmlformats.org/officeDocument/2006/relationships" xmlns:p="http://schemas.openxmlformats.org/presentationml/2006/main">
+  <p:cSld>
+    <p:spTree>
+      <p:nvGrpSpPr>
+        <p:cNvPr id="1" name=""/>
+        <p:cNvGrpSpPr/>
+        <p:nvPr/>
+      </p:nvGrpSpPr>
+      <p:grpSpPr>
+        <a:xfrm>
+          <a:off x="0" y="0"/>
+          <a:ext cx="0" cy="0"/>
+          <a:chOff x="0" y="0"/>
+          <a:chExt cx="0" cy="0"/>
+        </a:xfrm>
+      </p:grpSpPr>
+      <p:sp>
+        <p:nvSpPr>
+          <p:cNvPr id="4" name="Rechteck 3">
+            <a:extLst>
+              <a:ext uri="{FF2B5EF4-FFF2-40B4-BE49-F238E27FC236}">
+                <a16:creationId xmlns:a16="http://schemas.microsoft.com/office/drawing/2014/main" id="{45600459-0D9D-4085-A38F-148B2CF7DEF5}"/>
+              </a:ext>
+            </a:extLst>
+          </p:cNvPr>
+          <p:cNvSpPr/>
+          <p:nvPr/>
+        </p:nvSpPr>
+        <p:spPr>
+          <a:xfrm>
+            <a:off x="852176" y="583064"/>
+            <a:ext cx="10590524" cy="540689"/>
+          </a:xfrm>
+          <a:prstGeom prst="rect">
+            <a:avLst/>
+          </a:prstGeom>
+          <a:noFill/>
+          <a:ln>
+            <a:noFill/>
+          </a:ln>
+        </p:spPr>
+        <p:style>
+          <a:lnRef idx="2">
+            <a:schemeClr val="accent1">
+              <a:shade val="50000"/>
+            </a:schemeClr>
+          </a:lnRef>
+          <a:fillRef idx="1">
+            <a:schemeClr val="accent1"/>
+          </a:fillRef>
+          <a:effectRef idx="0">
+            <a:schemeClr val="accent1"/>
+          </a:effectRef>
+          <a:fontRef idx="minor">
+            <a:schemeClr val="lt1"/>
+          </a:fontRef>
+        </p:style>
+        <p:txBody>
+          <a:bodyPr rtlCol="0" anchor="ctr"/>
+          <a:lstStyle/>
+          <a:p>
+            <a:r>
+              <a:rPr lang="de-DE" sz="2800" dirty="0">
+                <a:solidFill>
+                  <a:schemeClr val="tx1"/>
+                </a:solidFill>
+                <a:latin typeface="Noto Sans" panose="020B0502040504020204"/>
+                <a:cs typeface="Nirmala UI Semilight" panose="020B0402040204020203" pitchFamily="34" charset="0"/>
+              </a:rPr>
+              <a:t>Quality Assurance: Coding Guideline </a:t>
+            </a:r>
+          </a:p>
+        </p:txBody>
+      </p:sp>
+      <p:sp>
+        <p:nvSpPr>
+          <p:cNvPr id="32" name="Foliennummernplatzhalter 31">
+            <a:extLst>
+              <a:ext uri="{FF2B5EF4-FFF2-40B4-BE49-F238E27FC236}">
+                <a16:creationId xmlns:a16="http://schemas.microsoft.com/office/drawing/2014/main" id="{C41D527C-B21D-4D92-8063-27F2C398946C}"/>
+              </a:ext>
+            </a:extLst>
+          </p:cNvPr>
+          <p:cNvSpPr>
+            <a:spLocks noGrp="1"/>
+          </p:cNvSpPr>
+          <p:nvPr>
+            <p:ph type="sldNum" sz="quarter" idx="12"/>
+          </p:nvPr>
+        </p:nvSpPr>
+        <p:spPr/>
+        <p:txBody>
+          <a:bodyPr/>
+          <a:lstStyle/>
+          <a:p>
+            <a:fld id="{134A3753-02B0-455D-8D9D-D71845697F25}" type="slidenum">
+              <a:rPr lang="de-DE" smtClean="0"/>
+              <a:t>21</a:t>
             </a:fld>
             <a:endParaRPr lang="de-DE"/>
           </a:p>
@@ -20306,7 +20803,7 @@
 </p:sld>
 </file>
 
-<file path=ppt/slides/slide21.xml><?xml version="1.0" encoding="utf-8"?>
+<file path=ppt/slides/slide22.xml><?xml version="1.0" encoding="utf-8"?>
 <p:sld xmlns:a="http://schemas.openxmlformats.org/drawingml/2006/main" xmlns:r="http://schemas.openxmlformats.org/officeDocument/2006/relationships" xmlns:p="http://schemas.openxmlformats.org/presentationml/2006/main">
   <p:cSld>
     <p:spTree>
@@ -20404,7 +20901,7 @@
           <a:p>
             <a:fld id="{134A3753-02B0-455D-8D9D-D71845697F25}" type="slidenum">
               <a:rPr lang="de-DE" smtClean="0"/>
-              <a:t>21</a:t>
+              <a:t>22</a:t>
             </a:fld>
             <a:endParaRPr lang="de-DE"/>
           </a:p>
@@ -20844,7 +21341,7 @@
 </p:sld>
 </file>
 
-<file path=ppt/slides/slide22.xml><?xml version="1.0" encoding="utf-8"?>
+<file path=ppt/slides/slide23.xml><?xml version="1.0" encoding="utf-8"?>
 <p:sld xmlns:a="http://schemas.openxmlformats.org/drawingml/2006/main" xmlns:r="http://schemas.openxmlformats.org/officeDocument/2006/relationships" xmlns:p="http://schemas.openxmlformats.org/presentationml/2006/main">
   <p:cSld>
     <p:spTree>
@@ -20979,7 +21476,7 @@
           <a:p>
             <a:fld id="{134A3753-02B0-455D-8D9D-D71845697F25}" type="slidenum">
               <a:rPr lang="de-DE" smtClean="0"/>
-              <a:t>22</a:t>
+              <a:t>23</a:t>
             </a:fld>
             <a:endParaRPr lang="de-DE"/>
           </a:p>

--- a/orga/milestone_presentations/MP2.pptx
+++ b/orga/milestone_presentations/MP2.pptx
@@ -19839,7 +19839,7 @@
               <a:rPr lang="en-US" altLang="zh-CN" b="1" i="1" dirty="0">
                 <a:latin typeface="Noto Sans" panose="020B0502040504020204"/>
               </a:rPr>
-              <a:t>Time Limits</a:t>
+              <a:t>Time Limit</a:t>
             </a:r>
           </a:p>
           <a:p>
@@ -19912,7 +19912,7 @@
               <a:rPr lang="en-US" altLang="zh-CN" b="1" i="1" dirty="0">
                 <a:latin typeface="Noto Sans" panose="020B0502040504020204"/>
               </a:rPr>
-              <a:t>Positive Rewards</a:t>
+              <a:t>Positive Reward</a:t>
             </a:r>
           </a:p>
           <a:p>
@@ -19979,7 +19979,7 @@
               <a:rPr lang="en-US" altLang="zh-CN" b="1" i="1" dirty="0">
                 <a:latin typeface="Noto Sans" panose="020B0502040504020204"/>
               </a:rPr>
-              <a:t>Negative Rewards</a:t>
+              <a:t>Negative Reward</a:t>
             </a:r>
           </a:p>
           <a:p>
